--- a/slides/T320_Redes_Neurais_Artificiais (Parte I).pptx
+++ b/slides/T320_Redes_Neurais_Artificiais (Parte I).pptx
@@ -5,7 +5,7 @@
     <p:sldMasterId id="2147483648" r:id="rId1"/>
   </p:sldMasterIdLst>
   <p:notesMasterIdLst>
-    <p:notesMasterId r:id="rId32"/>
+    <p:notesMasterId r:id="rId33"/>
   </p:notesMasterIdLst>
   <p:sldIdLst>
     <p:sldId id="300" r:id="rId2"/>
@@ -23,21 +23,22 @@
     <p:sldId id="295" r:id="rId14"/>
     <p:sldId id="282" r:id="rId15"/>
     <p:sldId id="296" r:id="rId16"/>
-    <p:sldId id="279" r:id="rId17"/>
-    <p:sldId id="297" r:id="rId18"/>
-    <p:sldId id="299" r:id="rId19"/>
-    <p:sldId id="288" r:id="rId20"/>
-    <p:sldId id="301" r:id="rId21"/>
-    <p:sldId id="269" r:id="rId22"/>
-    <p:sldId id="265" r:id="rId23"/>
-    <p:sldId id="271" r:id="rId24"/>
-    <p:sldId id="281" r:id="rId25"/>
-    <p:sldId id="280" r:id="rId26"/>
-    <p:sldId id="274" r:id="rId27"/>
-    <p:sldId id="287" r:id="rId28"/>
-    <p:sldId id="278" r:id="rId29"/>
-    <p:sldId id="291" r:id="rId30"/>
-    <p:sldId id="298" r:id="rId31"/>
+    <p:sldId id="304" r:id="rId17"/>
+    <p:sldId id="279" r:id="rId18"/>
+    <p:sldId id="297" r:id="rId19"/>
+    <p:sldId id="299" r:id="rId20"/>
+    <p:sldId id="288" r:id="rId21"/>
+    <p:sldId id="301" r:id="rId22"/>
+    <p:sldId id="269" r:id="rId23"/>
+    <p:sldId id="265" r:id="rId24"/>
+    <p:sldId id="271" r:id="rId25"/>
+    <p:sldId id="281" r:id="rId26"/>
+    <p:sldId id="280" r:id="rId27"/>
+    <p:sldId id="274" r:id="rId28"/>
+    <p:sldId id="287" r:id="rId29"/>
+    <p:sldId id="278" r:id="rId30"/>
+    <p:sldId id="291" r:id="rId31"/>
+    <p:sldId id="298" r:id="rId32"/>
   </p:sldIdLst>
   <p:sldSz cx="12192000" cy="6858000"/>
   <p:notesSz cx="6858000" cy="9144000"/>
@@ -263,7 +264,7 @@
           <a:p>
             <a:fld id="{C3C82C08-3EFC-4473-8294-F0E229C19EFF}" type="datetimeFigureOut">
               <a:rPr lang="pt-BR" smtClean="0"/>
-              <a:t>10/08/2021</a:t>
+              <a:t>26/08/2021</a:t>
             </a:fld>
             <a:endParaRPr lang="pt-BR"/>
           </a:p>
@@ -5265,21 +5266,129 @@
           <a:bodyPr/>
           <a:lstStyle/>
           <a:p>
-            <a:r>
-              <a:rPr lang="pt-BR"/>
-              <a:t>Existem várias</a:t>
-            </a:r>
-            <a:r>
-              <a:rPr lang="pt-BR" baseline="0"/>
+            <a:pPr marL="0" marR="0" lvl="0" indent="0" algn="l" defTabSz="914400" rtl="0" eaLnBrk="1" fontAlgn="auto" latinLnBrk="0" hangingPunct="1">
+              <a:lnSpc>
+                <a:spcPct val="100000"/>
+              </a:lnSpc>
+              <a:spcBef>
+                <a:spcPts val="0"/>
+              </a:spcBef>
+              <a:spcAft>
+                <a:spcPts val="0"/>
+              </a:spcAft>
+              <a:buClrTx/>
+              <a:buSzTx/>
+              <a:buFontTx/>
+              <a:buNone/>
+              <a:tabLst/>
+              <a:defRPr/>
+            </a:pPr>
+            <a:r>
+              <a:rPr lang="pt-BR" dirty="0" smtClean="0"/>
+              <a:t>Para que um </a:t>
+            </a:r>
+            <a:r>
+              <a:rPr lang="pt-BR" b="1" i="1" dirty="0" smtClean="0"/>
+              <a:t>classificador linear </a:t>
+            </a:r>
+            <a:r>
+              <a:rPr lang="pt-BR" dirty="0" smtClean="0"/>
+              <a:t>funcione corretamente, as duas classes devem ser </a:t>
+            </a:r>
+            <a:r>
+              <a:rPr lang="pt-BR" b="1" i="1" dirty="0" smtClean="0"/>
+              <a:t>linearmente separáveis</a:t>
+            </a:r>
+            <a:r>
+              <a:rPr lang="pt-BR" dirty="0" smtClean="0"/>
+              <a:t>.</a:t>
+            </a:r>
+          </a:p>
+          <a:p>
+            <a:endParaRPr lang="pt-BR" dirty="0" smtClean="0"/>
+          </a:p>
+          <a:p>
+            <a:pPr marL="0" marR="0" lvl="0" indent="0" algn="l" defTabSz="914400" rtl="0" eaLnBrk="1" fontAlgn="auto" latinLnBrk="0" hangingPunct="1">
+              <a:lnSpc>
+                <a:spcPct val="100000"/>
+              </a:lnSpc>
+              <a:spcBef>
+                <a:spcPts val="0"/>
+              </a:spcBef>
+              <a:spcAft>
+                <a:spcPts val="0"/>
+              </a:spcAft>
+              <a:buClrTx/>
+              <a:buSzTx/>
+              <a:buFontTx/>
+              <a:buNone/>
+              <a:tabLst/>
+              <a:defRPr/>
+            </a:pPr>
+            <a:r>
+              <a:rPr lang="pt-BR" dirty="0" smtClean="0"/>
+              <a:t>Isso significa que as classes devem ser </a:t>
+            </a:r>
+            <a:r>
+              <a:rPr lang="pt-BR" b="1" i="1" dirty="0" smtClean="0"/>
+              <a:t>suficientemente separadas </a:t>
+            </a:r>
+            <a:r>
+              <a:rPr lang="pt-BR" dirty="0" smtClean="0"/>
+              <a:t>umas das outras para garantir que a </a:t>
+            </a:r>
+            <a:r>
+              <a:rPr lang="pt-BR" b="1" i="1" dirty="0" smtClean="0"/>
+              <a:t>superfície de decisão </a:t>
+            </a:r>
+            <a:r>
+              <a:rPr lang="pt-BR" dirty="0" smtClean="0"/>
+              <a:t>consista de um </a:t>
+            </a:r>
+            <a:r>
+              <a:rPr lang="pt-BR" b="1" i="1" dirty="0" smtClean="0"/>
+              <a:t>hiperplano</a:t>
+            </a:r>
+            <a:r>
+              <a:rPr lang="pt-BR" dirty="0" smtClean="0"/>
+              <a:t>.</a:t>
+            </a:r>
+          </a:p>
+          <a:p>
+            <a:endParaRPr lang="pt-BR" dirty="0" smtClean="0"/>
+          </a:p>
+          <a:p>
+            <a:endParaRPr lang="pt-BR" dirty="0" smtClean="0"/>
+          </a:p>
+          <a:p>
+            <a:r>
+              <a:rPr lang="pt-BR" dirty="0" smtClean="0"/>
+              <a:t>Existem </a:t>
+            </a:r>
+            <a:r>
+              <a:rPr lang="pt-BR" dirty="0"/>
+              <a:t>várias</a:t>
+            </a:r>
+            <a:r>
+              <a:rPr lang="pt-BR" baseline="0" dirty="0"/>
               <a:t> outras funções de ativação: </a:t>
             </a:r>
             <a:r>
-              <a:rPr lang="pt-BR">
+              <a:rPr lang="pt-BR" dirty="0">
                 <a:hlinkClick r:id="rId3"/>
               </a:rPr>
-              <a:t>https://en.wikipedia.org/wiki/Activation_function</a:t>
-            </a:r>
-            <a:endParaRPr lang="pt-BR" dirty="0"/>
+              <a:t>https://</a:t>
+            </a:r>
+            <a:r>
+              <a:rPr lang="pt-BR" dirty="0" smtClean="0">
+                <a:hlinkClick r:id="rId3"/>
+              </a:rPr>
+              <a:t>en.wikipedia.org/wiki/Activation_function</a:t>
+            </a:r>
+            <a:endParaRPr lang="pt-BR" dirty="0" smtClean="0"/>
+          </a:p>
+          <a:p>
+            <a:endParaRPr lang="pt-BR" dirty="0" smtClean="0"/>
           </a:p>
         </p:txBody>
       </p:sp>
@@ -5736,7 +5845,7 @@
           <a:p>
             <a:fld id="{F430A2A4-8C14-4B1A-AD48-7B6401078BF7}" type="slidenum">
               <a:rPr lang="pt-BR" smtClean="0"/>
-              <a:t>16</a:t>
+              <a:t>17</a:t>
             </a:fld>
             <a:endParaRPr lang="pt-BR"/>
           </a:p>
@@ -6172,7 +6281,7 @@
           <a:p>
             <a:fld id="{F430A2A4-8C14-4B1A-AD48-7B6401078BF7}" type="slidenum">
               <a:rPr lang="pt-BR" smtClean="0"/>
-              <a:t>17</a:t>
+              <a:t>18</a:t>
             </a:fld>
             <a:endParaRPr lang="pt-BR"/>
           </a:p>
@@ -6289,7 +6398,7 @@
           <a:p>
             <a:fld id="{F430A2A4-8C14-4B1A-AD48-7B6401078BF7}" type="slidenum">
               <a:rPr lang="pt-BR" smtClean="0"/>
-              <a:t>19</a:t>
+              <a:t>20</a:t>
             </a:fld>
             <a:endParaRPr lang="pt-BR"/>
           </a:p>
@@ -6383,7 +6492,7 @@
           <a:p>
             <a:fld id="{6FC8D850-966F-45A6-8DE7-15B891E7D40D}" type="slidenum">
               <a:rPr lang="pt-BR" smtClean="0"/>
-              <a:t>20</a:t>
+              <a:t>21</a:t>
             </a:fld>
             <a:endParaRPr lang="pt-BR"/>
           </a:p>
@@ -7598,7 +7707,7 @@
           <a:p>
             <a:fld id="{221D0464-8C8A-49C0-859F-777E51766A35}" type="datetimeFigureOut">
               <a:rPr lang="pt-BR" smtClean="0"/>
-              <a:t>10/08/2021</a:t>
+              <a:t>26/08/2021</a:t>
             </a:fld>
             <a:endParaRPr lang="pt-BR"/>
           </a:p>
@@ -7768,7 +7877,7 @@
           <a:p>
             <a:fld id="{221D0464-8C8A-49C0-859F-777E51766A35}" type="datetimeFigureOut">
               <a:rPr lang="pt-BR" smtClean="0"/>
-              <a:t>10/08/2021</a:t>
+              <a:t>26/08/2021</a:t>
             </a:fld>
             <a:endParaRPr lang="pt-BR"/>
           </a:p>
@@ -7948,7 +8057,7 @@
           <a:p>
             <a:fld id="{221D0464-8C8A-49C0-859F-777E51766A35}" type="datetimeFigureOut">
               <a:rPr lang="pt-BR" smtClean="0"/>
-              <a:t>10/08/2021</a:t>
+              <a:t>26/08/2021</a:t>
             </a:fld>
             <a:endParaRPr lang="pt-BR"/>
           </a:p>
@@ -8118,7 +8227,7 @@
           <a:p>
             <a:fld id="{221D0464-8C8A-49C0-859F-777E51766A35}" type="datetimeFigureOut">
               <a:rPr lang="pt-BR" smtClean="0"/>
-              <a:t>10/08/2021</a:t>
+              <a:t>26/08/2021</a:t>
             </a:fld>
             <a:endParaRPr lang="pt-BR"/>
           </a:p>
@@ -8364,7 +8473,7 @@
           <a:p>
             <a:fld id="{221D0464-8C8A-49C0-859F-777E51766A35}" type="datetimeFigureOut">
               <a:rPr lang="pt-BR" smtClean="0"/>
-              <a:t>10/08/2021</a:t>
+              <a:t>26/08/2021</a:t>
             </a:fld>
             <a:endParaRPr lang="pt-BR"/>
           </a:p>
@@ -8596,7 +8705,7 @@
           <a:p>
             <a:fld id="{221D0464-8C8A-49C0-859F-777E51766A35}" type="datetimeFigureOut">
               <a:rPr lang="pt-BR" smtClean="0"/>
-              <a:t>10/08/2021</a:t>
+              <a:t>26/08/2021</a:t>
             </a:fld>
             <a:endParaRPr lang="pt-BR"/>
           </a:p>
@@ -8963,7 +9072,7 @@
           <a:p>
             <a:fld id="{221D0464-8C8A-49C0-859F-777E51766A35}" type="datetimeFigureOut">
               <a:rPr lang="pt-BR" smtClean="0"/>
-              <a:t>10/08/2021</a:t>
+              <a:t>26/08/2021</a:t>
             </a:fld>
             <a:endParaRPr lang="pt-BR"/>
           </a:p>
@@ -9081,7 +9190,7 @@
           <a:p>
             <a:fld id="{221D0464-8C8A-49C0-859F-777E51766A35}" type="datetimeFigureOut">
               <a:rPr lang="pt-BR" smtClean="0"/>
-              <a:t>10/08/2021</a:t>
+              <a:t>26/08/2021</a:t>
             </a:fld>
             <a:endParaRPr lang="pt-BR"/>
           </a:p>
@@ -9176,7 +9285,7 @@
           <a:p>
             <a:fld id="{221D0464-8C8A-49C0-859F-777E51766A35}" type="datetimeFigureOut">
               <a:rPr lang="pt-BR" smtClean="0"/>
-              <a:t>10/08/2021</a:t>
+              <a:t>26/08/2021</a:t>
             </a:fld>
             <a:endParaRPr lang="pt-BR"/>
           </a:p>
@@ -9453,7 +9562,7 @@
           <a:p>
             <a:fld id="{221D0464-8C8A-49C0-859F-777E51766A35}" type="datetimeFigureOut">
               <a:rPr lang="pt-BR" smtClean="0"/>
-              <a:t>10/08/2021</a:t>
+              <a:t>26/08/2021</a:t>
             </a:fld>
             <a:endParaRPr lang="pt-BR"/>
           </a:p>
@@ -9706,7 +9815,7 @@
           <a:p>
             <a:fld id="{221D0464-8C8A-49C0-859F-777E51766A35}" type="datetimeFigureOut">
               <a:rPr lang="pt-BR" smtClean="0"/>
-              <a:t>10/08/2021</a:t>
+              <a:t>26/08/2021</a:t>
             </a:fld>
             <a:endParaRPr lang="pt-BR"/>
           </a:p>
@@ -9919,7 +10028,7 @@
           <a:p>
             <a:fld id="{221D0464-8C8A-49C0-859F-777E51766A35}" type="datetimeFigureOut">
               <a:rPr lang="pt-BR" smtClean="0"/>
-              <a:t>10/08/2021</a:t>
+              <a:t>26/08/2021</a:t>
             </a:fld>
             <a:endParaRPr lang="pt-BR"/>
           </a:p>
@@ -10329,7 +10438,7 @@
           <p:cNvPr id="2" name="Título 1">
             <a:extLst>
               <a:ext uri="{FF2B5EF4-FFF2-40B4-BE49-F238E27FC236}">
-                <a16:creationId xmlns:a16="http://schemas.microsoft.com/office/drawing/2014/main" xmlns="" id="{32666AC8-2E17-4DB4-B0F5-60C640CCFD2E}"/>
+                <a16:creationId xmlns="" xmlns:a16="http://schemas.microsoft.com/office/drawing/2014/main" id="{32666AC8-2E17-4DB4-B0F5-60C640CCFD2E}"/>
               </a:ext>
             </a:extLst>
           </p:cNvPr>
@@ -10375,7 +10484,7 @@
           <p:cNvPr id="4" name="CaixaDeTexto 3">
             <a:extLst>
               <a:ext uri="{FF2B5EF4-FFF2-40B4-BE49-F238E27FC236}">
-                <a16:creationId xmlns:a16="http://schemas.microsoft.com/office/drawing/2014/main" xmlns="" id="{430EB894-B7D4-434C-9D1A-A14094D9BEEC}"/>
+                <a16:creationId xmlns="" xmlns:a16="http://schemas.microsoft.com/office/drawing/2014/main" id="{430EB894-B7D4-434C-9D1A-A14094D9BEEC}"/>
               </a:ext>
             </a:extLst>
           </p:cNvPr>
@@ -10416,7 +10525,7 @@
           <p:cNvPr id="1026" name="Picture 2" descr="Logo">
             <a:extLst>
               <a:ext uri="{FF2B5EF4-FFF2-40B4-BE49-F238E27FC236}">
-                <a16:creationId xmlns:a16="http://schemas.microsoft.com/office/drawing/2014/main" xmlns="" id="{3F2642E0-4F6A-4196-8F58-E77D36E9A33F}"/>
+                <a16:creationId xmlns="" xmlns:a16="http://schemas.microsoft.com/office/drawing/2014/main" id="{3F2642E0-4F6A-4196-8F58-E77D36E9A33F}"/>
               </a:ext>
             </a:extLst>
           </p:cNvPr>
@@ -10461,7 +10570,7 @@
           <p:cNvPr id="5122" name="Picture 2" descr="Image result for machine learning">
             <a:extLst>
               <a:ext uri="{FF2B5EF4-FFF2-40B4-BE49-F238E27FC236}">
-                <a16:creationId xmlns:a16="http://schemas.microsoft.com/office/drawing/2014/main" xmlns="" id="{810CE0A2-4102-44A6-A370-175E7896CDCB}"/>
+                <a16:creationId xmlns="" xmlns:a16="http://schemas.microsoft.com/office/drawing/2014/main" id="{810CE0A2-4102-44A6-A370-175E7896CDCB}"/>
               </a:ext>
             </a:extLst>
           </p:cNvPr>
@@ -10595,28 +10704,28 @@
                     <a:gridCol w="550863">
                       <a:extLst>
                         <a:ext uri="{9D8B030D-6E8A-4147-A177-3AD203B41FA5}">
-                          <a16:colId xmlns:a16="http://schemas.microsoft.com/office/drawing/2014/main" xmlns="" val="20000"/>
+                          <a16:colId xmlns="" xmlns:a16="http://schemas.microsoft.com/office/drawing/2014/main" val="20000"/>
                         </a:ext>
                       </a:extLst>
                     </a:gridCol>
                     <a:gridCol w="550863">
                       <a:extLst>
                         <a:ext uri="{9D8B030D-6E8A-4147-A177-3AD203B41FA5}">
-                          <a16:colId xmlns:a16="http://schemas.microsoft.com/office/drawing/2014/main" xmlns="" val="20001"/>
+                          <a16:colId xmlns="" xmlns:a16="http://schemas.microsoft.com/office/drawing/2014/main" val="20001"/>
                         </a:ext>
                       </a:extLst>
                     </a:gridCol>
                     <a:gridCol w="550863">
                       <a:extLst>
                         <a:ext uri="{9D8B030D-6E8A-4147-A177-3AD203B41FA5}">
-                          <a16:colId xmlns:a16="http://schemas.microsoft.com/office/drawing/2014/main" xmlns="" val="20002"/>
+                          <a16:colId xmlns="" xmlns:a16="http://schemas.microsoft.com/office/drawing/2014/main" val="20002"/>
                         </a:ext>
                       </a:extLst>
                     </a:gridCol>
                     <a:gridCol w="550863">
                       <a:extLst>
                         <a:ext uri="{9D8B030D-6E8A-4147-A177-3AD203B41FA5}">
-                          <a16:colId xmlns:a16="http://schemas.microsoft.com/office/drawing/2014/main" xmlns="" val="20003"/>
+                          <a16:colId xmlns="" xmlns:a16="http://schemas.microsoft.com/office/drawing/2014/main" val="20003"/>
                         </a:ext>
                       </a:extLst>
                     </a:gridCol>
@@ -10707,7 +10816,7 @@
                     </a:tc>
                     <a:extLst>
                       <a:ext uri="{0D108BD9-81ED-4DB2-BD59-A6C34878D82A}">
-                        <a16:rowId xmlns:a16="http://schemas.microsoft.com/office/drawing/2014/main" xmlns="" val="10000"/>
+                        <a16:rowId xmlns="" xmlns:a16="http://schemas.microsoft.com/office/drawing/2014/main" val="10000"/>
                       </a:ext>
                     </a:extLst>
                   </a:tr>
@@ -10960,7 +11069,7 @@
                     </a:tc>
                     <a:extLst>
                       <a:ext uri="{0D108BD9-81ED-4DB2-BD59-A6C34878D82A}">
-                        <a16:rowId xmlns:a16="http://schemas.microsoft.com/office/drawing/2014/main" xmlns="" val="10001"/>
+                        <a16:rowId xmlns="" xmlns:a16="http://schemas.microsoft.com/office/drawing/2014/main" val="10001"/>
                       </a:ext>
                     </a:extLst>
                   </a:tr>
@@ -11179,7 +11288,7 @@
                     </a:tc>
                     <a:extLst>
                       <a:ext uri="{0D108BD9-81ED-4DB2-BD59-A6C34878D82A}">
-                        <a16:rowId xmlns:a16="http://schemas.microsoft.com/office/drawing/2014/main" xmlns="" val="10002"/>
+                        <a16:rowId xmlns="" xmlns:a16="http://schemas.microsoft.com/office/drawing/2014/main" val="10002"/>
                       </a:ext>
                     </a:extLst>
                   </a:tr>
@@ -11398,7 +11507,7 @@
                     </a:tc>
                     <a:extLst>
                       <a:ext uri="{0D108BD9-81ED-4DB2-BD59-A6C34878D82A}">
-                        <a16:rowId xmlns:a16="http://schemas.microsoft.com/office/drawing/2014/main" xmlns="" val="10003"/>
+                        <a16:rowId xmlns="" xmlns:a16="http://schemas.microsoft.com/office/drawing/2014/main" val="10003"/>
                       </a:ext>
                     </a:extLst>
                   </a:tr>
@@ -11617,7 +11726,7 @@
                     </a:tc>
                     <a:extLst>
                       <a:ext uri="{0D108BD9-81ED-4DB2-BD59-A6C34878D82A}">
-                        <a16:rowId xmlns:a16="http://schemas.microsoft.com/office/drawing/2014/main" xmlns="" val="10004"/>
+                        <a16:rowId xmlns="" xmlns:a16="http://schemas.microsoft.com/office/drawing/2014/main" val="10004"/>
                       </a:ext>
                     </a:extLst>
                   </a:tr>
@@ -11836,7 +11945,7 @@
                     </a:tc>
                     <a:extLst>
                       <a:ext uri="{0D108BD9-81ED-4DB2-BD59-A6C34878D82A}">
-                        <a16:rowId xmlns:a16="http://schemas.microsoft.com/office/drawing/2014/main" xmlns="" val="10005"/>
+                        <a16:rowId xmlns="" xmlns:a16="http://schemas.microsoft.com/office/drawing/2014/main" val="10005"/>
                       </a:ext>
                     </a:extLst>
                   </a:tr>
@@ -13935,28 +14044,28 @@
                     <a:gridCol w="550863">
                       <a:extLst>
                         <a:ext uri="{9D8B030D-6E8A-4147-A177-3AD203B41FA5}">
-                          <a16:colId xmlns:a16="http://schemas.microsoft.com/office/drawing/2014/main" xmlns="" val="20000"/>
+                          <a16:colId xmlns="" xmlns:a16="http://schemas.microsoft.com/office/drawing/2014/main" val="20000"/>
                         </a:ext>
                       </a:extLst>
                     </a:gridCol>
                     <a:gridCol w="550863">
                       <a:extLst>
                         <a:ext uri="{9D8B030D-6E8A-4147-A177-3AD203B41FA5}">
-                          <a16:colId xmlns:a16="http://schemas.microsoft.com/office/drawing/2014/main" xmlns="" val="20001"/>
+                          <a16:colId xmlns="" xmlns:a16="http://schemas.microsoft.com/office/drawing/2014/main" val="20001"/>
                         </a:ext>
                       </a:extLst>
                     </a:gridCol>
                     <a:gridCol w="550863">
                       <a:extLst>
                         <a:ext uri="{9D8B030D-6E8A-4147-A177-3AD203B41FA5}">
-                          <a16:colId xmlns:a16="http://schemas.microsoft.com/office/drawing/2014/main" xmlns="" val="20002"/>
+                          <a16:colId xmlns="" xmlns:a16="http://schemas.microsoft.com/office/drawing/2014/main" val="20002"/>
                         </a:ext>
                       </a:extLst>
                     </a:gridCol>
                     <a:gridCol w="550863">
                       <a:extLst>
                         <a:ext uri="{9D8B030D-6E8A-4147-A177-3AD203B41FA5}">
-                          <a16:colId xmlns:a16="http://schemas.microsoft.com/office/drawing/2014/main" xmlns="" val="20003"/>
+                          <a16:colId xmlns="" xmlns:a16="http://schemas.microsoft.com/office/drawing/2014/main" val="20003"/>
                         </a:ext>
                       </a:extLst>
                     </a:gridCol>
@@ -14047,7 +14156,7 @@
                     </a:tc>
                     <a:extLst>
                       <a:ext uri="{0D108BD9-81ED-4DB2-BD59-A6C34878D82A}">
-                        <a16:rowId xmlns:a16="http://schemas.microsoft.com/office/drawing/2014/main" xmlns="" val="10000"/>
+                        <a16:rowId xmlns="" xmlns:a16="http://schemas.microsoft.com/office/drawing/2014/main" val="10000"/>
                       </a:ext>
                     </a:extLst>
                   </a:tr>
@@ -14300,7 +14409,7 @@
                     </a:tc>
                     <a:extLst>
                       <a:ext uri="{0D108BD9-81ED-4DB2-BD59-A6C34878D82A}">
-                        <a16:rowId xmlns:a16="http://schemas.microsoft.com/office/drawing/2014/main" xmlns="" val="10001"/>
+                        <a16:rowId xmlns="" xmlns:a16="http://schemas.microsoft.com/office/drawing/2014/main" val="10001"/>
                       </a:ext>
                     </a:extLst>
                   </a:tr>
@@ -14519,7 +14628,7 @@
                     </a:tc>
                     <a:extLst>
                       <a:ext uri="{0D108BD9-81ED-4DB2-BD59-A6C34878D82A}">
-                        <a16:rowId xmlns:a16="http://schemas.microsoft.com/office/drawing/2014/main" xmlns="" val="10002"/>
+                        <a16:rowId xmlns="" xmlns:a16="http://schemas.microsoft.com/office/drawing/2014/main" val="10002"/>
                       </a:ext>
                     </a:extLst>
                   </a:tr>
@@ -14738,7 +14847,7 @@
                     </a:tc>
                     <a:extLst>
                       <a:ext uri="{0D108BD9-81ED-4DB2-BD59-A6C34878D82A}">
-                        <a16:rowId xmlns:a16="http://schemas.microsoft.com/office/drawing/2014/main" xmlns="" val="10003"/>
+                        <a16:rowId xmlns="" xmlns:a16="http://schemas.microsoft.com/office/drawing/2014/main" val="10003"/>
                       </a:ext>
                     </a:extLst>
                   </a:tr>
@@ -14957,7 +15066,7 @@
                     </a:tc>
                     <a:extLst>
                       <a:ext uri="{0D108BD9-81ED-4DB2-BD59-A6C34878D82A}">
-                        <a16:rowId xmlns:a16="http://schemas.microsoft.com/office/drawing/2014/main" xmlns="" val="10004"/>
+                        <a16:rowId xmlns="" xmlns:a16="http://schemas.microsoft.com/office/drawing/2014/main" val="10004"/>
                       </a:ext>
                     </a:extLst>
                   </a:tr>
@@ -15176,7 +15285,7 @@
                     </a:tc>
                     <a:extLst>
                       <a:ext uri="{0D108BD9-81ED-4DB2-BD59-A6C34878D82A}">
-                        <a16:rowId xmlns:a16="http://schemas.microsoft.com/office/drawing/2014/main" xmlns="" val="10005"/>
+                        <a16:rowId xmlns="" xmlns:a16="http://schemas.microsoft.com/office/drawing/2014/main" val="10005"/>
                       </a:ext>
                     </a:extLst>
                   </a:tr>
@@ -17573,21 +17682,21 @@
                     <a:gridCol w="523278">
                       <a:extLst>
                         <a:ext uri="{9D8B030D-6E8A-4147-A177-3AD203B41FA5}">
-                          <a16:colId xmlns:a16="http://schemas.microsoft.com/office/drawing/2014/main" xmlns="" val="20000"/>
+                          <a16:colId xmlns="" xmlns:a16="http://schemas.microsoft.com/office/drawing/2014/main" val="20000"/>
                         </a:ext>
                       </a:extLst>
                     </a:gridCol>
                     <a:gridCol w="523278">
                       <a:extLst>
                         <a:ext uri="{9D8B030D-6E8A-4147-A177-3AD203B41FA5}">
-                          <a16:colId xmlns:a16="http://schemas.microsoft.com/office/drawing/2014/main" xmlns="" val="20001"/>
+                          <a16:colId xmlns="" xmlns:a16="http://schemas.microsoft.com/office/drawing/2014/main" val="20001"/>
                         </a:ext>
                       </a:extLst>
                     </a:gridCol>
                     <a:gridCol w="523278">
                       <a:extLst>
                         <a:ext uri="{9D8B030D-6E8A-4147-A177-3AD203B41FA5}">
-                          <a16:colId xmlns:a16="http://schemas.microsoft.com/office/drawing/2014/main" xmlns="" val="20002"/>
+                          <a16:colId xmlns="" xmlns:a16="http://schemas.microsoft.com/office/drawing/2014/main" val="20002"/>
                         </a:ext>
                       </a:extLst>
                     </a:gridCol>
@@ -17668,7 +17777,7 @@
                     </a:tc>
                     <a:extLst>
                       <a:ext uri="{0D108BD9-81ED-4DB2-BD59-A6C34878D82A}">
-                        <a16:rowId xmlns:a16="http://schemas.microsoft.com/office/drawing/2014/main" xmlns="" val="10000"/>
+                        <a16:rowId xmlns="" xmlns:a16="http://schemas.microsoft.com/office/drawing/2014/main" val="10000"/>
                       </a:ext>
                     </a:extLst>
                   </a:tr>
@@ -17868,7 +17977,7 @@
                     </a:tc>
                     <a:extLst>
                       <a:ext uri="{0D108BD9-81ED-4DB2-BD59-A6C34878D82A}">
-                        <a16:rowId xmlns:a16="http://schemas.microsoft.com/office/drawing/2014/main" xmlns="" val="10001"/>
+                        <a16:rowId xmlns="" xmlns:a16="http://schemas.microsoft.com/office/drawing/2014/main" val="10001"/>
                       </a:ext>
                     </a:extLst>
                   </a:tr>
@@ -18034,7 +18143,7 @@
                     </a:tc>
                     <a:extLst>
                       <a:ext uri="{0D108BD9-81ED-4DB2-BD59-A6C34878D82A}">
-                        <a16:rowId xmlns:a16="http://schemas.microsoft.com/office/drawing/2014/main" xmlns="" val="10002"/>
+                        <a16:rowId xmlns="" xmlns:a16="http://schemas.microsoft.com/office/drawing/2014/main" val="10002"/>
                       </a:ext>
                     </a:extLst>
                   </a:tr>
@@ -18200,7 +18309,7 @@
                     </a:tc>
                     <a:extLst>
                       <a:ext uri="{0D108BD9-81ED-4DB2-BD59-A6C34878D82A}">
-                        <a16:rowId xmlns:a16="http://schemas.microsoft.com/office/drawing/2014/main" xmlns="" val="10003"/>
+                        <a16:rowId xmlns="" xmlns:a16="http://schemas.microsoft.com/office/drawing/2014/main" val="10003"/>
                       </a:ext>
                     </a:extLst>
                   </a:tr>
@@ -21821,11 +21930,7 @@
             </a:r>
             <a:r>
               <a:rPr lang="pt-BR" dirty="0" smtClean="0"/>
-              <a:t>: </a:t>
-            </a:r>
-            <a:r>
-              <a:rPr lang="pt-BR" dirty="0" smtClean="0"/>
-              <a:t>“</a:t>
+              <a:t>: “</a:t>
             </a:r>
             <a:r>
               <a:rPr lang="pt-BR" i="1" dirty="0" smtClean="0"/>
@@ -21833,17 +21938,8 @@
             </a:r>
             <a:r>
               <a:rPr lang="pt-BR" dirty="0" smtClean="0"/>
-              <a:t>” </a:t>
-            </a:r>
-            <a:r>
-              <a:rPr lang="pt-BR" dirty="0" smtClean="0"/>
-              <a:t>que se encontra no MS Teams</a:t>
-            </a:r>
-            <a:r>
-              <a:rPr lang="pt-BR" dirty="0" smtClean="0"/>
-              <a:t>.</a:t>
-            </a:r>
-            <a:endParaRPr lang="pt-BR" dirty="0" smtClean="0"/>
+              <a:t>” que se encontra no MS Teams.</a:t>
+            </a:r>
           </a:p>
         </p:txBody>
       </p:sp>
@@ -21988,13 +22084,8 @@
             </a:r>
             <a:r>
               <a:rPr lang="pt-BR" dirty="0"/>
-              <a:t> de </a:t>
-            </a:r>
-            <a:r>
-              <a:rPr lang="pt-BR" dirty="0"/>
-              <a:t>McCulloch e Pitts.</a:t>
-            </a:r>
-            <a:endParaRPr lang="pt-BR" dirty="0"/>
+              <a:t> de McCulloch e Pitts.</a:t>
+            </a:r>
           </a:p>
         </p:txBody>
       </p:sp>
@@ -22121,8 +22212,8 @@
           </a:p>
         </p:txBody>
       </p:sp>
-      <mc:AlternateContent xmlns:mc="http://schemas.openxmlformats.org/markup-compatibility/2006">
-        <mc:Choice xmlns:a14="http://schemas.microsoft.com/office/drawing/2010/main" Requires="a14">
+      <mc:AlternateContent xmlns:mc="http://schemas.openxmlformats.org/markup-compatibility/2006" xmlns:a14="http://schemas.microsoft.com/office/drawing/2010/main">
+        <mc:Choice Requires="a14">
           <p:sp>
             <p:nvSpPr>
               <p:cNvPr id="3" name="Content Placeholder 2"/>
@@ -22264,7 +22355,7 @@
             </p:txBody>
           </p:sp>
         </mc:Choice>
-        <mc:Fallback>
+        <mc:Fallback xmlns="">
           <p:sp>
             <p:nvSpPr>
               <p:cNvPr id="3" name="Content Placeholder 2"/>
@@ -23314,11 +23405,7 @@
                 </a:r>
                 <a:r>
                   <a:rPr lang="pt-BR" dirty="0" smtClean="0"/>
-                  <a:t>em relação aos</a:t>
-                </a:r>
-                <a:r>
-                  <a:rPr lang="pt-BR" dirty="0" smtClean="0"/>
-                  <a:t> </a:t>
+                  <a:t>em relação aos </a:t>
                 </a:r>
                 <a:r>
                   <a:rPr lang="pt-BR" b="1" i="1" dirty="0"/>
@@ -23371,8 +23458,12 @@
                   <a:t>Isso </a:t>
                 </a:r>
                 <a:r>
+                  <a:rPr lang="pt-BR" dirty="0" smtClean="0"/>
+                  <a:t>é expresso </a:t>
+                </a:r>
+                <a:r>
                   <a:rPr lang="pt-BR" dirty="0"/>
-                  <a:t>pode ser expresso por meio de uma </a:t>
+                  <a:t>por meio de uma </a:t>
                 </a:r>
                 <a:r>
                   <a:rPr lang="pt-BR" b="1" i="1" dirty="0"/>
@@ -23429,24 +23520,12 @@
                   <a:t>limiar de ativação </a:t>
                 </a:r>
                 <a:r>
+                  <a:rPr lang="pt-BR" dirty="0" smtClean="0"/>
+                  <a:t>é </a:t>
+                </a:r>
+                <a:r>
                   <a:rPr lang="pt-BR" dirty="0"/>
-                  <a:t>(ou </a:t>
-                </a:r>
-                <a:r>
-                  <a:rPr lang="pt-BR" b="1" i="1" dirty="0"/>
-                  <a:t>disparo</a:t>
-                </a:r>
-                <a:r>
-                  <a:rPr lang="pt-BR" dirty="0"/>
-                  <a:t>)</a:t>
-                </a:r>
-                <a:r>
-                  <a:rPr lang="pt-BR" b="1" i="1" dirty="0"/>
-                  <a:t> </a:t>
-                </a:r>
-                <a:r>
-                  <a:rPr lang="pt-BR" dirty="0"/>
-                  <a:t>é controlado, indiretamente, pelo valor do </a:t>
+                  <a:t>controlado, indiretamente, pelo valor do </a:t>
                 </a:r>
                 <a:r>
                   <a:rPr lang="pt-BR" b="1" i="1" dirty="0"/>
@@ -23528,7 +23607,15 @@
                 </a14:m>
                 <a:r>
                   <a:rPr lang="pt-BR" dirty="0"/>
-                  <a:t>, e, portanto, podemos usar a função de ativação centrada em zero, pois agora, ajusta-se o limiar de ativação indiretamente, através da atualização do peso </a:t>
+                  <a:t>, e, portanto, podemos usar a </a:t>
+                </a:r>
+                <a:r>
+                  <a:rPr lang="pt-BR" b="1" i="1" dirty="0"/>
+                  <a:t>função de ativação </a:t>
+                </a:r>
+                <a:r>
+                  <a:rPr lang="pt-BR" dirty="0"/>
+                  <a:t>centrada em zero, pois agora, ajusta-se o limiar de ativação indiretamente, através da atualização do peso </a:t>
                 </a:r>
                 <a14:m>
                   <m:oMath xmlns:m="http://schemas.openxmlformats.org/officeDocument/2006/math">
@@ -23608,20 +23695,32 @@
                   <a:t>As classes são separadas por uma </a:t>
                 </a:r>
                 <a:r>
-                  <a:rPr lang="pt-BR" b="1" i="1" dirty="0"/>
-                  <a:t>fronteira de decisão linear</a:t>
+                  <a:rPr lang="pt-BR" b="1" i="1" dirty="0" smtClean="0"/>
+                  <a:t>superfície de separação linear </a:t>
+                </a:r>
+                <a:r>
+                  <a:rPr lang="pt-BR" dirty="0" smtClean="0"/>
+                  <a:t>(</a:t>
                 </a:r>
                 <a:r>
                   <a:rPr lang="pt-BR" dirty="0"/>
-                  <a:t> para o qual a equação (</a:t>
-                </a:r>
-                <a:r>
-                  <a:rPr lang="pt-BR" b="1" i="1" dirty="0"/>
-                  <a:t>função discriminante</a:t>
+                  <a:t>h</a:t>
+                </a:r>
+                <a:r>
+                  <a:rPr lang="pt-BR" dirty="0" smtClean="0"/>
+                  <a:t>iperplano) </a:t>
                 </a:r>
                 <a:r>
                   <a:rPr lang="pt-BR" dirty="0"/>
-                  <a:t>) abaixo é verdadeira.</a:t>
+                  <a:t>para o qual a </a:t>
+                </a:r>
+                <a:r>
+                  <a:rPr lang="pt-BR" dirty="0" smtClean="0"/>
+                  <a:t>igualdade abaixo </a:t>
+                </a:r>
+                <a:r>
+                  <a:rPr lang="pt-BR" dirty="0"/>
+                  <a:t>é verdadeira.</a:t>
                 </a:r>
               </a:p>
               <a:p>
@@ -23755,9 +23854,10 @@
                   </m:oMath>
                 </a14:m>
                 <a:r>
-                  <a:rPr lang="pt-BR" dirty="0"/>
+                  <a:rPr lang="pt-BR" dirty="0" smtClean="0"/>
                   <a:t>.</a:t>
                 </a:r>
+                <a:endParaRPr lang="pt-BR" dirty="0"/>
               </a:p>
             </p:txBody>
           </p:sp>
@@ -24335,6 +24435,72 @@
           </mc:Fallback>
         </mc:AlternateContent>
       </p:grpSp>
+      <p:sp>
+        <p:nvSpPr>
+          <p:cNvPr id="4" name="Rectangle 3"/>
+          <p:cNvSpPr/>
+          <p:nvPr/>
+        </p:nvSpPr>
+        <p:spPr>
+          <a:xfrm>
+            <a:off x="1262435" y="6457895"/>
+            <a:ext cx="1494768" cy="276999"/>
+          </a:xfrm>
+          <a:prstGeom prst="rect">
+            <a:avLst/>
+          </a:prstGeom>
+        </p:spPr>
+        <p:txBody>
+          <a:bodyPr wrap="none">
+            <a:spAutoFit/>
+          </a:bodyPr>
+          <a:lstStyle/>
+          <a:p>
+            <a:r>
+              <a:rPr lang="pt-BR" sz="1200" dirty="0"/>
+              <a:t>função discriminante</a:t>
+            </a:r>
+          </a:p>
+        </p:txBody>
+      </p:sp>
+      <p:cxnSp>
+        <p:nvCxnSpPr>
+          <p:cNvPr id="15" name="Straight Arrow Connector 14"/>
+          <p:cNvCxnSpPr>
+            <a:stCxn id="4" idx="3"/>
+          </p:cNvCxnSpPr>
+          <p:nvPr/>
+        </p:nvCxnSpPr>
+        <p:spPr>
+          <a:xfrm flipV="1">
+            <a:off x="2757203" y="6455391"/>
+            <a:ext cx="450021" cy="141004"/>
+          </a:xfrm>
+          <a:prstGeom prst="straightConnector1">
+            <a:avLst/>
+          </a:prstGeom>
+          <a:ln>
+            <a:solidFill>
+              <a:srgbClr val="FF0000"/>
+            </a:solidFill>
+            <a:tailEnd type="triangle"/>
+          </a:ln>
+        </p:spPr>
+        <p:style>
+          <a:lnRef idx="1">
+            <a:schemeClr val="accent1"/>
+          </a:lnRef>
+          <a:fillRef idx="0">
+            <a:schemeClr val="accent1"/>
+          </a:fillRef>
+          <a:effectRef idx="0">
+            <a:schemeClr val="accent1"/>
+          </a:effectRef>
+          <a:fontRef idx="minor">
+            <a:schemeClr val="tx1"/>
+          </a:fontRef>
+        </p:style>
+      </p:cxnSp>
     </p:spTree>
     <p:extLst>
       <p:ext uri="{BB962C8B-B14F-4D97-AF65-F5344CB8AC3E}">
@@ -24409,83 +24575,40 @@
             <p:spPr>
               <a:xfrm>
                 <a:off x="838199" y="1838725"/>
-                <a:ext cx="8060142" cy="5032923"/>
+                <a:ext cx="8226973" cy="5032923"/>
               </a:xfrm>
             </p:spPr>
             <p:txBody>
               <a:bodyPr>
-                <a:normAutofit fontScale="85000" lnSpcReduction="20000"/>
+                <a:normAutofit fontScale="92500" lnSpcReduction="10000"/>
               </a:bodyPr>
               <a:lstStyle/>
               <a:p>
                 <a:r>
-                  <a:rPr lang="pt-BR" dirty="0"/>
-                  <a:t>No </a:t>
-                </a:r>
-                <a:r>
-                  <a:rPr lang="pt-BR" b="1" i="1" dirty="0"/>
-                  <a:t>espaço de atributos </a:t>
-                </a:r>
-                <a:r>
-                  <a:rPr lang="pt-BR" dirty="0"/>
-                  <a:t>definido por</a:t>
-                </a:r>
-                <a:r>
-                  <a:rPr lang="pt-BR" b="1" i="1" dirty="0"/>
-                  <a:t> </a:t>
-                </a:r>
-                <a14:m>
-                  <m:oMath xmlns:m="http://schemas.openxmlformats.org/officeDocument/2006/math">
-                    <m:sSub>
-                      <m:sSubPr>
-                        <m:ctrlPr>
-                          <a:rPr lang="pt-BR" i="1">
-                            <a:latin typeface="Cambria Math" panose="02040503050406030204" pitchFamily="18" charset="0"/>
-                          </a:rPr>
-                        </m:ctrlPr>
-                      </m:sSubPr>
-                      <m:e>
-                        <m:r>
-                          <a:rPr lang="pt-BR" i="1">
-                            <a:latin typeface="Cambria Math" panose="02040503050406030204" pitchFamily="18" charset="0"/>
-                          </a:rPr>
-                          <m:t>𝑥</m:t>
-                        </m:r>
-                      </m:e>
-                      <m:sub>
-                        <m:r>
-                          <a:rPr lang="pt-BR" i="1">
-                            <a:latin typeface="Cambria Math" panose="02040503050406030204" pitchFamily="18" charset="0"/>
-                          </a:rPr>
-                          <m:t>𝑖</m:t>
-                        </m:r>
-                      </m:sub>
-                    </m:sSub>
-                    <m:r>
-                      <a:rPr lang="pt-BR" b="0" i="1" smtClean="0">
-                        <a:latin typeface="Cambria Math" panose="02040503050406030204" pitchFamily="18" charset="0"/>
-                      </a:rPr>
-                      <m:t>,</m:t>
-                    </m:r>
-                    <m:r>
-                      <a:rPr lang="pt-BR" b="0" i="1" smtClean="0">
-                        <a:latin typeface="Cambria Math" panose="02040503050406030204" pitchFamily="18" charset="0"/>
-                        <a:ea typeface="Cambria Math" panose="02040503050406030204" pitchFamily="18" charset="0"/>
-                      </a:rPr>
-                      <m:t>∀</m:t>
-                    </m:r>
-                    <m:r>
-                      <a:rPr lang="pt-BR" b="0" i="1" smtClean="0">
-                        <a:latin typeface="Cambria Math" panose="02040503050406030204" pitchFamily="18" charset="0"/>
-                        <a:ea typeface="Cambria Math" panose="02040503050406030204" pitchFamily="18" charset="0"/>
-                      </a:rPr>
-                      <m:t>𝑖</m:t>
-                    </m:r>
-                  </m:oMath>
-                </a14:m>
-                <a:r>
-                  <a:rPr lang="pt-BR" dirty="0"/>
-                  <a:t>, </a:t>
+                  <a:rPr lang="pt-BR" dirty="0" smtClean="0"/>
+                  <a:t>Como podemos perceber, o modelo do </a:t>
+                </a:r>
+                <a:r>
+                  <a:rPr lang="pt-BR" b="1" i="1" dirty="0" smtClean="0"/>
+                  <a:t>perceptron</a:t>
+                </a:r>
+                <a:r>
+                  <a:rPr lang="pt-BR" dirty="0" smtClean="0"/>
+                  <a:t> é idêntico ao classificador com limiar de decisão rígido.</a:t>
+                </a:r>
+              </a:p>
+              <a:p>
+                <a:r>
+                  <a:rPr lang="pt-BR" dirty="0" smtClean="0"/>
+                  <a:t>Por definição, o perceptron sempre utiliza </a:t>
+                </a:r>
+                <a:r>
+                  <a:rPr lang="pt-BR" b="1" i="1" dirty="0" smtClean="0"/>
+                  <a:t>superfícies de separação lineares</a:t>
+                </a:r>
+                <a:r>
+                  <a:rPr lang="pt-BR" dirty="0" smtClean="0"/>
+                  <a:t>, ou seja, sempre teremos </a:t>
                 </a:r>
                 <a14:m>
                   <m:oMath xmlns:m="http://schemas.openxmlformats.org/officeDocument/2006/math">
@@ -24515,8 +24638,71 @@
                   </m:oMath>
                 </a14:m>
                 <a:r>
+                  <a:rPr lang="pt-BR" dirty="0" smtClean="0"/>
+                  <a:t> como sendo a equação de um </a:t>
+                </a:r>
+                <a:r>
+                  <a:rPr lang="pt-BR" b="1" i="1" dirty="0" smtClean="0"/>
+                  <a:t>hiperplano</a:t>
+                </a:r>
+                <a:r>
+                  <a:rPr lang="pt-BR" dirty="0" smtClean="0"/>
+                  <a:t>.</a:t>
+                </a:r>
+                <a:endParaRPr lang="pt-BR" dirty="0"/>
+              </a:p>
+              <a:p>
+                <a:r>
                   <a:rPr lang="pt-BR" dirty="0"/>
-                  <a:t> é a equação de um </a:t>
+                  <a:t>Portanto</a:t>
+                </a:r>
+                <a:r>
+                  <a:rPr lang="pt-BR" dirty="0" smtClean="0"/>
+                  <a:t>, teoricamente, </a:t>
+                </a:r>
+                <a:r>
+                  <a:rPr lang="pt-BR" dirty="0"/>
+                  <a:t>um </a:t>
+                </a:r>
+                <a:r>
+                  <a:rPr lang="pt-BR" b="1" i="1" dirty="0" smtClean="0">
+                    <a:solidFill>
+                      <a:srgbClr val="FF0000"/>
+                    </a:solidFill>
+                  </a:rPr>
+                  <a:t>único</a:t>
+                </a:r>
+                <a:r>
+                  <a:rPr lang="pt-BR" dirty="0" smtClean="0"/>
+                  <a:t> </a:t>
+                </a:r>
+                <a:r>
+                  <a:rPr lang="pt-BR" b="1" i="1" dirty="0" smtClean="0"/>
+                  <a:t>perceptron</a:t>
+                </a:r>
+                <a:r>
+                  <a:rPr lang="pt-BR" dirty="0" smtClean="0"/>
+                  <a:t> </a:t>
+                </a:r>
+                <a:r>
+                  <a:rPr lang="pt-BR" dirty="0"/>
+                  <a:t>só é capaz de </a:t>
+                </a:r>
+                <a:r>
+                  <a:rPr lang="pt-BR" b="1" i="1" dirty="0"/>
+                  <a:t>classificar</a:t>
+                </a:r>
+                <a:r>
+                  <a:rPr lang="pt-BR" dirty="0"/>
+                  <a:t> dados que sejam </a:t>
+                </a:r>
+                <a:r>
+                  <a:rPr lang="pt-BR" b="1" i="1" dirty="0"/>
+                  <a:t>linearmente separáveis </a:t>
+                </a:r>
+                <a:r>
+                  <a:rPr lang="pt-BR" dirty="0"/>
+                  <a:t>(ou seja, separáveis por um </a:t>
                 </a:r>
                 <a:r>
                   <a:rPr lang="pt-BR" b="1" i="1" dirty="0"/>
@@ -24524,126 +24710,42 @@
                 </a:r>
                 <a:r>
                   <a:rPr lang="pt-BR" dirty="0"/>
-                  <a:t> (ponto, reta, plano, etc., dependendo do número de dimensões).</a:t>
-                </a:r>
+                  <a:t>). </a:t>
+                </a:r>
+                <a:endParaRPr lang="pt-BR" dirty="0" smtClean="0"/>
               </a:p>
               <a:p>
                 <a:r>
                   <a:rPr lang="pt-BR" dirty="0"/>
-                  <a:t>Portanto, um </a:t>
-                </a:r>
-                <a:r>
-                  <a:rPr lang="pt-BR" b="1" i="1" dirty="0"/>
-                  <a:t>perceptron</a:t>
-                </a:r>
-                <a:r>
-                  <a:rPr lang="pt-BR" dirty="0"/>
-                  <a:t> só é capaz de </a:t>
-                </a:r>
-                <a:r>
-                  <a:rPr lang="pt-BR" b="1" i="1" dirty="0"/>
-                  <a:t>classificar</a:t>
-                </a:r>
-                <a:r>
-                  <a:rPr lang="pt-BR" dirty="0"/>
-                  <a:t> dados que sejam </a:t>
-                </a:r>
-                <a:r>
-                  <a:rPr lang="pt-BR" b="1" i="1" dirty="0"/>
-                  <a:t>linearmente separáveis </a:t>
-                </a:r>
-                <a:r>
-                  <a:rPr lang="pt-BR" dirty="0"/>
-                  <a:t>(ou seja, separáveis por um </a:t>
-                </a:r>
-                <a:r>
-                  <a:rPr lang="pt-BR" b="1" i="1" dirty="0"/>
-                  <a:t>hiperplano</a:t>
-                </a:r>
-                <a:r>
-                  <a:rPr lang="pt-BR" dirty="0"/>
-                  <a:t>). </a:t>
+                  <a:t>A figura ao lado ilustra isso para um caso bidimensional</a:t>
+                </a:r>
+                <a:r>
+                  <a:rPr lang="pt-BR" dirty="0" smtClean="0"/>
+                  <a:t>.</a:t>
                 </a:r>
               </a:p>
               <a:p>
                 <a:r>
-                  <a:rPr lang="pt-BR" dirty="0"/>
-                  <a:t>O </a:t>
-                </a:r>
-                <a:r>
-                  <a:rPr lang="pt-BR" b="1" i="1" dirty="0"/>
-                  <a:t>perceptron</a:t>
-                </a:r>
-                <a:r>
-                  <a:rPr lang="pt-BR" dirty="0"/>
-                  <a:t> convergirá apenas se o conjunto de dados for </a:t>
-                </a:r>
-                <a:r>
-                  <a:rPr lang="pt-BR" b="1" i="1" dirty="0"/>
-                  <a:t>linearmente separável</a:t>
-                </a:r>
-                <a:r>
-                  <a:rPr lang="pt-BR" dirty="0"/>
-                  <a:t>. </a:t>
-                </a:r>
-              </a:p>
-              <a:p>
-                <a:r>
-                  <a:rPr lang="pt-BR" dirty="0"/>
-                  <a:t>A figura ao lado ilustra isso para um caso bidimensional.</a:t>
-                </a:r>
-              </a:p>
-              <a:p>
-                <a:r>
-                  <a:rPr lang="pt-BR" dirty="0"/>
-                  <a:t>Observe que, ao contrário dos </a:t>
-                </a:r>
-                <a:r>
-                  <a:rPr lang="pt-BR" b="1" i="1" dirty="0"/>
-                  <a:t>classificadores de regressão logística</a:t>
-                </a:r>
-                <a:r>
-                  <a:rPr lang="pt-BR" dirty="0"/>
-                  <a:t>, os </a:t>
-                </a:r>
-                <a:r>
-                  <a:rPr lang="pt-BR" b="1" i="1" dirty="0"/>
-                  <a:t>perceptrons</a:t>
-                </a:r>
-                <a:r>
-                  <a:rPr lang="pt-BR" dirty="0"/>
-                  <a:t> não produzem como saída uma probabilidade da classe, em vez disso, eles apenas fazem previsões com base em um </a:t>
-                </a:r>
-                <a:r>
-                  <a:rPr lang="pt-BR" b="1" i="1" dirty="0"/>
-                  <a:t>limiar rígido</a:t>
-                </a:r>
-                <a:r>
-                  <a:rPr lang="pt-BR" dirty="0"/>
-                  <a:t>, i.e., 0 ou 1. </a:t>
-                </a:r>
-              </a:p>
-              <a:p>
-                <a:r>
-                  <a:rPr lang="pt-BR" dirty="0"/>
-                  <a:t>Essa é uma das razões para se preferir a </a:t>
-                </a:r>
-                <a:r>
-                  <a:rPr lang="pt-BR" b="1" i="1" dirty="0"/>
-                  <a:t>regressão logística </a:t>
-                </a:r>
-                <a:r>
-                  <a:rPr lang="pt-BR" dirty="0"/>
-                  <a:t>ao invés do </a:t>
-                </a:r>
-                <a:r>
-                  <a:rPr lang="pt-BR" b="1" i="1" dirty="0"/>
-                  <a:t>perceptron</a:t>
-                </a:r>
-                <a:r>
-                  <a:rPr lang="pt-BR" dirty="0"/>
-                  <a:t>.</a:t>
-                </a:r>
+                  <a:rPr lang="pt-BR" dirty="0" smtClean="0"/>
+                  <a:t>Entretanto, como veremos na sequência, podemos </a:t>
+                </a:r>
+                <a:r>
+                  <a:rPr lang="pt-BR" b="1" i="1" dirty="0" smtClean="0"/>
+                  <a:t>combinar vários perceptrons</a:t>
+                </a:r>
+                <a:r>
+                  <a:rPr lang="pt-BR" dirty="0" smtClean="0"/>
+                  <a:t> para criamos uma </a:t>
+                </a:r>
+                <a:r>
+                  <a:rPr lang="pt-BR" b="1" i="1" dirty="0" smtClean="0"/>
+                  <a:t>superfície de separação </a:t>
+                </a:r>
+                <a:r>
+                  <a:rPr lang="pt-BR" dirty="0" smtClean="0"/>
+                  <a:t>que separe dados que não sejam linearmente separáveis.</a:t>
+                </a:r>
+                <a:endParaRPr lang="pt-BR" dirty="0"/>
               </a:p>
             </p:txBody>
           </p:sp>
@@ -24662,12 +24764,12 @@
             <p:spPr>
               <a:xfrm>
                 <a:off x="838199" y="1838725"/>
-                <a:ext cx="8060142" cy="5032923"/>
+                <a:ext cx="8226973" cy="5032923"/>
               </a:xfrm>
               <a:blipFill rotWithShape="0">
                 <a:blip r:embed="rId3"/>
                 <a:stretch>
-                  <a:fillRect l="-983" t="-2788" r="-756"/>
+                  <a:fillRect l="-1111" t="-2545" r="-1778"/>
                 </a:stretch>
               </a:blipFill>
             </p:spPr>
@@ -24688,13 +24790,13 @@
       </mc:AlternateContent>
       <p:pic>
         <p:nvPicPr>
-          <p:cNvPr id="4" name="Picture 3"/>
+          <p:cNvPr id="5" name="Picture 4"/>
           <p:cNvPicPr>
             <a:picLocks noChangeAspect="1"/>
           </p:cNvPicPr>
           <p:nvPr/>
         </p:nvPicPr>
-        <p:blipFill>
+        <p:blipFill rotWithShape="1">
           <a:blip r:embed="rId4">
             <a:extLst>
               <a:ext uri="{28A0092B-C50C-407E-A947-70E740481C1C}">
@@ -24702,14 +24804,13 @@
               </a:ext>
             </a:extLst>
           </a:blip>
-          <a:stretch>
-            <a:fillRect/>
-          </a:stretch>
+          <a:srcRect t="3498" r="3041"/>
+          <a:stretch/>
         </p:blipFill>
         <p:spPr>
           <a:xfrm>
-            <a:off x="8652681" y="3085057"/>
-            <a:ext cx="3539319" cy="2291381"/>
+            <a:off x="8927667" y="2442949"/>
+            <a:ext cx="3160324" cy="2002927"/>
           </a:xfrm>
           <a:prstGeom prst="rect">
             <a:avLst/>
@@ -24737,6 +24838,74 @@
 </file>
 
 <file path=ppt/slides/slide16.xml><?xml version="1.0" encoding="utf-8"?>
+<p:sld xmlns:a="http://schemas.openxmlformats.org/drawingml/2006/main" xmlns:r="http://schemas.openxmlformats.org/officeDocument/2006/relationships" xmlns:p="http://schemas.openxmlformats.org/presentationml/2006/main">
+  <p:cSld>
+    <p:spTree>
+      <p:nvGrpSpPr>
+        <p:cNvPr id="1" name=""/>
+        <p:cNvGrpSpPr/>
+        <p:nvPr/>
+      </p:nvGrpSpPr>
+      <p:grpSpPr>
+        <a:xfrm>
+          <a:off x="0" y="0"/>
+          <a:ext cx="0" cy="0"/>
+          <a:chOff x="0" y="0"/>
+          <a:chExt cx="0" cy="0"/>
+        </a:xfrm>
+      </p:grpSpPr>
+      <p:sp>
+        <p:nvSpPr>
+          <p:cNvPr id="2" name="Title 1"/>
+          <p:cNvSpPr>
+            <a:spLocks noGrp="1"/>
+          </p:cNvSpPr>
+          <p:nvPr>
+            <p:ph type="title"/>
+          </p:nvPr>
+        </p:nvSpPr>
+        <p:spPr/>
+        <p:txBody>
+          <a:bodyPr/>
+          <a:lstStyle/>
+          <a:p>
+            <a:endParaRPr lang="pt-BR"/>
+          </a:p>
+        </p:txBody>
+      </p:sp>
+      <p:sp>
+        <p:nvSpPr>
+          <p:cNvPr id="3" name="Content Placeholder 2"/>
+          <p:cNvSpPr>
+            <a:spLocks noGrp="1"/>
+          </p:cNvSpPr>
+          <p:nvPr>
+            <p:ph idx="1"/>
+          </p:nvPr>
+        </p:nvSpPr>
+        <p:spPr/>
+        <p:txBody>
+          <a:bodyPr/>
+          <a:lstStyle/>
+          <a:p>
+            <a:endParaRPr lang="pt-BR"/>
+          </a:p>
+        </p:txBody>
+      </p:sp>
+    </p:spTree>
+    <p:extLst>
+      <p:ext uri="{BB962C8B-B14F-4D97-AF65-F5344CB8AC3E}">
+        <p14:creationId xmlns:p14="http://schemas.microsoft.com/office/powerpoint/2010/main" val="80645897"/>
+      </p:ext>
+    </p:extLst>
+  </p:cSld>
+  <p:clrMapOvr>
+    <a:masterClrMapping/>
+  </p:clrMapOvr>
+</p:sld>
+</file>
+
+<file path=ppt/slides/slide17.xml><?xml version="1.0" encoding="utf-8"?>
 <p:sld xmlns:a="http://schemas.openxmlformats.org/drawingml/2006/main" xmlns:r="http://schemas.openxmlformats.org/officeDocument/2006/relationships" xmlns:p="http://schemas.openxmlformats.org/presentationml/2006/main">
   <p:cSld>
     <p:spTree>
@@ -25158,7 +25327,7 @@
 </p:sld>
 </file>
 
-<file path=ppt/slides/slide17.xml><?xml version="1.0" encoding="utf-8"?>
+<file path=ppt/slides/slide18.xml><?xml version="1.0" encoding="utf-8"?>
 <p:sld xmlns:a="http://schemas.openxmlformats.org/drawingml/2006/main" xmlns:r="http://schemas.openxmlformats.org/officeDocument/2006/relationships" xmlns:p="http://schemas.openxmlformats.org/presentationml/2006/main">
   <p:cSld>
     <p:spTree>
@@ -25577,7 +25746,7 @@
 </p:sld>
 </file>
 
-<file path=ppt/slides/slide18.xml><?xml version="1.0" encoding="utf-8"?>
+<file path=ppt/slides/slide19.xml><?xml version="1.0" encoding="utf-8"?>
 <p:sld xmlns:a="http://schemas.openxmlformats.org/drawingml/2006/main" xmlns:r="http://schemas.openxmlformats.org/officeDocument/2006/relationships" xmlns:p="http://schemas.openxmlformats.org/presentationml/2006/main">
   <p:cSld>
     <p:spTree>
@@ -26295,7 +26464,144 @@
 </p:sld>
 </file>
 
-<file path=ppt/slides/slide19.xml><?xml version="1.0" encoding="utf-8"?>
+<file path=ppt/slides/slide2.xml><?xml version="1.0" encoding="utf-8"?>
+<p:sld xmlns:a="http://schemas.openxmlformats.org/drawingml/2006/main" xmlns:r="http://schemas.openxmlformats.org/officeDocument/2006/relationships" xmlns:p="http://schemas.openxmlformats.org/presentationml/2006/main">
+  <p:cSld>
+    <p:spTree>
+      <p:nvGrpSpPr>
+        <p:cNvPr id="1" name=""/>
+        <p:cNvGrpSpPr/>
+        <p:nvPr/>
+      </p:nvGrpSpPr>
+      <p:grpSpPr>
+        <a:xfrm>
+          <a:off x="0" y="0"/>
+          <a:ext cx="0" cy="0"/>
+          <a:chOff x="0" y="0"/>
+          <a:chExt cx="0" cy="0"/>
+        </a:xfrm>
+      </p:grpSpPr>
+      <p:sp>
+        <p:nvSpPr>
+          <p:cNvPr id="2" name="Title 1"/>
+          <p:cNvSpPr>
+            <a:spLocks noGrp="1"/>
+          </p:cNvSpPr>
+          <p:nvPr>
+            <p:ph type="title"/>
+          </p:nvPr>
+        </p:nvSpPr>
+        <p:spPr/>
+        <p:txBody>
+          <a:bodyPr/>
+          <a:lstStyle/>
+          <a:p>
+            <a:r>
+              <a:rPr lang="pt-BR" dirty="0"/>
+              <a:t>Introdução</a:t>
+            </a:r>
+          </a:p>
+        </p:txBody>
+      </p:sp>
+      <p:sp>
+        <p:nvSpPr>
+          <p:cNvPr id="3" name="Content Placeholder 2"/>
+          <p:cNvSpPr>
+            <a:spLocks noGrp="1"/>
+          </p:cNvSpPr>
+          <p:nvPr>
+            <p:ph idx="1"/>
+          </p:nvPr>
+        </p:nvSpPr>
+        <p:spPr>
+          <a:xfrm>
+            <a:off x="838199" y="1825624"/>
+            <a:ext cx="10994409" cy="4793539"/>
+          </a:xfrm>
+        </p:spPr>
+        <p:txBody>
+          <a:bodyPr>
+            <a:normAutofit lnSpcReduction="10000"/>
+          </a:bodyPr>
+          <a:lstStyle/>
+          <a:p>
+            <a:r>
+              <a:rPr lang="pt-BR" dirty="0"/>
+              <a:t>Vamos falar sobre um tópico que parece, inicialmente, não ser relacionado com a disciplina: o cérebro. </a:t>
+            </a:r>
+          </a:p>
+          <a:p>
+            <a:r>
+              <a:rPr lang="pt-BR" dirty="0"/>
+              <a:t>Entretanto, como veremos a seguir, as </a:t>
+            </a:r>
+            <a:r>
+              <a:rPr lang="pt-BR" dirty="0" smtClean="0"/>
+              <a:t>ideias </a:t>
+            </a:r>
+            <a:r>
+              <a:rPr lang="pt-BR" dirty="0"/>
+              <a:t>que discutimos até agora </a:t>
+            </a:r>
+            <a:r>
+              <a:rPr lang="pt-BR" dirty="0" smtClean="0"/>
+              <a:t>serão </a:t>
+            </a:r>
+            <a:r>
+              <a:rPr lang="pt-BR" dirty="0"/>
+              <a:t>úteis na construção de modelos matemáticos que </a:t>
+            </a:r>
+            <a:r>
+              <a:rPr lang="pt-BR" dirty="0" smtClean="0"/>
+              <a:t>aproximam a </a:t>
+            </a:r>
+            <a:r>
+              <a:rPr lang="pt-BR" dirty="0"/>
+              <a:t>atividade do cérebro. </a:t>
+            </a:r>
+          </a:p>
+          <a:p>
+            <a:r>
+              <a:rPr lang="pt-BR" dirty="0"/>
+              <a:t>E como veremos, essas ideias que já discutimos, nos ajudarão a entender o funcionamento das </a:t>
+            </a:r>
+            <a:r>
+              <a:rPr lang="pt-BR" b="1" i="1" dirty="0"/>
+              <a:t>redes neurais artificiais </a:t>
+            </a:r>
+            <a:r>
+              <a:rPr lang="pt-BR" dirty="0"/>
+              <a:t>(RNAs).</a:t>
+            </a:r>
+          </a:p>
+          <a:p>
+            <a:r>
+              <a:rPr lang="pt-BR" dirty="0"/>
+              <a:t>Redes neurais artificiais são uma das formas mais populares e efetivas para implementação de sistemas de aprendizado de máquina e mereceriam por sí só uma disciplina em separado.</a:t>
+            </a:r>
+          </a:p>
+          <a:p>
+            <a:r>
+              <a:rPr lang="pt-BR" dirty="0"/>
+              <a:t>Neste tópico veremos uma breve visão geral sobre as RNAs. </a:t>
+            </a:r>
+          </a:p>
+        </p:txBody>
+      </p:sp>
+    </p:spTree>
+    <p:extLst>
+      <p:ext uri="{BB962C8B-B14F-4D97-AF65-F5344CB8AC3E}">
+        <p14:creationId xmlns:p14="http://schemas.microsoft.com/office/powerpoint/2010/main" val="3946202173"/>
+      </p:ext>
+    </p:extLst>
+  </p:cSld>
+  <p:clrMapOvr>
+    <a:masterClrMapping/>
+  </p:clrMapOvr>
+</p:sld>
+</file>
+
+<file path=ppt/slides/slide20.xml><?xml version="1.0" encoding="utf-8"?>
 <p:sld xmlns:a="http://schemas.openxmlformats.org/drawingml/2006/main" xmlns:r="http://schemas.openxmlformats.org/officeDocument/2006/relationships" xmlns:p="http://schemas.openxmlformats.org/presentationml/2006/main">
   <p:cSld>
     <p:spTree>
@@ -28800,7 +29106,7 @@
 </p:sld>
 </file>
 
-<file path=ppt/slides/slide2.xml><?xml version="1.0" encoding="utf-8"?>
+<file path=ppt/slides/slide21.xml><?xml version="1.0" encoding="utf-8"?>
 <p:sld xmlns:a="http://schemas.openxmlformats.org/drawingml/2006/main" xmlns:r="http://schemas.openxmlformats.org/officeDocument/2006/relationships" xmlns:p="http://schemas.openxmlformats.org/presentationml/2006/main">
   <p:cSld>
     <p:spTree>
@@ -28833,143 +29139,6 @@
           <a:lstStyle/>
           <a:p>
             <a:r>
-              <a:rPr lang="pt-BR" dirty="0"/>
-              <a:t>Introdução</a:t>
-            </a:r>
-          </a:p>
-        </p:txBody>
-      </p:sp>
-      <p:sp>
-        <p:nvSpPr>
-          <p:cNvPr id="3" name="Content Placeholder 2"/>
-          <p:cNvSpPr>
-            <a:spLocks noGrp="1"/>
-          </p:cNvSpPr>
-          <p:nvPr>
-            <p:ph idx="1"/>
-          </p:nvPr>
-        </p:nvSpPr>
-        <p:spPr>
-          <a:xfrm>
-            <a:off x="838199" y="1825624"/>
-            <a:ext cx="10994409" cy="4793539"/>
-          </a:xfrm>
-        </p:spPr>
-        <p:txBody>
-          <a:bodyPr>
-            <a:normAutofit lnSpcReduction="10000"/>
-          </a:bodyPr>
-          <a:lstStyle/>
-          <a:p>
-            <a:r>
-              <a:rPr lang="pt-BR" dirty="0"/>
-              <a:t>Vamos falar sobre um tópico que parece, inicialmente, não ser relacionado com a disciplina: o cérebro. </a:t>
-            </a:r>
-          </a:p>
-          <a:p>
-            <a:r>
-              <a:rPr lang="pt-BR" dirty="0"/>
-              <a:t>Entretanto, como veremos a seguir, as </a:t>
-            </a:r>
-            <a:r>
-              <a:rPr lang="pt-BR" dirty="0" smtClean="0"/>
-              <a:t>ideias </a:t>
-            </a:r>
-            <a:r>
-              <a:rPr lang="pt-BR" dirty="0"/>
-              <a:t>que discutimos até agora </a:t>
-            </a:r>
-            <a:r>
-              <a:rPr lang="pt-BR" dirty="0" smtClean="0"/>
-              <a:t>serão </a:t>
-            </a:r>
-            <a:r>
-              <a:rPr lang="pt-BR" dirty="0"/>
-              <a:t>úteis na construção de modelos matemáticos que </a:t>
-            </a:r>
-            <a:r>
-              <a:rPr lang="pt-BR" dirty="0" smtClean="0"/>
-              <a:t>aproximam a </a:t>
-            </a:r>
-            <a:r>
-              <a:rPr lang="pt-BR" dirty="0"/>
-              <a:t>atividade do cérebro. </a:t>
-            </a:r>
-          </a:p>
-          <a:p>
-            <a:r>
-              <a:rPr lang="pt-BR" dirty="0"/>
-              <a:t>E como veremos, essas ideias que já discutimos, nos ajudarão a entender o funcionamento das </a:t>
-            </a:r>
-            <a:r>
-              <a:rPr lang="pt-BR" b="1" i="1" dirty="0"/>
-              <a:t>redes neurais artificiais </a:t>
-            </a:r>
-            <a:r>
-              <a:rPr lang="pt-BR" dirty="0"/>
-              <a:t>(RNAs).</a:t>
-            </a:r>
-          </a:p>
-          <a:p>
-            <a:r>
-              <a:rPr lang="pt-BR" dirty="0"/>
-              <a:t>Redes neurais artificiais são uma das formas mais populares e efetivas para implementação de sistemas de aprendizado de máquina e mereceriam por sí só uma disciplina em separado.</a:t>
-            </a:r>
-          </a:p>
-          <a:p>
-            <a:r>
-              <a:rPr lang="pt-BR" dirty="0"/>
-              <a:t>Neste tópico veremos uma breve visão geral sobre as RNAs. </a:t>
-            </a:r>
-          </a:p>
-        </p:txBody>
-      </p:sp>
-    </p:spTree>
-    <p:extLst>
-      <p:ext uri="{BB962C8B-B14F-4D97-AF65-F5344CB8AC3E}">
-        <p14:creationId xmlns:p14="http://schemas.microsoft.com/office/powerpoint/2010/main" val="3946202173"/>
-      </p:ext>
-    </p:extLst>
-  </p:cSld>
-  <p:clrMapOvr>
-    <a:masterClrMapping/>
-  </p:clrMapOvr>
-</p:sld>
-</file>
-
-<file path=ppt/slides/slide20.xml><?xml version="1.0" encoding="utf-8"?>
-<p:sld xmlns:a="http://schemas.openxmlformats.org/drawingml/2006/main" xmlns:r="http://schemas.openxmlformats.org/officeDocument/2006/relationships" xmlns:p="http://schemas.openxmlformats.org/presentationml/2006/main">
-  <p:cSld>
-    <p:spTree>
-      <p:nvGrpSpPr>
-        <p:cNvPr id="1" name=""/>
-        <p:cNvGrpSpPr/>
-        <p:nvPr/>
-      </p:nvGrpSpPr>
-      <p:grpSpPr>
-        <a:xfrm>
-          <a:off x="0" y="0"/>
-          <a:ext cx="0" cy="0"/>
-          <a:chOff x="0" y="0"/>
-          <a:chExt cx="0" cy="0"/>
-        </a:xfrm>
-      </p:grpSpPr>
-      <p:sp>
-        <p:nvSpPr>
-          <p:cNvPr id="2" name="Title 1"/>
-          <p:cNvSpPr>
-            <a:spLocks noGrp="1"/>
-          </p:cNvSpPr>
-          <p:nvPr>
-            <p:ph type="title"/>
-          </p:nvPr>
-        </p:nvSpPr>
-        <p:spPr/>
-        <p:txBody>
-          <a:bodyPr/>
-          <a:lstStyle/>
-          <a:p>
-            <a:r>
               <a:rPr lang="pt-BR" dirty="0" smtClean="0"/>
               <a:t>Tarefas</a:t>
             </a:r>
@@ -29003,11 +29172,7 @@
             </a:r>
             <a:r>
               <a:rPr lang="pt-BR" dirty="0" smtClean="0"/>
-              <a:t>: </a:t>
-            </a:r>
-            <a:r>
-              <a:rPr lang="pt-BR" dirty="0" smtClean="0"/>
-              <a:t>“</a:t>
+              <a:t>: “</a:t>
             </a:r>
             <a:r>
               <a:rPr lang="pt-BR" i="1" dirty="0" smtClean="0"/>
@@ -29015,11 +29180,7 @@
             </a:r>
             <a:r>
               <a:rPr lang="pt-BR" dirty="0" smtClean="0"/>
-              <a:t>” </a:t>
-            </a:r>
-            <a:r>
-              <a:rPr lang="pt-BR" dirty="0" smtClean="0"/>
-              <a:t>que se encontra no MS Teams.</a:t>
+              <a:t>” que se encontra no MS Teams.</a:t>
             </a:r>
           </a:p>
           <a:p>
@@ -29126,7 +29287,7 @@
 </p:sld>
 </file>
 
-<file path=ppt/slides/slide21.xml><?xml version="1.0" encoding="utf-8"?>
+<file path=ppt/slides/slide22.xml><?xml version="1.0" encoding="utf-8"?>
 <p:sld xmlns:a="http://schemas.openxmlformats.org/drawingml/2006/main" xmlns:r="http://schemas.openxmlformats.org/officeDocument/2006/relationships" xmlns:p="http://schemas.openxmlformats.org/presentationml/2006/main">
   <p:cSld>
     <p:spTree>
@@ -29148,7 +29309,7 @@
           <p:cNvPr id="4" name="Título 1">
             <a:extLst>
               <a:ext uri="{FF2B5EF4-FFF2-40B4-BE49-F238E27FC236}">
-                <a16:creationId xmlns:a16="http://schemas.microsoft.com/office/drawing/2014/main" xmlns="" id="{32666AC8-2E17-4DB4-B0F5-60C640CCFD2E}"/>
+                <a16:creationId xmlns="" xmlns:a16="http://schemas.microsoft.com/office/drawing/2014/main" id="{32666AC8-2E17-4DB4-B0F5-60C640CCFD2E}"/>
               </a:ext>
             </a:extLst>
           </p:cNvPr>
@@ -29211,7 +29372,7 @@
 </p:sld>
 </file>
 
-<file path=ppt/slides/slide22.xml><?xml version="1.0" encoding="utf-8"?>
+<file path=ppt/slides/slide23.xml><?xml version="1.0" encoding="utf-8"?>
 <p:sld xmlns:a="http://schemas.openxmlformats.org/drawingml/2006/main" xmlns:r="http://schemas.openxmlformats.org/officeDocument/2006/relationships" xmlns:p="http://schemas.openxmlformats.org/presentationml/2006/main">
   <p:cSld>
     <p:spTree>
@@ -29446,7 +29607,7 @@
 </p:sld>
 </file>
 
-<file path=ppt/slides/slide23.xml><?xml version="1.0" encoding="utf-8"?>
+<file path=ppt/slides/slide24.xml><?xml version="1.0" encoding="utf-8"?>
 <p:sld xmlns:a="http://schemas.openxmlformats.org/drawingml/2006/main" xmlns:r="http://schemas.openxmlformats.org/officeDocument/2006/relationships" xmlns:p="http://schemas.openxmlformats.org/presentationml/2006/main">
   <p:cSld>
     <p:spTree>
@@ -29468,7 +29629,7 @@
           <p:cNvPr id="4" name="Título 1">
             <a:extLst>
               <a:ext uri="{FF2B5EF4-FFF2-40B4-BE49-F238E27FC236}">
-                <a16:creationId xmlns:a16="http://schemas.microsoft.com/office/drawing/2014/main" xmlns="" id="{32666AC8-2E17-4DB4-B0F5-60C640CCFD2E}"/>
+                <a16:creationId xmlns="" xmlns:a16="http://schemas.microsoft.com/office/drawing/2014/main" id="{32666AC8-2E17-4DB4-B0F5-60C640CCFD2E}"/>
               </a:ext>
             </a:extLst>
           </p:cNvPr>
@@ -29531,7 +29692,7 @@
 </p:sld>
 </file>
 
-<file path=ppt/slides/slide24.xml><?xml version="1.0" encoding="utf-8"?>
+<file path=ppt/slides/slide25.xml><?xml version="1.0" encoding="utf-8"?>
 <p:sld xmlns:a="http://schemas.openxmlformats.org/drawingml/2006/main" xmlns:r="http://schemas.openxmlformats.org/officeDocument/2006/relationships" xmlns:p="http://schemas.openxmlformats.org/presentationml/2006/main">
   <p:cSld>
     <p:spTree>
@@ -33232,7 +33393,7 @@
 </p:sld>
 </file>
 
-<file path=ppt/slides/slide25.xml><?xml version="1.0" encoding="utf-8"?>
+<file path=ppt/slides/slide26.xml><?xml version="1.0" encoding="utf-8"?>
 <p:sld xmlns:a="http://schemas.openxmlformats.org/drawingml/2006/main" xmlns:r="http://schemas.openxmlformats.org/officeDocument/2006/relationships" xmlns:p="http://schemas.openxmlformats.org/presentationml/2006/main">
   <p:cSld>
     <p:spTree>
@@ -34772,7 +34933,7 @@
 </p:sld>
 </file>
 
-<file path=ppt/slides/slide26.xml><?xml version="1.0" encoding="utf-8"?>
+<file path=ppt/slides/slide27.xml><?xml version="1.0" encoding="utf-8"?>
 <p:sld xmlns:a="http://schemas.openxmlformats.org/drawingml/2006/main" xmlns:r="http://schemas.openxmlformats.org/officeDocument/2006/relationships" xmlns:p="http://schemas.openxmlformats.org/presentationml/2006/main">
   <p:cSld>
     <p:spTree>
@@ -36410,7 +36571,7 @@
 </p:sld>
 </file>
 
-<file path=ppt/slides/slide27.xml><?xml version="1.0" encoding="utf-8"?>
+<file path=ppt/slides/slide28.xml><?xml version="1.0" encoding="utf-8"?>
 <p:sld xmlns:a="http://schemas.openxmlformats.org/drawingml/2006/main" xmlns:r="http://schemas.openxmlformats.org/officeDocument/2006/relationships" xmlns:p="http://schemas.openxmlformats.org/presentationml/2006/main">
   <p:cSld>
     <p:spTree>
@@ -38747,7 +38908,7 @@
 </p:sld>
 </file>
 
-<file path=ppt/slides/slide28.xml><?xml version="1.0" encoding="utf-8"?>
+<file path=ppt/slides/slide29.xml><?xml version="1.0" encoding="utf-8"?>
 <p:sld xmlns:a="http://schemas.openxmlformats.org/drawingml/2006/main" xmlns:r="http://schemas.openxmlformats.org/officeDocument/2006/relationships" xmlns:p="http://schemas.openxmlformats.org/presentationml/2006/main">
   <p:cSld>
     <p:spTree>
@@ -39952,6 +40113,1197 @@
           </p:sp>
         </mc:Fallback>
       </mc:AlternateContent>
+      <p:grpSp>
+        <p:nvGrpSpPr>
+          <p:cNvPr id="2" name="Group 1"/>
+          <p:cNvGrpSpPr/>
+          <p:nvPr/>
+        </p:nvGrpSpPr>
+        <p:grpSpPr>
+          <a:xfrm>
+            <a:off x="7831778" y="2932882"/>
+            <a:ext cx="4077822" cy="2597612"/>
+            <a:chOff x="7831778" y="2932882"/>
+            <a:chExt cx="4077822" cy="2597612"/>
+          </a:xfrm>
+        </p:grpSpPr>
+        <p:cxnSp>
+          <p:nvCxnSpPr>
+            <p:cNvPr id="31" name="Straight Arrow Connector 30"/>
+            <p:cNvCxnSpPr/>
+            <p:nvPr/>
+          </p:nvCxnSpPr>
+          <p:spPr>
+            <a:xfrm flipV="1">
+              <a:off x="8568378" y="3110424"/>
+              <a:ext cx="0" cy="2376000"/>
+            </a:xfrm>
+            <a:prstGeom prst="straightConnector1">
+              <a:avLst/>
+            </a:prstGeom>
+            <a:ln>
+              <a:solidFill>
+                <a:schemeClr val="tx1"/>
+              </a:solidFill>
+              <a:tailEnd type="triangle"/>
+            </a:ln>
+          </p:spPr>
+          <p:style>
+            <a:lnRef idx="1">
+              <a:schemeClr val="accent1"/>
+            </a:lnRef>
+            <a:fillRef idx="0">
+              <a:schemeClr val="accent1"/>
+            </a:fillRef>
+            <a:effectRef idx="0">
+              <a:schemeClr val="accent1"/>
+            </a:effectRef>
+            <a:fontRef idx="minor">
+              <a:schemeClr val="tx1"/>
+            </a:fontRef>
+          </p:style>
+        </p:cxnSp>
+        <p:cxnSp>
+          <p:nvCxnSpPr>
+            <p:cNvPr id="36" name="Straight Arrow Connector 35"/>
+            <p:cNvCxnSpPr/>
+            <p:nvPr/>
+          </p:nvCxnSpPr>
+          <p:spPr>
+            <a:xfrm>
+              <a:off x="7831778" y="4773478"/>
+              <a:ext cx="2844000" cy="0"/>
+            </a:xfrm>
+            <a:prstGeom prst="straightConnector1">
+              <a:avLst/>
+            </a:prstGeom>
+            <a:ln>
+              <a:solidFill>
+                <a:schemeClr val="tx1"/>
+              </a:solidFill>
+              <a:tailEnd type="triangle"/>
+            </a:ln>
+          </p:spPr>
+          <p:style>
+            <a:lnRef idx="1">
+              <a:schemeClr val="accent1"/>
+            </a:lnRef>
+            <a:fillRef idx="0">
+              <a:schemeClr val="accent1"/>
+            </a:fillRef>
+            <a:effectRef idx="0">
+              <a:schemeClr val="accent1"/>
+            </a:effectRef>
+            <a:fontRef idx="minor">
+              <a:schemeClr val="tx1"/>
+            </a:fontRef>
+          </p:style>
+        </p:cxnSp>
+        <p:sp>
+          <p:nvSpPr>
+            <p:cNvPr id="37" name="Multiply 36"/>
+            <p:cNvSpPr/>
+            <p:nvPr/>
+          </p:nvSpPr>
+          <p:spPr>
+            <a:xfrm>
+              <a:off x="8647691" y="4870001"/>
+              <a:ext cx="216000" cy="216000"/>
+            </a:xfrm>
+            <a:prstGeom prst="mathMultiply">
+              <a:avLst/>
+            </a:prstGeom>
+            <a:solidFill>
+              <a:srgbClr val="FF0000"/>
+            </a:solidFill>
+            <a:ln>
+              <a:noFill/>
+            </a:ln>
+          </p:spPr>
+          <p:style>
+            <a:lnRef idx="2">
+              <a:schemeClr val="accent1">
+                <a:shade val="50000"/>
+              </a:schemeClr>
+            </a:lnRef>
+            <a:fillRef idx="1">
+              <a:schemeClr val="accent1"/>
+            </a:fillRef>
+            <a:effectRef idx="0">
+              <a:schemeClr val="accent1"/>
+            </a:effectRef>
+            <a:fontRef idx="minor">
+              <a:schemeClr val="lt1"/>
+            </a:fontRef>
+          </p:style>
+          <p:txBody>
+            <a:bodyPr rtlCol="0" anchor="ctr"/>
+            <a:lstStyle/>
+            <a:p>
+              <a:pPr algn="ctr"/>
+              <a:endParaRPr lang="pt-BR"/>
+            </a:p>
+          </p:txBody>
+        </p:sp>
+        <p:sp>
+          <p:nvSpPr>
+            <p:cNvPr id="38" name="Multiply 37"/>
+            <p:cNvSpPr/>
+            <p:nvPr/>
+          </p:nvSpPr>
+          <p:spPr>
+            <a:xfrm>
+              <a:off x="8800091" y="5022401"/>
+              <a:ext cx="216000" cy="216000"/>
+            </a:xfrm>
+            <a:prstGeom prst="mathMultiply">
+              <a:avLst/>
+            </a:prstGeom>
+            <a:solidFill>
+              <a:srgbClr val="FF0000"/>
+            </a:solidFill>
+            <a:ln>
+              <a:noFill/>
+            </a:ln>
+          </p:spPr>
+          <p:style>
+            <a:lnRef idx="2">
+              <a:schemeClr val="accent1">
+                <a:shade val="50000"/>
+              </a:schemeClr>
+            </a:lnRef>
+            <a:fillRef idx="1">
+              <a:schemeClr val="accent1"/>
+            </a:fillRef>
+            <a:effectRef idx="0">
+              <a:schemeClr val="accent1"/>
+            </a:effectRef>
+            <a:fontRef idx="minor">
+              <a:schemeClr val="lt1"/>
+            </a:fontRef>
+          </p:style>
+          <p:txBody>
+            <a:bodyPr rtlCol="0" anchor="ctr"/>
+            <a:lstStyle/>
+            <a:p>
+              <a:pPr algn="ctr"/>
+              <a:endParaRPr lang="pt-BR"/>
+            </a:p>
+          </p:txBody>
+        </p:sp>
+        <p:sp>
+          <p:nvSpPr>
+            <p:cNvPr id="39" name="Multiply 38"/>
+            <p:cNvSpPr/>
+            <p:nvPr/>
+          </p:nvSpPr>
+          <p:spPr>
+            <a:xfrm>
+              <a:off x="8952491" y="5174801"/>
+              <a:ext cx="216000" cy="216000"/>
+            </a:xfrm>
+            <a:prstGeom prst="mathMultiply">
+              <a:avLst/>
+            </a:prstGeom>
+            <a:solidFill>
+              <a:srgbClr val="FF0000"/>
+            </a:solidFill>
+            <a:ln>
+              <a:noFill/>
+            </a:ln>
+          </p:spPr>
+          <p:style>
+            <a:lnRef idx="2">
+              <a:schemeClr val="accent1">
+                <a:shade val="50000"/>
+              </a:schemeClr>
+            </a:lnRef>
+            <a:fillRef idx="1">
+              <a:schemeClr val="accent1"/>
+            </a:fillRef>
+            <a:effectRef idx="0">
+              <a:schemeClr val="accent1"/>
+            </a:effectRef>
+            <a:fontRef idx="minor">
+              <a:schemeClr val="lt1"/>
+            </a:fontRef>
+          </p:style>
+          <p:txBody>
+            <a:bodyPr rtlCol="0" anchor="ctr"/>
+            <a:lstStyle/>
+            <a:p>
+              <a:pPr algn="ctr"/>
+              <a:endParaRPr lang="pt-BR"/>
+            </a:p>
+          </p:txBody>
+        </p:sp>
+        <p:sp>
+          <p:nvSpPr>
+            <p:cNvPr id="40" name="Multiply 39"/>
+            <p:cNvSpPr/>
+            <p:nvPr/>
+          </p:nvSpPr>
+          <p:spPr>
+            <a:xfrm>
+              <a:off x="8084896" y="4297992"/>
+              <a:ext cx="216000" cy="216000"/>
+            </a:xfrm>
+            <a:prstGeom prst="mathMultiply">
+              <a:avLst/>
+            </a:prstGeom>
+            <a:solidFill>
+              <a:srgbClr val="FF0000"/>
+            </a:solidFill>
+            <a:ln>
+              <a:noFill/>
+            </a:ln>
+          </p:spPr>
+          <p:style>
+            <a:lnRef idx="2">
+              <a:schemeClr val="accent1">
+                <a:shade val="50000"/>
+              </a:schemeClr>
+            </a:lnRef>
+            <a:fillRef idx="1">
+              <a:schemeClr val="accent1"/>
+            </a:fillRef>
+            <a:effectRef idx="0">
+              <a:schemeClr val="accent1"/>
+            </a:effectRef>
+            <a:fontRef idx="minor">
+              <a:schemeClr val="lt1"/>
+            </a:fontRef>
+          </p:style>
+          <p:txBody>
+            <a:bodyPr rtlCol="0" anchor="ctr"/>
+            <a:lstStyle/>
+            <a:p>
+              <a:pPr algn="ctr"/>
+              <a:endParaRPr lang="pt-BR"/>
+            </a:p>
+          </p:txBody>
+        </p:sp>
+        <p:sp>
+          <p:nvSpPr>
+            <p:cNvPr id="41" name="Multiply 40"/>
+            <p:cNvSpPr/>
+            <p:nvPr/>
+          </p:nvSpPr>
+          <p:spPr>
+            <a:xfrm>
+              <a:off x="8184266" y="4038507"/>
+              <a:ext cx="216000" cy="216000"/>
+            </a:xfrm>
+            <a:prstGeom prst="mathMultiply">
+              <a:avLst/>
+            </a:prstGeom>
+            <a:solidFill>
+              <a:srgbClr val="FF0000"/>
+            </a:solidFill>
+            <a:ln>
+              <a:noFill/>
+            </a:ln>
+          </p:spPr>
+          <p:style>
+            <a:lnRef idx="2">
+              <a:schemeClr val="accent1">
+                <a:shade val="50000"/>
+              </a:schemeClr>
+            </a:lnRef>
+            <a:fillRef idx="1">
+              <a:schemeClr val="accent1"/>
+            </a:fillRef>
+            <a:effectRef idx="0">
+              <a:schemeClr val="accent1"/>
+            </a:effectRef>
+            <a:fontRef idx="minor">
+              <a:schemeClr val="lt1"/>
+            </a:fontRef>
+          </p:style>
+          <p:txBody>
+            <a:bodyPr rtlCol="0" anchor="ctr"/>
+            <a:lstStyle/>
+            <a:p>
+              <a:pPr algn="ctr"/>
+              <a:endParaRPr lang="pt-BR"/>
+            </a:p>
+          </p:txBody>
+        </p:sp>
+        <p:sp>
+          <p:nvSpPr>
+            <p:cNvPr id="42" name="Multiply 41"/>
+            <p:cNvSpPr/>
+            <p:nvPr/>
+          </p:nvSpPr>
+          <p:spPr>
+            <a:xfrm>
+              <a:off x="8651465" y="4254507"/>
+              <a:ext cx="216000" cy="216000"/>
+            </a:xfrm>
+            <a:prstGeom prst="mathMultiply">
+              <a:avLst/>
+            </a:prstGeom>
+            <a:solidFill>
+              <a:srgbClr val="FF0000"/>
+            </a:solidFill>
+            <a:ln>
+              <a:noFill/>
+            </a:ln>
+          </p:spPr>
+          <p:style>
+            <a:lnRef idx="2">
+              <a:schemeClr val="accent1">
+                <a:shade val="50000"/>
+              </a:schemeClr>
+            </a:lnRef>
+            <a:fillRef idx="1">
+              <a:schemeClr val="accent1"/>
+            </a:fillRef>
+            <a:effectRef idx="0">
+              <a:schemeClr val="accent1"/>
+            </a:effectRef>
+            <a:fontRef idx="minor">
+              <a:schemeClr val="lt1"/>
+            </a:fontRef>
+          </p:style>
+          <p:txBody>
+            <a:bodyPr rtlCol="0" anchor="ctr"/>
+            <a:lstStyle/>
+            <a:p>
+              <a:pPr algn="ctr"/>
+              <a:endParaRPr lang="pt-BR"/>
+            </a:p>
+          </p:txBody>
+        </p:sp>
+        <p:sp>
+          <p:nvSpPr>
+            <p:cNvPr id="43" name="Multiply 42"/>
+            <p:cNvSpPr/>
+            <p:nvPr/>
+          </p:nvSpPr>
+          <p:spPr>
+            <a:xfrm>
+              <a:off x="8844491" y="4470507"/>
+              <a:ext cx="216000" cy="216000"/>
+            </a:xfrm>
+            <a:prstGeom prst="mathMultiply">
+              <a:avLst/>
+            </a:prstGeom>
+            <a:solidFill>
+              <a:srgbClr val="FF0000"/>
+            </a:solidFill>
+            <a:ln>
+              <a:noFill/>
+            </a:ln>
+          </p:spPr>
+          <p:style>
+            <a:lnRef idx="2">
+              <a:schemeClr val="accent1">
+                <a:shade val="50000"/>
+              </a:schemeClr>
+            </a:lnRef>
+            <a:fillRef idx="1">
+              <a:schemeClr val="accent1"/>
+            </a:fillRef>
+            <a:effectRef idx="0">
+              <a:schemeClr val="accent1"/>
+            </a:effectRef>
+            <a:fontRef idx="minor">
+              <a:schemeClr val="lt1"/>
+            </a:fontRef>
+          </p:style>
+          <p:txBody>
+            <a:bodyPr rtlCol="0" anchor="ctr"/>
+            <a:lstStyle/>
+            <a:p>
+              <a:pPr algn="ctr"/>
+              <a:endParaRPr lang="pt-BR"/>
+            </a:p>
+          </p:txBody>
+        </p:sp>
+        <p:sp>
+          <p:nvSpPr>
+            <p:cNvPr id="44" name="Oval 43"/>
+            <p:cNvSpPr/>
+            <p:nvPr/>
+          </p:nvSpPr>
+          <p:spPr>
+            <a:xfrm>
+              <a:off x="9060491" y="3803996"/>
+              <a:ext cx="144000" cy="144000"/>
+            </a:xfrm>
+            <a:prstGeom prst="ellipse">
+              <a:avLst/>
+            </a:prstGeom>
+          </p:spPr>
+          <p:style>
+            <a:lnRef idx="2">
+              <a:schemeClr val="accent1">
+                <a:shade val="50000"/>
+              </a:schemeClr>
+            </a:lnRef>
+            <a:fillRef idx="1">
+              <a:schemeClr val="accent1"/>
+            </a:fillRef>
+            <a:effectRef idx="0">
+              <a:schemeClr val="accent1"/>
+            </a:effectRef>
+            <a:fontRef idx="minor">
+              <a:schemeClr val="lt1"/>
+            </a:fontRef>
+          </p:style>
+          <p:txBody>
+            <a:bodyPr rtlCol="0" anchor="ctr"/>
+            <a:lstStyle/>
+            <a:p>
+              <a:pPr algn="ctr"/>
+              <a:endParaRPr lang="pt-BR"/>
+            </a:p>
+          </p:txBody>
+        </p:sp>
+        <p:sp>
+          <p:nvSpPr>
+            <p:cNvPr id="45" name="Oval 44"/>
+            <p:cNvSpPr/>
+            <p:nvPr/>
+          </p:nvSpPr>
+          <p:spPr>
+            <a:xfrm>
+              <a:off x="9243131" y="3541496"/>
+              <a:ext cx="144000" cy="144000"/>
+            </a:xfrm>
+            <a:prstGeom prst="ellipse">
+              <a:avLst/>
+            </a:prstGeom>
+          </p:spPr>
+          <p:style>
+            <a:lnRef idx="2">
+              <a:schemeClr val="accent1">
+                <a:shade val="50000"/>
+              </a:schemeClr>
+            </a:lnRef>
+            <a:fillRef idx="1">
+              <a:schemeClr val="accent1"/>
+            </a:fillRef>
+            <a:effectRef idx="0">
+              <a:schemeClr val="accent1"/>
+            </a:effectRef>
+            <a:fontRef idx="minor">
+              <a:schemeClr val="lt1"/>
+            </a:fontRef>
+          </p:style>
+          <p:txBody>
+            <a:bodyPr rtlCol="0" anchor="ctr"/>
+            <a:lstStyle/>
+            <a:p>
+              <a:pPr algn="ctr"/>
+              <a:endParaRPr lang="pt-BR"/>
+            </a:p>
+          </p:txBody>
+        </p:sp>
+        <p:sp>
+          <p:nvSpPr>
+            <p:cNvPr id="46" name="Oval 45"/>
+            <p:cNvSpPr/>
+            <p:nvPr/>
+          </p:nvSpPr>
+          <p:spPr>
+            <a:xfrm>
+              <a:off x="9387131" y="3753323"/>
+              <a:ext cx="144000" cy="144000"/>
+            </a:xfrm>
+            <a:prstGeom prst="ellipse">
+              <a:avLst/>
+            </a:prstGeom>
+          </p:spPr>
+          <p:style>
+            <a:lnRef idx="2">
+              <a:schemeClr val="accent1">
+                <a:shade val="50000"/>
+              </a:schemeClr>
+            </a:lnRef>
+            <a:fillRef idx="1">
+              <a:schemeClr val="accent1"/>
+            </a:fillRef>
+            <a:effectRef idx="0">
+              <a:schemeClr val="accent1"/>
+            </a:effectRef>
+            <a:fontRef idx="minor">
+              <a:schemeClr val="lt1"/>
+            </a:fontRef>
+          </p:style>
+          <p:txBody>
+            <a:bodyPr rtlCol="0" anchor="ctr"/>
+            <a:lstStyle/>
+            <a:p>
+              <a:pPr algn="ctr"/>
+              <a:endParaRPr lang="pt-BR"/>
+            </a:p>
+          </p:txBody>
+        </p:sp>
+        <p:sp>
+          <p:nvSpPr>
+            <p:cNvPr id="47" name="Oval 46"/>
+            <p:cNvSpPr/>
+            <p:nvPr/>
+          </p:nvSpPr>
+          <p:spPr>
+            <a:xfrm>
+              <a:off x="9607561" y="4075225"/>
+              <a:ext cx="144000" cy="144000"/>
+            </a:xfrm>
+            <a:prstGeom prst="ellipse">
+              <a:avLst/>
+            </a:prstGeom>
+          </p:spPr>
+          <p:style>
+            <a:lnRef idx="2">
+              <a:schemeClr val="accent1">
+                <a:shade val="50000"/>
+              </a:schemeClr>
+            </a:lnRef>
+            <a:fillRef idx="1">
+              <a:schemeClr val="accent1"/>
+            </a:fillRef>
+            <a:effectRef idx="0">
+              <a:schemeClr val="accent1"/>
+            </a:effectRef>
+            <a:fontRef idx="minor">
+              <a:schemeClr val="lt1"/>
+            </a:fontRef>
+          </p:style>
+          <p:txBody>
+            <a:bodyPr rtlCol="0" anchor="ctr"/>
+            <a:lstStyle/>
+            <a:p>
+              <a:pPr algn="ctr"/>
+              <a:endParaRPr lang="pt-BR"/>
+            </a:p>
+          </p:txBody>
+        </p:sp>
+        <p:sp>
+          <p:nvSpPr>
+            <p:cNvPr id="48" name="Oval 47"/>
+            <p:cNvSpPr/>
+            <p:nvPr/>
+          </p:nvSpPr>
+          <p:spPr>
+            <a:xfrm>
+              <a:off x="9543069" y="3502875"/>
+              <a:ext cx="144000" cy="144000"/>
+            </a:xfrm>
+            <a:prstGeom prst="ellipse">
+              <a:avLst/>
+            </a:prstGeom>
+          </p:spPr>
+          <p:style>
+            <a:lnRef idx="2">
+              <a:schemeClr val="accent1">
+                <a:shade val="50000"/>
+              </a:schemeClr>
+            </a:lnRef>
+            <a:fillRef idx="1">
+              <a:schemeClr val="accent1"/>
+            </a:fillRef>
+            <a:effectRef idx="0">
+              <a:schemeClr val="accent1"/>
+            </a:effectRef>
+            <a:fontRef idx="minor">
+              <a:schemeClr val="lt1"/>
+            </a:fontRef>
+          </p:style>
+          <p:txBody>
+            <a:bodyPr rtlCol="0" anchor="ctr"/>
+            <a:lstStyle/>
+            <a:p>
+              <a:pPr algn="ctr"/>
+              <a:endParaRPr lang="pt-BR"/>
+            </a:p>
+          </p:txBody>
+        </p:sp>
+        <p:sp>
+          <p:nvSpPr>
+            <p:cNvPr id="49" name="Oval 48"/>
+            <p:cNvSpPr/>
+            <p:nvPr/>
+          </p:nvSpPr>
+          <p:spPr>
+            <a:xfrm>
+              <a:off x="9760490" y="3793767"/>
+              <a:ext cx="144000" cy="144000"/>
+            </a:xfrm>
+            <a:prstGeom prst="ellipse">
+              <a:avLst/>
+            </a:prstGeom>
+          </p:spPr>
+          <p:style>
+            <a:lnRef idx="2">
+              <a:schemeClr val="accent1">
+                <a:shade val="50000"/>
+              </a:schemeClr>
+            </a:lnRef>
+            <a:fillRef idx="1">
+              <a:schemeClr val="accent1"/>
+            </a:fillRef>
+            <a:effectRef idx="0">
+              <a:schemeClr val="accent1"/>
+            </a:effectRef>
+            <a:fontRef idx="minor">
+              <a:schemeClr val="lt1"/>
+            </a:fontRef>
+          </p:style>
+          <p:txBody>
+            <a:bodyPr rtlCol="0" anchor="ctr"/>
+            <a:lstStyle/>
+            <a:p>
+              <a:pPr algn="ctr"/>
+              <a:endParaRPr lang="pt-BR"/>
+            </a:p>
+          </p:txBody>
+        </p:sp>
+        <p:sp>
+          <p:nvSpPr>
+            <p:cNvPr id="50" name="Oval 49"/>
+            <p:cNvSpPr/>
+            <p:nvPr/>
+          </p:nvSpPr>
+          <p:spPr>
+            <a:xfrm>
+              <a:off x="9891028" y="3606282"/>
+              <a:ext cx="144000" cy="144000"/>
+            </a:xfrm>
+            <a:prstGeom prst="ellipse">
+              <a:avLst/>
+            </a:prstGeom>
+          </p:spPr>
+          <p:style>
+            <a:lnRef idx="2">
+              <a:schemeClr val="accent1">
+                <a:shade val="50000"/>
+              </a:schemeClr>
+            </a:lnRef>
+            <a:fillRef idx="1">
+              <a:schemeClr val="accent1"/>
+            </a:fillRef>
+            <a:effectRef idx="0">
+              <a:schemeClr val="accent1"/>
+            </a:effectRef>
+            <a:fontRef idx="minor">
+              <a:schemeClr val="lt1"/>
+            </a:fontRef>
+          </p:style>
+          <p:txBody>
+            <a:bodyPr rtlCol="0" anchor="ctr"/>
+            <a:lstStyle/>
+            <a:p>
+              <a:pPr algn="ctr"/>
+              <a:endParaRPr lang="pt-BR"/>
+            </a:p>
+          </p:txBody>
+        </p:sp>
+        <p:sp>
+          <p:nvSpPr>
+            <p:cNvPr id="51" name="Oval 50"/>
+            <p:cNvSpPr/>
+            <p:nvPr/>
+          </p:nvSpPr>
+          <p:spPr>
+            <a:xfrm>
+              <a:off x="9919674" y="4032596"/>
+              <a:ext cx="144000" cy="144000"/>
+            </a:xfrm>
+            <a:prstGeom prst="ellipse">
+              <a:avLst/>
+            </a:prstGeom>
+          </p:spPr>
+          <p:style>
+            <a:lnRef idx="2">
+              <a:schemeClr val="accent1">
+                <a:shade val="50000"/>
+              </a:schemeClr>
+            </a:lnRef>
+            <a:fillRef idx="1">
+              <a:schemeClr val="accent1"/>
+            </a:fillRef>
+            <a:effectRef idx="0">
+              <a:schemeClr val="accent1"/>
+            </a:effectRef>
+            <a:fontRef idx="minor">
+              <a:schemeClr val="lt1"/>
+            </a:fontRef>
+          </p:style>
+          <p:txBody>
+            <a:bodyPr rtlCol="0" anchor="ctr"/>
+            <a:lstStyle/>
+            <a:p>
+              <a:pPr algn="ctr"/>
+              <a:endParaRPr lang="pt-BR"/>
+            </a:p>
+          </p:txBody>
+        </p:sp>
+        <p:cxnSp>
+          <p:nvCxnSpPr>
+            <p:cNvPr id="52" name="Straight Connector 51"/>
+            <p:cNvCxnSpPr/>
+            <p:nvPr/>
+          </p:nvCxnSpPr>
+          <p:spPr>
+            <a:xfrm>
+              <a:off x="8184266" y="3420987"/>
+              <a:ext cx="2021551" cy="1735526"/>
+            </a:xfrm>
+            <a:prstGeom prst="line">
+              <a:avLst/>
+            </a:prstGeom>
+            <a:ln>
+              <a:solidFill>
+                <a:schemeClr val="tx1"/>
+              </a:solidFill>
+              <a:prstDash val="dash"/>
+            </a:ln>
+          </p:spPr>
+          <p:style>
+            <a:lnRef idx="1">
+              <a:schemeClr val="accent1"/>
+            </a:lnRef>
+            <a:fillRef idx="0">
+              <a:schemeClr val="accent1"/>
+            </a:fillRef>
+            <a:effectRef idx="0">
+              <a:schemeClr val="accent1"/>
+            </a:effectRef>
+            <a:fontRef idx="minor">
+              <a:schemeClr val="tx1"/>
+            </a:fontRef>
+          </p:style>
+        </p:cxnSp>
+        <mc:AlternateContent xmlns:mc="http://schemas.openxmlformats.org/markup-compatibility/2006">
+          <mc:Choice xmlns:a14="http://schemas.microsoft.com/office/drawing/2010/main" Requires="a14">
+            <p:sp>
+              <p:nvSpPr>
+                <p:cNvPr id="53" name="TextBox 52"/>
+                <p:cNvSpPr txBox="1"/>
+                <p:nvPr/>
+              </p:nvSpPr>
+              <p:spPr>
+                <a:xfrm>
+                  <a:off x="8593096" y="2932882"/>
+                  <a:ext cx="399825" cy="369332"/>
+                </a:xfrm>
+                <a:prstGeom prst="rect">
+                  <a:avLst/>
+                </a:prstGeom>
+                <a:noFill/>
+              </p:spPr>
+              <p:txBody>
+                <a:bodyPr wrap="square" rtlCol="0">
+                  <a:spAutoFit/>
+                </a:bodyPr>
+                <a:lstStyle/>
+                <a:p>
+                  <a:pPr/>
+                  <a14:m>
+                    <m:oMathPara xmlns:m="http://schemas.openxmlformats.org/officeDocument/2006/math">
+                      <m:oMathParaPr>
+                        <m:jc m:val="centerGroup"/>
+                      </m:oMathParaPr>
+                      <m:oMath xmlns:m="http://schemas.openxmlformats.org/officeDocument/2006/math">
+                        <m:sSub>
+                          <m:sSubPr>
+                            <m:ctrlPr>
+                              <a:rPr lang="pt-BR" i="1" smtClean="0">
+                                <a:latin typeface="Cambria Math" panose="02040503050406030204" pitchFamily="18" charset="0"/>
+                              </a:rPr>
+                            </m:ctrlPr>
+                          </m:sSubPr>
+                          <m:e>
+                            <m:r>
+                              <a:rPr lang="pt-BR" b="0" i="1" smtClean="0">
+                                <a:latin typeface="Cambria Math" panose="02040503050406030204" pitchFamily="18" charset="0"/>
+                              </a:rPr>
+                              <m:t>𝑥</m:t>
+                            </m:r>
+                          </m:e>
+                          <m:sub>
+                            <m:r>
+                              <a:rPr lang="pt-BR" b="0" i="1" smtClean="0">
+                                <a:latin typeface="Cambria Math" panose="02040503050406030204" pitchFamily="18" charset="0"/>
+                              </a:rPr>
+                              <m:t>2</m:t>
+                            </m:r>
+                          </m:sub>
+                        </m:sSub>
+                      </m:oMath>
+                    </m:oMathPara>
+                  </a14:m>
+                  <a:endParaRPr lang="pt-BR" dirty="0"/>
+                </a:p>
+              </p:txBody>
+            </p:sp>
+          </mc:Choice>
+          <mc:Fallback>
+            <p:sp>
+              <p:nvSpPr>
+                <p:cNvPr id="53" name="TextBox 52"/>
+                <p:cNvSpPr txBox="1">
+                  <a:spLocks noRot="1" noChangeAspect="1" noMove="1" noResize="1" noEditPoints="1" noAdjustHandles="1" noChangeArrowheads="1" noChangeShapeType="1" noTextEdit="1"/>
+                </p:cNvSpPr>
+                <p:nvPr/>
+              </p:nvSpPr>
+              <p:spPr>
+                <a:xfrm>
+                  <a:off x="8593096" y="2932882"/>
+                  <a:ext cx="399825" cy="369332"/>
+                </a:xfrm>
+                <a:prstGeom prst="rect">
+                  <a:avLst/>
+                </a:prstGeom>
+                <a:blipFill rotWithShape="0">
+                  <a:blip r:embed="rId5"/>
+                  <a:stretch>
+                    <a:fillRect/>
+                  </a:stretch>
+                </a:blipFill>
+              </p:spPr>
+              <p:txBody>
+                <a:bodyPr/>
+                <a:lstStyle/>
+                <a:p>
+                  <a:r>
+                    <a:rPr lang="pt-BR">
+                      <a:noFill/>
+                    </a:rPr>
+                    <a:t> </a:t>
+                  </a:r>
+                </a:p>
+              </p:txBody>
+            </p:sp>
+          </mc:Fallback>
+        </mc:AlternateContent>
+        <mc:AlternateContent xmlns:mc="http://schemas.openxmlformats.org/markup-compatibility/2006">
+          <mc:Choice xmlns:a14="http://schemas.microsoft.com/office/drawing/2010/main" Requires="a14">
+            <p:sp>
+              <p:nvSpPr>
+                <p:cNvPr id="54" name="TextBox 53"/>
+                <p:cNvSpPr txBox="1"/>
+                <p:nvPr/>
+              </p:nvSpPr>
+              <p:spPr>
+                <a:xfrm>
+                  <a:off x="10373929" y="4370638"/>
+                  <a:ext cx="399825" cy="369332"/>
+                </a:xfrm>
+                <a:prstGeom prst="rect">
+                  <a:avLst/>
+                </a:prstGeom>
+                <a:noFill/>
+              </p:spPr>
+              <p:txBody>
+                <a:bodyPr wrap="square" rtlCol="0">
+                  <a:spAutoFit/>
+                </a:bodyPr>
+                <a:lstStyle/>
+                <a:p>
+                  <a:pPr/>
+                  <a14:m>
+                    <m:oMathPara xmlns:m="http://schemas.openxmlformats.org/officeDocument/2006/math">
+                      <m:oMathParaPr>
+                        <m:jc m:val="centerGroup"/>
+                      </m:oMathParaPr>
+                      <m:oMath xmlns:m="http://schemas.openxmlformats.org/officeDocument/2006/math">
+                        <m:sSub>
+                          <m:sSubPr>
+                            <m:ctrlPr>
+                              <a:rPr lang="pt-BR" i="1" smtClean="0">
+                                <a:latin typeface="Cambria Math" panose="02040503050406030204" pitchFamily="18" charset="0"/>
+                              </a:rPr>
+                            </m:ctrlPr>
+                          </m:sSubPr>
+                          <m:e>
+                            <m:r>
+                              <a:rPr lang="pt-BR" b="0" i="1" smtClean="0">
+                                <a:latin typeface="Cambria Math" panose="02040503050406030204" pitchFamily="18" charset="0"/>
+                              </a:rPr>
+                              <m:t>𝑥</m:t>
+                            </m:r>
+                          </m:e>
+                          <m:sub>
+                            <m:r>
+                              <a:rPr lang="pt-BR" b="0" i="1" smtClean="0">
+                                <a:latin typeface="Cambria Math" panose="02040503050406030204" pitchFamily="18" charset="0"/>
+                              </a:rPr>
+                              <m:t>1</m:t>
+                            </m:r>
+                          </m:sub>
+                        </m:sSub>
+                      </m:oMath>
+                    </m:oMathPara>
+                  </a14:m>
+                  <a:endParaRPr lang="pt-BR" dirty="0"/>
+                </a:p>
+              </p:txBody>
+            </p:sp>
+          </mc:Choice>
+          <mc:Fallback>
+            <p:sp>
+              <p:nvSpPr>
+                <p:cNvPr id="54" name="TextBox 53"/>
+                <p:cNvSpPr txBox="1">
+                  <a:spLocks noRot="1" noChangeAspect="1" noMove="1" noResize="1" noEditPoints="1" noAdjustHandles="1" noChangeArrowheads="1" noChangeShapeType="1" noTextEdit="1"/>
+                </p:cNvSpPr>
+                <p:nvPr/>
+              </p:nvSpPr>
+              <p:spPr>
+                <a:xfrm>
+                  <a:off x="10373929" y="4370638"/>
+                  <a:ext cx="399825" cy="369332"/>
+                </a:xfrm>
+                <a:prstGeom prst="rect">
+                  <a:avLst/>
+                </a:prstGeom>
+                <a:blipFill rotWithShape="0">
+                  <a:blip r:embed="rId6"/>
+                  <a:stretch>
+                    <a:fillRect/>
+                  </a:stretch>
+                </a:blipFill>
+              </p:spPr>
+              <p:txBody>
+                <a:bodyPr/>
+                <a:lstStyle/>
+                <a:p>
+                  <a:r>
+                    <a:rPr lang="pt-BR">
+                      <a:noFill/>
+                    </a:rPr>
+                    <a:t> </a:t>
+                  </a:r>
+                </a:p>
+              </p:txBody>
+            </p:sp>
+          </mc:Fallback>
+        </mc:AlternateContent>
+        <mc:AlternateContent xmlns:mc="http://schemas.openxmlformats.org/markup-compatibility/2006">
+          <mc:Choice xmlns:a14="http://schemas.microsoft.com/office/drawing/2010/main" Requires="a14">
+            <p:sp>
+              <p:nvSpPr>
+                <p:cNvPr id="55" name="Rectangle 54"/>
+                <p:cNvSpPr/>
+                <p:nvPr/>
+              </p:nvSpPr>
+              <p:spPr>
+                <a:xfrm>
+                  <a:off x="9435909" y="5161162"/>
+                  <a:ext cx="2473691" cy="369332"/>
+                </a:xfrm>
+                <a:prstGeom prst="rect">
+                  <a:avLst/>
+                </a:prstGeom>
+              </p:spPr>
+              <p:txBody>
+                <a:bodyPr wrap="none">
+                  <a:spAutoFit/>
+                </a:bodyPr>
+                <a:lstStyle/>
+                <a:p>
+                  <a:pPr/>
+                  <a14:m>
+                    <m:oMathPara xmlns:m="http://schemas.openxmlformats.org/officeDocument/2006/math">
+                      <m:oMathParaPr>
+                        <m:jc m:val="centerGroup"/>
+                      </m:oMathParaPr>
+                      <m:oMath xmlns:m="http://schemas.openxmlformats.org/officeDocument/2006/math">
+                        <m:sSub>
+                          <m:sSubPr>
+                            <m:ctrlPr>
+                              <a:rPr lang="pt-BR" i="1" smtClean="0">
+                                <a:latin typeface="Cambria Math" panose="02040503050406030204" pitchFamily="18" charset="0"/>
+                              </a:rPr>
+                            </m:ctrlPr>
+                          </m:sSubPr>
+                          <m:e>
+                            <m:r>
+                              <a:rPr lang="pt-BR" i="1">
+                                <a:latin typeface="Cambria Math" panose="02040503050406030204" pitchFamily="18" charset="0"/>
+                              </a:rPr>
+                              <m:t>𝑤</m:t>
+                            </m:r>
+                          </m:e>
+                          <m:sub>
+                            <m:r>
+                              <a:rPr lang="pt-BR" i="1">
+                                <a:latin typeface="Cambria Math" panose="02040503050406030204" pitchFamily="18" charset="0"/>
+                              </a:rPr>
+                              <m:t>0</m:t>
+                            </m:r>
+                          </m:sub>
+                        </m:sSub>
+                        <m:r>
+                          <a:rPr lang="pt-BR" b="0" i="1" smtClean="0">
+                            <a:latin typeface="Cambria Math" panose="02040503050406030204" pitchFamily="18" charset="0"/>
+                          </a:rPr>
+                          <m:t>+</m:t>
+                        </m:r>
+                        <m:sSub>
+                          <m:sSubPr>
+                            <m:ctrlPr>
+                              <a:rPr lang="pt-BR" i="1" smtClean="0">
+                                <a:latin typeface="Cambria Math" panose="02040503050406030204" pitchFamily="18" charset="0"/>
+                              </a:rPr>
+                            </m:ctrlPr>
+                          </m:sSubPr>
+                          <m:e>
+                            <m:r>
+                              <a:rPr lang="pt-BR" i="1">
+                                <a:latin typeface="Cambria Math" panose="02040503050406030204" pitchFamily="18" charset="0"/>
+                              </a:rPr>
+                              <m:t>𝑤</m:t>
+                            </m:r>
+                          </m:e>
+                          <m:sub>
+                            <m:r>
+                              <a:rPr lang="pt-BR" b="0" i="1" smtClean="0">
+                                <a:latin typeface="Cambria Math" panose="02040503050406030204" pitchFamily="18" charset="0"/>
+                              </a:rPr>
+                              <m:t>1</m:t>
+                            </m:r>
+                          </m:sub>
+                        </m:sSub>
+                        <m:sSub>
+                          <m:sSubPr>
+                            <m:ctrlPr>
+                              <a:rPr lang="pt-BR" i="1">
+                                <a:latin typeface="Cambria Math" panose="02040503050406030204" pitchFamily="18" charset="0"/>
+                              </a:rPr>
+                            </m:ctrlPr>
+                          </m:sSubPr>
+                          <m:e>
+                            <m:r>
+                              <a:rPr lang="pt-BR" i="1">
+                                <a:latin typeface="Cambria Math" panose="02040503050406030204" pitchFamily="18" charset="0"/>
+                              </a:rPr>
+                              <m:t>𝑥</m:t>
+                            </m:r>
+                          </m:e>
+                          <m:sub>
+                            <m:r>
+                              <a:rPr lang="pt-BR" b="0" i="1" smtClean="0">
+                                <a:latin typeface="Cambria Math" panose="02040503050406030204" pitchFamily="18" charset="0"/>
+                              </a:rPr>
+                              <m:t>1</m:t>
+                            </m:r>
+                          </m:sub>
+                        </m:sSub>
+                        <m:r>
+                          <a:rPr lang="pt-BR" b="0" i="1" smtClean="0">
+                            <a:latin typeface="Cambria Math" panose="02040503050406030204" pitchFamily="18" charset="0"/>
+                          </a:rPr>
+                          <m:t>+</m:t>
+                        </m:r>
+                        <m:sSub>
+                          <m:sSubPr>
+                            <m:ctrlPr>
+                              <a:rPr lang="pt-BR" i="1" smtClean="0">
+                                <a:latin typeface="Cambria Math" panose="02040503050406030204" pitchFamily="18" charset="0"/>
+                              </a:rPr>
+                            </m:ctrlPr>
+                          </m:sSubPr>
+                          <m:e>
+                            <m:r>
+                              <a:rPr lang="pt-BR" i="1">
+                                <a:latin typeface="Cambria Math" panose="02040503050406030204" pitchFamily="18" charset="0"/>
+                              </a:rPr>
+                              <m:t>𝑤</m:t>
+                            </m:r>
+                          </m:e>
+                          <m:sub>
+                            <m:r>
+                              <a:rPr lang="pt-BR" b="0" i="1" smtClean="0">
+                                <a:latin typeface="Cambria Math" panose="02040503050406030204" pitchFamily="18" charset="0"/>
+                              </a:rPr>
+                              <m:t>2</m:t>
+                            </m:r>
+                          </m:sub>
+                        </m:sSub>
+                        <m:sSub>
+                          <m:sSubPr>
+                            <m:ctrlPr>
+                              <a:rPr lang="pt-BR" i="1">
+                                <a:latin typeface="Cambria Math" panose="02040503050406030204" pitchFamily="18" charset="0"/>
+                              </a:rPr>
+                            </m:ctrlPr>
+                          </m:sSubPr>
+                          <m:e>
+                            <m:r>
+                              <a:rPr lang="pt-BR" i="1">
+                                <a:latin typeface="Cambria Math" panose="02040503050406030204" pitchFamily="18" charset="0"/>
+                              </a:rPr>
+                              <m:t>𝑥</m:t>
+                            </m:r>
+                          </m:e>
+                          <m:sub>
+                            <m:r>
+                              <a:rPr lang="pt-BR" b="0" i="1" smtClean="0">
+                                <a:latin typeface="Cambria Math" panose="02040503050406030204" pitchFamily="18" charset="0"/>
+                              </a:rPr>
+                              <m:t>2</m:t>
+                            </m:r>
+                          </m:sub>
+                        </m:sSub>
+                        <m:r>
+                          <a:rPr lang="pt-BR" b="0" i="1" smtClean="0">
+                            <a:latin typeface="Cambria Math" panose="02040503050406030204" pitchFamily="18" charset="0"/>
+                          </a:rPr>
+                          <m:t>=0</m:t>
+                        </m:r>
+                      </m:oMath>
+                    </m:oMathPara>
+                  </a14:m>
+                  <a:endParaRPr lang="pt-BR" dirty="0"/>
+                </a:p>
+              </p:txBody>
+            </p:sp>
+          </mc:Choice>
+          <mc:Fallback>
+            <p:sp>
+              <p:nvSpPr>
+                <p:cNvPr id="55" name="Rectangle 54"/>
+                <p:cNvSpPr>
+                  <a:spLocks noRot="1" noChangeAspect="1" noMove="1" noResize="1" noEditPoints="1" noAdjustHandles="1" noChangeArrowheads="1" noChangeShapeType="1" noTextEdit="1"/>
+                </p:cNvSpPr>
+                <p:nvPr/>
+              </p:nvSpPr>
+              <p:spPr>
+                <a:xfrm>
+                  <a:off x="9435909" y="5161162"/>
+                  <a:ext cx="2473691" cy="369332"/>
+                </a:xfrm>
+                <a:prstGeom prst="rect">
+                  <a:avLst/>
+                </a:prstGeom>
+                <a:blipFill rotWithShape="0">
+                  <a:blip r:embed="rId7"/>
+                  <a:stretch>
+                    <a:fillRect/>
+                  </a:stretch>
+                </a:blipFill>
+              </p:spPr>
+              <p:txBody>
+                <a:bodyPr/>
+                <a:lstStyle/>
+                <a:p>
+                  <a:r>
+                    <a:rPr lang="pt-BR">
+                      <a:noFill/>
+                    </a:rPr>
+                    <a:t> </a:t>
+                  </a:r>
+                </a:p>
+              </p:txBody>
+            </p:sp>
+          </mc:Fallback>
+        </mc:AlternateContent>
+      </p:grpSp>
     </p:spTree>
     <p:extLst>
       <p:ext uri="{BB962C8B-B14F-4D97-AF65-F5344CB8AC3E}">
@@ -39965,7 +41317,505 @@
 </p:sld>
 </file>
 
-<file path=ppt/slides/slide29.xml><?xml version="1.0" encoding="utf-8"?>
+<file path=ppt/slides/slide3.xml><?xml version="1.0" encoding="utf-8"?>
+<p:sld xmlns:a="http://schemas.openxmlformats.org/drawingml/2006/main" xmlns:r="http://schemas.openxmlformats.org/officeDocument/2006/relationships" xmlns:p="http://schemas.openxmlformats.org/presentationml/2006/main">
+  <p:cSld>
+    <p:spTree>
+      <p:nvGrpSpPr>
+        <p:cNvPr id="1" name=""/>
+        <p:cNvGrpSpPr/>
+        <p:nvPr/>
+      </p:nvGrpSpPr>
+      <p:grpSpPr>
+        <a:xfrm>
+          <a:off x="0" y="0"/>
+          <a:ext cx="0" cy="0"/>
+          <a:chOff x="0" y="0"/>
+          <a:chExt cx="0" cy="0"/>
+        </a:xfrm>
+      </p:grpSpPr>
+      <p:sp>
+        <p:nvSpPr>
+          <p:cNvPr id="2" name="Title 1"/>
+          <p:cNvSpPr>
+            <a:spLocks noGrp="1"/>
+          </p:cNvSpPr>
+          <p:nvPr>
+            <p:ph type="title"/>
+          </p:nvPr>
+        </p:nvSpPr>
+        <p:spPr/>
+        <p:txBody>
+          <a:bodyPr/>
+          <a:lstStyle/>
+          <a:p>
+            <a:r>
+              <a:rPr lang="pt-BR" dirty="0"/>
+              <a:t>Redes Neurais Artificiais</a:t>
+            </a:r>
+          </a:p>
+        </p:txBody>
+      </p:sp>
+      <p:sp>
+        <p:nvSpPr>
+          <p:cNvPr id="3" name="Content Placeholder 2"/>
+          <p:cNvSpPr>
+            <a:spLocks noGrp="1"/>
+          </p:cNvSpPr>
+          <p:nvPr>
+            <p:ph idx="1"/>
+          </p:nvPr>
+        </p:nvSpPr>
+        <p:spPr>
+          <a:xfrm>
+            <a:off x="838200" y="1825624"/>
+            <a:ext cx="7805620" cy="5032376"/>
+          </a:xfrm>
+        </p:spPr>
+        <p:txBody>
+          <a:bodyPr>
+            <a:normAutofit fontScale="92500" lnSpcReduction="10000"/>
+          </a:bodyPr>
+          <a:lstStyle/>
+          <a:p>
+            <a:r>
+              <a:rPr lang="pt-BR" b="1" i="1" dirty="0"/>
+              <a:t>Redes neurais artificiais </a:t>
+            </a:r>
+            <a:r>
+              <a:rPr lang="pt-BR" dirty="0"/>
+              <a:t>são modelos computacionais inspirados pelo funcionamento do cérebro dos animais.</a:t>
+            </a:r>
+          </a:p>
+          <a:p>
+            <a:r>
+              <a:rPr lang="pt-BR" dirty="0"/>
+              <a:t>Elas são capazes de realizar </a:t>
+            </a:r>
+            <a:r>
+              <a:rPr lang="pt-BR" dirty="0" smtClean="0"/>
+              <a:t>tarefas de aprendizado </a:t>
+            </a:r>
+            <a:r>
+              <a:rPr lang="pt-BR" dirty="0"/>
+              <a:t>de máquina </a:t>
+            </a:r>
+            <a:r>
+              <a:rPr lang="pt-BR" dirty="0" smtClean="0"/>
+              <a:t>(e.g., regressão e classificação) com </a:t>
+            </a:r>
+            <a:r>
+              <a:rPr lang="pt-BR" dirty="0"/>
+              <a:t>grande eficácia. </a:t>
+            </a:r>
+          </a:p>
+          <a:p>
+            <a:r>
+              <a:rPr lang="pt-BR" dirty="0"/>
+              <a:t>RNAs são geralmente apresentadas como </a:t>
+            </a:r>
+            <a:r>
+              <a:rPr lang="pt-BR" b="1" i="1" dirty="0"/>
+              <a:t>sistemas de</a:t>
+            </a:r>
+            <a:r>
+              <a:rPr lang="pt-BR" dirty="0"/>
+              <a:t> </a:t>
+            </a:r>
+            <a:r>
+              <a:rPr lang="pt-BR" b="1" i="1" dirty="0" smtClean="0"/>
+              <a:t>nós (unidades ou neurônios) interconectados</a:t>
+            </a:r>
+            <a:r>
+              <a:rPr lang="pt-BR" dirty="0"/>
+              <a:t>, que </a:t>
+            </a:r>
+            <a:r>
+              <a:rPr lang="pt-BR" dirty="0" smtClean="0"/>
+              <a:t>geram valores </a:t>
+            </a:r>
+            <a:r>
+              <a:rPr lang="pt-BR" dirty="0"/>
+              <a:t>de saída, simulando o comportamento de </a:t>
+            </a:r>
+            <a:r>
+              <a:rPr lang="pt-BR" b="1" i="1" dirty="0"/>
+              <a:t>redes neurais biológicas</a:t>
+            </a:r>
+            <a:r>
+              <a:rPr lang="pt-BR" dirty="0"/>
+              <a:t>.</a:t>
+            </a:r>
+          </a:p>
+          <a:p>
+            <a:r>
+              <a:rPr lang="pt-BR" dirty="0"/>
+              <a:t>Esta primeira parte </a:t>
+            </a:r>
+            <a:r>
+              <a:rPr lang="pt-BR" dirty="0" smtClean="0"/>
+              <a:t>deste tópico, foca </a:t>
+            </a:r>
+            <a:r>
+              <a:rPr lang="pt-BR" dirty="0"/>
+              <a:t>nos elementos básicos de construção de uma rede neural, os </a:t>
+            </a:r>
+            <a:r>
+              <a:rPr lang="pt-BR" b="1" i="1" dirty="0" smtClean="0"/>
+              <a:t>nós</a:t>
+            </a:r>
+            <a:r>
+              <a:rPr lang="pt-BR" dirty="0" smtClean="0"/>
+              <a:t> ou </a:t>
+            </a:r>
+            <a:r>
+              <a:rPr lang="pt-BR" b="1" i="1" dirty="0" smtClean="0"/>
+              <a:t>neurônios</a:t>
+            </a:r>
+            <a:r>
+              <a:rPr lang="pt-BR" dirty="0"/>
+              <a:t>.</a:t>
+            </a:r>
+            <a:endParaRPr lang="pt-BR" b="1" i="1" dirty="0"/>
+          </a:p>
+        </p:txBody>
+      </p:sp>
+      <p:pic>
+        <p:nvPicPr>
+          <p:cNvPr id="4" name="Picture 3"/>
+          <p:cNvPicPr>
+            <a:picLocks noChangeAspect="1"/>
+          </p:cNvPicPr>
+          <p:nvPr/>
+        </p:nvPicPr>
+        <p:blipFill>
+          <a:blip r:embed="rId2">
+            <a:extLst>
+              <a:ext uri="{28A0092B-C50C-407E-A947-70E740481C1C}">
+                <a14:useLocalDpi xmlns:a14="http://schemas.microsoft.com/office/drawing/2010/main" val="0"/>
+              </a:ext>
+            </a:extLst>
+          </a:blip>
+          <a:stretch>
+            <a:fillRect/>
+          </a:stretch>
+        </p:blipFill>
+        <p:spPr>
+          <a:xfrm>
+            <a:off x="8643820" y="2380005"/>
+            <a:ext cx="3548180" cy="3097036"/>
+          </a:xfrm>
+          <a:prstGeom prst="rect">
+            <a:avLst/>
+          </a:prstGeom>
+        </p:spPr>
+      </p:pic>
+      <p:sp>
+        <p:nvSpPr>
+          <p:cNvPr id="5" name="TextBox 4"/>
+          <p:cNvSpPr txBox="1"/>
+          <p:nvPr/>
+        </p:nvSpPr>
+        <p:spPr>
+          <a:xfrm>
+            <a:off x="9837880" y="1380761"/>
+            <a:ext cx="1160060" cy="369332"/>
+          </a:xfrm>
+          <a:prstGeom prst="rect">
+            <a:avLst/>
+          </a:prstGeom>
+          <a:noFill/>
+        </p:spPr>
+        <p:txBody>
+          <a:bodyPr wrap="square" rtlCol="0">
+            <a:spAutoFit/>
+          </a:bodyPr>
+          <a:lstStyle/>
+          <a:p>
+            <a:pPr algn="ctr"/>
+            <a:r>
+              <a:rPr lang="pt-BR" dirty="0"/>
+              <a:t>neurônios</a:t>
+            </a:r>
+          </a:p>
+        </p:txBody>
+      </p:sp>
+      <p:cxnSp>
+        <p:nvCxnSpPr>
+          <p:cNvPr id="7" name="Straight Arrow Connector 6"/>
+          <p:cNvCxnSpPr/>
+          <p:nvPr/>
+        </p:nvCxnSpPr>
+        <p:spPr>
+          <a:xfrm flipH="1">
+            <a:off x="10295080" y="1750093"/>
+            <a:ext cx="122830" cy="554381"/>
+          </a:xfrm>
+          <a:prstGeom prst="straightConnector1">
+            <a:avLst/>
+          </a:prstGeom>
+          <a:ln>
+            <a:solidFill>
+              <a:srgbClr val="FF0000"/>
+            </a:solidFill>
+            <a:tailEnd type="triangle"/>
+          </a:ln>
+        </p:spPr>
+        <p:style>
+          <a:lnRef idx="1">
+            <a:schemeClr val="accent1"/>
+          </a:lnRef>
+          <a:fillRef idx="0">
+            <a:schemeClr val="accent1"/>
+          </a:fillRef>
+          <a:effectRef idx="0">
+            <a:schemeClr val="accent1"/>
+          </a:effectRef>
+          <a:fontRef idx="minor">
+            <a:schemeClr val="tx1"/>
+          </a:fontRef>
+        </p:style>
+      </p:cxnSp>
+      <p:cxnSp>
+        <p:nvCxnSpPr>
+          <p:cNvPr id="8" name="Straight Arrow Connector 7"/>
+          <p:cNvCxnSpPr/>
+          <p:nvPr/>
+        </p:nvCxnSpPr>
+        <p:spPr>
+          <a:xfrm>
+            <a:off x="10417910" y="1758156"/>
+            <a:ext cx="935890" cy="1640137"/>
+          </a:xfrm>
+          <a:prstGeom prst="straightConnector1">
+            <a:avLst/>
+          </a:prstGeom>
+          <a:ln>
+            <a:solidFill>
+              <a:srgbClr val="FF0000"/>
+            </a:solidFill>
+            <a:tailEnd type="triangle"/>
+          </a:ln>
+        </p:spPr>
+        <p:style>
+          <a:lnRef idx="1">
+            <a:schemeClr val="accent1"/>
+          </a:lnRef>
+          <a:fillRef idx="0">
+            <a:schemeClr val="accent1"/>
+          </a:fillRef>
+          <a:effectRef idx="0">
+            <a:schemeClr val="accent1"/>
+          </a:effectRef>
+          <a:fontRef idx="minor">
+            <a:schemeClr val="tx1"/>
+          </a:fontRef>
+        </p:style>
+      </p:cxnSp>
+      <p:cxnSp>
+        <p:nvCxnSpPr>
+          <p:cNvPr id="9" name="Straight Arrow Connector 8"/>
+          <p:cNvCxnSpPr/>
+          <p:nvPr/>
+        </p:nvCxnSpPr>
+        <p:spPr>
+          <a:xfrm flipV="1">
+            <a:off x="7874758" y="3698215"/>
+            <a:ext cx="1050879" cy="382466"/>
+          </a:xfrm>
+          <a:prstGeom prst="straightConnector1">
+            <a:avLst/>
+          </a:prstGeom>
+          <a:ln w="28575">
+            <a:solidFill>
+              <a:schemeClr val="tx1"/>
+            </a:solidFill>
+            <a:tailEnd type="triangle"/>
+          </a:ln>
+        </p:spPr>
+        <p:style>
+          <a:lnRef idx="1">
+            <a:schemeClr val="accent1"/>
+          </a:lnRef>
+          <a:fillRef idx="0">
+            <a:schemeClr val="accent1"/>
+          </a:fillRef>
+          <a:effectRef idx="0">
+            <a:schemeClr val="accent1"/>
+          </a:effectRef>
+          <a:fontRef idx="minor">
+            <a:schemeClr val="tx1"/>
+          </a:fontRef>
+        </p:style>
+      </p:cxnSp>
+      <p:sp>
+        <p:nvSpPr>
+          <p:cNvPr id="11" name="TextBox 10"/>
+          <p:cNvSpPr txBox="1"/>
+          <p:nvPr/>
+        </p:nvSpPr>
+        <p:spPr>
+          <a:xfrm>
+            <a:off x="9021947" y="2347391"/>
+            <a:ext cx="895006" cy="461665"/>
+          </a:xfrm>
+          <a:prstGeom prst="rect">
+            <a:avLst/>
+          </a:prstGeom>
+          <a:noFill/>
+        </p:spPr>
+        <p:txBody>
+          <a:bodyPr wrap="square" rtlCol="0">
+            <a:spAutoFit/>
+          </a:bodyPr>
+          <a:lstStyle/>
+          <a:p>
+            <a:pPr algn="ctr"/>
+            <a:r>
+              <a:rPr lang="pt-BR" sz="1200" dirty="0" smtClean="0"/>
+              <a:t>pesos sinápticos</a:t>
+            </a:r>
+            <a:endParaRPr lang="pt-BR" sz="1200" dirty="0"/>
+          </a:p>
+        </p:txBody>
+      </p:sp>
+      <p:sp>
+        <p:nvSpPr>
+          <p:cNvPr id="28" name="Oval 27"/>
+          <p:cNvSpPr/>
+          <p:nvPr/>
+        </p:nvSpPr>
+        <p:spPr>
+          <a:xfrm>
+            <a:off x="9444966" y="2804287"/>
+            <a:ext cx="281817" cy="1787855"/>
+          </a:xfrm>
+          <a:prstGeom prst="ellipse">
+            <a:avLst/>
+          </a:prstGeom>
+          <a:noFill/>
+          <a:ln>
+            <a:solidFill>
+              <a:schemeClr val="tx1"/>
+            </a:solidFill>
+          </a:ln>
+        </p:spPr>
+        <p:style>
+          <a:lnRef idx="2">
+            <a:schemeClr val="accent1">
+              <a:shade val="50000"/>
+            </a:schemeClr>
+          </a:lnRef>
+          <a:fillRef idx="1">
+            <a:schemeClr val="accent1"/>
+          </a:fillRef>
+          <a:effectRef idx="0">
+            <a:schemeClr val="accent1"/>
+          </a:effectRef>
+          <a:fontRef idx="minor">
+            <a:schemeClr val="lt1"/>
+          </a:fontRef>
+        </p:style>
+        <p:txBody>
+          <a:bodyPr rtlCol="0" anchor="ctr"/>
+          <a:lstStyle/>
+          <a:p>
+            <a:pPr algn="ctr"/>
+            <a:endParaRPr lang="pt-BR"/>
+          </a:p>
+        </p:txBody>
+      </p:sp>
+      <p:sp>
+        <p:nvSpPr>
+          <p:cNvPr id="29" name="Oval 28"/>
+          <p:cNvSpPr/>
+          <p:nvPr/>
+        </p:nvSpPr>
+        <p:spPr>
+          <a:xfrm>
+            <a:off x="10677574" y="2804286"/>
+            <a:ext cx="281817" cy="1787855"/>
+          </a:xfrm>
+          <a:prstGeom prst="ellipse">
+            <a:avLst/>
+          </a:prstGeom>
+          <a:noFill/>
+          <a:ln>
+            <a:solidFill>
+              <a:schemeClr val="tx1"/>
+            </a:solidFill>
+          </a:ln>
+        </p:spPr>
+        <p:style>
+          <a:lnRef idx="2">
+            <a:schemeClr val="accent1">
+              <a:shade val="50000"/>
+            </a:schemeClr>
+          </a:lnRef>
+          <a:fillRef idx="1">
+            <a:schemeClr val="accent1"/>
+          </a:fillRef>
+          <a:effectRef idx="0">
+            <a:schemeClr val="accent1"/>
+          </a:effectRef>
+          <a:fontRef idx="minor">
+            <a:schemeClr val="lt1"/>
+          </a:fontRef>
+        </p:style>
+        <p:txBody>
+          <a:bodyPr rtlCol="0" anchor="ctr"/>
+          <a:lstStyle/>
+          <a:p>
+            <a:pPr algn="ctr"/>
+            <a:endParaRPr lang="pt-BR"/>
+          </a:p>
+        </p:txBody>
+      </p:sp>
+      <p:sp>
+        <p:nvSpPr>
+          <p:cNvPr id="30" name="TextBox 29"/>
+          <p:cNvSpPr txBox="1"/>
+          <p:nvPr/>
+        </p:nvSpPr>
+        <p:spPr>
+          <a:xfrm>
+            <a:off x="10649141" y="4436839"/>
+            <a:ext cx="895006" cy="461665"/>
+          </a:xfrm>
+          <a:prstGeom prst="rect">
+            <a:avLst/>
+          </a:prstGeom>
+          <a:noFill/>
+        </p:spPr>
+        <p:txBody>
+          <a:bodyPr wrap="square" rtlCol="0">
+            <a:spAutoFit/>
+          </a:bodyPr>
+          <a:lstStyle/>
+          <a:p>
+            <a:pPr algn="ctr"/>
+            <a:r>
+              <a:rPr lang="pt-BR" sz="1200" dirty="0" smtClean="0"/>
+              <a:t>pesos sinápticos</a:t>
+            </a:r>
+            <a:endParaRPr lang="pt-BR" sz="1200" dirty="0"/>
+          </a:p>
+        </p:txBody>
+      </p:sp>
+    </p:spTree>
+    <p:extLst>
+      <p:ext uri="{BB962C8B-B14F-4D97-AF65-F5344CB8AC3E}">
+        <p14:creationId xmlns:p14="http://schemas.microsoft.com/office/powerpoint/2010/main" val="3341368700"/>
+      </p:ext>
+    </p:extLst>
+  </p:cSld>
+  <p:clrMapOvr>
+    <a:masterClrMapping/>
+  </p:clrMapOvr>
+</p:sld>
+</file>
+
+<file path=ppt/slides/slide30.xml><?xml version="1.0" encoding="utf-8"?>
 <p:sld xmlns:a="http://schemas.openxmlformats.org/drawingml/2006/main" xmlns:r="http://schemas.openxmlformats.org/officeDocument/2006/relationships" xmlns:p="http://schemas.openxmlformats.org/presentationml/2006/main">
   <p:cSld>
     <p:spTree>
@@ -41115,513 +42965,7 @@
 </p:sld>
 </file>
 
-<file path=ppt/slides/slide3.xml><?xml version="1.0" encoding="utf-8"?>
-<p:sld xmlns:a="http://schemas.openxmlformats.org/drawingml/2006/main" xmlns:r="http://schemas.openxmlformats.org/officeDocument/2006/relationships" xmlns:p="http://schemas.openxmlformats.org/presentationml/2006/main">
-  <p:cSld>
-    <p:spTree>
-      <p:nvGrpSpPr>
-        <p:cNvPr id="1" name=""/>
-        <p:cNvGrpSpPr/>
-        <p:nvPr/>
-      </p:nvGrpSpPr>
-      <p:grpSpPr>
-        <a:xfrm>
-          <a:off x="0" y="0"/>
-          <a:ext cx="0" cy="0"/>
-          <a:chOff x="0" y="0"/>
-          <a:chExt cx="0" cy="0"/>
-        </a:xfrm>
-      </p:grpSpPr>
-      <p:sp>
-        <p:nvSpPr>
-          <p:cNvPr id="2" name="Title 1"/>
-          <p:cNvSpPr>
-            <a:spLocks noGrp="1"/>
-          </p:cNvSpPr>
-          <p:nvPr>
-            <p:ph type="title"/>
-          </p:nvPr>
-        </p:nvSpPr>
-        <p:spPr/>
-        <p:txBody>
-          <a:bodyPr/>
-          <a:lstStyle/>
-          <a:p>
-            <a:r>
-              <a:rPr lang="pt-BR" dirty="0"/>
-              <a:t>Redes Neurais Artificiais</a:t>
-            </a:r>
-          </a:p>
-        </p:txBody>
-      </p:sp>
-      <p:sp>
-        <p:nvSpPr>
-          <p:cNvPr id="3" name="Content Placeholder 2"/>
-          <p:cNvSpPr>
-            <a:spLocks noGrp="1"/>
-          </p:cNvSpPr>
-          <p:nvPr>
-            <p:ph idx="1"/>
-          </p:nvPr>
-        </p:nvSpPr>
-        <p:spPr>
-          <a:xfrm>
-            <a:off x="838200" y="1825624"/>
-            <a:ext cx="7805620" cy="5032376"/>
-          </a:xfrm>
-        </p:spPr>
-        <p:txBody>
-          <a:bodyPr>
-            <a:normAutofit fontScale="92500" lnSpcReduction="10000"/>
-          </a:bodyPr>
-          <a:lstStyle/>
-          <a:p>
-            <a:r>
-              <a:rPr lang="pt-BR" b="1" i="1" dirty="0"/>
-              <a:t>Redes neurais artificiais </a:t>
-            </a:r>
-            <a:r>
-              <a:rPr lang="pt-BR" dirty="0"/>
-              <a:t>são modelos computacionais inspirados pelo funcionamento do cérebro dos animais.</a:t>
-            </a:r>
-          </a:p>
-          <a:p>
-            <a:r>
-              <a:rPr lang="pt-BR" dirty="0"/>
-              <a:t>Elas são capazes de realizar </a:t>
-            </a:r>
-            <a:r>
-              <a:rPr lang="pt-BR" dirty="0" smtClean="0"/>
-              <a:t>tarefas de aprendizado </a:t>
-            </a:r>
-            <a:r>
-              <a:rPr lang="pt-BR" dirty="0"/>
-              <a:t>de máquina </a:t>
-            </a:r>
-            <a:r>
-              <a:rPr lang="pt-BR" dirty="0" smtClean="0"/>
-              <a:t>(e.g., regressão e classificação) com </a:t>
-            </a:r>
-            <a:r>
-              <a:rPr lang="pt-BR" dirty="0"/>
-              <a:t>grande eficácia. </a:t>
-            </a:r>
-          </a:p>
-          <a:p>
-            <a:r>
-              <a:rPr lang="pt-BR" dirty="0"/>
-              <a:t>RNAs são geralmente apresentadas como </a:t>
-            </a:r>
-            <a:r>
-              <a:rPr lang="pt-BR" b="1" i="1" dirty="0"/>
-              <a:t>sistemas de</a:t>
-            </a:r>
-            <a:r>
-              <a:rPr lang="pt-BR" dirty="0"/>
-              <a:t> </a:t>
-            </a:r>
-            <a:r>
-              <a:rPr lang="pt-BR" b="1" i="1" dirty="0" smtClean="0"/>
-              <a:t>nós (</a:t>
-            </a:r>
-            <a:r>
-              <a:rPr lang="pt-BR" b="1" i="1" dirty="0" smtClean="0"/>
-              <a:t>unidades ou neurônios) </a:t>
-            </a:r>
-            <a:r>
-              <a:rPr lang="pt-BR" b="1" i="1" dirty="0" smtClean="0"/>
-              <a:t>interconectados</a:t>
-            </a:r>
-            <a:r>
-              <a:rPr lang="pt-BR" dirty="0"/>
-              <a:t>, que </a:t>
-            </a:r>
-            <a:r>
-              <a:rPr lang="pt-BR" dirty="0" smtClean="0"/>
-              <a:t>geram valores </a:t>
-            </a:r>
-            <a:r>
-              <a:rPr lang="pt-BR" dirty="0"/>
-              <a:t>de saída, simulando o comportamento de </a:t>
-            </a:r>
-            <a:r>
-              <a:rPr lang="pt-BR" b="1" i="1" dirty="0"/>
-              <a:t>redes neurais biológicas</a:t>
-            </a:r>
-            <a:r>
-              <a:rPr lang="pt-BR" dirty="0"/>
-              <a:t>.</a:t>
-            </a:r>
-          </a:p>
-          <a:p>
-            <a:r>
-              <a:rPr lang="pt-BR" dirty="0"/>
-              <a:t>Esta primeira parte </a:t>
-            </a:r>
-            <a:r>
-              <a:rPr lang="pt-BR" dirty="0" smtClean="0"/>
-              <a:t>deste tópico, foca </a:t>
-            </a:r>
-            <a:r>
-              <a:rPr lang="pt-BR" dirty="0"/>
-              <a:t>nos elementos básicos de construção de uma rede neural, os </a:t>
-            </a:r>
-            <a:r>
-              <a:rPr lang="pt-BR" b="1" i="1" dirty="0" smtClean="0"/>
-              <a:t>nós</a:t>
-            </a:r>
-            <a:r>
-              <a:rPr lang="pt-BR" dirty="0" smtClean="0"/>
-              <a:t> ou </a:t>
-            </a:r>
-            <a:r>
-              <a:rPr lang="pt-BR" b="1" i="1" dirty="0" smtClean="0"/>
-              <a:t>neurônios</a:t>
-            </a:r>
-            <a:r>
-              <a:rPr lang="pt-BR" dirty="0"/>
-              <a:t>.</a:t>
-            </a:r>
-            <a:endParaRPr lang="pt-BR" b="1" i="1" dirty="0"/>
-          </a:p>
-        </p:txBody>
-      </p:sp>
-      <p:pic>
-        <p:nvPicPr>
-          <p:cNvPr id="4" name="Picture 3"/>
-          <p:cNvPicPr>
-            <a:picLocks noChangeAspect="1"/>
-          </p:cNvPicPr>
-          <p:nvPr/>
-        </p:nvPicPr>
-        <p:blipFill>
-          <a:blip r:embed="rId2">
-            <a:extLst>
-              <a:ext uri="{28A0092B-C50C-407E-A947-70E740481C1C}">
-                <a14:useLocalDpi xmlns:a14="http://schemas.microsoft.com/office/drawing/2010/main" val="0"/>
-              </a:ext>
-            </a:extLst>
-          </a:blip>
-          <a:stretch>
-            <a:fillRect/>
-          </a:stretch>
-        </p:blipFill>
-        <p:spPr>
-          <a:xfrm>
-            <a:off x="8643820" y="2380005"/>
-            <a:ext cx="3548180" cy="3097036"/>
-          </a:xfrm>
-          <a:prstGeom prst="rect">
-            <a:avLst/>
-          </a:prstGeom>
-        </p:spPr>
-      </p:pic>
-      <p:sp>
-        <p:nvSpPr>
-          <p:cNvPr id="5" name="TextBox 4"/>
-          <p:cNvSpPr txBox="1"/>
-          <p:nvPr/>
-        </p:nvSpPr>
-        <p:spPr>
-          <a:xfrm>
-            <a:off x="9837880" y="1380761"/>
-            <a:ext cx="1160060" cy="369332"/>
-          </a:xfrm>
-          <a:prstGeom prst="rect">
-            <a:avLst/>
-          </a:prstGeom>
-          <a:noFill/>
-        </p:spPr>
-        <p:txBody>
-          <a:bodyPr wrap="square" rtlCol="0">
-            <a:spAutoFit/>
-          </a:bodyPr>
-          <a:lstStyle/>
-          <a:p>
-            <a:pPr algn="ctr"/>
-            <a:r>
-              <a:rPr lang="pt-BR" dirty="0"/>
-              <a:t>neurônios</a:t>
-            </a:r>
-          </a:p>
-        </p:txBody>
-      </p:sp>
-      <p:cxnSp>
-        <p:nvCxnSpPr>
-          <p:cNvPr id="7" name="Straight Arrow Connector 6"/>
-          <p:cNvCxnSpPr/>
-          <p:nvPr/>
-        </p:nvCxnSpPr>
-        <p:spPr>
-          <a:xfrm flipH="1">
-            <a:off x="10295080" y="1750093"/>
-            <a:ext cx="122830" cy="554381"/>
-          </a:xfrm>
-          <a:prstGeom prst="straightConnector1">
-            <a:avLst/>
-          </a:prstGeom>
-          <a:ln>
-            <a:solidFill>
-              <a:srgbClr val="FF0000"/>
-            </a:solidFill>
-            <a:tailEnd type="triangle"/>
-          </a:ln>
-        </p:spPr>
-        <p:style>
-          <a:lnRef idx="1">
-            <a:schemeClr val="accent1"/>
-          </a:lnRef>
-          <a:fillRef idx="0">
-            <a:schemeClr val="accent1"/>
-          </a:fillRef>
-          <a:effectRef idx="0">
-            <a:schemeClr val="accent1"/>
-          </a:effectRef>
-          <a:fontRef idx="minor">
-            <a:schemeClr val="tx1"/>
-          </a:fontRef>
-        </p:style>
-      </p:cxnSp>
-      <p:cxnSp>
-        <p:nvCxnSpPr>
-          <p:cNvPr id="8" name="Straight Arrow Connector 7"/>
-          <p:cNvCxnSpPr/>
-          <p:nvPr/>
-        </p:nvCxnSpPr>
-        <p:spPr>
-          <a:xfrm>
-            <a:off x="10417910" y="1758156"/>
-            <a:ext cx="935890" cy="1640137"/>
-          </a:xfrm>
-          <a:prstGeom prst="straightConnector1">
-            <a:avLst/>
-          </a:prstGeom>
-          <a:ln>
-            <a:solidFill>
-              <a:srgbClr val="FF0000"/>
-            </a:solidFill>
-            <a:tailEnd type="triangle"/>
-          </a:ln>
-        </p:spPr>
-        <p:style>
-          <a:lnRef idx="1">
-            <a:schemeClr val="accent1"/>
-          </a:lnRef>
-          <a:fillRef idx="0">
-            <a:schemeClr val="accent1"/>
-          </a:fillRef>
-          <a:effectRef idx="0">
-            <a:schemeClr val="accent1"/>
-          </a:effectRef>
-          <a:fontRef idx="minor">
-            <a:schemeClr val="tx1"/>
-          </a:fontRef>
-        </p:style>
-      </p:cxnSp>
-      <p:cxnSp>
-        <p:nvCxnSpPr>
-          <p:cNvPr id="9" name="Straight Arrow Connector 8"/>
-          <p:cNvCxnSpPr/>
-          <p:nvPr/>
-        </p:nvCxnSpPr>
-        <p:spPr>
-          <a:xfrm flipV="1">
-            <a:off x="7874758" y="3698215"/>
-            <a:ext cx="1050879" cy="382466"/>
-          </a:xfrm>
-          <a:prstGeom prst="straightConnector1">
-            <a:avLst/>
-          </a:prstGeom>
-          <a:ln w="28575">
-            <a:solidFill>
-              <a:schemeClr val="tx1"/>
-            </a:solidFill>
-            <a:tailEnd type="triangle"/>
-          </a:ln>
-        </p:spPr>
-        <p:style>
-          <a:lnRef idx="1">
-            <a:schemeClr val="accent1"/>
-          </a:lnRef>
-          <a:fillRef idx="0">
-            <a:schemeClr val="accent1"/>
-          </a:fillRef>
-          <a:effectRef idx="0">
-            <a:schemeClr val="accent1"/>
-          </a:effectRef>
-          <a:fontRef idx="minor">
-            <a:schemeClr val="tx1"/>
-          </a:fontRef>
-        </p:style>
-      </p:cxnSp>
-      <p:sp>
-        <p:nvSpPr>
-          <p:cNvPr id="11" name="TextBox 10"/>
-          <p:cNvSpPr txBox="1"/>
-          <p:nvPr/>
-        </p:nvSpPr>
-        <p:spPr>
-          <a:xfrm>
-            <a:off x="9021947" y="2347391"/>
-            <a:ext cx="895006" cy="461665"/>
-          </a:xfrm>
-          <a:prstGeom prst="rect">
-            <a:avLst/>
-          </a:prstGeom>
-          <a:noFill/>
-        </p:spPr>
-        <p:txBody>
-          <a:bodyPr wrap="square" rtlCol="0">
-            <a:spAutoFit/>
-          </a:bodyPr>
-          <a:lstStyle/>
-          <a:p>
-            <a:pPr algn="ctr"/>
-            <a:r>
-              <a:rPr lang="pt-BR" sz="1200" dirty="0" smtClean="0"/>
-              <a:t>pesos sinápticos</a:t>
-            </a:r>
-            <a:endParaRPr lang="pt-BR" sz="1200" dirty="0"/>
-          </a:p>
-        </p:txBody>
-      </p:sp>
-      <p:sp>
-        <p:nvSpPr>
-          <p:cNvPr id="28" name="Oval 27"/>
-          <p:cNvSpPr/>
-          <p:nvPr/>
-        </p:nvSpPr>
-        <p:spPr>
-          <a:xfrm>
-            <a:off x="9444966" y="2804287"/>
-            <a:ext cx="281817" cy="1787855"/>
-          </a:xfrm>
-          <a:prstGeom prst="ellipse">
-            <a:avLst/>
-          </a:prstGeom>
-          <a:noFill/>
-          <a:ln>
-            <a:solidFill>
-              <a:schemeClr val="tx1"/>
-            </a:solidFill>
-          </a:ln>
-        </p:spPr>
-        <p:style>
-          <a:lnRef idx="2">
-            <a:schemeClr val="accent1">
-              <a:shade val="50000"/>
-            </a:schemeClr>
-          </a:lnRef>
-          <a:fillRef idx="1">
-            <a:schemeClr val="accent1"/>
-          </a:fillRef>
-          <a:effectRef idx="0">
-            <a:schemeClr val="accent1"/>
-          </a:effectRef>
-          <a:fontRef idx="minor">
-            <a:schemeClr val="lt1"/>
-          </a:fontRef>
-        </p:style>
-        <p:txBody>
-          <a:bodyPr rtlCol="0" anchor="ctr"/>
-          <a:lstStyle/>
-          <a:p>
-            <a:pPr algn="ctr"/>
-            <a:endParaRPr lang="pt-BR"/>
-          </a:p>
-        </p:txBody>
-      </p:sp>
-      <p:sp>
-        <p:nvSpPr>
-          <p:cNvPr id="29" name="Oval 28"/>
-          <p:cNvSpPr/>
-          <p:nvPr/>
-        </p:nvSpPr>
-        <p:spPr>
-          <a:xfrm>
-            <a:off x="10677574" y="2804286"/>
-            <a:ext cx="281817" cy="1787855"/>
-          </a:xfrm>
-          <a:prstGeom prst="ellipse">
-            <a:avLst/>
-          </a:prstGeom>
-          <a:noFill/>
-          <a:ln>
-            <a:solidFill>
-              <a:schemeClr val="tx1"/>
-            </a:solidFill>
-          </a:ln>
-        </p:spPr>
-        <p:style>
-          <a:lnRef idx="2">
-            <a:schemeClr val="accent1">
-              <a:shade val="50000"/>
-            </a:schemeClr>
-          </a:lnRef>
-          <a:fillRef idx="1">
-            <a:schemeClr val="accent1"/>
-          </a:fillRef>
-          <a:effectRef idx="0">
-            <a:schemeClr val="accent1"/>
-          </a:effectRef>
-          <a:fontRef idx="minor">
-            <a:schemeClr val="lt1"/>
-          </a:fontRef>
-        </p:style>
-        <p:txBody>
-          <a:bodyPr rtlCol="0" anchor="ctr"/>
-          <a:lstStyle/>
-          <a:p>
-            <a:pPr algn="ctr"/>
-            <a:endParaRPr lang="pt-BR"/>
-          </a:p>
-        </p:txBody>
-      </p:sp>
-      <p:sp>
-        <p:nvSpPr>
-          <p:cNvPr id="30" name="TextBox 29"/>
-          <p:cNvSpPr txBox="1"/>
-          <p:nvPr/>
-        </p:nvSpPr>
-        <p:spPr>
-          <a:xfrm>
-            <a:off x="10649141" y="4436839"/>
-            <a:ext cx="895006" cy="461665"/>
-          </a:xfrm>
-          <a:prstGeom prst="rect">
-            <a:avLst/>
-          </a:prstGeom>
-          <a:noFill/>
-        </p:spPr>
-        <p:txBody>
-          <a:bodyPr wrap="square" rtlCol="0">
-            <a:spAutoFit/>
-          </a:bodyPr>
-          <a:lstStyle/>
-          <a:p>
-            <a:pPr algn="ctr"/>
-            <a:r>
-              <a:rPr lang="pt-BR" sz="1200" dirty="0" smtClean="0"/>
-              <a:t>pesos sinápticos</a:t>
-            </a:r>
-            <a:endParaRPr lang="pt-BR" sz="1200" dirty="0"/>
-          </a:p>
-        </p:txBody>
-      </p:sp>
-    </p:spTree>
-    <p:extLst>
-      <p:ext uri="{BB962C8B-B14F-4D97-AF65-F5344CB8AC3E}">
-        <p14:creationId xmlns:p14="http://schemas.microsoft.com/office/powerpoint/2010/main" val="3341368700"/>
-      </p:ext>
-    </p:extLst>
-  </p:cSld>
-  <p:clrMapOvr>
-    <a:masterClrMapping/>
-  </p:clrMapOvr>
-</p:sld>
-</file>
-
-<file path=ppt/slides/slide30.xml><?xml version="1.0" encoding="utf-8"?>
+<file path=ppt/slides/slide31.xml><?xml version="1.0" encoding="utf-8"?>
 <p:sld xmlns:a="http://schemas.openxmlformats.org/drawingml/2006/main" xmlns:r="http://schemas.openxmlformats.org/officeDocument/2006/relationships" xmlns:p="http://schemas.openxmlformats.org/presentationml/2006/main">
   <p:cSld>
     <p:spTree>
@@ -42863,11 +44207,7 @@
             </a:pPr>
             <a:r>
               <a:rPr lang="pt-BR" dirty="0" smtClean="0"/>
-              <a:t>Ele </a:t>
-            </a:r>
-            <a:r>
-              <a:rPr lang="pt-BR" dirty="0" smtClean="0"/>
-              <a:t>regula </a:t>
+              <a:t>Ele regula </a:t>
             </a:r>
             <a:r>
               <a:rPr lang="pt-BR" dirty="0"/>
@@ -43317,11 +44657,7 @@
             </a:r>
             <a:r>
               <a:rPr lang="pt-BR" dirty="0" smtClean="0"/>
-              <a:t>existem</a:t>
-            </a:r>
-            <a:r>
-              <a:rPr lang="pt-BR" dirty="0" smtClean="0"/>
-              <a:t> </a:t>
+              <a:t>existem </a:t>
             </a:r>
             <a:r>
               <a:rPr lang="pt-BR" dirty="0"/>
@@ -43834,8 +45170,8 @@
           </a:p>
         </p:txBody>
       </p:sp>
-      <mc:AlternateContent xmlns:mc="http://schemas.openxmlformats.org/markup-compatibility/2006">
-        <mc:Choice xmlns:a14="http://schemas.microsoft.com/office/drawing/2010/main" Requires="a14">
+      <mc:AlternateContent xmlns:mc="http://schemas.openxmlformats.org/markup-compatibility/2006" xmlns:a14="http://schemas.microsoft.com/office/drawing/2010/main">
+        <mc:Choice Requires="a14">
           <p:sp>
             <p:nvSpPr>
               <p:cNvPr id="5" name="Content Placeholder 4"/>
@@ -44176,7 +45512,7 @@
             </p:txBody>
           </p:sp>
         </mc:Choice>
-        <mc:Fallback>
+        <mc:Fallback xmlns="">
           <p:sp>
             <p:nvSpPr>
               <p:cNvPr id="5" name="Content Placeholder 4"/>

--- a/slides/T320_Redes_Neurais_Artificiais (Parte I).pptx
+++ b/slides/T320_Redes_Neurais_Artificiais (Parte I).pptx
@@ -5,7 +5,7 @@
     <p:sldMasterId id="2147483648" r:id="rId1"/>
   </p:sldMasterIdLst>
   <p:notesMasterIdLst>
-    <p:notesMasterId r:id="rId30"/>
+    <p:notesMasterId r:id="rId32"/>
   </p:notesMasterIdLst>
   <p:sldIdLst>
     <p:sldId id="300" r:id="rId2"/>
@@ -36,6 +36,8 @@
     <p:sldId id="291" r:id="rId27"/>
     <p:sldId id="298" r:id="rId28"/>
     <p:sldId id="305" r:id="rId29"/>
+    <p:sldId id="306" r:id="rId30"/>
+    <p:sldId id="307" r:id="rId31"/>
   </p:sldIdLst>
   <p:sldSz cx="12192000" cy="6858000"/>
   <p:notesSz cx="6858000" cy="9144000"/>
@@ -261,7 +263,7 @@
           <a:p>
             <a:fld id="{C3C82C08-3EFC-4473-8294-F0E229C19EFF}" type="datetimeFigureOut">
               <a:rPr lang="pt-BR" smtClean="0"/>
-              <a:t>01/09/2021</a:t>
+              <a:t>02/09/2021</a:t>
             </a:fld>
             <a:endParaRPr lang="pt-BR"/>
           </a:p>
@@ -5490,11 +5492,7 @@
               <a:p>
                 <a:r>
                   <a:rPr lang="pt-BR" dirty="0" smtClean="0"/>
-                  <a:t>Perceba </a:t>
-                </a:r>
-                <a:r>
-                  <a:rPr lang="pt-BR" dirty="0" smtClean="0"/>
-                  <a:t>que a </a:t>
+                  <a:t>Perceba que a </a:t>
                 </a:r>
                 <a:r>
                   <a:rPr lang="pt-BR" b="1" i="1" dirty="0"/>
@@ -7165,7 +7163,7 @@
           <a:p>
             <a:fld id="{221D0464-8C8A-49C0-859F-777E51766A35}" type="datetimeFigureOut">
               <a:rPr lang="pt-BR" smtClean="0"/>
-              <a:t>01/09/2021</a:t>
+              <a:t>02/09/2021</a:t>
             </a:fld>
             <a:endParaRPr lang="pt-BR"/>
           </a:p>
@@ -7335,7 +7333,7 @@
           <a:p>
             <a:fld id="{221D0464-8C8A-49C0-859F-777E51766A35}" type="datetimeFigureOut">
               <a:rPr lang="pt-BR" smtClean="0"/>
-              <a:t>01/09/2021</a:t>
+              <a:t>02/09/2021</a:t>
             </a:fld>
             <a:endParaRPr lang="pt-BR"/>
           </a:p>
@@ -7515,7 +7513,7 @@
           <a:p>
             <a:fld id="{221D0464-8C8A-49C0-859F-777E51766A35}" type="datetimeFigureOut">
               <a:rPr lang="pt-BR" smtClean="0"/>
-              <a:t>01/09/2021</a:t>
+              <a:t>02/09/2021</a:t>
             </a:fld>
             <a:endParaRPr lang="pt-BR"/>
           </a:p>
@@ -7685,7 +7683,7 @@
           <a:p>
             <a:fld id="{221D0464-8C8A-49C0-859F-777E51766A35}" type="datetimeFigureOut">
               <a:rPr lang="pt-BR" smtClean="0"/>
-              <a:t>01/09/2021</a:t>
+              <a:t>02/09/2021</a:t>
             </a:fld>
             <a:endParaRPr lang="pt-BR"/>
           </a:p>
@@ -7931,7 +7929,7 @@
           <a:p>
             <a:fld id="{221D0464-8C8A-49C0-859F-777E51766A35}" type="datetimeFigureOut">
               <a:rPr lang="pt-BR" smtClean="0"/>
-              <a:t>01/09/2021</a:t>
+              <a:t>02/09/2021</a:t>
             </a:fld>
             <a:endParaRPr lang="pt-BR"/>
           </a:p>
@@ -8163,7 +8161,7 @@
           <a:p>
             <a:fld id="{221D0464-8C8A-49C0-859F-777E51766A35}" type="datetimeFigureOut">
               <a:rPr lang="pt-BR" smtClean="0"/>
-              <a:t>01/09/2021</a:t>
+              <a:t>02/09/2021</a:t>
             </a:fld>
             <a:endParaRPr lang="pt-BR"/>
           </a:p>
@@ -8530,7 +8528,7 @@
           <a:p>
             <a:fld id="{221D0464-8C8A-49C0-859F-777E51766A35}" type="datetimeFigureOut">
               <a:rPr lang="pt-BR" smtClean="0"/>
-              <a:t>01/09/2021</a:t>
+              <a:t>02/09/2021</a:t>
             </a:fld>
             <a:endParaRPr lang="pt-BR"/>
           </a:p>
@@ -8648,7 +8646,7 @@
           <a:p>
             <a:fld id="{221D0464-8C8A-49C0-859F-777E51766A35}" type="datetimeFigureOut">
               <a:rPr lang="pt-BR" smtClean="0"/>
-              <a:t>01/09/2021</a:t>
+              <a:t>02/09/2021</a:t>
             </a:fld>
             <a:endParaRPr lang="pt-BR"/>
           </a:p>
@@ -8743,7 +8741,7 @@
           <a:p>
             <a:fld id="{221D0464-8C8A-49C0-859F-777E51766A35}" type="datetimeFigureOut">
               <a:rPr lang="pt-BR" smtClean="0"/>
-              <a:t>01/09/2021</a:t>
+              <a:t>02/09/2021</a:t>
             </a:fld>
             <a:endParaRPr lang="pt-BR"/>
           </a:p>
@@ -9020,7 +9018,7 @@
           <a:p>
             <a:fld id="{221D0464-8C8A-49C0-859F-777E51766A35}" type="datetimeFigureOut">
               <a:rPr lang="pt-BR" smtClean="0"/>
-              <a:t>01/09/2021</a:t>
+              <a:t>02/09/2021</a:t>
             </a:fld>
             <a:endParaRPr lang="pt-BR"/>
           </a:p>
@@ -9273,7 +9271,7 @@
           <a:p>
             <a:fld id="{221D0464-8C8A-49C0-859F-777E51766A35}" type="datetimeFigureOut">
               <a:rPr lang="pt-BR" smtClean="0"/>
-              <a:t>01/09/2021</a:t>
+              <a:t>02/09/2021</a:t>
             </a:fld>
             <a:endParaRPr lang="pt-BR"/>
           </a:p>
@@ -9486,7 +9484,7 @@
           <a:p>
             <a:fld id="{221D0464-8C8A-49C0-859F-777E51766A35}" type="datetimeFigureOut">
               <a:rPr lang="pt-BR" smtClean="0"/>
-              <a:t>01/09/2021</a:t>
+              <a:t>02/09/2021</a:t>
             </a:fld>
             <a:endParaRPr lang="pt-BR"/>
           </a:p>
@@ -9896,7 +9894,7 @@
           <p:cNvPr id="2" name="Título 1">
             <a:extLst>
               <a:ext uri="{FF2B5EF4-FFF2-40B4-BE49-F238E27FC236}">
-                <a16:creationId xmlns:a16="http://schemas.microsoft.com/office/drawing/2014/main" xmlns="" id="{32666AC8-2E17-4DB4-B0F5-60C640CCFD2E}"/>
+                <a16:creationId xmlns="" xmlns:a16="http://schemas.microsoft.com/office/drawing/2014/main" id="{32666AC8-2E17-4DB4-B0F5-60C640CCFD2E}"/>
               </a:ext>
             </a:extLst>
           </p:cNvPr>
@@ -9942,7 +9940,7 @@
           <p:cNvPr id="4" name="CaixaDeTexto 3">
             <a:extLst>
               <a:ext uri="{FF2B5EF4-FFF2-40B4-BE49-F238E27FC236}">
-                <a16:creationId xmlns:a16="http://schemas.microsoft.com/office/drawing/2014/main" xmlns="" id="{430EB894-B7D4-434C-9D1A-A14094D9BEEC}"/>
+                <a16:creationId xmlns="" xmlns:a16="http://schemas.microsoft.com/office/drawing/2014/main" id="{430EB894-B7D4-434C-9D1A-A14094D9BEEC}"/>
               </a:ext>
             </a:extLst>
           </p:cNvPr>
@@ -9983,7 +9981,7 @@
           <p:cNvPr id="1026" name="Picture 2" descr="Logo">
             <a:extLst>
               <a:ext uri="{FF2B5EF4-FFF2-40B4-BE49-F238E27FC236}">
-                <a16:creationId xmlns:a16="http://schemas.microsoft.com/office/drawing/2014/main" xmlns="" id="{3F2642E0-4F6A-4196-8F58-E77D36E9A33F}"/>
+                <a16:creationId xmlns="" xmlns:a16="http://schemas.microsoft.com/office/drawing/2014/main" id="{3F2642E0-4F6A-4196-8F58-E77D36E9A33F}"/>
               </a:ext>
             </a:extLst>
           </p:cNvPr>
@@ -10028,7 +10026,7 @@
           <p:cNvPr id="5122" name="Picture 2" descr="Image result for machine learning">
             <a:extLst>
               <a:ext uri="{FF2B5EF4-FFF2-40B4-BE49-F238E27FC236}">
-                <a16:creationId xmlns:a16="http://schemas.microsoft.com/office/drawing/2014/main" xmlns="" id="{810CE0A2-4102-44A6-A370-175E7896CDCB}"/>
+                <a16:creationId xmlns="" xmlns:a16="http://schemas.microsoft.com/office/drawing/2014/main" id="{810CE0A2-4102-44A6-A370-175E7896CDCB}"/>
               </a:ext>
             </a:extLst>
           </p:cNvPr>
@@ -10162,28 +10160,28 @@
                     <a:gridCol w="550863">
                       <a:extLst>
                         <a:ext uri="{9D8B030D-6E8A-4147-A177-3AD203B41FA5}">
-                          <a16:colId xmlns:a16="http://schemas.microsoft.com/office/drawing/2014/main" xmlns="" val="20000"/>
+                          <a16:colId xmlns="" xmlns:a16="http://schemas.microsoft.com/office/drawing/2014/main" val="20000"/>
                         </a:ext>
                       </a:extLst>
                     </a:gridCol>
                     <a:gridCol w="550863">
                       <a:extLst>
                         <a:ext uri="{9D8B030D-6E8A-4147-A177-3AD203B41FA5}">
-                          <a16:colId xmlns:a16="http://schemas.microsoft.com/office/drawing/2014/main" xmlns="" val="20001"/>
+                          <a16:colId xmlns="" xmlns:a16="http://schemas.microsoft.com/office/drawing/2014/main" val="20001"/>
                         </a:ext>
                       </a:extLst>
                     </a:gridCol>
                     <a:gridCol w="550863">
                       <a:extLst>
                         <a:ext uri="{9D8B030D-6E8A-4147-A177-3AD203B41FA5}">
-                          <a16:colId xmlns:a16="http://schemas.microsoft.com/office/drawing/2014/main" xmlns="" val="20002"/>
+                          <a16:colId xmlns="" xmlns:a16="http://schemas.microsoft.com/office/drawing/2014/main" val="20002"/>
                         </a:ext>
                       </a:extLst>
                     </a:gridCol>
                     <a:gridCol w="550863">
                       <a:extLst>
                         <a:ext uri="{9D8B030D-6E8A-4147-A177-3AD203B41FA5}">
-                          <a16:colId xmlns:a16="http://schemas.microsoft.com/office/drawing/2014/main" xmlns="" val="20003"/>
+                          <a16:colId xmlns="" xmlns:a16="http://schemas.microsoft.com/office/drawing/2014/main" val="20003"/>
                         </a:ext>
                       </a:extLst>
                     </a:gridCol>
@@ -10274,7 +10272,7 @@
                     </a:tc>
                     <a:extLst>
                       <a:ext uri="{0D108BD9-81ED-4DB2-BD59-A6C34878D82A}">
-                        <a16:rowId xmlns:a16="http://schemas.microsoft.com/office/drawing/2014/main" xmlns="" val="10000"/>
+                        <a16:rowId xmlns="" xmlns:a16="http://schemas.microsoft.com/office/drawing/2014/main" val="10000"/>
                       </a:ext>
                     </a:extLst>
                   </a:tr>
@@ -10527,7 +10525,7 @@
                     </a:tc>
                     <a:extLst>
                       <a:ext uri="{0D108BD9-81ED-4DB2-BD59-A6C34878D82A}">
-                        <a16:rowId xmlns:a16="http://schemas.microsoft.com/office/drawing/2014/main" xmlns="" val="10001"/>
+                        <a16:rowId xmlns="" xmlns:a16="http://schemas.microsoft.com/office/drawing/2014/main" val="10001"/>
                       </a:ext>
                     </a:extLst>
                   </a:tr>
@@ -10746,7 +10744,7 @@
                     </a:tc>
                     <a:extLst>
                       <a:ext uri="{0D108BD9-81ED-4DB2-BD59-A6C34878D82A}">
-                        <a16:rowId xmlns:a16="http://schemas.microsoft.com/office/drawing/2014/main" xmlns="" val="10002"/>
+                        <a16:rowId xmlns="" xmlns:a16="http://schemas.microsoft.com/office/drawing/2014/main" val="10002"/>
                       </a:ext>
                     </a:extLst>
                   </a:tr>
@@ -10965,7 +10963,7 @@
                     </a:tc>
                     <a:extLst>
                       <a:ext uri="{0D108BD9-81ED-4DB2-BD59-A6C34878D82A}">
-                        <a16:rowId xmlns:a16="http://schemas.microsoft.com/office/drawing/2014/main" xmlns="" val="10003"/>
+                        <a16:rowId xmlns="" xmlns:a16="http://schemas.microsoft.com/office/drawing/2014/main" val="10003"/>
                       </a:ext>
                     </a:extLst>
                   </a:tr>
@@ -11184,7 +11182,7 @@
                     </a:tc>
                     <a:extLst>
                       <a:ext uri="{0D108BD9-81ED-4DB2-BD59-A6C34878D82A}">
-                        <a16:rowId xmlns:a16="http://schemas.microsoft.com/office/drawing/2014/main" xmlns="" val="10004"/>
+                        <a16:rowId xmlns="" xmlns:a16="http://schemas.microsoft.com/office/drawing/2014/main" val="10004"/>
                       </a:ext>
                     </a:extLst>
                   </a:tr>
@@ -11403,7 +11401,7 @@
                     </a:tc>
                     <a:extLst>
                       <a:ext uri="{0D108BD9-81ED-4DB2-BD59-A6C34878D82A}">
-                        <a16:rowId xmlns:a16="http://schemas.microsoft.com/office/drawing/2014/main" xmlns="" val="10005"/>
+                        <a16:rowId xmlns="" xmlns:a16="http://schemas.microsoft.com/office/drawing/2014/main" val="10005"/>
                       </a:ext>
                     </a:extLst>
                   </a:tr>
@@ -13502,28 +13500,28 @@
                     <a:gridCol w="550863">
                       <a:extLst>
                         <a:ext uri="{9D8B030D-6E8A-4147-A177-3AD203B41FA5}">
-                          <a16:colId xmlns:a16="http://schemas.microsoft.com/office/drawing/2014/main" xmlns="" val="20000"/>
+                          <a16:colId xmlns="" xmlns:a16="http://schemas.microsoft.com/office/drawing/2014/main" val="20000"/>
                         </a:ext>
                       </a:extLst>
                     </a:gridCol>
                     <a:gridCol w="550863">
                       <a:extLst>
                         <a:ext uri="{9D8B030D-6E8A-4147-A177-3AD203B41FA5}">
-                          <a16:colId xmlns:a16="http://schemas.microsoft.com/office/drawing/2014/main" xmlns="" val="20001"/>
+                          <a16:colId xmlns="" xmlns:a16="http://schemas.microsoft.com/office/drawing/2014/main" val="20001"/>
                         </a:ext>
                       </a:extLst>
                     </a:gridCol>
                     <a:gridCol w="550863">
                       <a:extLst>
                         <a:ext uri="{9D8B030D-6E8A-4147-A177-3AD203B41FA5}">
-                          <a16:colId xmlns:a16="http://schemas.microsoft.com/office/drawing/2014/main" xmlns="" val="20002"/>
+                          <a16:colId xmlns="" xmlns:a16="http://schemas.microsoft.com/office/drawing/2014/main" val="20002"/>
                         </a:ext>
                       </a:extLst>
                     </a:gridCol>
                     <a:gridCol w="550863">
                       <a:extLst>
                         <a:ext uri="{9D8B030D-6E8A-4147-A177-3AD203B41FA5}">
-                          <a16:colId xmlns:a16="http://schemas.microsoft.com/office/drawing/2014/main" xmlns="" val="20003"/>
+                          <a16:colId xmlns="" xmlns:a16="http://schemas.microsoft.com/office/drawing/2014/main" val="20003"/>
                         </a:ext>
                       </a:extLst>
                     </a:gridCol>
@@ -13614,7 +13612,7 @@
                     </a:tc>
                     <a:extLst>
                       <a:ext uri="{0D108BD9-81ED-4DB2-BD59-A6C34878D82A}">
-                        <a16:rowId xmlns:a16="http://schemas.microsoft.com/office/drawing/2014/main" xmlns="" val="10000"/>
+                        <a16:rowId xmlns="" xmlns:a16="http://schemas.microsoft.com/office/drawing/2014/main" val="10000"/>
                       </a:ext>
                     </a:extLst>
                   </a:tr>
@@ -13867,7 +13865,7 @@
                     </a:tc>
                     <a:extLst>
                       <a:ext uri="{0D108BD9-81ED-4DB2-BD59-A6C34878D82A}">
-                        <a16:rowId xmlns:a16="http://schemas.microsoft.com/office/drawing/2014/main" xmlns="" val="10001"/>
+                        <a16:rowId xmlns="" xmlns:a16="http://schemas.microsoft.com/office/drawing/2014/main" val="10001"/>
                       </a:ext>
                     </a:extLst>
                   </a:tr>
@@ -14086,7 +14084,7 @@
                     </a:tc>
                     <a:extLst>
                       <a:ext uri="{0D108BD9-81ED-4DB2-BD59-A6C34878D82A}">
-                        <a16:rowId xmlns:a16="http://schemas.microsoft.com/office/drawing/2014/main" xmlns="" val="10002"/>
+                        <a16:rowId xmlns="" xmlns:a16="http://schemas.microsoft.com/office/drawing/2014/main" val="10002"/>
                       </a:ext>
                     </a:extLst>
                   </a:tr>
@@ -14305,7 +14303,7 @@
                     </a:tc>
                     <a:extLst>
                       <a:ext uri="{0D108BD9-81ED-4DB2-BD59-A6C34878D82A}">
-                        <a16:rowId xmlns:a16="http://schemas.microsoft.com/office/drawing/2014/main" xmlns="" val="10003"/>
+                        <a16:rowId xmlns="" xmlns:a16="http://schemas.microsoft.com/office/drawing/2014/main" val="10003"/>
                       </a:ext>
                     </a:extLst>
                   </a:tr>
@@ -14524,7 +14522,7 @@
                     </a:tc>
                     <a:extLst>
                       <a:ext uri="{0D108BD9-81ED-4DB2-BD59-A6C34878D82A}">
-                        <a16:rowId xmlns:a16="http://schemas.microsoft.com/office/drawing/2014/main" xmlns="" val="10004"/>
+                        <a16:rowId xmlns="" xmlns:a16="http://schemas.microsoft.com/office/drawing/2014/main" val="10004"/>
                       </a:ext>
                     </a:extLst>
                   </a:tr>
@@ -14743,7 +14741,7 @@
                     </a:tc>
                     <a:extLst>
                       <a:ext uri="{0D108BD9-81ED-4DB2-BD59-A6C34878D82A}">
-                        <a16:rowId xmlns:a16="http://schemas.microsoft.com/office/drawing/2014/main" xmlns="" val="10005"/>
+                        <a16:rowId xmlns="" xmlns:a16="http://schemas.microsoft.com/office/drawing/2014/main" val="10005"/>
                       </a:ext>
                     </a:extLst>
                   </a:tr>
@@ -17140,21 +17138,21 @@
                     <a:gridCol w="523278">
                       <a:extLst>
                         <a:ext uri="{9D8B030D-6E8A-4147-A177-3AD203B41FA5}">
-                          <a16:colId xmlns:a16="http://schemas.microsoft.com/office/drawing/2014/main" xmlns="" val="20000"/>
+                          <a16:colId xmlns="" xmlns:a16="http://schemas.microsoft.com/office/drawing/2014/main" val="20000"/>
                         </a:ext>
                       </a:extLst>
                     </a:gridCol>
                     <a:gridCol w="523278">
                       <a:extLst>
                         <a:ext uri="{9D8B030D-6E8A-4147-A177-3AD203B41FA5}">
-                          <a16:colId xmlns:a16="http://schemas.microsoft.com/office/drawing/2014/main" xmlns="" val="20001"/>
+                          <a16:colId xmlns="" xmlns:a16="http://schemas.microsoft.com/office/drawing/2014/main" val="20001"/>
                         </a:ext>
                       </a:extLst>
                     </a:gridCol>
                     <a:gridCol w="523278">
                       <a:extLst>
                         <a:ext uri="{9D8B030D-6E8A-4147-A177-3AD203B41FA5}">
-                          <a16:colId xmlns:a16="http://schemas.microsoft.com/office/drawing/2014/main" xmlns="" val="20002"/>
+                          <a16:colId xmlns="" xmlns:a16="http://schemas.microsoft.com/office/drawing/2014/main" val="20002"/>
                         </a:ext>
                       </a:extLst>
                     </a:gridCol>
@@ -17235,7 +17233,7 @@
                     </a:tc>
                     <a:extLst>
                       <a:ext uri="{0D108BD9-81ED-4DB2-BD59-A6C34878D82A}">
-                        <a16:rowId xmlns:a16="http://schemas.microsoft.com/office/drawing/2014/main" xmlns="" val="10000"/>
+                        <a16:rowId xmlns="" xmlns:a16="http://schemas.microsoft.com/office/drawing/2014/main" val="10000"/>
                       </a:ext>
                     </a:extLst>
                   </a:tr>
@@ -17435,7 +17433,7 @@
                     </a:tc>
                     <a:extLst>
                       <a:ext uri="{0D108BD9-81ED-4DB2-BD59-A6C34878D82A}">
-                        <a16:rowId xmlns:a16="http://schemas.microsoft.com/office/drawing/2014/main" xmlns="" val="10001"/>
+                        <a16:rowId xmlns="" xmlns:a16="http://schemas.microsoft.com/office/drawing/2014/main" val="10001"/>
                       </a:ext>
                     </a:extLst>
                   </a:tr>
@@ -17601,7 +17599,7 @@
                     </a:tc>
                     <a:extLst>
                       <a:ext uri="{0D108BD9-81ED-4DB2-BD59-A6C34878D82A}">
-                        <a16:rowId xmlns:a16="http://schemas.microsoft.com/office/drawing/2014/main" xmlns="" val="10002"/>
+                        <a16:rowId xmlns="" xmlns:a16="http://schemas.microsoft.com/office/drawing/2014/main" val="10002"/>
                       </a:ext>
                     </a:extLst>
                   </a:tr>
@@ -17767,7 +17765,7 @@
                     </a:tc>
                     <a:extLst>
                       <a:ext uri="{0D108BD9-81ED-4DB2-BD59-A6C34878D82A}">
-                        <a16:rowId xmlns:a16="http://schemas.microsoft.com/office/drawing/2014/main" xmlns="" val="10003"/>
+                        <a16:rowId xmlns="" xmlns:a16="http://schemas.microsoft.com/office/drawing/2014/main" val="10003"/>
                       </a:ext>
                     </a:extLst>
                   </a:tr>
@@ -25998,7 +25996,7 @@
           <p:cNvPr id="4" name="Título 1">
             <a:extLst>
               <a:ext uri="{FF2B5EF4-FFF2-40B4-BE49-F238E27FC236}">
-                <a16:creationId xmlns:a16="http://schemas.microsoft.com/office/drawing/2014/main" xmlns="" id="{32666AC8-2E17-4DB4-B0F5-60C640CCFD2E}"/>
+                <a16:creationId xmlns="" xmlns:a16="http://schemas.microsoft.com/office/drawing/2014/main" id="{32666AC8-2E17-4DB4-B0F5-60C640CCFD2E}"/>
               </a:ext>
             </a:extLst>
           </p:cNvPr>
@@ -26455,7 +26453,7 @@
           <p:cNvPr id="4" name="Título 1">
             <a:extLst>
               <a:ext uri="{FF2B5EF4-FFF2-40B4-BE49-F238E27FC236}">
-                <a16:creationId xmlns:a16="http://schemas.microsoft.com/office/drawing/2014/main" xmlns="" id="{32666AC8-2E17-4DB4-B0F5-60C640CCFD2E}"/>
+                <a16:creationId xmlns="" xmlns:a16="http://schemas.microsoft.com/office/drawing/2014/main" id="{32666AC8-2E17-4DB4-B0F5-60C640CCFD2E}"/>
               </a:ext>
             </a:extLst>
           </p:cNvPr>
@@ -40615,8 +40613,8 @@
             </a:fontRef>
           </p:style>
         </p:cxnSp>
-        <mc:AlternateContent xmlns:mc="http://schemas.openxmlformats.org/markup-compatibility/2006">
-          <mc:Choice xmlns:a14="http://schemas.microsoft.com/office/drawing/2010/main" Requires="a14">
+        <mc:AlternateContent xmlns:mc="http://schemas.openxmlformats.org/markup-compatibility/2006" xmlns:a14="http://schemas.microsoft.com/office/drawing/2010/main">
+          <mc:Choice Requires="a14">
             <p:sp>
               <p:nvSpPr>
                 <p:cNvPr id="34" name="TextBox 33"/>
@@ -40639,6 +40637,7 @@
                 </a:bodyPr>
                 <a:lstStyle/>
                 <a:p>
+                  <a:pPr/>
                   <a14:m>
                     <m:oMathPara xmlns:m="http://schemas.openxmlformats.org/officeDocument/2006/math">
                       <m:oMathParaPr>
@@ -40678,7 +40677,7 @@
               </p:txBody>
             </p:sp>
           </mc:Choice>
-          <mc:Fallback>
+          <mc:Fallback xmlns="">
             <p:sp>
               <p:nvSpPr>
                 <p:cNvPr id="34" name="TextBox 33"/>
@@ -40717,8 +40716,8 @@
             </p:sp>
           </mc:Fallback>
         </mc:AlternateContent>
-        <mc:AlternateContent xmlns:mc="http://schemas.openxmlformats.org/markup-compatibility/2006">
-          <mc:Choice xmlns:a14="http://schemas.microsoft.com/office/drawing/2010/main" Requires="a14">
+        <mc:AlternateContent xmlns:mc="http://schemas.openxmlformats.org/markup-compatibility/2006" xmlns:a14="http://schemas.microsoft.com/office/drawing/2010/main">
+          <mc:Choice Requires="a14">
             <p:sp>
               <p:nvSpPr>
                 <p:cNvPr id="35" name="TextBox 34"/>
@@ -40741,6 +40740,7 @@
                 </a:bodyPr>
                 <a:lstStyle/>
                 <a:p>
+                  <a:pPr/>
                   <a14:m>
                     <m:oMathPara xmlns:m="http://schemas.openxmlformats.org/officeDocument/2006/math">
                       <m:oMathParaPr>
@@ -40780,7 +40780,7 @@
               </p:txBody>
             </p:sp>
           </mc:Choice>
-          <mc:Fallback>
+          <mc:Fallback xmlns="">
             <p:sp>
               <p:nvSpPr>
                 <p:cNvPr id="35" name="TextBox 34"/>
@@ -41010,8 +41010,8 @@
             </a:fontRef>
           </p:style>
         </p:cxnSp>
-        <mc:AlternateContent xmlns:mc="http://schemas.openxmlformats.org/markup-compatibility/2006">
-          <mc:Choice xmlns:a14="http://schemas.microsoft.com/office/drawing/2010/main" Requires="a14">
+        <mc:AlternateContent xmlns:mc="http://schemas.openxmlformats.org/markup-compatibility/2006" xmlns:a14="http://schemas.microsoft.com/office/drawing/2010/main">
+          <mc:Choice Requires="a14">
             <p:sp>
               <p:nvSpPr>
                 <p:cNvPr id="44" name="TextBox 43"/>
@@ -41034,6 +41034,7 @@
                 </a:bodyPr>
                 <a:lstStyle/>
                 <a:p>
+                  <a:pPr/>
                   <a14:m>
                     <m:oMathPara xmlns:m="http://schemas.openxmlformats.org/officeDocument/2006/math">
                       <m:oMathParaPr>
@@ -41231,7 +41232,7 @@
               </p:txBody>
             </p:sp>
           </mc:Choice>
-          <mc:Fallback>
+          <mc:Fallback xmlns="">
             <p:sp>
               <p:nvSpPr>
                 <p:cNvPr id="44" name="TextBox 43"/>
@@ -41270,6 +41271,1704 @@
             </p:sp>
           </mc:Fallback>
         </mc:AlternateContent>
+        <mc:AlternateContent xmlns:mc="http://schemas.openxmlformats.org/markup-compatibility/2006" xmlns:a14="http://schemas.microsoft.com/office/drawing/2010/main">
+          <mc:Choice Requires="a14">
+            <p:sp>
+              <p:nvSpPr>
+                <p:cNvPr id="45" name="Rectangle 44"/>
+                <p:cNvSpPr/>
+                <p:nvPr/>
+              </p:nvSpPr>
+              <p:spPr>
+                <a:xfrm>
+                  <a:off x="5629766" y="1876237"/>
+                  <a:ext cx="1689565" cy="338554"/>
+                </a:xfrm>
+                <a:prstGeom prst="rect">
+                  <a:avLst/>
+                </a:prstGeom>
+              </p:spPr>
+              <p:txBody>
+                <a:bodyPr wrap="none">
+                  <a:spAutoFit/>
+                </a:bodyPr>
+                <a:lstStyle/>
+                <a:p>
+                  <a:pPr/>
+                  <a14:m>
+                    <m:oMathPara xmlns:m="http://schemas.openxmlformats.org/officeDocument/2006/math">
+                      <m:oMathParaPr>
+                        <m:jc m:val="centerGroup"/>
+                      </m:oMathParaPr>
+                      <m:oMath xmlns:m="http://schemas.openxmlformats.org/officeDocument/2006/math">
+                        <m:sSub>
+                          <m:sSubPr>
+                            <m:ctrlPr>
+                              <a:rPr lang="pt-BR" sz="1600" i="1" smtClean="0">
+                                <a:latin typeface="Cambria Math" panose="02040503050406030204" pitchFamily="18" charset="0"/>
+                              </a:rPr>
+                            </m:ctrlPr>
+                          </m:sSubPr>
+                          <m:e>
+                            <m:r>
+                              <a:rPr lang="pt-BR" sz="1600" i="1">
+                                <a:latin typeface="Cambria Math" panose="02040503050406030204" pitchFamily="18" charset="0"/>
+                              </a:rPr>
+                              <m:t>𝑦</m:t>
+                            </m:r>
+                          </m:e>
+                          <m:sub>
+                            <m:r>
+                              <a:rPr lang="pt-BR" sz="1600" b="0" i="1" smtClean="0">
+                                <a:latin typeface="Cambria Math" panose="02040503050406030204" pitchFamily="18" charset="0"/>
+                              </a:rPr>
+                              <m:t>1</m:t>
+                            </m:r>
+                          </m:sub>
+                        </m:sSub>
+                        <m:r>
+                          <a:rPr lang="pt-BR" sz="1600" i="1">
+                            <a:latin typeface="Cambria Math" panose="02040503050406030204" pitchFamily="18" charset="0"/>
+                          </a:rPr>
+                          <m:t>=</m:t>
+                        </m:r>
+                        <m:sSub>
+                          <m:sSubPr>
+                            <m:ctrlPr>
+                              <a:rPr lang="pt-BR" sz="1600" i="1">
+                                <a:latin typeface="Cambria Math" panose="02040503050406030204" pitchFamily="18" charset="0"/>
+                              </a:rPr>
+                            </m:ctrlPr>
+                          </m:sSubPr>
+                          <m:e>
+                            <m:r>
+                              <a:rPr lang="pt-BR" sz="1600" i="1">
+                                <a:latin typeface="Cambria Math" panose="02040503050406030204" pitchFamily="18" charset="0"/>
+                              </a:rPr>
+                              <m:t>(</m:t>
+                            </m:r>
+                            <m:r>
+                              <a:rPr lang="pt-BR" sz="1600" i="1">
+                                <a:latin typeface="Cambria Math" panose="02040503050406030204" pitchFamily="18" charset="0"/>
+                              </a:rPr>
+                              <m:t>𝑥</m:t>
+                            </m:r>
+                          </m:e>
+                          <m:sub>
+                            <m:r>
+                              <a:rPr lang="pt-BR" sz="1600" i="1">
+                                <a:latin typeface="Cambria Math" panose="02040503050406030204" pitchFamily="18" charset="0"/>
+                              </a:rPr>
+                              <m:t>1</m:t>
+                            </m:r>
+                          </m:sub>
+                        </m:sSub>
+                        <m:r>
+                          <a:rPr lang="pt-BR" sz="1600" i="1">
+                            <a:latin typeface="Cambria Math" panose="02040503050406030204" pitchFamily="18" charset="0"/>
+                          </a:rPr>
+                          <m:t> &amp; </m:t>
+                        </m:r>
+                        <m:r>
+                          <a:rPr lang="pt-BR" sz="1600" i="1">
+                            <a:latin typeface="Cambria Math" panose="02040503050406030204" pitchFamily="18" charset="0"/>
+                            <a:ea typeface="Cambria Math" panose="02040503050406030204" pitchFamily="18" charset="0"/>
+                          </a:rPr>
+                          <m:t>~</m:t>
+                        </m:r>
+                        <m:sSub>
+                          <m:sSubPr>
+                            <m:ctrlPr>
+                              <a:rPr lang="pt-BR" sz="1600" i="1">
+                                <a:latin typeface="Cambria Math" panose="02040503050406030204" pitchFamily="18" charset="0"/>
+                                <a:ea typeface="Cambria Math" panose="02040503050406030204" pitchFamily="18" charset="0"/>
+                              </a:rPr>
+                            </m:ctrlPr>
+                          </m:sSubPr>
+                          <m:e>
+                            <m:r>
+                              <a:rPr lang="pt-BR" sz="1600" i="1">
+                                <a:latin typeface="Cambria Math" panose="02040503050406030204" pitchFamily="18" charset="0"/>
+                                <a:ea typeface="Cambria Math" panose="02040503050406030204" pitchFamily="18" charset="0"/>
+                              </a:rPr>
+                              <m:t>𝑥</m:t>
+                            </m:r>
+                          </m:e>
+                          <m:sub>
+                            <m:r>
+                              <a:rPr lang="pt-BR" sz="1600" i="1">
+                                <a:latin typeface="Cambria Math" panose="02040503050406030204" pitchFamily="18" charset="0"/>
+                                <a:ea typeface="Cambria Math" panose="02040503050406030204" pitchFamily="18" charset="0"/>
+                              </a:rPr>
+                              <m:t>2</m:t>
+                            </m:r>
+                          </m:sub>
+                        </m:sSub>
+                        <m:r>
+                          <a:rPr lang="pt-BR" sz="1600" i="1">
+                            <a:latin typeface="Cambria Math" panose="02040503050406030204" pitchFamily="18" charset="0"/>
+                            <a:ea typeface="Cambria Math" panose="02040503050406030204" pitchFamily="18" charset="0"/>
+                          </a:rPr>
+                          <m:t>) </m:t>
+                        </m:r>
+                      </m:oMath>
+                    </m:oMathPara>
+                  </a14:m>
+                  <a:endParaRPr lang="pt-BR" sz="1600" dirty="0"/>
+                </a:p>
+              </p:txBody>
+            </p:sp>
+          </mc:Choice>
+          <mc:Fallback xmlns="">
+            <p:sp>
+              <p:nvSpPr>
+                <p:cNvPr id="45" name="Rectangle 44"/>
+                <p:cNvSpPr>
+                  <a:spLocks noRot="1" noChangeAspect="1" noMove="1" noResize="1" noEditPoints="1" noAdjustHandles="1" noChangeArrowheads="1" noChangeShapeType="1" noTextEdit="1"/>
+                </p:cNvSpPr>
+                <p:nvPr/>
+              </p:nvSpPr>
+              <p:spPr>
+                <a:xfrm>
+                  <a:off x="5629766" y="1876237"/>
+                  <a:ext cx="1689565" cy="338554"/>
+                </a:xfrm>
+                <a:prstGeom prst="rect">
+                  <a:avLst/>
+                </a:prstGeom>
+                <a:blipFill rotWithShape="0">
+                  <a:blip r:embed="rId5"/>
+                  <a:stretch>
+                    <a:fillRect b="-10909"/>
+                  </a:stretch>
+                </a:blipFill>
+              </p:spPr>
+              <p:txBody>
+                <a:bodyPr/>
+                <a:lstStyle/>
+                <a:p>
+                  <a:r>
+                    <a:rPr lang="pt-BR">
+                      <a:noFill/>
+                    </a:rPr>
+                    <a:t> </a:t>
+                  </a:r>
+                </a:p>
+              </p:txBody>
+            </p:sp>
+          </mc:Fallback>
+        </mc:AlternateContent>
+        <mc:AlternateContent xmlns:mc="http://schemas.openxmlformats.org/markup-compatibility/2006" xmlns:a14="http://schemas.microsoft.com/office/drawing/2010/main">
+          <mc:Choice Requires="a14">
+            <p:sp>
+              <p:nvSpPr>
+                <p:cNvPr id="46" name="Rectangle 45"/>
+                <p:cNvSpPr/>
+                <p:nvPr/>
+              </p:nvSpPr>
+              <p:spPr>
+                <a:xfrm>
+                  <a:off x="5669905" y="3644677"/>
+                  <a:ext cx="1649426" cy="338554"/>
+                </a:xfrm>
+                <a:prstGeom prst="rect">
+                  <a:avLst/>
+                </a:prstGeom>
+              </p:spPr>
+              <p:txBody>
+                <a:bodyPr wrap="none">
+                  <a:spAutoFit/>
+                </a:bodyPr>
+                <a:lstStyle/>
+                <a:p>
+                  <a:pPr/>
+                  <a14:m>
+                    <m:oMathPara xmlns:m="http://schemas.openxmlformats.org/officeDocument/2006/math">
+                      <m:oMathParaPr>
+                        <m:jc m:val="centerGroup"/>
+                      </m:oMathParaPr>
+                      <m:oMath xmlns:m="http://schemas.openxmlformats.org/officeDocument/2006/math">
+                        <m:sSub>
+                          <m:sSubPr>
+                            <m:ctrlPr>
+                              <a:rPr lang="pt-BR" sz="1600" i="1" smtClean="0">
+                                <a:latin typeface="Cambria Math" panose="02040503050406030204" pitchFamily="18" charset="0"/>
+                              </a:rPr>
+                            </m:ctrlPr>
+                          </m:sSubPr>
+                          <m:e>
+                            <m:r>
+                              <a:rPr lang="pt-BR" sz="1600" i="1">
+                                <a:latin typeface="Cambria Math" panose="02040503050406030204" pitchFamily="18" charset="0"/>
+                              </a:rPr>
+                              <m:t>𝑦</m:t>
+                            </m:r>
+                          </m:e>
+                          <m:sub>
+                            <m:r>
+                              <a:rPr lang="pt-BR" sz="1600" b="0" i="1" smtClean="0">
+                                <a:latin typeface="Cambria Math" panose="02040503050406030204" pitchFamily="18" charset="0"/>
+                              </a:rPr>
+                              <m:t>2</m:t>
+                            </m:r>
+                          </m:sub>
+                        </m:sSub>
+                        <m:r>
+                          <a:rPr lang="pt-BR" sz="1600" i="1">
+                            <a:latin typeface="Cambria Math" panose="02040503050406030204" pitchFamily="18" charset="0"/>
+                          </a:rPr>
+                          <m:t>=</m:t>
+                        </m:r>
+                        <m:r>
+                          <a:rPr lang="pt-BR" sz="1600" i="1">
+                            <a:latin typeface="Cambria Math" panose="02040503050406030204" pitchFamily="18" charset="0"/>
+                            <a:ea typeface="Cambria Math" panose="02040503050406030204" pitchFamily="18" charset="0"/>
+                          </a:rPr>
+                          <m:t>(</m:t>
+                        </m:r>
+                        <m:sSub>
+                          <m:sSubPr>
+                            <m:ctrlPr>
+                              <a:rPr lang="pt-BR" sz="1600" i="1">
+                                <a:latin typeface="Cambria Math" panose="02040503050406030204" pitchFamily="18" charset="0"/>
+                              </a:rPr>
+                            </m:ctrlPr>
+                          </m:sSubPr>
+                          <m:e>
+                            <m:r>
+                              <a:rPr lang="pt-BR" sz="1600" i="1">
+                                <a:latin typeface="Cambria Math" panose="02040503050406030204" pitchFamily="18" charset="0"/>
+                                <a:ea typeface="Cambria Math" panose="02040503050406030204" pitchFamily="18" charset="0"/>
+                              </a:rPr>
+                              <m:t>~</m:t>
+                            </m:r>
+                            <m:r>
+                              <a:rPr lang="pt-BR" sz="1600" i="1">
+                                <a:latin typeface="Cambria Math" panose="02040503050406030204" pitchFamily="18" charset="0"/>
+                              </a:rPr>
+                              <m:t>𝑥</m:t>
+                            </m:r>
+                          </m:e>
+                          <m:sub>
+                            <m:r>
+                              <a:rPr lang="pt-BR" sz="1600" i="1">
+                                <a:latin typeface="Cambria Math" panose="02040503050406030204" pitchFamily="18" charset="0"/>
+                              </a:rPr>
+                              <m:t>1</m:t>
+                            </m:r>
+                          </m:sub>
+                        </m:sSub>
+                        <m:r>
+                          <a:rPr lang="pt-BR" sz="1600" i="1">
+                            <a:latin typeface="Cambria Math" panose="02040503050406030204" pitchFamily="18" charset="0"/>
+                          </a:rPr>
+                          <m:t> &amp; </m:t>
+                        </m:r>
+                        <m:sSub>
+                          <m:sSubPr>
+                            <m:ctrlPr>
+                              <a:rPr lang="pt-BR" sz="1600" i="1">
+                                <a:latin typeface="Cambria Math" panose="02040503050406030204" pitchFamily="18" charset="0"/>
+                                <a:ea typeface="Cambria Math" panose="02040503050406030204" pitchFamily="18" charset="0"/>
+                              </a:rPr>
+                            </m:ctrlPr>
+                          </m:sSubPr>
+                          <m:e>
+                            <m:r>
+                              <a:rPr lang="pt-BR" sz="1600" i="1">
+                                <a:latin typeface="Cambria Math" panose="02040503050406030204" pitchFamily="18" charset="0"/>
+                                <a:ea typeface="Cambria Math" panose="02040503050406030204" pitchFamily="18" charset="0"/>
+                              </a:rPr>
+                              <m:t>𝑥</m:t>
+                            </m:r>
+                          </m:e>
+                          <m:sub>
+                            <m:r>
+                              <a:rPr lang="pt-BR" sz="1600" i="1">
+                                <a:latin typeface="Cambria Math" panose="02040503050406030204" pitchFamily="18" charset="0"/>
+                                <a:ea typeface="Cambria Math" panose="02040503050406030204" pitchFamily="18" charset="0"/>
+                              </a:rPr>
+                              <m:t>2</m:t>
+                            </m:r>
+                          </m:sub>
+                        </m:sSub>
+                        <m:r>
+                          <a:rPr lang="pt-BR" sz="1600" i="1">
+                            <a:latin typeface="Cambria Math" panose="02040503050406030204" pitchFamily="18" charset="0"/>
+                            <a:ea typeface="Cambria Math" panose="02040503050406030204" pitchFamily="18" charset="0"/>
+                          </a:rPr>
+                          <m:t>)</m:t>
+                        </m:r>
+                      </m:oMath>
+                    </m:oMathPara>
+                  </a14:m>
+                  <a:endParaRPr lang="pt-BR" sz="1600" dirty="0"/>
+                </a:p>
+              </p:txBody>
+            </p:sp>
+          </mc:Choice>
+          <mc:Fallback xmlns="">
+            <p:sp>
+              <p:nvSpPr>
+                <p:cNvPr id="46" name="Rectangle 45"/>
+                <p:cNvSpPr>
+                  <a:spLocks noRot="1" noChangeAspect="1" noMove="1" noResize="1" noEditPoints="1" noAdjustHandles="1" noChangeArrowheads="1" noChangeShapeType="1" noTextEdit="1"/>
+                </p:cNvSpPr>
+                <p:nvPr/>
+              </p:nvSpPr>
+              <p:spPr>
+                <a:xfrm>
+                  <a:off x="5669905" y="3644677"/>
+                  <a:ext cx="1649426" cy="338554"/>
+                </a:xfrm>
+                <a:prstGeom prst="rect">
+                  <a:avLst/>
+                </a:prstGeom>
+                <a:blipFill rotWithShape="0">
+                  <a:blip r:embed="rId6"/>
+                  <a:stretch>
+                    <a:fillRect b="-10909"/>
+                  </a:stretch>
+                </a:blipFill>
+              </p:spPr>
+              <p:txBody>
+                <a:bodyPr/>
+                <a:lstStyle/>
+                <a:p>
+                  <a:r>
+                    <a:rPr lang="pt-BR">
+                      <a:noFill/>
+                    </a:rPr>
+                    <a:t> </a:t>
+                  </a:r>
+                </a:p>
+              </p:txBody>
+            </p:sp>
+          </mc:Fallback>
+        </mc:AlternateContent>
+        <p:cxnSp>
+          <p:nvCxnSpPr>
+            <p:cNvPr id="49" name="Straight Arrow Connector 48"/>
+            <p:cNvCxnSpPr>
+              <a:endCxn id="4" idx="1"/>
+            </p:cNvCxnSpPr>
+            <p:nvPr/>
+          </p:nvCxnSpPr>
+          <p:spPr>
+            <a:xfrm>
+              <a:off x="4478060" y="1706053"/>
+              <a:ext cx="403463" cy="126530"/>
+            </a:xfrm>
+            <a:prstGeom prst="straightConnector1">
+              <a:avLst/>
+            </a:prstGeom>
+            <a:ln>
+              <a:solidFill>
+                <a:schemeClr val="tx1"/>
+              </a:solidFill>
+              <a:tailEnd type="triangle"/>
+            </a:ln>
+          </p:spPr>
+          <p:style>
+            <a:lnRef idx="1">
+              <a:schemeClr val="accent1"/>
+            </a:lnRef>
+            <a:fillRef idx="0">
+              <a:schemeClr val="accent1"/>
+            </a:fillRef>
+            <a:effectRef idx="0">
+              <a:schemeClr val="accent1"/>
+            </a:effectRef>
+            <a:fontRef idx="minor">
+              <a:schemeClr val="tx1"/>
+            </a:fontRef>
+          </p:style>
+        </p:cxnSp>
+        <mc:AlternateContent xmlns:mc="http://schemas.openxmlformats.org/markup-compatibility/2006" xmlns:a14="http://schemas.microsoft.com/office/drawing/2010/main">
+          <mc:Choice Requires="a14">
+            <p:sp>
+              <p:nvSpPr>
+                <p:cNvPr id="50" name="Rectangle 49"/>
+                <p:cNvSpPr/>
+                <p:nvPr/>
+              </p:nvSpPr>
+              <p:spPr>
+                <a:xfrm>
+                  <a:off x="3880670" y="1537888"/>
+                  <a:ext cx="658257" cy="276999"/>
+                </a:xfrm>
+                <a:prstGeom prst="rect">
+                  <a:avLst/>
+                </a:prstGeom>
+              </p:spPr>
+              <p:txBody>
+                <a:bodyPr wrap="none">
+                  <a:spAutoFit/>
+                </a:bodyPr>
+                <a:lstStyle/>
+                <a:p>
+                  <a:pPr/>
+                  <a14:m>
+                    <m:oMathPara xmlns:m="http://schemas.openxmlformats.org/officeDocument/2006/math">
+                      <m:oMathParaPr>
+                        <m:jc m:val="centerGroup"/>
+                      </m:oMathParaPr>
+                      <m:oMath xmlns:m="http://schemas.openxmlformats.org/officeDocument/2006/math">
+                        <m:sSub>
+                          <m:sSubPr>
+                            <m:ctrlPr>
+                              <a:rPr lang="pt-BR" sz="1200" i="1" smtClean="0">
+                                <a:latin typeface="Cambria Math" panose="02040503050406030204" pitchFamily="18" charset="0"/>
+                              </a:rPr>
+                            </m:ctrlPr>
+                          </m:sSubPr>
+                          <m:e>
+                            <m:r>
+                              <a:rPr lang="pt-BR" sz="1200" i="1">
+                                <a:latin typeface="Cambria Math" panose="02040503050406030204" pitchFamily="18" charset="0"/>
+                              </a:rPr>
+                              <m:t>𝑥</m:t>
+                            </m:r>
+                          </m:e>
+                          <m:sub>
+                            <m:r>
+                              <a:rPr lang="pt-BR" sz="1200" b="0" i="1" smtClean="0">
+                                <a:latin typeface="Cambria Math" panose="02040503050406030204" pitchFamily="18" charset="0"/>
+                              </a:rPr>
+                              <m:t>0</m:t>
+                            </m:r>
+                          </m:sub>
+                        </m:sSub>
+                        <m:r>
+                          <a:rPr lang="pt-BR" sz="1200" b="0" i="1" smtClean="0">
+                            <a:latin typeface="Cambria Math" panose="02040503050406030204" pitchFamily="18" charset="0"/>
+                          </a:rPr>
+                          <m:t>=1</m:t>
+                        </m:r>
+                      </m:oMath>
+                    </m:oMathPara>
+                  </a14:m>
+                  <a:endParaRPr lang="pt-BR" sz="1200" dirty="0"/>
+                </a:p>
+              </p:txBody>
+            </p:sp>
+          </mc:Choice>
+          <mc:Fallback xmlns="">
+            <p:sp>
+              <p:nvSpPr>
+                <p:cNvPr id="50" name="Rectangle 49"/>
+                <p:cNvSpPr>
+                  <a:spLocks noRot="1" noChangeAspect="1" noMove="1" noResize="1" noEditPoints="1" noAdjustHandles="1" noChangeArrowheads="1" noChangeShapeType="1" noTextEdit="1"/>
+                </p:cNvSpPr>
+                <p:nvPr/>
+              </p:nvSpPr>
+              <p:spPr>
+                <a:xfrm>
+                  <a:off x="3880670" y="1537888"/>
+                  <a:ext cx="658257" cy="276999"/>
+                </a:xfrm>
+                <a:prstGeom prst="rect">
+                  <a:avLst/>
+                </a:prstGeom>
+                <a:blipFill rotWithShape="0">
+                  <a:blip r:embed="rId7"/>
+                  <a:stretch>
+                    <a:fillRect/>
+                  </a:stretch>
+                </a:blipFill>
+              </p:spPr>
+              <p:txBody>
+                <a:bodyPr/>
+                <a:lstStyle/>
+                <a:p>
+                  <a:r>
+                    <a:rPr lang="pt-BR">
+                      <a:noFill/>
+                    </a:rPr>
+                    <a:t> </a:t>
+                  </a:r>
+                </a:p>
+              </p:txBody>
+            </p:sp>
+          </mc:Fallback>
+        </mc:AlternateContent>
+        <p:cxnSp>
+          <p:nvCxnSpPr>
+            <p:cNvPr id="51" name="Straight Arrow Connector 50"/>
+            <p:cNvCxnSpPr/>
+            <p:nvPr/>
+          </p:nvCxnSpPr>
+          <p:spPr>
+            <a:xfrm flipV="1">
+              <a:off x="4423530" y="4097597"/>
+              <a:ext cx="403463" cy="126530"/>
+            </a:xfrm>
+            <a:prstGeom prst="straightConnector1">
+              <a:avLst/>
+            </a:prstGeom>
+            <a:ln>
+              <a:solidFill>
+                <a:schemeClr val="tx1"/>
+              </a:solidFill>
+              <a:tailEnd type="triangle"/>
+            </a:ln>
+          </p:spPr>
+          <p:style>
+            <a:lnRef idx="1">
+              <a:schemeClr val="accent1"/>
+            </a:lnRef>
+            <a:fillRef idx="0">
+              <a:schemeClr val="accent1"/>
+            </a:fillRef>
+            <a:effectRef idx="0">
+              <a:schemeClr val="accent1"/>
+            </a:effectRef>
+            <a:fontRef idx="minor">
+              <a:schemeClr val="tx1"/>
+            </a:fontRef>
+          </p:style>
+        </p:cxnSp>
+        <mc:AlternateContent xmlns:mc="http://schemas.openxmlformats.org/markup-compatibility/2006" xmlns:a14="http://schemas.microsoft.com/office/drawing/2010/main">
+          <mc:Choice Requires="a14">
+            <p:sp>
+              <p:nvSpPr>
+                <p:cNvPr id="52" name="Rectangle 51"/>
+                <p:cNvSpPr/>
+                <p:nvPr/>
+              </p:nvSpPr>
+              <p:spPr>
+                <a:xfrm>
+                  <a:off x="3931004" y="4221264"/>
+                  <a:ext cx="658257" cy="276999"/>
+                </a:xfrm>
+                <a:prstGeom prst="rect">
+                  <a:avLst/>
+                </a:prstGeom>
+              </p:spPr>
+              <p:txBody>
+                <a:bodyPr wrap="none">
+                  <a:spAutoFit/>
+                </a:bodyPr>
+                <a:lstStyle/>
+                <a:p>
+                  <a:pPr/>
+                  <a14:m>
+                    <m:oMathPara xmlns:m="http://schemas.openxmlformats.org/officeDocument/2006/math">
+                      <m:oMathParaPr>
+                        <m:jc m:val="centerGroup"/>
+                      </m:oMathParaPr>
+                      <m:oMath xmlns:m="http://schemas.openxmlformats.org/officeDocument/2006/math">
+                        <m:sSub>
+                          <m:sSubPr>
+                            <m:ctrlPr>
+                              <a:rPr lang="pt-BR" sz="1200" i="1" smtClean="0">
+                                <a:latin typeface="Cambria Math" panose="02040503050406030204" pitchFamily="18" charset="0"/>
+                              </a:rPr>
+                            </m:ctrlPr>
+                          </m:sSubPr>
+                          <m:e>
+                            <m:r>
+                              <a:rPr lang="pt-BR" sz="1200" i="1">
+                                <a:latin typeface="Cambria Math" panose="02040503050406030204" pitchFamily="18" charset="0"/>
+                              </a:rPr>
+                              <m:t>𝑥</m:t>
+                            </m:r>
+                          </m:e>
+                          <m:sub>
+                            <m:r>
+                              <a:rPr lang="pt-BR" sz="1200" b="0" i="1" smtClean="0">
+                                <a:latin typeface="Cambria Math" panose="02040503050406030204" pitchFamily="18" charset="0"/>
+                              </a:rPr>
+                              <m:t>0</m:t>
+                            </m:r>
+                          </m:sub>
+                        </m:sSub>
+                        <m:r>
+                          <a:rPr lang="pt-BR" sz="1200" b="0" i="1" smtClean="0">
+                            <a:latin typeface="Cambria Math" panose="02040503050406030204" pitchFamily="18" charset="0"/>
+                          </a:rPr>
+                          <m:t>=1</m:t>
+                        </m:r>
+                      </m:oMath>
+                    </m:oMathPara>
+                  </a14:m>
+                  <a:endParaRPr lang="pt-BR" sz="1200" dirty="0"/>
+                </a:p>
+              </p:txBody>
+            </p:sp>
+          </mc:Choice>
+          <mc:Fallback xmlns="">
+            <p:sp>
+              <p:nvSpPr>
+                <p:cNvPr id="52" name="Rectangle 51"/>
+                <p:cNvSpPr>
+                  <a:spLocks noRot="1" noChangeAspect="1" noMove="1" noResize="1" noEditPoints="1" noAdjustHandles="1" noChangeArrowheads="1" noChangeShapeType="1" noTextEdit="1"/>
+                </p:cNvSpPr>
+                <p:nvPr/>
+              </p:nvSpPr>
+              <p:spPr>
+                <a:xfrm>
+                  <a:off x="3931004" y="4221264"/>
+                  <a:ext cx="658257" cy="276999"/>
+                </a:xfrm>
+                <a:prstGeom prst="rect">
+                  <a:avLst/>
+                </a:prstGeom>
+                <a:blipFill rotWithShape="0">
+                  <a:blip r:embed="rId7"/>
+                  <a:stretch>
+                    <a:fillRect/>
+                  </a:stretch>
+                </a:blipFill>
+              </p:spPr>
+              <p:txBody>
+                <a:bodyPr/>
+                <a:lstStyle/>
+                <a:p>
+                  <a:r>
+                    <a:rPr lang="pt-BR">
+                      <a:noFill/>
+                    </a:rPr>
+                    <a:t> </a:t>
+                  </a:r>
+                </a:p>
+              </p:txBody>
+            </p:sp>
+          </mc:Fallback>
+        </mc:AlternateContent>
+        <p:cxnSp>
+          <p:nvCxnSpPr>
+            <p:cNvPr id="56" name="Straight Arrow Connector 55"/>
+            <p:cNvCxnSpPr/>
+            <p:nvPr/>
+          </p:nvCxnSpPr>
+          <p:spPr>
+            <a:xfrm flipV="1">
+              <a:off x="5968664" y="3004741"/>
+              <a:ext cx="269417" cy="7609"/>
+            </a:xfrm>
+            <a:prstGeom prst="straightConnector1">
+              <a:avLst/>
+            </a:prstGeom>
+            <a:ln>
+              <a:solidFill>
+                <a:schemeClr val="tx1"/>
+              </a:solidFill>
+              <a:tailEnd type="triangle"/>
+            </a:ln>
+          </p:spPr>
+          <p:style>
+            <a:lnRef idx="1">
+              <a:schemeClr val="accent1"/>
+            </a:lnRef>
+            <a:fillRef idx="0">
+              <a:schemeClr val="accent1"/>
+            </a:fillRef>
+            <a:effectRef idx="0">
+              <a:schemeClr val="accent1"/>
+            </a:effectRef>
+            <a:fontRef idx="minor">
+              <a:schemeClr val="tx1"/>
+            </a:fontRef>
+          </p:style>
+        </p:cxnSp>
+        <mc:AlternateContent xmlns:mc="http://schemas.openxmlformats.org/markup-compatibility/2006" xmlns:a14="http://schemas.microsoft.com/office/drawing/2010/main">
+          <mc:Choice Requires="a14">
+            <p:sp>
+              <p:nvSpPr>
+                <p:cNvPr id="57" name="Rectangle 56"/>
+                <p:cNvSpPr/>
+                <p:nvPr/>
+              </p:nvSpPr>
+              <p:spPr>
+                <a:xfrm>
+                  <a:off x="5456623" y="2760390"/>
+                  <a:ext cx="658257" cy="276999"/>
+                </a:xfrm>
+                <a:prstGeom prst="rect">
+                  <a:avLst/>
+                </a:prstGeom>
+              </p:spPr>
+              <p:txBody>
+                <a:bodyPr wrap="none">
+                  <a:spAutoFit/>
+                </a:bodyPr>
+                <a:lstStyle/>
+                <a:p>
+                  <a:pPr/>
+                  <a14:m>
+                    <m:oMathPara xmlns:m="http://schemas.openxmlformats.org/officeDocument/2006/math">
+                      <m:oMathParaPr>
+                        <m:jc m:val="centerGroup"/>
+                      </m:oMathParaPr>
+                      <m:oMath xmlns:m="http://schemas.openxmlformats.org/officeDocument/2006/math">
+                        <m:sSub>
+                          <m:sSubPr>
+                            <m:ctrlPr>
+                              <a:rPr lang="pt-BR" sz="1200" i="1" smtClean="0">
+                                <a:latin typeface="Cambria Math" panose="02040503050406030204" pitchFamily="18" charset="0"/>
+                              </a:rPr>
+                            </m:ctrlPr>
+                          </m:sSubPr>
+                          <m:e>
+                            <m:r>
+                              <a:rPr lang="pt-BR" sz="1200" i="1">
+                                <a:latin typeface="Cambria Math" panose="02040503050406030204" pitchFamily="18" charset="0"/>
+                              </a:rPr>
+                              <m:t>𝑥</m:t>
+                            </m:r>
+                          </m:e>
+                          <m:sub>
+                            <m:r>
+                              <a:rPr lang="pt-BR" sz="1200" b="0" i="1" smtClean="0">
+                                <a:latin typeface="Cambria Math" panose="02040503050406030204" pitchFamily="18" charset="0"/>
+                              </a:rPr>
+                              <m:t>0</m:t>
+                            </m:r>
+                          </m:sub>
+                        </m:sSub>
+                        <m:r>
+                          <a:rPr lang="pt-BR" sz="1200" b="0" i="1" smtClean="0">
+                            <a:latin typeface="Cambria Math" panose="02040503050406030204" pitchFamily="18" charset="0"/>
+                          </a:rPr>
+                          <m:t>=1</m:t>
+                        </m:r>
+                      </m:oMath>
+                    </m:oMathPara>
+                  </a14:m>
+                  <a:endParaRPr lang="pt-BR" sz="1200" dirty="0"/>
+                </a:p>
+              </p:txBody>
+            </p:sp>
+          </mc:Choice>
+          <mc:Fallback xmlns="">
+            <p:sp>
+              <p:nvSpPr>
+                <p:cNvPr id="57" name="Rectangle 56"/>
+                <p:cNvSpPr>
+                  <a:spLocks noRot="1" noChangeAspect="1" noMove="1" noResize="1" noEditPoints="1" noAdjustHandles="1" noChangeArrowheads="1" noChangeShapeType="1" noTextEdit="1"/>
+                </p:cNvSpPr>
+                <p:nvPr/>
+              </p:nvSpPr>
+              <p:spPr>
+                <a:xfrm>
+                  <a:off x="5456623" y="2760390"/>
+                  <a:ext cx="658257" cy="276999"/>
+                </a:xfrm>
+                <a:prstGeom prst="rect">
+                  <a:avLst/>
+                </a:prstGeom>
+                <a:blipFill rotWithShape="0">
+                  <a:blip r:embed="rId8"/>
+                  <a:stretch>
+                    <a:fillRect/>
+                  </a:stretch>
+                </a:blipFill>
+              </p:spPr>
+              <p:txBody>
+                <a:bodyPr/>
+                <a:lstStyle/>
+                <a:p>
+                  <a:r>
+                    <a:rPr lang="pt-BR">
+                      <a:noFill/>
+                    </a:rPr>
+                    <a:t> </a:t>
+                  </a:r>
+                </a:p>
+              </p:txBody>
+            </p:sp>
+          </mc:Fallback>
+        </mc:AlternateContent>
+      </p:grpSp>
+    </p:spTree>
+    <p:extLst>
+      <p:ext uri="{BB962C8B-B14F-4D97-AF65-F5344CB8AC3E}">
+        <p14:creationId xmlns:p14="http://schemas.microsoft.com/office/powerpoint/2010/main" val="4136219521"/>
+      </p:ext>
+    </p:extLst>
+  </p:cSld>
+  <p:clrMapOvr>
+    <a:masterClrMapping/>
+  </p:clrMapOvr>
+</p:sld>
+</file>
+
+<file path=ppt/slides/slide29.xml><?xml version="1.0" encoding="utf-8"?>
+<p:sld xmlns:a="http://schemas.openxmlformats.org/drawingml/2006/main" xmlns:r="http://schemas.openxmlformats.org/officeDocument/2006/relationships" xmlns:p="http://schemas.openxmlformats.org/presentationml/2006/main">
+  <p:cSld>
+    <p:spTree>
+      <p:nvGrpSpPr>
+        <p:cNvPr id="1" name=""/>
+        <p:cNvGrpSpPr/>
+        <p:nvPr/>
+      </p:nvGrpSpPr>
+      <p:grpSpPr>
+        <a:xfrm>
+          <a:off x="0" y="0"/>
+          <a:ext cx="0" cy="0"/>
+          <a:chOff x="0" y="0"/>
+          <a:chExt cx="0" cy="0"/>
+        </a:xfrm>
+      </p:grpSpPr>
+      <p:grpSp>
+        <p:nvGrpSpPr>
+          <p:cNvPr id="2" name="Group 1"/>
+          <p:cNvGrpSpPr/>
+          <p:nvPr/>
+        </p:nvGrpSpPr>
+        <p:grpSpPr>
+          <a:xfrm>
+            <a:off x="3519378" y="1435894"/>
+            <a:ext cx="5779072" cy="3137727"/>
+            <a:chOff x="3519378" y="1435894"/>
+            <a:chExt cx="5779072" cy="3137727"/>
+          </a:xfrm>
+        </p:grpSpPr>
+        <p:sp>
+          <p:nvSpPr>
+            <p:cNvPr id="4" name="Oval 3"/>
+            <p:cNvSpPr>
+              <a:spLocks noChangeAspect="1"/>
+            </p:cNvSpPr>
+            <p:nvPr/>
+          </p:nvSpPr>
+          <p:spPr>
+            <a:xfrm>
+              <a:off x="4754993" y="1706053"/>
+              <a:ext cx="864000" cy="864000"/>
+            </a:xfrm>
+            <a:prstGeom prst="ellipse">
+              <a:avLst/>
+            </a:prstGeom>
+            <a:noFill/>
+            <a:ln>
+              <a:solidFill>
+                <a:schemeClr val="tx1"/>
+              </a:solidFill>
+            </a:ln>
+          </p:spPr>
+          <p:style>
+            <a:lnRef idx="2">
+              <a:schemeClr val="accent1">
+                <a:shade val="50000"/>
+              </a:schemeClr>
+            </a:lnRef>
+            <a:fillRef idx="1">
+              <a:schemeClr val="accent1"/>
+            </a:fillRef>
+            <a:effectRef idx="0">
+              <a:schemeClr val="accent1"/>
+            </a:effectRef>
+            <a:fontRef idx="minor">
+              <a:schemeClr val="lt1"/>
+            </a:fontRef>
+          </p:style>
+          <p:txBody>
+            <a:bodyPr rtlCol="0" anchor="ctr"/>
+            <a:lstStyle/>
+            <a:p>
+              <a:pPr algn="ctr"/>
+              <a:r>
+                <a:rPr lang="pt-BR" dirty="0" smtClean="0">
+                  <a:solidFill>
+                    <a:schemeClr val="tx1"/>
+                  </a:solidFill>
+                </a:rPr>
+                <a:t>AND</a:t>
+              </a:r>
+              <a:endParaRPr lang="pt-BR" dirty="0">
+                <a:solidFill>
+                  <a:schemeClr val="tx1"/>
+                </a:solidFill>
+              </a:endParaRPr>
+            </a:p>
+          </p:txBody>
+        </p:sp>
+        <p:sp>
+          <p:nvSpPr>
+            <p:cNvPr id="7" name="Oval 6"/>
+            <p:cNvSpPr>
+              <a:spLocks noChangeAspect="1"/>
+            </p:cNvSpPr>
+            <p:nvPr/>
+          </p:nvSpPr>
+          <p:spPr>
+            <a:xfrm>
+              <a:off x="4754993" y="3434053"/>
+              <a:ext cx="864000" cy="864000"/>
+            </a:xfrm>
+            <a:prstGeom prst="ellipse">
+              <a:avLst/>
+            </a:prstGeom>
+            <a:noFill/>
+            <a:ln>
+              <a:solidFill>
+                <a:schemeClr val="tx1"/>
+              </a:solidFill>
+            </a:ln>
+          </p:spPr>
+          <p:style>
+            <a:lnRef idx="2">
+              <a:schemeClr val="accent1">
+                <a:shade val="50000"/>
+              </a:schemeClr>
+            </a:lnRef>
+            <a:fillRef idx="1">
+              <a:schemeClr val="accent1"/>
+            </a:fillRef>
+            <a:effectRef idx="0">
+              <a:schemeClr val="accent1"/>
+            </a:effectRef>
+            <a:fontRef idx="minor">
+              <a:schemeClr val="lt1"/>
+            </a:fontRef>
+          </p:style>
+          <p:txBody>
+            <a:bodyPr rtlCol="0" anchor="ctr"/>
+            <a:lstStyle/>
+            <a:p>
+              <a:pPr algn="ctr"/>
+              <a:r>
+                <a:rPr lang="pt-BR" dirty="0" smtClean="0">
+                  <a:solidFill>
+                    <a:schemeClr val="tx1"/>
+                  </a:solidFill>
+                </a:rPr>
+                <a:t>AND</a:t>
+              </a:r>
+              <a:endParaRPr lang="pt-BR" dirty="0">
+                <a:solidFill>
+                  <a:schemeClr val="tx1"/>
+                </a:solidFill>
+              </a:endParaRPr>
+            </a:p>
+          </p:txBody>
+        </p:sp>
+        <p:sp>
+          <p:nvSpPr>
+            <p:cNvPr id="8" name="Oval 7"/>
+            <p:cNvSpPr>
+              <a:spLocks noChangeAspect="1"/>
+            </p:cNvSpPr>
+            <p:nvPr/>
+          </p:nvSpPr>
+          <p:spPr>
+            <a:xfrm>
+              <a:off x="6246336" y="2570053"/>
+              <a:ext cx="864000" cy="864000"/>
+            </a:xfrm>
+            <a:prstGeom prst="ellipse">
+              <a:avLst/>
+            </a:prstGeom>
+            <a:noFill/>
+            <a:ln>
+              <a:solidFill>
+                <a:schemeClr val="tx1"/>
+              </a:solidFill>
+            </a:ln>
+          </p:spPr>
+          <p:style>
+            <a:lnRef idx="2">
+              <a:schemeClr val="accent1">
+                <a:shade val="50000"/>
+              </a:schemeClr>
+            </a:lnRef>
+            <a:fillRef idx="1">
+              <a:schemeClr val="accent1"/>
+            </a:fillRef>
+            <a:effectRef idx="0">
+              <a:schemeClr val="accent1"/>
+            </a:effectRef>
+            <a:fontRef idx="minor">
+              <a:schemeClr val="lt1"/>
+            </a:fontRef>
+          </p:style>
+          <p:txBody>
+            <a:bodyPr rtlCol="0" anchor="ctr"/>
+            <a:lstStyle/>
+            <a:p>
+              <a:pPr algn="ctr"/>
+              <a:r>
+                <a:rPr lang="pt-BR" dirty="0" smtClean="0">
+                  <a:solidFill>
+                    <a:schemeClr val="tx1"/>
+                  </a:solidFill>
+                </a:rPr>
+                <a:t>OR</a:t>
+              </a:r>
+              <a:endParaRPr lang="pt-BR" dirty="0">
+                <a:solidFill>
+                  <a:schemeClr val="tx1"/>
+                </a:solidFill>
+              </a:endParaRPr>
+            </a:p>
+          </p:txBody>
+        </p:sp>
+        <p:cxnSp>
+          <p:nvCxnSpPr>
+            <p:cNvPr id="10" name="Straight Arrow Connector 9"/>
+            <p:cNvCxnSpPr>
+              <a:stCxn id="4" idx="6"/>
+              <a:endCxn id="8" idx="1"/>
+            </p:cNvCxnSpPr>
+            <p:nvPr/>
+          </p:nvCxnSpPr>
+          <p:spPr>
+            <a:xfrm>
+              <a:off x="5618993" y="2138053"/>
+              <a:ext cx="753873" cy="558530"/>
+            </a:xfrm>
+            <a:prstGeom prst="straightConnector1">
+              <a:avLst/>
+            </a:prstGeom>
+            <a:ln>
+              <a:solidFill>
+                <a:schemeClr val="tx1"/>
+              </a:solidFill>
+              <a:tailEnd type="triangle"/>
+            </a:ln>
+          </p:spPr>
+          <p:style>
+            <a:lnRef idx="1">
+              <a:schemeClr val="accent1"/>
+            </a:lnRef>
+            <a:fillRef idx="0">
+              <a:schemeClr val="accent1"/>
+            </a:fillRef>
+            <a:effectRef idx="0">
+              <a:schemeClr val="accent1"/>
+            </a:effectRef>
+            <a:fontRef idx="minor">
+              <a:schemeClr val="tx1"/>
+            </a:fontRef>
+          </p:style>
+        </p:cxnSp>
+        <p:cxnSp>
+          <p:nvCxnSpPr>
+            <p:cNvPr id="12" name="Straight Arrow Connector 11"/>
+            <p:cNvCxnSpPr>
+              <a:stCxn id="7" idx="6"/>
+              <a:endCxn id="8" idx="3"/>
+            </p:cNvCxnSpPr>
+            <p:nvPr/>
+          </p:nvCxnSpPr>
+          <p:spPr>
+            <a:xfrm flipV="1">
+              <a:off x="5618993" y="3307523"/>
+              <a:ext cx="753873" cy="558530"/>
+            </a:xfrm>
+            <a:prstGeom prst="straightConnector1">
+              <a:avLst/>
+            </a:prstGeom>
+            <a:ln>
+              <a:solidFill>
+                <a:schemeClr val="tx1"/>
+              </a:solidFill>
+              <a:tailEnd type="triangle"/>
+            </a:ln>
+          </p:spPr>
+          <p:style>
+            <a:lnRef idx="1">
+              <a:schemeClr val="accent1"/>
+            </a:lnRef>
+            <a:fillRef idx="0">
+              <a:schemeClr val="accent1"/>
+            </a:fillRef>
+            <a:effectRef idx="0">
+              <a:schemeClr val="accent1"/>
+            </a:effectRef>
+            <a:fontRef idx="minor">
+              <a:schemeClr val="tx1"/>
+            </a:fontRef>
+          </p:style>
+        </p:cxnSp>
+        <p:sp>
+          <p:nvSpPr>
+            <p:cNvPr id="19" name="Rectangle 18"/>
+            <p:cNvSpPr/>
+            <p:nvPr/>
+          </p:nvSpPr>
+          <p:spPr>
+            <a:xfrm>
+              <a:off x="4054171" y="2056410"/>
+              <a:ext cx="146957" cy="163286"/>
+            </a:xfrm>
+            <a:prstGeom prst="rect">
+              <a:avLst/>
+            </a:prstGeom>
+            <a:solidFill>
+              <a:schemeClr val="tx1"/>
+            </a:solidFill>
+            <a:ln>
+              <a:solidFill>
+                <a:schemeClr val="tx1"/>
+              </a:solidFill>
+            </a:ln>
+          </p:spPr>
+          <p:style>
+            <a:lnRef idx="2">
+              <a:schemeClr val="accent1">
+                <a:shade val="50000"/>
+              </a:schemeClr>
+            </a:lnRef>
+            <a:fillRef idx="1">
+              <a:schemeClr val="accent1"/>
+            </a:fillRef>
+            <a:effectRef idx="0">
+              <a:schemeClr val="accent1"/>
+            </a:effectRef>
+            <a:fontRef idx="minor">
+              <a:schemeClr val="lt1"/>
+            </a:fontRef>
+          </p:style>
+          <p:txBody>
+            <a:bodyPr rtlCol="0" anchor="ctr"/>
+            <a:lstStyle/>
+            <a:p>
+              <a:pPr algn="ctr"/>
+              <a:endParaRPr lang="pt-BR"/>
+            </a:p>
+          </p:txBody>
+        </p:sp>
+        <p:sp>
+          <p:nvSpPr>
+            <p:cNvPr id="20" name="Rectangle 19"/>
+            <p:cNvSpPr/>
+            <p:nvPr/>
+          </p:nvSpPr>
+          <p:spPr>
+            <a:xfrm>
+              <a:off x="4054171" y="3784410"/>
+              <a:ext cx="146957" cy="163286"/>
+            </a:xfrm>
+            <a:prstGeom prst="rect">
+              <a:avLst/>
+            </a:prstGeom>
+            <a:solidFill>
+              <a:schemeClr val="tx1"/>
+            </a:solidFill>
+            <a:ln>
+              <a:solidFill>
+                <a:schemeClr val="tx1"/>
+              </a:solidFill>
+            </a:ln>
+          </p:spPr>
+          <p:style>
+            <a:lnRef idx="2">
+              <a:schemeClr val="accent1">
+                <a:shade val="50000"/>
+              </a:schemeClr>
+            </a:lnRef>
+            <a:fillRef idx="1">
+              <a:schemeClr val="accent1"/>
+            </a:fillRef>
+            <a:effectRef idx="0">
+              <a:schemeClr val="accent1"/>
+            </a:effectRef>
+            <a:fontRef idx="minor">
+              <a:schemeClr val="lt1"/>
+            </a:fontRef>
+          </p:style>
+          <p:txBody>
+            <a:bodyPr rtlCol="0" anchor="ctr"/>
+            <a:lstStyle/>
+            <a:p>
+              <a:pPr algn="ctr"/>
+              <a:endParaRPr lang="pt-BR"/>
+            </a:p>
+          </p:txBody>
+        </p:sp>
+        <p:cxnSp>
+          <p:nvCxnSpPr>
+            <p:cNvPr id="21" name="Straight Arrow Connector 20"/>
+            <p:cNvCxnSpPr>
+              <a:stCxn id="19" idx="3"/>
+              <a:endCxn id="4" idx="2"/>
+            </p:cNvCxnSpPr>
+            <p:nvPr/>
+          </p:nvCxnSpPr>
+          <p:spPr>
+            <a:xfrm>
+              <a:off x="4201128" y="2138053"/>
+              <a:ext cx="553865" cy="0"/>
+            </a:xfrm>
+            <a:prstGeom prst="straightConnector1">
+              <a:avLst/>
+            </a:prstGeom>
+            <a:ln>
+              <a:solidFill>
+                <a:schemeClr val="tx1"/>
+              </a:solidFill>
+              <a:tailEnd type="triangle"/>
+            </a:ln>
+          </p:spPr>
+          <p:style>
+            <a:lnRef idx="1">
+              <a:schemeClr val="accent1"/>
+            </a:lnRef>
+            <a:fillRef idx="0">
+              <a:schemeClr val="accent1"/>
+            </a:fillRef>
+            <a:effectRef idx="0">
+              <a:schemeClr val="accent1"/>
+            </a:effectRef>
+            <a:fontRef idx="minor">
+              <a:schemeClr val="tx1"/>
+            </a:fontRef>
+          </p:style>
+        </p:cxnSp>
+        <p:cxnSp>
+          <p:nvCxnSpPr>
+            <p:cNvPr id="25" name="Straight Arrow Connector 24"/>
+            <p:cNvCxnSpPr/>
+            <p:nvPr/>
+          </p:nvCxnSpPr>
+          <p:spPr>
+            <a:xfrm>
+              <a:off x="4201128" y="3866053"/>
+              <a:ext cx="553865" cy="0"/>
+            </a:xfrm>
+            <a:prstGeom prst="straightConnector1">
+              <a:avLst/>
+            </a:prstGeom>
+            <a:ln>
+              <a:solidFill>
+                <a:schemeClr val="tx1"/>
+              </a:solidFill>
+              <a:tailEnd type="triangle"/>
+            </a:ln>
+          </p:spPr>
+          <p:style>
+            <a:lnRef idx="1">
+              <a:schemeClr val="accent1"/>
+            </a:lnRef>
+            <a:fillRef idx="0">
+              <a:schemeClr val="accent1"/>
+            </a:fillRef>
+            <a:effectRef idx="0">
+              <a:schemeClr val="accent1"/>
+            </a:effectRef>
+            <a:fontRef idx="minor">
+              <a:schemeClr val="tx1"/>
+            </a:fontRef>
+          </p:style>
+        </p:cxnSp>
+        <p:cxnSp>
+          <p:nvCxnSpPr>
+            <p:cNvPr id="27" name="Straight Arrow Connector 26"/>
+            <p:cNvCxnSpPr>
+              <a:stCxn id="20" idx="3"/>
+              <a:endCxn id="4" idx="3"/>
+            </p:cNvCxnSpPr>
+            <p:nvPr/>
+          </p:nvCxnSpPr>
+          <p:spPr>
+            <a:xfrm flipV="1">
+              <a:off x="4201128" y="2443523"/>
+              <a:ext cx="680395" cy="1422530"/>
+            </a:xfrm>
+            <a:prstGeom prst="straightConnector1">
+              <a:avLst/>
+            </a:prstGeom>
+            <a:ln>
+              <a:solidFill>
+                <a:schemeClr val="tx1"/>
+              </a:solidFill>
+              <a:tailEnd type="triangle"/>
+            </a:ln>
+          </p:spPr>
+          <p:style>
+            <a:lnRef idx="1">
+              <a:schemeClr val="accent1"/>
+            </a:lnRef>
+            <a:fillRef idx="0">
+              <a:schemeClr val="accent1"/>
+            </a:fillRef>
+            <a:effectRef idx="0">
+              <a:schemeClr val="accent1"/>
+            </a:effectRef>
+            <a:fontRef idx="minor">
+              <a:schemeClr val="tx1"/>
+            </a:fontRef>
+          </p:style>
+        </p:cxnSp>
+        <p:cxnSp>
+          <p:nvCxnSpPr>
+            <p:cNvPr id="31" name="Straight Arrow Connector 30"/>
+            <p:cNvCxnSpPr>
+              <a:stCxn id="19" idx="3"/>
+              <a:endCxn id="7" idx="1"/>
+            </p:cNvCxnSpPr>
+            <p:nvPr/>
+          </p:nvCxnSpPr>
+          <p:spPr>
+            <a:xfrm>
+              <a:off x="4201128" y="2138053"/>
+              <a:ext cx="680395" cy="1422530"/>
+            </a:xfrm>
+            <a:prstGeom prst="straightConnector1">
+              <a:avLst/>
+            </a:prstGeom>
+            <a:ln>
+              <a:solidFill>
+                <a:schemeClr val="tx1"/>
+              </a:solidFill>
+              <a:tailEnd type="triangle"/>
+            </a:ln>
+          </p:spPr>
+          <p:style>
+            <a:lnRef idx="1">
+              <a:schemeClr val="accent1"/>
+            </a:lnRef>
+            <a:fillRef idx="0">
+              <a:schemeClr val="accent1"/>
+            </a:fillRef>
+            <a:effectRef idx="0">
+              <a:schemeClr val="accent1"/>
+            </a:effectRef>
+            <a:fontRef idx="minor">
+              <a:schemeClr val="tx1"/>
+            </a:fontRef>
+          </p:style>
+        </p:cxnSp>
+        <mc:AlternateContent xmlns:mc="http://schemas.openxmlformats.org/markup-compatibility/2006">
+          <mc:Choice xmlns:a14="http://schemas.microsoft.com/office/drawing/2010/main" Requires="a14">
+            <p:sp>
+              <p:nvSpPr>
+                <p:cNvPr id="34" name="TextBox 33"/>
+                <p:cNvSpPr txBox="1"/>
+                <p:nvPr/>
+              </p:nvSpPr>
+              <p:spPr>
+                <a:xfrm>
+                  <a:off x="3519378" y="1953387"/>
+                  <a:ext cx="571500" cy="369332"/>
+                </a:xfrm>
+                <a:prstGeom prst="rect">
+                  <a:avLst/>
+                </a:prstGeom>
+                <a:noFill/>
+              </p:spPr>
+              <p:txBody>
+                <a:bodyPr wrap="square" rtlCol="0">
+                  <a:spAutoFit/>
+                </a:bodyPr>
+                <a:lstStyle/>
+                <a:p>
+                  <a:pPr/>
+                  <a14:m>
+                    <m:oMathPara xmlns:m="http://schemas.openxmlformats.org/officeDocument/2006/math">
+                      <m:oMathParaPr>
+                        <m:jc m:val="centerGroup"/>
+                      </m:oMathParaPr>
+                      <m:oMath xmlns:m="http://schemas.openxmlformats.org/officeDocument/2006/math">
+                        <m:sSub>
+                          <m:sSubPr>
+                            <m:ctrlPr>
+                              <a:rPr lang="pt-BR" i="1" smtClean="0">
+                                <a:latin typeface="Cambria Math" panose="02040503050406030204" pitchFamily="18" charset="0"/>
+                              </a:rPr>
+                            </m:ctrlPr>
+                          </m:sSubPr>
+                          <m:e>
+                            <m:r>
+                              <a:rPr lang="pt-BR" b="0" i="1" smtClean="0">
+                                <a:latin typeface="Cambria Math" panose="02040503050406030204" pitchFamily="18" charset="0"/>
+                              </a:rPr>
+                              <m:t>𝑥</m:t>
+                            </m:r>
+                          </m:e>
+                          <m:sub>
+                            <m:r>
+                              <a:rPr lang="pt-BR" b="0" i="1" smtClean="0">
+                                <a:latin typeface="Cambria Math" panose="02040503050406030204" pitchFamily="18" charset="0"/>
+                              </a:rPr>
+                              <m:t>1</m:t>
+                            </m:r>
+                          </m:sub>
+                        </m:sSub>
+                      </m:oMath>
+                    </m:oMathPara>
+                  </a14:m>
+                  <a:endParaRPr lang="pt-BR" dirty="0"/>
+                </a:p>
+              </p:txBody>
+            </p:sp>
+          </mc:Choice>
+          <mc:Fallback>
+            <p:sp>
+              <p:nvSpPr>
+                <p:cNvPr id="34" name="TextBox 33"/>
+                <p:cNvSpPr txBox="1">
+                  <a:spLocks noRot="1" noChangeAspect="1" noMove="1" noResize="1" noEditPoints="1" noAdjustHandles="1" noChangeArrowheads="1" noChangeShapeType="1" noTextEdit="1"/>
+                </p:cNvSpPr>
+                <p:nvPr/>
+              </p:nvSpPr>
+              <p:spPr>
+                <a:xfrm>
+                  <a:off x="3519378" y="1953387"/>
+                  <a:ext cx="571500" cy="369332"/>
+                </a:xfrm>
+                <a:prstGeom prst="rect">
+                  <a:avLst/>
+                </a:prstGeom>
+                <a:blipFill rotWithShape="0">
+                  <a:blip r:embed="rId2"/>
+                  <a:stretch>
+                    <a:fillRect/>
+                  </a:stretch>
+                </a:blipFill>
+              </p:spPr>
+              <p:txBody>
+                <a:bodyPr/>
+                <a:lstStyle/>
+                <a:p>
+                  <a:r>
+                    <a:rPr lang="pt-BR">
+                      <a:noFill/>
+                    </a:rPr>
+                    <a:t> </a:t>
+                  </a:r>
+                </a:p>
+              </p:txBody>
+            </p:sp>
+          </mc:Fallback>
+        </mc:AlternateContent>
+        <mc:AlternateContent xmlns:mc="http://schemas.openxmlformats.org/markup-compatibility/2006">
+          <mc:Choice xmlns:a14="http://schemas.microsoft.com/office/drawing/2010/main" Requires="a14">
+            <p:sp>
+              <p:nvSpPr>
+                <p:cNvPr id="35" name="TextBox 34"/>
+                <p:cNvSpPr txBox="1"/>
+                <p:nvPr/>
+              </p:nvSpPr>
+              <p:spPr>
+                <a:xfrm>
+                  <a:off x="3519378" y="3681387"/>
+                  <a:ext cx="571500" cy="369332"/>
+                </a:xfrm>
+                <a:prstGeom prst="rect">
+                  <a:avLst/>
+                </a:prstGeom>
+                <a:noFill/>
+              </p:spPr>
+              <p:txBody>
+                <a:bodyPr wrap="square" rtlCol="0">
+                  <a:spAutoFit/>
+                </a:bodyPr>
+                <a:lstStyle/>
+                <a:p>
+                  <a:pPr/>
+                  <a14:m>
+                    <m:oMathPara xmlns:m="http://schemas.openxmlformats.org/officeDocument/2006/math">
+                      <m:oMathParaPr>
+                        <m:jc m:val="centerGroup"/>
+                      </m:oMathParaPr>
+                      <m:oMath xmlns:m="http://schemas.openxmlformats.org/officeDocument/2006/math">
+                        <m:sSub>
+                          <m:sSubPr>
+                            <m:ctrlPr>
+                              <a:rPr lang="pt-BR" i="1" smtClean="0">
+                                <a:latin typeface="Cambria Math" panose="02040503050406030204" pitchFamily="18" charset="0"/>
+                              </a:rPr>
+                            </m:ctrlPr>
+                          </m:sSubPr>
+                          <m:e>
+                            <m:r>
+                              <a:rPr lang="pt-BR" b="0" i="1" smtClean="0">
+                                <a:latin typeface="Cambria Math" panose="02040503050406030204" pitchFamily="18" charset="0"/>
+                              </a:rPr>
+                              <m:t>𝑥</m:t>
+                            </m:r>
+                          </m:e>
+                          <m:sub>
+                            <m:r>
+                              <a:rPr lang="pt-BR" b="0" i="1" smtClean="0">
+                                <a:latin typeface="Cambria Math" panose="02040503050406030204" pitchFamily="18" charset="0"/>
+                              </a:rPr>
+                              <m:t>2</m:t>
+                            </m:r>
+                          </m:sub>
+                        </m:sSub>
+                      </m:oMath>
+                    </m:oMathPara>
+                  </a14:m>
+                  <a:endParaRPr lang="pt-BR" dirty="0"/>
+                </a:p>
+              </p:txBody>
+            </p:sp>
+          </mc:Choice>
+          <mc:Fallback>
+            <p:sp>
+              <p:nvSpPr>
+                <p:cNvPr id="35" name="TextBox 34"/>
+                <p:cNvSpPr txBox="1">
+                  <a:spLocks noRot="1" noChangeAspect="1" noMove="1" noResize="1" noEditPoints="1" noAdjustHandles="1" noChangeArrowheads="1" noChangeShapeType="1" noTextEdit="1"/>
+                </p:cNvSpPr>
+                <p:nvPr/>
+              </p:nvSpPr>
+              <p:spPr>
+                <a:xfrm>
+                  <a:off x="3519378" y="3681387"/>
+                  <a:ext cx="571500" cy="369332"/>
+                </a:xfrm>
+                <a:prstGeom prst="rect">
+                  <a:avLst/>
+                </a:prstGeom>
+                <a:blipFill rotWithShape="0">
+                  <a:blip r:embed="rId3"/>
+                  <a:stretch>
+                    <a:fillRect/>
+                  </a:stretch>
+                </a:blipFill>
+              </p:spPr>
+              <p:txBody>
+                <a:bodyPr/>
+                <a:lstStyle/>
+                <a:p>
+                  <a:r>
+                    <a:rPr lang="pt-BR">
+                      <a:noFill/>
+                    </a:rPr>
+                    <a:t> </a:t>
+                  </a:r>
+                </a:p>
+              </p:txBody>
+            </p:sp>
+          </mc:Fallback>
+        </mc:AlternateContent>
+        <p:sp>
+          <p:nvSpPr>
+            <p:cNvPr id="39" name="TextBox 38"/>
+            <p:cNvSpPr txBox="1"/>
+            <p:nvPr/>
+          </p:nvSpPr>
+          <p:spPr>
+            <a:xfrm>
+              <a:off x="4634543" y="1435894"/>
+              <a:ext cx="1104900" cy="276999"/>
+            </a:xfrm>
+            <a:prstGeom prst="rect">
+              <a:avLst/>
+            </a:prstGeom>
+            <a:noFill/>
+          </p:spPr>
+          <p:txBody>
+            <a:bodyPr wrap="square" rtlCol="0">
+              <a:spAutoFit/>
+            </a:bodyPr>
+            <a:lstStyle/>
+            <a:p>
+              <a:pPr algn="ctr"/>
+              <a:r>
+                <a:rPr lang="pt-BR" sz="1200" dirty="0" smtClean="0"/>
+                <a:t>Perceptron #1</a:t>
+              </a:r>
+              <a:endParaRPr lang="pt-BR" sz="1200" dirty="0"/>
+            </a:p>
+          </p:txBody>
+        </p:sp>
+        <p:sp>
+          <p:nvSpPr>
+            <p:cNvPr id="40" name="TextBox 39"/>
+            <p:cNvSpPr txBox="1"/>
+            <p:nvPr/>
+          </p:nvSpPr>
+          <p:spPr>
+            <a:xfrm>
+              <a:off x="4634543" y="4296622"/>
+              <a:ext cx="1104900" cy="276999"/>
+            </a:xfrm>
+            <a:prstGeom prst="rect">
+              <a:avLst/>
+            </a:prstGeom>
+            <a:noFill/>
+          </p:spPr>
+          <p:txBody>
+            <a:bodyPr wrap="square" rtlCol="0">
+              <a:spAutoFit/>
+            </a:bodyPr>
+            <a:lstStyle/>
+            <a:p>
+              <a:pPr algn="ctr"/>
+              <a:r>
+                <a:rPr lang="pt-BR" sz="1200" dirty="0" smtClean="0"/>
+                <a:t>Perceptron #2</a:t>
+              </a:r>
+              <a:endParaRPr lang="pt-BR" sz="1200" dirty="0"/>
+            </a:p>
+          </p:txBody>
+        </p:sp>
+        <p:sp>
+          <p:nvSpPr>
+            <p:cNvPr id="41" name="TextBox 40"/>
+            <p:cNvSpPr txBox="1"/>
+            <p:nvPr/>
+          </p:nvSpPr>
+          <p:spPr>
+            <a:xfrm>
+              <a:off x="6125886" y="2294154"/>
+              <a:ext cx="1104900" cy="276999"/>
+            </a:xfrm>
+            <a:prstGeom prst="rect">
+              <a:avLst/>
+            </a:prstGeom>
+            <a:noFill/>
+          </p:spPr>
+          <p:txBody>
+            <a:bodyPr wrap="square" rtlCol="0">
+              <a:spAutoFit/>
+            </a:bodyPr>
+            <a:lstStyle/>
+            <a:p>
+              <a:pPr algn="ctr"/>
+              <a:r>
+                <a:rPr lang="pt-BR" sz="1200" dirty="0" smtClean="0"/>
+                <a:t>Perceptron #3</a:t>
+              </a:r>
+              <a:endParaRPr lang="pt-BR" sz="1200" dirty="0"/>
+            </a:p>
+          </p:txBody>
+        </p:sp>
+        <p:cxnSp>
+          <p:nvCxnSpPr>
+            <p:cNvPr id="43" name="Straight Arrow Connector 42"/>
+            <p:cNvCxnSpPr>
+              <a:stCxn id="8" idx="6"/>
+            </p:cNvCxnSpPr>
+            <p:nvPr/>
+          </p:nvCxnSpPr>
+          <p:spPr>
+            <a:xfrm>
+              <a:off x="7110336" y="3002053"/>
+              <a:ext cx="611264" cy="0"/>
+            </a:xfrm>
+            <a:prstGeom prst="straightConnector1">
+              <a:avLst/>
+            </a:prstGeom>
+            <a:ln>
+              <a:solidFill>
+                <a:schemeClr val="tx1"/>
+              </a:solidFill>
+              <a:tailEnd type="triangle"/>
+            </a:ln>
+          </p:spPr>
+          <p:style>
+            <a:lnRef idx="1">
+              <a:schemeClr val="accent1"/>
+            </a:lnRef>
+            <a:fillRef idx="0">
+              <a:schemeClr val="accent1"/>
+            </a:fillRef>
+            <a:effectRef idx="0">
+              <a:schemeClr val="accent1"/>
+            </a:effectRef>
+            <a:fontRef idx="minor">
+              <a:schemeClr val="tx1"/>
+            </a:fontRef>
+          </p:style>
+        </p:cxnSp>
         <mc:AlternateContent xmlns:mc="http://schemas.openxmlformats.org/markup-compatibility/2006">
           <mc:Choice xmlns:a14="http://schemas.microsoft.com/office/drawing/2010/main" Requires="a14">
             <p:sp>
@@ -41293,6 +42992,7 @@
                 </a:bodyPr>
                 <a:lstStyle/>
                 <a:p>
+                  <a:pPr/>
                   <a14:m>
                     <m:oMathPara xmlns:m="http://schemas.openxmlformats.org/officeDocument/2006/math">
                       <m:oMathParaPr>
@@ -41435,7 +43135,7 @@
                   <a:avLst/>
                 </a:prstGeom>
                 <a:blipFill rotWithShape="0">
-                  <a:blip r:embed="rId5"/>
+                  <a:blip r:embed="rId4"/>
                   <a:stretch>
                     <a:fillRect b="-10909"/>
                   </a:stretch>
@@ -41466,7 +43166,7 @@
               </p:nvSpPr>
               <p:spPr>
                 <a:xfrm>
-                  <a:off x="5669905" y="3644677"/>
+                  <a:off x="5669905" y="3673252"/>
                   <a:ext cx="1649426" cy="338554"/>
                 </a:xfrm>
                 <a:prstGeom prst="rect">
@@ -41479,6 +43179,7 @@
                 </a:bodyPr>
                 <a:lstStyle/>
                 <a:p>
+                  <a:pPr/>
                   <a14:m>
                     <m:oMathPara xmlns:m="http://schemas.openxmlformats.org/officeDocument/2006/math">
                       <m:oMathParaPr>
@@ -41615,14 +43316,14 @@
               </p:nvSpPr>
               <p:spPr>
                 <a:xfrm>
-                  <a:off x="5669905" y="3644677"/>
+                  <a:off x="5669905" y="3673252"/>
                   <a:ext cx="1649426" cy="338554"/>
                 </a:xfrm>
                 <a:prstGeom prst="rect">
                   <a:avLst/>
                 </a:prstGeom>
                 <a:blipFill rotWithShape="0">
-                  <a:blip r:embed="rId6"/>
+                  <a:blip r:embed="rId5"/>
                   <a:stretch>
                     <a:fillRect b="-10909"/>
                   </a:stretch>
@@ -41704,6 +43405,7 @@
                 </a:bodyPr>
                 <a:lstStyle/>
                 <a:p>
+                  <a:pPr/>
                   <a14:m>
                     <m:oMathPara xmlns:m="http://schemas.openxmlformats.org/officeDocument/2006/math">
                       <m:oMathParaPr>
@@ -41767,7 +43469,7 @@
                   <a:avLst/>
                 </a:prstGeom>
                 <a:blipFill rotWithShape="0">
-                  <a:blip r:embed="rId7"/>
+                  <a:blip r:embed="rId6"/>
                   <a:stretch>
                     <a:fillRect/>
                   </a:stretch>
@@ -41847,6 +43549,7 @@
                 </a:bodyPr>
                 <a:lstStyle/>
                 <a:p>
+                  <a:pPr/>
                   <a14:m>
                     <m:oMathPara xmlns:m="http://schemas.openxmlformats.org/officeDocument/2006/math">
                       <m:oMathParaPr>
@@ -41910,7 +43613,7 @@
                   <a:avLst/>
                 </a:prstGeom>
                 <a:blipFill rotWithShape="0">
-                  <a:blip r:embed="rId7"/>
+                  <a:blip r:embed="rId6"/>
                   <a:stretch>
                     <a:fillRect/>
                   </a:stretch>
@@ -41990,6 +43693,7 @@
                 </a:bodyPr>
                 <a:lstStyle/>
                 <a:p>
+                  <a:pPr/>
                   <a14:m>
                     <m:oMathPara xmlns:m="http://schemas.openxmlformats.org/officeDocument/2006/math">
                       <m:oMathParaPr>
@@ -42053,9 +43757,385 @@
                   <a:avLst/>
                 </a:prstGeom>
                 <a:blipFill rotWithShape="0">
+                  <a:blip r:embed="rId7"/>
+                  <a:stretch>
+                    <a:fillRect/>
+                  </a:stretch>
+                </a:blipFill>
+              </p:spPr>
+              <p:txBody>
+                <a:bodyPr/>
+                <a:lstStyle/>
+                <a:p>
+                  <a:r>
+                    <a:rPr lang="pt-BR">
+                      <a:noFill/>
+                    </a:rPr>
+                    <a:t> </a:t>
+                  </a:r>
+                </a:p>
+              </p:txBody>
+            </p:sp>
+          </mc:Fallback>
+        </mc:AlternateContent>
+        <mc:AlternateContent xmlns:mc="http://schemas.openxmlformats.org/markup-compatibility/2006">
+          <mc:Choice xmlns:a14="http://schemas.microsoft.com/office/drawing/2010/main" Requires="a14">
+            <p:sp>
+              <p:nvSpPr>
+                <p:cNvPr id="29" name="TextBox 28"/>
+                <p:cNvSpPr txBox="1"/>
+                <p:nvPr/>
+              </p:nvSpPr>
+              <p:spPr>
+                <a:xfrm>
+                  <a:off x="6286486" y="3018350"/>
+                  <a:ext cx="3011964" cy="584775"/>
+                </a:xfrm>
+                <a:prstGeom prst="rect">
+                  <a:avLst/>
+                </a:prstGeom>
+                <a:noFill/>
+              </p:spPr>
+              <p:txBody>
+                <a:bodyPr wrap="square" rtlCol="0">
+                  <a:spAutoFit/>
+                </a:bodyPr>
+                <a:lstStyle/>
+                <a:p>
+                  <a:pPr/>
+                  <a14:m>
+                    <m:oMathPara xmlns:m="http://schemas.openxmlformats.org/officeDocument/2006/math">
+                      <m:oMathParaPr>
+                        <m:jc m:val="centerGroup"/>
+                      </m:oMathParaPr>
+                      <m:oMath xmlns:m="http://schemas.openxmlformats.org/officeDocument/2006/math">
+                        <m:sSub>
+                          <m:sSubPr>
+                            <m:ctrlPr>
+                              <a:rPr lang="pt-BR" sz="1600" b="0" i="1" smtClean="0">
+                                <a:latin typeface="Cambria Math" panose="02040503050406030204" pitchFamily="18" charset="0"/>
+                              </a:rPr>
+                            </m:ctrlPr>
+                          </m:sSubPr>
+                          <m:e>
+                            <m:r>
+                              <a:rPr lang="pt-BR" sz="1600" b="0" i="1" smtClean="0">
+                                <a:latin typeface="Cambria Math" panose="02040503050406030204" pitchFamily="18" charset="0"/>
+                              </a:rPr>
+                              <m:t>𝑦</m:t>
+                            </m:r>
+                          </m:e>
+                          <m:sub>
+                            <m:r>
+                              <a:rPr lang="pt-BR" sz="1600" b="0" i="1" smtClean="0">
+                                <a:latin typeface="Cambria Math" panose="02040503050406030204" pitchFamily="18" charset="0"/>
+                              </a:rPr>
+                              <m:t>3</m:t>
+                            </m:r>
+                          </m:sub>
+                        </m:sSub>
+                        <m:r>
+                          <a:rPr lang="pt-BR" sz="1600" b="0" i="1" smtClean="0">
+                            <a:latin typeface="Cambria Math" panose="02040503050406030204" pitchFamily="18" charset="0"/>
+                          </a:rPr>
+                          <m:t>=</m:t>
+                        </m:r>
+                        <m:sSub>
+                          <m:sSubPr>
+                            <m:ctrlPr>
+                              <a:rPr lang="pt-BR" sz="1600" b="0" i="1" smtClean="0">
+                                <a:latin typeface="Cambria Math" panose="02040503050406030204" pitchFamily="18" charset="0"/>
+                              </a:rPr>
+                            </m:ctrlPr>
+                          </m:sSubPr>
+                          <m:e>
+                            <m:r>
+                              <a:rPr lang="pt-BR" sz="1600" b="0" i="1" smtClean="0">
+                                <a:latin typeface="Cambria Math" panose="02040503050406030204" pitchFamily="18" charset="0"/>
+                              </a:rPr>
+                              <m:t>𝑦</m:t>
+                            </m:r>
+                          </m:e>
+                          <m:sub>
+                            <m:r>
+                              <a:rPr lang="pt-BR" sz="1600" b="0" i="1" smtClean="0">
+                                <a:latin typeface="Cambria Math" panose="02040503050406030204" pitchFamily="18" charset="0"/>
+                              </a:rPr>
+                              <m:t>1</m:t>
+                            </m:r>
+                          </m:sub>
+                        </m:sSub>
+                        <m:r>
+                          <a:rPr lang="pt-BR" sz="1600" b="0" i="1" smtClean="0">
+                            <a:latin typeface="Cambria Math" panose="02040503050406030204" pitchFamily="18" charset="0"/>
+                          </a:rPr>
+                          <m:t> | </m:t>
+                        </m:r>
+                        <m:sSub>
+                          <m:sSubPr>
+                            <m:ctrlPr>
+                              <a:rPr lang="pt-BR" sz="1600" i="1">
+                                <a:latin typeface="Cambria Math" panose="02040503050406030204" pitchFamily="18" charset="0"/>
+                              </a:rPr>
+                            </m:ctrlPr>
+                          </m:sSubPr>
+                          <m:e>
+                            <m:r>
+                              <a:rPr lang="pt-BR" sz="1600" i="1">
+                                <a:latin typeface="Cambria Math" panose="02040503050406030204" pitchFamily="18" charset="0"/>
+                              </a:rPr>
+                              <m:t>𝑦</m:t>
+                            </m:r>
+                          </m:e>
+                          <m:sub>
+                            <m:r>
+                              <a:rPr lang="pt-BR" sz="1600" b="0" i="1" smtClean="0">
+                                <a:latin typeface="Cambria Math" panose="02040503050406030204" pitchFamily="18" charset="0"/>
+                              </a:rPr>
+                              <m:t>2</m:t>
+                            </m:r>
+                          </m:sub>
+                        </m:sSub>
+                      </m:oMath>
+                    </m:oMathPara>
+                  </a14:m>
+                  <a:endParaRPr lang="pt-BR" sz="1600" b="0" i="1" dirty="0" smtClean="0">
+                    <a:latin typeface="Cambria Math" panose="02040503050406030204" pitchFamily="18" charset="0"/>
+                  </a:endParaRPr>
+                </a:p>
+                <a:p>
+                  <a:pPr/>
+                  <a14:m>
+                    <m:oMathPara xmlns:m="http://schemas.openxmlformats.org/officeDocument/2006/math">
+                      <m:oMathParaPr>
+                        <m:jc m:val="centerGroup"/>
+                      </m:oMathParaPr>
+                      <m:oMath xmlns:m="http://schemas.openxmlformats.org/officeDocument/2006/math">
+                        <m:sSub>
+                          <m:sSubPr>
+                            <m:ctrlPr>
+                              <a:rPr lang="pt-BR" sz="1600" b="0" i="1" smtClean="0">
+                                <a:latin typeface="Cambria Math" panose="02040503050406030204" pitchFamily="18" charset="0"/>
+                              </a:rPr>
+                            </m:ctrlPr>
+                          </m:sSubPr>
+                          <m:e>
+                            <m:r>
+                              <a:rPr lang="pt-BR" sz="1600" b="0" i="1" smtClean="0">
+                                <a:latin typeface="Cambria Math" panose="02040503050406030204" pitchFamily="18" charset="0"/>
+                              </a:rPr>
+                              <m:t>                          =</m:t>
+                            </m:r>
+                            <m:r>
+                              <a:rPr lang="pt-BR" sz="1600" b="0" i="1" smtClean="0">
+                                <a:latin typeface="Cambria Math" panose="02040503050406030204" pitchFamily="18" charset="0"/>
+                              </a:rPr>
+                              <m:t>(</m:t>
+                            </m:r>
+                            <m:r>
+                              <a:rPr lang="pt-BR" sz="1600" b="0" i="1" smtClean="0">
+                                <a:latin typeface="Cambria Math" panose="02040503050406030204" pitchFamily="18" charset="0"/>
+                              </a:rPr>
+                              <m:t>𝑥</m:t>
+                            </m:r>
+                          </m:e>
+                          <m:sub>
+                            <m:r>
+                              <a:rPr lang="pt-BR" sz="1600" b="0" i="1" smtClean="0">
+                                <a:latin typeface="Cambria Math" panose="02040503050406030204" pitchFamily="18" charset="0"/>
+                              </a:rPr>
+                              <m:t>1</m:t>
+                            </m:r>
+                          </m:sub>
+                        </m:sSub>
+                        <m:r>
+                          <a:rPr lang="pt-BR" sz="1600" b="0" i="1" smtClean="0">
+                            <a:latin typeface="Cambria Math" panose="02040503050406030204" pitchFamily="18" charset="0"/>
+                          </a:rPr>
+                          <m:t> </m:t>
+                        </m:r>
+                        <m:r>
+                          <a:rPr lang="pt-BR" sz="1600" b="0" i="1" smtClean="0">
+                            <a:latin typeface="Cambria Math" panose="02040503050406030204" pitchFamily="18" charset="0"/>
+                          </a:rPr>
+                          <m:t>&amp;</m:t>
+                        </m:r>
+                        <m:r>
+                          <a:rPr lang="pt-BR" sz="1600" b="0" i="1" smtClean="0">
+                            <a:latin typeface="Cambria Math" panose="02040503050406030204" pitchFamily="18" charset="0"/>
+                          </a:rPr>
+                          <m:t> </m:t>
+                        </m:r>
+                        <m:r>
+                          <a:rPr lang="pt-BR" sz="1600" b="0" i="1" smtClean="0">
+                            <a:latin typeface="Cambria Math" panose="02040503050406030204" pitchFamily="18" charset="0"/>
+                            <a:ea typeface="Cambria Math" panose="02040503050406030204" pitchFamily="18" charset="0"/>
+                          </a:rPr>
+                          <m:t>~</m:t>
+                        </m:r>
+                        <m:sSub>
+                          <m:sSubPr>
+                            <m:ctrlPr>
+                              <a:rPr lang="pt-BR" sz="1600" b="0" i="1" smtClean="0">
+                                <a:latin typeface="Cambria Math" panose="02040503050406030204" pitchFamily="18" charset="0"/>
+                                <a:ea typeface="Cambria Math" panose="02040503050406030204" pitchFamily="18" charset="0"/>
+                              </a:rPr>
+                            </m:ctrlPr>
+                          </m:sSubPr>
+                          <m:e>
+                            <m:r>
+                              <a:rPr lang="pt-BR" sz="1600" b="0" i="1" smtClean="0">
+                                <a:latin typeface="Cambria Math" panose="02040503050406030204" pitchFamily="18" charset="0"/>
+                                <a:ea typeface="Cambria Math" panose="02040503050406030204" pitchFamily="18" charset="0"/>
+                              </a:rPr>
+                              <m:t>𝑥</m:t>
+                            </m:r>
+                          </m:e>
+                          <m:sub>
+                            <m:r>
+                              <a:rPr lang="pt-BR" sz="1600" b="0" i="1" smtClean="0">
+                                <a:latin typeface="Cambria Math" panose="02040503050406030204" pitchFamily="18" charset="0"/>
+                                <a:ea typeface="Cambria Math" panose="02040503050406030204" pitchFamily="18" charset="0"/>
+                              </a:rPr>
+                              <m:t>2</m:t>
+                            </m:r>
+                          </m:sub>
+                        </m:sSub>
+                        <m:r>
+                          <a:rPr lang="pt-BR" sz="1600" b="0" i="1" smtClean="0">
+                            <a:latin typeface="Cambria Math" panose="02040503050406030204" pitchFamily="18" charset="0"/>
+                            <a:ea typeface="Cambria Math" panose="02040503050406030204" pitchFamily="18" charset="0"/>
+                          </a:rPr>
+                          <m:t>) </m:t>
+                        </m:r>
+                        <m:r>
+                          <a:rPr lang="pt-BR" sz="1600" b="0" i="1" smtClean="0">
+                            <a:latin typeface="Cambria Math" panose="02040503050406030204" pitchFamily="18" charset="0"/>
+                            <a:ea typeface="Cambria Math" panose="02040503050406030204" pitchFamily="18" charset="0"/>
+                          </a:rPr>
+                          <m:t>|</m:t>
+                        </m:r>
+                        <m:r>
+                          <a:rPr lang="pt-BR" sz="1600" b="0" i="1" smtClean="0">
+                            <a:latin typeface="Cambria Math" panose="02040503050406030204" pitchFamily="18" charset="0"/>
+                            <a:ea typeface="Cambria Math" panose="02040503050406030204" pitchFamily="18" charset="0"/>
+                          </a:rPr>
+                          <m:t> (</m:t>
+                        </m:r>
+                        <m:sSub>
+                          <m:sSubPr>
+                            <m:ctrlPr>
+                              <a:rPr lang="pt-BR" sz="1600" i="1">
+                                <a:latin typeface="Cambria Math" panose="02040503050406030204" pitchFamily="18" charset="0"/>
+                              </a:rPr>
+                            </m:ctrlPr>
+                          </m:sSubPr>
+                          <m:e>
+                            <m:r>
+                              <a:rPr lang="pt-BR" sz="1600" i="1">
+                                <a:latin typeface="Cambria Math" panose="02040503050406030204" pitchFamily="18" charset="0"/>
+                                <a:ea typeface="Cambria Math" panose="02040503050406030204" pitchFamily="18" charset="0"/>
+                              </a:rPr>
+                              <m:t>~</m:t>
+                            </m:r>
+                            <m:r>
+                              <a:rPr lang="pt-BR" sz="1600" i="1">
+                                <a:latin typeface="Cambria Math" panose="02040503050406030204" pitchFamily="18" charset="0"/>
+                              </a:rPr>
+                              <m:t>𝑥</m:t>
+                            </m:r>
+                          </m:e>
+                          <m:sub>
+                            <m:r>
+                              <a:rPr lang="pt-BR" sz="1600" i="1">
+                                <a:latin typeface="Cambria Math" panose="02040503050406030204" pitchFamily="18" charset="0"/>
+                              </a:rPr>
+                              <m:t>1</m:t>
+                            </m:r>
+                          </m:sub>
+                        </m:sSub>
+                        <m:r>
+                          <a:rPr lang="pt-BR" sz="1600" i="1">
+                            <a:latin typeface="Cambria Math" panose="02040503050406030204" pitchFamily="18" charset="0"/>
+                          </a:rPr>
+                          <m:t> </m:t>
+                        </m:r>
+                        <m:r>
+                          <a:rPr lang="pt-BR" sz="1600" b="0" i="1" smtClean="0">
+                            <a:latin typeface="Cambria Math" panose="02040503050406030204" pitchFamily="18" charset="0"/>
+                          </a:rPr>
+                          <m:t>&amp;</m:t>
+                        </m:r>
+                        <m:r>
+                          <a:rPr lang="pt-BR" sz="1600" i="1">
+                            <a:latin typeface="Cambria Math" panose="02040503050406030204" pitchFamily="18" charset="0"/>
+                          </a:rPr>
+                          <m:t> </m:t>
+                        </m:r>
+                        <m:sSub>
+                          <m:sSubPr>
+                            <m:ctrlPr>
+                              <a:rPr lang="pt-BR" sz="1600" i="1">
+                                <a:latin typeface="Cambria Math" panose="02040503050406030204" pitchFamily="18" charset="0"/>
+                                <a:ea typeface="Cambria Math" panose="02040503050406030204" pitchFamily="18" charset="0"/>
+                              </a:rPr>
+                            </m:ctrlPr>
+                          </m:sSubPr>
+                          <m:e>
+                            <m:r>
+                              <a:rPr lang="pt-BR" sz="1600" i="1">
+                                <a:latin typeface="Cambria Math" panose="02040503050406030204" pitchFamily="18" charset="0"/>
+                                <a:ea typeface="Cambria Math" panose="02040503050406030204" pitchFamily="18" charset="0"/>
+                              </a:rPr>
+                              <m:t>𝑥</m:t>
+                            </m:r>
+                          </m:e>
+                          <m:sub>
+                            <m:r>
+                              <a:rPr lang="pt-BR" sz="1600" i="1">
+                                <a:latin typeface="Cambria Math" panose="02040503050406030204" pitchFamily="18" charset="0"/>
+                                <a:ea typeface="Cambria Math" panose="02040503050406030204" pitchFamily="18" charset="0"/>
+                              </a:rPr>
+                              <m:t>2</m:t>
+                            </m:r>
+                          </m:sub>
+                        </m:sSub>
+                        <m:r>
+                          <a:rPr lang="pt-BR" sz="1600" b="0" i="1" smtClean="0">
+                            <a:latin typeface="Cambria Math" panose="02040503050406030204" pitchFamily="18" charset="0"/>
+                            <a:ea typeface="Cambria Math" panose="02040503050406030204" pitchFamily="18" charset="0"/>
+                          </a:rPr>
+                          <m:t>)</m:t>
+                        </m:r>
+                      </m:oMath>
+                    </m:oMathPara>
+                  </a14:m>
+                  <a:endParaRPr lang="pt-BR" sz="1600" dirty="0"/>
+                </a:p>
+              </p:txBody>
+            </p:sp>
+          </mc:Choice>
+          <mc:Fallback>
+            <p:sp>
+              <p:nvSpPr>
+                <p:cNvPr id="29" name="TextBox 28"/>
+                <p:cNvSpPr txBox="1">
+                  <a:spLocks noRot="1" noChangeAspect="1" noMove="1" noResize="1" noEditPoints="1" noAdjustHandles="1" noChangeArrowheads="1" noChangeShapeType="1" noTextEdit="1"/>
+                </p:cNvSpPr>
+                <p:nvPr/>
+              </p:nvSpPr>
+              <p:spPr>
+                <a:xfrm>
+                  <a:off x="6286486" y="3018350"/>
+                  <a:ext cx="3011964" cy="584775"/>
+                </a:xfrm>
+                <a:prstGeom prst="rect">
+                  <a:avLst/>
+                </a:prstGeom>
+                <a:blipFill rotWithShape="0">
                   <a:blip r:embed="rId8"/>
                   <a:stretch>
-                    <a:fillRect/>
+                    <a:fillRect r="-19028" b="-5208"/>
                   </a:stretch>
                 </a:blipFill>
               </p:spPr>
@@ -42078,7 +44158,7 @@
     </p:spTree>
     <p:extLst>
       <p:ext uri="{BB962C8B-B14F-4D97-AF65-F5344CB8AC3E}">
-        <p14:creationId xmlns:p14="http://schemas.microsoft.com/office/powerpoint/2010/main" val="4136219521"/>
+        <p14:creationId xmlns:p14="http://schemas.microsoft.com/office/powerpoint/2010/main" val="472677518"/>
       </p:ext>
     </p:extLst>
   </p:cSld>
@@ -42577,6 +44657,2104 @@
     <p:extLst>
       <p:ext uri="{BB962C8B-B14F-4D97-AF65-F5344CB8AC3E}">
         <p14:creationId xmlns:p14="http://schemas.microsoft.com/office/powerpoint/2010/main" val="3341368700"/>
+      </p:ext>
+    </p:extLst>
+  </p:cSld>
+  <p:clrMapOvr>
+    <a:masterClrMapping/>
+  </p:clrMapOvr>
+</p:sld>
+</file>
+
+<file path=ppt/slides/slide30.xml><?xml version="1.0" encoding="utf-8"?>
+<p:sld xmlns:a="http://schemas.openxmlformats.org/drawingml/2006/main" xmlns:r="http://schemas.openxmlformats.org/officeDocument/2006/relationships" xmlns:p="http://schemas.openxmlformats.org/presentationml/2006/main">
+  <p:cSld>
+    <p:spTree>
+      <p:nvGrpSpPr>
+        <p:cNvPr id="1" name=""/>
+        <p:cNvGrpSpPr/>
+        <p:nvPr/>
+      </p:nvGrpSpPr>
+      <p:grpSpPr>
+        <a:xfrm>
+          <a:off x="0" y="0"/>
+          <a:ext cx="0" cy="0"/>
+          <a:chOff x="0" y="0"/>
+          <a:chExt cx="0" cy="0"/>
+        </a:xfrm>
+      </p:grpSpPr>
+      <p:grpSp>
+        <p:nvGrpSpPr>
+          <p:cNvPr id="59" name="Group 58"/>
+          <p:cNvGrpSpPr/>
+          <p:nvPr/>
+        </p:nvGrpSpPr>
+        <p:grpSpPr>
+          <a:xfrm>
+            <a:off x="3519378" y="1435894"/>
+            <a:ext cx="5779072" cy="3137727"/>
+            <a:chOff x="3519378" y="1435894"/>
+            <a:chExt cx="5779072" cy="3137727"/>
+          </a:xfrm>
+        </p:grpSpPr>
+        <p:sp>
+          <p:nvSpPr>
+            <p:cNvPr id="4" name="Oval 3"/>
+            <p:cNvSpPr>
+              <a:spLocks noChangeAspect="1"/>
+            </p:cNvSpPr>
+            <p:nvPr/>
+          </p:nvSpPr>
+          <p:spPr>
+            <a:xfrm>
+              <a:off x="4754993" y="1706053"/>
+              <a:ext cx="864000" cy="864000"/>
+            </a:xfrm>
+            <a:prstGeom prst="ellipse">
+              <a:avLst/>
+            </a:prstGeom>
+            <a:noFill/>
+            <a:ln>
+              <a:solidFill>
+                <a:schemeClr val="tx1"/>
+              </a:solidFill>
+            </a:ln>
+          </p:spPr>
+          <p:style>
+            <a:lnRef idx="2">
+              <a:schemeClr val="accent1">
+                <a:shade val="50000"/>
+              </a:schemeClr>
+            </a:lnRef>
+            <a:fillRef idx="1">
+              <a:schemeClr val="accent1"/>
+            </a:fillRef>
+            <a:effectRef idx="0">
+              <a:schemeClr val="accent1"/>
+            </a:effectRef>
+            <a:fontRef idx="minor">
+              <a:schemeClr val="lt1"/>
+            </a:fontRef>
+          </p:style>
+          <p:txBody>
+            <a:bodyPr rtlCol="0" anchor="ctr"/>
+            <a:lstStyle/>
+            <a:p>
+              <a:pPr algn="ctr"/>
+              <a:r>
+                <a:rPr lang="pt-BR" dirty="0" smtClean="0">
+                  <a:solidFill>
+                    <a:schemeClr val="tx1"/>
+                  </a:solidFill>
+                </a:rPr>
+                <a:t>OR</a:t>
+              </a:r>
+              <a:endParaRPr lang="pt-BR" dirty="0">
+                <a:solidFill>
+                  <a:schemeClr val="tx1"/>
+                </a:solidFill>
+              </a:endParaRPr>
+            </a:p>
+          </p:txBody>
+        </p:sp>
+        <p:sp>
+          <p:nvSpPr>
+            <p:cNvPr id="7" name="Oval 6"/>
+            <p:cNvSpPr>
+              <a:spLocks noChangeAspect="1"/>
+            </p:cNvSpPr>
+            <p:nvPr/>
+          </p:nvSpPr>
+          <p:spPr>
+            <a:xfrm>
+              <a:off x="4754993" y="3434053"/>
+              <a:ext cx="864000" cy="864000"/>
+            </a:xfrm>
+            <a:prstGeom prst="ellipse">
+              <a:avLst/>
+            </a:prstGeom>
+            <a:noFill/>
+            <a:ln>
+              <a:solidFill>
+                <a:schemeClr val="tx1"/>
+              </a:solidFill>
+            </a:ln>
+          </p:spPr>
+          <p:style>
+            <a:lnRef idx="2">
+              <a:schemeClr val="accent1">
+                <a:shade val="50000"/>
+              </a:schemeClr>
+            </a:lnRef>
+            <a:fillRef idx="1">
+              <a:schemeClr val="accent1"/>
+            </a:fillRef>
+            <a:effectRef idx="0">
+              <a:schemeClr val="accent1"/>
+            </a:effectRef>
+            <a:fontRef idx="minor">
+              <a:schemeClr val="lt1"/>
+            </a:fontRef>
+          </p:style>
+          <p:txBody>
+            <a:bodyPr rtlCol="0" anchor="ctr"/>
+            <a:lstStyle/>
+            <a:p>
+              <a:pPr algn="ctr"/>
+              <a:r>
+                <a:rPr lang="pt-BR" dirty="0" smtClean="0">
+                  <a:solidFill>
+                    <a:schemeClr val="tx1"/>
+                  </a:solidFill>
+                </a:rPr>
+                <a:t>OR</a:t>
+              </a:r>
+              <a:endParaRPr lang="pt-BR" dirty="0">
+                <a:solidFill>
+                  <a:schemeClr val="tx1"/>
+                </a:solidFill>
+              </a:endParaRPr>
+            </a:p>
+          </p:txBody>
+        </p:sp>
+        <p:sp>
+          <p:nvSpPr>
+            <p:cNvPr id="8" name="Oval 7"/>
+            <p:cNvSpPr>
+              <a:spLocks noChangeAspect="1"/>
+            </p:cNvSpPr>
+            <p:nvPr/>
+          </p:nvSpPr>
+          <p:spPr>
+            <a:xfrm>
+              <a:off x="6246336" y="2570053"/>
+              <a:ext cx="864000" cy="864000"/>
+            </a:xfrm>
+            <a:prstGeom prst="ellipse">
+              <a:avLst/>
+            </a:prstGeom>
+            <a:noFill/>
+            <a:ln>
+              <a:solidFill>
+                <a:schemeClr val="tx1"/>
+              </a:solidFill>
+            </a:ln>
+          </p:spPr>
+          <p:style>
+            <a:lnRef idx="2">
+              <a:schemeClr val="accent1">
+                <a:shade val="50000"/>
+              </a:schemeClr>
+            </a:lnRef>
+            <a:fillRef idx="1">
+              <a:schemeClr val="accent1"/>
+            </a:fillRef>
+            <a:effectRef idx="0">
+              <a:schemeClr val="accent1"/>
+            </a:effectRef>
+            <a:fontRef idx="minor">
+              <a:schemeClr val="lt1"/>
+            </a:fontRef>
+          </p:style>
+          <p:txBody>
+            <a:bodyPr rtlCol="0" anchor="ctr"/>
+            <a:lstStyle/>
+            <a:p>
+              <a:pPr algn="ctr"/>
+              <a:r>
+                <a:rPr lang="pt-BR" dirty="0" smtClean="0">
+                  <a:solidFill>
+                    <a:schemeClr val="tx1"/>
+                  </a:solidFill>
+                </a:rPr>
+                <a:t>AND</a:t>
+              </a:r>
+              <a:endParaRPr lang="pt-BR" dirty="0">
+                <a:solidFill>
+                  <a:schemeClr val="tx1"/>
+                </a:solidFill>
+              </a:endParaRPr>
+            </a:p>
+          </p:txBody>
+        </p:sp>
+        <p:cxnSp>
+          <p:nvCxnSpPr>
+            <p:cNvPr id="10" name="Straight Arrow Connector 9"/>
+            <p:cNvCxnSpPr>
+              <a:stCxn id="4" idx="6"/>
+              <a:endCxn id="8" idx="1"/>
+            </p:cNvCxnSpPr>
+            <p:nvPr/>
+          </p:nvCxnSpPr>
+          <p:spPr>
+            <a:xfrm>
+              <a:off x="5618993" y="2138053"/>
+              <a:ext cx="753873" cy="558530"/>
+            </a:xfrm>
+            <a:prstGeom prst="straightConnector1">
+              <a:avLst/>
+            </a:prstGeom>
+            <a:ln>
+              <a:solidFill>
+                <a:schemeClr val="tx1"/>
+              </a:solidFill>
+              <a:tailEnd type="triangle"/>
+            </a:ln>
+          </p:spPr>
+          <p:style>
+            <a:lnRef idx="1">
+              <a:schemeClr val="accent1"/>
+            </a:lnRef>
+            <a:fillRef idx="0">
+              <a:schemeClr val="accent1"/>
+            </a:fillRef>
+            <a:effectRef idx="0">
+              <a:schemeClr val="accent1"/>
+            </a:effectRef>
+            <a:fontRef idx="minor">
+              <a:schemeClr val="tx1"/>
+            </a:fontRef>
+          </p:style>
+        </p:cxnSp>
+        <p:cxnSp>
+          <p:nvCxnSpPr>
+            <p:cNvPr id="12" name="Straight Arrow Connector 11"/>
+            <p:cNvCxnSpPr>
+              <a:stCxn id="7" idx="6"/>
+              <a:endCxn id="8" idx="3"/>
+            </p:cNvCxnSpPr>
+            <p:nvPr/>
+          </p:nvCxnSpPr>
+          <p:spPr>
+            <a:xfrm flipV="1">
+              <a:off x="5618993" y="3307523"/>
+              <a:ext cx="753873" cy="558530"/>
+            </a:xfrm>
+            <a:prstGeom prst="straightConnector1">
+              <a:avLst/>
+            </a:prstGeom>
+            <a:ln>
+              <a:solidFill>
+                <a:schemeClr val="tx1"/>
+              </a:solidFill>
+              <a:tailEnd type="triangle"/>
+            </a:ln>
+          </p:spPr>
+          <p:style>
+            <a:lnRef idx="1">
+              <a:schemeClr val="accent1"/>
+            </a:lnRef>
+            <a:fillRef idx="0">
+              <a:schemeClr val="accent1"/>
+            </a:fillRef>
+            <a:effectRef idx="0">
+              <a:schemeClr val="accent1"/>
+            </a:effectRef>
+            <a:fontRef idx="minor">
+              <a:schemeClr val="tx1"/>
+            </a:fontRef>
+          </p:style>
+        </p:cxnSp>
+        <p:sp>
+          <p:nvSpPr>
+            <p:cNvPr id="19" name="Rectangle 18"/>
+            <p:cNvSpPr/>
+            <p:nvPr/>
+          </p:nvSpPr>
+          <p:spPr>
+            <a:xfrm>
+              <a:off x="4054171" y="2056410"/>
+              <a:ext cx="146957" cy="163286"/>
+            </a:xfrm>
+            <a:prstGeom prst="rect">
+              <a:avLst/>
+            </a:prstGeom>
+            <a:solidFill>
+              <a:schemeClr val="tx1"/>
+            </a:solidFill>
+            <a:ln>
+              <a:solidFill>
+                <a:schemeClr val="tx1"/>
+              </a:solidFill>
+            </a:ln>
+          </p:spPr>
+          <p:style>
+            <a:lnRef idx="2">
+              <a:schemeClr val="accent1">
+                <a:shade val="50000"/>
+              </a:schemeClr>
+            </a:lnRef>
+            <a:fillRef idx="1">
+              <a:schemeClr val="accent1"/>
+            </a:fillRef>
+            <a:effectRef idx="0">
+              <a:schemeClr val="accent1"/>
+            </a:effectRef>
+            <a:fontRef idx="minor">
+              <a:schemeClr val="lt1"/>
+            </a:fontRef>
+          </p:style>
+          <p:txBody>
+            <a:bodyPr rtlCol="0" anchor="ctr"/>
+            <a:lstStyle/>
+            <a:p>
+              <a:pPr algn="ctr"/>
+              <a:endParaRPr lang="pt-BR"/>
+            </a:p>
+          </p:txBody>
+        </p:sp>
+        <p:sp>
+          <p:nvSpPr>
+            <p:cNvPr id="20" name="Rectangle 19"/>
+            <p:cNvSpPr/>
+            <p:nvPr/>
+          </p:nvSpPr>
+          <p:spPr>
+            <a:xfrm>
+              <a:off x="4054171" y="3784410"/>
+              <a:ext cx="146957" cy="163286"/>
+            </a:xfrm>
+            <a:prstGeom prst="rect">
+              <a:avLst/>
+            </a:prstGeom>
+            <a:solidFill>
+              <a:schemeClr val="tx1"/>
+            </a:solidFill>
+            <a:ln>
+              <a:solidFill>
+                <a:schemeClr val="tx1"/>
+              </a:solidFill>
+            </a:ln>
+          </p:spPr>
+          <p:style>
+            <a:lnRef idx="2">
+              <a:schemeClr val="accent1">
+                <a:shade val="50000"/>
+              </a:schemeClr>
+            </a:lnRef>
+            <a:fillRef idx="1">
+              <a:schemeClr val="accent1"/>
+            </a:fillRef>
+            <a:effectRef idx="0">
+              <a:schemeClr val="accent1"/>
+            </a:effectRef>
+            <a:fontRef idx="minor">
+              <a:schemeClr val="lt1"/>
+            </a:fontRef>
+          </p:style>
+          <p:txBody>
+            <a:bodyPr rtlCol="0" anchor="ctr"/>
+            <a:lstStyle/>
+            <a:p>
+              <a:pPr algn="ctr"/>
+              <a:endParaRPr lang="pt-BR"/>
+            </a:p>
+          </p:txBody>
+        </p:sp>
+        <p:cxnSp>
+          <p:nvCxnSpPr>
+            <p:cNvPr id="21" name="Straight Arrow Connector 20"/>
+            <p:cNvCxnSpPr>
+              <a:stCxn id="19" idx="3"/>
+              <a:endCxn id="4" idx="2"/>
+            </p:cNvCxnSpPr>
+            <p:nvPr/>
+          </p:nvCxnSpPr>
+          <p:spPr>
+            <a:xfrm>
+              <a:off x="4201128" y="2138053"/>
+              <a:ext cx="553865" cy="0"/>
+            </a:xfrm>
+            <a:prstGeom prst="straightConnector1">
+              <a:avLst/>
+            </a:prstGeom>
+            <a:ln>
+              <a:solidFill>
+                <a:schemeClr val="tx1"/>
+              </a:solidFill>
+              <a:tailEnd type="triangle"/>
+            </a:ln>
+          </p:spPr>
+          <p:style>
+            <a:lnRef idx="1">
+              <a:schemeClr val="accent1"/>
+            </a:lnRef>
+            <a:fillRef idx="0">
+              <a:schemeClr val="accent1"/>
+            </a:fillRef>
+            <a:effectRef idx="0">
+              <a:schemeClr val="accent1"/>
+            </a:effectRef>
+            <a:fontRef idx="minor">
+              <a:schemeClr val="tx1"/>
+            </a:fontRef>
+          </p:style>
+        </p:cxnSp>
+        <p:cxnSp>
+          <p:nvCxnSpPr>
+            <p:cNvPr id="25" name="Straight Arrow Connector 24"/>
+            <p:cNvCxnSpPr/>
+            <p:nvPr/>
+          </p:nvCxnSpPr>
+          <p:spPr>
+            <a:xfrm>
+              <a:off x="4201128" y="3866053"/>
+              <a:ext cx="553865" cy="0"/>
+            </a:xfrm>
+            <a:prstGeom prst="straightConnector1">
+              <a:avLst/>
+            </a:prstGeom>
+            <a:ln>
+              <a:solidFill>
+                <a:schemeClr val="tx1"/>
+              </a:solidFill>
+              <a:tailEnd type="triangle"/>
+            </a:ln>
+          </p:spPr>
+          <p:style>
+            <a:lnRef idx="1">
+              <a:schemeClr val="accent1"/>
+            </a:lnRef>
+            <a:fillRef idx="0">
+              <a:schemeClr val="accent1"/>
+            </a:fillRef>
+            <a:effectRef idx="0">
+              <a:schemeClr val="accent1"/>
+            </a:effectRef>
+            <a:fontRef idx="minor">
+              <a:schemeClr val="tx1"/>
+            </a:fontRef>
+          </p:style>
+        </p:cxnSp>
+        <p:cxnSp>
+          <p:nvCxnSpPr>
+            <p:cNvPr id="27" name="Straight Arrow Connector 26"/>
+            <p:cNvCxnSpPr>
+              <a:stCxn id="20" idx="3"/>
+              <a:endCxn id="4" idx="3"/>
+            </p:cNvCxnSpPr>
+            <p:nvPr/>
+          </p:nvCxnSpPr>
+          <p:spPr>
+            <a:xfrm flipV="1">
+              <a:off x="4201128" y="2443523"/>
+              <a:ext cx="680395" cy="1422530"/>
+            </a:xfrm>
+            <a:prstGeom prst="straightConnector1">
+              <a:avLst/>
+            </a:prstGeom>
+            <a:ln>
+              <a:solidFill>
+                <a:schemeClr val="tx1"/>
+              </a:solidFill>
+              <a:tailEnd type="triangle"/>
+            </a:ln>
+          </p:spPr>
+          <p:style>
+            <a:lnRef idx="1">
+              <a:schemeClr val="accent1"/>
+            </a:lnRef>
+            <a:fillRef idx="0">
+              <a:schemeClr val="accent1"/>
+            </a:fillRef>
+            <a:effectRef idx="0">
+              <a:schemeClr val="accent1"/>
+            </a:effectRef>
+            <a:fontRef idx="minor">
+              <a:schemeClr val="tx1"/>
+            </a:fontRef>
+          </p:style>
+        </p:cxnSp>
+        <p:cxnSp>
+          <p:nvCxnSpPr>
+            <p:cNvPr id="31" name="Straight Arrow Connector 30"/>
+            <p:cNvCxnSpPr>
+              <a:stCxn id="19" idx="3"/>
+              <a:endCxn id="7" idx="1"/>
+            </p:cNvCxnSpPr>
+            <p:nvPr/>
+          </p:nvCxnSpPr>
+          <p:spPr>
+            <a:xfrm>
+              <a:off x="4201128" y="2138053"/>
+              <a:ext cx="680395" cy="1422530"/>
+            </a:xfrm>
+            <a:prstGeom prst="straightConnector1">
+              <a:avLst/>
+            </a:prstGeom>
+            <a:ln>
+              <a:solidFill>
+                <a:schemeClr val="tx1"/>
+              </a:solidFill>
+              <a:tailEnd type="triangle"/>
+            </a:ln>
+          </p:spPr>
+          <p:style>
+            <a:lnRef idx="1">
+              <a:schemeClr val="accent1"/>
+            </a:lnRef>
+            <a:fillRef idx="0">
+              <a:schemeClr val="accent1"/>
+            </a:fillRef>
+            <a:effectRef idx="0">
+              <a:schemeClr val="accent1"/>
+            </a:effectRef>
+            <a:fontRef idx="minor">
+              <a:schemeClr val="tx1"/>
+            </a:fontRef>
+          </p:style>
+        </p:cxnSp>
+        <mc:AlternateContent xmlns:mc="http://schemas.openxmlformats.org/markup-compatibility/2006" xmlns:a14="http://schemas.microsoft.com/office/drawing/2010/main">
+          <mc:Choice Requires="a14">
+            <p:sp>
+              <p:nvSpPr>
+                <p:cNvPr id="34" name="TextBox 33"/>
+                <p:cNvSpPr txBox="1"/>
+                <p:nvPr/>
+              </p:nvSpPr>
+              <p:spPr>
+                <a:xfrm>
+                  <a:off x="3519378" y="1953387"/>
+                  <a:ext cx="571500" cy="369332"/>
+                </a:xfrm>
+                <a:prstGeom prst="rect">
+                  <a:avLst/>
+                </a:prstGeom>
+                <a:noFill/>
+              </p:spPr>
+              <p:txBody>
+                <a:bodyPr wrap="square" rtlCol="0">
+                  <a:spAutoFit/>
+                </a:bodyPr>
+                <a:lstStyle/>
+                <a:p>
+                  <a:pPr/>
+                  <a14:m>
+                    <m:oMathPara xmlns:m="http://schemas.openxmlformats.org/officeDocument/2006/math">
+                      <m:oMathParaPr>
+                        <m:jc m:val="centerGroup"/>
+                      </m:oMathParaPr>
+                      <m:oMath xmlns:m="http://schemas.openxmlformats.org/officeDocument/2006/math">
+                        <m:sSub>
+                          <m:sSubPr>
+                            <m:ctrlPr>
+                              <a:rPr lang="pt-BR" i="1" smtClean="0">
+                                <a:latin typeface="Cambria Math" panose="02040503050406030204" pitchFamily="18" charset="0"/>
+                              </a:rPr>
+                            </m:ctrlPr>
+                          </m:sSubPr>
+                          <m:e>
+                            <m:r>
+                              <a:rPr lang="pt-BR" b="0" i="1" smtClean="0">
+                                <a:latin typeface="Cambria Math" panose="02040503050406030204" pitchFamily="18" charset="0"/>
+                              </a:rPr>
+                              <m:t>𝑥</m:t>
+                            </m:r>
+                          </m:e>
+                          <m:sub>
+                            <m:r>
+                              <a:rPr lang="pt-BR" b="0" i="1" smtClean="0">
+                                <a:latin typeface="Cambria Math" panose="02040503050406030204" pitchFamily="18" charset="0"/>
+                              </a:rPr>
+                              <m:t>1</m:t>
+                            </m:r>
+                          </m:sub>
+                        </m:sSub>
+                      </m:oMath>
+                    </m:oMathPara>
+                  </a14:m>
+                  <a:endParaRPr lang="pt-BR" dirty="0"/>
+                </a:p>
+              </p:txBody>
+            </p:sp>
+          </mc:Choice>
+          <mc:Fallback xmlns="">
+            <p:sp>
+              <p:nvSpPr>
+                <p:cNvPr id="34" name="TextBox 33"/>
+                <p:cNvSpPr txBox="1">
+                  <a:spLocks noRot="1" noChangeAspect="1" noMove="1" noResize="1" noEditPoints="1" noAdjustHandles="1" noChangeArrowheads="1" noChangeShapeType="1" noTextEdit="1"/>
+                </p:cNvSpPr>
+                <p:nvPr/>
+              </p:nvSpPr>
+              <p:spPr>
+                <a:xfrm>
+                  <a:off x="3519378" y="1953387"/>
+                  <a:ext cx="571500" cy="369332"/>
+                </a:xfrm>
+                <a:prstGeom prst="rect">
+                  <a:avLst/>
+                </a:prstGeom>
+                <a:blipFill rotWithShape="0">
+                  <a:blip r:embed="rId2"/>
+                  <a:stretch>
+                    <a:fillRect/>
+                  </a:stretch>
+                </a:blipFill>
+              </p:spPr>
+              <p:txBody>
+                <a:bodyPr/>
+                <a:lstStyle/>
+                <a:p>
+                  <a:r>
+                    <a:rPr lang="pt-BR">
+                      <a:noFill/>
+                    </a:rPr>
+                    <a:t> </a:t>
+                  </a:r>
+                </a:p>
+              </p:txBody>
+            </p:sp>
+          </mc:Fallback>
+        </mc:AlternateContent>
+        <mc:AlternateContent xmlns:mc="http://schemas.openxmlformats.org/markup-compatibility/2006" xmlns:a14="http://schemas.microsoft.com/office/drawing/2010/main">
+          <mc:Choice Requires="a14">
+            <p:sp>
+              <p:nvSpPr>
+                <p:cNvPr id="35" name="TextBox 34"/>
+                <p:cNvSpPr txBox="1"/>
+                <p:nvPr/>
+              </p:nvSpPr>
+              <p:spPr>
+                <a:xfrm>
+                  <a:off x="3519378" y="3681387"/>
+                  <a:ext cx="571500" cy="369332"/>
+                </a:xfrm>
+                <a:prstGeom prst="rect">
+                  <a:avLst/>
+                </a:prstGeom>
+                <a:noFill/>
+              </p:spPr>
+              <p:txBody>
+                <a:bodyPr wrap="square" rtlCol="0">
+                  <a:spAutoFit/>
+                </a:bodyPr>
+                <a:lstStyle/>
+                <a:p>
+                  <a:pPr/>
+                  <a14:m>
+                    <m:oMathPara xmlns:m="http://schemas.openxmlformats.org/officeDocument/2006/math">
+                      <m:oMathParaPr>
+                        <m:jc m:val="centerGroup"/>
+                      </m:oMathParaPr>
+                      <m:oMath xmlns:m="http://schemas.openxmlformats.org/officeDocument/2006/math">
+                        <m:sSub>
+                          <m:sSubPr>
+                            <m:ctrlPr>
+                              <a:rPr lang="pt-BR" i="1" smtClean="0">
+                                <a:latin typeface="Cambria Math" panose="02040503050406030204" pitchFamily="18" charset="0"/>
+                              </a:rPr>
+                            </m:ctrlPr>
+                          </m:sSubPr>
+                          <m:e>
+                            <m:r>
+                              <a:rPr lang="pt-BR" b="0" i="1" smtClean="0">
+                                <a:latin typeface="Cambria Math" panose="02040503050406030204" pitchFamily="18" charset="0"/>
+                              </a:rPr>
+                              <m:t>𝑥</m:t>
+                            </m:r>
+                          </m:e>
+                          <m:sub>
+                            <m:r>
+                              <a:rPr lang="pt-BR" b="0" i="1" smtClean="0">
+                                <a:latin typeface="Cambria Math" panose="02040503050406030204" pitchFamily="18" charset="0"/>
+                              </a:rPr>
+                              <m:t>2</m:t>
+                            </m:r>
+                          </m:sub>
+                        </m:sSub>
+                      </m:oMath>
+                    </m:oMathPara>
+                  </a14:m>
+                  <a:endParaRPr lang="pt-BR" dirty="0"/>
+                </a:p>
+              </p:txBody>
+            </p:sp>
+          </mc:Choice>
+          <mc:Fallback xmlns="">
+            <p:sp>
+              <p:nvSpPr>
+                <p:cNvPr id="35" name="TextBox 34"/>
+                <p:cNvSpPr txBox="1">
+                  <a:spLocks noRot="1" noChangeAspect="1" noMove="1" noResize="1" noEditPoints="1" noAdjustHandles="1" noChangeArrowheads="1" noChangeShapeType="1" noTextEdit="1"/>
+                </p:cNvSpPr>
+                <p:nvPr/>
+              </p:nvSpPr>
+              <p:spPr>
+                <a:xfrm>
+                  <a:off x="3519378" y="3681387"/>
+                  <a:ext cx="571500" cy="369332"/>
+                </a:xfrm>
+                <a:prstGeom prst="rect">
+                  <a:avLst/>
+                </a:prstGeom>
+                <a:blipFill rotWithShape="0">
+                  <a:blip r:embed="rId3"/>
+                  <a:stretch>
+                    <a:fillRect/>
+                  </a:stretch>
+                </a:blipFill>
+              </p:spPr>
+              <p:txBody>
+                <a:bodyPr/>
+                <a:lstStyle/>
+                <a:p>
+                  <a:r>
+                    <a:rPr lang="pt-BR">
+                      <a:noFill/>
+                    </a:rPr>
+                    <a:t> </a:t>
+                  </a:r>
+                </a:p>
+              </p:txBody>
+            </p:sp>
+          </mc:Fallback>
+        </mc:AlternateContent>
+        <p:sp>
+          <p:nvSpPr>
+            <p:cNvPr id="39" name="TextBox 38"/>
+            <p:cNvSpPr txBox="1"/>
+            <p:nvPr/>
+          </p:nvSpPr>
+          <p:spPr>
+            <a:xfrm>
+              <a:off x="4634543" y="1435894"/>
+              <a:ext cx="1104900" cy="276999"/>
+            </a:xfrm>
+            <a:prstGeom prst="rect">
+              <a:avLst/>
+            </a:prstGeom>
+            <a:noFill/>
+          </p:spPr>
+          <p:txBody>
+            <a:bodyPr wrap="square" rtlCol="0">
+              <a:spAutoFit/>
+            </a:bodyPr>
+            <a:lstStyle/>
+            <a:p>
+              <a:pPr algn="ctr"/>
+              <a:r>
+                <a:rPr lang="pt-BR" sz="1200" dirty="0" smtClean="0"/>
+                <a:t>Perceptron #1</a:t>
+              </a:r>
+              <a:endParaRPr lang="pt-BR" sz="1200" dirty="0"/>
+            </a:p>
+          </p:txBody>
+        </p:sp>
+        <p:sp>
+          <p:nvSpPr>
+            <p:cNvPr id="40" name="TextBox 39"/>
+            <p:cNvSpPr txBox="1"/>
+            <p:nvPr/>
+          </p:nvSpPr>
+          <p:spPr>
+            <a:xfrm>
+              <a:off x="4634543" y="4296622"/>
+              <a:ext cx="1104900" cy="276999"/>
+            </a:xfrm>
+            <a:prstGeom prst="rect">
+              <a:avLst/>
+            </a:prstGeom>
+            <a:noFill/>
+          </p:spPr>
+          <p:txBody>
+            <a:bodyPr wrap="square" rtlCol="0">
+              <a:spAutoFit/>
+            </a:bodyPr>
+            <a:lstStyle/>
+            <a:p>
+              <a:pPr algn="ctr"/>
+              <a:r>
+                <a:rPr lang="pt-BR" sz="1200" dirty="0" smtClean="0"/>
+                <a:t>Perceptron #2</a:t>
+              </a:r>
+              <a:endParaRPr lang="pt-BR" sz="1200" dirty="0"/>
+            </a:p>
+          </p:txBody>
+        </p:sp>
+        <p:sp>
+          <p:nvSpPr>
+            <p:cNvPr id="41" name="TextBox 40"/>
+            <p:cNvSpPr txBox="1"/>
+            <p:nvPr/>
+          </p:nvSpPr>
+          <p:spPr>
+            <a:xfrm>
+              <a:off x="6125886" y="2294154"/>
+              <a:ext cx="1104900" cy="276999"/>
+            </a:xfrm>
+            <a:prstGeom prst="rect">
+              <a:avLst/>
+            </a:prstGeom>
+            <a:noFill/>
+          </p:spPr>
+          <p:txBody>
+            <a:bodyPr wrap="square" rtlCol="0">
+              <a:spAutoFit/>
+            </a:bodyPr>
+            <a:lstStyle/>
+            <a:p>
+              <a:pPr algn="ctr"/>
+              <a:r>
+                <a:rPr lang="pt-BR" sz="1200" dirty="0" smtClean="0"/>
+                <a:t>Perceptron #3</a:t>
+              </a:r>
+              <a:endParaRPr lang="pt-BR" sz="1200" dirty="0"/>
+            </a:p>
+          </p:txBody>
+        </p:sp>
+        <p:cxnSp>
+          <p:nvCxnSpPr>
+            <p:cNvPr id="43" name="Straight Arrow Connector 42"/>
+            <p:cNvCxnSpPr>
+              <a:stCxn id="8" idx="6"/>
+            </p:cNvCxnSpPr>
+            <p:nvPr/>
+          </p:nvCxnSpPr>
+          <p:spPr>
+            <a:xfrm>
+              <a:off x="7110336" y="3002053"/>
+              <a:ext cx="611264" cy="0"/>
+            </a:xfrm>
+            <a:prstGeom prst="straightConnector1">
+              <a:avLst/>
+            </a:prstGeom>
+            <a:ln>
+              <a:solidFill>
+                <a:schemeClr val="tx1"/>
+              </a:solidFill>
+              <a:tailEnd type="triangle"/>
+            </a:ln>
+          </p:spPr>
+          <p:style>
+            <a:lnRef idx="1">
+              <a:schemeClr val="accent1"/>
+            </a:lnRef>
+            <a:fillRef idx="0">
+              <a:schemeClr val="accent1"/>
+            </a:fillRef>
+            <a:effectRef idx="0">
+              <a:schemeClr val="accent1"/>
+            </a:effectRef>
+            <a:fontRef idx="minor">
+              <a:schemeClr val="tx1"/>
+            </a:fontRef>
+          </p:style>
+        </p:cxnSp>
+        <mc:AlternateContent xmlns:mc="http://schemas.openxmlformats.org/markup-compatibility/2006">
+          <mc:Choice xmlns:a14="http://schemas.microsoft.com/office/drawing/2010/main" Requires="a14">
+            <p:sp>
+              <p:nvSpPr>
+                <p:cNvPr id="44" name="TextBox 43"/>
+                <p:cNvSpPr txBox="1"/>
+                <p:nvPr/>
+              </p:nvSpPr>
+              <p:spPr>
+                <a:xfrm>
+                  <a:off x="6286486" y="3018350"/>
+                  <a:ext cx="3011964" cy="584775"/>
+                </a:xfrm>
+                <a:prstGeom prst="rect">
+                  <a:avLst/>
+                </a:prstGeom>
+                <a:noFill/>
+              </p:spPr>
+              <p:txBody>
+                <a:bodyPr wrap="square" rtlCol="0">
+                  <a:spAutoFit/>
+                </a:bodyPr>
+                <a:lstStyle/>
+                <a:p>
+                  <a:pPr/>
+                  <a14:m>
+                    <m:oMathPara xmlns:m="http://schemas.openxmlformats.org/officeDocument/2006/math">
+                      <m:oMathParaPr>
+                        <m:jc m:val="centerGroup"/>
+                      </m:oMathParaPr>
+                      <m:oMath xmlns:m="http://schemas.openxmlformats.org/officeDocument/2006/math">
+                        <m:sSub>
+                          <m:sSubPr>
+                            <m:ctrlPr>
+                              <a:rPr lang="pt-BR" sz="1600" b="0" i="1" smtClean="0">
+                                <a:latin typeface="Cambria Math" panose="02040503050406030204" pitchFamily="18" charset="0"/>
+                              </a:rPr>
+                            </m:ctrlPr>
+                          </m:sSubPr>
+                          <m:e>
+                            <m:r>
+                              <a:rPr lang="pt-BR" sz="1600" b="0" i="1" smtClean="0">
+                                <a:latin typeface="Cambria Math" panose="02040503050406030204" pitchFamily="18" charset="0"/>
+                              </a:rPr>
+                              <m:t>𝑦</m:t>
+                            </m:r>
+                          </m:e>
+                          <m:sub>
+                            <m:r>
+                              <a:rPr lang="pt-BR" sz="1600" b="0" i="1" smtClean="0">
+                                <a:latin typeface="Cambria Math" panose="02040503050406030204" pitchFamily="18" charset="0"/>
+                              </a:rPr>
+                              <m:t>3</m:t>
+                            </m:r>
+                          </m:sub>
+                        </m:sSub>
+                        <m:r>
+                          <a:rPr lang="pt-BR" sz="1600" b="0" i="1" smtClean="0">
+                            <a:latin typeface="Cambria Math" panose="02040503050406030204" pitchFamily="18" charset="0"/>
+                          </a:rPr>
+                          <m:t>=</m:t>
+                        </m:r>
+                        <m:sSub>
+                          <m:sSubPr>
+                            <m:ctrlPr>
+                              <a:rPr lang="pt-BR" sz="1600" b="0" i="1" smtClean="0">
+                                <a:latin typeface="Cambria Math" panose="02040503050406030204" pitchFamily="18" charset="0"/>
+                              </a:rPr>
+                            </m:ctrlPr>
+                          </m:sSubPr>
+                          <m:e>
+                            <m:r>
+                              <a:rPr lang="pt-BR" sz="1600" b="0" i="1" smtClean="0">
+                                <a:latin typeface="Cambria Math" panose="02040503050406030204" pitchFamily="18" charset="0"/>
+                              </a:rPr>
+                              <m:t>𝑦</m:t>
+                            </m:r>
+                          </m:e>
+                          <m:sub>
+                            <m:r>
+                              <a:rPr lang="pt-BR" sz="1600" b="0" i="1" smtClean="0">
+                                <a:latin typeface="Cambria Math" panose="02040503050406030204" pitchFamily="18" charset="0"/>
+                              </a:rPr>
+                              <m:t>1</m:t>
+                            </m:r>
+                          </m:sub>
+                        </m:sSub>
+                        <m:r>
+                          <a:rPr lang="pt-BR" sz="1600" b="0" i="1" smtClean="0">
+                            <a:latin typeface="Cambria Math" panose="02040503050406030204" pitchFamily="18" charset="0"/>
+                          </a:rPr>
+                          <m:t> &amp; </m:t>
+                        </m:r>
+                        <m:sSub>
+                          <m:sSubPr>
+                            <m:ctrlPr>
+                              <a:rPr lang="pt-BR" sz="1600" i="1">
+                                <a:latin typeface="Cambria Math" panose="02040503050406030204" pitchFamily="18" charset="0"/>
+                              </a:rPr>
+                            </m:ctrlPr>
+                          </m:sSubPr>
+                          <m:e>
+                            <m:r>
+                              <a:rPr lang="pt-BR" sz="1600" i="1">
+                                <a:latin typeface="Cambria Math" panose="02040503050406030204" pitchFamily="18" charset="0"/>
+                              </a:rPr>
+                              <m:t>𝑦</m:t>
+                            </m:r>
+                          </m:e>
+                          <m:sub>
+                            <m:r>
+                              <a:rPr lang="pt-BR" sz="1600" b="0" i="1" smtClean="0">
+                                <a:latin typeface="Cambria Math" panose="02040503050406030204" pitchFamily="18" charset="0"/>
+                              </a:rPr>
+                              <m:t>2</m:t>
+                            </m:r>
+                          </m:sub>
+                        </m:sSub>
+                      </m:oMath>
+                    </m:oMathPara>
+                  </a14:m>
+                  <a:endParaRPr lang="pt-BR" sz="1600" b="0" i="1" dirty="0" smtClean="0">
+                    <a:latin typeface="Cambria Math" panose="02040503050406030204" pitchFamily="18" charset="0"/>
+                  </a:endParaRPr>
+                </a:p>
+                <a:p>
+                  <a:pPr/>
+                  <a14:m>
+                    <m:oMathPara xmlns:m="http://schemas.openxmlformats.org/officeDocument/2006/math">
+                      <m:oMathParaPr>
+                        <m:jc m:val="centerGroup"/>
+                      </m:oMathParaPr>
+                      <m:oMath xmlns:m="http://schemas.openxmlformats.org/officeDocument/2006/math">
+                        <m:sSub>
+                          <m:sSubPr>
+                            <m:ctrlPr>
+                              <a:rPr lang="pt-BR" sz="1600" b="0" i="1" smtClean="0">
+                                <a:latin typeface="Cambria Math" panose="02040503050406030204" pitchFamily="18" charset="0"/>
+                              </a:rPr>
+                            </m:ctrlPr>
+                          </m:sSubPr>
+                          <m:e>
+                            <m:r>
+                              <a:rPr lang="pt-BR" sz="1600" b="0" i="1" smtClean="0">
+                                <a:latin typeface="Cambria Math" panose="02040503050406030204" pitchFamily="18" charset="0"/>
+                              </a:rPr>
+                              <m:t>                         =</m:t>
+                            </m:r>
+                            <m:r>
+                              <a:rPr lang="pt-BR" sz="1600" b="0" i="1" smtClean="0">
+                                <a:latin typeface="Cambria Math" panose="02040503050406030204" pitchFamily="18" charset="0"/>
+                              </a:rPr>
+                              <m:t>(</m:t>
+                            </m:r>
+                            <m:r>
+                              <a:rPr lang="pt-BR" sz="1600" b="0" i="1" smtClean="0">
+                                <a:latin typeface="Cambria Math" panose="02040503050406030204" pitchFamily="18" charset="0"/>
+                              </a:rPr>
+                              <m:t>𝑥</m:t>
+                            </m:r>
+                          </m:e>
+                          <m:sub>
+                            <m:r>
+                              <a:rPr lang="pt-BR" sz="1600" b="0" i="1" smtClean="0">
+                                <a:latin typeface="Cambria Math" panose="02040503050406030204" pitchFamily="18" charset="0"/>
+                              </a:rPr>
+                              <m:t>1</m:t>
+                            </m:r>
+                          </m:sub>
+                        </m:sSub>
+                        <m:r>
+                          <a:rPr lang="pt-BR" sz="1600" b="0" i="1" smtClean="0">
+                            <a:latin typeface="Cambria Math" panose="02040503050406030204" pitchFamily="18" charset="0"/>
+                          </a:rPr>
+                          <m:t> </m:t>
+                        </m:r>
+                        <m:r>
+                          <a:rPr lang="pt-BR" sz="1600" b="0" i="1" smtClean="0">
+                            <a:latin typeface="Cambria Math" panose="02040503050406030204" pitchFamily="18" charset="0"/>
+                          </a:rPr>
+                          <m:t>|</m:t>
+                        </m:r>
+                        <m:r>
+                          <a:rPr lang="pt-BR" sz="1600" b="0" i="1" smtClean="0">
+                            <a:latin typeface="Cambria Math" panose="02040503050406030204" pitchFamily="18" charset="0"/>
+                          </a:rPr>
+                          <m:t> </m:t>
+                        </m:r>
+                        <m:r>
+                          <a:rPr lang="pt-BR" sz="1600" b="0" i="1" smtClean="0">
+                            <a:latin typeface="Cambria Math" panose="02040503050406030204" pitchFamily="18" charset="0"/>
+                            <a:ea typeface="Cambria Math" panose="02040503050406030204" pitchFamily="18" charset="0"/>
+                          </a:rPr>
+                          <m:t>~</m:t>
+                        </m:r>
+                        <m:sSub>
+                          <m:sSubPr>
+                            <m:ctrlPr>
+                              <a:rPr lang="pt-BR" sz="1600" b="0" i="1" smtClean="0">
+                                <a:latin typeface="Cambria Math" panose="02040503050406030204" pitchFamily="18" charset="0"/>
+                                <a:ea typeface="Cambria Math" panose="02040503050406030204" pitchFamily="18" charset="0"/>
+                              </a:rPr>
+                            </m:ctrlPr>
+                          </m:sSubPr>
+                          <m:e>
+                            <m:r>
+                              <a:rPr lang="pt-BR" sz="1600" b="0" i="1" smtClean="0">
+                                <a:latin typeface="Cambria Math" panose="02040503050406030204" pitchFamily="18" charset="0"/>
+                                <a:ea typeface="Cambria Math" panose="02040503050406030204" pitchFamily="18" charset="0"/>
+                              </a:rPr>
+                              <m:t>𝑥</m:t>
+                            </m:r>
+                          </m:e>
+                          <m:sub>
+                            <m:r>
+                              <a:rPr lang="pt-BR" sz="1600" b="0" i="1" smtClean="0">
+                                <a:latin typeface="Cambria Math" panose="02040503050406030204" pitchFamily="18" charset="0"/>
+                                <a:ea typeface="Cambria Math" panose="02040503050406030204" pitchFamily="18" charset="0"/>
+                              </a:rPr>
+                              <m:t>2</m:t>
+                            </m:r>
+                          </m:sub>
+                        </m:sSub>
+                        <m:r>
+                          <a:rPr lang="pt-BR" sz="1600" b="0" i="1" smtClean="0">
+                            <a:latin typeface="Cambria Math" panose="02040503050406030204" pitchFamily="18" charset="0"/>
+                            <a:ea typeface="Cambria Math" panose="02040503050406030204" pitchFamily="18" charset="0"/>
+                          </a:rPr>
+                          <m:t>) </m:t>
+                        </m:r>
+                        <m:r>
+                          <a:rPr lang="pt-BR" sz="1600" b="0" i="1" smtClean="0">
+                            <a:latin typeface="Cambria Math" panose="02040503050406030204" pitchFamily="18" charset="0"/>
+                            <a:ea typeface="Cambria Math" panose="02040503050406030204" pitchFamily="18" charset="0"/>
+                          </a:rPr>
+                          <m:t>&amp;</m:t>
+                        </m:r>
+                        <m:r>
+                          <a:rPr lang="pt-BR" sz="1600" b="0" i="1" smtClean="0">
+                            <a:latin typeface="Cambria Math" panose="02040503050406030204" pitchFamily="18" charset="0"/>
+                            <a:ea typeface="Cambria Math" panose="02040503050406030204" pitchFamily="18" charset="0"/>
+                          </a:rPr>
+                          <m:t> (</m:t>
+                        </m:r>
+                        <m:sSub>
+                          <m:sSubPr>
+                            <m:ctrlPr>
+                              <a:rPr lang="pt-BR" sz="1600" i="1">
+                                <a:latin typeface="Cambria Math" panose="02040503050406030204" pitchFamily="18" charset="0"/>
+                              </a:rPr>
+                            </m:ctrlPr>
+                          </m:sSubPr>
+                          <m:e>
+                            <m:r>
+                              <a:rPr lang="pt-BR" sz="1600" i="1">
+                                <a:latin typeface="Cambria Math" panose="02040503050406030204" pitchFamily="18" charset="0"/>
+                                <a:ea typeface="Cambria Math" panose="02040503050406030204" pitchFamily="18" charset="0"/>
+                              </a:rPr>
+                              <m:t>~</m:t>
+                            </m:r>
+                            <m:r>
+                              <a:rPr lang="pt-BR" sz="1600" i="1">
+                                <a:latin typeface="Cambria Math" panose="02040503050406030204" pitchFamily="18" charset="0"/>
+                              </a:rPr>
+                              <m:t>𝑥</m:t>
+                            </m:r>
+                          </m:e>
+                          <m:sub>
+                            <m:r>
+                              <a:rPr lang="pt-BR" sz="1600" i="1">
+                                <a:latin typeface="Cambria Math" panose="02040503050406030204" pitchFamily="18" charset="0"/>
+                              </a:rPr>
+                              <m:t>1</m:t>
+                            </m:r>
+                          </m:sub>
+                        </m:sSub>
+                        <m:r>
+                          <a:rPr lang="pt-BR" sz="1600" i="1">
+                            <a:latin typeface="Cambria Math" panose="02040503050406030204" pitchFamily="18" charset="0"/>
+                          </a:rPr>
+                          <m:t> </m:t>
+                        </m:r>
+                        <m:r>
+                          <a:rPr lang="pt-BR" sz="1600" b="0" i="1" smtClean="0">
+                            <a:latin typeface="Cambria Math" panose="02040503050406030204" pitchFamily="18" charset="0"/>
+                          </a:rPr>
+                          <m:t>|</m:t>
+                        </m:r>
+                        <m:r>
+                          <a:rPr lang="pt-BR" sz="1600" i="1">
+                            <a:latin typeface="Cambria Math" panose="02040503050406030204" pitchFamily="18" charset="0"/>
+                          </a:rPr>
+                          <m:t> </m:t>
+                        </m:r>
+                        <m:sSub>
+                          <m:sSubPr>
+                            <m:ctrlPr>
+                              <a:rPr lang="pt-BR" sz="1600" i="1">
+                                <a:latin typeface="Cambria Math" panose="02040503050406030204" pitchFamily="18" charset="0"/>
+                                <a:ea typeface="Cambria Math" panose="02040503050406030204" pitchFamily="18" charset="0"/>
+                              </a:rPr>
+                            </m:ctrlPr>
+                          </m:sSubPr>
+                          <m:e>
+                            <m:r>
+                              <a:rPr lang="pt-BR" sz="1600" i="1">
+                                <a:latin typeface="Cambria Math" panose="02040503050406030204" pitchFamily="18" charset="0"/>
+                                <a:ea typeface="Cambria Math" panose="02040503050406030204" pitchFamily="18" charset="0"/>
+                              </a:rPr>
+                              <m:t>𝑥</m:t>
+                            </m:r>
+                          </m:e>
+                          <m:sub>
+                            <m:r>
+                              <a:rPr lang="pt-BR" sz="1600" i="1">
+                                <a:latin typeface="Cambria Math" panose="02040503050406030204" pitchFamily="18" charset="0"/>
+                                <a:ea typeface="Cambria Math" panose="02040503050406030204" pitchFamily="18" charset="0"/>
+                              </a:rPr>
+                              <m:t>2</m:t>
+                            </m:r>
+                          </m:sub>
+                        </m:sSub>
+                        <m:r>
+                          <a:rPr lang="pt-BR" sz="1600" b="0" i="1" smtClean="0">
+                            <a:latin typeface="Cambria Math" panose="02040503050406030204" pitchFamily="18" charset="0"/>
+                            <a:ea typeface="Cambria Math" panose="02040503050406030204" pitchFamily="18" charset="0"/>
+                          </a:rPr>
+                          <m:t>)</m:t>
+                        </m:r>
+                      </m:oMath>
+                    </m:oMathPara>
+                  </a14:m>
+                  <a:endParaRPr lang="pt-BR" sz="1600" dirty="0"/>
+                </a:p>
+              </p:txBody>
+            </p:sp>
+          </mc:Choice>
+          <mc:Fallback>
+            <p:sp>
+              <p:nvSpPr>
+                <p:cNvPr id="44" name="TextBox 43"/>
+                <p:cNvSpPr txBox="1">
+                  <a:spLocks noRot="1" noChangeAspect="1" noMove="1" noResize="1" noEditPoints="1" noAdjustHandles="1" noChangeArrowheads="1" noChangeShapeType="1" noTextEdit="1"/>
+                </p:cNvSpPr>
+                <p:nvPr/>
+              </p:nvSpPr>
+              <p:spPr>
+                <a:xfrm>
+                  <a:off x="6286486" y="3018350"/>
+                  <a:ext cx="3011964" cy="584775"/>
+                </a:xfrm>
+                <a:prstGeom prst="rect">
+                  <a:avLst/>
+                </a:prstGeom>
+                <a:blipFill rotWithShape="0">
+                  <a:blip r:embed="rId4"/>
+                  <a:stretch>
+                    <a:fillRect r="-14980" b="-5208"/>
+                  </a:stretch>
+                </a:blipFill>
+              </p:spPr>
+              <p:txBody>
+                <a:bodyPr/>
+                <a:lstStyle/>
+                <a:p>
+                  <a:r>
+                    <a:rPr lang="pt-BR">
+                      <a:noFill/>
+                    </a:rPr>
+                    <a:t> </a:t>
+                  </a:r>
+                </a:p>
+              </p:txBody>
+            </p:sp>
+          </mc:Fallback>
+        </mc:AlternateContent>
+        <mc:AlternateContent xmlns:mc="http://schemas.openxmlformats.org/markup-compatibility/2006">
+          <mc:Choice xmlns:a14="http://schemas.microsoft.com/office/drawing/2010/main" Requires="a14">
+            <p:sp>
+              <p:nvSpPr>
+                <p:cNvPr id="45" name="Rectangle 44"/>
+                <p:cNvSpPr/>
+                <p:nvPr/>
+              </p:nvSpPr>
+              <p:spPr>
+                <a:xfrm>
+                  <a:off x="5629766" y="1876237"/>
+                  <a:ext cx="1614224" cy="338554"/>
+                </a:xfrm>
+                <a:prstGeom prst="rect">
+                  <a:avLst/>
+                </a:prstGeom>
+              </p:spPr>
+              <p:txBody>
+                <a:bodyPr wrap="none">
+                  <a:spAutoFit/>
+                </a:bodyPr>
+                <a:lstStyle/>
+                <a:p>
+                  <a:pPr/>
+                  <a14:m>
+                    <m:oMathPara xmlns:m="http://schemas.openxmlformats.org/officeDocument/2006/math">
+                      <m:oMathParaPr>
+                        <m:jc m:val="centerGroup"/>
+                      </m:oMathParaPr>
+                      <m:oMath xmlns:m="http://schemas.openxmlformats.org/officeDocument/2006/math">
+                        <m:sSub>
+                          <m:sSubPr>
+                            <m:ctrlPr>
+                              <a:rPr lang="pt-BR" sz="1600" i="1" smtClean="0">
+                                <a:latin typeface="Cambria Math" panose="02040503050406030204" pitchFamily="18" charset="0"/>
+                              </a:rPr>
+                            </m:ctrlPr>
+                          </m:sSubPr>
+                          <m:e>
+                            <m:r>
+                              <a:rPr lang="pt-BR" sz="1600" i="1">
+                                <a:latin typeface="Cambria Math" panose="02040503050406030204" pitchFamily="18" charset="0"/>
+                              </a:rPr>
+                              <m:t>𝑦</m:t>
+                            </m:r>
+                          </m:e>
+                          <m:sub>
+                            <m:r>
+                              <a:rPr lang="pt-BR" sz="1600" b="0" i="1" smtClean="0">
+                                <a:latin typeface="Cambria Math" panose="02040503050406030204" pitchFamily="18" charset="0"/>
+                              </a:rPr>
+                              <m:t>1</m:t>
+                            </m:r>
+                          </m:sub>
+                        </m:sSub>
+                        <m:r>
+                          <a:rPr lang="pt-BR" sz="1600" i="1">
+                            <a:latin typeface="Cambria Math" panose="02040503050406030204" pitchFamily="18" charset="0"/>
+                          </a:rPr>
+                          <m:t>=</m:t>
+                        </m:r>
+                        <m:sSub>
+                          <m:sSubPr>
+                            <m:ctrlPr>
+                              <a:rPr lang="pt-BR" sz="1600" i="1">
+                                <a:latin typeface="Cambria Math" panose="02040503050406030204" pitchFamily="18" charset="0"/>
+                              </a:rPr>
+                            </m:ctrlPr>
+                          </m:sSubPr>
+                          <m:e>
+                            <m:r>
+                              <a:rPr lang="pt-BR" sz="1600" i="1">
+                                <a:latin typeface="Cambria Math" panose="02040503050406030204" pitchFamily="18" charset="0"/>
+                              </a:rPr>
+                              <m:t>(</m:t>
+                            </m:r>
+                            <m:r>
+                              <a:rPr lang="pt-BR" sz="1600" i="1">
+                                <a:latin typeface="Cambria Math" panose="02040503050406030204" pitchFamily="18" charset="0"/>
+                              </a:rPr>
+                              <m:t>𝑥</m:t>
+                            </m:r>
+                          </m:e>
+                          <m:sub>
+                            <m:r>
+                              <a:rPr lang="pt-BR" sz="1600" i="1">
+                                <a:latin typeface="Cambria Math" panose="02040503050406030204" pitchFamily="18" charset="0"/>
+                              </a:rPr>
+                              <m:t>1</m:t>
+                            </m:r>
+                          </m:sub>
+                        </m:sSub>
+                        <m:r>
+                          <a:rPr lang="pt-BR" sz="1600" i="1">
+                            <a:latin typeface="Cambria Math" panose="02040503050406030204" pitchFamily="18" charset="0"/>
+                          </a:rPr>
+                          <m:t> </m:t>
+                        </m:r>
+                        <m:r>
+                          <a:rPr lang="pt-BR" sz="1600" b="0" i="1" smtClean="0">
+                            <a:latin typeface="Cambria Math" panose="02040503050406030204" pitchFamily="18" charset="0"/>
+                          </a:rPr>
+                          <m:t>|</m:t>
+                        </m:r>
+                        <m:r>
+                          <a:rPr lang="pt-BR" sz="1600" i="1">
+                            <a:latin typeface="Cambria Math" panose="02040503050406030204" pitchFamily="18" charset="0"/>
+                          </a:rPr>
+                          <m:t> </m:t>
+                        </m:r>
+                        <m:r>
+                          <a:rPr lang="pt-BR" sz="1600" i="1">
+                            <a:latin typeface="Cambria Math" panose="02040503050406030204" pitchFamily="18" charset="0"/>
+                            <a:ea typeface="Cambria Math" panose="02040503050406030204" pitchFamily="18" charset="0"/>
+                          </a:rPr>
+                          <m:t>~</m:t>
+                        </m:r>
+                        <m:sSub>
+                          <m:sSubPr>
+                            <m:ctrlPr>
+                              <a:rPr lang="pt-BR" sz="1600" i="1">
+                                <a:latin typeface="Cambria Math" panose="02040503050406030204" pitchFamily="18" charset="0"/>
+                                <a:ea typeface="Cambria Math" panose="02040503050406030204" pitchFamily="18" charset="0"/>
+                              </a:rPr>
+                            </m:ctrlPr>
+                          </m:sSubPr>
+                          <m:e>
+                            <m:r>
+                              <a:rPr lang="pt-BR" sz="1600" i="1">
+                                <a:latin typeface="Cambria Math" panose="02040503050406030204" pitchFamily="18" charset="0"/>
+                                <a:ea typeface="Cambria Math" panose="02040503050406030204" pitchFamily="18" charset="0"/>
+                              </a:rPr>
+                              <m:t>𝑥</m:t>
+                            </m:r>
+                          </m:e>
+                          <m:sub>
+                            <m:r>
+                              <a:rPr lang="pt-BR" sz="1600" i="1">
+                                <a:latin typeface="Cambria Math" panose="02040503050406030204" pitchFamily="18" charset="0"/>
+                                <a:ea typeface="Cambria Math" panose="02040503050406030204" pitchFamily="18" charset="0"/>
+                              </a:rPr>
+                              <m:t>2</m:t>
+                            </m:r>
+                          </m:sub>
+                        </m:sSub>
+                        <m:r>
+                          <a:rPr lang="pt-BR" sz="1600" i="1">
+                            <a:latin typeface="Cambria Math" panose="02040503050406030204" pitchFamily="18" charset="0"/>
+                            <a:ea typeface="Cambria Math" panose="02040503050406030204" pitchFamily="18" charset="0"/>
+                          </a:rPr>
+                          <m:t>) </m:t>
+                        </m:r>
+                      </m:oMath>
+                    </m:oMathPara>
+                  </a14:m>
+                  <a:endParaRPr lang="pt-BR" sz="1600" dirty="0"/>
+                </a:p>
+              </p:txBody>
+            </p:sp>
+          </mc:Choice>
+          <mc:Fallback>
+            <p:sp>
+              <p:nvSpPr>
+                <p:cNvPr id="45" name="Rectangle 44"/>
+                <p:cNvSpPr>
+                  <a:spLocks noRot="1" noChangeAspect="1" noMove="1" noResize="1" noEditPoints="1" noAdjustHandles="1" noChangeArrowheads="1" noChangeShapeType="1" noTextEdit="1"/>
+                </p:cNvSpPr>
+                <p:nvPr/>
+              </p:nvSpPr>
+              <p:spPr>
+                <a:xfrm>
+                  <a:off x="5629766" y="1876237"/>
+                  <a:ext cx="1614224" cy="338554"/>
+                </a:xfrm>
+                <a:prstGeom prst="rect">
+                  <a:avLst/>
+                </a:prstGeom>
+                <a:blipFill rotWithShape="0">
+                  <a:blip r:embed="rId5"/>
+                  <a:stretch>
+                    <a:fillRect b="-10909"/>
+                  </a:stretch>
+                </a:blipFill>
+              </p:spPr>
+              <p:txBody>
+                <a:bodyPr/>
+                <a:lstStyle/>
+                <a:p>
+                  <a:r>
+                    <a:rPr lang="pt-BR">
+                      <a:noFill/>
+                    </a:rPr>
+                    <a:t> </a:t>
+                  </a:r>
+                </a:p>
+              </p:txBody>
+            </p:sp>
+          </mc:Fallback>
+        </mc:AlternateContent>
+        <mc:AlternateContent xmlns:mc="http://schemas.openxmlformats.org/markup-compatibility/2006">
+          <mc:Choice xmlns:a14="http://schemas.microsoft.com/office/drawing/2010/main" Requires="a14">
+            <p:sp>
+              <p:nvSpPr>
+                <p:cNvPr id="46" name="Rectangle 45"/>
+                <p:cNvSpPr/>
+                <p:nvPr/>
+              </p:nvSpPr>
+              <p:spPr>
+                <a:xfrm>
+                  <a:off x="5669905" y="3673252"/>
+                  <a:ext cx="1574085" cy="338554"/>
+                </a:xfrm>
+                <a:prstGeom prst="rect">
+                  <a:avLst/>
+                </a:prstGeom>
+              </p:spPr>
+              <p:txBody>
+                <a:bodyPr wrap="none">
+                  <a:spAutoFit/>
+                </a:bodyPr>
+                <a:lstStyle/>
+                <a:p>
+                  <a:pPr/>
+                  <a14:m>
+                    <m:oMathPara xmlns:m="http://schemas.openxmlformats.org/officeDocument/2006/math">
+                      <m:oMathParaPr>
+                        <m:jc m:val="centerGroup"/>
+                      </m:oMathParaPr>
+                      <m:oMath xmlns:m="http://schemas.openxmlformats.org/officeDocument/2006/math">
+                        <m:sSub>
+                          <m:sSubPr>
+                            <m:ctrlPr>
+                              <a:rPr lang="pt-BR" sz="1600" i="1" smtClean="0">
+                                <a:latin typeface="Cambria Math" panose="02040503050406030204" pitchFamily="18" charset="0"/>
+                              </a:rPr>
+                            </m:ctrlPr>
+                          </m:sSubPr>
+                          <m:e>
+                            <m:r>
+                              <a:rPr lang="pt-BR" sz="1600" i="1">
+                                <a:latin typeface="Cambria Math" panose="02040503050406030204" pitchFamily="18" charset="0"/>
+                              </a:rPr>
+                              <m:t>𝑦</m:t>
+                            </m:r>
+                          </m:e>
+                          <m:sub>
+                            <m:r>
+                              <a:rPr lang="pt-BR" sz="1600" b="0" i="1" smtClean="0">
+                                <a:latin typeface="Cambria Math" panose="02040503050406030204" pitchFamily="18" charset="0"/>
+                              </a:rPr>
+                              <m:t>2</m:t>
+                            </m:r>
+                          </m:sub>
+                        </m:sSub>
+                        <m:r>
+                          <a:rPr lang="pt-BR" sz="1600" i="1">
+                            <a:latin typeface="Cambria Math" panose="02040503050406030204" pitchFamily="18" charset="0"/>
+                          </a:rPr>
+                          <m:t>=</m:t>
+                        </m:r>
+                        <m:r>
+                          <a:rPr lang="pt-BR" sz="1600" i="1">
+                            <a:latin typeface="Cambria Math" panose="02040503050406030204" pitchFamily="18" charset="0"/>
+                            <a:ea typeface="Cambria Math" panose="02040503050406030204" pitchFamily="18" charset="0"/>
+                          </a:rPr>
+                          <m:t>(</m:t>
+                        </m:r>
+                        <m:sSub>
+                          <m:sSubPr>
+                            <m:ctrlPr>
+                              <a:rPr lang="pt-BR" sz="1600" i="1">
+                                <a:latin typeface="Cambria Math" panose="02040503050406030204" pitchFamily="18" charset="0"/>
+                              </a:rPr>
+                            </m:ctrlPr>
+                          </m:sSubPr>
+                          <m:e>
+                            <m:r>
+                              <a:rPr lang="pt-BR" sz="1600" i="1">
+                                <a:latin typeface="Cambria Math" panose="02040503050406030204" pitchFamily="18" charset="0"/>
+                                <a:ea typeface="Cambria Math" panose="02040503050406030204" pitchFamily="18" charset="0"/>
+                              </a:rPr>
+                              <m:t>~</m:t>
+                            </m:r>
+                            <m:r>
+                              <a:rPr lang="pt-BR" sz="1600" i="1">
+                                <a:latin typeface="Cambria Math" panose="02040503050406030204" pitchFamily="18" charset="0"/>
+                              </a:rPr>
+                              <m:t>𝑥</m:t>
+                            </m:r>
+                          </m:e>
+                          <m:sub>
+                            <m:r>
+                              <a:rPr lang="pt-BR" sz="1600" i="1">
+                                <a:latin typeface="Cambria Math" panose="02040503050406030204" pitchFamily="18" charset="0"/>
+                              </a:rPr>
+                              <m:t>1</m:t>
+                            </m:r>
+                          </m:sub>
+                        </m:sSub>
+                        <m:r>
+                          <a:rPr lang="pt-BR" sz="1600" i="1">
+                            <a:latin typeface="Cambria Math" panose="02040503050406030204" pitchFamily="18" charset="0"/>
+                          </a:rPr>
+                          <m:t> </m:t>
+                        </m:r>
+                        <m:r>
+                          <a:rPr lang="pt-BR" sz="1600" b="0" i="1" smtClean="0">
+                            <a:latin typeface="Cambria Math" panose="02040503050406030204" pitchFamily="18" charset="0"/>
+                          </a:rPr>
+                          <m:t>|</m:t>
+                        </m:r>
+                        <m:r>
+                          <a:rPr lang="pt-BR" sz="1600" i="1">
+                            <a:latin typeface="Cambria Math" panose="02040503050406030204" pitchFamily="18" charset="0"/>
+                          </a:rPr>
+                          <m:t> </m:t>
+                        </m:r>
+                        <m:sSub>
+                          <m:sSubPr>
+                            <m:ctrlPr>
+                              <a:rPr lang="pt-BR" sz="1600" i="1">
+                                <a:latin typeface="Cambria Math" panose="02040503050406030204" pitchFamily="18" charset="0"/>
+                                <a:ea typeface="Cambria Math" panose="02040503050406030204" pitchFamily="18" charset="0"/>
+                              </a:rPr>
+                            </m:ctrlPr>
+                          </m:sSubPr>
+                          <m:e>
+                            <m:r>
+                              <a:rPr lang="pt-BR" sz="1600" i="1">
+                                <a:latin typeface="Cambria Math" panose="02040503050406030204" pitchFamily="18" charset="0"/>
+                                <a:ea typeface="Cambria Math" panose="02040503050406030204" pitchFamily="18" charset="0"/>
+                              </a:rPr>
+                              <m:t>𝑥</m:t>
+                            </m:r>
+                          </m:e>
+                          <m:sub>
+                            <m:r>
+                              <a:rPr lang="pt-BR" sz="1600" i="1">
+                                <a:latin typeface="Cambria Math" panose="02040503050406030204" pitchFamily="18" charset="0"/>
+                                <a:ea typeface="Cambria Math" panose="02040503050406030204" pitchFamily="18" charset="0"/>
+                              </a:rPr>
+                              <m:t>2</m:t>
+                            </m:r>
+                          </m:sub>
+                        </m:sSub>
+                        <m:r>
+                          <a:rPr lang="pt-BR" sz="1600" i="1">
+                            <a:latin typeface="Cambria Math" panose="02040503050406030204" pitchFamily="18" charset="0"/>
+                            <a:ea typeface="Cambria Math" panose="02040503050406030204" pitchFamily="18" charset="0"/>
+                          </a:rPr>
+                          <m:t>)</m:t>
+                        </m:r>
+                      </m:oMath>
+                    </m:oMathPara>
+                  </a14:m>
+                  <a:endParaRPr lang="pt-BR" sz="1600" dirty="0"/>
+                </a:p>
+              </p:txBody>
+            </p:sp>
+          </mc:Choice>
+          <mc:Fallback>
+            <p:sp>
+              <p:nvSpPr>
+                <p:cNvPr id="46" name="Rectangle 45"/>
+                <p:cNvSpPr>
+                  <a:spLocks noRot="1" noChangeAspect="1" noMove="1" noResize="1" noEditPoints="1" noAdjustHandles="1" noChangeArrowheads="1" noChangeShapeType="1" noTextEdit="1"/>
+                </p:cNvSpPr>
+                <p:nvPr/>
+              </p:nvSpPr>
+              <p:spPr>
+                <a:xfrm>
+                  <a:off x="5669905" y="3673252"/>
+                  <a:ext cx="1574085" cy="338554"/>
+                </a:xfrm>
+                <a:prstGeom prst="rect">
+                  <a:avLst/>
+                </a:prstGeom>
+                <a:blipFill rotWithShape="0">
+                  <a:blip r:embed="rId6"/>
+                  <a:stretch>
+                    <a:fillRect b="-10909"/>
+                  </a:stretch>
+                </a:blipFill>
+              </p:spPr>
+              <p:txBody>
+                <a:bodyPr/>
+                <a:lstStyle/>
+                <a:p>
+                  <a:r>
+                    <a:rPr lang="pt-BR">
+                      <a:noFill/>
+                    </a:rPr>
+                    <a:t> </a:t>
+                  </a:r>
+                </a:p>
+              </p:txBody>
+            </p:sp>
+          </mc:Fallback>
+        </mc:AlternateContent>
+        <p:cxnSp>
+          <p:nvCxnSpPr>
+            <p:cNvPr id="49" name="Straight Arrow Connector 48"/>
+            <p:cNvCxnSpPr>
+              <a:endCxn id="4" idx="1"/>
+            </p:cNvCxnSpPr>
+            <p:nvPr/>
+          </p:nvCxnSpPr>
+          <p:spPr>
+            <a:xfrm>
+              <a:off x="4478060" y="1706053"/>
+              <a:ext cx="403463" cy="126530"/>
+            </a:xfrm>
+            <a:prstGeom prst="straightConnector1">
+              <a:avLst/>
+            </a:prstGeom>
+            <a:ln>
+              <a:solidFill>
+                <a:schemeClr val="tx1"/>
+              </a:solidFill>
+              <a:tailEnd type="triangle"/>
+            </a:ln>
+          </p:spPr>
+          <p:style>
+            <a:lnRef idx="1">
+              <a:schemeClr val="accent1"/>
+            </a:lnRef>
+            <a:fillRef idx="0">
+              <a:schemeClr val="accent1"/>
+            </a:fillRef>
+            <a:effectRef idx="0">
+              <a:schemeClr val="accent1"/>
+            </a:effectRef>
+            <a:fontRef idx="minor">
+              <a:schemeClr val="tx1"/>
+            </a:fontRef>
+          </p:style>
+        </p:cxnSp>
+        <mc:AlternateContent xmlns:mc="http://schemas.openxmlformats.org/markup-compatibility/2006" xmlns:a14="http://schemas.microsoft.com/office/drawing/2010/main">
+          <mc:Choice Requires="a14">
+            <p:sp>
+              <p:nvSpPr>
+                <p:cNvPr id="50" name="Rectangle 49"/>
+                <p:cNvSpPr/>
+                <p:nvPr/>
+              </p:nvSpPr>
+              <p:spPr>
+                <a:xfrm>
+                  <a:off x="3880670" y="1537888"/>
+                  <a:ext cx="658257" cy="276999"/>
+                </a:xfrm>
+                <a:prstGeom prst="rect">
+                  <a:avLst/>
+                </a:prstGeom>
+              </p:spPr>
+              <p:txBody>
+                <a:bodyPr wrap="none">
+                  <a:spAutoFit/>
+                </a:bodyPr>
+                <a:lstStyle/>
+                <a:p>
+                  <a:pPr/>
+                  <a14:m>
+                    <m:oMathPara xmlns:m="http://schemas.openxmlformats.org/officeDocument/2006/math">
+                      <m:oMathParaPr>
+                        <m:jc m:val="centerGroup"/>
+                      </m:oMathParaPr>
+                      <m:oMath xmlns:m="http://schemas.openxmlformats.org/officeDocument/2006/math">
+                        <m:sSub>
+                          <m:sSubPr>
+                            <m:ctrlPr>
+                              <a:rPr lang="pt-BR" sz="1200" i="1" smtClean="0">
+                                <a:latin typeface="Cambria Math" panose="02040503050406030204" pitchFamily="18" charset="0"/>
+                              </a:rPr>
+                            </m:ctrlPr>
+                          </m:sSubPr>
+                          <m:e>
+                            <m:r>
+                              <a:rPr lang="pt-BR" sz="1200" i="1">
+                                <a:latin typeface="Cambria Math" panose="02040503050406030204" pitchFamily="18" charset="0"/>
+                              </a:rPr>
+                              <m:t>𝑥</m:t>
+                            </m:r>
+                          </m:e>
+                          <m:sub>
+                            <m:r>
+                              <a:rPr lang="pt-BR" sz="1200" b="0" i="1" smtClean="0">
+                                <a:latin typeface="Cambria Math" panose="02040503050406030204" pitchFamily="18" charset="0"/>
+                              </a:rPr>
+                              <m:t>0</m:t>
+                            </m:r>
+                          </m:sub>
+                        </m:sSub>
+                        <m:r>
+                          <a:rPr lang="pt-BR" sz="1200" b="0" i="1" smtClean="0">
+                            <a:latin typeface="Cambria Math" panose="02040503050406030204" pitchFamily="18" charset="0"/>
+                          </a:rPr>
+                          <m:t>=1</m:t>
+                        </m:r>
+                      </m:oMath>
+                    </m:oMathPara>
+                  </a14:m>
+                  <a:endParaRPr lang="pt-BR" sz="1200" dirty="0"/>
+                </a:p>
+              </p:txBody>
+            </p:sp>
+          </mc:Choice>
+          <mc:Fallback xmlns="">
+            <p:sp>
+              <p:nvSpPr>
+                <p:cNvPr id="50" name="Rectangle 49"/>
+                <p:cNvSpPr>
+                  <a:spLocks noRot="1" noChangeAspect="1" noMove="1" noResize="1" noEditPoints="1" noAdjustHandles="1" noChangeArrowheads="1" noChangeShapeType="1" noTextEdit="1"/>
+                </p:cNvSpPr>
+                <p:nvPr/>
+              </p:nvSpPr>
+              <p:spPr>
+                <a:xfrm>
+                  <a:off x="3880670" y="1537888"/>
+                  <a:ext cx="658257" cy="276999"/>
+                </a:xfrm>
+                <a:prstGeom prst="rect">
+                  <a:avLst/>
+                </a:prstGeom>
+                <a:blipFill rotWithShape="0">
+                  <a:blip r:embed="rId7"/>
+                  <a:stretch>
+                    <a:fillRect/>
+                  </a:stretch>
+                </a:blipFill>
+              </p:spPr>
+              <p:txBody>
+                <a:bodyPr/>
+                <a:lstStyle/>
+                <a:p>
+                  <a:r>
+                    <a:rPr lang="pt-BR">
+                      <a:noFill/>
+                    </a:rPr>
+                    <a:t> </a:t>
+                  </a:r>
+                </a:p>
+              </p:txBody>
+            </p:sp>
+          </mc:Fallback>
+        </mc:AlternateContent>
+        <p:cxnSp>
+          <p:nvCxnSpPr>
+            <p:cNvPr id="51" name="Straight Arrow Connector 50"/>
+            <p:cNvCxnSpPr/>
+            <p:nvPr/>
+          </p:nvCxnSpPr>
+          <p:spPr>
+            <a:xfrm flipV="1">
+              <a:off x="4423530" y="4097597"/>
+              <a:ext cx="403463" cy="126530"/>
+            </a:xfrm>
+            <a:prstGeom prst="straightConnector1">
+              <a:avLst/>
+            </a:prstGeom>
+            <a:ln>
+              <a:solidFill>
+                <a:schemeClr val="tx1"/>
+              </a:solidFill>
+              <a:tailEnd type="triangle"/>
+            </a:ln>
+          </p:spPr>
+          <p:style>
+            <a:lnRef idx="1">
+              <a:schemeClr val="accent1"/>
+            </a:lnRef>
+            <a:fillRef idx="0">
+              <a:schemeClr val="accent1"/>
+            </a:fillRef>
+            <a:effectRef idx="0">
+              <a:schemeClr val="accent1"/>
+            </a:effectRef>
+            <a:fontRef idx="minor">
+              <a:schemeClr val="tx1"/>
+            </a:fontRef>
+          </p:style>
+        </p:cxnSp>
+        <mc:AlternateContent xmlns:mc="http://schemas.openxmlformats.org/markup-compatibility/2006" xmlns:a14="http://schemas.microsoft.com/office/drawing/2010/main">
+          <mc:Choice Requires="a14">
+            <p:sp>
+              <p:nvSpPr>
+                <p:cNvPr id="52" name="Rectangle 51"/>
+                <p:cNvSpPr/>
+                <p:nvPr/>
+              </p:nvSpPr>
+              <p:spPr>
+                <a:xfrm>
+                  <a:off x="3931004" y="4221264"/>
+                  <a:ext cx="658257" cy="276999"/>
+                </a:xfrm>
+                <a:prstGeom prst="rect">
+                  <a:avLst/>
+                </a:prstGeom>
+              </p:spPr>
+              <p:txBody>
+                <a:bodyPr wrap="none">
+                  <a:spAutoFit/>
+                </a:bodyPr>
+                <a:lstStyle/>
+                <a:p>
+                  <a:pPr/>
+                  <a14:m>
+                    <m:oMathPara xmlns:m="http://schemas.openxmlformats.org/officeDocument/2006/math">
+                      <m:oMathParaPr>
+                        <m:jc m:val="centerGroup"/>
+                      </m:oMathParaPr>
+                      <m:oMath xmlns:m="http://schemas.openxmlformats.org/officeDocument/2006/math">
+                        <m:sSub>
+                          <m:sSubPr>
+                            <m:ctrlPr>
+                              <a:rPr lang="pt-BR" sz="1200" i="1" smtClean="0">
+                                <a:latin typeface="Cambria Math" panose="02040503050406030204" pitchFamily="18" charset="0"/>
+                              </a:rPr>
+                            </m:ctrlPr>
+                          </m:sSubPr>
+                          <m:e>
+                            <m:r>
+                              <a:rPr lang="pt-BR" sz="1200" i="1">
+                                <a:latin typeface="Cambria Math" panose="02040503050406030204" pitchFamily="18" charset="0"/>
+                              </a:rPr>
+                              <m:t>𝑥</m:t>
+                            </m:r>
+                          </m:e>
+                          <m:sub>
+                            <m:r>
+                              <a:rPr lang="pt-BR" sz="1200" b="0" i="1" smtClean="0">
+                                <a:latin typeface="Cambria Math" panose="02040503050406030204" pitchFamily="18" charset="0"/>
+                              </a:rPr>
+                              <m:t>0</m:t>
+                            </m:r>
+                          </m:sub>
+                        </m:sSub>
+                        <m:r>
+                          <a:rPr lang="pt-BR" sz="1200" b="0" i="1" smtClean="0">
+                            <a:latin typeface="Cambria Math" panose="02040503050406030204" pitchFamily="18" charset="0"/>
+                          </a:rPr>
+                          <m:t>=1</m:t>
+                        </m:r>
+                      </m:oMath>
+                    </m:oMathPara>
+                  </a14:m>
+                  <a:endParaRPr lang="pt-BR" sz="1200" dirty="0"/>
+                </a:p>
+              </p:txBody>
+            </p:sp>
+          </mc:Choice>
+          <mc:Fallback xmlns="">
+            <p:sp>
+              <p:nvSpPr>
+                <p:cNvPr id="52" name="Rectangle 51"/>
+                <p:cNvSpPr>
+                  <a:spLocks noRot="1" noChangeAspect="1" noMove="1" noResize="1" noEditPoints="1" noAdjustHandles="1" noChangeArrowheads="1" noChangeShapeType="1" noTextEdit="1"/>
+                </p:cNvSpPr>
+                <p:nvPr/>
+              </p:nvSpPr>
+              <p:spPr>
+                <a:xfrm>
+                  <a:off x="3931004" y="4221264"/>
+                  <a:ext cx="658257" cy="276999"/>
+                </a:xfrm>
+                <a:prstGeom prst="rect">
+                  <a:avLst/>
+                </a:prstGeom>
+                <a:blipFill rotWithShape="0">
+                  <a:blip r:embed="rId7"/>
+                  <a:stretch>
+                    <a:fillRect/>
+                  </a:stretch>
+                </a:blipFill>
+              </p:spPr>
+              <p:txBody>
+                <a:bodyPr/>
+                <a:lstStyle/>
+                <a:p>
+                  <a:r>
+                    <a:rPr lang="pt-BR">
+                      <a:noFill/>
+                    </a:rPr>
+                    <a:t> </a:t>
+                  </a:r>
+                </a:p>
+              </p:txBody>
+            </p:sp>
+          </mc:Fallback>
+        </mc:AlternateContent>
+        <p:cxnSp>
+          <p:nvCxnSpPr>
+            <p:cNvPr id="56" name="Straight Arrow Connector 55"/>
+            <p:cNvCxnSpPr/>
+            <p:nvPr/>
+          </p:nvCxnSpPr>
+          <p:spPr>
+            <a:xfrm flipV="1">
+              <a:off x="5968664" y="3004741"/>
+              <a:ext cx="269417" cy="7609"/>
+            </a:xfrm>
+            <a:prstGeom prst="straightConnector1">
+              <a:avLst/>
+            </a:prstGeom>
+            <a:ln>
+              <a:solidFill>
+                <a:schemeClr val="tx1"/>
+              </a:solidFill>
+              <a:tailEnd type="triangle"/>
+            </a:ln>
+          </p:spPr>
+          <p:style>
+            <a:lnRef idx="1">
+              <a:schemeClr val="accent1"/>
+            </a:lnRef>
+            <a:fillRef idx="0">
+              <a:schemeClr val="accent1"/>
+            </a:fillRef>
+            <a:effectRef idx="0">
+              <a:schemeClr val="accent1"/>
+            </a:effectRef>
+            <a:fontRef idx="minor">
+              <a:schemeClr val="tx1"/>
+            </a:fontRef>
+          </p:style>
+        </p:cxnSp>
+        <mc:AlternateContent xmlns:mc="http://schemas.openxmlformats.org/markup-compatibility/2006" xmlns:a14="http://schemas.microsoft.com/office/drawing/2010/main">
+          <mc:Choice Requires="a14">
+            <p:sp>
+              <p:nvSpPr>
+                <p:cNvPr id="57" name="Rectangle 56"/>
+                <p:cNvSpPr/>
+                <p:nvPr/>
+              </p:nvSpPr>
+              <p:spPr>
+                <a:xfrm>
+                  <a:off x="5456623" y="2760390"/>
+                  <a:ext cx="658257" cy="276999"/>
+                </a:xfrm>
+                <a:prstGeom prst="rect">
+                  <a:avLst/>
+                </a:prstGeom>
+              </p:spPr>
+              <p:txBody>
+                <a:bodyPr wrap="none">
+                  <a:spAutoFit/>
+                </a:bodyPr>
+                <a:lstStyle/>
+                <a:p>
+                  <a:pPr/>
+                  <a14:m>
+                    <m:oMathPara xmlns:m="http://schemas.openxmlformats.org/officeDocument/2006/math">
+                      <m:oMathParaPr>
+                        <m:jc m:val="centerGroup"/>
+                      </m:oMathParaPr>
+                      <m:oMath xmlns:m="http://schemas.openxmlformats.org/officeDocument/2006/math">
+                        <m:sSub>
+                          <m:sSubPr>
+                            <m:ctrlPr>
+                              <a:rPr lang="pt-BR" sz="1200" i="1" smtClean="0">
+                                <a:latin typeface="Cambria Math" panose="02040503050406030204" pitchFamily="18" charset="0"/>
+                              </a:rPr>
+                            </m:ctrlPr>
+                          </m:sSubPr>
+                          <m:e>
+                            <m:r>
+                              <a:rPr lang="pt-BR" sz="1200" i="1">
+                                <a:latin typeface="Cambria Math" panose="02040503050406030204" pitchFamily="18" charset="0"/>
+                              </a:rPr>
+                              <m:t>𝑥</m:t>
+                            </m:r>
+                          </m:e>
+                          <m:sub>
+                            <m:r>
+                              <a:rPr lang="pt-BR" sz="1200" b="0" i="1" smtClean="0">
+                                <a:latin typeface="Cambria Math" panose="02040503050406030204" pitchFamily="18" charset="0"/>
+                              </a:rPr>
+                              <m:t>0</m:t>
+                            </m:r>
+                          </m:sub>
+                        </m:sSub>
+                        <m:r>
+                          <a:rPr lang="pt-BR" sz="1200" b="0" i="1" smtClean="0">
+                            <a:latin typeface="Cambria Math" panose="02040503050406030204" pitchFamily="18" charset="0"/>
+                          </a:rPr>
+                          <m:t>=1</m:t>
+                        </m:r>
+                      </m:oMath>
+                    </m:oMathPara>
+                  </a14:m>
+                  <a:endParaRPr lang="pt-BR" sz="1200" dirty="0"/>
+                </a:p>
+              </p:txBody>
+            </p:sp>
+          </mc:Choice>
+          <mc:Fallback xmlns="">
+            <p:sp>
+              <p:nvSpPr>
+                <p:cNvPr id="57" name="Rectangle 56"/>
+                <p:cNvSpPr>
+                  <a:spLocks noRot="1" noChangeAspect="1" noMove="1" noResize="1" noEditPoints="1" noAdjustHandles="1" noChangeArrowheads="1" noChangeShapeType="1" noTextEdit="1"/>
+                </p:cNvSpPr>
+                <p:nvPr/>
+              </p:nvSpPr>
+              <p:spPr>
+                <a:xfrm>
+                  <a:off x="5456623" y="2760390"/>
+                  <a:ext cx="658257" cy="276999"/>
+                </a:xfrm>
+                <a:prstGeom prst="rect">
+                  <a:avLst/>
+                </a:prstGeom>
+                <a:blipFill rotWithShape="0">
+                  <a:blip r:embed="rId8"/>
+                  <a:stretch>
+                    <a:fillRect/>
+                  </a:stretch>
+                </a:blipFill>
+              </p:spPr>
+              <p:txBody>
+                <a:bodyPr/>
+                <a:lstStyle/>
+                <a:p>
+                  <a:r>
+                    <a:rPr lang="pt-BR">
+                      <a:noFill/>
+                    </a:rPr>
+                    <a:t> </a:t>
+                  </a:r>
+                </a:p>
+              </p:txBody>
+            </p:sp>
+          </mc:Fallback>
+        </mc:AlternateContent>
+      </p:grpSp>
+    </p:spTree>
+    <p:extLst>
+      <p:ext uri="{BB962C8B-B14F-4D97-AF65-F5344CB8AC3E}">
+        <p14:creationId xmlns:p14="http://schemas.microsoft.com/office/powerpoint/2010/main" val="798305906"/>
       </p:ext>
     </p:extLst>
   </p:cSld>

--- a/slides/T320_Redes_Neurais_Artificiais (Parte I).pptx
+++ b/slides/T320_Redes_Neurais_Artificiais (Parte I).pptx
@@ -263,7 +263,7 @@
           <a:p>
             <a:fld id="{C3C82C08-3EFC-4473-8294-F0E229C19EFF}" type="datetimeFigureOut">
               <a:rPr lang="pt-BR" smtClean="0"/>
-              <a:t>02/09/2021</a:t>
+              <a:t>17/09/2021</a:t>
             </a:fld>
             <a:endParaRPr lang="pt-BR"/>
           </a:p>
@@ -5483,8 +5483,13 @@
                 </a:r>
                 <a:r>
                   <a:rPr lang="pt-BR" dirty="0" smtClean="0"/>
-                  <a:t>https://colab.research.google.com/github/zz4fap/t320_aprendizado_de_maquina/blob/main/notebooks/classificação/perceptron_xor_problem.ipynb</a:t>
-                </a:r>
+                  <a:t>https://</a:t>
+                </a:r>
+                <a:r>
+                  <a:rPr lang="pt-BR" dirty="0" smtClean="0"/>
+                  <a:t>colab.research.google.com/github/zz4fap/t320_aprendizado_de_maquina/blob/main/notebooks/perceptron/perceptron_xor_problem.ipynb</a:t>
+                </a:r>
+                <a:endParaRPr lang="pt-BR" dirty="0" smtClean="0"/>
               </a:p>
               <a:p>
                 <a:endParaRPr lang="pt-BR" dirty="0" smtClean="0"/>
@@ -7163,7 +7168,7 @@
           <a:p>
             <a:fld id="{221D0464-8C8A-49C0-859F-777E51766A35}" type="datetimeFigureOut">
               <a:rPr lang="pt-BR" smtClean="0"/>
-              <a:t>02/09/2021</a:t>
+              <a:t>17/09/2021</a:t>
             </a:fld>
             <a:endParaRPr lang="pt-BR"/>
           </a:p>
@@ -7333,7 +7338,7 @@
           <a:p>
             <a:fld id="{221D0464-8C8A-49C0-859F-777E51766A35}" type="datetimeFigureOut">
               <a:rPr lang="pt-BR" smtClean="0"/>
-              <a:t>02/09/2021</a:t>
+              <a:t>17/09/2021</a:t>
             </a:fld>
             <a:endParaRPr lang="pt-BR"/>
           </a:p>
@@ -7513,7 +7518,7 @@
           <a:p>
             <a:fld id="{221D0464-8C8A-49C0-859F-777E51766A35}" type="datetimeFigureOut">
               <a:rPr lang="pt-BR" smtClean="0"/>
-              <a:t>02/09/2021</a:t>
+              <a:t>17/09/2021</a:t>
             </a:fld>
             <a:endParaRPr lang="pt-BR"/>
           </a:p>
@@ -7683,7 +7688,7 @@
           <a:p>
             <a:fld id="{221D0464-8C8A-49C0-859F-777E51766A35}" type="datetimeFigureOut">
               <a:rPr lang="pt-BR" smtClean="0"/>
-              <a:t>02/09/2021</a:t>
+              <a:t>17/09/2021</a:t>
             </a:fld>
             <a:endParaRPr lang="pt-BR"/>
           </a:p>
@@ -7929,7 +7934,7 @@
           <a:p>
             <a:fld id="{221D0464-8C8A-49C0-859F-777E51766A35}" type="datetimeFigureOut">
               <a:rPr lang="pt-BR" smtClean="0"/>
-              <a:t>02/09/2021</a:t>
+              <a:t>17/09/2021</a:t>
             </a:fld>
             <a:endParaRPr lang="pt-BR"/>
           </a:p>
@@ -8161,7 +8166,7 @@
           <a:p>
             <a:fld id="{221D0464-8C8A-49C0-859F-777E51766A35}" type="datetimeFigureOut">
               <a:rPr lang="pt-BR" smtClean="0"/>
-              <a:t>02/09/2021</a:t>
+              <a:t>17/09/2021</a:t>
             </a:fld>
             <a:endParaRPr lang="pt-BR"/>
           </a:p>
@@ -8528,7 +8533,7 @@
           <a:p>
             <a:fld id="{221D0464-8C8A-49C0-859F-777E51766A35}" type="datetimeFigureOut">
               <a:rPr lang="pt-BR" smtClean="0"/>
-              <a:t>02/09/2021</a:t>
+              <a:t>17/09/2021</a:t>
             </a:fld>
             <a:endParaRPr lang="pt-BR"/>
           </a:p>
@@ -8646,7 +8651,7 @@
           <a:p>
             <a:fld id="{221D0464-8C8A-49C0-859F-777E51766A35}" type="datetimeFigureOut">
               <a:rPr lang="pt-BR" smtClean="0"/>
-              <a:t>02/09/2021</a:t>
+              <a:t>17/09/2021</a:t>
             </a:fld>
             <a:endParaRPr lang="pt-BR"/>
           </a:p>
@@ -8741,7 +8746,7 @@
           <a:p>
             <a:fld id="{221D0464-8C8A-49C0-859F-777E51766A35}" type="datetimeFigureOut">
               <a:rPr lang="pt-BR" smtClean="0"/>
-              <a:t>02/09/2021</a:t>
+              <a:t>17/09/2021</a:t>
             </a:fld>
             <a:endParaRPr lang="pt-BR"/>
           </a:p>
@@ -9018,7 +9023,7 @@
           <a:p>
             <a:fld id="{221D0464-8C8A-49C0-859F-777E51766A35}" type="datetimeFigureOut">
               <a:rPr lang="pt-BR" smtClean="0"/>
-              <a:t>02/09/2021</a:t>
+              <a:t>17/09/2021</a:t>
             </a:fld>
             <a:endParaRPr lang="pt-BR"/>
           </a:p>
@@ -9271,7 +9276,7 @@
           <a:p>
             <a:fld id="{221D0464-8C8A-49C0-859F-777E51766A35}" type="datetimeFigureOut">
               <a:rPr lang="pt-BR" smtClean="0"/>
-              <a:t>02/09/2021</a:t>
+              <a:t>17/09/2021</a:t>
             </a:fld>
             <a:endParaRPr lang="pt-BR"/>
           </a:p>
@@ -9484,7 +9489,7 @@
           <a:p>
             <a:fld id="{221D0464-8C8A-49C0-859F-777E51766A35}" type="datetimeFigureOut">
               <a:rPr lang="pt-BR" smtClean="0"/>
-              <a:t>02/09/2021</a:t>
+              <a:t>17/09/2021</a:t>
             </a:fld>
             <a:endParaRPr lang="pt-BR"/>
           </a:p>
@@ -9894,7 +9899,7 @@
           <p:cNvPr id="2" name="Título 1">
             <a:extLst>
               <a:ext uri="{FF2B5EF4-FFF2-40B4-BE49-F238E27FC236}">
-                <a16:creationId xmlns="" xmlns:a16="http://schemas.microsoft.com/office/drawing/2014/main" id="{32666AC8-2E17-4DB4-B0F5-60C640CCFD2E}"/>
+                <a16:creationId xmlns:a16="http://schemas.microsoft.com/office/drawing/2014/main" xmlns="" id="{32666AC8-2E17-4DB4-B0F5-60C640CCFD2E}"/>
               </a:ext>
             </a:extLst>
           </p:cNvPr>
@@ -9940,7 +9945,7 @@
           <p:cNvPr id="4" name="CaixaDeTexto 3">
             <a:extLst>
               <a:ext uri="{FF2B5EF4-FFF2-40B4-BE49-F238E27FC236}">
-                <a16:creationId xmlns="" xmlns:a16="http://schemas.microsoft.com/office/drawing/2014/main" id="{430EB894-B7D4-434C-9D1A-A14094D9BEEC}"/>
+                <a16:creationId xmlns:a16="http://schemas.microsoft.com/office/drawing/2014/main" xmlns="" id="{430EB894-B7D4-434C-9D1A-A14094D9BEEC}"/>
               </a:ext>
             </a:extLst>
           </p:cNvPr>
@@ -9981,7 +9986,7 @@
           <p:cNvPr id="1026" name="Picture 2" descr="Logo">
             <a:extLst>
               <a:ext uri="{FF2B5EF4-FFF2-40B4-BE49-F238E27FC236}">
-                <a16:creationId xmlns="" xmlns:a16="http://schemas.microsoft.com/office/drawing/2014/main" id="{3F2642E0-4F6A-4196-8F58-E77D36E9A33F}"/>
+                <a16:creationId xmlns:a16="http://schemas.microsoft.com/office/drawing/2014/main" xmlns="" id="{3F2642E0-4F6A-4196-8F58-E77D36E9A33F}"/>
               </a:ext>
             </a:extLst>
           </p:cNvPr>
@@ -10026,7 +10031,7 @@
           <p:cNvPr id="5122" name="Picture 2" descr="Image result for machine learning">
             <a:extLst>
               <a:ext uri="{FF2B5EF4-FFF2-40B4-BE49-F238E27FC236}">
-                <a16:creationId xmlns="" xmlns:a16="http://schemas.microsoft.com/office/drawing/2014/main" id="{810CE0A2-4102-44A6-A370-175E7896CDCB}"/>
+                <a16:creationId xmlns:a16="http://schemas.microsoft.com/office/drawing/2014/main" xmlns="" id="{810CE0A2-4102-44A6-A370-175E7896CDCB}"/>
               </a:ext>
             </a:extLst>
           </p:cNvPr>
@@ -10160,28 +10165,28 @@
                     <a:gridCol w="550863">
                       <a:extLst>
                         <a:ext uri="{9D8B030D-6E8A-4147-A177-3AD203B41FA5}">
-                          <a16:colId xmlns="" xmlns:a16="http://schemas.microsoft.com/office/drawing/2014/main" val="20000"/>
+                          <a16:colId xmlns:a16="http://schemas.microsoft.com/office/drawing/2014/main" xmlns="" val="20000"/>
                         </a:ext>
                       </a:extLst>
                     </a:gridCol>
                     <a:gridCol w="550863">
                       <a:extLst>
                         <a:ext uri="{9D8B030D-6E8A-4147-A177-3AD203B41FA5}">
-                          <a16:colId xmlns="" xmlns:a16="http://schemas.microsoft.com/office/drawing/2014/main" val="20001"/>
+                          <a16:colId xmlns:a16="http://schemas.microsoft.com/office/drawing/2014/main" xmlns="" val="20001"/>
                         </a:ext>
                       </a:extLst>
                     </a:gridCol>
                     <a:gridCol w="550863">
                       <a:extLst>
                         <a:ext uri="{9D8B030D-6E8A-4147-A177-3AD203B41FA5}">
-                          <a16:colId xmlns="" xmlns:a16="http://schemas.microsoft.com/office/drawing/2014/main" val="20002"/>
+                          <a16:colId xmlns:a16="http://schemas.microsoft.com/office/drawing/2014/main" xmlns="" val="20002"/>
                         </a:ext>
                       </a:extLst>
                     </a:gridCol>
                     <a:gridCol w="550863">
                       <a:extLst>
                         <a:ext uri="{9D8B030D-6E8A-4147-A177-3AD203B41FA5}">
-                          <a16:colId xmlns="" xmlns:a16="http://schemas.microsoft.com/office/drawing/2014/main" val="20003"/>
+                          <a16:colId xmlns:a16="http://schemas.microsoft.com/office/drawing/2014/main" xmlns="" val="20003"/>
                         </a:ext>
                       </a:extLst>
                     </a:gridCol>
@@ -10272,7 +10277,7 @@
                     </a:tc>
                     <a:extLst>
                       <a:ext uri="{0D108BD9-81ED-4DB2-BD59-A6C34878D82A}">
-                        <a16:rowId xmlns="" xmlns:a16="http://schemas.microsoft.com/office/drawing/2014/main" val="10000"/>
+                        <a16:rowId xmlns:a16="http://schemas.microsoft.com/office/drawing/2014/main" xmlns="" val="10000"/>
                       </a:ext>
                     </a:extLst>
                   </a:tr>
@@ -10525,7 +10530,7 @@
                     </a:tc>
                     <a:extLst>
                       <a:ext uri="{0D108BD9-81ED-4DB2-BD59-A6C34878D82A}">
-                        <a16:rowId xmlns="" xmlns:a16="http://schemas.microsoft.com/office/drawing/2014/main" val="10001"/>
+                        <a16:rowId xmlns:a16="http://schemas.microsoft.com/office/drawing/2014/main" xmlns="" val="10001"/>
                       </a:ext>
                     </a:extLst>
                   </a:tr>
@@ -10744,7 +10749,7 @@
                     </a:tc>
                     <a:extLst>
                       <a:ext uri="{0D108BD9-81ED-4DB2-BD59-A6C34878D82A}">
-                        <a16:rowId xmlns="" xmlns:a16="http://schemas.microsoft.com/office/drawing/2014/main" val="10002"/>
+                        <a16:rowId xmlns:a16="http://schemas.microsoft.com/office/drawing/2014/main" xmlns="" val="10002"/>
                       </a:ext>
                     </a:extLst>
                   </a:tr>
@@ -10963,7 +10968,7 @@
                     </a:tc>
                     <a:extLst>
                       <a:ext uri="{0D108BD9-81ED-4DB2-BD59-A6C34878D82A}">
-                        <a16:rowId xmlns="" xmlns:a16="http://schemas.microsoft.com/office/drawing/2014/main" val="10003"/>
+                        <a16:rowId xmlns:a16="http://schemas.microsoft.com/office/drawing/2014/main" xmlns="" val="10003"/>
                       </a:ext>
                     </a:extLst>
                   </a:tr>
@@ -11182,7 +11187,7 @@
                     </a:tc>
                     <a:extLst>
                       <a:ext uri="{0D108BD9-81ED-4DB2-BD59-A6C34878D82A}">
-                        <a16:rowId xmlns="" xmlns:a16="http://schemas.microsoft.com/office/drawing/2014/main" val="10004"/>
+                        <a16:rowId xmlns:a16="http://schemas.microsoft.com/office/drawing/2014/main" xmlns="" val="10004"/>
                       </a:ext>
                     </a:extLst>
                   </a:tr>
@@ -11401,7 +11406,7 @@
                     </a:tc>
                     <a:extLst>
                       <a:ext uri="{0D108BD9-81ED-4DB2-BD59-A6C34878D82A}">
-                        <a16:rowId xmlns="" xmlns:a16="http://schemas.microsoft.com/office/drawing/2014/main" val="10005"/>
+                        <a16:rowId xmlns:a16="http://schemas.microsoft.com/office/drawing/2014/main" xmlns="" val="10005"/>
                       </a:ext>
                     </a:extLst>
                   </a:tr>
@@ -13500,28 +13505,28 @@
                     <a:gridCol w="550863">
                       <a:extLst>
                         <a:ext uri="{9D8B030D-6E8A-4147-A177-3AD203B41FA5}">
-                          <a16:colId xmlns="" xmlns:a16="http://schemas.microsoft.com/office/drawing/2014/main" val="20000"/>
+                          <a16:colId xmlns:a16="http://schemas.microsoft.com/office/drawing/2014/main" xmlns="" val="20000"/>
                         </a:ext>
                       </a:extLst>
                     </a:gridCol>
                     <a:gridCol w="550863">
                       <a:extLst>
                         <a:ext uri="{9D8B030D-6E8A-4147-A177-3AD203B41FA5}">
-                          <a16:colId xmlns="" xmlns:a16="http://schemas.microsoft.com/office/drawing/2014/main" val="20001"/>
+                          <a16:colId xmlns:a16="http://schemas.microsoft.com/office/drawing/2014/main" xmlns="" val="20001"/>
                         </a:ext>
                       </a:extLst>
                     </a:gridCol>
                     <a:gridCol w="550863">
                       <a:extLst>
                         <a:ext uri="{9D8B030D-6E8A-4147-A177-3AD203B41FA5}">
-                          <a16:colId xmlns="" xmlns:a16="http://schemas.microsoft.com/office/drawing/2014/main" val="20002"/>
+                          <a16:colId xmlns:a16="http://schemas.microsoft.com/office/drawing/2014/main" xmlns="" val="20002"/>
                         </a:ext>
                       </a:extLst>
                     </a:gridCol>
                     <a:gridCol w="550863">
                       <a:extLst>
                         <a:ext uri="{9D8B030D-6E8A-4147-A177-3AD203B41FA5}">
-                          <a16:colId xmlns="" xmlns:a16="http://schemas.microsoft.com/office/drawing/2014/main" val="20003"/>
+                          <a16:colId xmlns:a16="http://schemas.microsoft.com/office/drawing/2014/main" xmlns="" val="20003"/>
                         </a:ext>
                       </a:extLst>
                     </a:gridCol>
@@ -13612,7 +13617,7 @@
                     </a:tc>
                     <a:extLst>
                       <a:ext uri="{0D108BD9-81ED-4DB2-BD59-A6C34878D82A}">
-                        <a16:rowId xmlns="" xmlns:a16="http://schemas.microsoft.com/office/drawing/2014/main" val="10000"/>
+                        <a16:rowId xmlns:a16="http://schemas.microsoft.com/office/drawing/2014/main" xmlns="" val="10000"/>
                       </a:ext>
                     </a:extLst>
                   </a:tr>
@@ -13865,7 +13870,7 @@
                     </a:tc>
                     <a:extLst>
                       <a:ext uri="{0D108BD9-81ED-4DB2-BD59-A6C34878D82A}">
-                        <a16:rowId xmlns="" xmlns:a16="http://schemas.microsoft.com/office/drawing/2014/main" val="10001"/>
+                        <a16:rowId xmlns:a16="http://schemas.microsoft.com/office/drawing/2014/main" xmlns="" val="10001"/>
                       </a:ext>
                     </a:extLst>
                   </a:tr>
@@ -14084,7 +14089,7 @@
                     </a:tc>
                     <a:extLst>
                       <a:ext uri="{0D108BD9-81ED-4DB2-BD59-A6C34878D82A}">
-                        <a16:rowId xmlns="" xmlns:a16="http://schemas.microsoft.com/office/drawing/2014/main" val="10002"/>
+                        <a16:rowId xmlns:a16="http://schemas.microsoft.com/office/drawing/2014/main" xmlns="" val="10002"/>
                       </a:ext>
                     </a:extLst>
                   </a:tr>
@@ -14303,7 +14308,7 @@
                     </a:tc>
                     <a:extLst>
                       <a:ext uri="{0D108BD9-81ED-4DB2-BD59-A6C34878D82A}">
-                        <a16:rowId xmlns="" xmlns:a16="http://schemas.microsoft.com/office/drawing/2014/main" val="10003"/>
+                        <a16:rowId xmlns:a16="http://schemas.microsoft.com/office/drawing/2014/main" xmlns="" val="10003"/>
                       </a:ext>
                     </a:extLst>
                   </a:tr>
@@ -14522,7 +14527,7 @@
                     </a:tc>
                     <a:extLst>
                       <a:ext uri="{0D108BD9-81ED-4DB2-BD59-A6C34878D82A}">
-                        <a16:rowId xmlns="" xmlns:a16="http://schemas.microsoft.com/office/drawing/2014/main" val="10004"/>
+                        <a16:rowId xmlns:a16="http://schemas.microsoft.com/office/drawing/2014/main" xmlns="" val="10004"/>
                       </a:ext>
                     </a:extLst>
                   </a:tr>
@@ -14741,7 +14746,7 @@
                     </a:tc>
                     <a:extLst>
                       <a:ext uri="{0D108BD9-81ED-4DB2-BD59-A6C34878D82A}">
-                        <a16:rowId xmlns="" xmlns:a16="http://schemas.microsoft.com/office/drawing/2014/main" val="10005"/>
+                        <a16:rowId xmlns:a16="http://schemas.microsoft.com/office/drawing/2014/main" xmlns="" val="10005"/>
                       </a:ext>
                     </a:extLst>
                   </a:tr>
@@ -17138,21 +17143,21 @@
                     <a:gridCol w="523278">
                       <a:extLst>
                         <a:ext uri="{9D8B030D-6E8A-4147-A177-3AD203B41FA5}">
-                          <a16:colId xmlns="" xmlns:a16="http://schemas.microsoft.com/office/drawing/2014/main" val="20000"/>
+                          <a16:colId xmlns:a16="http://schemas.microsoft.com/office/drawing/2014/main" xmlns="" val="20000"/>
                         </a:ext>
                       </a:extLst>
                     </a:gridCol>
                     <a:gridCol w="523278">
                       <a:extLst>
                         <a:ext uri="{9D8B030D-6E8A-4147-A177-3AD203B41FA5}">
-                          <a16:colId xmlns="" xmlns:a16="http://schemas.microsoft.com/office/drawing/2014/main" val="20001"/>
+                          <a16:colId xmlns:a16="http://schemas.microsoft.com/office/drawing/2014/main" xmlns="" val="20001"/>
                         </a:ext>
                       </a:extLst>
                     </a:gridCol>
                     <a:gridCol w="523278">
                       <a:extLst>
                         <a:ext uri="{9D8B030D-6E8A-4147-A177-3AD203B41FA5}">
-                          <a16:colId xmlns="" xmlns:a16="http://schemas.microsoft.com/office/drawing/2014/main" val="20002"/>
+                          <a16:colId xmlns:a16="http://schemas.microsoft.com/office/drawing/2014/main" xmlns="" val="20002"/>
                         </a:ext>
                       </a:extLst>
                     </a:gridCol>
@@ -17233,7 +17238,7 @@
                     </a:tc>
                     <a:extLst>
                       <a:ext uri="{0D108BD9-81ED-4DB2-BD59-A6C34878D82A}">
-                        <a16:rowId xmlns="" xmlns:a16="http://schemas.microsoft.com/office/drawing/2014/main" val="10000"/>
+                        <a16:rowId xmlns:a16="http://schemas.microsoft.com/office/drawing/2014/main" xmlns="" val="10000"/>
                       </a:ext>
                     </a:extLst>
                   </a:tr>
@@ -17433,7 +17438,7 @@
                     </a:tc>
                     <a:extLst>
                       <a:ext uri="{0D108BD9-81ED-4DB2-BD59-A6C34878D82A}">
-                        <a16:rowId xmlns="" xmlns:a16="http://schemas.microsoft.com/office/drawing/2014/main" val="10001"/>
+                        <a16:rowId xmlns:a16="http://schemas.microsoft.com/office/drawing/2014/main" xmlns="" val="10001"/>
                       </a:ext>
                     </a:extLst>
                   </a:tr>
@@ -17599,7 +17604,7 @@
                     </a:tc>
                     <a:extLst>
                       <a:ext uri="{0D108BD9-81ED-4DB2-BD59-A6C34878D82A}">
-                        <a16:rowId xmlns="" xmlns:a16="http://schemas.microsoft.com/office/drawing/2014/main" val="10002"/>
+                        <a16:rowId xmlns:a16="http://schemas.microsoft.com/office/drawing/2014/main" xmlns="" val="10002"/>
                       </a:ext>
                     </a:extLst>
                   </a:tr>
@@ -17765,7 +17770,7 @@
                     </a:tc>
                     <a:extLst>
                       <a:ext uri="{0D108BD9-81ED-4DB2-BD59-A6C34878D82A}">
-                        <a16:rowId xmlns="" xmlns:a16="http://schemas.microsoft.com/office/drawing/2014/main" val="10003"/>
+                        <a16:rowId xmlns:a16="http://schemas.microsoft.com/office/drawing/2014/main" xmlns="" val="10003"/>
                       </a:ext>
                     </a:extLst>
                   </a:tr>
@@ -25996,7 +26001,7 @@
           <p:cNvPr id="4" name="Título 1">
             <a:extLst>
               <a:ext uri="{FF2B5EF4-FFF2-40B4-BE49-F238E27FC236}">
-                <a16:creationId xmlns="" xmlns:a16="http://schemas.microsoft.com/office/drawing/2014/main" id="{32666AC8-2E17-4DB4-B0F5-60C640CCFD2E}"/>
+                <a16:creationId xmlns:a16="http://schemas.microsoft.com/office/drawing/2014/main" xmlns="" id="{32666AC8-2E17-4DB4-B0F5-60C640CCFD2E}"/>
               </a:ext>
             </a:extLst>
           </p:cNvPr>
@@ -26453,7 +26458,7 @@
           <p:cNvPr id="4" name="Título 1">
             <a:extLst>
               <a:ext uri="{FF2B5EF4-FFF2-40B4-BE49-F238E27FC236}">
-                <a16:creationId xmlns="" xmlns:a16="http://schemas.microsoft.com/office/drawing/2014/main" id="{32666AC8-2E17-4DB4-B0F5-60C640CCFD2E}"/>
+                <a16:creationId xmlns:a16="http://schemas.microsoft.com/office/drawing/2014/main" xmlns="" id="{32666AC8-2E17-4DB4-B0F5-60C640CCFD2E}"/>
               </a:ext>
             </a:extLst>
           </p:cNvPr>
@@ -42632,8 +42637,8 @@
             </a:fontRef>
           </p:style>
         </p:cxnSp>
-        <mc:AlternateContent xmlns:mc="http://schemas.openxmlformats.org/markup-compatibility/2006">
-          <mc:Choice xmlns:a14="http://schemas.microsoft.com/office/drawing/2010/main" Requires="a14">
+        <mc:AlternateContent xmlns:mc="http://schemas.openxmlformats.org/markup-compatibility/2006" xmlns:a14="http://schemas.microsoft.com/office/drawing/2010/main">
+          <mc:Choice Requires="a14">
             <p:sp>
               <p:nvSpPr>
                 <p:cNvPr id="34" name="TextBox 33"/>
@@ -42696,7 +42701,7 @@
               </p:txBody>
             </p:sp>
           </mc:Choice>
-          <mc:Fallback>
+          <mc:Fallback xmlns="">
             <p:sp>
               <p:nvSpPr>
                 <p:cNvPr id="34" name="TextBox 33"/>
@@ -42735,8 +42740,8 @@
             </p:sp>
           </mc:Fallback>
         </mc:AlternateContent>
-        <mc:AlternateContent xmlns:mc="http://schemas.openxmlformats.org/markup-compatibility/2006">
-          <mc:Choice xmlns:a14="http://schemas.microsoft.com/office/drawing/2010/main" Requires="a14">
+        <mc:AlternateContent xmlns:mc="http://schemas.openxmlformats.org/markup-compatibility/2006" xmlns:a14="http://schemas.microsoft.com/office/drawing/2010/main">
+          <mc:Choice Requires="a14">
             <p:sp>
               <p:nvSpPr>
                 <p:cNvPr id="35" name="TextBox 34"/>
@@ -42799,7 +42804,7 @@
               </p:txBody>
             </p:sp>
           </mc:Choice>
-          <mc:Fallback>
+          <mc:Fallback xmlns="">
             <p:sp>
               <p:nvSpPr>
                 <p:cNvPr id="35" name="TextBox 34"/>
@@ -42969,8 +42974,8 @@
             </a:fontRef>
           </p:style>
         </p:cxnSp>
-        <mc:AlternateContent xmlns:mc="http://schemas.openxmlformats.org/markup-compatibility/2006">
-          <mc:Choice xmlns:a14="http://schemas.microsoft.com/office/drawing/2010/main" Requires="a14">
+        <mc:AlternateContent xmlns:mc="http://schemas.openxmlformats.org/markup-compatibility/2006" xmlns:a14="http://schemas.microsoft.com/office/drawing/2010/main">
+          <mc:Choice Requires="a14">
             <p:sp>
               <p:nvSpPr>
                 <p:cNvPr id="45" name="Rectangle 44"/>
@@ -43117,7 +43122,7 @@
               </p:txBody>
             </p:sp>
           </mc:Choice>
-          <mc:Fallback>
+          <mc:Fallback xmlns="">
             <p:sp>
               <p:nvSpPr>
                 <p:cNvPr id="45" name="Rectangle 44"/>
@@ -43156,8 +43161,8 @@
             </p:sp>
           </mc:Fallback>
         </mc:AlternateContent>
-        <mc:AlternateContent xmlns:mc="http://schemas.openxmlformats.org/markup-compatibility/2006">
-          <mc:Choice xmlns:a14="http://schemas.microsoft.com/office/drawing/2010/main" Requires="a14">
+        <mc:AlternateContent xmlns:mc="http://schemas.openxmlformats.org/markup-compatibility/2006" xmlns:a14="http://schemas.microsoft.com/office/drawing/2010/main">
+          <mc:Choice Requires="a14">
             <p:sp>
               <p:nvSpPr>
                 <p:cNvPr id="46" name="Rectangle 45"/>
@@ -43305,7 +43310,7 @@
               </p:txBody>
             </p:sp>
           </mc:Choice>
-          <mc:Fallback>
+          <mc:Fallback xmlns="">
             <p:sp>
               <p:nvSpPr>
                 <p:cNvPr id="46" name="Rectangle 45"/>
@@ -43382,8 +43387,8 @@
             </a:fontRef>
           </p:style>
         </p:cxnSp>
-        <mc:AlternateContent xmlns:mc="http://schemas.openxmlformats.org/markup-compatibility/2006">
-          <mc:Choice xmlns:a14="http://schemas.microsoft.com/office/drawing/2010/main" Requires="a14">
+        <mc:AlternateContent xmlns:mc="http://schemas.openxmlformats.org/markup-compatibility/2006" xmlns:a14="http://schemas.microsoft.com/office/drawing/2010/main">
+          <mc:Choice Requires="a14">
             <p:sp>
               <p:nvSpPr>
                 <p:cNvPr id="50" name="Rectangle 49"/>
@@ -43451,7 +43456,7 @@
               </p:txBody>
             </p:sp>
           </mc:Choice>
-          <mc:Fallback>
+          <mc:Fallback xmlns="">
             <p:sp>
               <p:nvSpPr>
                 <p:cNvPr id="50" name="Rectangle 49"/>
@@ -43526,8 +43531,8 @@
             </a:fontRef>
           </p:style>
         </p:cxnSp>
-        <mc:AlternateContent xmlns:mc="http://schemas.openxmlformats.org/markup-compatibility/2006">
-          <mc:Choice xmlns:a14="http://schemas.microsoft.com/office/drawing/2010/main" Requires="a14">
+        <mc:AlternateContent xmlns:mc="http://schemas.openxmlformats.org/markup-compatibility/2006" xmlns:a14="http://schemas.microsoft.com/office/drawing/2010/main">
+          <mc:Choice Requires="a14">
             <p:sp>
               <p:nvSpPr>
                 <p:cNvPr id="52" name="Rectangle 51"/>
@@ -43595,7 +43600,7 @@
               </p:txBody>
             </p:sp>
           </mc:Choice>
-          <mc:Fallback>
+          <mc:Fallback xmlns="">
             <p:sp>
               <p:nvSpPr>
                 <p:cNvPr id="52" name="Rectangle 51"/>
@@ -43670,8 +43675,8 @@
             </a:fontRef>
           </p:style>
         </p:cxnSp>
-        <mc:AlternateContent xmlns:mc="http://schemas.openxmlformats.org/markup-compatibility/2006">
-          <mc:Choice xmlns:a14="http://schemas.microsoft.com/office/drawing/2010/main" Requires="a14">
+        <mc:AlternateContent xmlns:mc="http://schemas.openxmlformats.org/markup-compatibility/2006" xmlns:a14="http://schemas.microsoft.com/office/drawing/2010/main">
+          <mc:Choice Requires="a14">
             <p:sp>
               <p:nvSpPr>
                 <p:cNvPr id="57" name="Rectangle 56"/>
@@ -43739,7 +43744,7 @@
               </p:txBody>
             </p:sp>
           </mc:Choice>
-          <mc:Fallback>
+          <mc:Fallback xmlns="">
             <p:sp>
               <p:nvSpPr>
                 <p:cNvPr id="57" name="Rectangle 56"/>
@@ -43778,8 +43783,8 @@
             </p:sp>
           </mc:Fallback>
         </mc:AlternateContent>
-        <mc:AlternateContent xmlns:mc="http://schemas.openxmlformats.org/markup-compatibility/2006">
-          <mc:Choice xmlns:a14="http://schemas.microsoft.com/office/drawing/2010/main" Requires="a14">
+        <mc:AlternateContent xmlns:mc="http://schemas.openxmlformats.org/markup-compatibility/2006" xmlns:a14="http://schemas.microsoft.com/office/drawing/2010/main">
+          <mc:Choice Requires="a14">
             <p:sp>
               <p:nvSpPr>
                 <p:cNvPr id="29" name="TextBox 28"/>
@@ -43924,13 +43929,7 @@
                               <a:rPr lang="pt-BR" sz="1600" b="0" i="1" smtClean="0">
                                 <a:latin typeface="Cambria Math" panose="02040503050406030204" pitchFamily="18" charset="0"/>
                               </a:rPr>
-                              <m:t>                          =</m:t>
-                            </m:r>
-                            <m:r>
-                              <a:rPr lang="pt-BR" sz="1600" b="0" i="1" smtClean="0">
-                                <a:latin typeface="Cambria Math" panose="02040503050406030204" pitchFamily="18" charset="0"/>
-                              </a:rPr>
-                              <m:t>(</m:t>
+                              <m:t>                          =(</m:t>
                             </m:r>
                             <m:r>
                               <a:rPr lang="pt-BR" sz="1600" b="0" i="1" smtClean="0">
@@ -43952,19 +43951,7 @@
                           <a:rPr lang="pt-BR" sz="1600" b="0" i="1" smtClean="0">
                             <a:latin typeface="Cambria Math" panose="02040503050406030204" pitchFamily="18" charset="0"/>
                           </a:rPr>
-                          <m:t> </m:t>
-                        </m:r>
-                        <m:r>
-                          <a:rPr lang="pt-BR" sz="1600" b="0" i="1" smtClean="0">
-                            <a:latin typeface="Cambria Math" panose="02040503050406030204" pitchFamily="18" charset="0"/>
-                          </a:rPr>
-                          <m:t>&amp;</m:t>
-                        </m:r>
-                        <m:r>
-                          <a:rPr lang="pt-BR" sz="1600" b="0" i="1" smtClean="0">
-                            <a:latin typeface="Cambria Math" panose="02040503050406030204" pitchFamily="18" charset="0"/>
-                          </a:rPr>
-                          <m:t> </m:t>
+                          <m:t> &amp; </m:t>
                         </m:r>
                         <m:r>
                           <a:rPr lang="pt-BR" sz="1600" b="0" i="1" smtClean="0">
@@ -44006,21 +43993,7 @@
                             <a:latin typeface="Cambria Math" panose="02040503050406030204" pitchFamily="18" charset="0"/>
                             <a:ea typeface="Cambria Math" panose="02040503050406030204" pitchFamily="18" charset="0"/>
                           </a:rPr>
-                          <m:t>) </m:t>
-                        </m:r>
-                        <m:r>
-                          <a:rPr lang="pt-BR" sz="1600" b="0" i="1" smtClean="0">
-                            <a:latin typeface="Cambria Math" panose="02040503050406030204" pitchFamily="18" charset="0"/>
-                            <a:ea typeface="Cambria Math" panose="02040503050406030204" pitchFamily="18" charset="0"/>
-                          </a:rPr>
-                          <m:t>|</m:t>
-                        </m:r>
-                        <m:r>
-                          <a:rPr lang="pt-BR" sz="1600" b="0" i="1" smtClean="0">
-                            <a:latin typeface="Cambria Math" panose="02040503050406030204" pitchFamily="18" charset="0"/>
-                            <a:ea typeface="Cambria Math" panose="02040503050406030204" pitchFamily="18" charset="0"/>
-                          </a:rPr>
-                          <m:t> (</m:t>
+                          <m:t>) | (</m:t>
                         </m:r>
                         <m:sSub>
                           <m:sSubPr>
@@ -44115,7 +44088,7 @@
               </p:txBody>
             </p:sp>
           </mc:Choice>
-          <mc:Fallback>
+          <mc:Fallback xmlns="">
             <p:sp>
               <p:nvSpPr>
                 <p:cNvPr id="29" name="TextBox 28"/>
@@ -45541,8 +45514,8 @@
             </a:fontRef>
           </p:style>
         </p:cxnSp>
-        <mc:AlternateContent xmlns:mc="http://schemas.openxmlformats.org/markup-compatibility/2006">
-          <mc:Choice xmlns:a14="http://schemas.microsoft.com/office/drawing/2010/main" Requires="a14">
+        <mc:AlternateContent xmlns:mc="http://schemas.openxmlformats.org/markup-compatibility/2006" xmlns:a14="http://schemas.microsoft.com/office/drawing/2010/main">
+          <mc:Choice Requires="a14">
             <p:sp>
               <p:nvSpPr>
                 <p:cNvPr id="44" name="TextBox 43"/>
@@ -45687,13 +45660,7 @@
                               <a:rPr lang="pt-BR" sz="1600" b="0" i="1" smtClean="0">
                                 <a:latin typeface="Cambria Math" panose="02040503050406030204" pitchFamily="18" charset="0"/>
                               </a:rPr>
-                              <m:t>                         =</m:t>
-                            </m:r>
-                            <m:r>
-                              <a:rPr lang="pt-BR" sz="1600" b="0" i="1" smtClean="0">
-                                <a:latin typeface="Cambria Math" panose="02040503050406030204" pitchFamily="18" charset="0"/>
-                              </a:rPr>
-                              <m:t>(</m:t>
+                              <m:t>                         =(</m:t>
                             </m:r>
                             <m:r>
                               <a:rPr lang="pt-BR" sz="1600" b="0" i="1" smtClean="0">
@@ -45715,19 +45682,7 @@
                           <a:rPr lang="pt-BR" sz="1600" b="0" i="1" smtClean="0">
                             <a:latin typeface="Cambria Math" panose="02040503050406030204" pitchFamily="18" charset="0"/>
                           </a:rPr>
-                          <m:t> </m:t>
-                        </m:r>
-                        <m:r>
-                          <a:rPr lang="pt-BR" sz="1600" b="0" i="1" smtClean="0">
-                            <a:latin typeface="Cambria Math" panose="02040503050406030204" pitchFamily="18" charset="0"/>
-                          </a:rPr>
-                          <m:t>|</m:t>
-                        </m:r>
-                        <m:r>
-                          <a:rPr lang="pt-BR" sz="1600" b="0" i="1" smtClean="0">
-                            <a:latin typeface="Cambria Math" panose="02040503050406030204" pitchFamily="18" charset="0"/>
-                          </a:rPr>
-                          <m:t> </m:t>
+                          <m:t> | </m:t>
                         </m:r>
                         <m:r>
                           <a:rPr lang="pt-BR" sz="1600" b="0" i="1" smtClean="0">
@@ -45769,21 +45724,7 @@
                             <a:latin typeface="Cambria Math" panose="02040503050406030204" pitchFamily="18" charset="0"/>
                             <a:ea typeface="Cambria Math" panose="02040503050406030204" pitchFamily="18" charset="0"/>
                           </a:rPr>
-                          <m:t>) </m:t>
-                        </m:r>
-                        <m:r>
-                          <a:rPr lang="pt-BR" sz="1600" b="0" i="1" smtClean="0">
-                            <a:latin typeface="Cambria Math" panose="02040503050406030204" pitchFamily="18" charset="0"/>
-                            <a:ea typeface="Cambria Math" panose="02040503050406030204" pitchFamily="18" charset="0"/>
-                          </a:rPr>
-                          <m:t>&amp;</m:t>
-                        </m:r>
-                        <m:r>
-                          <a:rPr lang="pt-BR" sz="1600" b="0" i="1" smtClean="0">
-                            <a:latin typeface="Cambria Math" panose="02040503050406030204" pitchFamily="18" charset="0"/>
-                            <a:ea typeface="Cambria Math" panose="02040503050406030204" pitchFamily="18" charset="0"/>
-                          </a:rPr>
-                          <m:t> (</m:t>
+                          <m:t>) &amp; (</m:t>
                         </m:r>
                         <m:sSub>
                           <m:sSubPr>
@@ -45878,7 +45819,7 @@
               </p:txBody>
             </p:sp>
           </mc:Choice>
-          <mc:Fallback>
+          <mc:Fallback xmlns="">
             <p:sp>
               <p:nvSpPr>
                 <p:cNvPr id="44" name="TextBox 43"/>
@@ -45917,8 +45858,8 @@
             </p:sp>
           </mc:Fallback>
         </mc:AlternateContent>
-        <mc:AlternateContent xmlns:mc="http://schemas.openxmlformats.org/markup-compatibility/2006">
-          <mc:Choice xmlns:a14="http://schemas.microsoft.com/office/drawing/2010/main" Requires="a14">
+        <mc:AlternateContent xmlns:mc="http://schemas.openxmlformats.org/markup-compatibility/2006" xmlns:a14="http://schemas.microsoft.com/office/drawing/2010/main">
+          <mc:Choice Requires="a14">
             <p:sp>
               <p:nvSpPr>
                 <p:cNvPr id="45" name="Rectangle 44"/>
@@ -46077,7 +46018,7 @@
               </p:txBody>
             </p:sp>
           </mc:Choice>
-          <mc:Fallback>
+          <mc:Fallback xmlns="">
             <p:sp>
               <p:nvSpPr>
                 <p:cNvPr id="45" name="Rectangle 44"/>
@@ -46116,8 +46057,8 @@
             </p:sp>
           </mc:Fallback>
         </mc:AlternateContent>
-        <mc:AlternateContent xmlns:mc="http://schemas.openxmlformats.org/markup-compatibility/2006">
-          <mc:Choice xmlns:a14="http://schemas.microsoft.com/office/drawing/2010/main" Requires="a14">
+        <mc:AlternateContent xmlns:mc="http://schemas.openxmlformats.org/markup-compatibility/2006" xmlns:a14="http://schemas.microsoft.com/office/drawing/2010/main">
+          <mc:Choice Requires="a14">
             <p:sp>
               <p:nvSpPr>
                 <p:cNvPr id="46" name="Rectangle 45"/>
@@ -46277,7 +46218,7 @@
               </p:txBody>
             </p:sp>
           </mc:Choice>
-          <mc:Fallback>
+          <mc:Fallback xmlns="">
             <p:sp>
               <p:nvSpPr>
                 <p:cNvPr id="46" name="Rectangle 45"/>

--- a/slides/T320_Redes_Neurais_Artificiais (Parte I).pptx
+++ b/slides/T320_Redes_Neurais_Artificiais (Parte I).pptx
@@ -263,7 +263,7 @@
           <a:p>
             <a:fld id="{C3C82C08-3EFC-4473-8294-F0E229C19EFF}" type="datetimeFigureOut">
               <a:rPr lang="pt-BR" smtClean="0"/>
-              <a:t>17/09/2021</a:t>
+              <a:t>08/10/2021</a:t>
             </a:fld>
             <a:endParaRPr lang="pt-BR"/>
           </a:p>
@@ -5483,13 +5483,8 @@
                 </a:r>
                 <a:r>
                   <a:rPr lang="pt-BR" dirty="0" smtClean="0"/>
-                  <a:t>https://</a:t>
-                </a:r>
-                <a:r>
-                  <a:rPr lang="pt-BR" dirty="0" smtClean="0"/>
-                  <a:t>colab.research.google.com/github/zz4fap/t320_aprendizado_de_maquina/blob/main/notebooks/perceptron/perceptron_xor_problem.ipynb</a:t>
-                </a:r>
-                <a:endParaRPr lang="pt-BR" dirty="0" smtClean="0"/>
+                  <a:t>https://colab.research.google.com/github/zz4fap/t320_aprendizado_de_maquina/blob/main/notebooks/perceptron/perceptron_xor_problem.ipynb</a:t>
+                </a:r>
               </a:p>
               <a:p>
                 <a:endParaRPr lang="pt-BR" dirty="0" smtClean="0"/>
@@ -7168,7 +7163,7 @@
           <a:p>
             <a:fld id="{221D0464-8C8A-49C0-859F-777E51766A35}" type="datetimeFigureOut">
               <a:rPr lang="pt-BR" smtClean="0"/>
-              <a:t>17/09/2021</a:t>
+              <a:t>08/10/2021</a:t>
             </a:fld>
             <a:endParaRPr lang="pt-BR"/>
           </a:p>
@@ -7338,7 +7333,7 @@
           <a:p>
             <a:fld id="{221D0464-8C8A-49C0-859F-777E51766A35}" type="datetimeFigureOut">
               <a:rPr lang="pt-BR" smtClean="0"/>
-              <a:t>17/09/2021</a:t>
+              <a:t>08/10/2021</a:t>
             </a:fld>
             <a:endParaRPr lang="pt-BR"/>
           </a:p>
@@ -7518,7 +7513,7 @@
           <a:p>
             <a:fld id="{221D0464-8C8A-49C0-859F-777E51766A35}" type="datetimeFigureOut">
               <a:rPr lang="pt-BR" smtClean="0"/>
-              <a:t>17/09/2021</a:t>
+              <a:t>08/10/2021</a:t>
             </a:fld>
             <a:endParaRPr lang="pt-BR"/>
           </a:p>
@@ -7688,7 +7683,7 @@
           <a:p>
             <a:fld id="{221D0464-8C8A-49C0-859F-777E51766A35}" type="datetimeFigureOut">
               <a:rPr lang="pt-BR" smtClean="0"/>
-              <a:t>17/09/2021</a:t>
+              <a:t>08/10/2021</a:t>
             </a:fld>
             <a:endParaRPr lang="pt-BR"/>
           </a:p>
@@ -7934,7 +7929,7 @@
           <a:p>
             <a:fld id="{221D0464-8C8A-49C0-859F-777E51766A35}" type="datetimeFigureOut">
               <a:rPr lang="pt-BR" smtClean="0"/>
-              <a:t>17/09/2021</a:t>
+              <a:t>08/10/2021</a:t>
             </a:fld>
             <a:endParaRPr lang="pt-BR"/>
           </a:p>
@@ -8166,7 +8161,7 @@
           <a:p>
             <a:fld id="{221D0464-8C8A-49C0-859F-777E51766A35}" type="datetimeFigureOut">
               <a:rPr lang="pt-BR" smtClean="0"/>
-              <a:t>17/09/2021</a:t>
+              <a:t>08/10/2021</a:t>
             </a:fld>
             <a:endParaRPr lang="pt-BR"/>
           </a:p>
@@ -8533,7 +8528,7 @@
           <a:p>
             <a:fld id="{221D0464-8C8A-49C0-859F-777E51766A35}" type="datetimeFigureOut">
               <a:rPr lang="pt-BR" smtClean="0"/>
-              <a:t>17/09/2021</a:t>
+              <a:t>08/10/2021</a:t>
             </a:fld>
             <a:endParaRPr lang="pt-BR"/>
           </a:p>
@@ -8651,7 +8646,7 @@
           <a:p>
             <a:fld id="{221D0464-8C8A-49C0-859F-777E51766A35}" type="datetimeFigureOut">
               <a:rPr lang="pt-BR" smtClean="0"/>
-              <a:t>17/09/2021</a:t>
+              <a:t>08/10/2021</a:t>
             </a:fld>
             <a:endParaRPr lang="pt-BR"/>
           </a:p>
@@ -8746,7 +8741,7 @@
           <a:p>
             <a:fld id="{221D0464-8C8A-49C0-859F-777E51766A35}" type="datetimeFigureOut">
               <a:rPr lang="pt-BR" smtClean="0"/>
-              <a:t>17/09/2021</a:t>
+              <a:t>08/10/2021</a:t>
             </a:fld>
             <a:endParaRPr lang="pt-BR"/>
           </a:p>
@@ -9023,7 +9018,7 @@
           <a:p>
             <a:fld id="{221D0464-8C8A-49C0-859F-777E51766A35}" type="datetimeFigureOut">
               <a:rPr lang="pt-BR" smtClean="0"/>
-              <a:t>17/09/2021</a:t>
+              <a:t>08/10/2021</a:t>
             </a:fld>
             <a:endParaRPr lang="pt-BR"/>
           </a:p>
@@ -9276,7 +9271,7 @@
           <a:p>
             <a:fld id="{221D0464-8C8A-49C0-859F-777E51766A35}" type="datetimeFigureOut">
               <a:rPr lang="pt-BR" smtClean="0"/>
-              <a:t>17/09/2021</a:t>
+              <a:t>08/10/2021</a:t>
             </a:fld>
             <a:endParaRPr lang="pt-BR"/>
           </a:p>
@@ -9489,7 +9484,7 @@
           <a:p>
             <a:fld id="{221D0464-8C8A-49C0-859F-777E51766A35}" type="datetimeFigureOut">
               <a:rPr lang="pt-BR" smtClean="0"/>
-              <a:t>17/09/2021</a:t>
+              <a:t>08/10/2021</a:t>
             </a:fld>
             <a:endParaRPr lang="pt-BR"/>
           </a:p>
@@ -9899,7 +9894,7 @@
           <p:cNvPr id="2" name="Título 1">
             <a:extLst>
               <a:ext uri="{FF2B5EF4-FFF2-40B4-BE49-F238E27FC236}">
-                <a16:creationId xmlns:a16="http://schemas.microsoft.com/office/drawing/2014/main" xmlns="" id="{32666AC8-2E17-4DB4-B0F5-60C640CCFD2E}"/>
+                <a16:creationId xmlns="" xmlns:a16="http://schemas.microsoft.com/office/drawing/2014/main" id="{32666AC8-2E17-4DB4-B0F5-60C640CCFD2E}"/>
               </a:ext>
             </a:extLst>
           </p:cNvPr>
@@ -9945,7 +9940,7 @@
           <p:cNvPr id="4" name="CaixaDeTexto 3">
             <a:extLst>
               <a:ext uri="{FF2B5EF4-FFF2-40B4-BE49-F238E27FC236}">
-                <a16:creationId xmlns:a16="http://schemas.microsoft.com/office/drawing/2014/main" xmlns="" id="{430EB894-B7D4-434C-9D1A-A14094D9BEEC}"/>
+                <a16:creationId xmlns="" xmlns:a16="http://schemas.microsoft.com/office/drawing/2014/main" id="{430EB894-B7D4-434C-9D1A-A14094D9BEEC}"/>
               </a:ext>
             </a:extLst>
           </p:cNvPr>
@@ -9986,7 +9981,7 @@
           <p:cNvPr id="1026" name="Picture 2" descr="Logo">
             <a:extLst>
               <a:ext uri="{FF2B5EF4-FFF2-40B4-BE49-F238E27FC236}">
-                <a16:creationId xmlns:a16="http://schemas.microsoft.com/office/drawing/2014/main" xmlns="" id="{3F2642E0-4F6A-4196-8F58-E77D36E9A33F}"/>
+                <a16:creationId xmlns="" xmlns:a16="http://schemas.microsoft.com/office/drawing/2014/main" id="{3F2642E0-4F6A-4196-8F58-E77D36E9A33F}"/>
               </a:ext>
             </a:extLst>
           </p:cNvPr>
@@ -10031,7 +10026,7 @@
           <p:cNvPr id="5122" name="Picture 2" descr="Image result for machine learning">
             <a:extLst>
               <a:ext uri="{FF2B5EF4-FFF2-40B4-BE49-F238E27FC236}">
-                <a16:creationId xmlns:a16="http://schemas.microsoft.com/office/drawing/2014/main" xmlns="" id="{810CE0A2-4102-44A6-A370-175E7896CDCB}"/>
+                <a16:creationId xmlns="" xmlns:a16="http://schemas.microsoft.com/office/drawing/2014/main" id="{810CE0A2-4102-44A6-A370-175E7896CDCB}"/>
               </a:ext>
             </a:extLst>
           </p:cNvPr>
@@ -10165,28 +10160,28 @@
                     <a:gridCol w="550863">
                       <a:extLst>
                         <a:ext uri="{9D8B030D-6E8A-4147-A177-3AD203B41FA5}">
-                          <a16:colId xmlns:a16="http://schemas.microsoft.com/office/drawing/2014/main" xmlns="" val="20000"/>
+                          <a16:colId xmlns="" xmlns:a16="http://schemas.microsoft.com/office/drawing/2014/main" val="20000"/>
                         </a:ext>
                       </a:extLst>
                     </a:gridCol>
                     <a:gridCol w="550863">
                       <a:extLst>
                         <a:ext uri="{9D8B030D-6E8A-4147-A177-3AD203B41FA5}">
-                          <a16:colId xmlns:a16="http://schemas.microsoft.com/office/drawing/2014/main" xmlns="" val="20001"/>
+                          <a16:colId xmlns="" xmlns:a16="http://schemas.microsoft.com/office/drawing/2014/main" val="20001"/>
                         </a:ext>
                       </a:extLst>
                     </a:gridCol>
                     <a:gridCol w="550863">
                       <a:extLst>
                         <a:ext uri="{9D8B030D-6E8A-4147-A177-3AD203B41FA5}">
-                          <a16:colId xmlns:a16="http://schemas.microsoft.com/office/drawing/2014/main" xmlns="" val="20002"/>
+                          <a16:colId xmlns="" xmlns:a16="http://schemas.microsoft.com/office/drawing/2014/main" val="20002"/>
                         </a:ext>
                       </a:extLst>
                     </a:gridCol>
                     <a:gridCol w="550863">
                       <a:extLst>
                         <a:ext uri="{9D8B030D-6E8A-4147-A177-3AD203B41FA5}">
-                          <a16:colId xmlns:a16="http://schemas.microsoft.com/office/drawing/2014/main" xmlns="" val="20003"/>
+                          <a16:colId xmlns="" xmlns:a16="http://schemas.microsoft.com/office/drawing/2014/main" val="20003"/>
                         </a:ext>
                       </a:extLst>
                     </a:gridCol>
@@ -10277,7 +10272,7 @@
                     </a:tc>
                     <a:extLst>
                       <a:ext uri="{0D108BD9-81ED-4DB2-BD59-A6C34878D82A}">
-                        <a16:rowId xmlns:a16="http://schemas.microsoft.com/office/drawing/2014/main" xmlns="" val="10000"/>
+                        <a16:rowId xmlns="" xmlns:a16="http://schemas.microsoft.com/office/drawing/2014/main" val="10000"/>
                       </a:ext>
                     </a:extLst>
                   </a:tr>
@@ -10530,7 +10525,7 @@
                     </a:tc>
                     <a:extLst>
                       <a:ext uri="{0D108BD9-81ED-4DB2-BD59-A6C34878D82A}">
-                        <a16:rowId xmlns:a16="http://schemas.microsoft.com/office/drawing/2014/main" xmlns="" val="10001"/>
+                        <a16:rowId xmlns="" xmlns:a16="http://schemas.microsoft.com/office/drawing/2014/main" val="10001"/>
                       </a:ext>
                     </a:extLst>
                   </a:tr>
@@ -10749,7 +10744,7 @@
                     </a:tc>
                     <a:extLst>
                       <a:ext uri="{0D108BD9-81ED-4DB2-BD59-A6C34878D82A}">
-                        <a16:rowId xmlns:a16="http://schemas.microsoft.com/office/drawing/2014/main" xmlns="" val="10002"/>
+                        <a16:rowId xmlns="" xmlns:a16="http://schemas.microsoft.com/office/drawing/2014/main" val="10002"/>
                       </a:ext>
                     </a:extLst>
                   </a:tr>
@@ -10968,7 +10963,7 @@
                     </a:tc>
                     <a:extLst>
                       <a:ext uri="{0D108BD9-81ED-4DB2-BD59-A6C34878D82A}">
-                        <a16:rowId xmlns:a16="http://schemas.microsoft.com/office/drawing/2014/main" xmlns="" val="10003"/>
+                        <a16:rowId xmlns="" xmlns:a16="http://schemas.microsoft.com/office/drawing/2014/main" val="10003"/>
                       </a:ext>
                     </a:extLst>
                   </a:tr>
@@ -11187,7 +11182,7 @@
                     </a:tc>
                     <a:extLst>
                       <a:ext uri="{0D108BD9-81ED-4DB2-BD59-A6C34878D82A}">
-                        <a16:rowId xmlns:a16="http://schemas.microsoft.com/office/drawing/2014/main" xmlns="" val="10004"/>
+                        <a16:rowId xmlns="" xmlns:a16="http://schemas.microsoft.com/office/drawing/2014/main" val="10004"/>
                       </a:ext>
                     </a:extLst>
                   </a:tr>
@@ -11406,7 +11401,7 @@
                     </a:tc>
                     <a:extLst>
                       <a:ext uri="{0D108BD9-81ED-4DB2-BD59-A6C34878D82A}">
-                        <a16:rowId xmlns:a16="http://schemas.microsoft.com/office/drawing/2014/main" xmlns="" val="10005"/>
+                        <a16:rowId xmlns="" xmlns:a16="http://schemas.microsoft.com/office/drawing/2014/main" val="10005"/>
                       </a:ext>
                     </a:extLst>
                   </a:tr>
@@ -13505,28 +13500,28 @@
                     <a:gridCol w="550863">
                       <a:extLst>
                         <a:ext uri="{9D8B030D-6E8A-4147-A177-3AD203B41FA5}">
-                          <a16:colId xmlns:a16="http://schemas.microsoft.com/office/drawing/2014/main" xmlns="" val="20000"/>
+                          <a16:colId xmlns="" xmlns:a16="http://schemas.microsoft.com/office/drawing/2014/main" val="20000"/>
                         </a:ext>
                       </a:extLst>
                     </a:gridCol>
                     <a:gridCol w="550863">
                       <a:extLst>
                         <a:ext uri="{9D8B030D-6E8A-4147-A177-3AD203B41FA5}">
-                          <a16:colId xmlns:a16="http://schemas.microsoft.com/office/drawing/2014/main" xmlns="" val="20001"/>
+                          <a16:colId xmlns="" xmlns:a16="http://schemas.microsoft.com/office/drawing/2014/main" val="20001"/>
                         </a:ext>
                       </a:extLst>
                     </a:gridCol>
                     <a:gridCol w="550863">
                       <a:extLst>
                         <a:ext uri="{9D8B030D-6E8A-4147-A177-3AD203B41FA5}">
-                          <a16:colId xmlns:a16="http://schemas.microsoft.com/office/drawing/2014/main" xmlns="" val="20002"/>
+                          <a16:colId xmlns="" xmlns:a16="http://schemas.microsoft.com/office/drawing/2014/main" val="20002"/>
                         </a:ext>
                       </a:extLst>
                     </a:gridCol>
                     <a:gridCol w="550863">
                       <a:extLst>
                         <a:ext uri="{9D8B030D-6E8A-4147-A177-3AD203B41FA5}">
-                          <a16:colId xmlns:a16="http://schemas.microsoft.com/office/drawing/2014/main" xmlns="" val="20003"/>
+                          <a16:colId xmlns="" xmlns:a16="http://schemas.microsoft.com/office/drawing/2014/main" val="20003"/>
                         </a:ext>
                       </a:extLst>
                     </a:gridCol>
@@ -13617,7 +13612,7 @@
                     </a:tc>
                     <a:extLst>
                       <a:ext uri="{0D108BD9-81ED-4DB2-BD59-A6C34878D82A}">
-                        <a16:rowId xmlns:a16="http://schemas.microsoft.com/office/drawing/2014/main" xmlns="" val="10000"/>
+                        <a16:rowId xmlns="" xmlns:a16="http://schemas.microsoft.com/office/drawing/2014/main" val="10000"/>
                       </a:ext>
                     </a:extLst>
                   </a:tr>
@@ -13870,7 +13865,7 @@
                     </a:tc>
                     <a:extLst>
                       <a:ext uri="{0D108BD9-81ED-4DB2-BD59-A6C34878D82A}">
-                        <a16:rowId xmlns:a16="http://schemas.microsoft.com/office/drawing/2014/main" xmlns="" val="10001"/>
+                        <a16:rowId xmlns="" xmlns:a16="http://schemas.microsoft.com/office/drawing/2014/main" val="10001"/>
                       </a:ext>
                     </a:extLst>
                   </a:tr>
@@ -14089,7 +14084,7 @@
                     </a:tc>
                     <a:extLst>
                       <a:ext uri="{0D108BD9-81ED-4DB2-BD59-A6C34878D82A}">
-                        <a16:rowId xmlns:a16="http://schemas.microsoft.com/office/drawing/2014/main" xmlns="" val="10002"/>
+                        <a16:rowId xmlns="" xmlns:a16="http://schemas.microsoft.com/office/drawing/2014/main" val="10002"/>
                       </a:ext>
                     </a:extLst>
                   </a:tr>
@@ -14308,7 +14303,7 @@
                     </a:tc>
                     <a:extLst>
                       <a:ext uri="{0D108BD9-81ED-4DB2-BD59-A6C34878D82A}">
-                        <a16:rowId xmlns:a16="http://schemas.microsoft.com/office/drawing/2014/main" xmlns="" val="10003"/>
+                        <a16:rowId xmlns="" xmlns:a16="http://schemas.microsoft.com/office/drawing/2014/main" val="10003"/>
                       </a:ext>
                     </a:extLst>
                   </a:tr>
@@ -14527,7 +14522,7 @@
                     </a:tc>
                     <a:extLst>
                       <a:ext uri="{0D108BD9-81ED-4DB2-BD59-A6C34878D82A}">
-                        <a16:rowId xmlns:a16="http://schemas.microsoft.com/office/drawing/2014/main" xmlns="" val="10004"/>
+                        <a16:rowId xmlns="" xmlns:a16="http://schemas.microsoft.com/office/drawing/2014/main" val="10004"/>
                       </a:ext>
                     </a:extLst>
                   </a:tr>
@@ -14746,7 +14741,7 @@
                     </a:tc>
                     <a:extLst>
                       <a:ext uri="{0D108BD9-81ED-4DB2-BD59-A6C34878D82A}">
-                        <a16:rowId xmlns:a16="http://schemas.microsoft.com/office/drawing/2014/main" xmlns="" val="10005"/>
+                        <a16:rowId xmlns="" xmlns:a16="http://schemas.microsoft.com/office/drawing/2014/main" val="10005"/>
                       </a:ext>
                     </a:extLst>
                   </a:tr>
@@ -16901,8 +16896,8 @@
           </a:p>
         </p:txBody>
       </p:sp>
-      <mc:AlternateContent xmlns:mc="http://schemas.openxmlformats.org/markup-compatibility/2006" xmlns:a14="http://schemas.microsoft.com/office/drawing/2010/main">
-        <mc:Choice Requires="a14">
+      <mc:AlternateContent xmlns:mc="http://schemas.openxmlformats.org/markup-compatibility/2006">
+        <mc:Choice xmlns:a14="http://schemas.microsoft.com/office/drawing/2010/main" Requires="a14">
           <p:sp>
             <p:nvSpPr>
               <p:cNvPr id="34" name="TextBox 33"/>
@@ -16996,7 +16991,23 @@
                 </a14:m>
                 <a:r>
                   <a:rPr lang="pt-BR" dirty="0"/>
-                  <a:t>, vemos que para o disparo occorer, o valor de x1 deve ser negado, e assim, ele ocorre quando </a:t>
+                  <a:t>, vemos que para o disparo </a:t>
+                </a:r>
+                <a:r>
+                  <a:rPr lang="pt-BR" dirty="0" smtClean="0"/>
+                  <a:t>ocorrer</a:t>
+                </a:r>
+                <a:r>
+                  <a:rPr lang="pt-BR" dirty="0"/>
+                  <a:t>, o valor de x1 deve ser negado, e assim, ele </a:t>
+                </a:r>
+                <a:r>
+                  <a:rPr lang="pt-BR" dirty="0" smtClean="0"/>
+                  <a:t>ocorrer </a:t>
+                </a:r>
+                <a:r>
+                  <a:rPr lang="pt-BR" dirty="0"/>
+                  <a:t>quando </a:t>
                 </a:r>
                 <a14:m>
                   <m:oMath xmlns:m="http://schemas.openxmlformats.org/officeDocument/2006/math">
@@ -17076,7 +17087,7 @@
             </p:txBody>
           </p:sp>
         </mc:Choice>
-        <mc:Fallback xmlns="">
+        <mc:Fallback>
           <p:sp>
             <p:nvSpPr>
               <p:cNvPr id="34" name="TextBox 33"/>
@@ -17096,7 +17107,7 @@
               <a:blipFill rotWithShape="0">
                 <a:blip r:embed="rId17"/>
                 <a:stretch>
-                  <a:fillRect l="-1029" t="-1802" b="-3904"/>
+                  <a:fillRect l="-1029" t="-1802" r="-2916" b="-3904"/>
                 </a:stretch>
               </a:blipFill>
             </p:spPr>
@@ -17143,21 +17154,21 @@
                     <a:gridCol w="523278">
                       <a:extLst>
                         <a:ext uri="{9D8B030D-6E8A-4147-A177-3AD203B41FA5}">
-                          <a16:colId xmlns:a16="http://schemas.microsoft.com/office/drawing/2014/main" xmlns="" val="20000"/>
+                          <a16:colId xmlns="" xmlns:a16="http://schemas.microsoft.com/office/drawing/2014/main" val="20000"/>
                         </a:ext>
                       </a:extLst>
                     </a:gridCol>
                     <a:gridCol w="523278">
                       <a:extLst>
                         <a:ext uri="{9D8B030D-6E8A-4147-A177-3AD203B41FA5}">
-                          <a16:colId xmlns:a16="http://schemas.microsoft.com/office/drawing/2014/main" xmlns="" val="20001"/>
+                          <a16:colId xmlns="" xmlns:a16="http://schemas.microsoft.com/office/drawing/2014/main" val="20001"/>
                         </a:ext>
                       </a:extLst>
                     </a:gridCol>
                     <a:gridCol w="523278">
                       <a:extLst>
                         <a:ext uri="{9D8B030D-6E8A-4147-A177-3AD203B41FA5}">
-                          <a16:colId xmlns:a16="http://schemas.microsoft.com/office/drawing/2014/main" xmlns="" val="20002"/>
+                          <a16:colId xmlns="" xmlns:a16="http://schemas.microsoft.com/office/drawing/2014/main" val="20002"/>
                         </a:ext>
                       </a:extLst>
                     </a:gridCol>
@@ -17238,7 +17249,7 @@
                     </a:tc>
                     <a:extLst>
                       <a:ext uri="{0D108BD9-81ED-4DB2-BD59-A6C34878D82A}">
-                        <a16:rowId xmlns:a16="http://schemas.microsoft.com/office/drawing/2014/main" xmlns="" val="10000"/>
+                        <a16:rowId xmlns="" xmlns:a16="http://schemas.microsoft.com/office/drawing/2014/main" val="10000"/>
                       </a:ext>
                     </a:extLst>
                   </a:tr>
@@ -17438,7 +17449,7 @@
                     </a:tc>
                     <a:extLst>
                       <a:ext uri="{0D108BD9-81ED-4DB2-BD59-A6C34878D82A}">
-                        <a16:rowId xmlns:a16="http://schemas.microsoft.com/office/drawing/2014/main" xmlns="" val="10001"/>
+                        <a16:rowId xmlns="" xmlns:a16="http://schemas.microsoft.com/office/drawing/2014/main" val="10001"/>
                       </a:ext>
                     </a:extLst>
                   </a:tr>
@@ -17604,7 +17615,7 @@
                     </a:tc>
                     <a:extLst>
                       <a:ext uri="{0D108BD9-81ED-4DB2-BD59-A6C34878D82A}">
-                        <a16:rowId xmlns:a16="http://schemas.microsoft.com/office/drawing/2014/main" xmlns="" val="10002"/>
+                        <a16:rowId xmlns="" xmlns:a16="http://schemas.microsoft.com/office/drawing/2014/main" val="10002"/>
                       </a:ext>
                     </a:extLst>
                   </a:tr>
@@ -17770,7 +17781,7 @@
                     </a:tc>
                     <a:extLst>
                       <a:ext uri="{0D108BD9-81ED-4DB2-BD59-A6C34878D82A}">
-                        <a16:rowId xmlns:a16="http://schemas.microsoft.com/office/drawing/2014/main" xmlns="" val="10003"/>
+                        <a16:rowId xmlns="" xmlns:a16="http://schemas.microsoft.com/office/drawing/2014/main" val="10003"/>
                       </a:ext>
                     </a:extLst>
                   </a:tr>
@@ -24742,8 +24753,8 @@
           </a:p>
         </p:txBody>
       </p:sp>
-      <mc:AlternateContent xmlns:mc="http://schemas.openxmlformats.org/markup-compatibility/2006" xmlns:a14="http://schemas.microsoft.com/office/drawing/2010/main">
-        <mc:Choice Requires="a14">
+      <mc:AlternateContent xmlns:mc="http://schemas.openxmlformats.org/markup-compatibility/2006">
+        <mc:Choice xmlns:a14="http://schemas.microsoft.com/office/drawing/2010/main" Requires="a14">
           <p:sp>
             <p:nvSpPr>
               <p:cNvPr id="3" name="Content Placeholder 2"/>
@@ -24925,7 +24936,15 @@
                 </a:r>
                 <a:r>
                   <a:rPr lang="pt-BR" dirty="0" smtClean="0"/>
-                  <a:t> para criamos uma </a:t>
+                  <a:t> para </a:t>
+                </a:r>
+                <a:r>
+                  <a:rPr lang="pt-BR" dirty="0" smtClean="0"/>
+                  <a:t>criarmos </a:t>
+                </a:r>
+                <a:r>
+                  <a:rPr lang="pt-BR" dirty="0" smtClean="0"/>
+                  <a:t>uma </a:t>
                 </a:r>
                 <a:r>
                   <a:rPr lang="pt-BR" b="1" i="1" dirty="0" smtClean="0"/>
@@ -24968,14 +24987,22 @@
                 </a14:m>
                 <a:r>
                   <a:rPr lang="pt-BR" dirty="0" smtClean="0"/>
-                  <a:t>, com ouros formatos (e.g., polinômios).</a:t>
+                  <a:t>, com </a:t>
+                </a:r>
+                <a:r>
+                  <a:rPr lang="pt-BR" dirty="0" smtClean="0"/>
+                  <a:t>outros </a:t>
+                </a:r>
+                <a:r>
+                  <a:rPr lang="pt-BR" dirty="0" smtClean="0"/>
+                  <a:t>formatos (e.g., polinômios).</a:t>
                 </a:r>
                 <a:endParaRPr lang="pt-BR" dirty="0"/>
               </a:p>
             </p:txBody>
           </p:sp>
         </mc:Choice>
-        <mc:Fallback xmlns="">
+        <mc:Fallback>
           <p:sp>
             <p:nvSpPr>
               <p:cNvPr id="3" name="Content Placeholder 2"/>
@@ -26001,7 +26028,7 @@
           <p:cNvPr id="4" name="Título 1">
             <a:extLst>
               <a:ext uri="{FF2B5EF4-FFF2-40B4-BE49-F238E27FC236}">
-                <a16:creationId xmlns:a16="http://schemas.microsoft.com/office/drawing/2014/main" xmlns="" id="{32666AC8-2E17-4DB4-B0F5-60C640CCFD2E}"/>
+                <a16:creationId xmlns="" xmlns:a16="http://schemas.microsoft.com/office/drawing/2014/main" id="{32666AC8-2E17-4DB4-B0F5-60C640CCFD2E}"/>
               </a:ext>
             </a:extLst>
           </p:cNvPr>
@@ -26458,7 +26485,7 @@
           <p:cNvPr id="4" name="Título 1">
             <a:extLst>
               <a:ext uri="{FF2B5EF4-FFF2-40B4-BE49-F238E27FC236}">
-                <a16:creationId xmlns:a16="http://schemas.microsoft.com/office/drawing/2014/main" xmlns="" id="{32666AC8-2E17-4DB4-B0F5-60C640CCFD2E}"/>
+                <a16:creationId xmlns="" xmlns:a16="http://schemas.microsoft.com/office/drawing/2014/main" id="{32666AC8-2E17-4DB4-B0F5-60C640CCFD2E}"/>
               </a:ext>
             </a:extLst>
           </p:cNvPr>

--- a/slides/T320_Redes_Neurais_Artificiais (Parte I).pptx
+++ b/slides/T320_Redes_Neurais_Artificiais (Parte I).pptx
@@ -5,7 +5,7 @@
     <p:sldMasterId id="2147483648" r:id="rId1"/>
   </p:sldMasterIdLst>
   <p:notesMasterIdLst>
-    <p:notesMasterId r:id="rId32"/>
+    <p:notesMasterId r:id="rId33"/>
   </p:notesMasterIdLst>
   <p:sldIdLst>
     <p:sldId id="300" r:id="rId2"/>
@@ -13,31 +13,32 @@
     <p:sldId id="290" r:id="rId4"/>
     <p:sldId id="277" r:id="rId5"/>
     <p:sldId id="258" r:id="rId6"/>
-    <p:sldId id="293" r:id="rId7"/>
-    <p:sldId id="272" r:id="rId8"/>
-    <p:sldId id="273" r:id="rId9"/>
-    <p:sldId id="294" r:id="rId10"/>
-    <p:sldId id="284" r:id="rId11"/>
-    <p:sldId id="303" r:id="rId12"/>
-    <p:sldId id="285" r:id="rId13"/>
-    <p:sldId id="295" r:id="rId14"/>
-    <p:sldId id="282" r:id="rId15"/>
-    <p:sldId id="296" r:id="rId16"/>
-    <p:sldId id="304" r:id="rId17"/>
-    <p:sldId id="301" r:id="rId18"/>
-    <p:sldId id="269" r:id="rId19"/>
-    <p:sldId id="265" r:id="rId20"/>
-    <p:sldId id="271" r:id="rId21"/>
-    <p:sldId id="281" r:id="rId22"/>
-    <p:sldId id="280" r:id="rId23"/>
-    <p:sldId id="274" r:id="rId24"/>
-    <p:sldId id="287" r:id="rId25"/>
-    <p:sldId id="278" r:id="rId26"/>
-    <p:sldId id="291" r:id="rId27"/>
-    <p:sldId id="298" r:id="rId28"/>
-    <p:sldId id="305" r:id="rId29"/>
-    <p:sldId id="306" r:id="rId30"/>
-    <p:sldId id="307" r:id="rId31"/>
+    <p:sldId id="308" r:id="rId7"/>
+    <p:sldId id="309" r:id="rId8"/>
+    <p:sldId id="272" r:id="rId9"/>
+    <p:sldId id="273" r:id="rId10"/>
+    <p:sldId id="294" r:id="rId11"/>
+    <p:sldId id="284" r:id="rId12"/>
+    <p:sldId id="303" r:id="rId13"/>
+    <p:sldId id="285" r:id="rId14"/>
+    <p:sldId id="295" r:id="rId15"/>
+    <p:sldId id="282" r:id="rId16"/>
+    <p:sldId id="296" r:id="rId17"/>
+    <p:sldId id="304" r:id="rId18"/>
+    <p:sldId id="301" r:id="rId19"/>
+    <p:sldId id="269" r:id="rId20"/>
+    <p:sldId id="265" r:id="rId21"/>
+    <p:sldId id="271" r:id="rId22"/>
+    <p:sldId id="281" r:id="rId23"/>
+    <p:sldId id="280" r:id="rId24"/>
+    <p:sldId id="274" r:id="rId25"/>
+    <p:sldId id="287" r:id="rId26"/>
+    <p:sldId id="278" r:id="rId27"/>
+    <p:sldId id="291" r:id="rId28"/>
+    <p:sldId id="298" r:id="rId29"/>
+    <p:sldId id="305" r:id="rId30"/>
+    <p:sldId id="306" r:id="rId31"/>
+    <p:sldId id="307" r:id="rId32"/>
   </p:sldIdLst>
   <p:sldSz cx="12192000" cy="6858000"/>
   <p:notesSz cx="6858000" cy="9144000"/>
@@ -263,7 +264,7 @@
           <a:p>
             <a:fld id="{C3C82C08-3EFC-4473-8294-F0E229C19EFF}" type="datetimeFigureOut">
               <a:rPr lang="pt-BR" smtClean="0"/>
-              <a:t>08/10/2021</a:t>
+              <a:t>22/10/2021</a:t>
             </a:fld>
             <a:endParaRPr lang="pt-BR"/>
           </a:p>
@@ -644,6 +645,100 @@
         </p:nvSpPr>
         <p:spPr/>
       </p:sp>
+      <p:sp>
+        <p:nvSpPr>
+          <p:cNvPr id="3" name="Notes Placeholder 2"/>
+          <p:cNvSpPr>
+            <a:spLocks noGrp="1"/>
+          </p:cNvSpPr>
+          <p:nvPr>
+            <p:ph type="body" idx="1"/>
+          </p:nvPr>
+        </p:nvSpPr>
+        <p:spPr/>
+        <p:txBody>
+          <a:bodyPr/>
+          <a:lstStyle/>
+          <a:p>
+            <a:r>
+              <a:rPr lang="pt-BR" sz="1200" b="1" dirty="0" smtClean="0"/>
+              <a:t>Laboratório #6:</a:t>
+            </a:r>
+            <a:r>
+              <a:rPr lang="pt-BR" sz="1200" dirty="0" smtClean="0"/>
+              <a:t> https://mybinder.org/v2/gh/zz4fap/t320_aprendizado_de_maquina/main?filepath=labs%2FLaboratorio6.ipynb</a:t>
+            </a:r>
+          </a:p>
+          <a:p>
+            <a:endParaRPr lang="pt-BR" sz="1200" dirty="0"/>
+          </a:p>
+        </p:txBody>
+      </p:sp>
+      <p:sp>
+        <p:nvSpPr>
+          <p:cNvPr id="4" name="Slide Number Placeholder 3"/>
+          <p:cNvSpPr>
+            <a:spLocks noGrp="1"/>
+          </p:cNvSpPr>
+          <p:nvPr>
+            <p:ph type="sldNum" sz="quarter" idx="10"/>
+          </p:nvPr>
+        </p:nvSpPr>
+        <p:spPr/>
+        <p:txBody>
+          <a:bodyPr/>
+          <a:lstStyle/>
+          <a:p>
+            <a:fld id="{6FC8D850-966F-45A6-8DE7-15B891E7D40D}" type="slidenum">
+              <a:rPr lang="pt-BR" smtClean="0"/>
+              <a:t>12</a:t>
+            </a:fld>
+            <a:endParaRPr lang="pt-BR"/>
+          </a:p>
+        </p:txBody>
+      </p:sp>
+    </p:spTree>
+    <p:extLst>
+      <p:ext uri="{BB962C8B-B14F-4D97-AF65-F5344CB8AC3E}">
+        <p14:creationId xmlns:p14="http://schemas.microsoft.com/office/powerpoint/2010/main" val="2606387757"/>
+      </p:ext>
+    </p:extLst>
+  </p:cSld>
+  <p:clrMapOvr>
+    <a:masterClrMapping/>
+  </p:clrMapOvr>
+</p:notes>
+</file>
+
+<file path=ppt/notesSlides/notesSlide11.xml><?xml version="1.0" encoding="utf-8"?>
+<p:notes xmlns:a="http://schemas.openxmlformats.org/drawingml/2006/main" xmlns:r="http://schemas.openxmlformats.org/officeDocument/2006/relationships" xmlns:p="http://schemas.openxmlformats.org/presentationml/2006/main">
+  <p:cSld>
+    <p:spTree>
+      <p:nvGrpSpPr>
+        <p:cNvPr id="1" name=""/>
+        <p:cNvGrpSpPr/>
+        <p:nvPr/>
+      </p:nvGrpSpPr>
+      <p:grpSpPr>
+        <a:xfrm>
+          <a:off x="0" y="0"/>
+          <a:ext cx="0" cy="0"/>
+          <a:chOff x="0" y="0"/>
+          <a:chExt cx="0" cy="0"/>
+        </a:xfrm>
+      </p:grpSpPr>
+      <p:sp>
+        <p:nvSpPr>
+          <p:cNvPr id="2" name="Slide Image Placeholder 1"/>
+          <p:cNvSpPr>
+            <a:spLocks noGrp="1" noRot="1" noChangeAspect="1"/>
+          </p:cNvSpPr>
+          <p:nvPr>
+            <p:ph type="sldImg"/>
+          </p:nvPr>
+        </p:nvSpPr>
+        <p:spPr/>
+      </p:sp>
       <mc:AlternateContent xmlns:mc="http://schemas.openxmlformats.org/markup-compatibility/2006" xmlns:a14="http://schemas.microsoft.com/office/drawing/2010/main">
         <mc:Choice Requires="a14">
           <p:sp>
@@ -2850,7 +2945,7 @@
           <a:p>
             <a:fld id="{F430A2A4-8C14-4B1A-AD48-7B6401078BF7}" type="slidenum">
               <a:rPr lang="pt-BR" smtClean="0"/>
-              <a:t>12</a:t>
+              <a:t>13</a:t>
             </a:fld>
             <a:endParaRPr lang="pt-BR"/>
           </a:p>
@@ -2869,7 +2964,7 @@
 </p:notes>
 </file>
 
-<file path=ppt/notesSlides/notesSlide11.xml><?xml version="1.0" encoding="utf-8"?>
+<file path=ppt/notesSlides/notesSlide12.xml><?xml version="1.0" encoding="utf-8"?>
 <p:notes xmlns:a="http://schemas.openxmlformats.org/drawingml/2006/main" xmlns:r="http://schemas.openxmlformats.org/officeDocument/2006/relationships" xmlns:p="http://schemas.openxmlformats.org/presentationml/2006/main">
   <p:cSld>
     <p:spTree>
@@ -5104,7 +5199,7 @@
           <a:p>
             <a:fld id="{F430A2A4-8C14-4B1A-AD48-7B6401078BF7}" type="slidenum">
               <a:rPr lang="pt-BR" smtClean="0"/>
-              <a:t>13</a:t>
+              <a:t>14</a:t>
             </a:fld>
             <a:endParaRPr lang="pt-BR"/>
           </a:p>
@@ -5123,7 +5218,7 @@
 </p:notes>
 </file>
 
-<file path=ppt/notesSlides/notesSlide12.xml><?xml version="1.0" encoding="utf-8"?>
+<file path=ppt/notesSlides/notesSlide13.xml><?xml version="1.0" encoding="utf-8"?>
 <p:notes xmlns:a="http://schemas.openxmlformats.org/drawingml/2006/main" xmlns:r="http://schemas.openxmlformats.org/officeDocument/2006/relationships" xmlns:p="http://schemas.openxmlformats.org/presentationml/2006/main">
   <p:cSld>
     <p:spTree>
@@ -5202,7 +5297,7 @@
           <a:p>
             <a:fld id="{F430A2A4-8C14-4B1A-AD48-7B6401078BF7}" type="slidenum">
               <a:rPr lang="pt-BR" smtClean="0"/>
-              <a:t>14</a:t>
+              <a:t>15</a:t>
             </a:fld>
             <a:endParaRPr lang="pt-BR"/>
           </a:p>
@@ -5221,7 +5316,7 @@
 </p:notes>
 </file>
 
-<file path=ppt/notesSlides/notesSlide13.xml><?xml version="1.0" encoding="utf-8"?>
+<file path=ppt/notesSlides/notesSlide14.xml><?xml version="1.0" encoding="utf-8"?>
 <p:notes xmlns:a="http://schemas.openxmlformats.org/drawingml/2006/main" xmlns:r="http://schemas.openxmlformats.org/officeDocument/2006/relationships" xmlns:p="http://schemas.openxmlformats.org/presentationml/2006/main">
   <p:cSld>
     <p:spTree>
@@ -5408,7 +5503,7 @@
           <a:p>
             <a:fld id="{F430A2A4-8C14-4B1A-AD48-7B6401078BF7}" type="slidenum">
               <a:rPr lang="pt-BR" smtClean="0"/>
-              <a:t>15</a:t>
+              <a:t>16</a:t>
             </a:fld>
             <a:endParaRPr lang="pt-BR"/>
           </a:p>
@@ -5427,7 +5522,7 @@
 </p:notes>
 </file>
 
-<file path=ppt/notesSlides/notesSlide14.xml><?xml version="1.0" encoding="utf-8"?>
+<file path=ppt/notesSlides/notesSlide15.xml><?xml version="1.0" encoding="utf-8"?>
 <p:notes xmlns:a="http://schemas.openxmlformats.org/drawingml/2006/main" xmlns:r="http://schemas.openxmlformats.org/officeDocument/2006/relationships" xmlns:p="http://schemas.openxmlformats.org/presentationml/2006/main">
   <p:cSld>
     <p:spTree>
@@ -5854,7 +5949,7 @@
           <a:p>
             <a:fld id="{F430A2A4-8C14-4B1A-AD48-7B6401078BF7}" type="slidenum">
               <a:rPr lang="pt-BR" smtClean="0"/>
-              <a:t>16</a:t>
+              <a:t>17</a:t>
             </a:fld>
             <a:endParaRPr lang="pt-BR"/>
           </a:p>
@@ -5873,7 +5968,7 @@
 </p:notes>
 </file>
 
-<file path=ppt/notesSlides/notesSlide15.xml><?xml version="1.0" encoding="utf-8"?>
+<file path=ppt/notesSlides/notesSlide16.xml><?xml version="1.0" encoding="utf-8"?>
 <p:notes xmlns:a="http://schemas.openxmlformats.org/drawingml/2006/main" xmlns:r="http://schemas.openxmlformats.org/officeDocument/2006/relationships" xmlns:p="http://schemas.openxmlformats.org/presentationml/2006/main">
   <p:cSld>
     <p:spTree>
@@ -5948,7 +6043,7 @@
           <a:p>
             <a:fld id="{6FC8D850-966F-45A6-8DE7-15B891E7D40D}" type="slidenum">
               <a:rPr lang="pt-BR" smtClean="0"/>
-              <a:t>17</a:t>
+              <a:t>18</a:t>
             </a:fld>
             <a:endParaRPr lang="pt-BR"/>
           </a:p>
@@ -6338,7 +6433,7 @@
     </p:spTree>
     <p:extLst>
       <p:ext uri="{BB962C8B-B14F-4D97-AF65-F5344CB8AC3E}">
-        <p14:creationId xmlns:p14="http://schemas.microsoft.com/office/powerpoint/2010/main" val="3915464341"/>
+        <p14:creationId xmlns:p14="http://schemas.microsoft.com/office/powerpoint/2010/main" val="2247460691"/>
       </p:ext>
     </p:extLst>
   </p:cSld>
@@ -6349,6 +6444,153 @@
 </file>
 
 <file path=ppt/notesSlides/notesSlide5.xml><?xml version="1.0" encoding="utf-8"?>
+<p:notes xmlns:a="http://schemas.openxmlformats.org/drawingml/2006/main" xmlns:r="http://schemas.openxmlformats.org/officeDocument/2006/relationships" xmlns:p="http://schemas.openxmlformats.org/presentationml/2006/main">
+  <p:cSld>
+    <p:spTree>
+      <p:nvGrpSpPr>
+        <p:cNvPr id="1" name=""/>
+        <p:cNvGrpSpPr/>
+        <p:nvPr/>
+      </p:nvGrpSpPr>
+      <p:grpSpPr>
+        <a:xfrm>
+          <a:off x="0" y="0"/>
+          <a:ext cx="0" cy="0"/>
+          <a:chOff x="0" y="0"/>
+          <a:chExt cx="0" cy="0"/>
+        </a:xfrm>
+      </p:grpSpPr>
+      <p:sp>
+        <p:nvSpPr>
+          <p:cNvPr id="2" name="Slide Image Placeholder 1"/>
+          <p:cNvSpPr>
+            <a:spLocks noGrp="1" noRot="1" noChangeAspect="1"/>
+          </p:cNvSpPr>
+          <p:nvPr>
+            <p:ph type="sldImg"/>
+          </p:nvPr>
+        </p:nvSpPr>
+        <p:spPr/>
+      </p:sp>
+      <p:sp>
+        <p:nvSpPr>
+          <p:cNvPr id="3" name="Notes Placeholder 2"/>
+          <p:cNvSpPr>
+            <a:spLocks noGrp="1"/>
+          </p:cNvSpPr>
+          <p:nvPr>
+            <p:ph type="body" idx="1"/>
+          </p:nvPr>
+        </p:nvSpPr>
+        <p:spPr/>
+        <p:txBody>
+          <a:bodyPr/>
+          <a:lstStyle/>
+          <a:p>
+            <a:pPr marL="0" marR="0" lvl="0" indent="0" algn="l" defTabSz="914400" rtl="0" eaLnBrk="1" fontAlgn="auto" latinLnBrk="0" hangingPunct="1">
+              <a:lnSpc>
+                <a:spcPct val="100000"/>
+              </a:lnSpc>
+              <a:spcBef>
+                <a:spcPts val="0"/>
+              </a:spcBef>
+              <a:spcAft>
+                <a:spcPts val="0"/>
+              </a:spcAft>
+              <a:buClrTx/>
+              <a:buSzTx/>
+              <a:buFontTx/>
+              <a:buNone/>
+              <a:tabLst/>
+              <a:defRPr/>
+            </a:pPr>
+            <a:r>
+              <a:rPr lang="pt-BR" dirty="0"/>
+              <a:t>Os seres eucariotas são os organismos vivos unicelulares ou pluricelulares constituídos por células dotadas de núcleo, distinguindo-se dos procariotas (grupo parafilético), cujas células são desprovidas de um núcleo bem diferenciado.</a:t>
+            </a:r>
+          </a:p>
+          <a:p>
+            <a:pPr marL="0" marR="0" lvl="0" indent="0" algn="l" defTabSz="914400" rtl="0" eaLnBrk="1" fontAlgn="auto" latinLnBrk="0" hangingPunct="1">
+              <a:lnSpc>
+                <a:spcPct val="100000"/>
+              </a:lnSpc>
+              <a:spcBef>
+                <a:spcPts val="0"/>
+              </a:spcBef>
+              <a:spcAft>
+                <a:spcPts val="0"/>
+              </a:spcAft>
+              <a:buClrTx/>
+              <a:buSzTx/>
+              <a:buFontTx/>
+              <a:buNone/>
+              <a:tabLst/>
+              <a:defRPr/>
+            </a:pPr>
+            <a:endParaRPr lang="pt-BR" dirty="0"/>
+          </a:p>
+          <a:p>
+            <a:pPr marL="0" marR="0" lvl="0" indent="0" algn="l" defTabSz="914400" rtl="0" eaLnBrk="1" fontAlgn="auto" latinLnBrk="0" hangingPunct="1">
+              <a:lnSpc>
+                <a:spcPct val="100000"/>
+              </a:lnSpc>
+              <a:spcBef>
+                <a:spcPts val="0"/>
+              </a:spcBef>
+              <a:spcAft>
+                <a:spcPts val="0"/>
+              </a:spcAft>
+              <a:buClrTx/>
+              <a:buSzTx/>
+              <a:buFontTx/>
+              <a:buNone/>
+              <a:tabLst/>
+              <a:defRPr/>
+            </a:pPr>
+            <a:r>
+              <a:rPr lang="pt-BR" dirty="0"/>
+              <a:t>Plantas, animais, fungos, protozoários, e algas são todos eucariontes.</a:t>
+            </a:r>
+          </a:p>
+        </p:txBody>
+      </p:sp>
+      <p:sp>
+        <p:nvSpPr>
+          <p:cNvPr id="4" name="Slide Number Placeholder 3"/>
+          <p:cNvSpPr>
+            <a:spLocks noGrp="1"/>
+          </p:cNvSpPr>
+          <p:nvPr>
+            <p:ph type="sldNum" sz="quarter" idx="10"/>
+          </p:nvPr>
+        </p:nvSpPr>
+        <p:spPr/>
+        <p:txBody>
+          <a:bodyPr/>
+          <a:lstStyle/>
+          <a:p>
+            <a:fld id="{F430A2A4-8C14-4B1A-AD48-7B6401078BF7}" type="slidenum">
+              <a:rPr lang="pt-BR" smtClean="0"/>
+              <a:t>7</a:t>
+            </a:fld>
+            <a:endParaRPr lang="pt-BR"/>
+          </a:p>
+        </p:txBody>
+      </p:sp>
+    </p:spTree>
+    <p:extLst>
+      <p:ext uri="{BB962C8B-B14F-4D97-AF65-F5344CB8AC3E}">
+        <p14:creationId xmlns:p14="http://schemas.microsoft.com/office/powerpoint/2010/main" val="3517211469"/>
+      </p:ext>
+    </p:extLst>
+  </p:cSld>
+  <p:clrMapOvr>
+    <a:masterClrMapping/>
+  </p:clrMapOvr>
+</p:notes>
+</file>
+
+<file path=ppt/notesSlides/notesSlide6.xml><?xml version="1.0" encoding="utf-8"?>
 <p:notes xmlns:a="http://schemas.openxmlformats.org/drawingml/2006/main" xmlns:r="http://schemas.openxmlformats.org/officeDocument/2006/relationships" xmlns:p="http://schemas.openxmlformats.org/presentationml/2006/main">
   <p:cSld>
     <p:spTree>
@@ -6430,7 +6672,7 @@
           <a:p>
             <a:fld id="{F430A2A4-8C14-4B1A-AD48-7B6401078BF7}" type="slidenum">
               <a:rPr lang="pt-BR" smtClean="0"/>
-              <a:t>7</a:t>
+              <a:t>8</a:t>
             </a:fld>
             <a:endParaRPr lang="pt-BR"/>
           </a:p>
@@ -6449,7 +6691,7 @@
 </p:notes>
 </file>
 
-<file path=ppt/notesSlides/notesSlide6.xml><?xml version="1.0" encoding="utf-8"?>
+<file path=ppt/notesSlides/notesSlide7.xml><?xml version="1.0" encoding="utf-8"?>
 <p:notes xmlns:a="http://schemas.openxmlformats.org/drawingml/2006/main" xmlns:r="http://schemas.openxmlformats.org/officeDocument/2006/relationships" xmlns:p="http://schemas.openxmlformats.org/presentationml/2006/main">
   <p:cSld>
     <p:spTree>
@@ -6631,7 +6873,31 @@
                 <a:ea typeface="+mn-ea"/>
                 <a:cs typeface="+mn-cs"/>
               </a:rPr>
-              <a:t> é definida como toda oração que declare algo, podendo ser valorada como verdadeira ou falsa.</a:t>
+              <a:t> é definida como toda oração que declare algo, podendo ser </a:t>
+            </a:r>
+            <a:r>
+              <a:rPr lang="pt-BR" sz="1200" b="0" i="0" kern="1200" dirty="0" smtClean="0">
+                <a:solidFill>
+                  <a:schemeClr val="tx1"/>
+                </a:solidFill>
+                <a:effectLst/>
+                <a:latin typeface="+mn-lt"/>
+                <a:ea typeface="+mn-ea"/>
+                <a:cs typeface="+mn-cs"/>
+              </a:rPr>
+              <a:t>avaliada como </a:t>
+            </a:r>
+            <a:r>
+              <a:rPr lang="pt-BR" sz="1200" b="0" i="0" kern="1200" dirty="0">
+                <a:solidFill>
+                  <a:schemeClr val="tx1"/>
+                </a:solidFill>
+                <a:effectLst/>
+                <a:latin typeface="+mn-lt"/>
+                <a:ea typeface="+mn-ea"/>
+                <a:cs typeface="+mn-cs"/>
+              </a:rPr>
+              <a:t>verdadeira ou falsa.</a:t>
             </a:r>
             <a:r>
               <a:rPr lang="en-US" dirty="0"/>
@@ -6661,7 +6927,7 @@
           <a:p>
             <a:fld id="{F430A2A4-8C14-4B1A-AD48-7B6401078BF7}" type="slidenum">
               <a:rPr lang="pt-BR" smtClean="0"/>
-              <a:t>8</a:t>
+              <a:t>9</a:t>
             </a:fld>
             <a:endParaRPr lang="pt-BR"/>
           </a:p>
@@ -6680,7 +6946,7 @@
 </p:notes>
 </file>
 
-<file path=ppt/notesSlides/notesSlide7.xml><?xml version="1.0" encoding="utf-8"?>
+<file path=ppt/notesSlides/notesSlide8.xml><?xml version="1.0" encoding="utf-8"?>
 <p:notes xmlns:a="http://schemas.openxmlformats.org/drawingml/2006/main" xmlns:r="http://schemas.openxmlformats.org/officeDocument/2006/relationships" xmlns:p="http://schemas.openxmlformats.org/presentationml/2006/main">
   <p:cSld>
     <p:spTree>
@@ -6798,7 +7064,7 @@
           <a:p>
             <a:fld id="{F430A2A4-8C14-4B1A-AD48-7B6401078BF7}" type="slidenum">
               <a:rPr lang="pt-BR" smtClean="0"/>
-              <a:t>9</a:t>
+              <a:t>10</a:t>
             </a:fld>
             <a:endParaRPr lang="pt-BR"/>
           </a:p>
@@ -6817,7 +7083,7 @@
 </p:notes>
 </file>
 
-<file path=ppt/notesSlides/notesSlide8.xml><?xml version="1.0" encoding="utf-8"?>
+<file path=ppt/notesSlides/notesSlide9.xml><?xml version="1.0" encoding="utf-8"?>
 <p:notes xmlns:a="http://schemas.openxmlformats.org/drawingml/2006/main" xmlns:r="http://schemas.openxmlformats.org/officeDocument/2006/relationships" xmlns:p="http://schemas.openxmlformats.org/presentationml/2006/main">
   <p:cSld>
     <p:spTree>
@@ -6919,7 +7185,7 @@
           <a:p>
             <a:fld id="{F430A2A4-8C14-4B1A-AD48-7B6401078BF7}" type="slidenum">
               <a:rPr lang="pt-BR" smtClean="0"/>
-              <a:t>10</a:t>
+              <a:t>11</a:t>
             </a:fld>
             <a:endParaRPr lang="pt-BR"/>
           </a:p>
@@ -6929,100 +7195,6 @@
     <p:extLst>
       <p:ext uri="{BB962C8B-B14F-4D97-AF65-F5344CB8AC3E}">
         <p14:creationId xmlns:p14="http://schemas.microsoft.com/office/powerpoint/2010/main" val="1234772174"/>
-      </p:ext>
-    </p:extLst>
-  </p:cSld>
-  <p:clrMapOvr>
-    <a:masterClrMapping/>
-  </p:clrMapOvr>
-</p:notes>
-</file>
-
-<file path=ppt/notesSlides/notesSlide9.xml><?xml version="1.0" encoding="utf-8"?>
-<p:notes xmlns:a="http://schemas.openxmlformats.org/drawingml/2006/main" xmlns:r="http://schemas.openxmlformats.org/officeDocument/2006/relationships" xmlns:p="http://schemas.openxmlformats.org/presentationml/2006/main">
-  <p:cSld>
-    <p:spTree>
-      <p:nvGrpSpPr>
-        <p:cNvPr id="1" name=""/>
-        <p:cNvGrpSpPr/>
-        <p:nvPr/>
-      </p:nvGrpSpPr>
-      <p:grpSpPr>
-        <a:xfrm>
-          <a:off x="0" y="0"/>
-          <a:ext cx="0" cy="0"/>
-          <a:chOff x="0" y="0"/>
-          <a:chExt cx="0" cy="0"/>
-        </a:xfrm>
-      </p:grpSpPr>
-      <p:sp>
-        <p:nvSpPr>
-          <p:cNvPr id="2" name="Slide Image Placeholder 1"/>
-          <p:cNvSpPr>
-            <a:spLocks noGrp="1" noRot="1" noChangeAspect="1"/>
-          </p:cNvSpPr>
-          <p:nvPr>
-            <p:ph type="sldImg"/>
-          </p:nvPr>
-        </p:nvSpPr>
-        <p:spPr/>
-      </p:sp>
-      <p:sp>
-        <p:nvSpPr>
-          <p:cNvPr id="3" name="Notes Placeholder 2"/>
-          <p:cNvSpPr>
-            <a:spLocks noGrp="1"/>
-          </p:cNvSpPr>
-          <p:nvPr>
-            <p:ph type="body" idx="1"/>
-          </p:nvPr>
-        </p:nvSpPr>
-        <p:spPr/>
-        <p:txBody>
-          <a:bodyPr/>
-          <a:lstStyle/>
-          <a:p>
-            <a:r>
-              <a:rPr lang="pt-BR" sz="1200" b="1" dirty="0" smtClean="0"/>
-              <a:t>Laboratório #6:</a:t>
-            </a:r>
-            <a:r>
-              <a:rPr lang="pt-BR" sz="1200" dirty="0" smtClean="0"/>
-              <a:t> https://mybinder.org/v2/gh/zz4fap/t320_aprendizado_de_maquina/main?filepath=labs%2FLaboratorio6.ipynb</a:t>
-            </a:r>
-          </a:p>
-          <a:p>
-            <a:endParaRPr lang="pt-BR" sz="1200" dirty="0"/>
-          </a:p>
-        </p:txBody>
-      </p:sp>
-      <p:sp>
-        <p:nvSpPr>
-          <p:cNvPr id="4" name="Slide Number Placeholder 3"/>
-          <p:cNvSpPr>
-            <a:spLocks noGrp="1"/>
-          </p:cNvSpPr>
-          <p:nvPr>
-            <p:ph type="sldNum" sz="quarter" idx="10"/>
-          </p:nvPr>
-        </p:nvSpPr>
-        <p:spPr/>
-        <p:txBody>
-          <a:bodyPr/>
-          <a:lstStyle/>
-          <a:p>
-            <a:fld id="{6FC8D850-966F-45A6-8DE7-15B891E7D40D}" type="slidenum">
-              <a:rPr lang="pt-BR" smtClean="0"/>
-              <a:t>11</a:t>
-            </a:fld>
-            <a:endParaRPr lang="pt-BR"/>
-          </a:p>
-        </p:txBody>
-      </p:sp>
-    </p:spTree>
-    <p:extLst>
-      <p:ext uri="{BB962C8B-B14F-4D97-AF65-F5344CB8AC3E}">
-        <p14:creationId xmlns:p14="http://schemas.microsoft.com/office/powerpoint/2010/main" val="2606387757"/>
       </p:ext>
     </p:extLst>
   </p:cSld>
@@ -7163,7 +7335,7 @@
           <a:p>
             <a:fld id="{221D0464-8C8A-49C0-859F-777E51766A35}" type="datetimeFigureOut">
               <a:rPr lang="pt-BR" smtClean="0"/>
-              <a:t>08/10/2021</a:t>
+              <a:t>22/10/2021</a:t>
             </a:fld>
             <a:endParaRPr lang="pt-BR"/>
           </a:p>
@@ -7333,7 +7505,7 @@
           <a:p>
             <a:fld id="{221D0464-8C8A-49C0-859F-777E51766A35}" type="datetimeFigureOut">
               <a:rPr lang="pt-BR" smtClean="0"/>
-              <a:t>08/10/2021</a:t>
+              <a:t>22/10/2021</a:t>
             </a:fld>
             <a:endParaRPr lang="pt-BR"/>
           </a:p>
@@ -7513,7 +7685,7 @@
           <a:p>
             <a:fld id="{221D0464-8C8A-49C0-859F-777E51766A35}" type="datetimeFigureOut">
               <a:rPr lang="pt-BR" smtClean="0"/>
-              <a:t>08/10/2021</a:t>
+              <a:t>22/10/2021</a:t>
             </a:fld>
             <a:endParaRPr lang="pt-BR"/>
           </a:p>
@@ -7683,7 +7855,7 @@
           <a:p>
             <a:fld id="{221D0464-8C8A-49C0-859F-777E51766A35}" type="datetimeFigureOut">
               <a:rPr lang="pt-BR" smtClean="0"/>
-              <a:t>08/10/2021</a:t>
+              <a:t>22/10/2021</a:t>
             </a:fld>
             <a:endParaRPr lang="pt-BR"/>
           </a:p>
@@ -7929,7 +8101,7 @@
           <a:p>
             <a:fld id="{221D0464-8C8A-49C0-859F-777E51766A35}" type="datetimeFigureOut">
               <a:rPr lang="pt-BR" smtClean="0"/>
-              <a:t>08/10/2021</a:t>
+              <a:t>22/10/2021</a:t>
             </a:fld>
             <a:endParaRPr lang="pt-BR"/>
           </a:p>
@@ -8161,7 +8333,7 @@
           <a:p>
             <a:fld id="{221D0464-8C8A-49C0-859F-777E51766A35}" type="datetimeFigureOut">
               <a:rPr lang="pt-BR" smtClean="0"/>
-              <a:t>08/10/2021</a:t>
+              <a:t>22/10/2021</a:t>
             </a:fld>
             <a:endParaRPr lang="pt-BR"/>
           </a:p>
@@ -8528,7 +8700,7 @@
           <a:p>
             <a:fld id="{221D0464-8C8A-49C0-859F-777E51766A35}" type="datetimeFigureOut">
               <a:rPr lang="pt-BR" smtClean="0"/>
-              <a:t>08/10/2021</a:t>
+              <a:t>22/10/2021</a:t>
             </a:fld>
             <a:endParaRPr lang="pt-BR"/>
           </a:p>
@@ -8646,7 +8818,7 @@
           <a:p>
             <a:fld id="{221D0464-8C8A-49C0-859F-777E51766A35}" type="datetimeFigureOut">
               <a:rPr lang="pt-BR" smtClean="0"/>
-              <a:t>08/10/2021</a:t>
+              <a:t>22/10/2021</a:t>
             </a:fld>
             <a:endParaRPr lang="pt-BR"/>
           </a:p>
@@ -8741,7 +8913,7 @@
           <a:p>
             <a:fld id="{221D0464-8C8A-49C0-859F-777E51766A35}" type="datetimeFigureOut">
               <a:rPr lang="pt-BR" smtClean="0"/>
-              <a:t>08/10/2021</a:t>
+              <a:t>22/10/2021</a:t>
             </a:fld>
             <a:endParaRPr lang="pt-BR"/>
           </a:p>
@@ -9018,7 +9190,7 @@
           <a:p>
             <a:fld id="{221D0464-8C8A-49C0-859F-777E51766A35}" type="datetimeFigureOut">
               <a:rPr lang="pt-BR" smtClean="0"/>
-              <a:t>08/10/2021</a:t>
+              <a:t>22/10/2021</a:t>
             </a:fld>
             <a:endParaRPr lang="pt-BR"/>
           </a:p>
@@ -9271,7 +9443,7 @@
           <a:p>
             <a:fld id="{221D0464-8C8A-49C0-859F-777E51766A35}" type="datetimeFigureOut">
               <a:rPr lang="pt-BR" smtClean="0"/>
-              <a:t>08/10/2021</a:t>
+              <a:t>22/10/2021</a:t>
             </a:fld>
             <a:endParaRPr lang="pt-BR"/>
           </a:p>
@@ -9484,7 +9656,7 @@
           <a:p>
             <a:fld id="{221D0464-8C8A-49C0-859F-777E51766A35}" type="datetimeFigureOut">
               <a:rPr lang="pt-BR" smtClean="0"/>
-              <a:t>08/10/2021</a:t>
+              <a:t>22/10/2021</a:t>
             </a:fld>
             <a:endParaRPr lang="pt-BR"/>
           </a:p>
@@ -10080,6 +10252,863 @@
 </file>
 
 <file path=ppt/slides/slide10.xml><?xml version="1.0" encoding="utf-8"?>
+<p:sld xmlns:a="http://schemas.openxmlformats.org/drawingml/2006/main" xmlns:r="http://schemas.openxmlformats.org/officeDocument/2006/relationships" xmlns:p="http://schemas.openxmlformats.org/presentationml/2006/main">
+  <p:cSld>
+    <p:spTree>
+      <p:nvGrpSpPr>
+        <p:cNvPr id="1" name=""/>
+        <p:cNvGrpSpPr/>
+        <p:nvPr/>
+      </p:nvGrpSpPr>
+      <p:grpSpPr>
+        <a:xfrm>
+          <a:off x="0" y="0"/>
+          <a:ext cx="0" cy="0"/>
+          <a:chOff x="0" y="0"/>
+          <a:chExt cx="0" cy="0"/>
+        </a:xfrm>
+      </p:grpSpPr>
+      <p:sp>
+        <p:nvSpPr>
+          <p:cNvPr id="2" name="Title 1"/>
+          <p:cNvSpPr>
+            <a:spLocks noGrp="1"/>
+          </p:cNvSpPr>
+          <p:nvPr>
+            <p:ph type="title"/>
+          </p:nvPr>
+        </p:nvSpPr>
+        <p:spPr>
+          <a:xfrm>
+            <a:off x="838200" y="49811"/>
+            <a:ext cx="10515600" cy="1465090"/>
+          </a:xfrm>
+        </p:spPr>
+        <p:txBody>
+          <a:bodyPr/>
+          <a:lstStyle/>
+          <a:p>
+            <a:r>
+              <a:rPr lang="pt-BR" dirty="0"/>
+              <a:t>O Modelo de McCulloch e Pitts </a:t>
+            </a:r>
+          </a:p>
+        </p:txBody>
+      </p:sp>
+      <mc:AlternateContent xmlns:mc="http://schemas.openxmlformats.org/markup-compatibility/2006" xmlns:a14="http://schemas.microsoft.com/office/drawing/2010/main">
+        <mc:Choice Requires="a14">
+          <p:sp>
+            <p:nvSpPr>
+              <p:cNvPr id="5" name="Content Placeholder 4"/>
+              <p:cNvSpPr>
+                <a:spLocks noGrp="1"/>
+              </p:cNvSpPr>
+              <p:nvPr>
+                <p:ph idx="1"/>
+              </p:nvPr>
+            </p:nvSpPr>
+            <p:spPr>
+              <a:xfrm>
+                <a:off x="838199" y="1514901"/>
+                <a:ext cx="7359869" cy="5343099"/>
+              </a:xfrm>
+            </p:spPr>
+            <p:txBody>
+              <a:bodyPr>
+                <a:normAutofit fontScale="85000" lnSpcReduction="20000"/>
+              </a:bodyPr>
+              <a:lstStyle/>
+              <a:p>
+                <a:r>
+                  <a:rPr lang="pt-BR" dirty="0"/>
+                  <a:t>A figura ao lado mostra o modelo matemático do </a:t>
+                </a:r>
+                <a:r>
+                  <a:rPr lang="pt-BR" b="1" i="1" dirty="0"/>
+                  <a:t>neurônio</a:t>
+                </a:r>
+                <a:r>
+                  <a:rPr lang="pt-BR" dirty="0"/>
+                  <a:t> criado por McCulloch e Pitts.</a:t>
+                </a:r>
+              </a:p>
+              <a:p>
+                <a:r>
+                  <a:rPr lang="pt-BR" dirty="0"/>
+                  <a:t>G</a:t>
+                </a:r>
+                <a:r>
+                  <a:rPr lang="pt-BR" dirty="0" smtClean="0"/>
+                  <a:t>rosso </a:t>
+                </a:r>
+                <a:r>
+                  <a:rPr lang="pt-BR" dirty="0"/>
+                  <a:t>modo, o </a:t>
+                </a:r>
+                <a:r>
+                  <a:rPr lang="pt-BR" b="1" i="1" dirty="0"/>
+                  <a:t>neurônio</a:t>
+                </a:r>
+                <a:r>
+                  <a:rPr lang="pt-BR" dirty="0"/>
+                  <a:t> é ativado (ou disparado) quando uma </a:t>
+                </a:r>
+                <a:r>
+                  <a:rPr lang="pt-BR" b="1" i="1" dirty="0"/>
+                  <a:t>combinação linear </a:t>
+                </a:r>
+                <a:r>
+                  <a:rPr lang="pt-BR" dirty="0"/>
+                  <a:t>de suas entradas excede um </a:t>
+                </a:r>
+                <a:r>
+                  <a:rPr lang="pt-BR" b="1" i="1" dirty="0"/>
+                  <a:t>limiar de ativação</a:t>
+                </a:r>
+                <a:r>
+                  <a:rPr lang="pt-BR" dirty="0"/>
+                  <a:t>. </a:t>
+                </a:r>
+              </a:p>
+              <a:p>
+                <a:r>
+                  <a:rPr lang="pt-BR" dirty="0" smtClean="0"/>
+                  <a:t>As </a:t>
+                </a:r>
+                <a:r>
+                  <a:rPr lang="pt-BR" dirty="0"/>
+                  <a:t>premissas do modelo </a:t>
+                </a:r>
+                <a:r>
+                  <a:rPr lang="pt-BR" dirty="0" smtClean="0"/>
+                  <a:t>de </a:t>
+                </a:r>
+                <a:r>
+                  <a:rPr lang="pt-BR" dirty="0"/>
+                  <a:t>McCulloch e Pitts (M-P) são:</a:t>
+                </a:r>
+              </a:p>
+              <a:p>
+                <a:pPr lvl="1">
+                  <a:buFont typeface="Wingdings" panose="05000000000000000000" pitchFamily="2" charset="2"/>
+                  <a:buChar char="§"/>
+                </a:pPr>
+                <a:r>
+                  <a:rPr lang="pt-BR" dirty="0"/>
+                  <a:t>Os valores das entradas, </a:t>
+                </a:r>
+                <a14:m>
+                  <m:oMath xmlns:m="http://schemas.openxmlformats.org/officeDocument/2006/math">
+                    <m:sSub>
+                      <m:sSubPr>
+                        <m:ctrlPr>
+                          <a:rPr lang="pt-BR" i="1" smtClean="0">
+                            <a:latin typeface="Cambria Math" panose="02040503050406030204" pitchFamily="18" charset="0"/>
+                          </a:rPr>
+                        </m:ctrlPr>
+                      </m:sSubPr>
+                      <m:e>
+                        <m:r>
+                          <a:rPr lang="pt-BR" b="0" i="1" smtClean="0">
+                            <a:latin typeface="Cambria Math" panose="02040503050406030204" pitchFamily="18" charset="0"/>
+                          </a:rPr>
+                          <m:t>𝑥</m:t>
+                        </m:r>
+                      </m:e>
+                      <m:sub>
+                        <m:r>
+                          <a:rPr lang="pt-BR" b="0" i="1" smtClean="0">
+                            <a:latin typeface="Cambria Math" panose="02040503050406030204" pitchFamily="18" charset="0"/>
+                          </a:rPr>
+                          <m:t>𝑖</m:t>
+                        </m:r>
+                      </m:sub>
+                    </m:sSub>
+                    <m:r>
+                      <a:rPr lang="pt-BR" b="0" i="1" smtClean="0">
+                        <a:latin typeface="Cambria Math" panose="02040503050406030204" pitchFamily="18" charset="0"/>
+                      </a:rPr>
+                      <m:t>, </m:t>
+                    </m:r>
+                    <m:r>
+                      <a:rPr lang="pt-BR" b="0" i="1" smtClean="0">
+                        <a:latin typeface="Cambria Math" panose="02040503050406030204" pitchFamily="18" charset="0"/>
+                        <a:ea typeface="Cambria Math" panose="02040503050406030204" pitchFamily="18" charset="0"/>
+                      </a:rPr>
+                      <m:t>∀</m:t>
+                    </m:r>
+                    <m:r>
+                      <a:rPr lang="pt-BR" b="0" i="1" smtClean="0">
+                        <a:latin typeface="Cambria Math" panose="02040503050406030204" pitchFamily="18" charset="0"/>
+                        <a:ea typeface="Cambria Math" panose="02040503050406030204" pitchFamily="18" charset="0"/>
+                      </a:rPr>
+                      <m:t>𝑖</m:t>
+                    </m:r>
+                  </m:oMath>
+                </a14:m>
+                <a:r>
+                  <a:rPr lang="pt-BR" dirty="0"/>
+                  <a:t>, ou também chamadas de </a:t>
+                </a:r>
+                <a:r>
+                  <a:rPr lang="pt-BR" b="1" i="1" dirty="0"/>
+                  <a:t>sinapses</a:t>
+                </a:r>
+                <a:r>
+                  <a:rPr lang="pt-BR" dirty="0"/>
+                  <a:t>, são sempre valores booleanos, i.e., ‘0’, ou ‘1’.</a:t>
+                </a:r>
+              </a:p>
+              <a:p>
+                <a:pPr lvl="1">
+                  <a:buFont typeface="Wingdings" panose="05000000000000000000" pitchFamily="2" charset="2"/>
+                  <a:buChar char="§"/>
+                </a:pPr>
+                <a:r>
+                  <a:rPr lang="pt-BR" dirty="0"/>
+                  <a:t>As entradas são simplesmente somadas.</a:t>
+                </a:r>
+              </a:p>
+              <a:p>
+                <a:pPr lvl="1">
+                  <a:buFont typeface="Wingdings" panose="05000000000000000000" pitchFamily="2" charset="2"/>
+                  <a:buChar char="§"/>
+                </a:pPr>
+                <a:r>
+                  <a:rPr lang="pt-BR" dirty="0"/>
+                  <a:t>A atividade do </a:t>
+                </a:r>
+                <a:r>
+                  <a:rPr lang="pt-BR" b="1" i="1" dirty="0"/>
+                  <a:t>neurônio</a:t>
+                </a:r>
+                <a:r>
+                  <a:rPr lang="pt-BR" dirty="0"/>
+                  <a:t> é um processo do tipo “</a:t>
+                </a:r>
+                <a:r>
+                  <a:rPr lang="pt-BR" b="1" i="1" dirty="0"/>
+                  <a:t>tudo ou nada</a:t>
+                </a:r>
+                <a:r>
+                  <a:rPr lang="pt-BR" dirty="0"/>
+                  <a:t>”, ou seja, um processo binário. </a:t>
+                </a:r>
+                <a:endParaRPr lang="pt-BR" dirty="0" smtClean="0"/>
+              </a:p>
+              <a:p>
+                <a:pPr lvl="1">
+                  <a:buFont typeface="Wingdings" panose="05000000000000000000" pitchFamily="2" charset="2"/>
+                  <a:buChar char="§"/>
+                </a:pPr>
+                <a:r>
+                  <a:rPr lang="pt-BR" dirty="0" smtClean="0"/>
+                  <a:t>Portanto</a:t>
+                </a:r>
+                <a:r>
+                  <a:rPr lang="pt-BR" dirty="0"/>
+                  <a:t>, a </a:t>
+                </a:r>
+                <a:r>
+                  <a:rPr lang="pt-BR" b="1" i="1" dirty="0"/>
+                  <a:t>função de ativação </a:t>
+                </a:r>
+                <a:r>
+                  <a:rPr lang="pt-BR" dirty="0"/>
+                  <a:t>do neurônio é uma </a:t>
+                </a:r>
+                <a:r>
+                  <a:rPr lang="pt-BR" b="1" i="1" dirty="0"/>
+                  <a:t>função degrau </a:t>
+                </a:r>
+                <a:r>
+                  <a:rPr lang="pt-BR" dirty="0"/>
+                  <a:t>com </a:t>
+                </a:r>
+                <a:r>
+                  <a:rPr lang="pt-BR" b="1" i="1" dirty="0"/>
+                  <a:t>ponto de disparo </a:t>
+                </a:r>
+                <a:r>
+                  <a:rPr lang="pt-BR" dirty="0"/>
+                  <a:t>dependente do </a:t>
+                </a:r>
+                <a:r>
+                  <a:rPr lang="pt-BR" b="1" i="1" dirty="0"/>
+                  <a:t>limiar de ativação</a:t>
+                </a:r>
+                <a:r>
+                  <a:rPr lang="pt-BR" dirty="0"/>
+                  <a:t>, </a:t>
+                </a:r>
+                <a14:m>
+                  <m:oMath xmlns:m="http://schemas.openxmlformats.org/officeDocument/2006/math">
+                    <m:r>
+                      <a:rPr lang="pt-BR" i="1" smtClean="0">
+                        <a:latin typeface="Cambria Math" panose="02040503050406030204" pitchFamily="18" charset="0"/>
+                        <a:ea typeface="Cambria Math" panose="02040503050406030204" pitchFamily="18" charset="0"/>
+                      </a:rPr>
+                      <m:t>𝜃</m:t>
+                    </m:r>
+                  </m:oMath>
+                </a14:m>
+                <a:r>
+                  <a:rPr lang="pt-BR" b="1" i="1" dirty="0"/>
+                  <a:t>.</a:t>
+                </a:r>
+              </a:p>
+              <a:p>
+                <a:pPr lvl="1">
+                  <a:buFont typeface="Wingdings" panose="05000000000000000000" pitchFamily="2" charset="2"/>
+                  <a:buChar char="§"/>
+                </a:pPr>
+                <a:r>
+                  <a:rPr lang="pt-BR" dirty="0"/>
+                  <a:t>Um certo número de </a:t>
+                </a:r>
+                <a:r>
+                  <a:rPr lang="pt-BR" b="1" i="1" dirty="0"/>
+                  <a:t>sinapses</a:t>
+                </a:r>
+                <a:r>
+                  <a:rPr lang="pt-BR" dirty="0"/>
+                  <a:t> deve ser excitado num determinado período para que o neurônio “dispare</a:t>
+                </a:r>
+                <a:r>
+                  <a:rPr lang="pt-BR" dirty="0" smtClean="0"/>
+                  <a:t>”.</a:t>
+                </a:r>
+              </a:p>
+              <a:p>
+                <a:r>
+                  <a:rPr lang="pt-BR" dirty="0" smtClean="0"/>
+                  <a:t>O modelo </a:t>
+                </a:r>
+                <a:r>
+                  <a:rPr lang="pt-BR" dirty="0"/>
+                  <a:t>do </a:t>
+                </a:r>
+                <a:r>
+                  <a:rPr lang="pt-BR" b="1" i="1" dirty="0"/>
+                  <a:t>neurônio</a:t>
+                </a:r>
+                <a:r>
+                  <a:rPr lang="pt-BR" dirty="0"/>
+                  <a:t> de McCulloch e Pitts nada mais é do que um </a:t>
+                </a:r>
+                <a:r>
+                  <a:rPr lang="pt-BR" b="1" i="1" dirty="0"/>
+                  <a:t>classificador linear com limiar de decisão </a:t>
+                </a:r>
+                <a:r>
+                  <a:rPr lang="pt-BR" b="1" i="1" dirty="0" smtClean="0"/>
+                  <a:t>rígido</a:t>
+                </a:r>
+                <a:r>
+                  <a:rPr lang="pt-BR" dirty="0" smtClean="0"/>
+                  <a:t>,</a:t>
+                </a:r>
+                <a:r>
+                  <a:rPr lang="pt-BR" b="1" i="1" dirty="0" smtClean="0"/>
+                  <a:t> </a:t>
+                </a:r>
+                <a:r>
+                  <a:rPr lang="pt-BR" b="1" i="1" dirty="0"/>
+                  <a:t>pesos </a:t>
+                </a:r>
+                <a:r>
+                  <a:rPr lang="pt-BR" b="1" i="1" dirty="0" smtClean="0"/>
+                  <a:t>unitários</a:t>
+                </a:r>
+                <a:r>
+                  <a:rPr lang="pt-BR" dirty="0" smtClean="0"/>
+                  <a:t> e </a:t>
+                </a:r>
+                <a:r>
+                  <a:rPr lang="pt-BR" b="1" i="1" dirty="0" smtClean="0"/>
+                  <a:t>atributos booleanos</a:t>
+                </a:r>
+                <a:r>
+                  <a:rPr lang="pt-BR" dirty="0" smtClean="0"/>
+                  <a:t>.</a:t>
+                </a:r>
+                <a:endParaRPr lang="pt-BR" dirty="0"/>
+              </a:p>
+            </p:txBody>
+          </p:sp>
+        </mc:Choice>
+        <mc:Fallback xmlns="">
+          <p:sp>
+            <p:nvSpPr>
+              <p:cNvPr id="5" name="Content Placeholder 4"/>
+              <p:cNvSpPr>
+                <a:spLocks noGrp="1" noRot="1" noChangeAspect="1" noMove="1" noResize="1" noEditPoints="1" noAdjustHandles="1" noChangeArrowheads="1" noChangeShapeType="1" noTextEdit="1"/>
+              </p:cNvSpPr>
+              <p:nvPr>
+                <p:ph idx="1"/>
+              </p:nvPr>
+            </p:nvSpPr>
+            <p:spPr>
+              <a:xfrm>
+                <a:off x="838199" y="1514901"/>
+                <a:ext cx="7359869" cy="5343099"/>
+              </a:xfrm>
+              <a:blipFill rotWithShape="0">
+                <a:blip r:embed="rId3"/>
+                <a:stretch>
+                  <a:fillRect l="-1076" t="-2626" r="-2070" b="-799"/>
+                </a:stretch>
+              </a:blipFill>
+            </p:spPr>
+            <p:txBody>
+              <a:bodyPr/>
+              <a:lstStyle/>
+              <a:p>
+                <a:r>
+                  <a:rPr lang="pt-BR">
+                    <a:noFill/>
+                  </a:rPr>
+                  <a:t> </a:t>
+                </a:r>
+              </a:p>
+            </p:txBody>
+          </p:sp>
+        </mc:Fallback>
+      </mc:AlternateContent>
+      <mc:AlternateContent xmlns:mc="http://schemas.openxmlformats.org/markup-compatibility/2006" xmlns:a14="http://schemas.microsoft.com/office/drawing/2010/main">
+        <mc:Choice Requires="a14">
+          <p:sp>
+            <p:nvSpPr>
+              <p:cNvPr id="4" name="TextBox 3"/>
+              <p:cNvSpPr txBox="1"/>
+              <p:nvPr/>
+            </p:nvSpPr>
+            <p:spPr>
+              <a:xfrm>
+                <a:off x="8198068" y="3129493"/>
+                <a:ext cx="3877116" cy="987193"/>
+              </a:xfrm>
+              <a:prstGeom prst="rect">
+                <a:avLst/>
+              </a:prstGeom>
+              <a:noFill/>
+            </p:spPr>
+            <p:txBody>
+              <a:bodyPr wrap="square" rtlCol="0">
+                <a:spAutoFit/>
+              </a:bodyPr>
+              <a:lstStyle/>
+              <a:p>
+                <a:pPr/>
+                <a14:m>
+                  <m:oMathPara xmlns:m="http://schemas.openxmlformats.org/officeDocument/2006/math">
+                    <m:oMathParaPr>
+                      <m:jc m:val="center"/>
+                    </m:oMathParaPr>
+                    <m:oMath xmlns:m="http://schemas.openxmlformats.org/officeDocument/2006/math">
+                      <m:r>
+                        <a:rPr lang="pt-BR" b="0" i="1" smtClean="0">
+                          <a:latin typeface="Cambria Math" panose="02040503050406030204" pitchFamily="18" charset="0"/>
+                          <a:ea typeface="Cambria Math" panose="02040503050406030204" pitchFamily="18" charset="0"/>
+                        </a:rPr>
+                        <m:t>𝑦</m:t>
+                      </m:r>
+                      <m:r>
+                        <a:rPr lang="pt-BR" b="0" i="1" smtClean="0">
+                          <a:latin typeface="Cambria Math" panose="02040503050406030204" pitchFamily="18" charset="0"/>
+                          <a:ea typeface="Cambria Math" panose="02040503050406030204" pitchFamily="18" charset="0"/>
+                        </a:rPr>
+                        <m:t>=</m:t>
+                      </m:r>
+                      <m:r>
+                        <a:rPr lang="pt-BR" i="1">
+                          <a:latin typeface="Cambria Math" panose="02040503050406030204" pitchFamily="18" charset="0"/>
+                        </a:rPr>
+                        <m:t>𝑓</m:t>
+                      </m:r>
+                      <m:d>
+                        <m:dPr>
+                          <m:ctrlPr>
+                            <a:rPr lang="pt-BR" i="1">
+                              <a:latin typeface="Cambria Math" panose="02040503050406030204" pitchFamily="18" charset="0"/>
+                            </a:rPr>
+                          </m:ctrlPr>
+                        </m:dPr>
+                        <m:e>
+                          <m:r>
+                            <a:rPr lang="pt-BR" i="1">
+                              <a:latin typeface="Cambria Math" panose="02040503050406030204" pitchFamily="18" charset="0"/>
+                            </a:rPr>
+                            <m:t>𝑔</m:t>
+                          </m:r>
+                          <m:d>
+                            <m:dPr>
+                              <m:ctrlPr>
+                                <a:rPr lang="pt-BR" i="1">
+                                  <a:latin typeface="Cambria Math" panose="02040503050406030204" pitchFamily="18" charset="0"/>
+                                </a:rPr>
+                              </m:ctrlPr>
+                            </m:dPr>
+                            <m:e>
+                              <m:r>
+                                <a:rPr lang="pt-BR" b="1" i="1">
+                                  <a:latin typeface="Cambria Math" panose="02040503050406030204" pitchFamily="18" charset="0"/>
+                                </a:rPr>
+                                <m:t>𝒙</m:t>
+                              </m:r>
+                            </m:e>
+                          </m:d>
+                        </m:e>
+                      </m:d>
+                      <m:r>
+                        <a:rPr lang="pt-BR" b="0" i="1" smtClean="0">
+                          <a:latin typeface="Cambria Math" panose="02040503050406030204" pitchFamily="18" charset="0"/>
+                        </a:rPr>
+                        <m:t>=</m:t>
+                      </m:r>
+                      <m:d>
+                        <m:dPr>
+                          <m:begChr m:val="{"/>
+                          <m:endChr m:val=""/>
+                          <m:ctrlPr>
+                            <a:rPr lang="pt-BR" b="0" i="1" smtClean="0">
+                              <a:latin typeface="Cambria Math" panose="02040503050406030204" pitchFamily="18" charset="0"/>
+                              <a:ea typeface="Cambria Math" panose="02040503050406030204" pitchFamily="18" charset="0"/>
+                            </a:rPr>
+                          </m:ctrlPr>
+                        </m:dPr>
+                        <m:e>
+                          <m:eqArr>
+                            <m:eqArrPr>
+                              <m:ctrlPr>
+                                <a:rPr lang="pt-BR" b="0" i="1" smtClean="0">
+                                  <a:latin typeface="Cambria Math" panose="02040503050406030204" pitchFamily="18" charset="0"/>
+                                  <a:ea typeface="Cambria Math" panose="02040503050406030204" pitchFamily="18" charset="0"/>
+                                </a:rPr>
+                              </m:ctrlPr>
+                            </m:eqArrPr>
+                            <m:e>
+                              <m:r>
+                                <a:rPr lang="pt-BR" b="0" i="1" smtClean="0">
+                                  <a:latin typeface="Cambria Math" panose="02040503050406030204" pitchFamily="18" charset="0"/>
+                                  <a:ea typeface="Cambria Math" panose="02040503050406030204" pitchFamily="18" charset="0"/>
+                                </a:rPr>
+                                <m:t>1, </m:t>
+                              </m:r>
+                              <m:r>
+                                <m:rPr>
+                                  <m:sty m:val="p"/>
+                                </m:rPr>
+                                <a:rPr lang="pt-BR" b="0" i="0" smtClean="0">
+                                  <a:latin typeface="Cambria Math" panose="02040503050406030204" pitchFamily="18" charset="0"/>
+                                  <a:ea typeface="Cambria Math" panose="02040503050406030204" pitchFamily="18" charset="0"/>
+                                </a:rPr>
+                                <m:t>se</m:t>
+                              </m:r>
+                              <m:r>
+                                <a:rPr lang="pt-BR" b="0" i="1" smtClean="0">
+                                  <a:latin typeface="Cambria Math" panose="02040503050406030204" pitchFamily="18" charset="0"/>
+                                  <a:ea typeface="Cambria Math" panose="02040503050406030204" pitchFamily="18" charset="0"/>
+                                </a:rPr>
+                                <m:t> </m:t>
+                              </m:r>
+                              <m:r>
+                                <a:rPr lang="pt-BR" i="1">
+                                  <a:latin typeface="Cambria Math" panose="02040503050406030204" pitchFamily="18" charset="0"/>
+                                </a:rPr>
+                                <m:t>𝑔</m:t>
+                              </m:r>
+                              <m:d>
+                                <m:dPr>
+                                  <m:ctrlPr>
+                                    <a:rPr lang="pt-BR" i="1">
+                                      <a:latin typeface="Cambria Math" panose="02040503050406030204" pitchFamily="18" charset="0"/>
+                                    </a:rPr>
+                                  </m:ctrlPr>
+                                </m:dPr>
+                                <m:e>
+                                  <m:r>
+                                    <a:rPr lang="pt-BR" b="1" i="1">
+                                      <a:latin typeface="Cambria Math" panose="02040503050406030204" pitchFamily="18" charset="0"/>
+                                    </a:rPr>
+                                    <m:t>𝒙</m:t>
+                                  </m:r>
+                                </m:e>
+                              </m:d>
+                              <m:r>
+                                <a:rPr lang="pt-BR" b="1" i="1" smtClean="0">
+                                  <a:latin typeface="Cambria Math" panose="02040503050406030204" pitchFamily="18" charset="0"/>
+                                  <a:ea typeface="Cambria Math" panose="02040503050406030204" pitchFamily="18" charset="0"/>
+                                </a:rPr>
+                                <m:t>≥ </m:t>
+                              </m:r>
+                              <m:r>
+                                <a:rPr lang="pt-BR" b="0" i="1" smtClean="0">
+                                  <a:latin typeface="Cambria Math" panose="02040503050406030204" pitchFamily="18" charset="0"/>
+                                  <a:ea typeface="Cambria Math" panose="02040503050406030204" pitchFamily="18" charset="0"/>
+                                </a:rPr>
+                                <m:t>𝜃</m:t>
+                              </m:r>
+                            </m:e>
+                            <m:e>
+                              <m:r>
+                                <a:rPr lang="pt-BR" b="0" i="1" smtClean="0">
+                                  <a:latin typeface="Cambria Math" panose="02040503050406030204" pitchFamily="18" charset="0"/>
+                                  <a:ea typeface="Cambria Math" panose="02040503050406030204" pitchFamily="18" charset="0"/>
+                                </a:rPr>
+                                <m:t>0,</m:t>
+                              </m:r>
+                              <m:r>
+                                <a:rPr lang="pt-BR" i="1">
+                                  <a:latin typeface="Cambria Math" panose="02040503050406030204" pitchFamily="18" charset="0"/>
+                                  <a:ea typeface="Cambria Math" panose="02040503050406030204" pitchFamily="18" charset="0"/>
+                                </a:rPr>
+                                <m:t> </m:t>
+                              </m:r>
+                              <m:r>
+                                <m:rPr>
+                                  <m:sty m:val="p"/>
+                                </m:rPr>
+                                <a:rPr lang="pt-BR">
+                                  <a:latin typeface="Cambria Math" panose="02040503050406030204" pitchFamily="18" charset="0"/>
+                                  <a:ea typeface="Cambria Math" panose="02040503050406030204" pitchFamily="18" charset="0"/>
+                                </a:rPr>
+                                <m:t>se</m:t>
+                              </m:r>
+                              <m:r>
+                                <a:rPr lang="pt-BR" i="1">
+                                  <a:latin typeface="Cambria Math" panose="02040503050406030204" pitchFamily="18" charset="0"/>
+                                  <a:ea typeface="Cambria Math" panose="02040503050406030204" pitchFamily="18" charset="0"/>
+                                </a:rPr>
+                                <m:t> </m:t>
+                              </m:r>
+                              <m:r>
+                                <a:rPr lang="pt-BR" i="1">
+                                  <a:latin typeface="Cambria Math" panose="02040503050406030204" pitchFamily="18" charset="0"/>
+                                </a:rPr>
+                                <m:t>𝑔</m:t>
+                              </m:r>
+                              <m:d>
+                                <m:dPr>
+                                  <m:ctrlPr>
+                                    <a:rPr lang="pt-BR" i="1">
+                                      <a:latin typeface="Cambria Math" panose="02040503050406030204" pitchFamily="18" charset="0"/>
+                                    </a:rPr>
+                                  </m:ctrlPr>
+                                </m:dPr>
+                                <m:e>
+                                  <m:r>
+                                    <a:rPr lang="pt-BR" b="1" i="1">
+                                      <a:latin typeface="Cambria Math" panose="02040503050406030204" pitchFamily="18" charset="0"/>
+                                    </a:rPr>
+                                    <m:t>𝒙</m:t>
+                                  </m:r>
+                                </m:e>
+                              </m:d>
+                              <m:r>
+                                <a:rPr lang="pt-BR" b="1" i="1" smtClean="0">
+                                  <a:latin typeface="Cambria Math" panose="02040503050406030204" pitchFamily="18" charset="0"/>
+                                  <a:ea typeface="Cambria Math" panose="02040503050406030204" pitchFamily="18" charset="0"/>
+                                </a:rPr>
+                                <m:t>&lt;</m:t>
+                              </m:r>
+                              <m:r>
+                                <a:rPr lang="pt-BR" b="1" i="1">
+                                  <a:latin typeface="Cambria Math" panose="02040503050406030204" pitchFamily="18" charset="0"/>
+                                  <a:ea typeface="Cambria Math" panose="02040503050406030204" pitchFamily="18" charset="0"/>
+                                </a:rPr>
+                                <m:t> </m:t>
+                              </m:r>
+                              <m:r>
+                                <a:rPr lang="pt-BR" i="1">
+                                  <a:latin typeface="Cambria Math" panose="02040503050406030204" pitchFamily="18" charset="0"/>
+                                  <a:ea typeface="Cambria Math" panose="02040503050406030204" pitchFamily="18" charset="0"/>
+                                </a:rPr>
+                                <m:t>𝜃</m:t>
+                              </m:r>
+                            </m:e>
+                          </m:eqArr>
+                        </m:e>
+                      </m:d>
+                    </m:oMath>
+                  </m:oMathPara>
+                </a14:m>
+                <a:endParaRPr lang="pt-BR" dirty="0"/>
+              </a:p>
+              <a:p>
+                <a:r>
+                  <a:rPr lang="pt-BR" dirty="0"/>
+                  <a:t>onde </a:t>
+                </a:r>
+                <a14:m>
+                  <m:oMath xmlns:m="http://schemas.openxmlformats.org/officeDocument/2006/math">
+                    <m:r>
+                      <a:rPr lang="pt-BR" i="1">
+                        <a:latin typeface="Cambria Math" panose="02040503050406030204" pitchFamily="18" charset="0"/>
+                        <a:ea typeface="Cambria Math" panose="02040503050406030204" pitchFamily="18" charset="0"/>
+                      </a:rPr>
+                      <m:t>𝜃</m:t>
+                    </m:r>
+                  </m:oMath>
+                </a14:m>
+                <a:r>
+                  <a:rPr lang="pt-BR" dirty="0"/>
+                  <a:t> é o </a:t>
+                </a:r>
+                <a:r>
+                  <a:rPr lang="pt-BR" b="1" i="1" dirty="0"/>
+                  <a:t>limiar de ativação</a:t>
+                </a:r>
+                <a:r>
+                  <a:rPr lang="pt-BR" dirty="0"/>
+                  <a:t>.</a:t>
+                </a:r>
+              </a:p>
+            </p:txBody>
+          </p:sp>
+        </mc:Choice>
+        <mc:Fallback xmlns="">
+          <p:sp>
+            <p:nvSpPr>
+              <p:cNvPr id="4" name="TextBox 3"/>
+              <p:cNvSpPr txBox="1">
+                <a:spLocks noRot="1" noChangeAspect="1" noMove="1" noResize="1" noEditPoints="1" noAdjustHandles="1" noChangeArrowheads="1" noChangeShapeType="1" noTextEdit="1"/>
+              </p:cNvSpPr>
+              <p:nvPr/>
+            </p:nvSpPr>
+            <p:spPr>
+              <a:xfrm>
+                <a:off x="8198068" y="3129493"/>
+                <a:ext cx="3877116" cy="987193"/>
+              </a:xfrm>
+              <a:prstGeom prst="rect">
+                <a:avLst/>
+              </a:prstGeom>
+              <a:blipFill rotWithShape="0">
+                <a:blip r:embed="rId4"/>
+                <a:stretch>
+                  <a:fillRect l="-1415" b="-9259"/>
+                </a:stretch>
+              </a:blipFill>
+            </p:spPr>
+            <p:txBody>
+              <a:bodyPr/>
+              <a:lstStyle/>
+              <a:p>
+                <a:r>
+                  <a:rPr lang="pt-BR">
+                    <a:noFill/>
+                  </a:rPr>
+                  <a:t> </a:t>
+                </a:r>
+              </a:p>
+            </p:txBody>
+          </p:sp>
+        </mc:Fallback>
+      </mc:AlternateContent>
+      <p:pic>
+        <p:nvPicPr>
+          <p:cNvPr id="3" name="Picture 2"/>
+          <p:cNvPicPr>
+            <a:picLocks noChangeAspect="1"/>
+          </p:cNvPicPr>
+          <p:nvPr/>
+        </p:nvPicPr>
+        <p:blipFill>
+          <a:blip r:embed="rId5">
+            <a:extLst>
+              <a:ext uri="{28A0092B-C50C-407E-A947-70E740481C1C}">
+                <a14:useLocalDpi xmlns:a14="http://schemas.microsoft.com/office/drawing/2010/main" val="0"/>
+              </a:ext>
+            </a:extLst>
+          </a:blip>
+          <a:stretch>
+            <a:fillRect/>
+          </a:stretch>
+        </p:blipFill>
+        <p:spPr>
+          <a:xfrm>
+            <a:off x="7839322" y="1091282"/>
+            <a:ext cx="4433322" cy="1519996"/>
+          </a:xfrm>
+          <a:prstGeom prst="rect">
+            <a:avLst/>
+          </a:prstGeom>
+        </p:spPr>
+      </p:pic>
+      <p:pic>
+        <p:nvPicPr>
+          <p:cNvPr id="6" name="Picture 5"/>
+          <p:cNvPicPr>
+            <a:picLocks noChangeAspect="1"/>
+          </p:cNvPicPr>
+          <p:nvPr/>
+        </p:nvPicPr>
+        <p:blipFill>
+          <a:blip r:embed="rId6">
+            <a:extLst>
+              <a:ext uri="{28A0092B-C50C-407E-A947-70E740481C1C}">
+                <a14:useLocalDpi xmlns:a14="http://schemas.microsoft.com/office/drawing/2010/main" val="0"/>
+              </a:ext>
+            </a:extLst>
+          </a:blip>
+          <a:stretch>
+            <a:fillRect/>
+          </a:stretch>
+        </p:blipFill>
+        <p:spPr>
+          <a:xfrm>
+            <a:off x="7978373" y="4760736"/>
+            <a:ext cx="3993932" cy="1969823"/>
+          </a:xfrm>
+          <a:prstGeom prst="rect">
+            <a:avLst/>
+          </a:prstGeom>
+        </p:spPr>
+      </p:pic>
+      <p:sp>
+        <p:nvSpPr>
+          <p:cNvPr id="7" name="Rectangle 6"/>
+          <p:cNvSpPr/>
+          <p:nvPr/>
+        </p:nvSpPr>
+        <p:spPr>
+          <a:xfrm>
+            <a:off x="9914113" y="5209611"/>
+            <a:ext cx="2058192" cy="369332"/>
+          </a:xfrm>
+          <a:prstGeom prst="rect">
+            <a:avLst/>
+          </a:prstGeom>
+        </p:spPr>
+        <p:txBody>
+          <a:bodyPr wrap="none">
+            <a:spAutoFit/>
+          </a:bodyPr>
+          <a:lstStyle/>
+          <a:p>
+            <a:r>
+              <a:rPr lang="pt-BR" b="1" i="1" dirty="0"/>
+              <a:t>função de ativação </a:t>
+            </a:r>
+            <a:endParaRPr lang="pt-BR" dirty="0"/>
+          </a:p>
+        </p:txBody>
+      </p:sp>
+    </p:spTree>
+    <p:extLst>
+      <p:ext uri="{BB962C8B-B14F-4D97-AF65-F5344CB8AC3E}">
+        <p14:creationId xmlns:p14="http://schemas.microsoft.com/office/powerpoint/2010/main" val="3075636454"/>
+      </p:ext>
+    </p:extLst>
+  </p:cSld>
+  <p:clrMapOvr>
+    <a:masterClrMapping/>
+  </p:clrMapOvr>
+</p:sld>
+</file>
+
+<file path=ppt/slides/slide11.xml><?xml version="1.0" encoding="utf-8"?>
 <p:sld xmlns:a="http://schemas.openxmlformats.org/drawingml/2006/main" xmlns:r="http://schemas.openxmlformats.org/officeDocument/2006/relationships" xmlns:p="http://schemas.openxmlformats.org/presentationml/2006/main">
   <p:cSld>
     <p:spTree>
@@ -16896,8 +17925,8 @@
           </a:p>
         </p:txBody>
       </p:sp>
-      <mc:AlternateContent xmlns:mc="http://schemas.openxmlformats.org/markup-compatibility/2006">
-        <mc:Choice xmlns:a14="http://schemas.microsoft.com/office/drawing/2010/main" Requires="a14">
+      <mc:AlternateContent xmlns:mc="http://schemas.openxmlformats.org/markup-compatibility/2006" xmlns:a14="http://schemas.microsoft.com/office/drawing/2010/main">
+        <mc:Choice Requires="a14">
           <p:sp>
             <p:nvSpPr>
               <p:cNvPr id="34" name="TextBox 33"/>
@@ -17087,7 +18116,7 @@
             </p:txBody>
           </p:sp>
         </mc:Choice>
-        <mc:Fallback>
+        <mc:Fallback xmlns="">
           <p:sp>
             <p:nvSpPr>
               <p:cNvPr id="34" name="TextBox 33"/>
@@ -21336,7 +22365,7 @@
 </p:sld>
 </file>
 
-<file path=ppt/slides/slide11.xml><?xml version="1.0" encoding="utf-8"?>
+<file path=ppt/slides/slide12.xml><?xml version="1.0" encoding="utf-8"?>
 <p:sld xmlns:a="http://schemas.openxmlformats.org/drawingml/2006/main" xmlns:r="http://schemas.openxmlformats.org/officeDocument/2006/relationships" xmlns:p="http://schemas.openxmlformats.org/presentationml/2006/main">
   <p:cSld>
     <p:spTree>
@@ -21435,7 +22464,7 @@
 </p:sld>
 </file>
 
-<file path=ppt/slides/slide12.xml><?xml version="1.0" encoding="utf-8"?>
+<file path=ppt/slides/slide13.xml><?xml version="1.0" encoding="utf-8"?>
 <p:sld xmlns:a="http://schemas.openxmlformats.org/drawingml/2006/main" xmlns:r="http://schemas.openxmlformats.org/officeDocument/2006/relationships" xmlns:p="http://schemas.openxmlformats.org/presentationml/2006/main">
   <p:cSld>
     <p:spTree>
@@ -21645,7 +22674,7 @@
 </p:sld>
 </file>
 
-<file path=ppt/slides/slide13.xml><?xml version="1.0" encoding="utf-8"?>
+<file path=ppt/slides/slide14.xml><?xml version="1.0" encoding="utf-8"?>
 <p:sld xmlns:a="http://schemas.openxmlformats.org/drawingml/2006/main" xmlns:r="http://schemas.openxmlformats.org/officeDocument/2006/relationships" xmlns:p="http://schemas.openxmlformats.org/presentationml/2006/main">
   <p:cSld>
     <p:spTree>
@@ -22779,7 +23808,7 @@
 </p:sld>
 </file>
 
-<file path=ppt/slides/slide14.xml><?xml version="1.0" encoding="utf-8"?>
+<file path=ppt/slides/slide15.xml><?xml version="1.0" encoding="utf-8"?>
 <p:sld xmlns:a="http://schemas.openxmlformats.org/drawingml/2006/main" xmlns:r="http://schemas.openxmlformats.org/officeDocument/2006/relationships" xmlns:p="http://schemas.openxmlformats.org/presentationml/2006/main">
   <p:cSld>
     <p:spTree>
@@ -24714,7 +25743,7 @@
 </p:sld>
 </file>
 
-<file path=ppt/slides/slide15.xml><?xml version="1.0" encoding="utf-8"?>
+<file path=ppt/slides/slide16.xml><?xml version="1.0" encoding="utf-8"?>
 <p:sld xmlns:a="http://schemas.openxmlformats.org/drawingml/2006/main" xmlns:r="http://schemas.openxmlformats.org/officeDocument/2006/relationships" xmlns:p="http://schemas.openxmlformats.org/presentationml/2006/main">
   <p:cSld>
     <p:spTree>
@@ -24753,8 +25782,8 @@
           </a:p>
         </p:txBody>
       </p:sp>
-      <mc:AlternateContent xmlns:mc="http://schemas.openxmlformats.org/markup-compatibility/2006">
-        <mc:Choice xmlns:a14="http://schemas.microsoft.com/office/drawing/2010/main" Requires="a14">
+      <mc:AlternateContent xmlns:mc="http://schemas.openxmlformats.org/markup-compatibility/2006" xmlns:a14="http://schemas.microsoft.com/office/drawing/2010/main">
+        <mc:Choice Requires="a14">
           <p:sp>
             <p:nvSpPr>
               <p:cNvPr id="3" name="Content Placeholder 2"/>
@@ -24936,15 +25965,7 @@
                 </a:r>
                 <a:r>
                   <a:rPr lang="pt-BR" dirty="0" smtClean="0"/>
-                  <a:t> para </a:t>
-                </a:r>
-                <a:r>
-                  <a:rPr lang="pt-BR" dirty="0" smtClean="0"/>
-                  <a:t>criarmos </a:t>
-                </a:r>
-                <a:r>
-                  <a:rPr lang="pt-BR" dirty="0" smtClean="0"/>
-                  <a:t>uma </a:t>
+                  <a:t> para criarmos uma </a:t>
                 </a:r>
                 <a:r>
                   <a:rPr lang="pt-BR" b="1" i="1" dirty="0" smtClean="0"/>
@@ -24987,22 +26008,14 @@
                 </a14:m>
                 <a:r>
                   <a:rPr lang="pt-BR" dirty="0" smtClean="0"/>
-                  <a:t>, com </a:t>
-                </a:r>
-                <a:r>
-                  <a:rPr lang="pt-BR" dirty="0" smtClean="0"/>
-                  <a:t>outros </a:t>
-                </a:r>
-                <a:r>
-                  <a:rPr lang="pt-BR" dirty="0" smtClean="0"/>
-                  <a:t>formatos (e.g., polinômios).</a:t>
+                  <a:t>, com outros formatos (e.g., polinômios).</a:t>
                 </a:r>
                 <a:endParaRPr lang="pt-BR" dirty="0"/>
               </a:p>
             </p:txBody>
           </p:sp>
         </mc:Choice>
-        <mc:Fallback>
+        <mc:Fallback xmlns="">
           <p:sp>
             <p:nvSpPr>
               <p:cNvPr id="3" name="Content Placeholder 2"/>
@@ -25089,7 +26102,7 @@
 </p:sld>
 </file>
 
-<file path=ppt/slides/slide16.xml><?xml version="1.0" encoding="utf-8"?>
+<file path=ppt/slides/slide17.xml><?xml version="1.0" encoding="utf-8"?>
 <p:sld xmlns:a="http://schemas.openxmlformats.org/drawingml/2006/main" xmlns:r="http://schemas.openxmlformats.org/officeDocument/2006/relationships" xmlns:p="http://schemas.openxmlformats.org/presentationml/2006/main">
   <p:cSld>
     <p:spTree>
@@ -25133,8 +26146,8 @@
           </a:p>
         </p:txBody>
       </p:sp>
-      <mc:AlternateContent xmlns:mc="http://schemas.openxmlformats.org/markup-compatibility/2006" xmlns:a14="http://schemas.microsoft.com/office/drawing/2010/main">
-        <mc:Choice Requires="a14">
+      <mc:AlternateContent xmlns:mc="http://schemas.openxmlformats.org/markup-compatibility/2006">
+        <mc:Choice xmlns:a14="http://schemas.microsoft.com/office/drawing/2010/main" Requires="a14">
           <p:sp>
             <p:nvSpPr>
               <p:cNvPr id="3" name="Content Placeholder 2"/>
@@ -25285,7 +26298,15 @@
               <a:p>
                 <a:r>
                   <a:rPr lang="pt-BR" dirty="0" smtClean="0"/>
-                  <a:t>Regra simples </a:t>
+                  <a:t>É uma r</a:t>
+                </a:r>
+                <a:r>
+                  <a:rPr lang="pt-BR" dirty="0" smtClean="0"/>
+                  <a:t>egra </a:t>
+                </a:r>
+                <a:r>
+                  <a:rPr lang="pt-BR" dirty="0" smtClean="0"/>
+                  <a:t>simples </a:t>
                 </a:r>
                 <a:r>
                   <a:rPr lang="pt-BR" dirty="0"/>
@@ -25293,8 +26314,13 @@
                 </a:r>
                 <a:r>
                   <a:rPr lang="pt-BR" dirty="0" smtClean="0"/>
-                  <a:t>dos pesos do modelo </a:t>
-                </a:r>
+                  <a:t>dos pesos do </a:t>
+                </a:r>
+                <a:r>
+                  <a:rPr lang="pt-BR" dirty="0" smtClean="0"/>
+                  <a:t>modelo.</a:t>
+                </a:r>
+                <a:endParaRPr lang="pt-BR" dirty="0" smtClean="0"/>
               </a:p>
               <a:p>
                 <a:r>
@@ -25347,7 +26373,15 @@
                 </a:r>
                 <a:r>
                   <a:rPr lang="pt-BR" dirty="0" smtClean="0"/>
-                  <a:t>é um hiperplano, converge para uma solução perfeita se as classes forem </a:t>
+                  <a:t>é um hiperplano, </a:t>
+                </a:r>
+                <a:r>
+                  <a:rPr lang="pt-BR" dirty="0" smtClean="0"/>
+                  <a:t>a regra converge </a:t>
+                </a:r>
+                <a:r>
+                  <a:rPr lang="pt-BR" dirty="0" smtClean="0"/>
+                  <a:t>para uma solução perfeita se as classes forem </a:t>
                 </a:r>
                 <a:r>
                   <a:rPr lang="pt-BR" b="1" i="1" dirty="0" smtClean="0"/>
@@ -25674,7 +26708,7 @@
             </p:txBody>
           </p:sp>
         </mc:Choice>
-        <mc:Fallback xmlns="">
+        <mc:Fallback>
           <p:sp>
             <p:nvSpPr>
               <p:cNvPr id="3" name="Content Placeholder 2"/>
@@ -25693,7 +26727,7 @@
               <a:blipFill rotWithShape="0">
                 <a:blip r:embed="rId3"/>
                 <a:stretch>
-                  <a:fillRect l="-982" t="-2421" r="-1309" b="-726"/>
+                  <a:fillRect l="-982" t="-2421" r="-491" b="-726"/>
                 </a:stretch>
               </a:blipFill>
             </p:spPr>
@@ -25825,7 +26859,7 @@
 </p:sld>
 </file>
 
-<file path=ppt/slides/slide17.xml><?xml version="1.0" encoding="utf-8"?>
+<file path=ppt/slides/slide18.xml><?xml version="1.0" encoding="utf-8"?>
 <p:sld xmlns:a="http://schemas.openxmlformats.org/drawingml/2006/main" xmlns:r="http://schemas.openxmlformats.org/officeDocument/2006/relationships" xmlns:p="http://schemas.openxmlformats.org/presentationml/2006/main">
   <p:cSld>
     <p:spTree>
@@ -26006,7 +27040,7 @@
 </p:sld>
 </file>
 
-<file path=ppt/slides/slide18.xml><?xml version="1.0" encoding="utf-8"?>
+<file path=ppt/slides/slide19.xml><?xml version="1.0" encoding="utf-8"?>
 <p:sld xmlns:a="http://schemas.openxmlformats.org/drawingml/2006/main" xmlns:r="http://schemas.openxmlformats.org/officeDocument/2006/relationships" xmlns:p="http://schemas.openxmlformats.org/presentationml/2006/main">
   <p:cSld>
     <p:spTree>
@@ -26091,7 +27125,164 @@
 </p:sld>
 </file>
 
-<file path=ppt/slides/slide19.xml><?xml version="1.0" encoding="utf-8"?>
+<file path=ppt/slides/slide2.xml><?xml version="1.0" encoding="utf-8"?>
+<p:sld xmlns:a="http://schemas.openxmlformats.org/drawingml/2006/main" xmlns:r="http://schemas.openxmlformats.org/officeDocument/2006/relationships" xmlns:p="http://schemas.openxmlformats.org/presentationml/2006/main">
+  <p:cSld>
+    <p:spTree>
+      <p:nvGrpSpPr>
+        <p:cNvPr id="1" name=""/>
+        <p:cNvGrpSpPr/>
+        <p:nvPr/>
+      </p:nvGrpSpPr>
+      <p:grpSpPr>
+        <a:xfrm>
+          <a:off x="0" y="0"/>
+          <a:ext cx="0" cy="0"/>
+          <a:chOff x="0" y="0"/>
+          <a:chExt cx="0" cy="0"/>
+        </a:xfrm>
+      </p:grpSpPr>
+      <p:sp>
+        <p:nvSpPr>
+          <p:cNvPr id="2" name="Title 1"/>
+          <p:cNvSpPr>
+            <a:spLocks noGrp="1"/>
+          </p:cNvSpPr>
+          <p:nvPr>
+            <p:ph type="title"/>
+          </p:nvPr>
+        </p:nvSpPr>
+        <p:spPr/>
+        <p:txBody>
+          <a:bodyPr/>
+          <a:lstStyle/>
+          <a:p>
+            <a:r>
+              <a:rPr lang="pt-BR" dirty="0"/>
+              <a:t>Introdução</a:t>
+            </a:r>
+          </a:p>
+        </p:txBody>
+      </p:sp>
+      <p:sp>
+        <p:nvSpPr>
+          <p:cNvPr id="3" name="Content Placeholder 2"/>
+          <p:cNvSpPr>
+            <a:spLocks noGrp="1"/>
+          </p:cNvSpPr>
+          <p:nvPr>
+            <p:ph idx="1"/>
+          </p:nvPr>
+        </p:nvSpPr>
+        <p:spPr>
+          <a:xfrm>
+            <a:off x="838199" y="1825624"/>
+            <a:ext cx="11080532" cy="5032376"/>
+          </a:xfrm>
+        </p:spPr>
+        <p:txBody>
+          <a:bodyPr>
+            <a:normAutofit/>
+          </a:bodyPr>
+          <a:lstStyle/>
+          <a:p>
+            <a:r>
+              <a:rPr lang="pt-BR" dirty="0" smtClean="0"/>
+              <a:t>A partir de hoje, começamos a discutir a respeito de um </a:t>
+            </a:r>
+            <a:r>
+              <a:rPr lang="pt-BR" dirty="0"/>
+              <a:t>tópico que parece, inicialmente, não ser relacionado com a disciplina: o cérebro. </a:t>
+            </a:r>
+          </a:p>
+          <a:p>
+            <a:r>
+              <a:rPr lang="pt-BR" dirty="0"/>
+              <a:t>Entretanto, como veremos a seguir, as </a:t>
+            </a:r>
+            <a:r>
+              <a:rPr lang="pt-BR" dirty="0" smtClean="0"/>
+              <a:t>ideias </a:t>
+            </a:r>
+            <a:r>
+              <a:rPr lang="pt-BR" dirty="0"/>
+              <a:t>que discutimos até agora </a:t>
+            </a:r>
+            <a:r>
+              <a:rPr lang="pt-BR" dirty="0" smtClean="0"/>
+              <a:t>serão </a:t>
+            </a:r>
+            <a:r>
+              <a:rPr lang="pt-BR" dirty="0"/>
+              <a:t>úteis na construção de modelos matemáticos que </a:t>
+            </a:r>
+            <a:r>
+              <a:rPr lang="pt-BR" dirty="0" smtClean="0"/>
+              <a:t>aproximam a </a:t>
+            </a:r>
+            <a:r>
+              <a:rPr lang="pt-BR" dirty="0"/>
+              <a:t>atividade </a:t>
+            </a:r>
+            <a:r>
+              <a:rPr lang="pt-BR" dirty="0" smtClean="0"/>
+              <a:t>de aprendizagem do </a:t>
+            </a:r>
+            <a:r>
+              <a:rPr lang="pt-BR" dirty="0"/>
+              <a:t>cérebro. </a:t>
+            </a:r>
+          </a:p>
+          <a:p>
+            <a:r>
+              <a:rPr lang="pt-BR" dirty="0"/>
+              <a:t>E como veremos, essas ideias que já discutimos, nos ajudarão a entender o funcionamento das </a:t>
+            </a:r>
+            <a:r>
+              <a:rPr lang="pt-BR" b="1" i="1" dirty="0"/>
+              <a:t>redes neurais artificiais </a:t>
+            </a:r>
+            <a:r>
+              <a:rPr lang="pt-BR" dirty="0"/>
+              <a:t>(RNAs).</a:t>
+            </a:r>
+          </a:p>
+          <a:p>
+            <a:r>
+              <a:rPr lang="pt-BR" dirty="0"/>
+              <a:t>Redes neurais artificiais são uma das formas mais populares e efetivas para implementação de sistemas de aprendizado de máquina e mereceriam por sí só uma disciplina em separado.</a:t>
+            </a:r>
+          </a:p>
+          <a:p>
+            <a:r>
+              <a:rPr lang="pt-BR" dirty="0"/>
+              <a:t>Neste </a:t>
+            </a:r>
+            <a:r>
+              <a:rPr lang="pt-BR" dirty="0" smtClean="0"/>
+              <a:t>tópico, </a:t>
+            </a:r>
+            <a:r>
+              <a:rPr lang="pt-BR" dirty="0"/>
+              <a:t>veremos uma breve visão geral sobre as RNAs. </a:t>
+            </a:r>
+          </a:p>
+        </p:txBody>
+      </p:sp>
+    </p:spTree>
+    <p:extLst>
+      <p:ext uri="{BB962C8B-B14F-4D97-AF65-F5344CB8AC3E}">
+        <p14:creationId xmlns:p14="http://schemas.microsoft.com/office/powerpoint/2010/main" val="3946202173"/>
+      </p:ext>
+    </p:extLst>
+  </p:cSld>
+  <p:clrMapOvr>
+    <a:masterClrMapping/>
+  </p:clrMapOvr>
+</p:sld>
+</file>
+
+<file path=ppt/slides/slide20.xml><?xml version="1.0" encoding="utf-8"?>
 <p:sld xmlns:a="http://schemas.openxmlformats.org/drawingml/2006/main" xmlns:r="http://schemas.openxmlformats.org/officeDocument/2006/relationships" xmlns:p="http://schemas.openxmlformats.org/presentationml/2006/main">
   <p:cSld>
     <p:spTree>
@@ -26326,144 +27517,7 @@
 </p:sld>
 </file>
 
-<file path=ppt/slides/slide2.xml><?xml version="1.0" encoding="utf-8"?>
-<p:sld xmlns:a="http://schemas.openxmlformats.org/drawingml/2006/main" xmlns:r="http://schemas.openxmlformats.org/officeDocument/2006/relationships" xmlns:p="http://schemas.openxmlformats.org/presentationml/2006/main">
-  <p:cSld>
-    <p:spTree>
-      <p:nvGrpSpPr>
-        <p:cNvPr id="1" name=""/>
-        <p:cNvGrpSpPr/>
-        <p:nvPr/>
-      </p:nvGrpSpPr>
-      <p:grpSpPr>
-        <a:xfrm>
-          <a:off x="0" y="0"/>
-          <a:ext cx="0" cy="0"/>
-          <a:chOff x="0" y="0"/>
-          <a:chExt cx="0" cy="0"/>
-        </a:xfrm>
-      </p:grpSpPr>
-      <p:sp>
-        <p:nvSpPr>
-          <p:cNvPr id="2" name="Title 1"/>
-          <p:cNvSpPr>
-            <a:spLocks noGrp="1"/>
-          </p:cNvSpPr>
-          <p:nvPr>
-            <p:ph type="title"/>
-          </p:nvPr>
-        </p:nvSpPr>
-        <p:spPr/>
-        <p:txBody>
-          <a:bodyPr/>
-          <a:lstStyle/>
-          <a:p>
-            <a:r>
-              <a:rPr lang="pt-BR" dirty="0"/>
-              <a:t>Introdução</a:t>
-            </a:r>
-          </a:p>
-        </p:txBody>
-      </p:sp>
-      <p:sp>
-        <p:nvSpPr>
-          <p:cNvPr id="3" name="Content Placeholder 2"/>
-          <p:cNvSpPr>
-            <a:spLocks noGrp="1"/>
-          </p:cNvSpPr>
-          <p:nvPr>
-            <p:ph idx="1"/>
-          </p:nvPr>
-        </p:nvSpPr>
-        <p:spPr>
-          <a:xfrm>
-            <a:off x="838199" y="1825624"/>
-            <a:ext cx="10994409" cy="4793539"/>
-          </a:xfrm>
-        </p:spPr>
-        <p:txBody>
-          <a:bodyPr>
-            <a:normAutofit lnSpcReduction="10000"/>
-          </a:bodyPr>
-          <a:lstStyle/>
-          <a:p>
-            <a:r>
-              <a:rPr lang="pt-BR" dirty="0"/>
-              <a:t>Vamos falar sobre um tópico que parece, inicialmente, não ser relacionado com a disciplina: o cérebro. </a:t>
-            </a:r>
-          </a:p>
-          <a:p>
-            <a:r>
-              <a:rPr lang="pt-BR" dirty="0"/>
-              <a:t>Entretanto, como veremos a seguir, as </a:t>
-            </a:r>
-            <a:r>
-              <a:rPr lang="pt-BR" dirty="0" smtClean="0"/>
-              <a:t>ideias </a:t>
-            </a:r>
-            <a:r>
-              <a:rPr lang="pt-BR" dirty="0"/>
-              <a:t>que discutimos até agora </a:t>
-            </a:r>
-            <a:r>
-              <a:rPr lang="pt-BR" dirty="0" smtClean="0"/>
-              <a:t>serão </a:t>
-            </a:r>
-            <a:r>
-              <a:rPr lang="pt-BR" dirty="0"/>
-              <a:t>úteis na construção de modelos matemáticos que </a:t>
-            </a:r>
-            <a:r>
-              <a:rPr lang="pt-BR" dirty="0" smtClean="0"/>
-              <a:t>aproximam a </a:t>
-            </a:r>
-            <a:r>
-              <a:rPr lang="pt-BR" dirty="0"/>
-              <a:t>atividade do cérebro. </a:t>
-            </a:r>
-          </a:p>
-          <a:p>
-            <a:r>
-              <a:rPr lang="pt-BR" dirty="0"/>
-              <a:t>E como veremos, essas ideias que já discutimos, nos ajudarão a entender o funcionamento das </a:t>
-            </a:r>
-            <a:r>
-              <a:rPr lang="pt-BR" b="1" i="1" dirty="0"/>
-              <a:t>redes neurais artificiais </a:t>
-            </a:r>
-            <a:r>
-              <a:rPr lang="pt-BR" dirty="0"/>
-              <a:t>(RNAs).</a:t>
-            </a:r>
-          </a:p>
-          <a:p>
-            <a:r>
-              <a:rPr lang="pt-BR" dirty="0"/>
-              <a:t>Redes neurais artificiais são uma das formas mais populares e efetivas para implementação de sistemas de aprendizado de máquina e mereceriam por sí só uma disciplina em separado.</a:t>
-            </a:r>
-          </a:p>
-          <a:p>
-            <a:r>
-              <a:rPr lang="pt-BR" dirty="0"/>
-              <a:t>Neste tópico veremos uma breve visão geral sobre as RNAs. </a:t>
-            </a:r>
-          </a:p>
-        </p:txBody>
-      </p:sp>
-    </p:spTree>
-    <p:extLst>
-      <p:ext uri="{BB962C8B-B14F-4D97-AF65-F5344CB8AC3E}">
-        <p14:creationId xmlns:p14="http://schemas.microsoft.com/office/powerpoint/2010/main" val="3946202173"/>
-      </p:ext>
-    </p:extLst>
-  </p:cSld>
-  <p:clrMapOvr>
-    <a:masterClrMapping/>
-  </p:clrMapOvr>
-</p:sld>
-</file>
-
-<file path=ppt/slides/slide20.xml><?xml version="1.0" encoding="utf-8"?>
+<file path=ppt/slides/slide21.xml><?xml version="1.0" encoding="utf-8"?>
 <p:sld xmlns:a="http://schemas.openxmlformats.org/drawingml/2006/main" xmlns:r="http://schemas.openxmlformats.org/officeDocument/2006/relationships" xmlns:p="http://schemas.openxmlformats.org/presentationml/2006/main">
   <p:cSld>
     <p:spTree>
@@ -26548,7 +27602,7 @@
 </p:sld>
 </file>
 
-<file path=ppt/slides/slide21.xml><?xml version="1.0" encoding="utf-8"?>
+<file path=ppt/slides/slide22.xml><?xml version="1.0" encoding="utf-8"?>
 <p:sld xmlns:a="http://schemas.openxmlformats.org/drawingml/2006/main" xmlns:r="http://schemas.openxmlformats.org/officeDocument/2006/relationships" xmlns:p="http://schemas.openxmlformats.org/presentationml/2006/main">
   <p:cSld>
     <p:spTree>
@@ -30249,7 +31303,7 @@
 </p:sld>
 </file>
 
-<file path=ppt/slides/slide22.xml><?xml version="1.0" encoding="utf-8"?>
+<file path=ppt/slides/slide23.xml><?xml version="1.0" encoding="utf-8"?>
 <p:sld xmlns:a="http://schemas.openxmlformats.org/drawingml/2006/main" xmlns:r="http://schemas.openxmlformats.org/officeDocument/2006/relationships" xmlns:p="http://schemas.openxmlformats.org/presentationml/2006/main">
   <p:cSld>
     <p:spTree>
@@ -31789,7 +32843,7 @@
 </p:sld>
 </file>
 
-<file path=ppt/slides/slide23.xml><?xml version="1.0" encoding="utf-8"?>
+<file path=ppt/slides/slide24.xml><?xml version="1.0" encoding="utf-8"?>
 <p:sld xmlns:a="http://schemas.openxmlformats.org/drawingml/2006/main" xmlns:r="http://schemas.openxmlformats.org/officeDocument/2006/relationships" xmlns:p="http://schemas.openxmlformats.org/presentationml/2006/main">
   <p:cSld>
     <p:spTree>
@@ -33427,7 +34481,7 @@
 </p:sld>
 </file>
 
-<file path=ppt/slides/slide24.xml><?xml version="1.0" encoding="utf-8"?>
+<file path=ppt/slides/slide25.xml><?xml version="1.0" encoding="utf-8"?>
 <p:sld xmlns:a="http://schemas.openxmlformats.org/drawingml/2006/main" xmlns:r="http://schemas.openxmlformats.org/officeDocument/2006/relationships" xmlns:p="http://schemas.openxmlformats.org/presentationml/2006/main">
   <p:cSld>
     <p:spTree>
@@ -35764,7 +36818,7 @@
 </p:sld>
 </file>
 
-<file path=ppt/slides/slide25.xml><?xml version="1.0" encoding="utf-8"?>
+<file path=ppt/slides/slide26.xml><?xml version="1.0" encoding="utf-8"?>
 <p:sld xmlns:a="http://schemas.openxmlformats.org/drawingml/2006/main" xmlns:r="http://schemas.openxmlformats.org/officeDocument/2006/relationships" xmlns:p="http://schemas.openxmlformats.org/presentationml/2006/main">
   <p:cSld>
     <p:spTree>
@@ -38173,7 +39227,7 @@
 </p:sld>
 </file>
 
-<file path=ppt/slides/slide26.xml><?xml version="1.0" encoding="utf-8"?>
+<file path=ppt/slides/slide27.xml><?xml version="1.0" encoding="utf-8"?>
 <p:sld xmlns:a="http://schemas.openxmlformats.org/drawingml/2006/main" xmlns:r="http://schemas.openxmlformats.org/officeDocument/2006/relationships" xmlns:p="http://schemas.openxmlformats.org/presentationml/2006/main">
   <p:cSld>
     <p:spTree>
@@ -39323,7 +40377,7 @@
 </p:sld>
 </file>
 
-<file path=ppt/slides/slide27.xml><?xml version="1.0" encoding="utf-8"?>
+<file path=ppt/slides/slide28.xml><?xml version="1.0" encoding="utf-8"?>
 <p:sld xmlns:a="http://schemas.openxmlformats.org/drawingml/2006/main" xmlns:r="http://schemas.openxmlformats.org/officeDocument/2006/relationships" xmlns:p="http://schemas.openxmlformats.org/presentationml/2006/main">
   <p:cSld>
     <p:spTree>
@@ -40011,7 +41065,7 @@
 </p:sld>
 </file>
 
-<file path=ppt/slides/slide28.xml><?xml version="1.0" encoding="utf-8"?>
+<file path=ppt/slides/slide29.xml><?xml version="1.0" encoding="utf-8"?>
 <p:sld xmlns:a="http://schemas.openxmlformats.org/drawingml/2006/main" xmlns:r="http://schemas.openxmlformats.org/officeDocument/2006/relationships" xmlns:p="http://schemas.openxmlformats.org/presentationml/2006/main">
   <p:cSld>
     <p:spTree>
@@ -42126,7 +43180,505 @@
 </p:sld>
 </file>
 
-<file path=ppt/slides/slide29.xml><?xml version="1.0" encoding="utf-8"?>
+<file path=ppt/slides/slide3.xml><?xml version="1.0" encoding="utf-8"?>
+<p:sld xmlns:a="http://schemas.openxmlformats.org/drawingml/2006/main" xmlns:r="http://schemas.openxmlformats.org/officeDocument/2006/relationships" xmlns:p="http://schemas.openxmlformats.org/presentationml/2006/main">
+  <p:cSld>
+    <p:spTree>
+      <p:nvGrpSpPr>
+        <p:cNvPr id="1" name=""/>
+        <p:cNvGrpSpPr/>
+        <p:nvPr/>
+      </p:nvGrpSpPr>
+      <p:grpSpPr>
+        <a:xfrm>
+          <a:off x="0" y="0"/>
+          <a:ext cx="0" cy="0"/>
+          <a:chOff x="0" y="0"/>
+          <a:chExt cx="0" cy="0"/>
+        </a:xfrm>
+      </p:grpSpPr>
+      <p:sp>
+        <p:nvSpPr>
+          <p:cNvPr id="2" name="Title 1"/>
+          <p:cNvSpPr>
+            <a:spLocks noGrp="1"/>
+          </p:cNvSpPr>
+          <p:nvPr>
+            <p:ph type="title"/>
+          </p:nvPr>
+        </p:nvSpPr>
+        <p:spPr/>
+        <p:txBody>
+          <a:bodyPr/>
+          <a:lstStyle/>
+          <a:p>
+            <a:r>
+              <a:rPr lang="pt-BR" dirty="0"/>
+              <a:t>Redes Neurais Artificiais</a:t>
+            </a:r>
+          </a:p>
+        </p:txBody>
+      </p:sp>
+      <p:sp>
+        <p:nvSpPr>
+          <p:cNvPr id="3" name="Content Placeholder 2"/>
+          <p:cNvSpPr>
+            <a:spLocks noGrp="1"/>
+          </p:cNvSpPr>
+          <p:nvPr>
+            <p:ph idx="1"/>
+          </p:nvPr>
+        </p:nvSpPr>
+        <p:spPr>
+          <a:xfrm>
+            <a:off x="838200" y="1825624"/>
+            <a:ext cx="7805620" cy="5032376"/>
+          </a:xfrm>
+        </p:spPr>
+        <p:txBody>
+          <a:bodyPr>
+            <a:normAutofit fontScale="92500" lnSpcReduction="10000"/>
+          </a:bodyPr>
+          <a:lstStyle/>
+          <a:p>
+            <a:r>
+              <a:rPr lang="pt-BR" b="1" i="1" dirty="0"/>
+              <a:t>Redes neurais artificiais </a:t>
+            </a:r>
+            <a:r>
+              <a:rPr lang="pt-BR" dirty="0"/>
+              <a:t>são modelos computacionais inspirados pelo funcionamento do cérebro dos animais.</a:t>
+            </a:r>
+          </a:p>
+          <a:p>
+            <a:r>
+              <a:rPr lang="pt-BR" dirty="0"/>
+              <a:t>Elas são capazes de realizar </a:t>
+            </a:r>
+            <a:r>
+              <a:rPr lang="pt-BR" dirty="0" smtClean="0"/>
+              <a:t>tarefas de aprendizado </a:t>
+            </a:r>
+            <a:r>
+              <a:rPr lang="pt-BR" dirty="0"/>
+              <a:t>de máquina </a:t>
+            </a:r>
+            <a:r>
+              <a:rPr lang="pt-BR" dirty="0" smtClean="0"/>
+              <a:t>(e.g., regressão e classificação) com </a:t>
+            </a:r>
+            <a:r>
+              <a:rPr lang="pt-BR" dirty="0"/>
+              <a:t>grande eficácia. </a:t>
+            </a:r>
+          </a:p>
+          <a:p>
+            <a:r>
+              <a:rPr lang="pt-BR" dirty="0"/>
+              <a:t>RNAs são geralmente apresentadas como </a:t>
+            </a:r>
+            <a:r>
+              <a:rPr lang="pt-BR" b="1" i="1" dirty="0"/>
+              <a:t>sistemas de</a:t>
+            </a:r>
+            <a:r>
+              <a:rPr lang="pt-BR" dirty="0"/>
+              <a:t> </a:t>
+            </a:r>
+            <a:r>
+              <a:rPr lang="pt-BR" b="1" i="1" dirty="0" smtClean="0"/>
+              <a:t>nós (unidades ou neurônios) interconectados</a:t>
+            </a:r>
+            <a:r>
+              <a:rPr lang="pt-BR" dirty="0"/>
+              <a:t>, que </a:t>
+            </a:r>
+            <a:r>
+              <a:rPr lang="pt-BR" dirty="0" smtClean="0"/>
+              <a:t>geram valores </a:t>
+            </a:r>
+            <a:r>
+              <a:rPr lang="pt-BR" dirty="0"/>
+              <a:t>de saída, simulando o comportamento de </a:t>
+            </a:r>
+            <a:r>
+              <a:rPr lang="pt-BR" b="1" i="1" dirty="0"/>
+              <a:t>redes neurais biológicas</a:t>
+            </a:r>
+            <a:r>
+              <a:rPr lang="pt-BR" dirty="0"/>
+              <a:t>.</a:t>
+            </a:r>
+          </a:p>
+          <a:p>
+            <a:r>
+              <a:rPr lang="pt-BR" dirty="0"/>
+              <a:t>Esta primeira parte </a:t>
+            </a:r>
+            <a:r>
+              <a:rPr lang="pt-BR" dirty="0" smtClean="0"/>
+              <a:t>deste tópico, foca </a:t>
+            </a:r>
+            <a:r>
+              <a:rPr lang="pt-BR" dirty="0"/>
+              <a:t>nos elementos básicos de construção de uma rede neural, os </a:t>
+            </a:r>
+            <a:r>
+              <a:rPr lang="pt-BR" b="1" i="1" dirty="0" smtClean="0"/>
+              <a:t>nós</a:t>
+            </a:r>
+            <a:r>
+              <a:rPr lang="pt-BR" dirty="0" smtClean="0"/>
+              <a:t> ou </a:t>
+            </a:r>
+            <a:r>
+              <a:rPr lang="pt-BR" b="1" i="1" dirty="0" smtClean="0"/>
+              <a:t>neurônios</a:t>
+            </a:r>
+            <a:r>
+              <a:rPr lang="pt-BR" dirty="0"/>
+              <a:t>.</a:t>
+            </a:r>
+            <a:endParaRPr lang="pt-BR" b="1" i="1" dirty="0"/>
+          </a:p>
+        </p:txBody>
+      </p:sp>
+      <p:pic>
+        <p:nvPicPr>
+          <p:cNvPr id="4" name="Picture 3"/>
+          <p:cNvPicPr>
+            <a:picLocks noChangeAspect="1"/>
+          </p:cNvPicPr>
+          <p:nvPr/>
+        </p:nvPicPr>
+        <p:blipFill>
+          <a:blip r:embed="rId2">
+            <a:extLst>
+              <a:ext uri="{28A0092B-C50C-407E-A947-70E740481C1C}">
+                <a14:useLocalDpi xmlns:a14="http://schemas.microsoft.com/office/drawing/2010/main" val="0"/>
+              </a:ext>
+            </a:extLst>
+          </a:blip>
+          <a:stretch>
+            <a:fillRect/>
+          </a:stretch>
+        </p:blipFill>
+        <p:spPr>
+          <a:xfrm>
+            <a:off x="8643820" y="2380005"/>
+            <a:ext cx="3548180" cy="3097036"/>
+          </a:xfrm>
+          <a:prstGeom prst="rect">
+            <a:avLst/>
+          </a:prstGeom>
+        </p:spPr>
+      </p:pic>
+      <p:sp>
+        <p:nvSpPr>
+          <p:cNvPr id="5" name="TextBox 4"/>
+          <p:cNvSpPr txBox="1"/>
+          <p:nvPr/>
+        </p:nvSpPr>
+        <p:spPr>
+          <a:xfrm>
+            <a:off x="9837880" y="1380761"/>
+            <a:ext cx="1160060" cy="369332"/>
+          </a:xfrm>
+          <a:prstGeom prst="rect">
+            <a:avLst/>
+          </a:prstGeom>
+          <a:noFill/>
+        </p:spPr>
+        <p:txBody>
+          <a:bodyPr wrap="square" rtlCol="0">
+            <a:spAutoFit/>
+          </a:bodyPr>
+          <a:lstStyle/>
+          <a:p>
+            <a:pPr algn="ctr"/>
+            <a:r>
+              <a:rPr lang="pt-BR" dirty="0"/>
+              <a:t>neurônios</a:t>
+            </a:r>
+          </a:p>
+        </p:txBody>
+      </p:sp>
+      <p:cxnSp>
+        <p:nvCxnSpPr>
+          <p:cNvPr id="7" name="Straight Arrow Connector 6"/>
+          <p:cNvCxnSpPr/>
+          <p:nvPr/>
+        </p:nvCxnSpPr>
+        <p:spPr>
+          <a:xfrm flipH="1">
+            <a:off x="10295080" y="1750093"/>
+            <a:ext cx="122830" cy="554381"/>
+          </a:xfrm>
+          <a:prstGeom prst="straightConnector1">
+            <a:avLst/>
+          </a:prstGeom>
+          <a:ln>
+            <a:solidFill>
+              <a:srgbClr val="FF0000"/>
+            </a:solidFill>
+            <a:tailEnd type="triangle"/>
+          </a:ln>
+        </p:spPr>
+        <p:style>
+          <a:lnRef idx="1">
+            <a:schemeClr val="accent1"/>
+          </a:lnRef>
+          <a:fillRef idx="0">
+            <a:schemeClr val="accent1"/>
+          </a:fillRef>
+          <a:effectRef idx="0">
+            <a:schemeClr val="accent1"/>
+          </a:effectRef>
+          <a:fontRef idx="minor">
+            <a:schemeClr val="tx1"/>
+          </a:fontRef>
+        </p:style>
+      </p:cxnSp>
+      <p:cxnSp>
+        <p:nvCxnSpPr>
+          <p:cNvPr id="8" name="Straight Arrow Connector 7"/>
+          <p:cNvCxnSpPr/>
+          <p:nvPr/>
+        </p:nvCxnSpPr>
+        <p:spPr>
+          <a:xfrm>
+            <a:off x="10417910" y="1758156"/>
+            <a:ext cx="935890" cy="1640137"/>
+          </a:xfrm>
+          <a:prstGeom prst="straightConnector1">
+            <a:avLst/>
+          </a:prstGeom>
+          <a:ln>
+            <a:solidFill>
+              <a:srgbClr val="FF0000"/>
+            </a:solidFill>
+            <a:tailEnd type="triangle"/>
+          </a:ln>
+        </p:spPr>
+        <p:style>
+          <a:lnRef idx="1">
+            <a:schemeClr val="accent1"/>
+          </a:lnRef>
+          <a:fillRef idx="0">
+            <a:schemeClr val="accent1"/>
+          </a:fillRef>
+          <a:effectRef idx="0">
+            <a:schemeClr val="accent1"/>
+          </a:effectRef>
+          <a:fontRef idx="minor">
+            <a:schemeClr val="tx1"/>
+          </a:fontRef>
+        </p:style>
+      </p:cxnSp>
+      <p:cxnSp>
+        <p:nvCxnSpPr>
+          <p:cNvPr id="9" name="Straight Arrow Connector 8"/>
+          <p:cNvCxnSpPr/>
+          <p:nvPr/>
+        </p:nvCxnSpPr>
+        <p:spPr>
+          <a:xfrm flipV="1">
+            <a:off x="7874758" y="3698215"/>
+            <a:ext cx="1050879" cy="382466"/>
+          </a:xfrm>
+          <a:prstGeom prst="straightConnector1">
+            <a:avLst/>
+          </a:prstGeom>
+          <a:ln w="28575">
+            <a:solidFill>
+              <a:schemeClr val="tx1"/>
+            </a:solidFill>
+            <a:tailEnd type="triangle"/>
+          </a:ln>
+        </p:spPr>
+        <p:style>
+          <a:lnRef idx="1">
+            <a:schemeClr val="accent1"/>
+          </a:lnRef>
+          <a:fillRef idx="0">
+            <a:schemeClr val="accent1"/>
+          </a:fillRef>
+          <a:effectRef idx="0">
+            <a:schemeClr val="accent1"/>
+          </a:effectRef>
+          <a:fontRef idx="minor">
+            <a:schemeClr val="tx1"/>
+          </a:fontRef>
+        </p:style>
+      </p:cxnSp>
+      <p:sp>
+        <p:nvSpPr>
+          <p:cNvPr id="11" name="TextBox 10"/>
+          <p:cNvSpPr txBox="1"/>
+          <p:nvPr/>
+        </p:nvSpPr>
+        <p:spPr>
+          <a:xfrm>
+            <a:off x="9021947" y="2347391"/>
+            <a:ext cx="895006" cy="461665"/>
+          </a:xfrm>
+          <a:prstGeom prst="rect">
+            <a:avLst/>
+          </a:prstGeom>
+          <a:noFill/>
+        </p:spPr>
+        <p:txBody>
+          <a:bodyPr wrap="square" rtlCol="0">
+            <a:spAutoFit/>
+          </a:bodyPr>
+          <a:lstStyle/>
+          <a:p>
+            <a:pPr algn="ctr"/>
+            <a:r>
+              <a:rPr lang="pt-BR" sz="1200" dirty="0" smtClean="0"/>
+              <a:t>pesos sinápticos</a:t>
+            </a:r>
+            <a:endParaRPr lang="pt-BR" sz="1200" dirty="0"/>
+          </a:p>
+        </p:txBody>
+      </p:sp>
+      <p:sp>
+        <p:nvSpPr>
+          <p:cNvPr id="28" name="Oval 27"/>
+          <p:cNvSpPr/>
+          <p:nvPr/>
+        </p:nvSpPr>
+        <p:spPr>
+          <a:xfrm>
+            <a:off x="9444966" y="2804287"/>
+            <a:ext cx="281817" cy="1787855"/>
+          </a:xfrm>
+          <a:prstGeom prst="ellipse">
+            <a:avLst/>
+          </a:prstGeom>
+          <a:noFill/>
+          <a:ln>
+            <a:solidFill>
+              <a:schemeClr val="tx1"/>
+            </a:solidFill>
+          </a:ln>
+        </p:spPr>
+        <p:style>
+          <a:lnRef idx="2">
+            <a:schemeClr val="accent1">
+              <a:shade val="50000"/>
+            </a:schemeClr>
+          </a:lnRef>
+          <a:fillRef idx="1">
+            <a:schemeClr val="accent1"/>
+          </a:fillRef>
+          <a:effectRef idx="0">
+            <a:schemeClr val="accent1"/>
+          </a:effectRef>
+          <a:fontRef idx="minor">
+            <a:schemeClr val="lt1"/>
+          </a:fontRef>
+        </p:style>
+        <p:txBody>
+          <a:bodyPr rtlCol="0" anchor="ctr"/>
+          <a:lstStyle/>
+          <a:p>
+            <a:pPr algn="ctr"/>
+            <a:endParaRPr lang="pt-BR"/>
+          </a:p>
+        </p:txBody>
+      </p:sp>
+      <p:sp>
+        <p:nvSpPr>
+          <p:cNvPr id="29" name="Oval 28"/>
+          <p:cNvSpPr/>
+          <p:nvPr/>
+        </p:nvSpPr>
+        <p:spPr>
+          <a:xfrm>
+            <a:off x="10677574" y="2804286"/>
+            <a:ext cx="281817" cy="1787855"/>
+          </a:xfrm>
+          <a:prstGeom prst="ellipse">
+            <a:avLst/>
+          </a:prstGeom>
+          <a:noFill/>
+          <a:ln>
+            <a:solidFill>
+              <a:schemeClr val="tx1"/>
+            </a:solidFill>
+          </a:ln>
+        </p:spPr>
+        <p:style>
+          <a:lnRef idx="2">
+            <a:schemeClr val="accent1">
+              <a:shade val="50000"/>
+            </a:schemeClr>
+          </a:lnRef>
+          <a:fillRef idx="1">
+            <a:schemeClr val="accent1"/>
+          </a:fillRef>
+          <a:effectRef idx="0">
+            <a:schemeClr val="accent1"/>
+          </a:effectRef>
+          <a:fontRef idx="minor">
+            <a:schemeClr val="lt1"/>
+          </a:fontRef>
+        </p:style>
+        <p:txBody>
+          <a:bodyPr rtlCol="0" anchor="ctr"/>
+          <a:lstStyle/>
+          <a:p>
+            <a:pPr algn="ctr"/>
+            <a:endParaRPr lang="pt-BR"/>
+          </a:p>
+        </p:txBody>
+      </p:sp>
+      <p:sp>
+        <p:nvSpPr>
+          <p:cNvPr id="30" name="TextBox 29"/>
+          <p:cNvSpPr txBox="1"/>
+          <p:nvPr/>
+        </p:nvSpPr>
+        <p:spPr>
+          <a:xfrm>
+            <a:off x="10649141" y="4436839"/>
+            <a:ext cx="895006" cy="461665"/>
+          </a:xfrm>
+          <a:prstGeom prst="rect">
+            <a:avLst/>
+          </a:prstGeom>
+          <a:noFill/>
+        </p:spPr>
+        <p:txBody>
+          <a:bodyPr wrap="square" rtlCol="0">
+            <a:spAutoFit/>
+          </a:bodyPr>
+          <a:lstStyle/>
+          <a:p>
+            <a:pPr algn="ctr"/>
+            <a:r>
+              <a:rPr lang="pt-BR" sz="1200" dirty="0" smtClean="0"/>
+              <a:t>pesos sinápticos</a:t>
+            </a:r>
+            <a:endParaRPr lang="pt-BR" sz="1200" dirty="0"/>
+          </a:p>
+        </p:txBody>
+      </p:sp>
+    </p:spTree>
+    <p:extLst>
+      <p:ext uri="{BB962C8B-B14F-4D97-AF65-F5344CB8AC3E}">
+        <p14:creationId xmlns:p14="http://schemas.microsoft.com/office/powerpoint/2010/main" val="3341368700"/>
+      </p:ext>
+    </p:extLst>
+  </p:cSld>
+  <p:clrMapOvr>
+    <a:masterClrMapping/>
+  </p:clrMapOvr>
+</p:sld>
+</file>
+
+<file path=ppt/slides/slide30.xml><?xml version="1.0" encoding="utf-8"?>
 <p:sld xmlns:a="http://schemas.openxmlformats.org/drawingml/2006/main" xmlns:r="http://schemas.openxmlformats.org/officeDocument/2006/relationships" xmlns:p="http://schemas.openxmlformats.org/presentationml/2006/main">
   <p:cSld>
     <p:spTree>
@@ -44168,505 +45720,7 @@
 </p:sld>
 </file>
 
-<file path=ppt/slides/slide3.xml><?xml version="1.0" encoding="utf-8"?>
-<p:sld xmlns:a="http://schemas.openxmlformats.org/drawingml/2006/main" xmlns:r="http://schemas.openxmlformats.org/officeDocument/2006/relationships" xmlns:p="http://schemas.openxmlformats.org/presentationml/2006/main">
-  <p:cSld>
-    <p:spTree>
-      <p:nvGrpSpPr>
-        <p:cNvPr id="1" name=""/>
-        <p:cNvGrpSpPr/>
-        <p:nvPr/>
-      </p:nvGrpSpPr>
-      <p:grpSpPr>
-        <a:xfrm>
-          <a:off x="0" y="0"/>
-          <a:ext cx="0" cy="0"/>
-          <a:chOff x="0" y="0"/>
-          <a:chExt cx="0" cy="0"/>
-        </a:xfrm>
-      </p:grpSpPr>
-      <p:sp>
-        <p:nvSpPr>
-          <p:cNvPr id="2" name="Title 1"/>
-          <p:cNvSpPr>
-            <a:spLocks noGrp="1"/>
-          </p:cNvSpPr>
-          <p:nvPr>
-            <p:ph type="title"/>
-          </p:nvPr>
-        </p:nvSpPr>
-        <p:spPr/>
-        <p:txBody>
-          <a:bodyPr/>
-          <a:lstStyle/>
-          <a:p>
-            <a:r>
-              <a:rPr lang="pt-BR" dirty="0"/>
-              <a:t>Redes Neurais Artificiais</a:t>
-            </a:r>
-          </a:p>
-        </p:txBody>
-      </p:sp>
-      <p:sp>
-        <p:nvSpPr>
-          <p:cNvPr id="3" name="Content Placeholder 2"/>
-          <p:cNvSpPr>
-            <a:spLocks noGrp="1"/>
-          </p:cNvSpPr>
-          <p:nvPr>
-            <p:ph idx="1"/>
-          </p:nvPr>
-        </p:nvSpPr>
-        <p:spPr>
-          <a:xfrm>
-            <a:off x="838200" y="1825624"/>
-            <a:ext cx="7805620" cy="5032376"/>
-          </a:xfrm>
-        </p:spPr>
-        <p:txBody>
-          <a:bodyPr>
-            <a:normAutofit fontScale="92500" lnSpcReduction="10000"/>
-          </a:bodyPr>
-          <a:lstStyle/>
-          <a:p>
-            <a:r>
-              <a:rPr lang="pt-BR" b="1" i="1" dirty="0"/>
-              <a:t>Redes neurais artificiais </a:t>
-            </a:r>
-            <a:r>
-              <a:rPr lang="pt-BR" dirty="0"/>
-              <a:t>são modelos computacionais inspirados pelo funcionamento do cérebro dos animais.</a:t>
-            </a:r>
-          </a:p>
-          <a:p>
-            <a:r>
-              <a:rPr lang="pt-BR" dirty="0"/>
-              <a:t>Elas são capazes de realizar </a:t>
-            </a:r>
-            <a:r>
-              <a:rPr lang="pt-BR" dirty="0" smtClean="0"/>
-              <a:t>tarefas de aprendizado </a:t>
-            </a:r>
-            <a:r>
-              <a:rPr lang="pt-BR" dirty="0"/>
-              <a:t>de máquina </a:t>
-            </a:r>
-            <a:r>
-              <a:rPr lang="pt-BR" dirty="0" smtClean="0"/>
-              <a:t>(e.g., regressão e classificação) com </a:t>
-            </a:r>
-            <a:r>
-              <a:rPr lang="pt-BR" dirty="0"/>
-              <a:t>grande eficácia. </a:t>
-            </a:r>
-          </a:p>
-          <a:p>
-            <a:r>
-              <a:rPr lang="pt-BR" dirty="0"/>
-              <a:t>RNAs são geralmente apresentadas como </a:t>
-            </a:r>
-            <a:r>
-              <a:rPr lang="pt-BR" b="1" i="1" dirty="0"/>
-              <a:t>sistemas de</a:t>
-            </a:r>
-            <a:r>
-              <a:rPr lang="pt-BR" dirty="0"/>
-              <a:t> </a:t>
-            </a:r>
-            <a:r>
-              <a:rPr lang="pt-BR" b="1" i="1" dirty="0" smtClean="0"/>
-              <a:t>nós (unidades ou neurônios) interconectados</a:t>
-            </a:r>
-            <a:r>
-              <a:rPr lang="pt-BR" dirty="0"/>
-              <a:t>, que </a:t>
-            </a:r>
-            <a:r>
-              <a:rPr lang="pt-BR" dirty="0" smtClean="0"/>
-              <a:t>geram valores </a:t>
-            </a:r>
-            <a:r>
-              <a:rPr lang="pt-BR" dirty="0"/>
-              <a:t>de saída, simulando o comportamento de </a:t>
-            </a:r>
-            <a:r>
-              <a:rPr lang="pt-BR" b="1" i="1" dirty="0"/>
-              <a:t>redes neurais biológicas</a:t>
-            </a:r>
-            <a:r>
-              <a:rPr lang="pt-BR" dirty="0"/>
-              <a:t>.</a:t>
-            </a:r>
-          </a:p>
-          <a:p>
-            <a:r>
-              <a:rPr lang="pt-BR" dirty="0"/>
-              <a:t>Esta primeira parte </a:t>
-            </a:r>
-            <a:r>
-              <a:rPr lang="pt-BR" dirty="0" smtClean="0"/>
-              <a:t>deste tópico, foca </a:t>
-            </a:r>
-            <a:r>
-              <a:rPr lang="pt-BR" dirty="0"/>
-              <a:t>nos elementos básicos de construção de uma rede neural, os </a:t>
-            </a:r>
-            <a:r>
-              <a:rPr lang="pt-BR" b="1" i="1" dirty="0" smtClean="0"/>
-              <a:t>nós</a:t>
-            </a:r>
-            <a:r>
-              <a:rPr lang="pt-BR" dirty="0" smtClean="0"/>
-              <a:t> ou </a:t>
-            </a:r>
-            <a:r>
-              <a:rPr lang="pt-BR" b="1" i="1" dirty="0" smtClean="0"/>
-              <a:t>neurônios</a:t>
-            </a:r>
-            <a:r>
-              <a:rPr lang="pt-BR" dirty="0"/>
-              <a:t>.</a:t>
-            </a:r>
-            <a:endParaRPr lang="pt-BR" b="1" i="1" dirty="0"/>
-          </a:p>
-        </p:txBody>
-      </p:sp>
-      <p:pic>
-        <p:nvPicPr>
-          <p:cNvPr id="4" name="Picture 3"/>
-          <p:cNvPicPr>
-            <a:picLocks noChangeAspect="1"/>
-          </p:cNvPicPr>
-          <p:nvPr/>
-        </p:nvPicPr>
-        <p:blipFill>
-          <a:blip r:embed="rId2">
-            <a:extLst>
-              <a:ext uri="{28A0092B-C50C-407E-A947-70E740481C1C}">
-                <a14:useLocalDpi xmlns:a14="http://schemas.microsoft.com/office/drawing/2010/main" val="0"/>
-              </a:ext>
-            </a:extLst>
-          </a:blip>
-          <a:stretch>
-            <a:fillRect/>
-          </a:stretch>
-        </p:blipFill>
-        <p:spPr>
-          <a:xfrm>
-            <a:off x="8643820" y="2380005"/>
-            <a:ext cx="3548180" cy="3097036"/>
-          </a:xfrm>
-          <a:prstGeom prst="rect">
-            <a:avLst/>
-          </a:prstGeom>
-        </p:spPr>
-      </p:pic>
-      <p:sp>
-        <p:nvSpPr>
-          <p:cNvPr id="5" name="TextBox 4"/>
-          <p:cNvSpPr txBox="1"/>
-          <p:nvPr/>
-        </p:nvSpPr>
-        <p:spPr>
-          <a:xfrm>
-            <a:off x="9837880" y="1380761"/>
-            <a:ext cx="1160060" cy="369332"/>
-          </a:xfrm>
-          <a:prstGeom prst="rect">
-            <a:avLst/>
-          </a:prstGeom>
-          <a:noFill/>
-        </p:spPr>
-        <p:txBody>
-          <a:bodyPr wrap="square" rtlCol="0">
-            <a:spAutoFit/>
-          </a:bodyPr>
-          <a:lstStyle/>
-          <a:p>
-            <a:pPr algn="ctr"/>
-            <a:r>
-              <a:rPr lang="pt-BR" dirty="0"/>
-              <a:t>neurônios</a:t>
-            </a:r>
-          </a:p>
-        </p:txBody>
-      </p:sp>
-      <p:cxnSp>
-        <p:nvCxnSpPr>
-          <p:cNvPr id="7" name="Straight Arrow Connector 6"/>
-          <p:cNvCxnSpPr/>
-          <p:nvPr/>
-        </p:nvCxnSpPr>
-        <p:spPr>
-          <a:xfrm flipH="1">
-            <a:off x="10295080" y="1750093"/>
-            <a:ext cx="122830" cy="554381"/>
-          </a:xfrm>
-          <a:prstGeom prst="straightConnector1">
-            <a:avLst/>
-          </a:prstGeom>
-          <a:ln>
-            <a:solidFill>
-              <a:srgbClr val="FF0000"/>
-            </a:solidFill>
-            <a:tailEnd type="triangle"/>
-          </a:ln>
-        </p:spPr>
-        <p:style>
-          <a:lnRef idx="1">
-            <a:schemeClr val="accent1"/>
-          </a:lnRef>
-          <a:fillRef idx="0">
-            <a:schemeClr val="accent1"/>
-          </a:fillRef>
-          <a:effectRef idx="0">
-            <a:schemeClr val="accent1"/>
-          </a:effectRef>
-          <a:fontRef idx="minor">
-            <a:schemeClr val="tx1"/>
-          </a:fontRef>
-        </p:style>
-      </p:cxnSp>
-      <p:cxnSp>
-        <p:nvCxnSpPr>
-          <p:cNvPr id="8" name="Straight Arrow Connector 7"/>
-          <p:cNvCxnSpPr/>
-          <p:nvPr/>
-        </p:nvCxnSpPr>
-        <p:spPr>
-          <a:xfrm>
-            <a:off x="10417910" y="1758156"/>
-            <a:ext cx="935890" cy="1640137"/>
-          </a:xfrm>
-          <a:prstGeom prst="straightConnector1">
-            <a:avLst/>
-          </a:prstGeom>
-          <a:ln>
-            <a:solidFill>
-              <a:srgbClr val="FF0000"/>
-            </a:solidFill>
-            <a:tailEnd type="triangle"/>
-          </a:ln>
-        </p:spPr>
-        <p:style>
-          <a:lnRef idx="1">
-            <a:schemeClr val="accent1"/>
-          </a:lnRef>
-          <a:fillRef idx="0">
-            <a:schemeClr val="accent1"/>
-          </a:fillRef>
-          <a:effectRef idx="0">
-            <a:schemeClr val="accent1"/>
-          </a:effectRef>
-          <a:fontRef idx="minor">
-            <a:schemeClr val="tx1"/>
-          </a:fontRef>
-        </p:style>
-      </p:cxnSp>
-      <p:cxnSp>
-        <p:nvCxnSpPr>
-          <p:cNvPr id="9" name="Straight Arrow Connector 8"/>
-          <p:cNvCxnSpPr/>
-          <p:nvPr/>
-        </p:nvCxnSpPr>
-        <p:spPr>
-          <a:xfrm flipV="1">
-            <a:off x="7874758" y="3698215"/>
-            <a:ext cx="1050879" cy="382466"/>
-          </a:xfrm>
-          <a:prstGeom prst="straightConnector1">
-            <a:avLst/>
-          </a:prstGeom>
-          <a:ln w="28575">
-            <a:solidFill>
-              <a:schemeClr val="tx1"/>
-            </a:solidFill>
-            <a:tailEnd type="triangle"/>
-          </a:ln>
-        </p:spPr>
-        <p:style>
-          <a:lnRef idx="1">
-            <a:schemeClr val="accent1"/>
-          </a:lnRef>
-          <a:fillRef idx="0">
-            <a:schemeClr val="accent1"/>
-          </a:fillRef>
-          <a:effectRef idx="0">
-            <a:schemeClr val="accent1"/>
-          </a:effectRef>
-          <a:fontRef idx="minor">
-            <a:schemeClr val="tx1"/>
-          </a:fontRef>
-        </p:style>
-      </p:cxnSp>
-      <p:sp>
-        <p:nvSpPr>
-          <p:cNvPr id="11" name="TextBox 10"/>
-          <p:cNvSpPr txBox="1"/>
-          <p:nvPr/>
-        </p:nvSpPr>
-        <p:spPr>
-          <a:xfrm>
-            <a:off x="9021947" y="2347391"/>
-            <a:ext cx="895006" cy="461665"/>
-          </a:xfrm>
-          <a:prstGeom prst="rect">
-            <a:avLst/>
-          </a:prstGeom>
-          <a:noFill/>
-        </p:spPr>
-        <p:txBody>
-          <a:bodyPr wrap="square" rtlCol="0">
-            <a:spAutoFit/>
-          </a:bodyPr>
-          <a:lstStyle/>
-          <a:p>
-            <a:pPr algn="ctr"/>
-            <a:r>
-              <a:rPr lang="pt-BR" sz="1200" dirty="0" smtClean="0"/>
-              <a:t>pesos sinápticos</a:t>
-            </a:r>
-            <a:endParaRPr lang="pt-BR" sz="1200" dirty="0"/>
-          </a:p>
-        </p:txBody>
-      </p:sp>
-      <p:sp>
-        <p:nvSpPr>
-          <p:cNvPr id="28" name="Oval 27"/>
-          <p:cNvSpPr/>
-          <p:nvPr/>
-        </p:nvSpPr>
-        <p:spPr>
-          <a:xfrm>
-            <a:off x="9444966" y="2804287"/>
-            <a:ext cx="281817" cy="1787855"/>
-          </a:xfrm>
-          <a:prstGeom prst="ellipse">
-            <a:avLst/>
-          </a:prstGeom>
-          <a:noFill/>
-          <a:ln>
-            <a:solidFill>
-              <a:schemeClr val="tx1"/>
-            </a:solidFill>
-          </a:ln>
-        </p:spPr>
-        <p:style>
-          <a:lnRef idx="2">
-            <a:schemeClr val="accent1">
-              <a:shade val="50000"/>
-            </a:schemeClr>
-          </a:lnRef>
-          <a:fillRef idx="1">
-            <a:schemeClr val="accent1"/>
-          </a:fillRef>
-          <a:effectRef idx="0">
-            <a:schemeClr val="accent1"/>
-          </a:effectRef>
-          <a:fontRef idx="minor">
-            <a:schemeClr val="lt1"/>
-          </a:fontRef>
-        </p:style>
-        <p:txBody>
-          <a:bodyPr rtlCol="0" anchor="ctr"/>
-          <a:lstStyle/>
-          <a:p>
-            <a:pPr algn="ctr"/>
-            <a:endParaRPr lang="pt-BR"/>
-          </a:p>
-        </p:txBody>
-      </p:sp>
-      <p:sp>
-        <p:nvSpPr>
-          <p:cNvPr id="29" name="Oval 28"/>
-          <p:cNvSpPr/>
-          <p:nvPr/>
-        </p:nvSpPr>
-        <p:spPr>
-          <a:xfrm>
-            <a:off x="10677574" y="2804286"/>
-            <a:ext cx="281817" cy="1787855"/>
-          </a:xfrm>
-          <a:prstGeom prst="ellipse">
-            <a:avLst/>
-          </a:prstGeom>
-          <a:noFill/>
-          <a:ln>
-            <a:solidFill>
-              <a:schemeClr val="tx1"/>
-            </a:solidFill>
-          </a:ln>
-        </p:spPr>
-        <p:style>
-          <a:lnRef idx="2">
-            <a:schemeClr val="accent1">
-              <a:shade val="50000"/>
-            </a:schemeClr>
-          </a:lnRef>
-          <a:fillRef idx="1">
-            <a:schemeClr val="accent1"/>
-          </a:fillRef>
-          <a:effectRef idx="0">
-            <a:schemeClr val="accent1"/>
-          </a:effectRef>
-          <a:fontRef idx="minor">
-            <a:schemeClr val="lt1"/>
-          </a:fontRef>
-        </p:style>
-        <p:txBody>
-          <a:bodyPr rtlCol="0" anchor="ctr"/>
-          <a:lstStyle/>
-          <a:p>
-            <a:pPr algn="ctr"/>
-            <a:endParaRPr lang="pt-BR"/>
-          </a:p>
-        </p:txBody>
-      </p:sp>
-      <p:sp>
-        <p:nvSpPr>
-          <p:cNvPr id="30" name="TextBox 29"/>
-          <p:cNvSpPr txBox="1"/>
-          <p:nvPr/>
-        </p:nvSpPr>
-        <p:spPr>
-          <a:xfrm>
-            <a:off x="10649141" y="4436839"/>
-            <a:ext cx="895006" cy="461665"/>
-          </a:xfrm>
-          <a:prstGeom prst="rect">
-            <a:avLst/>
-          </a:prstGeom>
-          <a:noFill/>
-        </p:spPr>
-        <p:txBody>
-          <a:bodyPr wrap="square" rtlCol="0">
-            <a:spAutoFit/>
-          </a:bodyPr>
-          <a:lstStyle/>
-          <a:p>
-            <a:pPr algn="ctr"/>
-            <a:r>
-              <a:rPr lang="pt-BR" sz="1200" dirty="0" smtClean="0"/>
-              <a:t>pesos sinápticos</a:t>
-            </a:r>
-            <a:endParaRPr lang="pt-BR" sz="1200" dirty="0"/>
-          </a:p>
-        </p:txBody>
-      </p:sp>
-    </p:spTree>
-    <p:extLst>
-      <p:ext uri="{BB962C8B-B14F-4D97-AF65-F5344CB8AC3E}">
-        <p14:creationId xmlns:p14="http://schemas.microsoft.com/office/powerpoint/2010/main" val="3341368700"/>
-      </p:ext>
-    </p:extLst>
-  </p:cSld>
-  <p:clrMapOvr>
-    <a:masterClrMapping/>
-  </p:clrMapOvr>
-</p:sld>
-</file>
-
-<file path=ppt/slides/slide30.xml><?xml version="1.0" encoding="utf-8"?>
+<file path=ppt/slides/slide31.xml><?xml version="1.0" encoding="utf-8"?>
 <p:sld xmlns:a="http://schemas.openxmlformats.org/drawingml/2006/main" xmlns:r="http://schemas.openxmlformats.org/officeDocument/2006/relationships" xmlns:p="http://schemas.openxmlformats.org/presentationml/2006/main">
   <p:cSld>
     <p:spTree>
@@ -47380,7 +48434,7 @@
         </p:blipFill>
         <p:spPr bwMode="auto">
           <a:xfrm>
-            <a:off x="8288361" y="2828925"/>
+            <a:off x="8288361" y="2684080"/>
             <a:ext cx="3903639" cy="2238375"/>
           </a:xfrm>
           <a:prstGeom prst="rect">
@@ -47410,13 +48464,13 @@
         </p:nvSpPr>
         <p:spPr>
           <a:xfrm>
-            <a:off x="838201" y="1485901"/>
-            <a:ext cx="7678002" cy="5372100"/>
+            <a:off x="838200" y="1485901"/>
+            <a:ext cx="7990490" cy="5372100"/>
           </a:xfrm>
         </p:spPr>
         <p:txBody>
           <a:bodyPr>
-            <a:normAutofit fontScale="70000" lnSpcReduction="20000"/>
+            <a:normAutofit lnSpcReduction="10000"/>
           </a:bodyPr>
           <a:lstStyle/>
           <a:p>
@@ -47438,7 +48492,19 @@
             </a:r>
             <a:r>
               <a:rPr lang="pt-BR" dirty="0"/>
-              <a:t> também, mas são células que possuem mecanismos elétricos e/ou químicos característicos. </a:t>
+              <a:t> também, mas são células que possuem </a:t>
+            </a:r>
+            <a:r>
+              <a:rPr lang="pt-BR" b="1" i="1" dirty="0" smtClean="0"/>
+              <a:t>mecanismos eletroquímicos</a:t>
+            </a:r>
+            <a:r>
+              <a:rPr lang="pt-BR" dirty="0" smtClean="0"/>
+              <a:t> característicos</a:t>
+            </a:r>
+            <a:r>
+              <a:rPr lang="pt-BR" dirty="0"/>
+              <a:t>. </a:t>
             </a:r>
           </a:p>
           <a:p>
@@ -47523,9 +48589,135 @@
               <a:t>Cada neurônio possui apenas um axônio, o qual é, geralmente, mais longo que os dendritos. </a:t>
             </a:r>
           </a:p>
+        </p:txBody>
+      </p:sp>
+    </p:spTree>
+    <p:extLst>
+      <p:ext uri="{BB962C8B-B14F-4D97-AF65-F5344CB8AC3E}">
+        <p14:creationId xmlns:p14="http://schemas.microsoft.com/office/powerpoint/2010/main" val="2662402254"/>
+      </p:ext>
+    </p:extLst>
+  </p:cSld>
+  <p:clrMapOvr>
+    <a:masterClrMapping/>
+  </p:clrMapOvr>
+  <p:timing>
+    <p:tnLst>
+      <p:par>
+        <p:cTn id="1" dur="indefinite" restart="never" nodeType="tmRoot"/>
+      </p:par>
+    </p:tnLst>
+  </p:timing>
+</p:sld>
+</file>
+
+<file path=ppt/slides/slide7.xml><?xml version="1.0" encoding="utf-8"?>
+<p:sld xmlns:a="http://schemas.openxmlformats.org/drawingml/2006/main" xmlns:r="http://schemas.openxmlformats.org/officeDocument/2006/relationships" xmlns:p="http://schemas.openxmlformats.org/presentationml/2006/main">
+  <p:cSld>
+    <p:spTree>
+      <p:nvGrpSpPr>
+        <p:cNvPr id="1" name=""/>
+        <p:cNvGrpSpPr/>
+        <p:nvPr/>
+      </p:nvGrpSpPr>
+      <p:grpSpPr>
+        <a:xfrm>
+          <a:off x="0" y="0"/>
+          <a:ext cx="0" cy="0"/>
+          <a:chOff x="0" y="0"/>
+          <a:chExt cx="0" cy="0"/>
+        </a:xfrm>
+      </p:grpSpPr>
+      <p:sp>
+        <p:nvSpPr>
+          <p:cNvPr id="2" name="Title 1"/>
+          <p:cNvSpPr>
+            <a:spLocks noGrp="1"/>
+          </p:cNvSpPr>
+          <p:nvPr>
+            <p:ph type="title"/>
+          </p:nvPr>
+        </p:nvSpPr>
+        <p:spPr>
+          <a:xfrm>
+            <a:off x="838200" y="34039"/>
+            <a:ext cx="10515600" cy="1325563"/>
+          </a:xfrm>
+        </p:spPr>
+        <p:txBody>
+          <a:bodyPr/>
+          <a:lstStyle/>
           <a:p>
             <a:r>
               <a:rPr lang="pt-BR" dirty="0"/>
+              <a:t>Um pouco de contexto</a:t>
+            </a:r>
+          </a:p>
+        </p:txBody>
+      </p:sp>
+      <p:pic>
+        <p:nvPicPr>
+          <p:cNvPr id="1030" name="Picture 6" descr="Explainer: What is a neuron? | Science News for Students"/>
+          <p:cNvPicPr>
+            <a:picLocks noChangeAspect="1" noChangeArrowheads="1"/>
+          </p:cNvPicPr>
+          <p:nvPr/>
+        </p:nvPicPr>
+        <p:blipFill rotWithShape="1">
+          <a:blip r:embed="rId3" cstate="print">
+            <a:extLst>
+              <a:ext uri="{28A0092B-C50C-407E-A947-70E740481C1C}">
+                <a14:useLocalDpi xmlns:a14="http://schemas.microsoft.com/office/drawing/2010/main" val="0"/>
+              </a:ext>
+            </a:extLst>
+          </a:blip>
+          <a:srcRect l="3333" t="5158" r="3204" b="4941"/>
+          <a:stretch/>
+        </p:blipFill>
+        <p:spPr bwMode="auto">
+          <a:xfrm>
+            <a:off x="8288361" y="2828925"/>
+            <a:ext cx="3903639" cy="2238375"/>
+          </a:xfrm>
+          <a:prstGeom prst="rect">
+            <a:avLst/>
+          </a:prstGeom>
+          <a:noFill/>
+          <a:extLst>
+            <a:ext uri="{909E8E84-426E-40DD-AFC4-6F175D3DCCD1}">
+              <a14:hiddenFill xmlns:a14="http://schemas.microsoft.com/office/drawing/2010/main">
+                <a:solidFill>
+                  <a:srgbClr val="FFFFFF"/>
+                </a:solidFill>
+              </a14:hiddenFill>
+            </a:ext>
+          </a:extLst>
+        </p:spPr>
+      </p:pic>
+      <p:sp>
+        <p:nvSpPr>
+          <p:cNvPr id="3" name="Content Placeholder 2"/>
+          <p:cNvSpPr>
+            <a:spLocks noGrp="1"/>
+          </p:cNvSpPr>
+          <p:nvPr>
+            <p:ph idx="1"/>
+          </p:nvPr>
+        </p:nvSpPr>
+        <p:spPr>
+          <a:xfrm>
+            <a:off x="838201" y="1485901"/>
+            <a:ext cx="7678002" cy="5372100"/>
+          </a:xfrm>
+        </p:spPr>
+        <p:txBody>
+          <a:bodyPr>
+            <a:normAutofit/>
+          </a:bodyPr>
+          <a:lstStyle/>
+          <a:p>
+            <a:r>
+              <a:rPr lang="pt-BR" dirty="0" smtClean="0"/>
               <a:t>O </a:t>
             </a:r>
             <a:r>
@@ -47542,13 +48734,29 @@
             </a:r>
             <a:r>
               <a:rPr lang="pt-BR" dirty="0"/>
-              <a:t>) contém o núcleo do neurônio e é responsável por realizar a integração dos estímulos recebidos pelo neurônio através de seus dendritos.</a:t>
+              <a:t>) contém o núcleo do neurônio e é responsável por realizar a </a:t>
+            </a:r>
+            <a:r>
+              <a:rPr lang="pt-BR" b="1" i="1" dirty="0"/>
+              <a:t>integração</a:t>
+            </a:r>
+            <a:r>
+              <a:rPr lang="pt-BR" dirty="0"/>
+              <a:t> dos estímulos recebidos pelo neurônio através de seus dendritos.</a:t>
             </a:r>
           </a:p>
           <a:p>
             <a:r>
               <a:rPr lang="pt-BR" dirty="0"/>
-              <a:t>Os locais/pontos de contato entre os dentritos de um neurônio e os terminais do axônio de outro neurônio são chamados de </a:t>
+              <a:t>Os </a:t>
+            </a:r>
+            <a:r>
+              <a:rPr lang="pt-BR" dirty="0" smtClean="0"/>
+              <a:t>pontos </a:t>
+            </a:r>
+            <a:r>
+              <a:rPr lang="pt-BR" dirty="0"/>
+              <a:t>de contato entre os dentritos de um neurônio e os terminais do axônio de outro neurônio são chamados de </a:t>
             </a:r>
             <a:r>
               <a:rPr lang="pt-BR" b="1" i="1" dirty="0"/>
@@ -47608,7 +48816,7 @@
     </p:spTree>
     <p:extLst>
       <p:ext uri="{BB962C8B-B14F-4D97-AF65-F5344CB8AC3E}">
-        <p14:creationId xmlns:p14="http://schemas.microsoft.com/office/powerpoint/2010/main" val="1337986643"/>
+        <p14:creationId xmlns:p14="http://schemas.microsoft.com/office/powerpoint/2010/main" val="1124169651"/>
       </p:ext>
     </p:extLst>
   </p:cSld>
@@ -47625,7 +48833,7 @@
 </p:sld>
 </file>
 
-<file path=ppt/slides/slide7.xml><?xml version="1.0" encoding="utf-8"?>
+<file path=ppt/slides/slide8.xml><?xml version="1.0" encoding="utf-8"?>
 <p:sld xmlns:a="http://schemas.openxmlformats.org/drawingml/2006/main" xmlns:r="http://schemas.openxmlformats.org/officeDocument/2006/relationships" xmlns:p="http://schemas.openxmlformats.org/presentationml/2006/main">
   <p:cSld>
     <p:spTree>
@@ -47720,8 +48928,8 @@
         </p:nvSpPr>
         <p:spPr>
           <a:xfrm>
-            <a:off x="838200" y="1355745"/>
-            <a:ext cx="8232058" cy="5312978"/>
+            <a:off x="838200" y="1355744"/>
+            <a:ext cx="8232058" cy="5502255"/>
           </a:xfrm>
         </p:spPr>
         <p:txBody>
@@ -47744,14 +48952,20 @@
             </a:r>
           </a:p>
           <a:p>
-            <a:pPr lvl="1"/>
+            <a:pPr lvl="1">
+              <a:buFont typeface="Wingdings" panose="05000000000000000000" pitchFamily="2" charset="2"/>
+              <a:buChar char="§"/>
+            </a:pPr>
             <a:r>
               <a:rPr lang="pt-BR" dirty="0"/>
               <a:t>O neurônio recebe estímulos elétricos, basicamente a partir dos dendritos.</a:t>
             </a:r>
           </a:p>
           <a:p>
-            <a:pPr lvl="1"/>
+            <a:pPr lvl="1">
+              <a:buFont typeface="Wingdings" panose="05000000000000000000" pitchFamily="2" charset="2"/>
+              <a:buChar char="§"/>
+            </a:pPr>
             <a:r>
               <a:rPr lang="pt-BR" dirty="0"/>
               <a:t>Esses estímulos são integrados no corpo </a:t>
@@ -47771,7 +48985,10 @@
             <a:endParaRPr lang="pt-BR" dirty="0"/>
           </a:p>
           <a:p>
-            <a:pPr lvl="1"/>
+            <a:pPr lvl="1">
+              <a:buFont typeface="Wingdings" panose="05000000000000000000" pitchFamily="2" charset="2"/>
+              <a:buChar char="§"/>
+            </a:pPr>
             <a:r>
               <a:rPr lang="pt-BR" dirty="0"/>
               <a:t>A integração dos estímulos pode levar à geração ou não de uma resposta elétrica enviada pelo axônio a outros neurônios.</a:t>
@@ -47792,21 +49009,30 @@
             </a:r>
           </a:p>
           <a:p>
-            <a:pPr lvl="1"/>
+            <a:pPr lvl="1">
+              <a:buFont typeface="Wingdings" panose="05000000000000000000" pitchFamily="2" charset="2"/>
+              <a:buChar char="§"/>
+            </a:pPr>
             <a:r>
               <a:rPr lang="pt-BR" dirty="0"/>
               <a:t>Os neurônios recebem estímulos elétricos.</a:t>
             </a:r>
           </a:p>
           <a:p>
-            <a:pPr lvl="1"/>
+            <a:pPr lvl="1">
+              <a:buFont typeface="Wingdings" panose="05000000000000000000" pitchFamily="2" charset="2"/>
+              <a:buChar char="§"/>
+            </a:pPr>
             <a:r>
               <a:rPr lang="pt-BR" dirty="0"/>
               <a:t>Esses estímulos são integrados.</a:t>
             </a:r>
           </a:p>
           <a:p>
-            <a:pPr lvl="1"/>
+            <a:pPr lvl="1">
+              <a:buFont typeface="Wingdings" panose="05000000000000000000" pitchFamily="2" charset="2"/>
+              <a:buChar char="§"/>
+            </a:pPr>
             <a:r>
               <a:rPr lang="pt-BR" dirty="0"/>
               <a:t>Se a atividade (i.e., integração dos estímulos) exceder certo limiar, o </a:t>
@@ -47837,11 +49063,11 @@
             </a:r>
             <a:r>
               <a:rPr lang="pt-BR" dirty="0"/>
-              <a:t> se conecta com 10 a </a:t>
+              <a:t> </a:t>
             </a:r>
             <a:r>
               <a:rPr lang="pt-BR" dirty="0" smtClean="0"/>
-              <a:t>100.000 </a:t>
+              <a:t>pode se conectar a até 20.000 </a:t>
             </a:r>
             <a:r>
               <a:rPr lang="pt-BR" dirty="0"/>
@@ -47883,7 +49109,15 @@
             </a:r>
             <a:r>
               <a:rPr lang="pt-BR" dirty="0"/>
-              <a:t> através de reações eletro-químicas.</a:t>
+              <a:t> através de reações </a:t>
+            </a:r>
+            <a:r>
+              <a:rPr lang="pt-BR" dirty="0" smtClean="0"/>
+              <a:t>eletroquímicas</a:t>
+            </a:r>
+            <a:r>
+              <a:rPr lang="pt-BR" dirty="0"/>
+              <a:t>.</a:t>
             </a:r>
           </a:p>
           <a:p>
@@ -47922,7 +49156,7 @@
 </p:sld>
 </file>
 
-<file path=ppt/slides/slide8.xml><?xml version="1.0" encoding="utf-8"?>
+<file path=ppt/slides/slide9.xml><?xml version="1.0" encoding="utf-8"?>
 <p:sld xmlns:a="http://schemas.openxmlformats.org/drawingml/2006/main" xmlns:r="http://schemas.openxmlformats.org/officeDocument/2006/relationships" xmlns:p="http://schemas.openxmlformats.org/presentationml/2006/main">
   <p:cSld>
     <p:spTree>
@@ -48048,7 +49282,15 @@
             </a:r>
             <a:r>
               <a:rPr lang="pt-BR" dirty="0"/>
-              <a:t> onde uma proposição é uma sentença declarativa, ou seja, é uma sentença que declara um fato podendo este ser verdeiro ou falso</a:t>
+              <a:t> onde uma proposição é uma sentença declarativa, ou seja, é uma sentença que declara um fato podendo este ser </a:t>
+            </a:r>
+            <a:r>
+              <a:rPr lang="pt-BR" dirty="0" smtClean="0"/>
+              <a:t>verdadeiro </a:t>
+            </a:r>
+            <a:r>
+              <a:rPr lang="pt-BR" dirty="0"/>
+              <a:t>ou falso</a:t>
             </a:r>
             <a:r>
               <a:rPr lang="pt-BR" dirty="0" smtClean="0"/>
@@ -48196,863 +49438,6 @@
     <p:extLst>
       <p:ext uri="{BB962C8B-B14F-4D97-AF65-F5344CB8AC3E}">
         <p14:creationId xmlns:p14="http://schemas.microsoft.com/office/powerpoint/2010/main" val="802538401"/>
-      </p:ext>
-    </p:extLst>
-  </p:cSld>
-  <p:clrMapOvr>
-    <a:masterClrMapping/>
-  </p:clrMapOvr>
-</p:sld>
-</file>
-
-<file path=ppt/slides/slide9.xml><?xml version="1.0" encoding="utf-8"?>
-<p:sld xmlns:a="http://schemas.openxmlformats.org/drawingml/2006/main" xmlns:r="http://schemas.openxmlformats.org/officeDocument/2006/relationships" xmlns:p="http://schemas.openxmlformats.org/presentationml/2006/main">
-  <p:cSld>
-    <p:spTree>
-      <p:nvGrpSpPr>
-        <p:cNvPr id="1" name=""/>
-        <p:cNvGrpSpPr/>
-        <p:nvPr/>
-      </p:nvGrpSpPr>
-      <p:grpSpPr>
-        <a:xfrm>
-          <a:off x="0" y="0"/>
-          <a:ext cx="0" cy="0"/>
-          <a:chOff x="0" y="0"/>
-          <a:chExt cx="0" cy="0"/>
-        </a:xfrm>
-      </p:grpSpPr>
-      <p:sp>
-        <p:nvSpPr>
-          <p:cNvPr id="2" name="Title 1"/>
-          <p:cNvSpPr>
-            <a:spLocks noGrp="1"/>
-          </p:cNvSpPr>
-          <p:nvPr>
-            <p:ph type="title"/>
-          </p:nvPr>
-        </p:nvSpPr>
-        <p:spPr>
-          <a:xfrm>
-            <a:off x="838200" y="49811"/>
-            <a:ext cx="10515600" cy="1465090"/>
-          </a:xfrm>
-        </p:spPr>
-        <p:txBody>
-          <a:bodyPr/>
-          <a:lstStyle/>
-          <a:p>
-            <a:r>
-              <a:rPr lang="pt-BR" dirty="0"/>
-              <a:t>O Modelo de McCulloch e Pitts </a:t>
-            </a:r>
-          </a:p>
-        </p:txBody>
-      </p:sp>
-      <mc:AlternateContent xmlns:mc="http://schemas.openxmlformats.org/markup-compatibility/2006" xmlns:a14="http://schemas.microsoft.com/office/drawing/2010/main">
-        <mc:Choice Requires="a14">
-          <p:sp>
-            <p:nvSpPr>
-              <p:cNvPr id="5" name="Content Placeholder 4"/>
-              <p:cNvSpPr>
-                <a:spLocks noGrp="1"/>
-              </p:cNvSpPr>
-              <p:nvPr>
-                <p:ph idx="1"/>
-              </p:nvPr>
-            </p:nvSpPr>
-            <p:spPr>
-              <a:xfrm>
-                <a:off x="838199" y="1514901"/>
-                <a:ext cx="7359869" cy="5343099"/>
-              </a:xfrm>
-            </p:spPr>
-            <p:txBody>
-              <a:bodyPr>
-                <a:normAutofit fontScale="85000" lnSpcReduction="20000"/>
-              </a:bodyPr>
-              <a:lstStyle/>
-              <a:p>
-                <a:r>
-                  <a:rPr lang="pt-BR" dirty="0"/>
-                  <a:t>A figura ao lado mostra o modelo matemático do </a:t>
-                </a:r>
-                <a:r>
-                  <a:rPr lang="pt-BR" b="1" i="1" dirty="0"/>
-                  <a:t>neurônio</a:t>
-                </a:r>
-                <a:r>
-                  <a:rPr lang="pt-BR" dirty="0"/>
-                  <a:t> criado por McCulloch e Pitts.</a:t>
-                </a:r>
-              </a:p>
-              <a:p>
-                <a:r>
-                  <a:rPr lang="pt-BR" dirty="0"/>
-                  <a:t>G</a:t>
-                </a:r>
-                <a:r>
-                  <a:rPr lang="pt-BR" dirty="0" smtClean="0"/>
-                  <a:t>rosso </a:t>
-                </a:r>
-                <a:r>
-                  <a:rPr lang="pt-BR" dirty="0"/>
-                  <a:t>modo, o </a:t>
-                </a:r>
-                <a:r>
-                  <a:rPr lang="pt-BR" b="1" i="1" dirty="0"/>
-                  <a:t>neurônio</a:t>
-                </a:r>
-                <a:r>
-                  <a:rPr lang="pt-BR" dirty="0"/>
-                  <a:t> é ativado (ou disparado) quando uma </a:t>
-                </a:r>
-                <a:r>
-                  <a:rPr lang="pt-BR" b="1" i="1" dirty="0"/>
-                  <a:t>combinação linear </a:t>
-                </a:r>
-                <a:r>
-                  <a:rPr lang="pt-BR" dirty="0"/>
-                  <a:t>de suas entradas excede um </a:t>
-                </a:r>
-                <a:r>
-                  <a:rPr lang="pt-BR" b="1" i="1" dirty="0"/>
-                  <a:t>limiar de ativação</a:t>
-                </a:r>
-                <a:r>
-                  <a:rPr lang="pt-BR" dirty="0"/>
-                  <a:t>. </a:t>
-                </a:r>
-              </a:p>
-              <a:p>
-                <a:r>
-                  <a:rPr lang="pt-BR" dirty="0" smtClean="0"/>
-                  <a:t>As </a:t>
-                </a:r>
-                <a:r>
-                  <a:rPr lang="pt-BR" dirty="0"/>
-                  <a:t>premissas do modelo </a:t>
-                </a:r>
-                <a:r>
-                  <a:rPr lang="pt-BR" dirty="0" smtClean="0"/>
-                  <a:t>de </a:t>
-                </a:r>
-                <a:r>
-                  <a:rPr lang="pt-BR" dirty="0"/>
-                  <a:t>McCulloch e Pitts (M-P) são:</a:t>
-                </a:r>
-              </a:p>
-              <a:p>
-                <a:pPr lvl="1">
-                  <a:buFont typeface="Wingdings" panose="05000000000000000000" pitchFamily="2" charset="2"/>
-                  <a:buChar char="§"/>
-                </a:pPr>
-                <a:r>
-                  <a:rPr lang="pt-BR" dirty="0"/>
-                  <a:t>Os valores das entradas, </a:t>
-                </a:r>
-                <a14:m>
-                  <m:oMath xmlns:m="http://schemas.openxmlformats.org/officeDocument/2006/math">
-                    <m:sSub>
-                      <m:sSubPr>
-                        <m:ctrlPr>
-                          <a:rPr lang="pt-BR" i="1" smtClean="0">
-                            <a:latin typeface="Cambria Math" panose="02040503050406030204" pitchFamily="18" charset="0"/>
-                          </a:rPr>
-                        </m:ctrlPr>
-                      </m:sSubPr>
-                      <m:e>
-                        <m:r>
-                          <a:rPr lang="pt-BR" b="0" i="1" smtClean="0">
-                            <a:latin typeface="Cambria Math" panose="02040503050406030204" pitchFamily="18" charset="0"/>
-                          </a:rPr>
-                          <m:t>𝑥</m:t>
-                        </m:r>
-                      </m:e>
-                      <m:sub>
-                        <m:r>
-                          <a:rPr lang="pt-BR" b="0" i="1" smtClean="0">
-                            <a:latin typeface="Cambria Math" panose="02040503050406030204" pitchFamily="18" charset="0"/>
-                          </a:rPr>
-                          <m:t>𝑖</m:t>
-                        </m:r>
-                      </m:sub>
-                    </m:sSub>
-                    <m:r>
-                      <a:rPr lang="pt-BR" b="0" i="1" smtClean="0">
-                        <a:latin typeface="Cambria Math" panose="02040503050406030204" pitchFamily="18" charset="0"/>
-                      </a:rPr>
-                      <m:t>, </m:t>
-                    </m:r>
-                    <m:r>
-                      <a:rPr lang="pt-BR" b="0" i="1" smtClean="0">
-                        <a:latin typeface="Cambria Math" panose="02040503050406030204" pitchFamily="18" charset="0"/>
-                        <a:ea typeface="Cambria Math" panose="02040503050406030204" pitchFamily="18" charset="0"/>
-                      </a:rPr>
-                      <m:t>∀</m:t>
-                    </m:r>
-                    <m:r>
-                      <a:rPr lang="pt-BR" b="0" i="1" smtClean="0">
-                        <a:latin typeface="Cambria Math" panose="02040503050406030204" pitchFamily="18" charset="0"/>
-                        <a:ea typeface="Cambria Math" panose="02040503050406030204" pitchFamily="18" charset="0"/>
-                      </a:rPr>
-                      <m:t>𝑖</m:t>
-                    </m:r>
-                  </m:oMath>
-                </a14:m>
-                <a:r>
-                  <a:rPr lang="pt-BR" dirty="0"/>
-                  <a:t>, ou também chamadas de </a:t>
-                </a:r>
-                <a:r>
-                  <a:rPr lang="pt-BR" b="1" i="1" dirty="0"/>
-                  <a:t>sinapses</a:t>
-                </a:r>
-                <a:r>
-                  <a:rPr lang="pt-BR" dirty="0"/>
-                  <a:t>, são sempre valores booleanos, i.e., ‘0’, ou ‘1’.</a:t>
-                </a:r>
-              </a:p>
-              <a:p>
-                <a:pPr lvl="1">
-                  <a:buFont typeface="Wingdings" panose="05000000000000000000" pitchFamily="2" charset="2"/>
-                  <a:buChar char="§"/>
-                </a:pPr>
-                <a:r>
-                  <a:rPr lang="pt-BR" dirty="0"/>
-                  <a:t>As entradas são simplesmente somadas.</a:t>
-                </a:r>
-              </a:p>
-              <a:p>
-                <a:pPr lvl="1">
-                  <a:buFont typeface="Wingdings" panose="05000000000000000000" pitchFamily="2" charset="2"/>
-                  <a:buChar char="§"/>
-                </a:pPr>
-                <a:r>
-                  <a:rPr lang="pt-BR" dirty="0"/>
-                  <a:t>A atividade do </a:t>
-                </a:r>
-                <a:r>
-                  <a:rPr lang="pt-BR" b="1" i="1" dirty="0"/>
-                  <a:t>neurônio</a:t>
-                </a:r>
-                <a:r>
-                  <a:rPr lang="pt-BR" dirty="0"/>
-                  <a:t> é um processo do tipo “</a:t>
-                </a:r>
-                <a:r>
-                  <a:rPr lang="pt-BR" b="1" i="1" dirty="0"/>
-                  <a:t>tudo ou nada</a:t>
-                </a:r>
-                <a:r>
-                  <a:rPr lang="pt-BR" dirty="0"/>
-                  <a:t>”, ou seja, um processo binário. </a:t>
-                </a:r>
-                <a:endParaRPr lang="pt-BR" dirty="0" smtClean="0"/>
-              </a:p>
-              <a:p>
-                <a:pPr lvl="1">
-                  <a:buFont typeface="Wingdings" panose="05000000000000000000" pitchFamily="2" charset="2"/>
-                  <a:buChar char="§"/>
-                </a:pPr>
-                <a:r>
-                  <a:rPr lang="pt-BR" dirty="0" smtClean="0"/>
-                  <a:t>Portanto</a:t>
-                </a:r>
-                <a:r>
-                  <a:rPr lang="pt-BR" dirty="0"/>
-                  <a:t>, a </a:t>
-                </a:r>
-                <a:r>
-                  <a:rPr lang="pt-BR" b="1" i="1" dirty="0"/>
-                  <a:t>função de ativação </a:t>
-                </a:r>
-                <a:r>
-                  <a:rPr lang="pt-BR" dirty="0"/>
-                  <a:t>do neurônio é uma </a:t>
-                </a:r>
-                <a:r>
-                  <a:rPr lang="pt-BR" b="1" i="1" dirty="0"/>
-                  <a:t>função degrau </a:t>
-                </a:r>
-                <a:r>
-                  <a:rPr lang="pt-BR" dirty="0"/>
-                  <a:t>com </a:t>
-                </a:r>
-                <a:r>
-                  <a:rPr lang="pt-BR" b="1" i="1" dirty="0"/>
-                  <a:t>ponto de disparo </a:t>
-                </a:r>
-                <a:r>
-                  <a:rPr lang="pt-BR" dirty="0"/>
-                  <a:t>dependente do </a:t>
-                </a:r>
-                <a:r>
-                  <a:rPr lang="pt-BR" b="1" i="1" dirty="0"/>
-                  <a:t>limiar de ativação</a:t>
-                </a:r>
-                <a:r>
-                  <a:rPr lang="pt-BR" dirty="0"/>
-                  <a:t>, </a:t>
-                </a:r>
-                <a14:m>
-                  <m:oMath xmlns:m="http://schemas.openxmlformats.org/officeDocument/2006/math">
-                    <m:r>
-                      <a:rPr lang="pt-BR" i="1" smtClean="0">
-                        <a:latin typeface="Cambria Math" panose="02040503050406030204" pitchFamily="18" charset="0"/>
-                        <a:ea typeface="Cambria Math" panose="02040503050406030204" pitchFamily="18" charset="0"/>
-                      </a:rPr>
-                      <m:t>𝜃</m:t>
-                    </m:r>
-                  </m:oMath>
-                </a14:m>
-                <a:r>
-                  <a:rPr lang="pt-BR" b="1" i="1" dirty="0"/>
-                  <a:t>.</a:t>
-                </a:r>
-              </a:p>
-              <a:p>
-                <a:pPr lvl="1">
-                  <a:buFont typeface="Wingdings" panose="05000000000000000000" pitchFamily="2" charset="2"/>
-                  <a:buChar char="§"/>
-                </a:pPr>
-                <a:r>
-                  <a:rPr lang="pt-BR" dirty="0"/>
-                  <a:t>Um certo número de </a:t>
-                </a:r>
-                <a:r>
-                  <a:rPr lang="pt-BR" b="1" i="1" dirty="0"/>
-                  <a:t>sinapses</a:t>
-                </a:r>
-                <a:r>
-                  <a:rPr lang="pt-BR" dirty="0"/>
-                  <a:t> deve ser excitado num determinado período para que o neurônio “dispare</a:t>
-                </a:r>
-                <a:r>
-                  <a:rPr lang="pt-BR" dirty="0" smtClean="0"/>
-                  <a:t>”.</a:t>
-                </a:r>
-              </a:p>
-              <a:p>
-                <a:r>
-                  <a:rPr lang="pt-BR" dirty="0" smtClean="0"/>
-                  <a:t>O modelo </a:t>
-                </a:r>
-                <a:r>
-                  <a:rPr lang="pt-BR" dirty="0"/>
-                  <a:t>do </a:t>
-                </a:r>
-                <a:r>
-                  <a:rPr lang="pt-BR" b="1" i="1" dirty="0"/>
-                  <a:t>neurônio</a:t>
-                </a:r>
-                <a:r>
-                  <a:rPr lang="pt-BR" dirty="0"/>
-                  <a:t> de McCulloch e Pitts nada mais é do que um </a:t>
-                </a:r>
-                <a:r>
-                  <a:rPr lang="pt-BR" b="1" i="1" dirty="0"/>
-                  <a:t>classificador linear com limiar de decisão </a:t>
-                </a:r>
-                <a:r>
-                  <a:rPr lang="pt-BR" b="1" i="1" dirty="0" smtClean="0"/>
-                  <a:t>rígido</a:t>
-                </a:r>
-                <a:r>
-                  <a:rPr lang="pt-BR" dirty="0" smtClean="0"/>
-                  <a:t>,</a:t>
-                </a:r>
-                <a:r>
-                  <a:rPr lang="pt-BR" b="1" i="1" dirty="0" smtClean="0"/>
-                  <a:t> </a:t>
-                </a:r>
-                <a:r>
-                  <a:rPr lang="pt-BR" b="1" i="1" dirty="0"/>
-                  <a:t>pesos </a:t>
-                </a:r>
-                <a:r>
-                  <a:rPr lang="pt-BR" b="1" i="1" dirty="0" smtClean="0"/>
-                  <a:t>unitários</a:t>
-                </a:r>
-                <a:r>
-                  <a:rPr lang="pt-BR" dirty="0" smtClean="0"/>
-                  <a:t> e </a:t>
-                </a:r>
-                <a:r>
-                  <a:rPr lang="pt-BR" b="1" i="1" dirty="0" smtClean="0"/>
-                  <a:t>atributos booleanos</a:t>
-                </a:r>
-                <a:r>
-                  <a:rPr lang="pt-BR" dirty="0" smtClean="0"/>
-                  <a:t>.</a:t>
-                </a:r>
-                <a:endParaRPr lang="pt-BR" dirty="0"/>
-              </a:p>
-            </p:txBody>
-          </p:sp>
-        </mc:Choice>
-        <mc:Fallback xmlns="">
-          <p:sp>
-            <p:nvSpPr>
-              <p:cNvPr id="5" name="Content Placeholder 4"/>
-              <p:cNvSpPr>
-                <a:spLocks noGrp="1" noRot="1" noChangeAspect="1" noMove="1" noResize="1" noEditPoints="1" noAdjustHandles="1" noChangeArrowheads="1" noChangeShapeType="1" noTextEdit="1"/>
-              </p:cNvSpPr>
-              <p:nvPr>
-                <p:ph idx="1"/>
-              </p:nvPr>
-            </p:nvSpPr>
-            <p:spPr>
-              <a:xfrm>
-                <a:off x="838199" y="1514901"/>
-                <a:ext cx="7359869" cy="5343099"/>
-              </a:xfrm>
-              <a:blipFill rotWithShape="0">
-                <a:blip r:embed="rId3"/>
-                <a:stretch>
-                  <a:fillRect l="-1076" t="-2626" r="-2070" b="-799"/>
-                </a:stretch>
-              </a:blipFill>
-            </p:spPr>
-            <p:txBody>
-              <a:bodyPr/>
-              <a:lstStyle/>
-              <a:p>
-                <a:r>
-                  <a:rPr lang="pt-BR">
-                    <a:noFill/>
-                  </a:rPr>
-                  <a:t> </a:t>
-                </a:r>
-              </a:p>
-            </p:txBody>
-          </p:sp>
-        </mc:Fallback>
-      </mc:AlternateContent>
-      <mc:AlternateContent xmlns:mc="http://schemas.openxmlformats.org/markup-compatibility/2006" xmlns:a14="http://schemas.microsoft.com/office/drawing/2010/main">
-        <mc:Choice Requires="a14">
-          <p:sp>
-            <p:nvSpPr>
-              <p:cNvPr id="4" name="TextBox 3"/>
-              <p:cNvSpPr txBox="1"/>
-              <p:nvPr/>
-            </p:nvSpPr>
-            <p:spPr>
-              <a:xfrm>
-                <a:off x="8198068" y="3129493"/>
-                <a:ext cx="3877116" cy="987193"/>
-              </a:xfrm>
-              <a:prstGeom prst="rect">
-                <a:avLst/>
-              </a:prstGeom>
-              <a:noFill/>
-            </p:spPr>
-            <p:txBody>
-              <a:bodyPr wrap="square" rtlCol="0">
-                <a:spAutoFit/>
-              </a:bodyPr>
-              <a:lstStyle/>
-              <a:p>
-                <a:pPr/>
-                <a14:m>
-                  <m:oMathPara xmlns:m="http://schemas.openxmlformats.org/officeDocument/2006/math">
-                    <m:oMathParaPr>
-                      <m:jc m:val="center"/>
-                    </m:oMathParaPr>
-                    <m:oMath xmlns:m="http://schemas.openxmlformats.org/officeDocument/2006/math">
-                      <m:r>
-                        <a:rPr lang="pt-BR" b="0" i="1" smtClean="0">
-                          <a:latin typeface="Cambria Math" panose="02040503050406030204" pitchFamily="18" charset="0"/>
-                          <a:ea typeface="Cambria Math" panose="02040503050406030204" pitchFamily="18" charset="0"/>
-                        </a:rPr>
-                        <m:t>𝑦</m:t>
-                      </m:r>
-                      <m:r>
-                        <a:rPr lang="pt-BR" b="0" i="1" smtClean="0">
-                          <a:latin typeface="Cambria Math" panose="02040503050406030204" pitchFamily="18" charset="0"/>
-                          <a:ea typeface="Cambria Math" panose="02040503050406030204" pitchFamily="18" charset="0"/>
-                        </a:rPr>
-                        <m:t>=</m:t>
-                      </m:r>
-                      <m:r>
-                        <a:rPr lang="pt-BR" i="1">
-                          <a:latin typeface="Cambria Math" panose="02040503050406030204" pitchFamily="18" charset="0"/>
-                        </a:rPr>
-                        <m:t>𝑓</m:t>
-                      </m:r>
-                      <m:d>
-                        <m:dPr>
-                          <m:ctrlPr>
-                            <a:rPr lang="pt-BR" i="1">
-                              <a:latin typeface="Cambria Math" panose="02040503050406030204" pitchFamily="18" charset="0"/>
-                            </a:rPr>
-                          </m:ctrlPr>
-                        </m:dPr>
-                        <m:e>
-                          <m:r>
-                            <a:rPr lang="pt-BR" i="1">
-                              <a:latin typeface="Cambria Math" panose="02040503050406030204" pitchFamily="18" charset="0"/>
-                            </a:rPr>
-                            <m:t>𝑔</m:t>
-                          </m:r>
-                          <m:d>
-                            <m:dPr>
-                              <m:ctrlPr>
-                                <a:rPr lang="pt-BR" i="1">
-                                  <a:latin typeface="Cambria Math" panose="02040503050406030204" pitchFamily="18" charset="0"/>
-                                </a:rPr>
-                              </m:ctrlPr>
-                            </m:dPr>
-                            <m:e>
-                              <m:r>
-                                <a:rPr lang="pt-BR" b="1" i="1">
-                                  <a:latin typeface="Cambria Math" panose="02040503050406030204" pitchFamily="18" charset="0"/>
-                                </a:rPr>
-                                <m:t>𝒙</m:t>
-                              </m:r>
-                            </m:e>
-                          </m:d>
-                        </m:e>
-                      </m:d>
-                      <m:r>
-                        <a:rPr lang="pt-BR" b="0" i="1" smtClean="0">
-                          <a:latin typeface="Cambria Math" panose="02040503050406030204" pitchFamily="18" charset="0"/>
-                        </a:rPr>
-                        <m:t>=</m:t>
-                      </m:r>
-                      <m:d>
-                        <m:dPr>
-                          <m:begChr m:val="{"/>
-                          <m:endChr m:val=""/>
-                          <m:ctrlPr>
-                            <a:rPr lang="pt-BR" b="0" i="1" smtClean="0">
-                              <a:latin typeface="Cambria Math" panose="02040503050406030204" pitchFamily="18" charset="0"/>
-                              <a:ea typeface="Cambria Math" panose="02040503050406030204" pitchFamily="18" charset="0"/>
-                            </a:rPr>
-                          </m:ctrlPr>
-                        </m:dPr>
-                        <m:e>
-                          <m:eqArr>
-                            <m:eqArrPr>
-                              <m:ctrlPr>
-                                <a:rPr lang="pt-BR" b="0" i="1" smtClean="0">
-                                  <a:latin typeface="Cambria Math" panose="02040503050406030204" pitchFamily="18" charset="0"/>
-                                  <a:ea typeface="Cambria Math" panose="02040503050406030204" pitchFamily="18" charset="0"/>
-                                </a:rPr>
-                              </m:ctrlPr>
-                            </m:eqArrPr>
-                            <m:e>
-                              <m:r>
-                                <a:rPr lang="pt-BR" b="0" i="1" smtClean="0">
-                                  <a:latin typeface="Cambria Math" panose="02040503050406030204" pitchFamily="18" charset="0"/>
-                                  <a:ea typeface="Cambria Math" panose="02040503050406030204" pitchFamily="18" charset="0"/>
-                                </a:rPr>
-                                <m:t>1, </m:t>
-                              </m:r>
-                              <m:r>
-                                <m:rPr>
-                                  <m:sty m:val="p"/>
-                                </m:rPr>
-                                <a:rPr lang="pt-BR" b="0" i="0" smtClean="0">
-                                  <a:latin typeface="Cambria Math" panose="02040503050406030204" pitchFamily="18" charset="0"/>
-                                  <a:ea typeface="Cambria Math" panose="02040503050406030204" pitchFamily="18" charset="0"/>
-                                </a:rPr>
-                                <m:t>se</m:t>
-                              </m:r>
-                              <m:r>
-                                <a:rPr lang="pt-BR" b="0" i="1" smtClean="0">
-                                  <a:latin typeface="Cambria Math" panose="02040503050406030204" pitchFamily="18" charset="0"/>
-                                  <a:ea typeface="Cambria Math" panose="02040503050406030204" pitchFamily="18" charset="0"/>
-                                </a:rPr>
-                                <m:t> </m:t>
-                              </m:r>
-                              <m:r>
-                                <a:rPr lang="pt-BR" i="1">
-                                  <a:latin typeface="Cambria Math" panose="02040503050406030204" pitchFamily="18" charset="0"/>
-                                </a:rPr>
-                                <m:t>𝑔</m:t>
-                              </m:r>
-                              <m:d>
-                                <m:dPr>
-                                  <m:ctrlPr>
-                                    <a:rPr lang="pt-BR" i="1">
-                                      <a:latin typeface="Cambria Math" panose="02040503050406030204" pitchFamily="18" charset="0"/>
-                                    </a:rPr>
-                                  </m:ctrlPr>
-                                </m:dPr>
-                                <m:e>
-                                  <m:r>
-                                    <a:rPr lang="pt-BR" b="1" i="1">
-                                      <a:latin typeface="Cambria Math" panose="02040503050406030204" pitchFamily="18" charset="0"/>
-                                    </a:rPr>
-                                    <m:t>𝒙</m:t>
-                                  </m:r>
-                                </m:e>
-                              </m:d>
-                              <m:r>
-                                <a:rPr lang="pt-BR" b="1" i="1" smtClean="0">
-                                  <a:latin typeface="Cambria Math" panose="02040503050406030204" pitchFamily="18" charset="0"/>
-                                  <a:ea typeface="Cambria Math" panose="02040503050406030204" pitchFamily="18" charset="0"/>
-                                </a:rPr>
-                                <m:t>≥ </m:t>
-                              </m:r>
-                              <m:r>
-                                <a:rPr lang="pt-BR" b="0" i="1" smtClean="0">
-                                  <a:latin typeface="Cambria Math" panose="02040503050406030204" pitchFamily="18" charset="0"/>
-                                  <a:ea typeface="Cambria Math" panose="02040503050406030204" pitchFamily="18" charset="0"/>
-                                </a:rPr>
-                                <m:t>𝜃</m:t>
-                              </m:r>
-                            </m:e>
-                            <m:e>
-                              <m:r>
-                                <a:rPr lang="pt-BR" b="0" i="1" smtClean="0">
-                                  <a:latin typeface="Cambria Math" panose="02040503050406030204" pitchFamily="18" charset="0"/>
-                                  <a:ea typeface="Cambria Math" panose="02040503050406030204" pitchFamily="18" charset="0"/>
-                                </a:rPr>
-                                <m:t>0,</m:t>
-                              </m:r>
-                              <m:r>
-                                <a:rPr lang="pt-BR" i="1">
-                                  <a:latin typeface="Cambria Math" panose="02040503050406030204" pitchFamily="18" charset="0"/>
-                                  <a:ea typeface="Cambria Math" panose="02040503050406030204" pitchFamily="18" charset="0"/>
-                                </a:rPr>
-                                <m:t> </m:t>
-                              </m:r>
-                              <m:r>
-                                <m:rPr>
-                                  <m:sty m:val="p"/>
-                                </m:rPr>
-                                <a:rPr lang="pt-BR">
-                                  <a:latin typeface="Cambria Math" panose="02040503050406030204" pitchFamily="18" charset="0"/>
-                                  <a:ea typeface="Cambria Math" panose="02040503050406030204" pitchFamily="18" charset="0"/>
-                                </a:rPr>
-                                <m:t>se</m:t>
-                              </m:r>
-                              <m:r>
-                                <a:rPr lang="pt-BR" i="1">
-                                  <a:latin typeface="Cambria Math" panose="02040503050406030204" pitchFamily="18" charset="0"/>
-                                  <a:ea typeface="Cambria Math" panose="02040503050406030204" pitchFamily="18" charset="0"/>
-                                </a:rPr>
-                                <m:t> </m:t>
-                              </m:r>
-                              <m:r>
-                                <a:rPr lang="pt-BR" i="1">
-                                  <a:latin typeface="Cambria Math" panose="02040503050406030204" pitchFamily="18" charset="0"/>
-                                </a:rPr>
-                                <m:t>𝑔</m:t>
-                              </m:r>
-                              <m:d>
-                                <m:dPr>
-                                  <m:ctrlPr>
-                                    <a:rPr lang="pt-BR" i="1">
-                                      <a:latin typeface="Cambria Math" panose="02040503050406030204" pitchFamily="18" charset="0"/>
-                                    </a:rPr>
-                                  </m:ctrlPr>
-                                </m:dPr>
-                                <m:e>
-                                  <m:r>
-                                    <a:rPr lang="pt-BR" b="1" i="1">
-                                      <a:latin typeface="Cambria Math" panose="02040503050406030204" pitchFamily="18" charset="0"/>
-                                    </a:rPr>
-                                    <m:t>𝒙</m:t>
-                                  </m:r>
-                                </m:e>
-                              </m:d>
-                              <m:r>
-                                <a:rPr lang="pt-BR" b="1" i="1" smtClean="0">
-                                  <a:latin typeface="Cambria Math" panose="02040503050406030204" pitchFamily="18" charset="0"/>
-                                  <a:ea typeface="Cambria Math" panose="02040503050406030204" pitchFamily="18" charset="0"/>
-                                </a:rPr>
-                                <m:t>&lt;</m:t>
-                              </m:r>
-                              <m:r>
-                                <a:rPr lang="pt-BR" b="1" i="1">
-                                  <a:latin typeface="Cambria Math" panose="02040503050406030204" pitchFamily="18" charset="0"/>
-                                  <a:ea typeface="Cambria Math" panose="02040503050406030204" pitchFamily="18" charset="0"/>
-                                </a:rPr>
-                                <m:t> </m:t>
-                              </m:r>
-                              <m:r>
-                                <a:rPr lang="pt-BR" i="1">
-                                  <a:latin typeface="Cambria Math" panose="02040503050406030204" pitchFamily="18" charset="0"/>
-                                  <a:ea typeface="Cambria Math" panose="02040503050406030204" pitchFamily="18" charset="0"/>
-                                </a:rPr>
-                                <m:t>𝜃</m:t>
-                              </m:r>
-                            </m:e>
-                          </m:eqArr>
-                        </m:e>
-                      </m:d>
-                    </m:oMath>
-                  </m:oMathPara>
-                </a14:m>
-                <a:endParaRPr lang="pt-BR" dirty="0"/>
-              </a:p>
-              <a:p>
-                <a:r>
-                  <a:rPr lang="pt-BR" dirty="0"/>
-                  <a:t>onde </a:t>
-                </a:r>
-                <a14:m>
-                  <m:oMath xmlns:m="http://schemas.openxmlformats.org/officeDocument/2006/math">
-                    <m:r>
-                      <a:rPr lang="pt-BR" i="1">
-                        <a:latin typeface="Cambria Math" panose="02040503050406030204" pitchFamily="18" charset="0"/>
-                        <a:ea typeface="Cambria Math" panose="02040503050406030204" pitchFamily="18" charset="0"/>
-                      </a:rPr>
-                      <m:t>𝜃</m:t>
-                    </m:r>
-                  </m:oMath>
-                </a14:m>
-                <a:r>
-                  <a:rPr lang="pt-BR" dirty="0"/>
-                  <a:t> é o </a:t>
-                </a:r>
-                <a:r>
-                  <a:rPr lang="pt-BR" b="1" i="1" dirty="0"/>
-                  <a:t>limiar de ativação</a:t>
-                </a:r>
-                <a:r>
-                  <a:rPr lang="pt-BR" dirty="0"/>
-                  <a:t>.</a:t>
-                </a:r>
-              </a:p>
-            </p:txBody>
-          </p:sp>
-        </mc:Choice>
-        <mc:Fallback xmlns="">
-          <p:sp>
-            <p:nvSpPr>
-              <p:cNvPr id="4" name="TextBox 3"/>
-              <p:cNvSpPr txBox="1">
-                <a:spLocks noRot="1" noChangeAspect="1" noMove="1" noResize="1" noEditPoints="1" noAdjustHandles="1" noChangeArrowheads="1" noChangeShapeType="1" noTextEdit="1"/>
-              </p:cNvSpPr>
-              <p:nvPr/>
-            </p:nvSpPr>
-            <p:spPr>
-              <a:xfrm>
-                <a:off x="8198068" y="3129493"/>
-                <a:ext cx="3877116" cy="987193"/>
-              </a:xfrm>
-              <a:prstGeom prst="rect">
-                <a:avLst/>
-              </a:prstGeom>
-              <a:blipFill rotWithShape="0">
-                <a:blip r:embed="rId4"/>
-                <a:stretch>
-                  <a:fillRect l="-1415" b="-9259"/>
-                </a:stretch>
-              </a:blipFill>
-            </p:spPr>
-            <p:txBody>
-              <a:bodyPr/>
-              <a:lstStyle/>
-              <a:p>
-                <a:r>
-                  <a:rPr lang="pt-BR">
-                    <a:noFill/>
-                  </a:rPr>
-                  <a:t> </a:t>
-                </a:r>
-              </a:p>
-            </p:txBody>
-          </p:sp>
-        </mc:Fallback>
-      </mc:AlternateContent>
-      <p:pic>
-        <p:nvPicPr>
-          <p:cNvPr id="3" name="Picture 2"/>
-          <p:cNvPicPr>
-            <a:picLocks noChangeAspect="1"/>
-          </p:cNvPicPr>
-          <p:nvPr/>
-        </p:nvPicPr>
-        <p:blipFill>
-          <a:blip r:embed="rId5">
-            <a:extLst>
-              <a:ext uri="{28A0092B-C50C-407E-A947-70E740481C1C}">
-                <a14:useLocalDpi xmlns:a14="http://schemas.microsoft.com/office/drawing/2010/main" val="0"/>
-              </a:ext>
-            </a:extLst>
-          </a:blip>
-          <a:stretch>
-            <a:fillRect/>
-          </a:stretch>
-        </p:blipFill>
-        <p:spPr>
-          <a:xfrm>
-            <a:off x="7839322" y="1091282"/>
-            <a:ext cx="4433322" cy="1519996"/>
-          </a:xfrm>
-          <a:prstGeom prst="rect">
-            <a:avLst/>
-          </a:prstGeom>
-        </p:spPr>
-      </p:pic>
-      <p:pic>
-        <p:nvPicPr>
-          <p:cNvPr id="6" name="Picture 5"/>
-          <p:cNvPicPr>
-            <a:picLocks noChangeAspect="1"/>
-          </p:cNvPicPr>
-          <p:nvPr/>
-        </p:nvPicPr>
-        <p:blipFill>
-          <a:blip r:embed="rId6">
-            <a:extLst>
-              <a:ext uri="{28A0092B-C50C-407E-A947-70E740481C1C}">
-                <a14:useLocalDpi xmlns:a14="http://schemas.microsoft.com/office/drawing/2010/main" val="0"/>
-              </a:ext>
-            </a:extLst>
-          </a:blip>
-          <a:stretch>
-            <a:fillRect/>
-          </a:stretch>
-        </p:blipFill>
-        <p:spPr>
-          <a:xfrm>
-            <a:off x="7978373" y="4760736"/>
-            <a:ext cx="3993932" cy="1969823"/>
-          </a:xfrm>
-          <a:prstGeom prst="rect">
-            <a:avLst/>
-          </a:prstGeom>
-        </p:spPr>
-      </p:pic>
-      <p:sp>
-        <p:nvSpPr>
-          <p:cNvPr id="7" name="Rectangle 6"/>
-          <p:cNvSpPr/>
-          <p:nvPr/>
-        </p:nvSpPr>
-        <p:spPr>
-          <a:xfrm>
-            <a:off x="9914113" y="5209611"/>
-            <a:ext cx="2058192" cy="369332"/>
-          </a:xfrm>
-          <a:prstGeom prst="rect">
-            <a:avLst/>
-          </a:prstGeom>
-        </p:spPr>
-        <p:txBody>
-          <a:bodyPr wrap="none">
-            <a:spAutoFit/>
-          </a:bodyPr>
-          <a:lstStyle/>
-          <a:p>
-            <a:r>
-              <a:rPr lang="pt-BR" b="1" i="1" dirty="0"/>
-              <a:t>função de ativação </a:t>
-            </a:r>
-            <a:endParaRPr lang="pt-BR" dirty="0"/>
-          </a:p>
-        </p:txBody>
-      </p:sp>
-    </p:spTree>
-    <p:extLst>
-      <p:ext uri="{BB962C8B-B14F-4D97-AF65-F5344CB8AC3E}">
-        <p14:creationId xmlns:p14="http://schemas.microsoft.com/office/powerpoint/2010/main" val="3075636454"/>
       </p:ext>
     </p:extLst>
   </p:cSld>

--- a/slides/T320_Redes_Neurais_Artificiais (Parte I).pptx
+++ b/slides/T320_Redes_Neurais_Artificiais (Parte I).pptx
@@ -5,7 +5,7 @@
     <p:sldMasterId id="2147483648" r:id="rId1"/>
   </p:sldMasterIdLst>
   <p:notesMasterIdLst>
-    <p:notesMasterId r:id="rId33"/>
+    <p:notesMasterId r:id="rId35"/>
   </p:notesMasterIdLst>
   <p:sldIdLst>
     <p:sldId id="300" r:id="rId2"/>
@@ -23,22 +23,24 @@
     <p:sldId id="285" r:id="rId14"/>
     <p:sldId id="295" r:id="rId15"/>
     <p:sldId id="282" r:id="rId16"/>
-    <p:sldId id="296" r:id="rId17"/>
-    <p:sldId id="304" r:id="rId18"/>
-    <p:sldId id="301" r:id="rId19"/>
-    <p:sldId id="269" r:id="rId20"/>
-    <p:sldId id="265" r:id="rId21"/>
-    <p:sldId id="271" r:id="rId22"/>
-    <p:sldId id="281" r:id="rId23"/>
-    <p:sldId id="280" r:id="rId24"/>
-    <p:sldId id="274" r:id="rId25"/>
-    <p:sldId id="287" r:id="rId26"/>
-    <p:sldId id="278" r:id="rId27"/>
-    <p:sldId id="291" r:id="rId28"/>
-    <p:sldId id="298" r:id="rId29"/>
-    <p:sldId id="305" r:id="rId30"/>
-    <p:sldId id="306" r:id="rId31"/>
-    <p:sldId id="307" r:id="rId32"/>
+    <p:sldId id="304" r:id="rId17"/>
+    <p:sldId id="296" r:id="rId18"/>
+    <p:sldId id="310" r:id="rId19"/>
+    <p:sldId id="301" r:id="rId20"/>
+    <p:sldId id="269" r:id="rId21"/>
+    <p:sldId id="265" r:id="rId22"/>
+    <p:sldId id="271" r:id="rId23"/>
+    <p:sldId id="281" r:id="rId24"/>
+    <p:sldId id="280" r:id="rId25"/>
+    <p:sldId id="274" r:id="rId26"/>
+    <p:sldId id="287" r:id="rId27"/>
+    <p:sldId id="278" r:id="rId28"/>
+    <p:sldId id="291" r:id="rId29"/>
+    <p:sldId id="298" r:id="rId30"/>
+    <p:sldId id="305" r:id="rId31"/>
+    <p:sldId id="306" r:id="rId32"/>
+    <p:sldId id="307" r:id="rId33"/>
+    <p:sldId id="311" r:id="rId34"/>
   </p:sldIdLst>
   <p:sldSz cx="12192000" cy="6858000"/>
   <p:notesSz cx="6858000" cy="9144000"/>
@@ -264,7 +266,7 @@
           <a:p>
             <a:fld id="{C3C82C08-3EFC-4473-8294-F0E229C19EFF}" type="datetimeFigureOut">
               <a:rPr lang="pt-BR" smtClean="0"/>
-              <a:t>22/10/2021</a:t>
+              <a:t>29/10/2021</a:t>
             </a:fld>
             <a:endParaRPr lang="pt-BR"/>
           </a:p>
@@ -5345,6 +5347,452 @@
         </p:nvSpPr>
         <p:spPr/>
       </p:sp>
+      <mc:AlternateContent xmlns:mc="http://schemas.openxmlformats.org/markup-compatibility/2006" xmlns:a14="http://schemas.microsoft.com/office/drawing/2010/main">
+        <mc:Choice Requires="a14">
+          <p:sp>
+            <p:nvSpPr>
+              <p:cNvPr id="3" name="Notes Placeholder 2"/>
+              <p:cNvSpPr>
+                <a:spLocks noGrp="1"/>
+              </p:cNvSpPr>
+              <p:nvPr>
+                <p:ph type="body" idx="1"/>
+              </p:nvPr>
+            </p:nvSpPr>
+            <p:spPr/>
+            <p:txBody>
+              <a:bodyPr/>
+              <a:lstStyle/>
+              <a:p>
+                <a:r>
+                  <a:rPr lang="pt-BR" dirty="0" smtClean="0"/>
+                  <a:t>Exemplo:</a:t>
+                </a:r>
+                <a:r>
+                  <a:rPr lang="pt-BR" baseline="0" dirty="0" smtClean="0"/>
+                  <a:t> </a:t>
+                </a:r>
+                <a:r>
+                  <a:rPr lang="pt-BR" dirty="0" smtClean="0"/>
+                  <a:t>https://colab.research.google.com/github/zz4fap/t320_aprendizado_de_maquina/blob/main/notebooks/perceptron/perceptron_xor_problem.ipynb</a:t>
+                </a:r>
+              </a:p>
+              <a:p>
+                <a:endParaRPr lang="pt-BR" dirty="0" smtClean="0"/>
+              </a:p>
+              <a:p>
+                <a:r>
+                  <a:rPr lang="pt-BR" dirty="0" smtClean="0"/>
+                  <a:t>Perceba que a </a:t>
+                </a:r>
+                <a:r>
+                  <a:rPr lang="pt-BR" b="1" i="1" dirty="0"/>
+                  <a:t>equação de adaptação dos</a:t>
+                </a:r>
+                <a:r>
+                  <a:rPr lang="pt-BR" dirty="0"/>
+                  <a:t> </a:t>
+                </a:r>
+                <a:r>
+                  <a:rPr lang="pt-BR" b="1" i="1" dirty="0"/>
+                  <a:t>pesos sinápticos </a:t>
+                </a:r>
+                <a:r>
+                  <a:rPr lang="pt-BR" b="0" i="0" dirty="0"/>
+                  <a:t>é idêntica à equação de atualização que encontramos para regressores lineares.</a:t>
+                </a:r>
+              </a:p>
+              <a:p>
+                <a:endParaRPr lang="pt-BR" b="0" i="0" dirty="0"/>
+              </a:p>
+              <a:p>
+                <a:r>
+                  <a:rPr lang="pt-BR" b="0" i="0" dirty="0"/>
+                  <a:t>Como ambos, o rótulo d e o valor de saída do perceptron y, assumes</a:t>
+                </a:r>
+                <a:r>
+                  <a:rPr lang="pt-BR" b="0" i="0" baseline="0" dirty="0"/>
+                  <a:t> apenas 2 valores, 0 ou 1, existem apenas 3 possibilidades para a equação de atualização dos pesos:</a:t>
+                </a:r>
+              </a:p>
+              <a:p>
+                <a:pPr marL="685800" lvl="1" indent="-228600">
+                  <a:buFont typeface="+mj-lt"/>
+                  <a:buAutoNum type="arabicPeriod"/>
+                </a:pPr>
+                <a:r>
+                  <a:rPr lang="pt-BR" b="0" i="0" baseline="0" dirty="0"/>
+                  <a:t>Se a saída for correta, i.e., d=y, então os pesos não são atualizados.</a:t>
+                </a:r>
+              </a:p>
+              <a:p>
+                <a:pPr marL="685800" lvl="1" indent="-228600">
+                  <a:buFont typeface="+mj-lt"/>
+                  <a:buAutoNum type="arabicPeriod"/>
+                </a:pPr>
+                <a:r>
+                  <a:rPr lang="pt-BR" b="0" i="0" baseline="0" dirty="0"/>
+                  <a:t>Se d = 1 mas y=0, então o valor do peso é aumentado caso a entrada correspondente, xi, seja positiva e diminuído caso xi seja negativo. Isso faz sentido pois nós queremos que o valor de </a:t>
+                </a:r>
+                <a14:m>
+                  <m:oMath xmlns:m="http://schemas.openxmlformats.org/officeDocument/2006/math">
+                    <m:sSup>
+                      <m:sSupPr>
+                        <m:ctrlPr>
+                          <a:rPr lang="pt-BR" i="1" smtClean="0">
+                            <a:latin typeface="Cambria Math" panose="02040503050406030204" pitchFamily="18" charset="0"/>
+                          </a:rPr>
+                        </m:ctrlPr>
+                      </m:sSupPr>
+                      <m:e>
+                        <m:r>
+                          <a:rPr lang="pt-BR" b="1" i="1">
+                            <a:latin typeface="Cambria Math" panose="02040503050406030204" pitchFamily="18" charset="0"/>
+                          </a:rPr>
+                          <m:t>𝒘</m:t>
+                        </m:r>
+                      </m:e>
+                      <m:sup>
+                        <m:r>
+                          <a:rPr lang="pt-BR" i="1">
+                            <a:latin typeface="Cambria Math" panose="02040503050406030204" pitchFamily="18" charset="0"/>
+                          </a:rPr>
+                          <m:t>𝑇</m:t>
+                        </m:r>
+                      </m:sup>
+                    </m:sSup>
+                    <m:r>
+                      <a:rPr lang="pt-BR" b="1" i="1">
+                        <a:latin typeface="Cambria Math" panose="02040503050406030204" pitchFamily="18" charset="0"/>
+                      </a:rPr>
+                      <m:t>𝒙</m:t>
+                    </m:r>
+                  </m:oMath>
+                </a14:m>
+                <a:r>
+                  <a:rPr lang="pt-BR" dirty="0"/>
+                  <a:t> aumente tal</a:t>
+                </a:r>
+                <a:r>
+                  <a:rPr lang="pt-BR" baseline="0" dirty="0"/>
+                  <a:t> que y se torne 1.</a:t>
+                </a:r>
+              </a:p>
+              <a:p>
+                <a:pPr marL="685800" marR="0" lvl="1" indent="-228600" algn="l" defTabSz="914400" rtl="0" eaLnBrk="1" fontAlgn="auto" latinLnBrk="0" hangingPunct="1">
+                  <a:lnSpc>
+                    <a:spcPct val="100000"/>
+                  </a:lnSpc>
+                  <a:spcBef>
+                    <a:spcPts val="0"/>
+                  </a:spcBef>
+                  <a:spcAft>
+                    <a:spcPts val="0"/>
+                  </a:spcAft>
+                  <a:buClrTx/>
+                  <a:buSzTx/>
+                  <a:buFont typeface="+mj-lt"/>
+                  <a:buAutoNum type="arabicPeriod"/>
+                  <a:tabLst/>
+                  <a:defRPr/>
+                </a:pPr>
+                <a:r>
+                  <a:rPr lang="pt-BR" b="0" i="0" baseline="0" dirty="0"/>
+                  <a:t>Se d = 0 mas y=1, então o valor do peso é diminuido caso a entrada correspondente, xi, seja positiva e aumentado caso xi seja negativo. Isso faz sentido pois nós queremos que o valor de </a:t>
+                </a:r>
+                <a14:m>
+                  <m:oMath xmlns:m="http://schemas.openxmlformats.org/officeDocument/2006/math">
+                    <m:sSup>
+                      <m:sSupPr>
+                        <m:ctrlPr>
+                          <a:rPr lang="pt-BR" i="1" smtClean="0">
+                            <a:latin typeface="Cambria Math" panose="02040503050406030204" pitchFamily="18" charset="0"/>
+                          </a:rPr>
+                        </m:ctrlPr>
+                      </m:sSupPr>
+                      <m:e>
+                        <m:r>
+                          <a:rPr lang="pt-BR" b="1" i="1">
+                            <a:latin typeface="Cambria Math" panose="02040503050406030204" pitchFamily="18" charset="0"/>
+                          </a:rPr>
+                          <m:t>𝒘</m:t>
+                        </m:r>
+                      </m:e>
+                      <m:sup>
+                        <m:r>
+                          <a:rPr lang="pt-BR" i="1">
+                            <a:latin typeface="Cambria Math" panose="02040503050406030204" pitchFamily="18" charset="0"/>
+                          </a:rPr>
+                          <m:t>𝑇</m:t>
+                        </m:r>
+                      </m:sup>
+                    </m:sSup>
+                    <m:r>
+                      <a:rPr lang="pt-BR" b="1" i="1">
+                        <a:latin typeface="Cambria Math" panose="02040503050406030204" pitchFamily="18" charset="0"/>
+                      </a:rPr>
+                      <m:t>𝒙</m:t>
+                    </m:r>
+                  </m:oMath>
+                </a14:m>
+                <a:r>
+                  <a:rPr lang="pt-BR" dirty="0"/>
+                  <a:t> diminua tal</a:t>
+                </a:r>
+                <a:r>
+                  <a:rPr lang="pt-BR" baseline="0" dirty="0"/>
+                  <a:t> que y se torne 0.</a:t>
+                </a:r>
+              </a:p>
+              <a:p>
+                <a:pPr marL="457200" lvl="1" indent="0">
+                  <a:buFont typeface="+mj-lt"/>
+                  <a:buNone/>
+                </a:pPr>
+                <a:endParaRPr lang="pt-BR" dirty="0"/>
+              </a:p>
+              <a:p>
+                <a:endParaRPr lang="pt-BR" dirty="0"/>
+              </a:p>
+            </p:txBody>
+          </p:sp>
+        </mc:Choice>
+        <mc:Fallback xmlns="">
+          <p:sp>
+            <p:nvSpPr>
+              <p:cNvPr id="3" name="Notes Placeholder 2"/>
+              <p:cNvSpPr>
+                <a:spLocks noGrp="1"/>
+              </p:cNvSpPr>
+              <p:nvPr>
+                <p:ph type="body" idx="1"/>
+              </p:nvPr>
+            </p:nvSpPr>
+            <p:spPr/>
+            <p:txBody>
+              <a:bodyPr/>
+              <a:lstStyle/>
+              <a:p>
+                <a:r>
+                  <a:rPr lang="pt-BR" dirty="0" smtClean="0"/>
+                  <a:t>Perceba que a </a:t>
+                </a:r>
+                <a:r>
+                  <a:rPr lang="pt-BR" b="1" i="1" dirty="0"/>
+                  <a:t>equação de adaptação dos</a:t>
+                </a:r>
+                <a:r>
+                  <a:rPr lang="pt-BR" dirty="0"/>
+                  <a:t> </a:t>
+                </a:r>
+                <a:r>
+                  <a:rPr lang="pt-BR" b="1" i="1" dirty="0"/>
+                  <a:t>pesos sinápticos </a:t>
+                </a:r>
+                <a:r>
+                  <a:rPr lang="pt-BR" b="0" i="0" dirty="0"/>
+                  <a:t>é idêntica à equação de atualização que encontramos para regressores lineares.</a:t>
+                </a:r>
+              </a:p>
+              <a:p>
+                <a:endParaRPr lang="pt-BR" b="0" i="0" dirty="0"/>
+              </a:p>
+              <a:p>
+                <a:r>
+                  <a:rPr lang="pt-BR" b="0" i="0" dirty="0"/>
+                  <a:t>Como ambos, o rótulo d e o valor de saída do perceptron y, assumes</a:t>
+                </a:r>
+                <a:r>
+                  <a:rPr lang="pt-BR" b="0" i="0" baseline="0" dirty="0"/>
+                  <a:t> apenas 2 valores, 0 ou 1, existem apenas 3 possibilidades para a equação de atualização dos pesos:</a:t>
+                </a:r>
+              </a:p>
+              <a:p>
+                <a:pPr marL="685800" lvl="1" indent="-228600">
+                  <a:buFont typeface="+mj-lt"/>
+                  <a:buAutoNum type="arabicPeriod"/>
+                </a:pPr>
+                <a:r>
+                  <a:rPr lang="pt-BR" b="0" i="0" baseline="0" dirty="0"/>
+                  <a:t>Se a saída for correta, i.e., d=y, então os pesos não são atualizados.</a:t>
+                </a:r>
+              </a:p>
+              <a:p>
+                <a:pPr marL="685800" lvl="1" indent="-228600">
+                  <a:buFont typeface="+mj-lt"/>
+                  <a:buAutoNum type="arabicPeriod"/>
+                </a:pPr>
+                <a:r>
+                  <a:rPr lang="pt-BR" b="0" i="0" baseline="0" dirty="0"/>
+                  <a:t>Se d = 1 mas y=0, então o valor do peso é aumentado caso a entrada correspondente, xi, seja positiva e diminuído caso xi seja negativo. Isso faz sentido pois nós queremos que o valor de </a:t>
+                </a:r>
+                <a:r>
+                  <a:rPr lang="pt-BR" b="1" i="0">
+                    <a:latin typeface="Cambria Math" panose="02040503050406030204" pitchFamily="18" charset="0"/>
+                  </a:rPr>
+                  <a:t>𝒘</a:t>
+                </a:r>
+                <a:r>
+                  <a:rPr lang="pt-BR" b="1" i="0" smtClean="0">
+                    <a:latin typeface="Cambria Math" panose="02040503050406030204" pitchFamily="18" charset="0"/>
+                  </a:rPr>
+                  <a:t>^</a:t>
+                </a:r>
+                <a:r>
+                  <a:rPr lang="pt-BR" i="0">
+                    <a:latin typeface="Cambria Math" panose="02040503050406030204" pitchFamily="18" charset="0"/>
+                  </a:rPr>
+                  <a:t>𝑇</a:t>
+                </a:r>
+                <a:r>
+                  <a:rPr lang="pt-BR" b="1" i="0">
+                    <a:latin typeface="Cambria Math" panose="02040503050406030204" pitchFamily="18" charset="0"/>
+                  </a:rPr>
+                  <a:t> 𝒙</a:t>
+                </a:r>
+                <a:r>
+                  <a:rPr lang="pt-BR" dirty="0"/>
+                  <a:t> aumente tal</a:t>
+                </a:r>
+                <a:r>
+                  <a:rPr lang="pt-BR" baseline="0" dirty="0"/>
+                  <a:t> que y se torne 1.</a:t>
+                </a:r>
+              </a:p>
+              <a:p>
+                <a:pPr marL="685800" marR="0" lvl="1" indent="-228600" algn="l" defTabSz="914400" rtl="0" eaLnBrk="1" fontAlgn="auto" latinLnBrk="0" hangingPunct="1">
+                  <a:lnSpc>
+                    <a:spcPct val="100000"/>
+                  </a:lnSpc>
+                  <a:spcBef>
+                    <a:spcPts val="0"/>
+                  </a:spcBef>
+                  <a:spcAft>
+                    <a:spcPts val="0"/>
+                  </a:spcAft>
+                  <a:buClrTx/>
+                  <a:buSzTx/>
+                  <a:buFont typeface="+mj-lt"/>
+                  <a:buAutoNum type="arabicPeriod"/>
+                  <a:tabLst/>
+                  <a:defRPr/>
+                </a:pPr>
+                <a:r>
+                  <a:rPr lang="pt-BR" b="0" i="0" baseline="0" dirty="0"/>
+                  <a:t>Se d = 0 mas y=1, então o valor do peso é diminuido caso a entrada correspondente, xi, seja positiva e aumentado caso xi seja negativo. Isso faz sentido pois nós queremos que o valor de </a:t>
+                </a:r>
+                <a:r>
+                  <a:rPr lang="pt-BR" b="1" i="0">
+                    <a:latin typeface="Cambria Math" panose="02040503050406030204" pitchFamily="18" charset="0"/>
+                  </a:rPr>
+                  <a:t>𝒘</a:t>
+                </a:r>
+                <a:r>
+                  <a:rPr lang="pt-BR" b="1" i="0" smtClean="0">
+                    <a:latin typeface="Cambria Math" panose="02040503050406030204" pitchFamily="18" charset="0"/>
+                  </a:rPr>
+                  <a:t>^</a:t>
+                </a:r>
+                <a:r>
+                  <a:rPr lang="pt-BR" i="0">
+                    <a:latin typeface="Cambria Math" panose="02040503050406030204" pitchFamily="18" charset="0"/>
+                  </a:rPr>
+                  <a:t>𝑇</a:t>
+                </a:r>
+                <a:r>
+                  <a:rPr lang="pt-BR" b="1" i="0">
+                    <a:latin typeface="Cambria Math" panose="02040503050406030204" pitchFamily="18" charset="0"/>
+                  </a:rPr>
+                  <a:t> 𝒙</a:t>
+                </a:r>
+                <a:r>
+                  <a:rPr lang="pt-BR" dirty="0"/>
+                  <a:t> diminua tal</a:t>
+                </a:r>
+                <a:r>
+                  <a:rPr lang="pt-BR" baseline="0" dirty="0"/>
+                  <a:t> que y se torne 0.</a:t>
+                </a:r>
+              </a:p>
+              <a:p>
+                <a:pPr marL="457200" lvl="1" indent="0">
+                  <a:buFont typeface="+mj-lt"/>
+                  <a:buNone/>
+                </a:pPr>
+                <a:endParaRPr lang="pt-BR" dirty="0"/>
+              </a:p>
+              <a:p>
+                <a:endParaRPr lang="pt-BR" dirty="0"/>
+              </a:p>
+            </p:txBody>
+          </p:sp>
+        </mc:Fallback>
+      </mc:AlternateContent>
+      <p:sp>
+        <p:nvSpPr>
+          <p:cNvPr id="4" name="Slide Number Placeholder 3"/>
+          <p:cNvSpPr>
+            <a:spLocks noGrp="1"/>
+          </p:cNvSpPr>
+          <p:nvPr>
+            <p:ph type="sldNum" sz="quarter" idx="10"/>
+          </p:nvPr>
+        </p:nvSpPr>
+        <p:spPr/>
+        <p:txBody>
+          <a:bodyPr/>
+          <a:lstStyle/>
+          <a:p>
+            <a:fld id="{F430A2A4-8C14-4B1A-AD48-7B6401078BF7}" type="slidenum">
+              <a:rPr lang="pt-BR" smtClean="0"/>
+              <a:t>16</a:t>
+            </a:fld>
+            <a:endParaRPr lang="pt-BR"/>
+          </a:p>
+        </p:txBody>
+      </p:sp>
+    </p:spTree>
+    <p:extLst>
+      <p:ext uri="{BB962C8B-B14F-4D97-AF65-F5344CB8AC3E}">
+        <p14:creationId xmlns:p14="http://schemas.microsoft.com/office/powerpoint/2010/main" val="864248039"/>
+      </p:ext>
+    </p:extLst>
+  </p:cSld>
+  <p:clrMapOvr>
+    <a:masterClrMapping/>
+  </p:clrMapOvr>
+</p:notes>
+</file>
+
+<file path=ppt/notesSlides/notesSlide15.xml><?xml version="1.0" encoding="utf-8"?>
+<p:notes xmlns:a="http://schemas.openxmlformats.org/drawingml/2006/main" xmlns:r="http://schemas.openxmlformats.org/officeDocument/2006/relationships" xmlns:p="http://schemas.openxmlformats.org/presentationml/2006/main">
+  <p:cSld>
+    <p:spTree>
+      <p:nvGrpSpPr>
+        <p:cNvPr id="1" name=""/>
+        <p:cNvGrpSpPr/>
+        <p:nvPr/>
+      </p:nvGrpSpPr>
+      <p:grpSpPr>
+        <a:xfrm>
+          <a:off x="0" y="0"/>
+          <a:ext cx="0" cy="0"/>
+          <a:chOff x="0" y="0"/>
+          <a:chExt cx="0" cy="0"/>
+        </a:xfrm>
+      </p:grpSpPr>
+      <p:sp>
+        <p:nvSpPr>
+          <p:cNvPr id="2" name="Slide Image Placeholder 1"/>
+          <p:cNvSpPr>
+            <a:spLocks noGrp="1" noRot="1" noChangeAspect="1"/>
+          </p:cNvSpPr>
+          <p:nvPr>
+            <p:ph type="sldImg"/>
+          </p:nvPr>
+        </p:nvSpPr>
+        <p:spPr/>
+      </p:sp>
       <p:sp>
         <p:nvSpPr>
           <p:cNvPr id="3" name="Notes Placeholder 2"/>
@@ -5503,7 +5951,7 @@
           <a:p>
             <a:fld id="{F430A2A4-8C14-4B1A-AD48-7B6401078BF7}" type="slidenum">
               <a:rPr lang="pt-BR" smtClean="0"/>
-              <a:t>16</a:t>
+              <a:t>17</a:t>
             </a:fld>
             <a:endParaRPr lang="pt-BR"/>
           </a:p>
@@ -5513,452 +5961,6 @@
     <p:extLst>
       <p:ext uri="{BB962C8B-B14F-4D97-AF65-F5344CB8AC3E}">
         <p14:creationId xmlns:p14="http://schemas.microsoft.com/office/powerpoint/2010/main" val="898731802"/>
-      </p:ext>
-    </p:extLst>
-  </p:cSld>
-  <p:clrMapOvr>
-    <a:masterClrMapping/>
-  </p:clrMapOvr>
-</p:notes>
-</file>
-
-<file path=ppt/notesSlides/notesSlide15.xml><?xml version="1.0" encoding="utf-8"?>
-<p:notes xmlns:a="http://schemas.openxmlformats.org/drawingml/2006/main" xmlns:r="http://schemas.openxmlformats.org/officeDocument/2006/relationships" xmlns:p="http://schemas.openxmlformats.org/presentationml/2006/main">
-  <p:cSld>
-    <p:spTree>
-      <p:nvGrpSpPr>
-        <p:cNvPr id="1" name=""/>
-        <p:cNvGrpSpPr/>
-        <p:nvPr/>
-      </p:nvGrpSpPr>
-      <p:grpSpPr>
-        <a:xfrm>
-          <a:off x="0" y="0"/>
-          <a:ext cx="0" cy="0"/>
-          <a:chOff x="0" y="0"/>
-          <a:chExt cx="0" cy="0"/>
-        </a:xfrm>
-      </p:grpSpPr>
-      <p:sp>
-        <p:nvSpPr>
-          <p:cNvPr id="2" name="Slide Image Placeholder 1"/>
-          <p:cNvSpPr>
-            <a:spLocks noGrp="1" noRot="1" noChangeAspect="1"/>
-          </p:cNvSpPr>
-          <p:nvPr>
-            <p:ph type="sldImg"/>
-          </p:nvPr>
-        </p:nvSpPr>
-        <p:spPr/>
-      </p:sp>
-      <mc:AlternateContent xmlns:mc="http://schemas.openxmlformats.org/markup-compatibility/2006" xmlns:a14="http://schemas.microsoft.com/office/drawing/2010/main">
-        <mc:Choice Requires="a14">
-          <p:sp>
-            <p:nvSpPr>
-              <p:cNvPr id="3" name="Notes Placeholder 2"/>
-              <p:cNvSpPr>
-                <a:spLocks noGrp="1"/>
-              </p:cNvSpPr>
-              <p:nvPr>
-                <p:ph type="body" idx="1"/>
-              </p:nvPr>
-            </p:nvSpPr>
-            <p:spPr/>
-            <p:txBody>
-              <a:bodyPr/>
-              <a:lstStyle/>
-              <a:p>
-                <a:r>
-                  <a:rPr lang="pt-BR" dirty="0" smtClean="0"/>
-                  <a:t>Exemplo:</a:t>
-                </a:r>
-                <a:r>
-                  <a:rPr lang="pt-BR" baseline="0" dirty="0" smtClean="0"/>
-                  <a:t> </a:t>
-                </a:r>
-                <a:r>
-                  <a:rPr lang="pt-BR" dirty="0" smtClean="0"/>
-                  <a:t>https://colab.research.google.com/github/zz4fap/t320_aprendizado_de_maquina/blob/main/notebooks/perceptron/perceptron_xor_problem.ipynb</a:t>
-                </a:r>
-              </a:p>
-              <a:p>
-                <a:endParaRPr lang="pt-BR" dirty="0" smtClean="0"/>
-              </a:p>
-              <a:p>
-                <a:r>
-                  <a:rPr lang="pt-BR" dirty="0" smtClean="0"/>
-                  <a:t>Perceba que a </a:t>
-                </a:r>
-                <a:r>
-                  <a:rPr lang="pt-BR" b="1" i="1" dirty="0"/>
-                  <a:t>equação de adaptação dos</a:t>
-                </a:r>
-                <a:r>
-                  <a:rPr lang="pt-BR" dirty="0"/>
-                  <a:t> </a:t>
-                </a:r>
-                <a:r>
-                  <a:rPr lang="pt-BR" b="1" i="1" dirty="0"/>
-                  <a:t>pesos sinápticos </a:t>
-                </a:r>
-                <a:r>
-                  <a:rPr lang="pt-BR" b="0" i="0" dirty="0"/>
-                  <a:t>é idêntica à equação de atualização que encontramos para regressores lineares.</a:t>
-                </a:r>
-              </a:p>
-              <a:p>
-                <a:endParaRPr lang="pt-BR" b="0" i="0" dirty="0"/>
-              </a:p>
-              <a:p>
-                <a:r>
-                  <a:rPr lang="pt-BR" b="0" i="0" dirty="0"/>
-                  <a:t>Como ambos, o rótulo d e o valor de saída do perceptron y, assumes</a:t>
-                </a:r>
-                <a:r>
-                  <a:rPr lang="pt-BR" b="0" i="0" baseline="0" dirty="0"/>
-                  <a:t> apenas 2 valores, 0 ou 1, existem apenas 3 possibilidades para a equação de atualização dos pesos:</a:t>
-                </a:r>
-              </a:p>
-              <a:p>
-                <a:pPr marL="685800" lvl="1" indent="-228600">
-                  <a:buFont typeface="+mj-lt"/>
-                  <a:buAutoNum type="arabicPeriod"/>
-                </a:pPr>
-                <a:r>
-                  <a:rPr lang="pt-BR" b="0" i="0" baseline="0" dirty="0"/>
-                  <a:t>Se a saída for correta, i.e., d=y, então os pesos não são atualizados.</a:t>
-                </a:r>
-              </a:p>
-              <a:p>
-                <a:pPr marL="685800" lvl="1" indent="-228600">
-                  <a:buFont typeface="+mj-lt"/>
-                  <a:buAutoNum type="arabicPeriod"/>
-                </a:pPr>
-                <a:r>
-                  <a:rPr lang="pt-BR" b="0" i="0" baseline="0" dirty="0"/>
-                  <a:t>Se d = 1 mas y=0, então o valor do peso é aumentado caso a entrada correspondente, xi, seja positiva e diminuído caso xi seja negativo. Isso faz sentido pois nós queremos que o valor de </a:t>
-                </a:r>
-                <a14:m>
-                  <m:oMath xmlns:m="http://schemas.openxmlformats.org/officeDocument/2006/math">
-                    <m:sSup>
-                      <m:sSupPr>
-                        <m:ctrlPr>
-                          <a:rPr lang="pt-BR" i="1" smtClean="0">
-                            <a:latin typeface="Cambria Math" panose="02040503050406030204" pitchFamily="18" charset="0"/>
-                          </a:rPr>
-                        </m:ctrlPr>
-                      </m:sSupPr>
-                      <m:e>
-                        <m:r>
-                          <a:rPr lang="pt-BR" b="1" i="1">
-                            <a:latin typeface="Cambria Math" panose="02040503050406030204" pitchFamily="18" charset="0"/>
-                          </a:rPr>
-                          <m:t>𝒘</m:t>
-                        </m:r>
-                      </m:e>
-                      <m:sup>
-                        <m:r>
-                          <a:rPr lang="pt-BR" i="1">
-                            <a:latin typeface="Cambria Math" panose="02040503050406030204" pitchFamily="18" charset="0"/>
-                          </a:rPr>
-                          <m:t>𝑇</m:t>
-                        </m:r>
-                      </m:sup>
-                    </m:sSup>
-                    <m:r>
-                      <a:rPr lang="pt-BR" b="1" i="1">
-                        <a:latin typeface="Cambria Math" panose="02040503050406030204" pitchFamily="18" charset="0"/>
-                      </a:rPr>
-                      <m:t>𝒙</m:t>
-                    </m:r>
-                  </m:oMath>
-                </a14:m>
-                <a:r>
-                  <a:rPr lang="pt-BR" dirty="0"/>
-                  <a:t> aumente tal</a:t>
-                </a:r>
-                <a:r>
-                  <a:rPr lang="pt-BR" baseline="0" dirty="0"/>
-                  <a:t> que y se torne 1.</a:t>
-                </a:r>
-              </a:p>
-              <a:p>
-                <a:pPr marL="685800" marR="0" lvl="1" indent="-228600" algn="l" defTabSz="914400" rtl="0" eaLnBrk="1" fontAlgn="auto" latinLnBrk="0" hangingPunct="1">
-                  <a:lnSpc>
-                    <a:spcPct val="100000"/>
-                  </a:lnSpc>
-                  <a:spcBef>
-                    <a:spcPts val="0"/>
-                  </a:spcBef>
-                  <a:spcAft>
-                    <a:spcPts val="0"/>
-                  </a:spcAft>
-                  <a:buClrTx/>
-                  <a:buSzTx/>
-                  <a:buFont typeface="+mj-lt"/>
-                  <a:buAutoNum type="arabicPeriod"/>
-                  <a:tabLst/>
-                  <a:defRPr/>
-                </a:pPr>
-                <a:r>
-                  <a:rPr lang="pt-BR" b="0" i="0" baseline="0" dirty="0"/>
-                  <a:t>Se d = 0 mas y=1, então o valor do peso é diminuido caso a entrada correspondente, xi, seja positiva e aumentado caso xi seja negativo. Isso faz sentido pois nós queremos que o valor de </a:t>
-                </a:r>
-                <a14:m>
-                  <m:oMath xmlns:m="http://schemas.openxmlformats.org/officeDocument/2006/math">
-                    <m:sSup>
-                      <m:sSupPr>
-                        <m:ctrlPr>
-                          <a:rPr lang="pt-BR" i="1" smtClean="0">
-                            <a:latin typeface="Cambria Math" panose="02040503050406030204" pitchFamily="18" charset="0"/>
-                          </a:rPr>
-                        </m:ctrlPr>
-                      </m:sSupPr>
-                      <m:e>
-                        <m:r>
-                          <a:rPr lang="pt-BR" b="1" i="1">
-                            <a:latin typeface="Cambria Math" panose="02040503050406030204" pitchFamily="18" charset="0"/>
-                          </a:rPr>
-                          <m:t>𝒘</m:t>
-                        </m:r>
-                      </m:e>
-                      <m:sup>
-                        <m:r>
-                          <a:rPr lang="pt-BR" i="1">
-                            <a:latin typeface="Cambria Math" panose="02040503050406030204" pitchFamily="18" charset="0"/>
-                          </a:rPr>
-                          <m:t>𝑇</m:t>
-                        </m:r>
-                      </m:sup>
-                    </m:sSup>
-                    <m:r>
-                      <a:rPr lang="pt-BR" b="1" i="1">
-                        <a:latin typeface="Cambria Math" panose="02040503050406030204" pitchFamily="18" charset="0"/>
-                      </a:rPr>
-                      <m:t>𝒙</m:t>
-                    </m:r>
-                  </m:oMath>
-                </a14:m>
-                <a:r>
-                  <a:rPr lang="pt-BR" dirty="0"/>
-                  <a:t> diminua tal</a:t>
-                </a:r>
-                <a:r>
-                  <a:rPr lang="pt-BR" baseline="0" dirty="0"/>
-                  <a:t> que y se torne 0.</a:t>
-                </a:r>
-              </a:p>
-              <a:p>
-                <a:pPr marL="457200" lvl="1" indent="0">
-                  <a:buFont typeface="+mj-lt"/>
-                  <a:buNone/>
-                </a:pPr>
-                <a:endParaRPr lang="pt-BR" dirty="0"/>
-              </a:p>
-              <a:p>
-                <a:endParaRPr lang="pt-BR" dirty="0"/>
-              </a:p>
-            </p:txBody>
-          </p:sp>
-        </mc:Choice>
-        <mc:Fallback xmlns="">
-          <p:sp>
-            <p:nvSpPr>
-              <p:cNvPr id="3" name="Notes Placeholder 2"/>
-              <p:cNvSpPr>
-                <a:spLocks noGrp="1"/>
-              </p:cNvSpPr>
-              <p:nvPr>
-                <p:ph type="body" idx="1"/>
-              </p:nvPr>
-            </p:nvSpPr>
-            <p:spPr/>
-            <p:txBody>
-              <a:bodyPr/>
-              <a:lstStyle/>
-              <a:p>
-                <a:r>
-                  <a:rPr lang="pt-BR" dirty="0" smtClean="0"/>
-                  <a:t>Perceba que a </a:t>
-                </a:r>
-                <a:r>
-                  <a:rPr lang="pt-BR" b="1" i="1" dirty="0"/>
-                  <a:t>equação de adaptação dos</a:t>
-                </a:r>
-                <a:r>
-                  <a:rPr lang="pt-BR" dirty="0"/>
-                  <a:t> </a:t>
-                </a:r>
-                <a:r>
-                  <a:rPr lang="pt-BR" b="1" i="1" dirty="0"/>
-                  <a:t>pesos sinápticos </a:t>
-                </a:r>
-                <a:r>
-                  <a:rPr lang="pt-BR" b="0" i="0" dirty="0"/>
-                  <a:t>é idêntica à equação de atualização que encontramos para regressores lineares.</a:t>
-                </a:r>
-              </a:p>
-              <a:p>
-                <a:endParaRPr lang="pt-BR" b="0" i="0" dirty="0"/>
-              </a:p>
-              <a:p>
-                <a:r>
-                  <a:rPr lang="pt-BR" b="0" i="0" dirty="0"/>
-                  <a:t>Como ambos, o rótulo d e o valor de saída do perceptron y, assumes</a:t>
-                </a:r>
-                <a:r>
-                  <a:rPr lang="pt-BR" b="0" i="0" baseline="0" dirty="0"/>
-                  <a:t> apenas 2 valores, 0 ou 1, existem apenas 3 possibilidades para a equação de atualização dos pesos:</a:t>
-                </a:r>
-              </a:p>
-              <a:p>
-                <a:pPr marL="685800" lvl="1" indent="-228600">
-                  <a:buFont typeface="+mj-lt"/>
-                  <a:buAutoNum type="arabicPeriod"/>
-                </a:pPr>
-                <a:r>
-                  <a:rPr lang="pt-BR" b="0" i="0" baseline="0" dirty="0"/>
-                  <a:t>Se a saída for correta, i.e., d=y, então os pesos não são atualizados.</a:t>
-                </a:r>
-              </a:p>
-              <a:p>
-                <a:pPr marL="685800" lvl="1" indent="-228600">
-                  <a:buFont typeface="+mj-lt"/>
-                  <a:buAutoNum type="arabicPeriod"/>
-                </a:pPr>
-                <a:r>
-                  <a:rPr lang="pt-BR" b="0" i="0" baseline="0" dirty="0"/>
-                  <a:t>Se d = 1 mas y=0, então o valor do peso é aumentado caso a entrada correspondente, xi, seja positiva e diminuído caso xi seja negativo. Isso faz sentido pois nós queremos que o valor de </a:t>
-                </a:r>
-                <a:r>
-                  <a:rPr lang="pt-BR" b="1" i="0">
-                    <a:latin typeface="Cambria Math" panose="02040503050406030204" pitchFamily="18" charset="0"/>
-                  </a:rPr>
-                  <a:t>𝒘</a:t>
-                </a:r>
-                <a:r>
-                  <a:rPr lang="pt-BR" b="1" i="0" smtClean="0">
-                    <a:latin typeface="Cambria Math" panose="02040503050406030204" pitchFamily="18" charset="0"/>
-                  </a:rPr>
-                  <a:t>^</a:t>
-                </a:r>
-                <a:r>
-                  <a:rPr lang="pt-BR" i="0">
-                    <a:latin typeface="Cambria Math" panose="02040503050406030204" pitchFamily="18" charset="0"/>
-                  </a:rPr>
-                  <a:t>𝑇</a:t>
-                </a:r>
-                <a:r>
-                  <a:rPr lang="pt-BR" b="1" i="0">
-                    <a:latin typeface="Cambria Math" panose="02040503050406030204" pitchFamily="18" charset="0"/>
-                  </a:rPr>
-                  <a:t> 𝒙</a:t>
-                </a:r>
-                <a:r>
-                  <a:rPr lang="pt-BR" dirty="0"/>
-                  <a:t> aumente tal</a:t>
-                </a:r>
-                <a:r>
-                  <a:rPr lang="pt-BR" baseline="0" dirty="0"/>
-                  <a:t> que y se torne 1.</a:t>
-                </a:r>
-              </a:p>
-              <a:p>
-                <a:pPr marL="685800" marR="0" lvl="1" indent="-228600" algn="l" defTabSz="914400" rtl="0" eaLnBrk="1" fontAlgn="auto" latinLnBrk="0" hangingPunct="1">
-                  <a:lnSpc>
-                    <a:spcPct val="100000"/>
-                  </a:lnSpc>
-                  <a:spcBef>
-                    <a:spcPts val="0"/>
-                  </a:spcBef>
-                  <a:spcAft>
-                    <a:spcPts val="0"/>
-                  </a:spcAft>
-                  <a:buClrTx/>
-                  <a:buSzTx/>
-                  <a:buFont typeface="+mj-lt"/>
-                  <a:buAutoNum type="arabicPeriod"/>
-                  <a:tabLst/>
-                  <a:defRPr/>
-                </a:pPr>
-                <a:r>
-                  <a:rPr lang="pt-BR" b="0" i="0" baseline="0" dirty="0"/>
-                  <a:t>Se d = 0 mas y=1, então o valor do peso é diminuido caso a entrada correspondente, xi, seja positiva e aumentado caso xi seja negativo. Isso faz sentido pois nós queremos que o valor de </a:t>
-                </a:r>
-                <a:r>
-                  <a:rPr lang="pt-BR" b="1" i="0">
-                    <a:latin typeface="Cambria Math" panose="02040503050406030204" pitchFamily="18" charset="0"/>
-                  </a:rPr>
-                  <a:t>𝒘</a:t>
-                </a:r>
-                <a:r>
-                  <a:rPr lang="pt-BR" b="1" i="0" smtClean="0">
-                    <a:latin typeface="Cambria Math" panose="02040503050406030204" pitchFamily="18" charset="0"/>
-                  </a:rPr>
-                  <a:t>^</a:t>
-                </a:r>
-                <a:r>
-                  <a:rPr lang="pt-BR" i="0">
-                    <a:latin typeface="Cambria Math" panose="02040503050406030204" pitchFamily="18" charset="0"/>
-                  </a:rPr>
-                  <a:t>𝑇</a:t>
-                </a:r>
-                <a:r>
-                  <a:rPr lang="pt-BR" b="1" i="0">
-                    <a:latin typeface="Cambria Math" panose="02040503050406030204" pitchFamily="18" charset="0"/>
-                  </a:rPr>
-                  <a:t> 𝒙</a:t>
-                </a:r>
-                <a:r>
-                  <a:rPr lang="pt-BR" dirty="0"/>
-                  <a:t> diminua tal</a:t>
-                </a:r>
-                <a:r>
-                  <a:rPr lang="pt-BR" baseline="0" dirty="0"/>
-                  <a:t> que y se torne 0.</a:t>
-                </a:r>
-              </a:p>
-              <a:p>
-                <a:pPr marL="457200" lvl="1" indent="0">
-                  <a:buFont typeface="+mj-lt"/>
-                  <a:buNone/>
-                </a:pPr>
-                <a:endParaRPr lang="pt-BR" dirty="0"/>
-              </a:p>
-              <a:p>
-                <a:endParaRPr lang="pt-BR" dirty="0"/>
-              </a:p>
-            </p:txBody>
-          </p:sp>
-        </mc:Fallback>
-      </mc:AlternateContent>
-      <p:sp>
-        <p:nvSpPr>
-          <p:cNvPr id="4" name="Slide Number Placeholder 3"/>
-          <p:cNvSpPr>
-            <a:spLocks noGrp="1"/>
-          </p:cNvSpPr>
-          <p:nvPr>
-            <p:ph type="sldNum" sz="quarter" idx="10"/>
-          </p:nvPr>
-        </p:nvSpPr>
-        <p:spPr/>
-        <p:txBody>
-          <a:bodyPr/>
-          <a:lstStyle/>
-          <a:p>
-            <a:fld id="{F430A2A4-8C14-4B1A-AD48-7B6401078BF7}" type="slidenum">
-              <a:rPr lang="pt-BR" smtClean="0"/>
-              <a:t>17</a:t>
-            </a:fld>
-            <a:endParaRPr lang="pt-BR"/>
-          </a:p>
-        </p:txBody>
-      </p:sp>
-    </p:spTree>
-    <p:extLst>
-      <p:ext uri="{BB962C8B-B14F-4D97-AF65-F5344CB8AC3E}">
-        <p14:creationId xmlns:p14="http://schemas.microsoft.com/office/powerpoint/2010/main" val="864248039"/>
       </p:ext>
     </p:extLst>
   </p:cSld>
@@ -6043,7 +6045,7 @@
           <a:p>
             <a:fld id="{6FC8D850-966F-45A6-8DE7-15B891E7D40D}" type="slidenum">
               <a:rPr lang="pt-BR" smtClean="0"/>
-              <a:t>18</a:t>
+              <a:t>19</a:t>
             </a:fld>
             <a:endParaRPr lang="pt-BR"/>
           </a:p>
@@ -7335,7 +7337,7 @@
           <a:p>
             <a:fld id="{221D0464-8C8A-49C0-859F-777E51766A35}" type="datetimeFigureOut">
               <a:rPr lang="pt-BR" smtClean="0"/>
-              <a:t>22/10/2021</a:t>
+              <a:t>29/10/2021</a:t>
             </a:fld>
             <a:endParaRPr lang="pt-BR"/>
           </a:p>
@@ -7505,7 +7507,7 @@
           <a:p>
             <a:fld id="{221D0464-8C8A-49C0-859F-777E51766A35}" type="datetimeFigureOut">
               <a:rPr lang="pt-BR" smtClean="0"/>
-              <a:t>22/10/2021</a:t>
+              <a:t>29/10/2021</a:t>
             </a:fld>
             <a:endParaRPr lang="pt-BR"/>
           </a:p>
@@ -7685,7 +7687,7 @@
           <a:p>
             <a:fld id="{221D0464-8C8A-49C0-859F-777E51766A35}" type="datetimeFigureOut">
               <a:rPr lang="pt-BR" smtClean="0"/>
-              <a:t>22/10/2021</a:t>
+              <a:t>29/10/2021</a:t>
             </a:fld>
             <a:endParaRPr lang="pt-BR"/>
           </a:p>
@@ -7855,7 +7857,7 @@
           <a:p>
             <a:fld id="{221D0464-8C8A-49C0-859F-777E51766A35}" type="datetimeFigureOut">
               <a:rPr lang="pt-BR" smtClean="0"/>
-              <a:t>22/10/2021</a:t>
+              <a:t>29/10/2021</a:t>
             </a:fld>
             <a:endParaRPr lang="pt-BR"/>
           </a:p>
@@ -8101,7 +8103,7 @@
           <a:p>
             <a:fld id="{221D0464-8C8A-49C0-859F-777E51766A35}" type="datetimeFigureOut">
               <a:rPr lang="pt-BR" smtClean="0"/>
-              <a:t>22/10/2021</a:t>
+              <a:t>29/10/2021</a:t>
             </a:fld>
             <a:endParaRPr lang="pt-BR"/>
           </a:p>
@@ -8333,7 +8335,7 @@
           <a:p>
             <a:fld id="{221D0464-8C8A-49C0-859F-777E51766A35}" type="datetimeFigureOut">
               <a:rPr lang="pt-BR" smtClean="0"/>
-              <a:t>22/10/2021</a:t>
+              <a:t>29/10/2021</a:t>
             </a:fld>
             <a:endParaRPr lang="pt-BR"/>
           </a:p>
@@ -8700,7 +8702,7 @@
           <a:p>
             <a:fld id="{221D0464-8C8A-49C0-859F-777E51766A35}" type="datetimeFigureOut">
               <a:rPr lang="pt-BR" smtClean="0"/>
-              <a:t>22/10/2021</a:t>
+              <a:t>29/10/2021</a:t>
             </a:fld>
             <a:endParaRPr lang="pt-BR"/>
           </a:p>
@@ -8818,7 +8820,7 @@
           <a:p>
             <a:fld id="{221D0464-8C8A-49C0-859F-777E51766A35}" type="datetimeFigureOut">
               <a:rPr lang="pt-BR" smtClean="0"/>
-              <a:t>22/10/2021</a:t>
+              <a:t>29/10/2021</a:t>
             </a:fld>
             <a:endParaRPr lang="pt-BR"/>
           </a:p>
@@ -8913,7 +8915,7 @@
           <a:p>
             <a:fld id="{221D0464-8C8A-49C0-859F-777E51766A35}" type="datetimeFigureOut">
               <a:rPr lang="pt-BR" smtClean="0"/>
-              <a:t>22/10/2021</a:t>
+              <a:t>29/10/2021</a:t>
             </a:fld>
             <a:endParaRPr lang="pt-BR"/>
           </a:p>
@@ -9190,7 +9192,7 @@
           <a:p>
             <a:fld id="{221D0464-8C8A-49C0-859F-777E51766A35}" type="datetimeFigureOut">
               <a:rPr lang="pt-BR" smtClean="0"/>
-              <a:t>22/10/2021</a:t>
+              <a:t>29/10/2021</a:t>
             </a:fld>
             <a:endParaRPr lang="pt-BR"/>
           </a:p>
@@ -9443,7 +9445,7 @@
           <a:p>
             <a:fld id="{221D0464-8C8A-49C0-859F-777E51766A35}" type="datetimeFigureOut">
               <a:rPr lang="pt-BR" smtClean="0"/>
-              <a:t>22/10/2021</a:t>
+              <a:t>29/10/2021</a:t>
             </a:fld>
             <a:endParaRPr lang="pt-BR"/>
           </a:p>
@@ -9656,7 +9658,7 @@
           <a:p>
             <a:fld id="{221D0464-8C8A-49C0-859F-777E51766A35}" type="datetimeFigureOut">
               <a:rPr lang="pt-BR" smtClean="0"/>
-              <a:t>22/10/2021</a:t>
+              <a:t>29/10/2021</a:t>
             </a:fld>
             <a:endParaRPr lang="pt-BR"/>
           </a:p>
@@ -10066,7 +10068,7 @@
           <p:cNvPr id="2" name="Título 1">
             <a:extLst>
               <a:ext uri="{FF2B5EF4-FFF2-40B4-BE49-F238E27FC236}">
-                <a16:creationId xmlns="" xmlns:a16="http://schemas.microsoft.com/office/drawing/2014/main" id="{32666AC8-2E17-4DB4-B0F5-60C640CCFD2E}"/>
+                <a16:creationId xmlns:a16="http://schemas.microsoft.com/office/drawing/2014/main" xmlns="" id="{32666AC8-2E17-4DB4-B0F5-60C640CCFD2E}"/>
               </a:ext>
             </a:extLst>
           </p:cNvPr>
@@ -10112,7 +10114,7 @@
           <p:cNvPr id="4" name="CaixaDeTexto 3">
             <a:extLst>
               <a:ext uri="{FF2B5EF4-FFF2-40B4-BE49-F238E27FC236}">
-                <a16:creationId xmlns="" xmlns:a16="http://schemas.microsoft.com/office/drawing/2014/main" id="{430EB894-B7D4-434C-9D1A-A14094D9BEEC}"/>
+                <a16:creationId xmlns:a16="http://schemas.microsoft.com/office/drawing/2014/main" xmlns="" id="{430EB894-B7D4-434C-9D1A-A14094D9BEEC}"/>
               </a:ext>
             </a:extLst>
           </p:cNvPr>
@@ -10153,7 +10155,7 @@
           <p:cNvPr id="1026" name="Picture 2" descr="Logo">
             <a:extLst>
               <a:ext uri="{FF2B5EF4-FFF2-40B4-BE49-F238E27FC236}">
-                <a16:creationId xmlns="" xmlns:a16="http://schemas.microsoft.com/office/drawing/2014/main" id="{3F2642E0-4F6A-4196-8F58-E77D36E9A33F}"/>
+                <a16:creationId xmlns:a16="http://schemas.microsoft.com/office/drawing/2014/main" xmlns="" id="{3F2642E0-4F6A-4196-8F58-E77D36E9A33F}"/>
               </a:ext>
             </a:extLst>
           </p:cNvPr>
@@ -10198,7 +10200,7 @@
           <p:cNvPr id="5122" name="Picture 2" descr="Image result for machine learning">
             <a:extLst>
               <a:ext uri="{FF2B5EF4-FFF2-40B4-BE49-F238E27FC236}">
-                <a16:creationId xmlns="" xmlns:a16="http://schemas.microsoft.com/office/drawing/2014/main" id="{810CE0A2-4102-44A6-A370-175E7896CDCB}"/>
+                <a16:creationId xmlns:a16="http://schemas.microsoft.com/office/drawing/2014/main" xmlns="" id="{810CE0A2-4102-44A6-A370-175E7896CDCB}"/>
               </a:ext>
             </a:extLst>
           </p:cNvPr>
@@ -11189,28 +11191,28 @@
                     <a:gridCol w="550863">
                       <a:extLst>
                         <a:ext uri="{9D8B030D-6E8A-4147-A177-3AD203B41FA5}">
-                          <a16:colId xmlns="" xmlns:a16="http://schemas.microsoft.com/office/drawing/2014/main" val="20000"/>
+                          <a16:colId xmlns:a16="http://schemas.microsoft.com/office/drawing/2014/main" xmlns="" val="20000"/>
                         </a:ext>
                       </a:extLst>
                     </a:gridCol>
                     <a:gridCol w="550863">
                       <a:extLst>
                         <a:ext uri="{9D8B030D-6E8A-4147-A177-3AD203B41FA5}">
-                          <a16:colId xmlns="" xmlns:a16="http://schemas.microsoft.com/office/drawing/2014/main" val="20001"/>
+                          <a16:colId xmlns:a16="http://schemas.microsoft.com/office/drawing/2014/main" xmlns="" val="20001"/>
                         </a:ext>
                       </a:extLst>
                     </a:gridCol>
                     <a:gridCol w="550863">
                       <a:extLst>
                         <a:ext uri="{9D8B030D-6E8A-4147-A177-3AD203B41FA5}">
-                          <a16:colId xmlns="" xmlns:a16="http://schemas.microsoft.com/office/drawing/2014/main" val="20002"/>
+                          <a16:colId xmlns:a16="http://schemas.microsoft.com/office/drawing/2014/main" xmlns="" val="20002"/>
                         </a:ext>
                       </a:extLst>
                     </a:gridCol>
                     <a:gridCol w="550863">
                       <a:extLst>
                         <a:ext uri="{9D8B030D-6E8A-4147-A177-3AD203B41FA5}">
-                          <a16:colId xmlns="" xmlns:a16="http://schemas.microsoft.com/office/drawing/2014/main" val="20003"/>
+                          <a16:colId xmlns:a16="http://schemas.microsoft.com/office/drawing/2014/main" xmlns="" val="20003"/>
                         </a:ext>
                       </a:extLst>
                     </a:gridCol>
@@ -11301,7 +11303,7 @@
                     </a:tc>
                     <a:extLst>
                       <a:ext uri="{0D108BD9-81ED-4DB2-BD59-A6C34878D82A}">
-                        <a16:rowId xmlns="" xmlns:a16="http://schemas.microsoft.com/office/drawing/2014/main" val="10000"/>
+                        <a16:rowId xmlns:a16="http://schemas.microsoft.com/office/drawing/2014/main" xmlns="" val="10000"/>
                       </a:ext>
                     </a:extLst>
                   </a:tr>
@@ -11554,7 +11556,7 @@
                     </a:tc>
                     <a:extLst>
                       <a:ext uri="{0D108BD9-81ED-4DB2-BD59-A6C34878D82A}">
-                        <a16:rowId xmlns="" xmlns:a16="http://schemas.microsoft.com/office/drawing/2014/main" val="10001"/>
+                        <a16:rowId xmlns:a16="http://schemas.microsoft.com/office/drawing/2014/main" xmlns="" val="10001"/>
                       </a:ext>
                     </a:extLst>
                   </a:tr>
@@ -11773,7 +11775,7 @@
                     </a:tc>
                     <a:extLst>
                       <a:ext uri="{0D108BD9-81ED-4DB2-BD59-A6C34878D82A}">
-                        <a16:rowId xmlns="" xmlns:a16="http://schemas.microsoft.com/office/drawing/2014/main" val="10002"/>
+                        <a16:rowId xmlns:a16="http://schemas.microsoft.com/office/drawing/2014/main" xmlns="" val="10002"/>
                       </a:ext>
                     </a:extLst>
                   </a:tr>
@@ -11992,7 +11994,7 @@
                     </a:tc>
                     <a:extLst>
                       <a:ext uri="{0D108BD9-81ED-4DB2-BD59-A6C34878D82A}">
-                        <a16:rowId xmlns="" xmlns:a16="http://schemas.microsoft.com/office/drawing/2014/main" val="10003"/>
+                        <a16:rowId xmlns:a16="http://schemas.microsoft.com/office/drawing/2014/main" xmlns="" val="10003"/>
                       </a:ext>
                     </a:extLst>
                   </a:tr>
@@ -12211,7 +12213,7 @@
                     </a:tc>
                     <a:extLst>
                       <a:ext uri="{0D108BD9-81ED-4DB2-BD59-A6C34878D82A}">
-                        <a16:rowId xmlns="" xmlns:a16="http://schemas.microsoft.com/office/drawing/2014/main" val="10004"/>
+                        <a16:rowId xmlns:a16="http://schemas.microsoft.com/office/drawing/2014/main" xmlns="" val="10004"/>
                       </a:ext>
                     </a:extLst>
                   </a:tr>
@@ -12430,7 +12432,7 @@
                     </a:tc>
                     <a:extLst>
                       <a:ext uri="{0D108BD9-81ED-4DB2-BD59-A6C34878D82A}">
-                        <a16:rowId xmlns="" xmlns:a16="http://schemas.microsoft.com/office/drawing/2014/main" val="10005"/>
+                        <a16:rowId xmlns:a16="http://schemas.microsoft.com/office/drawing/2014/main" xmlns="" val="10005"/>
                       </a:ext>
                     </a:extLst>
                   </a:tr>
@@ -14529,28 +14531,28 @@
                     <a:gridCol w="550863">
                       <a:extLst>
                         <a:ext uri="{9D8B030D-6E8A-4147-A177-3AD203B41FA5}">
-                          <a16:colId xmlns="" xmlns:a16="http://schemas.microsoft.com/office/drawing/2014/main" val="20000"/>
+                          <a16:colId xmlns:a16="http://schemas.microsoft.com/office/drawing/2014/main" xmlns="" val="20000"/>
                         </a:ext>
                       </a:extLst>
                     </a:gridCol>
                     <a:gridCol w="550863">
                       <a:extLst>
                         <a:ext uri="{9D8B030D-6E8A-4147-A177-3AD203B41FA5}">
-                          <a16:colId xmlns="" xmlns:a16="http://schemas.microsoft.com/office/drawing/2014/main" val="20001"/>
+                          <a16:colId xmlns:a16="http://schemas.microsoft.com/office/drawing/2014/main" xmlns="" val="20001"/>
                         </a:ext>
                       </a:extLst>
                     </a:gridCol>
                     <a:gridCol w="550863">
                       <a:extLst>
                         <a:ext uri="{9D8B030D-6E8A-4147-A177-3AD203B41FA5}">
-                          <a16:colId xmlns="" xmlns:a16="http://schemas.microsoft.com/office/drawing/2014/main" val="20002"/>
+                          <a16:colId xmlns:a16="http://schemas.microsoft.com/office/drawing/2014/main" xmlns="" val="20002"/>
                         </a:ext>
                       </a:extLst>
                     </a:gridCol>
                     <a:gridCol w="550863">
                       <a:extLst>
                         <a:ext uri="{9D8B030D-6E8A-4147-A177-3AD203B41FA5}">
-                          <a16:colId xmlns="" xmlns:a16="http://schemas.microsoft.com/office/drawing/2014/main" val="20003"/>
+                          <a16:colId xmlns:a16="http://schemas.microsoft.com/office/drawing/2014/main" xmlns="" val="20003"/>
                         </a:ext>
                       </a:extLst>
                     </a:gridCol>
@@ -14641,7 +14643,7 @@
                     </a:tc>
                     <a:extLst>
                       <a:ext uri="{0D108BD9-81ED-4DB2-BD59-A6C34878D82A}">
-                        <a16:rowId xmlns="" xmlns:a16="http://schemas.microsoft.com/office/drawing/2014/main" val="10000"/>
+                        <a16:rowId xmlns:a16="http://schemas.microsoft.com/office/drawing/2014/main" xmlns="" val="10000"/>
                       </a:ext>
                     </a:extLst>
                   </a:tr>
@@ -14894,7 +14896,7 @@
                     </a:tc>
                     <a:extLst>
                       <a:ext uri="{0D108BD9-81ED-4DB2-BD59-A6C34878D82A}">
-                        <a16:rowId xmlns="" xmlns:a16="http://schemas.microsoft.com/office/drawing/2014/main" val="10001"/>
+                        <a16:rowId xmlns:a16="http://schemas.microsoft.com/office/drawing/2014/main" xmlns="" val="10001"/>
                       </a:ext>
                     </a:extLst>
                   </a:tr>
@@ -15113,7 +15115,7 @@
                     </a:tc>
                     <a:extLst>
                       <a:ext uri="{0D108BD9-81ED-4DB2-BD59-A6C34878D82A}">
-                        <a16:rowId xmlns="" xmlns:a16="http://schemas.microsoft.com/office/drawing/2014/main" val="10002"/>
+                        <a16:rowId xmlns:a16="http://schemas.microsoft.com/office/drawing/2014/main" xmlns="" val="10002"/>
                       </a:ext>
                     </a:extLst>
                   </a:tr>
@@ -15332,7 +15334,7 @@
                     </a:tc>
                     <a:extLst>
                       <a:ext uri="{0D108BD9-81ED-4DB2-BD59-A6C34878D82A}">
-                        <a16:rowId xmlns="" xmlns:a16="http://schemas.microsoft.com/office/drawing/2014/main" val="10003"/>
+                        <a16:rowId xmlns:a16="http://schemas.microsoft.com/office/drawing/2014/main" xmlns="" val="10003"/>
                       </a:ext>
                     </a:extLst>
                   </a:tr>
@@ -15551,7 +15553,7 @@
                     </a:tc>
                     <a:extLst>
                       <a:ext uri="{0D108BD9-81ED-4DB2-BD59-A6C34878D82A}">
-                        <a16:rowId xmlns="" xmlns:a16="http://schemas.microsoft.com/office/drawing/2014/main" val="10004"/>
+                        <a16:rowId xmlns:a16="http://schemas.microsoft.com/office/drawing/2014/main" xmlns="" val="10004"/>
                       </a:ext>
                     </a:extLst>
                   </a:tr>
@@ -15770,7 +15772,7 @@
                     </a:tc>
                     <a:extLst>
                       <a:ext uri="{0D108BD9-81ED-4DB2-BD59-A6C34878D82A}">
-                        <a16:rowId xmlns="" xmlns:a16="http://schemas.microsoft.com/office/drawing/2014/main" val="10005"/>
+                        <a16:rowId xmlns:a16="http://schemas.microsoft.com/office/drawing/2014/main" xmlns="" val="10005"/>
                       </a:ext>
                     </a:extLst>
                   </a:tr>
@@ -18183,21 +18185,21 @@
                     <a:gridCol w="523278">
                       <a:extLst>
                         <a:ext uri="{9D8B030D-6E8A-4147-A177-3AD203B41FA5}">
-                          <a16:colId xmlns="" xmlns:a16="http://schemas.microsoft.com/office/drawing/2014/main" val="20000"/>
+                          <a16:colId xmlns:a16="http://schemas.microsoft.com/office/drawing/2014/main" xmlns="" val="20000"/>
                         </a:ext>
                       </a:extLst>
                     </a:gridCol>
                     <a:gridCol w="523278">
                       <a:extLst>
                         <a:ext uri="{9D8B030D-6E8A-4147-A177-3AD203B41FA5}">
-                          <a16:colId xmlns="" xmlns:a16="http://schemas.microsoft.com/office/drawing/2014/main" val="20001"/>
+                          <a16:colId xmlns:a16="http://schemas.microsoft.com/office/drawing/2014/main" xmlns="" val="20001"/>
                         </a:ext>
                       </a:extLst>
                     </a:gridCol>
                     <a:gridCol w="523278">
                       <a:extLst>
                         <a:ext uri="{9D8B030D-6E8A-4147-A177-3AD203B41FA5}">
-                          <a16:colId xmlns="" xmlns:a16="http://schemas.microsoft.com/office/drawing/2014/main" val="20002"/>
+                          <a16:colId xmlns:a16="http://schemas.microsoft.com/office/drawing/2014/main" xmlns="" val="20002"/>
                         </a:ext>
                       </a:extLst>
                     </a:gridCol>
@@ -18278,7 +18280,7 @@
                     </a:tc>
                     <a:extLst>
                       <a:ext uri="{0D108BD9-81ED-4DB2-BD59-A6C34878D82A}">
-                        <a16:rowId xmlns="" xmlns:a16="http://schemas.microsoft.com/office/drawing/2014/main" val="10000"/>
+                        <a16:rowId xmlns:a16="http://schemas.microsoft.com/office/drawing/2014/main" xmlns="" val="10000"/>
                       </a:ext>
                     </a:extLst>
                   </a:tr>
@@ -18478,7 +18480,7 @@
                     </a:tc>
                     <a:extLst>
                       <a:ext uri="{0D108BD9-81ED-4DB2-BD59-A6C34878D82A}">
-                        <a16:rowId xmlns="" xmlns:a16="http://schemas.microsoft.com/office/drawing/2014/main" val="10001"/>
+                        <a16:rowId xmlns:a16="http://schemas.microsoft.com/office/drawing/2014/main" xmlns="" val="10001"/>
                       </a:ext>
                     </a:extLst>
                   </a:tr>
@@ -18644,7 +18646,7 @@
                     </a:tc>
                     <a:extLst>
                       <a:ext uri="{0D108BD9-81ED-4DB2-BD59-A6C34878D82A}">
-                        <a16:rowId xmlns="" xmlns:a16="http://schemas.microsoft.com/office/drawing/2014/main" val="10002"/>
+                        <a16:rowId xmlns:a16="http://schemas.microsoft.com/office/drawing/2014/main" xmlns="" val="10002"/>
                       </a:ext>
                     </a:extLst>
                   </a:tr>
@@ -18810,7 +18812,7 @@
                     </a:tc>
                     <a:extLst>
                       <a:ext uri="{0D108BD9-81ED-4DB2-BD59-A6C34878D82A}">
-                        <a16:rowId xmlns="" xmlns:a16="http://schemas.microsoft.com/office/drawing/2014/main" val="10003"/>
+                        <a16:rowId xmlns:a16="http://schemas.microsoft.com/office/drawing/2014/main" xmlns="" val="10003"/>
                       </a:ext>
                     </a:extLst>
                   </a:tr>
@@ -25770,365 +25772,6 @@
             <p:ph type="title"/>
           </p:nvPr>
         </p:nvSpPr>
-        <p:spPr/>
-        <p:txBody>
-          <a:bodyPr/>
-          <a:lstStyle/>
-          <a:p>
-            <a:r>
-              <a:rPr lang="pt-BR" dirty="0"/>
-              <a:t>Perceptron</a:t>
-            </a:r>
-          </a:p>
-        </p:txBody>
-      </p:sp>
-      <mc:AlternateContent xmlns:mc="http://schemas.openxmlformats.org/markup-compatibility/2006" xmlns:a14="http://schemas.microsoft.com/office/drawing/2010/main">
-        <mc:Choice Requires="a14">
-          <p:sp>
-            <p:nvSpPr>
-              <p:cNvPr id="3" name="Content Placeholder 2"/>
-              <p:cNvSpPr>
-                <a:spLocks noGrp="1"/>
-              </p:cNvSpPr>
-              <p:nvPr>
-                <p:ph idx="1"/>
-              </p:nvPr>
-            </p:nvSpPr>
-            <p:spPr>
-              <a:xfrm>
-                <a:off x="838200" y="1838725"/>
-                <a:ext cx="8226971" cy="5032923"/>
-              </a:xfrm>
-            </p:spPr>
-            <p:txBody>
-              <a:bodyPr>
-                <a:normAutofit fontScale="85000" lnSpcReduction="10000"/>
-              </a:bodyPr>
-              <a:lstStyle/>
-              <a:p>
-                <a:r>
-                  <a:rPr lang="pt-BR" dirty="0" smtClean="0"/>
-                  <a:t>Como podemos perceber, o modelo do </a:t>
-                </a:r>
-                <a:r>
-                  <a:rPr lang="pt-BR" b="1" i="1" dirty="0" smtClean="0"/>
-                  <a:t>perceptron</a:t>
-                </a:r>
-                <a:r>
-                  <a:rPr lang="pt-BR" dirty="0" smtClean="0"/>
-                  <a:t> é idêntico ao </a:t>
-                </a:r>
-                <a:r>
-                  <a:rPr lang="pt-BR" b="1" i="1" dirty="0" smtClean="0"/>
-                  <a:t>classificador binário com limiar de decisão rígido</a:t>
-                </a:r>
-                <a:r>
-                  <a:rPr lang="pt-BR" dirty="0" smtClean="0"/>
-                  <a:t>.</a:t>
-                </a:r>
-              </a:p>
-              <a:p>
-                <a:r>
-                  <a:rPr lang="pt-BR" dirty="0" smtClean="0"/>
-                  <a:t>Por definição, o perceptron sempre utiliza </a:t>
-                </a:r>
-                <a:r>
-                  <a:rPr lang="pt-BR" b="1" i="1" dirty="0" smtClean="0"/>
-                  <a:t>superfícies de separação lineares</a:t>
-                </a:r>
-                <a:r>
-                  <a:rPr lang="pt-BR" dirty="0" smtClean="0"/>
-                  <a:t>, ou seja, sempre teremos </a:t>
-                </a:r>
-                <a14:m>
-                  <m:oMath xmlns:m="http://schemas.openxmlformats.org/officeDocument/2006/math">
-                    <m:r>
-                      <a:rPr lang="pt-BR" i="1">
-                        <a:latin typeface="Cambria Math" panose="02040503050406030204" pitchFamily="18" charset="0"/>
-                      </a:rPr>
-                      <m:t>𝑔</m:t>
-                    </m:r>
-                    <m:d>
-                      <m:dPr>
-                        <m:ctrlPr>
-                          <a:rPr lang="pt-BR" i="1">
-                            <a:latin typeface="Cambria Math" panose="02040503050406030204" pitchFamily="18" charset="0"/>
-                          </a:rPr>
-                        </m:ctrlPr>
-                      </m:dPr>
-                      <m:e>
-                        <m:r>
-                          <a:rPr lang="pt-BR" b="1" i="1">
-                            <a:latin typeface="Cambria Math" panose="02040503050406030204" pitchFamily="18" charset="0"/>
-                          </a:rPr>
-                          <m:t>𝒙</m:t>
-                        </m:r>
-                      </m:e>
-                    </m:d>
-                  </m:oMath>
-                </a14:m>
-                <a:r>
-                  <a:rPr lang="pt-BR" dirty="0" smtClean="0"/>
-                  <a:t> como sendo a equação de um </a:t>
-                </a:r>
-                <a:r>
-                  <a:rPr lang="pt-BR" b="1" i="1" dirty="0" smtClean="0"/>
-                  <a:t>hiperplano</a:t>
-                </a:r>
-                <a:r>
-                  <a:rPr lang="pt-BR" dirty="0" smtClean="0"/>
-                  <a:t>.</a:t>
-                </a:r>
-                <a:endParaRPr lang="pt-BR" dirty="0"/>
-              </a:p>
-              <a:p>
-                <a:r>
-                  <a:rPr lang="pt-BR" dirty="0"/>
-                  <a:t>Portanto</a:t>
-                </a:r>
-                <a:r>
-                  <a:rPr lang="pt-BR" dirty="0" smtClean="0"/>
-                  <a:t>, teoricamente, </a:t>
-                </a:r>
-                <a:r>
-                  <a:rPr lang="pt-BR" dirty="0"/>
-                  <a:t>um </a:t>
-                </a:r>
-                <a:r>
-                  <a:rPr lang="pt-BR" b="1" i="1" dirty="0" smtClean="0">
-                    <a:solidFill>
-                      <a:srgbClr val="FF0000"/>
-                    </a:solidFill>
-                  </a:rPr>
-                  <a:t>único</a:t>
-                </a:r>
-                <a:r>
-                  <a:rPr lang="pt-BR" dirty="0" smtClean="0"/>
-                  <a:t> </a:t>
-                </a:r>
-                <a:r>
-                  <a:rPr lang="pt-BR" b="1" i="1" dirty="0" smtClean="0"/>
-                  <a:t>perceptron</a:t>
-                </a:r>
-                <a:r>
-                  <a:rPr lang="pt-BR" dirty="0" smtClean="0"/>
-                  <a:t> </a:t>
-                </a:r>
-                <a:r>
-                  <a:rPr lang="pt-BR" dirty="0"/>
-                  <a:t>só é capaz de </a:t>
-                </a:r>
-                <a:r>
-                  <a:rPr lang="pt-BR" b="1" i="1" dirty="0"/>
-                  <a:t>classificar</a:t>
-                </a:r>
-                <a:r>
-                  <a:rPr lang="pt-BR" dirty="0"/>
-                  <a:t> dados que sejam </a:t>
-                </a:r>
-                <a:r>
-                  <a:rPr lang="pt-BR" b="1" i="1" dirty="0"/>
-                  <a:t>linearmente separáveis </a:t>
-                </a:r>
-                <a:r>
-                  <a:rPr lang="pt-BR" dirty="0"/>
-                  <a:t>(ou seja, separáveis por um </a:t>
-                </a:r>
-                <a:r>
-                  <a:rPr lang="pt-BR" b="1" i="1" dirty="0"/>
-                  <a:t>hiperplano</a:t>
-                </a:r>
-                <a:r>
-                  <a:rPr lang="pt-BR" dirty="0"/>
-                  <a:t>). </a:t>
-                </a:r>
-                <a:endParaRPr lang="pt-BR" dirty="0" smtClean="0"/>
-              </a:p>
-              <a:p>
-                <a:r>
-                  <a:rPr lang="pt-BR" dirty="0"/>
-                  <a:t>A figura ao lado ilustra isso para um caso bidimensional</a:t>
-                </a:r>
-                <a:r>
-                  <a:rPr lang="pt-BR" dirty="0" smtClean="0"/>
-                  <a:t>.</a:t>
-                </a:r>
-              </a:p>
-              <a:p>
-                <a:r>
-                  <a:rPr lang="pt-BR" dirty="0" smtClean="0"/>
-                  <a:t>Entretanto, como veremos na sequência, podemos </a:t>
-                </a:r>
-                <a:r>
-                  <a:rPr lang="pt-BR" b="1" i="1" dirty="0" smtClean="0"/>
-                  <a:t>combinar vários perceptrons</a:t>
-                </a:r>
-                <a:r>
-                  <a:rPr lang="pt-BR" dirty="0" smtClean="0"/>
-                  <a:t> para criarmos uma </a:t>
-                </a:r>
-                <a:r>
-                  <a:rPr lang="pt-BR" b="1" i="1" dirty="0" smtClean="0"/>
-                  <a:t>superfície de separação </a:t>
-                </a:r>
-                <a:r>
-                  <a:rPr lang="pt-BR" dirty="0" smtClean="0"/>
-                  <a:t>que separe dados que não sejam linearmente separáveis sem a necessidade de usarmos </a:t>
-                </a:r>
-                <a:r>
-                  <a:rPr lang="pt-BR" dirty="0"/>
-                  <a:t>funções discriminantes, </a:t>
-                </a:r>
-                <a14:m>
-                  <m:oMath xmlns:m="http://schemas.openxmlformats.org/officeDocument/2006/math">
-                    <m:r>
-                      <a:rPr lang="pt-BR" i="1">
-                        <a:latin typeface="Cambria Math" panose="02040503050406030204" pitchFamily="18" charset="0"/>
-                      </a:rPr>
-                      <m:t>𝑔</m:t>
-                    </m:r>
-                    <m:d>
-                      <m:dPr>
-                        <m:ctrlPr>
-                          <a:rPr lang="pt-BR" i="1">
-                            <a:latin typeface="Cambria Math" panose="02040503050406030204" pitchFamily="18" charset="0"/>
-                          </a:rPr>
-                        </m:ctrlPr>
-                      </m:dPr>
-                      <m:e>
-                        <m:r>
-                          <a:rPr lang="pt-BR" b="1" i="1">
-                            <a:latin typeface="Cambria Math" panose="02040503050406030204" pitchFamily="18" charset="0"/>
-                          </a:rPr>
-                          <m:t>𝒙</m:t>
-                        </m:r>
-                      </m:e>
-                    </m:d>
-                  </m:oMath>
-                </a14:m>
-                <a:r>
-                  <a:rPr lang="pt-BR" dirty="0" smtClean="0"/>
-                  <a:t>, com outros formatos (e.g., polinômios).</a:t>
-                </a:r>
-                <a:endParaRPr lang="pt-BR" dirty="0"/>
-              </a:p>
-            </p:txBody>
-          </p:sp>
-        </mc:Choice>
-        <mc:Fallback xmlns="">
-          <p:sp>
-            <p:nvSpPr>
-              <p:cNvPr id="3" name="Content Placeholder 2"/>
-              <p:cNvSpPr>
-                <a:spLocks noGrp="1" noRot="1" noChangeAspect="1" noMove="1" noResize="1" noEditPoints="1" noAdjustHandles="1" noChangeArrowheads="1" noChangeShapeType="1" noTextEdit="1"/>
-              </p:cNvSpPr>
-              <p:nvPr>
-                <p:ph idx="1"/>
-              </p:nvPr>
-            </p:nvSpPr>
-            <p:spPr>
-              <a:xfrm>
-                <a:off x="838200" y="1838725"/>
-                <a:ext cx="8226971" cy="5032923"/>
-              </a:xfrm>
-              <a:blipFill rotWithShape="0">
-                <a:blip r:embed="rId3"/>
-                <a:stretch>
-                  <a:fillRect l="-1038" t="-2303" r="-1853"/>
-                </a:stretch>
-              </a:blipFill>
-            </p:spPr>
-            <p:txBody>
-              <a:bodyPr/>
-              <a:lstStyle/>
-              <a:p>
-                <a:r>
-                  <a:rPr lang="pt-BR">
-                    <a:noFill/>
-                  </a:rPr>
-                  <a:t> </a:t>
-                </a:r>
-              </a:p>
-            </p:txBody>
-          </p:sp>
-        </mc:Fallback>
-      </mc:AlternateContent>
-      <p:pic>
-        <p:nvPicPr>
-          <p:cNvPr id="5" name="Picture 4"/>
-          <p:cNvPicPr>
-            <a:picLocks noChangeAspect="1"/>
-          </p:cNvPicPr>
-          <p:nvPr/>
-        </p:nvPicPr>
-        <p:blipFill rotWithShape="1">
-          <a:blip r:embed="rId4">
-            <a:extLst>
-              <a:ext uri="{28A0092B-C50C-407E-A947-70E740481C1C}">
-                <a14:useLocalDpi xmlns:a14="http://schemas.microsoft.com/office/drawing/2010/main" val="0"/>
-              </a:ext>
-            </a:extLst>
-          </a:blip>
-          <a:srcRect t="3498" r="3041"/>
-          <a:stretch/>
-        </p:blipFill>
-        <p:spPr>
-          <a:xfrm>
-            <a:off x="8513378" y="2947444"/>
-            <a:ext cx="3647090" cy="2311426"/>
-          </a:xfrm>
-          <a:prstGeom prst="rect">
-            <a:avLst/>
-          </a:prstGeom>
-        </p:spPr>
-      </p:pic>
-    </p:spTree>
-    <p:extLst>
-      <p:ext uri="{BB962C8B-B14F-4D97-AF65-F5344CB8AC3E}">
-        <p14:creationId xmlns:p14="http://schemas.microsoft.com/office/powerpoint/2010/main" val="3996078630"/>
-      </p:ext>
-    </p:extLst>
-  </p:cSld>
-  <p:clrMapOvr>
-    <a:masterClrMapping/>
-  </p:clrMapOvr>
-  <p:timing>
-    <p:tnLst>
-      <p:par>
-        <p:cTn id="1" dur="indefinite" restart="never" nodeType="tmRoot"/>
-      </p:par>
-    </p:tnLst>
-  </p:timing>
-</p:sld>
-</file>
-
-<file path=ppt/slides/slide17.xml><?xml version="1.0" encoding="utf-8"?>
-<p:sld xmlns:a="http://schemas.openxmlformats.org/drawingml/2006/main" xmlns:r="http://schemas.openxmlformats.org/officeDocument/2006/relationships" xmlns:p="http://schemas.openxmlformats.org/presentationml/2006/main">
-  <p:cSld>
-    <p:spTree>
-      <p:nvGrpSpPr>
-        <p:cNvPr id="1" name=""/>
-        <p:cNvGrpSpPr/>
-        <p:nvPr/>
-      </p:nvGrpSpPr>
-      <p:grpSpPr>
-        <a:xfrm>
-          <a:off x="0" y="0"/>
-          <a:ext cx="0" cy="0"/>
-          <a:chOff x="0" y="0"/>
-          <a:chExt cx="0" cy="0"/>
-        </a:xfrm>
-      </p:grpSpPr>
-      <p:sp>
-        <p:nvSpPr>
-          <p:cNvPr id="2" name="Title 1"/>
-          <p:cNvSpPr>
-            <a:spLocks noGrp="1"/>
-          </p:cNvSpPr>
-          <p:nvPr>
-            <p:ph type="title"/>
-          </p:nvPr>
-        </p:nvSpPr>
         <p:spPr>
           <a:xfrm>
             <a:off x="838200" y="191123"/>
@@ -26146,8 +25789,8 @@
           </a:p>
         </p:txBody>
       </p:sp>
-      <mc:AlternateContent xmlns:mc="http://schemas.openxmlformats.org/markup-compatibility/2006">
-        <mc:Choice xmlns:a14="http://schemas.microsoft.com/office/drawing/2010/main" Requires="a14">
+      <mc:AlternateContent xmlns:mc="http://schemas.openxmlformats.org/markup-compatibility/2006" xmlns:a14="http://schemas.microsoft.com/office/drawing/2010/main">
+        <mc:Choice Requires="a14">
           <p:sp>
             <p:nvSpPr>
               <p:cNvPr id="3" name="Content Placeholder 2"/>
@@ -26298,15 +25941,7 @@
               <a:p>
                 <a:r>
                   <a:rPr lang="pt-BR" dirty="0" smtClean="0"/>
-                  <a:t>É uma r</a:t>
-                </a:r>
-                <a:r>
-                  <a:rPr lang="pt-BR" dirty="0" smtClean="0"/>
-                  <a:t>egra </a:t>
-                </a:r>
-                <a:r>
-                  <a:rPr lang="pt-BR" dirty="0" smtClean="0"/>
-                  <a:t>simples </a:t>
+                  <a:t>É uma regra simples </a:t>
                 </a:r>
                 <a:r>
                   <a:rPr lang="pt-BR" dirty="0"/>
@@ -26314,13 +25949,8 @@
                 </a:r>
                 <a:r>
                   <a:rPr lang="pt-BR" dirty="0" smtClean="0"/>
-                  <a:t>dos pesos do </a:t>
-                </a:r>
-                <a:r>
-                  <a:rPr lang="pt-BR" dirty="0" smtClean="0"/>
-                  <a:t>modelo.</a:t>
-                </a:r>
-                <a:endParaRPr lang="pt-BR" dirty="0" smtClean="0"/>
+                  <a:t>dos pesos do modelo.</a:t>
+                </a:r>
               </a:p>
               <a:p>
                 <a:r>
@@ -26373,15 +26003,7 @@
                 </a:r>
                 <a:r>
                   <a:rPr lang="pt-BR" dirty="0" smtClean="0"/>
-                  <a:t>é um hiperplano, </a:t>
-                </a:r>
-                <a:r>
-                  <a:rPr lang="pt-BR" dirty="0" smtClean="0"/>
-                  <a:t>a regra converge </a:t>
-                </a:r>
-                <a:r>
-                  <a:rPr lang="pt-BR" dirty="0" smtClean="0"/>
-                  <a:t>para uma solução perfeita se as classes forem </a:t>
+                  <a:t>é um hiperplano, a regra converge para uma solução perfeita se as classes forem </a:t>
                 </a:r>
                 <a:r>
                   <a:rPr lang="pt-BR" b="1" i="1" dirty="0" smtClean="0"/>
@@ -26708,7 +26330,7 @@
             </p:txBody>
           </p:sp>
         </mc:Choice>
-        <mc:Fallback>
+        <mc:Fallback xmlns="">
           <p:sp>
             <p:nvSpPr>
               <p:cNvPr id="3" name="Content Placeholder 2"/>
@@ -26815,15 +26437,482 @@
           </a:fontRef>
         </p:style>
       </p:cxnSp>
+    </p:spTree>
+    <p:extLst>
+      <p:ext uri="{BB962C8B-B14F-4D97-AF65-F5344CB8AC3E}">
+        <p14:creationId xmlns:p14="http://schemas.microsoft.com/office/powerpoint/2010/main" val="80645897"/>
+      </p:ext>
+    </p:extLst>
+  </p:cSld>
+  <p:clrMapOvr>
+    <a:masterClrMapping/>
+  </p:clrMapOvr>
+</p:sld>
+</file>
+
+<file path=ppt/slides/slide17.xml><?xml version="1.0" encoding="utf-8"?>
+<p:sld xmlns:a="http://schemas.openxmlformats.org/drawingml/2006/main" xmlns:r="http://schemas.openxmlformats.org/officeDocument/2006/relationships" xmlns:p="http://schemas.openxmlformats.org/presentationml/2006/main">
+  <p:cSld>
+    <p:spTree>
+      <p:nvGrpSpPr>
+        <p:cNvPr id="1" name=""/>
+        <p:cNvGrpSpPr/>
+        <p:nvPr/>
+      </p:nvGrpSpPr>
+      <p:grpSpPr>
+        <a:xfrm>
+          <a:off x="0" y="0"/>
+          <a:ext cx="0" cy="0"/>
+          <a:chOff x="0" y="0"/>
+          <a:chExt cx="0" cy="0"/>
+        </a:xfrm>
+      </p:grpSpPr>
       <p:sp>
         <p:nvSpPr>
-          <p:cNvPr id="5" name="Rectangle 4"/>
+          <p:cNvPr id="2" name="Title 1"/>
+          <p:cNvSpPr>
+            <a:spLocks noGrp="1"/>
+          </p:cNvSpPr>
+          <p:nvPr>
+            <p:ph type="title"/>
+          </p:nvPr>
+        </p:nvSpPr>
+        <p:spPr/>
+        <p:txBody>
+          <a:bodyPr/>
+          <a:lstStyle/>
+          <a:p>
+            <a:r>
+              <a:rPr lang="pt-BR" dirty="0"/>
+              <a:t>Perceptron</a:t>
+            </a:r>
+          </a:p>
+        </p:txBody>
+      </p:sp>
+      <mc:AlternateContent xmlns:mc="http://schemas.openxmlformats.org/markup-compatibility/2006" xmlns:a14="http://schemas.microsoft.com/office/drawing/2010/main">
+        <mc:Choice Requires="a14">
+          <p:sp>
+            <p:nvSpPr>
+              <p:cNvPr id="3" name="Content Placeholder 2"/>
+              <p:cNvSpPr>
+                <a:spLocks noGrp="1"/>
+              </p:cNvSpPr>
+              <p:nvPr>
+                <p:ph idx="1"/>
+              </p:nvPr>
+            </p:nvSpPr>
+            <p:spPr>
+              <a:xfrm>
+                <a:off x="838200" y="1838725"/>
+                <a:ext cx="8226971" cy="5032923"/>
+              </a:xfrm>
+            </p:spPr>
+            <p:txBody>
+              <a:bodyPr>
+                <a:normAutofit fontScale="85000" lnSpcReduction="10000"/>
+              </a:bodyPr>
+              <a:lstStyle/>
+              <a:p>
+                <a:r>
+                  <a:rPr lang="pt-BR" dirty="0" smtClean="0"/>
+                  <a:t>Como podemos perceber, o modelo do </a:t>
+                </a:r>
+                <a:r>
+                  <a:rPr lang="pt-BR" b="1" i="1" dirty="0" smtClean="0"/>
+                  <a:t>perceptron</a:t>
+                </a:r>
+                <a:r>
+                  <a:rPr lang="pt-BR" dirty="0" smtClean="0"/>
+                  <a:t> é idêntico ao </a:t>
+                </a:r>
+                <a:r>
+                  <a:rPr lang="pt-BR" b="1" i="1" dirty="0" smtClean="0"/>
+                  <a:t>classificador binário com limiar de decisão rígido</a:t>
+                </a:r>
+                <a:r>
+                  <a:rPr lang="pt-BR" dirty="0" smtClean="0"/>
+                  <a:t>.</a:t>
+                </a:r>
+              </a:p>
+              <a:p>
+                <a:r>
+                  <a:rPr lang="pt-BR" dirty="0" smtClean="0"/>
+                  <a:t>Por definição, o perceptron sempre utiliza </a:t>
+                </a:r>
+                <a:r>
+                  <a:rPr lang="pt-BR" b="1" i="1" dirty="0" smtClean="0"/>
+                  <a:t>superfícies de separação lineares</a:t>
+                </a:r>
+                <a:r>
+                  <a:rPr lang="pt-BR" dirty="0" smtClean="0"/>
+                  <a:t>, ou seja, sempre teremos </a:t>
+                </a:r>
+                <a14:m>
+                  <m:oMath xmlns:m="http://schemas.openxmlformats.org/officeDocument/2006/math">
+                    <m:r>
+                      <a:rPr lang="pt-BR" i="1">
+                        <a:latin typeface="Cambria Math" panose="02040503050406030204" pitchFamily="18" charset="0"/>
+                      </a:rPr>
+                      <m:t>𝑔</m:t>
+                    </m:r>
+                    <m:d>
+                      <m:dPr>
+                        <m:ctrlPr>
+                          <a:rPr lang="pt-BR" i="1">
+                            <a:latin typeface="Cambria Math" panose="02040503050406030204" pitchFamily="18" charset="0"/>
+                          </a:rPr>
+                        </m:ctrlPr>
+                      </m:dPr>
+                      <m:e>
+                        <m:r>
+                          <a:rPr lang="pt-BR" b="1" i="1">
+                            <a:latin typeface="Cambria Math" panose="02040503050406030204" pitchFamily="18" charset="0"/>
+                          </a:rPr>
+                          <m:t>𝒙</m:t>
+                        </m:r>
+                      </m:e>
+                    </m:d>
+                  </m:oMath>
+                </a14:m>
+                <a:r>
+                  <a:rPr lang="pt-BR" dirty="0" smtClean="0"/>
+                  <a:t> como sendo a equação de um </a:t>
+                </a:r>
+                <a:r>
+                  <a:rPr lang="pt-BR" b="1" i="1" dirty="0" smtClean="0"/>
+                  <a:t>hiperplano</a:t>
+                </a:r>
+                <a:r>
+                  <a:rPr lang="pt-BR" dirty="0" smtClean="0"/>
+                  <a:t>.</a:t>
+                </a:r>
+                <a:endParaRPr lang="pt-BR" dirty="0"/>
+              </a:p>
+              <a:p>
+                <a:r>
+                  <a:rPr lang="pt-BR" dirty="0"/>
+                  <a:t>Portanto</a:t>
+                </a:r>
+                <a:r>
+                  <a:rPr lang="pt-BR" dirty="0" smtClean="0"/>
+                  <a:t>, teoricamente, </a:t>
+                </a:r>
+                <a:r>
+                  <a:rPr lang="pt-BR" dirty="0"/>
+                  <a:t>um </a:t>
+                </a:r>
+                <a:r>
+                  <a:rPr lang="pt-BR" b="1" i="1" dirty="0" smtClean="0">
+                    <a:solidFill>
+                      <a:srgbClr val="FF0000"/>
+                    </a:solidFill>
+                  </a:rPr>
+                  <a:t>único</a:t>
+                </a:r>
+                <a:r>
+                  <a:rPr lang="pt-BR" dirty="0" smtClean="0"/>
+                  <a:t> </a:t>
+                </a:r>
+                <a:r>
+                  <a:rPr lang="pt-BR" b="1" i="1" dirty="0" smtClean="0"/>
+                  <a:t>perceptron</a:t>
+                </a:r>
+                <a:r>
+                  <a:rPr lang="pt-BR" dirty="0" smtClean="0"/>
+                  <a:t> </a:t>
+                </a:r>
+                <a:r>
+                  <a:rPr lang="pt-BR" dirty="0"/>
+                  <a:t>só é capaz de </a:t>
+                </a:r>
+                <a:r>
+                  <a:rPr lang="pt-BR" b="1" i="1" dirty="0"/>
+                  <a:t>classificar</a:t>
+                </a:r>
+                <a:r>
+                  <a:rPr lang="pt-BR" dirty="0"/>
+                  <a:t> dados que sejam </a:t>
+                </a:r>
+                <a:r>
+                  <a:rPr lang="pt-BR" b="1" i="1" dirty="0"/>
+                  <a:t>linearmente separáveis </a:t>
+                </a:r>
+                <a:r>
+                  <a:rPr lang="pt-BR" dirty="0"/>
+                  <a:t>(ou seja, separáveis por um </a:t>
+                </a:r>
+                <a:r>
+                  <a:rPr lang="pt-BR" b="1" i="1" dirty="0"/>
+                  <a:t>hiperplano</a:t>
+                </a:r>
+                <a:r>
+                  <a:rPr lang="pt-BR" dirty="0"/>
+                  <a:t>). </a:t>
+                </a:r>
+                <a:endParaRPr lang="pt-BR" dirty="0" smtClean="0"/>
+              </a:p>
+              <a:p>
+                <a:r>
+                  <a:rPr lang="pt-BR" dirty="0"/>
+                  <a:t>A figura ao lado ilustra isso para um caso bidimensional</a:t>
+                </a:r>
+                <a:r>
+                  <a:rPr lang="pt-BR" dirty="0" smtClean="0"/>
+                  <a:t>.</a:t>
+                </a:r>
+              </a:p>
+              <a:p>
+                <a:r>
+                  <a:rPr lang="pt-BR" dirty="0" smtClean="0"/>
+                  <a:t>Entretanto, como veremos na sequência, podemos </a:t>
+                </a:r>
+                <a:r>
+                  <a:rPr lang="pt-BR" b="1" i="1" dirty="0" smtClean="0"/>
+                  <a:t>combinar vários perceptrons</a:t>
+                </a:r>
+                <a:r>
+                  <a:rPr lang="pt-BR" dirty="0" smtClean="0"/>
+                  <a:t> para criarmos uma </a:t>
+                </a:r>
+                <a:r>
+                  <a:rPr lang="pt-BR" b="1" i="1" dirty="0" smtClean="0"/>
+                  <a:t>superfície de separação </a:t>
+                </a:r>
+                <a:r>
+                  <a:rPr lang="pt-BR" dirty="0" smtClean="0"/>
+                  <a:t>que separe dados que não sejam linearmente separáveis sem a necessidade de usarmos </a:t>
+                </a:r>
+                <a:r>
+                  <a:rPr lang="pt-BR" dirty="0"/>
+                  <a:t>funções discriminantes, </a:t>
+                </a:r>
+                <a14:m>
+                  <m:oMath xmlns:m="http://schemas.openxmlformats.org/officeDocument/2006/math">
+                    <m:r>
+                      <a:rPr lang="pt-BR" i="1">
+                        <a:latin typeface="Cambria Math" panose="02040503050406030204" pitchFamily="18" charset="0"/>
+                      </a:rPr>
+                      <m:t>𝑔</m:t>
+                    </m:r>
+                    <m:d>
+                      <m:dPr>
+                        <m:ctrlPr>
+                          <a:rPr lang="pt-BR" i="1">
+                            <a:latin typeface="Cambria Math" panose="02040503050406030204" pitchFamily="18" charset="0"/>
+                          </a:rPr>
+                        </m:ctrlPr>
+                      </m:dPr>
+                      <m:e>
+                        <m:r>
+                          <a:rPr lang="pt-BR" b="1" i="1">
+                            <a:latin typeface="Cambria Math" panose="02040503050406030204" pitchFamily="18" charset="0"/>
+                          </a:rPr>
+                          <m:t>𝒙</m:t>
+                        </m:r>
+                      </m:e>
+                    </m:d>
+                  </m:oMath>
+                </a14:m>
+                <a:r>
+                  <a:rPr lang="pt-BR" dirty="0" smtClean="0"/>
+                  <a:t>, com outros formatos (e.g., polinômios).</a:t>
+                </a:r>
+                <a:endParaRPr lang="pt-BR" dirty="0"/>
+              </a:p>
+            </p:txBody>
+          </p:sp>
+        </mc:Choice>
+        <mc:Fallback xmlns="">
+          <p:sp>
+            <p:nvSpPr>
+              <p:cNvPr id="3" name="Content Placeholder 2"/>
+              <p:cNvSpPr>
+                <a:spLocks noGrp="1" noRot="1" noChangeAspect="1" noMove="1" noResize="1" noEditPoints="1" noAdjustHandles="1" noChangeArrowheads="1" noChangeShapeType="1" noTextEdit="1"/>
+              </p:cNvSpPr>
+              <p:nvPr>
+                <p:ph idx="1"/>
+              </p:nvPr>
+            </p:nvSpPr>
+            <p:spPr>
+              <a:xfrm>
+                <a:off x="838200" y="1838725"/>
+                <a:ext cx="8226971" cy="5032923"/>
+              </a:xfrm>
+              <a:blipFill rotWithShape="0">
+                <a:blip r:embed="rId3"/>
+                <a:stretch>
+                  <a:fillRect l="-1038" t="-2303" r="-1853"/>
+                </a:stretch>
+              </a:blipFill>
+            </p:spPr>
+            <p:txBody>
+              <a:bodyPr/>
+              <a:lstStyle/>
+              <a:p>
+                <a:r>
+                  <a:rPr lang="pt-BR">
+                    <a:noFill/>
+                  </a:rPr>
+                  <a:t> </a:t>
+                </a:r>
+              </a:p>
+            </p:txBody>
+          </p:sp>
+        </mc:Fallback>
+      </mc:AlternateContent>
+      <p:pic>
+        <p:nvPicPr>
+          <p:cNvPr id="5" name="Picture 4"/>
+          <p:cNvPicPr>
+            <a:picLocks noChangeAspect="1"/>
+          </p:cNvPicPr>
+          <p:nvPr/>
+        </p:nvPicPr>
+        <p:blipFill rotWithShape="1">
+          <a:blip r:embed="rId4">
+            <a:extLst>
+              <a:ext uri="{28A0092B-C50C-407E-A947-70E740481C1C}">
+                <a14:useLocalDpi xmlns:a14="http://schemas.microsoft.com/office/drawing/2010/main" val="0"/>
+              </a:ext>
+            </a:extLst>
+          </a:blip>
+          <a:srcRect t="3498" r="3041"/>
+          <a:stretch/>
+        </p:blipFill>
+        <p:spPr>
+          <a:xfrm>
+            <a:off x="8513378" y="2947444"/>
+            <a:ext cx="3647090" cy="2311426"/>
+          </a:xfrm>
+          <a:prstGeom prst="rect">
+            <a:avLst/>
+          </a:prstGeom>
+        </p:spPr>
+      </p:pic>
+    </p:spTree>
+    <p:extLst>
+      <p:ext uri="{BB962C8B-B14F-4D97-AF65-F5344CB8AC3E}">
+        <p14:creationId xmlns:p14="http://schemas.microsoft.com/office/powerpoint/2010/main" val="3996078630"/>
+      </p:ext>
+    </p:extLst>
+  </p:cSld>
+  <p:clrMapOvr>
+    <a:masterClrMapping/>
+  </p:clrMapOvr>
+  <p:timing>
+    <p:tnLst>
+      <p:par>
+        <p:cTn id="1" dur="indefinite" restart="never" nodeType="tmRoot"/>
+      </p:par>
+    </p:tnLst>
+  </p:timing>
+</p:sld>
+</file>
+
+<file path=ppt/slides/slide18.xml><?xml version="1.0" encoding="utf-8"?>
+<p:sld xmlns:a="http://schemas.openxmlformats.org/drawingml/2006/main" xmlns:r="http://schemas.openxmlformats.org/officeDocument/2006/relationships" xmlns:p="http://schemas.openxmlformats.org/presentationml/2006/main">
+  <p:cSld>
+    <p:spTree>
+      <p:nvGrpSpPr>
+        <p:cNvPr id="1" name=""/>
+        <p:cNvGrpSpPr/>
+        <p:nvPr/>
+      </p:nvGrpSpPr>
+      <p:grpSpPr>
+        <a:xfrm>
+          <a:off x="0" y="0"/>
+          <a:ext cx="0" cy="0"/>
+          <a:chOff x="0" y="0"/>
+          <a:chExt cx="0" cy="0"/>
+        </a:xfrm>
+      </p:grpSpPr>
+      <p:sp>
+        <p:nvSpPr>
+          <p:cNvPr id="2" name="Title 1"/>
+          <p:cNvSpPr>
+            <a:spLocks noGrp="1"/>
+          </p:cNvSpPr>
+          <p:nvPr>
+            <p:ph type="title"/>
+          </p:nvPr>
+        </p:nvSpPr>
+        <p:spPr/>
+        <p:txBody>
+          <a:bodyPr/>
+          <a:lstStyle/>
+          <a:p>
+            <a:r>
+              <a:rPr lang="pt-BR" dirty="0"/>
+              <a:t>Perceptron</a:t>
+            </a:r>
+          </a:p>
+        </p:txBody>
+      </p:sp>
+      <p:sp>
+        <p:nvSpPr>
+          <p:cNvPr id="3" name="Content Placeholder 2"/>
+          <p:cNvSpPr>
+            <a:spLocks noGrp="1"/>
+          </p:cNvSpPr>
+          <p:nvPr>
+            <p:ph idx="1"/>
+          </p:nvPr>
+        </p:nvSpPr>
+        <p:spPr>
+          <a:xfrm>
+            <a:off x="838200" y="1825624"/>
+            <a:ext cx="10939670" cy="4913105"/>
+          </a:xfrm>
+        </p:spPr>
+        <p:txBody>
+          <a:bodyPr/>
+          <a:lstStyle/>
+          <a:p>
+            <a:r>
+              <a:rPr lang="pt-BR" dirty="0" smtClean="0"/>
+              <a:t>Por serem </a:t>
+            </a:r>
+            <a:r>
+              <a:rPr lang="pt-BR" b="1" i="1" dirty="0" smtClean="0"/>
+              <a:t>linearmente separáveis</a:t>
+            </a:r>
+            <a:r>
+              <a:rPr lang="pt-BR" dirty="0" smtClean="0"/>
+              <a:t>, </a:t>
+            </a:r>
+            <a:r>
+              <a:rPr lang="pt-BR" dirty="0"/>
+              <a:t>as lógicas AND e </a:t>
+            </a:r>
+            <a:r>
+              <a:rPr lang="pt-BR" dirty="0" smtClean="0"/>
+              <a:t>OR podem ser separadas por um único Perceptron.</a:t>
+            </a:r>
+          </a:p>
+          <a:p>
+            <a:r>
+              <a:rPr lang="pt-BR" dirty="0" smtClean="0"/>
+              <a:t>Porém, a lógica XOR não é linearmente separável e necessita de uma superfície de separação não-linear.</a:t>
+            </a:r>
+          </a:p>
+          <a:p>
+            <a:r>
+              <a:rPr lang="pt-BR" dirty="0" smtClean="0"/>
+              <a:t>Como veremos, a separação da lógica XOR pode ser obtida combinando-se o resultado de duas classificações lineares.</a:t>
+            </a:r>
+            <a:endParaRPr lang="pt-BR" dirty="0"/>
+          </a:p>
+        </p:txBody>
+      </p:sp>
+      <p:sp>
+        <p:nvSpPr>
+          <p:cNvPr id="8" name="Rectangle 7"/>
           <p:cNvSpPr/>
           <p:nvPr/>
         </p:nvSpPr>
         <p:spPr>
           <a:xfrm>
-            <a:off x="7966703" y="1294709"/>
+            <a:off x="7589016" y="1321356"/>
             <a:ext cx="4046621" cy="369332"/>
           </a:xfrm>
           <a:prstGeom prst="rect">
@@ -26838,7 +26927,7 @@
           <a:p>
             <a:r>
               <a:rPr lang="pt-BR" dirty="0" smtClean="0">
-                <a:hlinkClick r:id="rId4"/>
+                <a:hlinkClick r:id="rId2"/>
               </a:rPr>
               <a:t>Exemplo: perceptron_xor_problem.ipynb</a:t>
             </a:r>
@@ -26846,10 +26935,97 @@
           </a:p>
         </p:txBody>
       </p:sp>
+      <p:pic>
+        <p:nvPicPr>
+          <p:cNvPr id="10" name="Picture 9"/>
+          <p:cNvPicPr>
+            <a:picLocks noChangeAspect="1"/>
+          </p:cNvPicPr>
+          <p:nvPr/>
+        </p:nvPicPr>
+        <p:blipFill rotWithShape="1">
+          <a:blip r:embed="rId3" cstate="print">
+            <a:extLst>
+              <a:ext uri="{28A0092B-C50C-407E-A947-70E740481C1C}">
+                <a14:useLocalDpi xmlns:a14="http://schemas.microsoft.com/office/drawing/2010/main" val="0"/>
+              </a:ext>
+            </a:extLst>
+          </a:blip>
+          <a:srcRect t="5707" r="7307"/>
+          <a:stretch/>
+        </p:blipFill>
+        <p:spPr>
+          <a:xfrm>
+            <a:off x="223951" y="4492484"/>
+            <a:ext cx="3473405" cy="2355577"/>
+          </a:xfrm>
+          <a:prstGeom prst="rect">
+            <a:avLst/>
+          </a:prstGeom>
+        </p:spPr>
+      </p:pic>
+      <p:pic>
+        <p:nvPicPr>
+          <p:cNvPr id="11" name="Picture 10"/>
+          <p:cNvPicPr>
+            <a:picLocks noChangeAspect="1"/>
+          </p:cNvPicPr>
+          <p:nvPr/>
+        </p:nvPicPr>
+        <p:blipFill rotWithShape="1">
+          <a:blip r:embed="rId4" cstate="print">
+            <a:extLst>
+              <a:ext uri="{28A0092B-C50C-407E-A947-70E740481C1C}">
+                <a14:useLocalDpi xmlns:a14="http://schemas.microsoft.com/office/drawing/2010/main" val="0"/>
+              </a:ext>
+            </a:extLst>
+          </a:blip>
+          <a:srcRect t="5978" r="7307"/>
+          <a:stretch/>
+        </p:blipFill>
+        <p:spPr>
+          <a:xfrm>
+            <a:off x="4357098" y="4488972"/>
+            <a:ext cx="3488635" cy="2359089"/>
+          </a:xfrm>
+          <a:prstGeom prst="rect">
+            <a:avLst/>
+          </a:prstGeom>
+        </p:spPr>
+      </p:pic>
+      <p:pic>
+        <p:nvPicPr>
+          <p:cNvPr id="12" name="Picture 11"/>
+          <p:cNvPicPr>
+            <a:picLocks noChangeAspect="1"/>
+          </p:cNvPicPr>
+          <p:nvPr/>
+        </p:nvPicPr>
+        <p:blipFill rotWithShape="1">
+          <a:blip r:embed="rId5" cstate="print">
+            <a:extLst>
+              <a:ext uri="{28A0092B-C50C-407E-A947-70E740481C1C}">
+                <a14:useLocalDpi xmlns:a14="http://schemas.microsoft.com/office/drawing/2010/main" val="0"/>
+              </a:ext>
+            </a:extLst>
+          </a:blip>
+          <a:srcRect t="5978" r="7125"/>
+          <a:stretch/>
+        </p:blipFill>
+        <p:spPr>
+          <a:xfrm>
+            <a:off x="8505475" y="4488972"/>
+            <a:ext cx="3490249" cy="2355577"/>
+          </a:xfrm>
+          <a:prstGeom prst="rect">
+            <a:avLst/>
+          </a:prstGeom>
+        </p:spPr>
+      </p:pic>
     </p:spTree>
     <p:extLst>
       <p:ext uri="{BB962C8B-B14F-4D97-AF65-F5344CB8AC3E}">
-        <p14:creationId xmlns:p14="http://schemas.microsoft.com/office/powerpoint/2010/main" val="80645897"/>
+        <p14:creationId xmlns:p14="http://schemas.microsoft.com/office/powerpoint/2010/main" val="3479629321"/>
       </p:ext>
     </p:extLst>
   </p:cSld>
@@ -26859,7 +27035,7 @@
 </p:sld>
 </file>
 
-<file path=ppt/slides/slide18.xml><?xml version="1.0" encoding="utf-8"?>
+<file path=ppt/slides/slide19.xml><?xml version="1.0" encoding="utf-8"?>
 <p:sld xmlns:a="http://schemas.openxmlformats.org/drawingml/2006/main" xmlns:r="http://schemas.openxmlformats.org/officeDocument/2006/relationships" xmlns:p="http://schemas.openxmlformats.org/presentationml/2006/main">
   <p:cSld>
     <p:spTree>
@@ -27040,91 +27216,6 @@
 </p:sld>
 </file>
 
-<file path=ppt/slides/slide19.xml><?xml version="1.0" encoding="utf-8"?>
-<p:sld xmlns:a="http://schemas.openxmlformats.org/drawingml/2006/main" xmlns:r="http://schemas.openxmlformats.org/officeDocument/2006/relationships" xmlns:p="http://schemas.openxmlformats.org/presentationml/2006/main">
-  <p:cSld>
-    <p:spTree>
-      <p:nvGrpSpPr>
-        <p:cNvPr id="1" name=""/>
-        <p:cNvGrpSpPr/>
-        <p:nvPr/>
-      </p:nvGrpSpPr>
-      <p:grpSpPr>
-        <a:xfrm>
-          <a:off x="0" y="0"/>
-          <a:ext cx="0" cy="0"/>
-          <a:chOff x="0" y="0"/>
-          <a:chExt cx="0" cy="0"/>
-        </a:xfrm>
-      </p:grpSpPr>
-      <p:sp>
-        <p:nvSpPr>
-          <p:cNvPr id="4" name="Título 1">
-            <a:extLst>
-              <a:ext uri="{FF2B5EF4-FFF2-40B4-BE49-F238E27FC236}">
-                <a16:creationId xmlns="" xmlns:a16="http://schemas.microsoft.com/office/drawing/2014/main" id="{32666AC8-2E17-4DB4-B0F5-60C640CCFD2E}"/>
-              </a:ext>
-            </a:extLst>
-          </p:cNvPr>
-          <p:cNvSpPr txBox="1">
-            <a:spLocks/>
-          </p:cNvSpPr>
-          <p:nvPr/>
-        </p:nvSpPr>
-        <p:spPr>
-          <a:xfrm>
-            <a:off x="1431533" y="2720526"/>
-            <a:ext cx="9144000" cy="1029541"/>
-          </a:xfrm>
-          <a:prstGeom prst="rect">
-            <a:avLst/>
-          </a:prstGeom>
-        </p:spPr>
-        <p:txBody>
-          <a:bodyPr vert="horz" lIns="91440" tIns="45720" rIns="91440" bIns="45720" rtlCol="0" anchor="ctr">
-            <a:normAutofit/>
-          </a:bodyPr>
-          <a:lstStyle>
-            <a:lvl1pPr algn="l" defTabSz="914400" rtl="0" eaLnBrk="1" latinLnBrk="0" hangingPunct="1">
-              <a:lnSpc>
-                <a:spcPct val="90000"/>
-              </a:lnSpc>
-              <a:spcBef>
-                <a:spcPct val="0"/>
-              </a:spcBef>
-              <a:buNone/>
-              <a:defRPr sz="4400" kern="1200">
-                <a:solidFill>
-                  <a:schemeClr val="tx1"/>
-                </a:solidFill>
-                <a:latin typeface="+mj-lt"/>
-                <a:ea typeface="+mj-ea"/>
-                <a:cs typeface="+mj-cs"/>
-              </a:defRPr>
-            </a:lvl1pPr>
-          </a:lstStyle>
-          <a:p>
-            <a:pPr algn="ctr"/>
-            <a:r>
-              <a:rPr lang="pt-BR" sz="6600" dirty="0"/>
-              <a:t>Obrigado!</a:t>
-            </a:r>
-          </a:p>
-        </p:txBody>
-      </p:sp>
-    </p:spTree>
-    <p:extLst>
-      <p:ext uri="{BB962C8B-B14F-4D97-AF65-F5344CB8AC3E}">
-        <p14:creationId xmlns:p14="http://schemas.microsoft.com/office/powerpoint/2010/main" val="668771460"/>
-      </p:ext>
-    </p:extLst>
-  </p:cSld>
-  <p:clrMapOvr>
-    <a:masterClrMapping/>
-  </p:clrMapOvr>
-</p:sld>
-</file>
-
 <file path=ppt/slides/slide2.xml><?xml version="1.0" encoding="utf-8"?>
 <p:sld xmlns:a="http://schemas.openxmlformats.org/drawingml/2006/main" xmlns:r="http://schemas.openxmlformats.org/officeDocument/2006/relationships" xmlns:p="http://schemas.openxmlformats.org/presentationml/2006/main">
   <p:cSld>
@@ -27283,6 +27374,91 @@
 </file>
 
 <file path=ppt/slides/slide20.xml><?xml version="1.0" encoding="utf-8"?>
+<p:sld xmlns:a="http://schemas.openxmlformats.org/drawingml/2006/main" xmlns:r="http://schemas.openxmlformats.org/officeDocument/2006/relationships" xmlns:p="http://schemas.openxmlformats.org/presentationml/2006/main">
+  <p:cSld>
+    <p:spTree>
+      <p:nvGrpSpPr>
+        <p:cNvPr id="1" name=""/>
+        <p:cNvGrpSpPr/>
+        <p:nvPr/>
+      </p:nvGrpSpPr>
+      <p:grpSpPr>
+        <a:xfrm>
+          <a:off x="0" y="0"/>
+          <a:ext cx="0" cy="0"/>
+          <a:chOff x="0" y="0"/>
+          <a:chExt cx="0" cy="0"/>
+        </a:xfrm>
+      </p:grpSpPr>
+      <p:sp>
+        <p:nvSpPr>
+          <p:cNvPr id="4" name="Título 1">
+            <a:extLst>
+              <a:ext uri="{FF2B5EF4-FFF2-40B4-BE49-F238E27FC236}">
+                <a16:creationId xmlns:a16="http://schemas.microsoft.com/office/drawing/2014/main" xmlns="" id="{32666AC8-2E17-4DB4-B0F5-60C640CCFD2E}"/>
+              </a:ext>
+            </a:extLst>
+          </p:cNvPr>
+          <p:cNvSpPr txBox="1">
+            <a:spLocks/>
+          </p:cNvSpPr>
+          <p:nvPr/>
+        </p:nvSpPr>
+        <p:spPr>
+          <a:xfrm>
+            <a:off x="1431533" y="2720526"/>
+            <a:ext cx="9144000" cy="1029541"/>
+          </a:xfrm>
+          <a:prstGeom prst="rect">
+            <a:avLst/>
+          </a:prstGeom>
+        </p:spPr>
+        <p:txBody>
+          <a:bodyPr vert="horz" lIns="91440" tIns="45720" rIns="91440" bIns="45720" rtlCol="0" anchor="ctr">
+            <a:normAutofit/>
+          </a:bodyPr>
+          <a:lstStyle>
+            <a:lvl1pPr algn="l" defTabSz="914400" rtl="0" eaLnBrk="1" latinLnBrk="0" hangingPunct="1">
+              <a:lnSpc>
+                <a:spcPct val="90000"/>
+              </a:lnSpc>
+              <a:spcBef>
+                <a:spcPct val="0"/>
+              </a:spcBef>
+              <a:buNone/>
+              <a:defRPr sz="4400" kern="1200">
+                <a:solidFill>
+                  <a:schemeClr val="tx1"/>
+                </a:solidFill>
+                <a:latin typeface="+mj-lt"/>
+                <a:ea typeface="+mj-ea"/>
+                <a:cs typeface="+mj-cs"/>
+              </a:defRPr>
+            </a:lvl1pPr>
+          </a:lstStyle>
+          <a:p>
+            <a:pPr algn="ctr"/>
+            <a:r>
+              <a:rPr lang="pt-BR" sz="6600" dirty="0"/>
+              <a:t>Obrigado!</a:t>
+            </a:r>
+          </a:p>
+        </p:txBody>
+      </p:sp>
+    </p:spTree>
+    <p:extLst>
+      <p:ext uri="{BB962C8B-B14F-4D97-AF65-F5344CB8AC3E}">
+        <p14:creationId xmlns:p14="http://schemas.microsoft.com/office/powerpoint/2010/main" val="668771460"/>
+      </p:ext>
+    </p:extLst>
+  </p:cSld>
+  <p:clrMapOvr>
+    <a:masterClrMapping/>
+  </p:clrMapOvr>
+</p:sld>
+</file>
+
+<file path=ppt/slides/slide21.xml><?xml version="1.0" encoding="utf-8"?>
 <p:sld xmlns:a="http://schemas.openxmlformats.org/drawingml/2006/main" xmlns:r="http://schemas.openxmlformats.org/officeDocument/2006/relationships" xmlns:p="http://schemas.openxmlformats.org/presentationml/2006/main">
   <p:cSld>
     <p:spTree>
@@ -27517,7 +27693,7 @@
 </p:sld>
 </file>
 
-<file path=ppt/slides/slide21.xml><?xml version="1.0" encoding="utf-8"?>
+<file path=ppt/slides/slide22.xml><?xml version="1.0" encoding="utf-8"?>
 <p:sld xmlns:a="http://schemas.openxmlformats.org/drawingml/2006/main" xmlns:r="http://schemas.openxmlformats.org/officeDocument/2006/relationships" xmlns:p="http://schemas.openxmlformats.org/presentationml/2006/main">
   <p:cSld>
     <p:spTree>
@@ -27539,7 +27715,7 @@
           <p:cNvPr id="4" name="Título 1">
             <a:extLst>
               <a:ext uri="{FF2B5EF4-FFF2-40B4-BE49-F238E27FC236}">
-                <a16:creationId xmlns="" xmlns:a16="http://schemas.microsoft.com/office/drawing/2014/main" id="{32666AC8-2E17-4DB4-B0F5-60C640CCFD2E}"/>
+                <a16:creationId xmlns:a16="http://schemas.microsoft.com/office/drawing/2014/main" xmlns="" id="{32666AC8-2E17-4DB4-B0F5-60C640CCFD2E}"/>
               </a:ext>
             </a:extLst>
           </p:cNvPr>
@@ -27602,7 +27778,7 @@
 </p:sld>
 </file>
 
-<file path=ppt/slides/slide22.xml><?xml version="1.0" encoding="utf-8"?>
+<file path=ppt/slides/slide23.xml><?xml version="1.0" encoding="utf-8"?>
 <p:sld xmlns:a="http://schemas.openxmlformats.org/drawingml/2006/main" xmlns:r="http://schemas.openxmlformats.org/officeDocument/2006/relationships" xmlns:p="http://schemas.openxmlformats.org/presentationml/2006/main">
   <p:cSld>
     <p:spTree>
@@ -31303,7 +31479,7 @@
 </p:sld>
 </file>
 
-<file path=ppt/slides/slide23.xml><?xml version="1.0" encoding="utf-8"?>
+<file path=ppt/slides/slide24.xml><?xml version="1.0" encoding="utf-8"?>
 <p:sld xmlns:a="http://schemas.openxmlformats.org/drawingml/2006/main" xmlns:r="http://schemas.openxmlformats.org/officeDocument/2006/relationships" xmlns:p="http://schemas.openxmlformats.org/presentationml/2006/main">
   <p:cSld>
     <p:spTree>
@@ -32843,7 +33019,7 @@
 </p:sld>
 </file>
 
-<file path=ppt/slides/slide24.xml><?xml version="1.0" encoding="utf-8"?>
+<file path=ppt/slides/slide25.xml><?xml version="1.0" encoding="utf-8"?>
 <p:sld xmlns:a="http://schemas.openxmlformats.org/drawingml/2006/main" xmlns:r="http://schemas.openxmlformats.org/officeDocument/2006/relationships" xmlns:p="http://schemas.openxmlformats.org/presentationml/2006/main">
   <p:cSld>
     <p:spTree>
@@ -34481,7 +34657,7 @@
 </p:sld>
 </file>
 
-<file path=ppt/slides/slide25.xml><?xml version="1.0" encoding="utf-8"?>
+<file path=ppt/slides/slide26.xml><?xml version="1.0" encoding="utf-8"?>
 <p:sld xmlns:a="http://schemas.openxmlformats.org/drawingml/2006/main" xmlns:r="http://schemas.openxmlformats.org/officeDocument/2006/relationships" xmlns:p="http://schemas.openxmlformats.org/presentationml/2006/main">
   <p:cSld>
     <p:spTree>
@@ -36818,7 +36994,7 @@
 </p:sld>
 </file>
 
-<file path=ppt/slides/slide26.xml><?xml version="1.0" encoding="utf-8"?>
+<file path=ppt/slides/slide27.xml><?xml version="1.0" encoding="utf-8"?>
 <p:sld xmlns:a="http://schemas.openxmlformats.org/drawingml/2006/main" xmlns:r="http://schemas.openxmlformats.org/officeDocument/2006/relationships" xmlns:p="http://schemas.openxmlformats.org/presentationml/2006/main">
   <p:cSld>
     <p:spTree>
@@ -39227,7 +39403,7 @@
 </p:sld>
 </file>
 
-<file path=ppt/slides/slide27.xml><?xml version="1.0" encoding="utf-8"?>
+<file path=ppt/slides/slide28.xml><?xml version="1.0" encoding="utf-8"?>
 <p:sld xmlns:a="http://schemas.openxmlformats.org/drawingml/2006/main" xmlns:r="http://schemas.openxmlformats.org/officeDocument/2006/relationships" xmlns:p="http://schemas.openxmlformats.org/presentationml/2006/main">
   <p:cSld>
     <p:spTree>
@@ -40377,7 +40553,7 @@
 </p:sld>
 </file>
 
-<file path=ppt/slides/slide28.xml><?xml version="1.0" encoding="utf-8"?>
+<file path=ppt/slides/slide29.xml><?xml version="1.0" encoding="utf-8"?>
 <p:sld xmlns:a="http://schemas.openxmlformats.org/drawingml/2006/main" xmlns:r="http://schemas.openxmlformats.org/officeDocument/2006/relationships" xmlns:p="http://schemas.openxmlformats.org/presentationml/2006/main">
   <p:cSld>
     <p:spTree>
@@ -41065,7 +41241,505 @@
 </p:sld>
 </file>
 
-<file path=ppt/slides/slide29.xml><?xml version="1.0" encoding="utf-8"?>
+<file path=ppt/slides/slide3.xml><?xml version="1.0" encoding="utf-8"?>
+<p:sld xmlns:a="http://schemas.openxmlformats.org/drawingml/2006/main" xmlns:r="http://schemas.openxmlformats.org/officeDocument/2006/relationships" xmlns:p="http://schemas.openxmlformats.org/presentationml/2006/main">
+  <p:cSld>
+    <p:spTree>
+      <p:nvGrpSpPr>
+        <p:cNvPr id="1" name=""/>
+        <p:cNvGrpSpPr/>
+        <p:nvPr/>
+      </p:nvGrpSpPr>
+      <p:grpSpPr>
+        <a:xfrm>
+          <a:off x="0" y="0"/>
+          <a:ext cx="0" cy="0"/>
+          <a:chOff x="0" y="0"/>
+          <a:chExt cx="0" cy="0"/>
+        </a:xfrm>
+      </p:grpSpPr>
+      <p:sp>
+        <p:nvSpPr>
+          <p:cNvPr id="2" name="Title 1"/>
+          <p:cNvSpPr>
+            <a:spLocks noGrp="1"/>
+          </p:cNvSpPr>
+          <p:nvPr>
+            <p:ph type="title"/>
+          </p:nvPr>
+        </p:nvSpPr>
+        <p:spPr/>
+        <p:txBody>
+          <a:bodyPr/>
+          <a:lstStyle/>
+          <a:p>
+            <a:r>
+              <a:rPr lang="pt-BR" dirty="0"/>
+              <a:t>Redes Neurais Artificiais</a:t>
+            </a:r>
+          </a:p>
+        </p:txBody>
+      </p:sp>
+      <p:sp>
+        <p:nvSpPr>
+          <p:cNvPr id="3" name="Content Placeholder 2"/>
+          <p:cNvSpPr>
+            <a:spLocks noGrp="1"/>
+          </p:cNvSpPr>
+          <p:nvPr>
+            <p:ph idx="1"/>
+          </p:nvPr>
+        </p:nvSpPr>
+        <p:spPr>
+          <a:xfrm>
+            <a:off x="838200" y="1825624"/>
+            <a:ext cx="7805620" cy="5032376"/>
+          </a:xfrm>
+        </p:spPr>
+        <p:txBody>
+          <a:bodyPr>
+            <a:normAutofit fontScale="92500" lnSpcReduction="10000"/>
+          </a:bodyPr>
+          <a:lstStyle/>
+          <a:p>
+            <a:r>
+              <a:rPr lang="pt-BR" b="1" i="1" dirty="0"/>
+              <a:t>Redes neurais artificiais </a:t>
+            </a:r>
+            <a:r>
+              <a:rPr lang="pt-BR" dirty="0"/>
+              <a:t>são modelos computacionais inspirados pelo funcionamento do cérebro dos animais.</a:t>
+            </a:r>
+          </a:p>
+          <a:p>
+            <a:r>
+              <a:rPr lang="pt-BR" dirty="0"/>
+              <a:t>Elas são capazes de realizar </a:t>
+            </a:r>
+            <a:r>
+              <a:rPr lang="pt-BR" dirty="0" smtClean="0"/>
+              <a:t>tarefas de aprendizado </a:t>
+            </a:r>
+            <a:r>
+              <a:rPr lang="pt-BR" dirty="0"/>
+              <a:t>de máquina </a:t>
+            </a:r>
+            <a:r>
+              <a:rPr lang="pt-BR" dirty="0" smtClean="0"/>
+              <a:t>(e.g., regressão e classificação) com </a:t>
+            </a:r>
+            <a:r>
+              <a:rPr lang="pt-BR" dirty="0"/>
+              <a:t>grande eficácia. </a:t>
+            </a:r>
+          </a:p>
+          <a:p>
+            <a:r>
+              <a:rPr lang="pt-BR" dirty="0"/>
+              <a:t>RNAs são geralmente apresentadas como </a:t>
+            </a:r>
+            <a:r>
+              <a:rPr lang="pt-BR" b="1" i="1" dirty="0"/>
+              <a:t>sistemas de</a:t>
+            </a:r>
+            <a:r>
+              <a:rPr lang="pt-BR" dirty="0"/>
+              <a:t> </a:t>
+            </a:r>
+            <a:r>
+              <a:rPr lang="pt-BR" b="1" i="1" dirty="0" smtClean="0"/>
+              <a:t>nós (unidades ou neurônios) interconectados</a:t>
+            </a:r>
+            <a:r>
+              <a:rPr lang="pt-BR" dirty="0"/>
+              <a:t>, que </a:t>
+            </a:r>
+            <a:r>
+              <a:rPr lang="pt-BR" dirty="0" smtClean="0"/>
+              <a:t>geram valores </a:t>
+            </a:r>
+            <a:r>
+              <a:rPr lang="pt-BR" dirty="0"/>
+              <a:t>de saída, simulando o comportamento de </a:t>
+            </a:r>
+            <a:r>
+              <a:rPr lang="pt-BR" b="1" i="1" dirty="0"/>
+              <a:t>redes neurais biológicas</a:t>
+            </a:r>
+            <a:r>
+              <a:rPr lang="pt-BR" dirty="0"/>
+              <a:t>.</a:t>
+            </a:r>
+          </a:p>
+          <a:p>
+            <a:r>
+              <a:rPr lang="pt-BR" dirty="0"/>
+              <a:t>Esta primeira parte </a:t>
+            </a:r>
+            <a:r>
+              <a:rPr lang="pt-BR" dirty="0" smtClean="0"/>
+              <a:t>deste tópico, foca </a:t>
+            </a:r>
+            <a:r>
+              <a:rPr lang="pt-BR" dirty="0"/>
+              <a:t>nos elementos básicos de construção de uma rede neural, os </a:t>
+            </a:r>
+            <a:r>
+              <a:rPr lang="pt-BR" b="1" i="1" dirty="0" smtClean="0"/>
+              <a:t>nós</a:t>
+            </a:r>
+            <a:r>
+              <a:rPr lang="pt-BR" dirty="0" smtClean="0"/>
+              <a:t> ou </a:t>
+            </a:r>
+            <a:r>
+              <a:rPr lang="pt-BR" b="1" i="1" dirty="0" smtClean="0"/>
+              <a:t>neurônios</a:t>
+            </a:r>
+            <a:r>
+              <a:rPr lang="pt-BR" dirty="0"/>
+              <a:t>.</a:t>
+            </a:r>
+            <a:endParaRPr lang="pt-BR" b="1" i="1" dirty="0"/>
+          </a:p>
+        </p:txBody>
+      </p:sp>
+      <p:pic>
+        <p:nvPicPr>
+          <p:cNvPr id="4" name="Picture 3"/>
+          <p:cNvPicPr>
+            <a:picLocks noChangeAspect="1"/>
+          </p:cNvPicPr>
+          <p:nvPr/>
+        </p:nvPicPr>
+        <p:blipFill>
+          <a:blip r:embed="rId2">
+            <a:extLst>
+              <a:ext uri="{28A0092B-C50C-407E-A947-70E740481C1C}">
+                <a14:useLocalDpi xmlns:a14="http://schemas.microsoft.com/office/drawing/2010/main" val="0"/>
+              </a:ext>
+            </a:extLst>
+          </a:blip>
+          <a:stretch>
+            <a:fillRect/>
+          </a:stretch>
+        </p:blipFill>
+        <p:spPr>
+          <a:xfrm>
+            <a:off x="8643820" y="2380005"/>
+            <a:ext cx="3548180" cy="3097036"/>
+          </a:xfrm>
+          <a:prstGeom prst="rect">
+            <a:avLst/>
+          </a:prstGeom>
+        </p:spPr>
+      </p:pic>
+      <p:sp>
+        <p:nvSpPr>
+          <p:cNvPr id="5" name="TextBox 4"/>
+          <p:cNvSpPr txBox="1"/>
+          <p:nvPr/>
+        </p:nvSpPr>
+        <p:spPr>
+          <a:xfrm>
+            <a:off x="9837880" y="1380761"/>
+            <a:ext cx="1160060" cy="369332"/>
+          </a:xfrm>
+          <a:prstGeom prst="rect">
+            <a:avLst/>
+          </a:prstGeom>
+          <a:noFill/>
+        </p:spPr>
+        <p:txBody>
+          <a:bodyPr wrap="square" rtlCol="0">
+            <a:spAutoFit/>
+          </a:bodyPr>
+          <a:lstStyle/>
+          <a:p>
+            <a:pPr algn="ctr"/>
+            <a:r>
+              <a:rPr lang="pt-BR" dirty="0"/>
+              <a:t>neurônios</a:t>
+            </a:r>
+          </a:p>
+        </p:txBody>
+      </p:sp>
+      <p:cxnSp>
+        <p:nvCxnSpPr>
+          <p:cNvPr id="7" name="Straight Arrow Connector 6"/>
+          <p:cNvCxnSpPr/>
+          <p:nvPr/>
+        </p:nvCxnSpPr>
+        <p:spPr>
+          <a:xfrm flipH="1">
+            <a:off x="10295080" y="1750093"/>
+            <a:ext cx="122830" cy="554381"/>
+          </a:xfrm>
+          <a:prstGeom prst="straightConnector1">
+            <a:avLst/>
+          </a:prstGeom>
+          <a:ln>
+            <a:solidFill>
+              <a:srgbClr val="FF0000"/>
+            </a:solidFill>
+            <a:tailEnd type="triangle"/>
+          </a:ln>
+        </p:spPr>
+        <p:style>
+          <a:lnRef idx="1">
+            <a:schemeClr val="accent1"/>
+          </a:lnRef>
+          <a:fillRef idx="0">
+            <a:schemeClr val="accent1"/>
+          </a:fillRef>
+          <a:effectRef idx="0">
+            <a:schemeClr val="accent1"/>
+          </a:effectRef>
+          <a:fontRef idx="minor">
+            <a:schemeClr val="tx1"/>
+          </a:fontRef>
+        </p:style>
+      </p:cxnSp>
+      <p:cxnSp>
+        <p:nvCxnSpPr>
+          <p:cNvPr id="8" name="Straight Arrow Connector 7"/>
+          <p:cNvCxnSpPr/>
+          <p:nvPr/>
+        </p:nvCxnSpPr>
+        <p:spPr>
+          <a:xfrm>
+            <a:off x="10417910" y="1758156"/>
+            <a:ext cx="935890" cy="1640137"/>
+          </a:xfrm>
+          <a:prstGeom prst="straightConnector1">
+            <a:avLst/>
+          </a:prstGeom>
+          <a:ln>
+            <a:solidFill>
+              <a:srgbClr val="FF0000"/>
+            </a:solidFill>
+            <a:tailEnd type="triangle"/>
+          </a:ln>
+        </p:spPr>
+        <p:style>
+          <a:lnRef idx="1">
+            <a:schemeClr val="accent1"/>
+          </a:lnRef>
+          <a:fillRef idx="0">
+            <a:schemeClr val="accent1"/>
+          </a:fillRef>
+          <a:effectRef idx="0">
+            <a:schemeClr val="accent1"/>
+          </a:effectRef>
+          <a:fontRef idx="minor">
+            <a:schemeClr val="tx1"/>
+          </a:fontRef>
+        </p:style>
+      </p:cxnSp>
+      <p:cxnSp>
+        <p:nvCxnSpPr>
+          <p:cNvPr id="9" name="Straight Arrow Connector 8"/>
+          <p:cNvCxnSpPr/>
+          <p:nvPr/>
+        </p:nvCxnSpPr>
+        <p:spPr>
+          <a:xfrm flipV="1">
+            <a:off x="7874758" y="3698215"/>
+            <a:ext cx="1050879" cy="382466"/>
+          </a:xfrm>
+          <a:prstGeom prst="straightConnector1">
+            <a:avLst/>
+          </a:prstGeom>
+          <a:ln w="28575">
+            <a:solidFill>
+              <a:schemeClr val="tx1"/>
+            </a:solidFill>
+            <a:tailEnd type="triangle"/>
+          </a:ln>
+        </p:spPr>
+        <p:style>
+          <a:lnRef idx="1">
+            <a:schemeClr val="accent1"/>
+          </a:lnRef>
+          <a:fillRef idx="0">
+            <a:schemeClr val="accent1"/>
+          </a:fillRef>
+          <a:effectRef idx="0">
+            <a:schemeClr val="accent1"/>
+          </a:effectRef>
+          <a:fontRef idx="minor">
+            <a:schemeClr val="tx1"/>
+          </a:fontRef>
+        </p:style>
+      </p:cxnSp>
+      <p:sp>
+        <p:nvSpPr>
+          <p:cNvPr id="11" name="TextBox 10"/>
+          <p:cNvSpPr txBox="1"/>
+          <p:nvPr/>
+        </p:nvSpPr>
+        <p:spPr>
+          <a:xfrm>
+            <a:off x="9021947" y="2347391"/>
+            <a:ext cx="895006" cy="461665"/>
+          </a:xfrm>
+          <a:prstGeom prst="rect">
+            <a:avLst/>
+          </a:prstGeom>
+          <a:noFill/>
+        </p:spPr>
+        <p:txBody>
+          <a:bodyPr wrap="square" rtlCol="0">
+            <a:spAutoFit/>
+          </a:bodyPr>
+          <a:lstStyle/>
+          <a:p>
+            <a:pPr algn="ctr"/>
+            <a:r>
+              <a:rPr lang="pt-BR" sz="1200" dirty="0" smtClean="0"/>
+              <a:t>pesos sinápticos</a:t>
+            </a:r>
+            <a:endParaRPr lang="pt-BR" sz="1200" dirty="0"/>
+          </a:p>
+        </p:txBody>
+      </p:sp>
+      <p:sp>
+        <p:nvSpPr>
+          <p:cNvPr id="28" name="Oval 27"/>
+          <p:cNvSpPr/>
+          <p:nvPr/>
+        </p:nvSpPr>
+        <p:spPr>
+          <a:xfrm>
+            <a:off x="9444966" y="2804287"/>
+            <a:ext cx="281817" cy="1787855"/>
+          </a:xfrm>
+          <a:prstGeom prst="ellipse">
+            <a:avLst/>
+          </a:prstGeom>
+          <a:noFill/>
+          <a:ln>
+            <a:solidFill>
+              <a:schemeClr val="tx1"/>
+            </a:solidFill>
+          </a:ln>
+        </p:spPr>
+        <p:style>
+          <a:lnRef idx="2">
+            <a:schemeClr val="accent1">
+              <a:shade val="50000"/>
+            </a:schemeClr>
+          </a:lnRef>
+          <a:fillRef idx="1">
+            <a:schemeClr val="accent1"/>
+          </a:fillRef>
+          <a:effectRef idx="0">
+            <a:schemeClr val="accent1"/>
+          </a:effectRef>
+          <a:fontRef idx="minor">
+            <a:schemeClr val="lt1"/>
+          </a:fontRef>
+        </p:style>
+        <p:txBody>
+          <a:bodyPr rtlCol="0" anchor="ctr"/>
+          <a:lstStyle/>
+          <a:p>
+            <a:pPr algn="ctr"/>
+            <a:endParaRPr lang="pt-BR"/>
+          </a:p>
+        </p:txBody>
+      </p:sp>
+      <p:sp>
+        <p:nvSpPr>
+          <p:cNvPr id="29" name="Oval 28"/>
+          <p:cNvSpPr/>
+          <p:nvPr/>
+        </p:nvSpPr>
+        <p:spPr>
+          <a:xfrm>
+            <a:off x="10677574" y="2804286"/>
+            <a:ext cx="281817" cy="1787855"/>
+          </a:xfrm>
+          <a:prstGeom prst="ellipse">
+            <a:avLst/>
+          </a:prstGeom>
+          <a:noFill/>
+          <a:ln>
+            <a:solidFill>
+              <a:schemeClr val="tx1"/>
+            </a:solidFill>
+          </a:ln>
+        </p:spPr>
+        <p:style>
+          <a:lnRef idx="2">
+            <a:schemeClr val="accent1">
+              <a:shade val="50000"/>
+            </a:schemeClr>
+          </a:lnRef>
+          <a:fillRef idx="1">
+            <a:schemeClr val="accent1"/>
+          </a:fillRef>
+          <a:effectRef idx="0">
+            <a:schemeClr val="accent1"/>
+          </a:effectRef>
+          <a:fontRef idx="minor">
+            <a:schemeClr val="lt1"/>
+          </a:fontRef>
+        </p:style>
+        <p:txBody>
+          <a:bodyPr rtlCol="0" anchor="ctr"/>
+          <a:lstStyle/>
+          <a:p>
+            <a:pPr algn="ctr"/>
+            <a:endParaRPr lang="pt-BR"/>
+          </a:p>
+        </p:txBody>
+      </p:sp>
+      <p:sp>
+        <p:nvSpPr>
+          <p:cNvPr id="30" name="TextBox 29"/>
+          <p:cNvSpPr txBox="1"/>
+          <p:nvPr/>
+        </p:nvSpPr>
+        <p:spPr>
+          <a:xfrm>
+            <a:off x="10649141" y="4436839"/>
+            <a:ext cx="895006" cy="461665"/>
+          </a:xfrm>
+          <a:prstGeom prst="rect">
+            <a:avLst/>
+          </a:prstGeom>
+          <a:noFill/>
+        </p:spPr>
+        <p:txBody>
+          <a:bodyPr wrap="square" rtlCol="0">
+            <a:spAutoFit/>
+          </a:bodyPr>
+          <a:lstStyle/>
+          <a:p>
+            <a:pPr algn="ctr"/>
+            <a:r>
+              <a:rPr lang="pt-BR" sz="1200" dirty="0" smtClean="0"/>
+              <a:t>pesos sinápticos</a:t>
+            </a:r>
+            <a:endParaRPr lang="pt-BR" sz="1200" dirty="0"/>
+          </a:p>
+        </p:txBody>
+      </p:sp>
+    </p:spTree>
+    <p:extLst>
+      <p:ext uri="{BB962C8B-B14F-4D97-AF65-F5344CB8AC3E}">
+        <p14:creationId xmlns:p14="http://schemas.microsoft.com/office/powerpoint/2010/main" val="3341368700"/>
+      </p:ext>
+    </p:extLst>
+  </p:cSld>
+  <p:clrMapOvr>
+    <a:masterClrMapping/>
+  </p:clrMapOvr>
+</p:sld>
+</file>
+
+<file path=ppt/slides/slide30.xml><?xml version="1.0" encoding="utf-8"?>
 <p:sld xmlns:a="http://schemas.openxmlformats.org/drawingml/2006/main" xmlns:r="http://schemas.openxmlformats.org/officeDocument/2006/relationships" xmlns:p="http://schemas.openxmlformats.org/presentationml/2006/main">
   <p:cSld>
     <p:spTree>
@@ -43180,505 +43854,7 @@
 </p:sld>
 </file>
 
-<file path=ppt/slides/slide3.xml><?xml version="1.0" encoding="utf-8"?>
-<p:sld xmlns:a="http://schemas.openxmlformats.org/drawingml/2006/main" xmlns:r="http://schemas.openxmlformats.org/officeDocument/2006/relationships" xmlns:p="http://schemas.openxmlformats.org/presentationml/2006/main">
-  <p:cSld>
-    <p:spTree>
-      <p:nvGrpSpPr>
-        <p:cNvPr id="1" name=""/>
-        <p:cNvGrpSpPr/>
-        <p:nvPr/>
-      </p:nvGrpSpPr>
-      <p:grpSpPr>
-        <a:xfrm>
-          <a:off x="0" y="0"/>
-          <a:ext cx="0" cy="0"/>
-          <a:chOff x="0" y="0"/>
-          <a:chExt cx="0" cy="0"/>
-        </a:xfrm>
-      </p:grpSpPr>
-      <p:sp>
-        <p:nvSpPr>
-          <p:cNvPr id="2" name="Title 1"/>
-          <p:cNvSpPr>
-            <a:spLocks noGrp="1"/>
-          </p:cNvSpPr>
-          <p:nvPr>
-            <p:ph type="title"/>
-          </p:nvPr>
-        </p:nvSpPr>
-        <p:spPr/>
-        <p:txBody>
-          <a:bodyPr/>
-          <a:lstStyle/>
-          <a:p>
-            <a:r>
-              <a:rPr lang="pt-BR" dirty="0"/>
-              <a:t>Redes Neurais Artificiais</a:t>
-            </a:r>
-          </a:p>
-        </p:txBody>
-      </p:sp>
-      <p:sp>
-        <p:nvSpPr>
-          <p:cNvPr id="3" name="Content Placeholder 2"/>
-          <p:cNvSpPr>
-            <a:spLocks noGrp="1"/>
-          </p:cNvSpPr>
-          <p:nvPr>
-            <p:ph idx="1"/>
-          </p:nvPr>
-        </p:nvSpPr>
-        <p:spPr>
-          <a:xfrm>
-            <a:off x="838200" y="1825624"/>
-            <a:ext cx="7805620" cy="5032376"/>
-          </a:xfrm>
-        </p:spPr>
-        <p:txBody>
-          <a:bodyPr>
-            <a:normAutofit fontScale="92500" lnSpcReduction="10000"/>
-          </a:bodyPr>
-          <a:lstStyle/>
-          <a:p>
-            <a:r>
-              <a:rPr lang="pt-BR" b="1" i="1" dirty="0"/>
-              <a:t>Redes neurais artificiais </a:t>
-            </a:r>
-            <a:r>
-              <a:rPr lang="pt-BR" dirty="0"/>
-              <a:t>são modelos computacionais inspirados pelo funcionamento do cérebro dos animais.</a:t>
-            </a:r>
-          </a:p>
-          <a:p>
-            <a:r>
-              <a:rPr lang="pt-BR" dirty="0"/>
-              <a:t>Elas são capazes de realizar </a:t>
-            </a:r>
-            <a:r>
-              <a:rPr lang="pt-BR" dirty="0" smtClean="0"/>
-              <a:t>tarefas de aprendizado </a:t>
-            </a:r>
-            <a:r>
-              <a:rPr lang="pt-BR" dirty="0"/>
-              <a:t>de máquina </a:t>
-            </a:r>
-            <a:r>
-              <a:rPr lang="pt-BR" dirty="0" smtClean="0"/>
-              <a:t>(e.g., regressão e classificação) com </a:t>
-            </a:r>
-            <a:r>
-              <a:rPr lang="pt-BR" dirty="0"/>
-              <a:t>grande eficácia. </a:t>
-            </a:r>
-          </a:p>
-          <a:p>
-            <a:r>
-              <a:rPr lang="pt-BR" dirty="0"/>
-              <a:t>RNAs são geralmente apresentadas como </a:t>
-            </a:r>
-            <a:r>
-              <a:rPr lang="pt-BR" b="1" i="1" dirty="0"/>
-              <a:t>sistemas de</a:t>
-            </a:r>
-            <a:r>
-              <a:rPr lang="pt-BR" dirty="0"/>
-              <a:t> </a:t>
-            </a:r>
-            <a:r>
-              <a:rPr lang="pt-BR" b="1" i="1" dirty="0" smtClean="0"/>
-              <a:t>nós (unidades ou neurônios) interconectados</a:t>
-            </a:r>
-            <a:r>
-              <a:rPr lang="pt-BR" dirty="0"/>
-              <a:t>, que </a:t>
-            </a:r>
-            <a:r>
-              <a:rPr lang="pt-BR" dirty="0" smtClean="0"/>
-              <a:t>geram valores </a:t>
-            </a:r>
-            <a:r>
-              <a:rPr lang="pt-BR" dirty="0"/>
-              <a:t>de saída, simulando o comportamento de </a:t>
-            </a:r>
-            <a:r>
-              <a:rPr lang="pt-BR" b="1" i="1" dirty="0"/>
-              <a:t>redes neurais biológicas</a:t>
-            </a:r>
-            <a:r>
-              <a:rPr lang="pt-BR" dirty="0"/>
-              <a:t>.</a:t>
-            </a:r>
-          </a:p>
-          <a:p>
-            <a:r>
-              <a:rPr lang="pt-BR" dirty="0"/>
-              <a:t>Esta primeira parte </a:t>
-            </a:r>
-            <a:r>
-              <a:rPr lang="pt-BR" dirty="0" smtClean="0"/>
-              <a:t>deste tópico, foca </a:t>
-            </a:r>
-            <a:r>
-              <a:rPr lang="pt-BR" dirty="0"/>
-              <a:t>nos elementos básicos de construção de uma rede neural, os </a:t>
-            </a:r>
-            <a:r>
-              <a:rPr lang="pt-BR" b="1" i="1" dirty="0" smtClean="0"/>
-              <a:t>nós</a:t>
-            </a:r>
-            <a:r>
-              <a:rPr lang="pt-BR" dirty="0" smtClean="0"/>
-              <a:t> ou </a:t>
-            </a:r>
-            <a:r>
-              <a:rPr lang="pt-BR" b="1" i="1" dirty="0" smtClean="0"/>
-              <a:t>neurônios</a:t>
-            </a:r>
-            <a:r>
-              <a:rPr lang="pt-BR" dirty="0"/>
-              <a:t>.</a:t>
-            </a:r>
-            <a:endParaRPr lang="pt-BR" b="1" i="1" dirty="0"/>
-          </a:p>
-        </p:txBody>
-      </p:sp>
-      <p:pic>
-        <p:nvPicPr>
-          <p:cNvPr id="4" name="Picture 3"/>
-          <p:cNvPicPr>
-            <a:picLocks noChangeAspect="1"/>
-          </p:cNvPicPr>
-          <p:nvPr/>
-        </p:nvPicPr>
-        <p:blipFill>
-          <a:blip r:embed="rId2">
-            <a:extLst>
-              <a:ext uri="{28A0092B-C50C-407E-A947-70E740481C1C}">
-                <a14:useLocalDpi xmlns:a14="http://schemas.microsoft.com/office/drawing/2010/main" val="0"/>
-              </a:ext>
-            </a:extLst>
-          </a:blip>
-          <a:stretch>
-            <a:fillRect/>
-          </a:stretch>
-        </p:blipFill>
-        <p:spPr>
-          <a:xfrm>
-            <a:off x="8643820" y="2380005"/>
-            <a:ext cx="3548180" cy="3097036"/>
-          </a:xfrm>
-          <a:prstGeom prst="rect">
-            <a:avLst/>
-          </a:prstGeom>
-        </p:spPr>
-      </p:pic>
-      <p:sp>
-        <p:nvSpPr>
-          <p:cNvPr id="5" name="TextBox 4"/>
-          <p:cNvSpPr txBox="1"/>
-          <p:nvPr/>
-        </p:nvSpPr>
-        <p:spPr>
-          <a:xfrm>
-            <a:off x="9837880" y="1380761"/>
-            <a:ext cx="1160060" cy="369332"/>
-          </a:xfrm>
-          <a:prstGeom prst="rect">
-            <a:avLst/>
-          </a:prstGeom>
-          <a:noFill/>
-        </p:spPr>
-        <p:txBody>
-          <a:bodyPr wrap="square" rtlCol="0">
-            <a:spAutoFit/>
-          </a:bodyPr>
-          <a:lstStyle/>
-          <a:p>
-            <a:pPr algn="ctr"/>
-            <a:r>
-              <a:rPr lang="pt-BR" dirty="0"/>
-              <a:t>neurônios</a:t>
-            </a:r>
-          </a:p>
-        </p:txBody>
-      </p:sp>
-      <p:cxnSp>
-        <p:nvCxnSpPr>
-          <p:cNvPr id="7" name="Straight Arrow Connector 6"/>
-          <p:cNvCxnSpPr/>
-          <p:nvPr/>
-        </p:nvCxnSpPr>
-        <p:spPr>
-          <a:xfrm flipH="1">
-            <a:off x="10295080" y="1750093"/>
-            <a:ext cx="122830" cy="554381"/>
-          </a:xfrm>
-          <a:prstGeom prst="straightConnector1">
-            <a:avLst/>
-          </a:prstGeom>
-          <a:ln>
-            <a:solidFill>
-              <a:srgbClr val="FF0000"/>
-            </a:solidFill>
-            <a:tailEnd type="triangle"/>
-          </a:ln>
-        </p:spPr>
-        <p:style>
-          <a:lnRef idx="1">
-            <a:schemeClr val="accent1"/>
-          </a:lnRef>
-          <a:fillRef idx="0">
-            <a:schemeClr val="accent1"/>
-          </a:fillRef>
-          <a:effectRef idx="0">
-            <a:schemeClr val="accent1"/>
-          </a:effectRef>
-          <a:fontRef idx="minor">
-            <a:schemeClr val="tx1"/>
-          </a:fontRef>
-        </p:style>
-      </p:cxnSp>
-      <p:cxnSp>
-        <p:nvCxnSpPr>
-          <p:cNvPr id="8" name="Straight Arrow Connector 7"/>
-          <p:cNvCxnSpPr/>
-          <p:nvPr/>
-        </p:nvCxnSpPr>
-        <p:spPr>
-          <a:xfrm>
-            <a:off x="10417910" y="1758156"/>
-            <a:ext cx="935890" cy="1640137"/>
-          </a:xfrm>
-          <a:prstGeom prst="straightConnector1">
-            <a:avLst/>
-          </a:prstGeom>
-          <a:ln>
-            <a:solidFill>
-              <a:srgbClr val="FF0000"/>
-            </a:solidFill>
-            <a:tailEnd type="triangle"/>
-          </a:ln>
-        </p:spPr>
-        <p:style>
-          <a:lnRef idx="1">
-            <a:schemeClr val="accent1"/>
-          </a:lnRef>
-          <a:fillRef idx="0">
-            <a:schemeClr val="accent1"/>
-          </a:fillRef>
-          <a:effectRef idx="0">
-            <a:schemeClr val="accent1"/>
-          </a:effectRef>
-          <a:fontRef idx="minor">
-            <a:schemeClr val="tx1"/>
-          </a:fontRef>
-        </p:style>
-      </p:cxnSp>
-      <p:cxnSp>
-        <p:nvCxnSpPr>
-          <p:cNvPr id="9" name="Straight Arrow Connector 8"/>
-          <p:cNvCxnSpPr/>
-          <p:nvPr/>
-        </p:nvCxnSpPr>
-        <p:spPr>
-          <a:xfrm flipV="1">
-            <a:off x="7874758" y="3698215"/>
-            <a:ext cx="1050879" cy="382466"/>
-          </a:xfrm>
-          <a:prstGeom prst="straightConnector1">
-            <a:avLst/>
-          </a:prstGeom>
-          <a:ln w="28575">
-            <a:solidFill>
-              <a:schemeClr val="tx1"/>
-            </a:solidFill>
-            <a:tailEnd type="triangle"/>
-          </a:ln>
-        </p:spPr>
-        <p:style>
-          <a:lnRef idx="1">
-            <a:schemeClr val="accent1"/>
-          </a:lnRef>
-          <a:fillRef idx="0">
-            <a:schemeClr val="accent1"/>
-          </a:fillRef>
-          <a:effectRef idx="0">
-            <a:schemeClr val="accent1"/>
-          </a:effectRef>
-          <a:fontRef idx="minor">
-            <a:schemeClr val="tx1"/>
-          </a:fontRef>
-        </p:style>
-      </p:cxnSp>
-      <p:sp>
-        <p:nvSpPr>
-          <p:cNvPr id="11" name="TextBox 10"/>
-          <p:cNvSpPr txBox="1"/>
-          <p:nvPr/>
-        </p:nvSpPr>
-        <p:spPr>
-          <a:xfrm>
-            <a:off x="9021947" y="2347391"/>
-            <a:ext cx="895006" cy="461665"/>
-          </a:xfrm>
-          <a:prstGeom prst="rect">
-            <a:avLst/>
-          </a:prstGeom>
-          <a:noFill/>
-        </p:spPr>
-        <p:txBody>
-          <a:bodyPr wrap="square" rtlCol="0">
-            <a:spAutoFit/>
-          </a:bodyPr>
-          <a:lstStyle/>
-          <a:p>
-            <a:pPr algn="ctr"/>
-            <a:r>
-              <a:rPr lang="pt-BR" sz="1200" dirty="0" smtClean="0"/>
-              <a:t>pesos sinápticos</a:t>
-            </a:r>
-            <a:endParaRPr lang="pt-BR" sz="1200" dirty="0"/>
-          </a:p>
-        </p:txBody>
-      </p:sp>
-      <p:sp>
-        <p:nvSpPr>
-          <p:cNvPr id="28" name="Oval 27"/>
-          <p:cNvSpPr/>
-          <p:nvPr/>
-        </p:nvSpPr>
-        <p:spPr>
-          <a:xfrm>
-            <a:off x="9444966" y="2804287"/>
-            <a:ext cx="281817" cy="1787855"/>
-          </a:xfrm>
-          <a:prstGeom prst="ellipse">
-            <a:avLst/>
-          </a:prstGeom>
-          <a:noFill/>
-          <a:ln>
-            <a:solidFill>
-              <a:schemeClr val="tx1"/>
-            </a:solidFill>
-          </a:ln>
-        </p:spPr>
-        <p:style>
-          <a:lnRef idx="2">
-            <a:schemeClr val="accent1">
-              <a:shade val="50000"/>
-            </a:schemeClr>
-          </a:lnRef>
-          <a:fillRef idx="1">
-            <a:schemeClr val="accent1"/>
-          </a:fillRef>
-          <a:effectRef idx="0">
-            <a:schemeClr val="accent1"/>
-          </a:effectRef>
-          <a:fontRef idx="minor">
-            <a:schemeClr val="lt1"/>
-          </a:fontRef>
-        </p:style>
-        <p:txBody>
-          <a:bodyPr rtlCol="0" anchor="ctr"/>
-          <a:lstStyle/>
-          <a:p>
-            <a:pPr algn="ctr"/>
-            <a:endParaRPr lang="pt-BR"/>
-          </a:p>
-        </p:txBody>
-      </p:sp>
-      <p:sp>
-        <p:nvSpPr>
-          <p:cNvPr id="29" name="Oval 28"/>
-          <p:cNvSpPr/>
-          <p:nvPr/>
-        </p:nvSpPr>
-        <p:spPr>
-          <a:xfrm>
-            <a:off x="10677574" y="2804286"/>
-            <a:ext cx="281817" cy="1787855"/>
-          </a:xfrm>
-          <a:prstGeom prst="ellipse">
-            <a:avLst/>
-          </a:prstGeom>
-          <a:noFill/>
-          <a:ln>
-            <a:solidFill>
-              <a:schemeClr val="tx1"/>
-            </a:solidFill>
-          </a:ln>
-        </p:spPr>
-        <p:style>
-          <a:lnRef idx="2">
-            <a:schemeClr val="accent1">
-              <a:shade val="50000"/>
-            </a:schemeClr>
-          </a:lnRef>
-          <a:fillRef idx="1">
-            <a:schemeClr val="accent1"/>
-          </a:fillRef>
-          <a:effectRef idx="0">
-            <a:schemeClr val="accent1"/>
-          </a:effectRef>
-          <a:fontRef idx="minor">
-            <a:schemeClr val="lt1"/>
-          </a:fontRef>
-        </p:style>
-        <p:txBody>
-          <a:bodyPr rtlCol="0" anchor="ctr"/>
-          <a:lstStyle/>
-          <a:p>
-            <a:pPr algn="ctr"/>
-            <a:endParaRPr lang="pt-BR"/>
-          </a:p>
-        </p:txBody>
-      </p:sp>
-      <p:sp>
-        <p:nvSpPr>
-          <p:cNvPr id="30" name="TextBox 29"/>
-          <p:cNvSpPr txBox="1"/>
-          <p:nvPr/>
-        </p:nvSpPr>
-        <p:spPr>
-          <a:xfrm>
-            <a:off x="10649141" y="4436839"/>
-            <a:ext cx="895006" cy="461665"/>
-          </a:xfrm>
-          <a:prstGeom prst="rect">
-            <a:avLst/>
-          </a:prstGeom>
-          <a:noFill/>
-        </p:spPr>
-        <p:txBody>
-          <a:bodyPr wrap="square" rtlCol="0">
-            <a:spAutoFit/>
-          </a:bodyPr>
-          <a:lstStyle/>
-          <a:p>
-            <a:pPr algn="ctr"/>
-            <a:r>
-              <a:rPr lang="pt-BR" sz="1200" dirty="0" smtClean="0"/>
-              <a:t>pesos sinápticos</a:t>
-            </a:r>
-            <a:endParaRPr lang="pt-BR" sz="1200" dirty="0"/>
-          </a:p>
-        </p:txBody>
-      </p:sp>
-    </p:spTree>
-    <p:extLst>
-      <p:ext uri="{BB962C8B-B14F-4D97-AF65-F5344CB8AC3E}">
-        <p14:creationId xmlns:p14="http://schemas.microsoft.com/office/powerpoint/2010/main" val="3341368700"/>
-      </p:ext>
-    </p:extLst>
-  </p:cSld>
-  <p:clrMapOvr>
-    <a:masterClrMapping/>
-  </p:clrMapOvr>
-</p:sld>
-</file>
-
-<file path=ppt/slides/slide30.xml><?xml version="1.0" encoding="utf-8"?>
+<file path=ppt/slides/slide31.xml><?xml version="1.0" encoding="utf-8"?>
 <p:sld xmlns:a="http://schemas.openxmlformats.org/drawingml/2006/main" xmlns:r="http://schemas.openxmlformats.org/officeDocument/2006/relationships" xmlns:p="http://schemas.openxmlformats.org/presentationml/2006/main">
   <p:cSld>
     <p:spTree>
@@ -45720,7 +45896,7 @@
 </p:sld>
 </file>
 
-<file path=ppt/slides/slide31.xml><?xml version="1.0" encoding="utf-8"?>
+<file path=ppt/slides/slide32.xml><?xml version="1.0" encoding="utf-8"?>
 <p:sld xmlns:a="http://schemas.openxmlformats.org/drawingml/2006/main" xmlns:r="http://schemas.openxmlformats.org/officeDocument/2006/relationships" xmlns:p="http://schemas.openxmlformats.org/presentationml/2006/main">
   <p:cSld>
     <p:spTree>
@@ -47777,6 +47953,2197 @@
     <p:extLst>
       <p:ext uri="{BB962C8B-B14F-4D97-AF65-F5344CB8AC3E}">
         <p14:creationId xmlns:p14="http://schemas.microsoft.com/office/powerpoint/2010/main" val="798305906"/>
+      </p:ext>
+    </p:extLst>
+  </p:cSld>
+  <p:clrMapOvr>
+    <a:masterClrMapping/>
+  </p:clrMapOvr>
+</p:sld>
+</file>
+
+<file path=ppt/slides/slide33.xml><?xml version="1.0" encoding="utf-8"?>
+<p:sld xmlns:a="http://schemas.openxmlformats.org/drawingml/2006/main" xmlns:r="http://schemas.openxmlformats.org/officeDocument/2006/relationships" xmlns:p="http://schemas.openxmlformats.org/presentationml/2006/main">
+  <p:cSld>
+    <p:spTree>
+      <p:nvGrpSpPr>
+        <p:cNvPr id="1" name=""/>
+        <p:cNvGrpSpPr/>
+        <p:nvPr/>
+      </p:nvGrpSpPr>
+      <p:grpSpPr>
+        <a:xfrm>
+          <a:off x="0" y="0"/>
+          <a:ext cx="0" cy="0"/>
+          <a:chOff x="0" y="0"/>
+          <a:chExt cx="0" cy="0"/>
+        </a:xfrm>
+      </p:grpSpPr>
+      <p:grpSp>
+        <p:nvGrpSpPr>
+          <p:cNvPr id="25" name="Group 24"/>
+          <p:cNvGrpSpPr/>
+          <p:nvPr/>
+        </p:nvGrpSpPr>
+        <p:grpSpPr>
+          <a:xfrm>
+            <a:off x="616299" y="893608"/>
+            <a:ext cx="3800094" cy="4620187"/>
+            <a:chOff x="3707123" y="629544"/>
+            <a:chExt cx="3800094" cy="4620187"/>
+          </a:xfrm>
+        </p:grpSpPr>
+        <p:cxnSp>
+          <p:nvCxnSpPr>
+            <p:cNvPr id="6" name="Straight Arrow Connector 5"/>
+            <p:cNvCxnSpPr/>
+            <p:nvPr/>
+          </p:nvCxnSpPr>
+          <p:spPr>
+            <a:xfrm>
+              <a:off x="4101437" y="3865889"/>
+              <a:ext cx="2880000" cy="0"/>
+            </a:xfrm>
+            <a:prstGeom prst="straightConnector1">
+              <a:avLst/>
+            </a:prstGeom>
+            <a:ln w="28575">
+              <a:solidFill>
+                <a:schemeClr val="tx1"/>
+              </a:solidFill>
+              <a:tailEnd type="triangle"/>
+            </a:ln>
+          </p:spPr>
+          <p:style>
+            <a:lnRef idx="1">
+              <a:schemeClr val="accent1"/>
+            </a:lnRef>
+            <a:fillRef idx="0">
+              <a:schemeClr val="accent1"/>
+            </a:fillRef>
+            <a:effectRef idx="0">
+              <a:schemeClr val="accent1"/>
+            </a:effectRef>
+            <a:fontRef idx="minor">
+              <a:schemeClr val="tx1"/>
+            </a:fontRef>
+          </p:style>
+        </p:cxnSp>
+        <p:cxnSp>
+          <p:nvCxnSpPr>
+            <p:cNvPr id="8" name="Straight Arrow Connector 7"/>
+            <p:cNvCxnSpPr/>
+            <p:nvPr/>
+          </p:nvCxnSpPr>
+          <p:spPr>
+            <a:xfrm flipV="1">
+              <a:off x="4101437" y="993509"/>
+              <a:ext cx="0" cy="2880000"/>
+            </a:xfrm>
+            <a:prstGeom prst="straightConnector1">
+              <a:avLst/>
+            </a:prstGeom>
+            <a:ln w="28575">
+              <a:solidFill>
+                <a:schemeClr val="tx1"/>
+              </a:solidFill>
+              <a:tailEnd type="triangle"/>
+            </a:ln>
+          </p:spPr>
+          <p:style>
+            <a:lnRef idx="1">
+              <a:schemeClr val="accent1"/>
+            </a:lnRef>
+            <a:fillRef idx="0">
+              <a:schemeClr val="accent1"/>
+            </a:fillRef>
+            <a:effectRef idx="0">
+              <a:schemeClr val="accent1"/>
+            </a:effectRef>
+            <a:fontRef idx="minor">
+              <a:schemeClr val="tx1"/>
+            </a:fontRef>
+          </p:style>
+        </p:cxnSp>
+        <p:sp>
+          <p:nvSpPr>
+            <p:cNvPr id="9" name="Rectangle 8"/>
+            <p:cNvSpPr/>
+            <p:nvPr/>
+          </p:nvSpPr>
+          <p:spPr>
+            <a:xfrm>
+              <a:off x="4101437" y="1338270"/>
+              <a:ext cx="2520000" cy="2520000"/>
+            </a:xfrm>
+            <a:prstGeom prst="rect">
+              <a:avLst/>
+            </a:prstGeom>
+            <a:noFill/>
+            <a:ln w="3175">
+              <a:solidFill>
+                <a:schemeClr val="tx1"/>
+              </a:solidFill>
+              <a:prstDash val="dash"/>
+            </a:ln>
+          </p:spPr>
+          <p:style>
+            <a:lnRef idx="2">
+              <a:schemeClr val="accent1">
+                <a:shade val="50000"/>
+              </a:schemeClr>
+            </a:lnRef>
+            <a:fillRef idx="1">
+              <a:schemeClr val="accent1"/>
+            </a:fillRef>
+            <a:effectRef idx="0">
+              <a:schemeClr val="accent1"/>
+            </a:effectRef>
+            <a:fontRef idx="minor">
+              <a:schemeClr val="lt1"/>
+            </a:fontRef>
+          </p:style>
+          <p:txBody>
+            <a:bodyPr rtlCol="0" anchor="ctr"/>
+            <a:lstStyle/>
+            <a:p>
+              <a:pPr algn="ctr"/>
+              <a:endParaRPr lang="pt-BR"/>
+            </a:p>
+          </p:txBody>
+        </p:sp>
+        <p:sp>
+          <p:nvSpPr>
+            <p:cNvPr id="10" name="TextBox 9"/>
+            <p:cNvSpPr txBox="1"/>
+            <p:nvPr/>
+          </p:nvSpPr>
+          <p:spPr>
+            <a:xfrm>
+              <a:off x="6981437" y="3673604"/>
+              <a:ext cx="525780" cy="369332"/>
+            </a:xfrm>
+            <a:prstGeom prst="rect">
+              <a:avLst/>
+            </a:prstGeom>
+            <a:noFill/>
+          </p:spPr>
+          <p:txBody>
+            <a:bodyPr wrap="square" rtlCol="0">
+              <a:spAutoFit/>
+            </a:bodyPr>
+            <a:lstStyle/>
+            <a:p>
+              <a:r>
+                <a:rPr lang="pt-BR" dirty="0"/>
+                <a:t>x1</a:t>
+              </a:r>
+            </a:p>
+          </p:txBody>
+        </p:sp>
+        <p:sp>
+          <p:nvSpPr>
+            <p:cNvPr id="11" name="TextBox 10"/>
+            <p:cNvSpPr txBox="1"/>
+            <p:nvPr/>
+          </p:nvSpPr>
+          <p:spPr>
+            <a:xfrm>
+              <a:off x="4101437" y="842316"/>
+              <a:ext cx="525780" cy="369332"/>
+            </a:xfrm>
+            <a:prstGeom prst="rect">
+              <a:avLst/>
+            </a:prstGeom>
+            <a:noFill/>
+          </p:spPr>
+          <p:txBody>
+            <a:bodyPr wrap="square" rtlCol="0">
+              <a:spAutoFit/>
+            </a:bodyPr>
+            <a:lstStyle/>
+            <a:p>
+              <a:r>
+                <a:rPr lang="pt-BR" dirty="0"/>
+                <a:t>x2</a:t>
+              </a:r>
+            </a:p>
+          </p:txBody>
+        </p:sp>
+        <p:sp>
+          <p:nvSpPr>
+            <p:cNvPr id="12" name="Rectangle 11"/>
+            <p:cNvSpPr/>
+            <p:nvPr/>
+          </p:nvSpPr>
+          <p:spPr>
+            <a:xfrm>
+              <a:off x="4029047" y="3782070"/>
+              <a:ext cx="144780" cy="152400"/>
+            </a:xfrm>
+            <a:prstGeom prst="rect">
+              <a:avLst/>
+            </a:prstGeom>
+            <a:solidFill>
+              <a:srgbClr val="FF0000"/>
+            </a:solidFill>
+            <a:ln>
+              <a:solidFill>
+                <a:srgbClr val="FF0000"/>
+              </a:solidFill>
+            </a:ln>
+          </p:spPr>
+          <p:style>
+            <a:lnRef idx="2">
+              <a:schemeClr val="accent1">
+                <a:shade val="50000"/>
+              </a:schemeClr>
+            </a:lnRef>
+            <a:fillRef idx="1">
+              <a:schemeClr val="accent1"/>
+            </a:fillRef>
+            <a:effectRef idx="0">
+              <a:schemeClr val="accent1"/>
+            </a:effectRef>
+            <a:fontRef idx="minor">
+              <a:schemeClr val="lt1"/>
+            </a:fontRef>
+          </p:style>
+          <p:txBody>
+            <a:bodyPr rtlCol="0" anchor="ctr"/>
+            <a:lstStyle/>
+            <a:p>
+              <a:pPr algn="ctr"/>
+              <a:endParaRPr lang="pt-BR"/>
+            </a:p>
+          </p:txBody>
+        </p:sp>
+        <p:sp>
+          <p:nvSpPr>
+            <p:cNvPr id="13" name="Rectangle 12"/>
+            <p:cNvSpPr/>
+            <p:nvPr/>
+          </p:nvSpPr>
+          <p:spPr>
+            <a:xfrm>
+              <a:off x="6549047" y="1269690"/>
+              <a:ext cx="144780" cy="152400"/>
+            </a:xfrm>
+            <a:prstGeom prst="rect">
+              <a:avLst/>
+            </a:prstGeom>
+            <a:solidFill>
+              <a:srgbClr val="FF0000"/>
+            </a:solidFill>
+            <a:ln>
+              <a:solidFill>
+                <a:srgbClr val="FF0000"/>
+              </a:solidFill>
+            </a:ln>
+          </p:spPr>
+          <p:style>
+            <a:lnRef idx="2">
+              <a:schemeClr val="accent1">
+                <a:shade val="50000"/>
+              </a:schemeClr>
+            </a:lnRef>
+            <a:fillRef idx="1">
+              <a:schemeClr val="accent1"/>
+            </a:fillRef>
+            <a:effectRef idx="0">
+              <a:schemeClr val="accent1"/>
+            </a:effectRef>
+            <a:fontRef idx="minor">
+              <a:schemeClr val="lt1"/>
+            </a:fontRef>
+          </p:style>
+          <p:txBody>
+            <a:bodyPr rtlCol="0" anchor="ctr"/>
+            <a:lstStyle/>
+            <a:p>
+              <a:pPr algn="ctr"/>
+              <a:endParaRPr lang="pt-BR"/>
+            </a:p>
+          </p:txBody>
+        </p:sp>
+        <p:sp>
+          <p:nvSpPr>
+            <p:cNvPr id="14" name="Oval 13"/>
+            <p:cNvSpPr/>
+            <p:nvPr/>
+          </p:nvSpPr>
+          <p:spPr>
+            <a:xfrm>
+              <a:off x="4023454" y="1255890"/>
+              <a:ext cx="180000" cy="180000"/>
+            </a:xfrm>
+            <a:prstGeom prst="ellipse">
+              <a:avLst/>
+            </a:prstGeom>
+            <a:solidFill>
+              <a:srgbClr val="0070C0"/>
+            </a:solidFill>
+            <a:ln>
+              <a:solidFill>
+                <a:srgbClr val="0070C0"/>
+              </a:solidFill>
+            </a:ln>
+          </p:spPr>
+          <p:style>
+            <a:lnRef idx="2">
+              <a:schemeClr val="accent1">
+                <a:shade val="50000"/>
+              </a:schemeClr>
+            </a:lnRef>
+            <a:fillRef idx="1">
+              <a:schemeClr val="accent1"/>
+            </a:fillRef>
+            <a:effectRef idx="0">
+              <a:schemeClr val="accent1"/>
+            </a:effectRef>
+            <a:fontRef idx="minor">
+              <a:schemeClr val="lt1"/>
+            </a:fontRef>
+          </p:style>
+          <p:txBody>
+            <a:bodyPr rtlCol="0" anchor="ctr"/>
+            <a:lstStyle/>
+            <a:p>
+              <a:pPr algn="ctr"/>
+              <a:endParaRPr lang="pt-BR"/>
+            </a:p>
+          </p:txBody>
+        </p:sp>
+        <p:sp>
+          <p:nvSpPr>
+            <p:cNvPr id="15" name="Oval 14"/>
+            <p:cNvSpPr/>
+            <p:nvPr/>
+          </p:nvSpPr>
+          <p:spPr>
+            <a:xfrm>
+              <a:off x="6531437" y="3772080"/>
+              <a:ext cx="180000" cy="180000"/>
+            </a:xfrm>
+            <a:prstGeom prst="ellipse">
+              <a:avLst/>
+            </a:prstGeom>
+            <a:solidFill>
+              <a:srgbClr val="0070C0"/>
+            </a:solidFill>
+            <a:ln>
+              <a:solidFill>
+                <a:srgbClr val="0070C0"/>
+              </a:solidFill>
+            </a:ln>
+          </p:spPr>
+          <p:style>
+            <a:lnRef idx="2">
+              <a:schemeClr val="accent1">
+                <a:shade val="50000"/>
+              </a:schemeClr>
+            </a:lnRef>
+            <a:fillRef idx="1">
+              <a:schemeClr val="accent1"/>
+            </a:fillRef>
+            <a:effectRef idx="0">
+              <a:schemeClr val="accent1"/>
+            </a:effectRef>
+            <a:fontRef idx="minor">
+              <a:schemeClr val="lt1"/>
+            </a:fontRef>
+          </p:style>
+          <p:txBody>
+            <a:bodyPr rtlCol="0" anchor="ctr"/>
+            <a:lstStyle/>
+            <a:p>
+              <a:pPr algn="ctr"/>
+              <a:endParaRPr lang="pt-BR"/>
+            </a:p>
+          </p:txBody>
+        </p:sp>
+        <p:sp>
+          <p:nvSpPr>
+            <p:cNvPr id="16" name="TextBox 15"/>
+            <p:cNvSpPr txBox="1"/>
+            <p:nvPr/>
+          </p:nvSpPr>
+          <p:spPr>
+            <a:xfrm>
+              <a:off x="4023454" y="629544"/>
+              <a:ext cx="2957983" cy="369332"/>
+            </a:xfrm>
+            <a:prstGeom prst="rect">
+              <a:avLst/>
+            </a:prstGeom>
+            <a:noFill/>
+          </p:spPr>
+          <p:txBody>
+            <a:bodyPr wrap="square" rtlCol="0">
+              <a:spAutoFit/>
+            </a:bodyPr>
+            <a:lstStyle/>
+            <a:p>
+              <a:pPr algn="ctr"/>
+              <a:r>
+                <a:rPr lang="pt-BR" dirty="0" smtClean="0"/>
+                <a:t>XOR</a:t>
+              </a:r>
+              <a:endParaRPr lang="pt-BR" dirty="0"/>
+            </a:p>
+          </p:txBody>
+        </p:sp>
+        <p:sp>
+          <p:nvSpPr>
+            <p:cNvPr id="17" name="TextBox 16"/>
+            <p:cNvSpPr txBox="1"/>
+            <p:nvPr/>
+          </p:nvSpPr>
+          <p:spPr>
+            <a:xfrm>
+              <a:off x="6429998" y="3959699"/>
+              <a:ext cx="382877" cy="369332"/>
+            </a:xfrm>
+            <a:prstGeom prst="rect">
+              <a:avLst/>
+            </a:prstGeom>
+            <a:noFill/>
+          </p:spPr>
+          <p:txBody>
+            <a:bodyPr wrap="square" rtlCol="0">
+              <a:spAutoFit/>
+            </a:bodyPr>
+            <a:lstStyle/>
+            <a:p>
+              <a:pPr algn="ctr"/>
+              <a:r>
+                <a:rPr lang="pt-BR" dirty="0"/>
+                <a:t>1</a:t>
+              </a:r>
+            </a:p>
+          </p:txBody>
+        </p:sp>
+        <p:sp>
+          <p:nvSpPr>
+            <p:cNvPr id="18" name="TextBox 17"/>
+            <p:cNvSpPr txBox="1"/>
+            <p:nvPr/>
+          </p:nvSpPr>
+          <p:spPr>
+            <a:xfrm>
+              <a:off x="3922015" y="3934470"/>
+              <a:ext cx="382877" cy="369332"/>
+            </a:xfrm>
+            <a:prstGeom prst="rect">
+              <a:avLst/>
+            </a:prstGeom>
+            <a:noFill/>
+          </p:spPr>
+          <p:txBody>
+            <a:bodyPr wrap="square" rtlCol="0">
+              <a:spAutoFit/>
+            </a:bodyPr>
+            <a:lstStyle/>
+            <a:p>
+              <a:pPr algn="ctr"/>
+              <a:r>
+                <a:rPr lang="pt-BR" dirty="0"/>
+                <a:t>0</a:t>
+              </a:r>
+            </a:p>
+          </p:txBody>
+        </p:sp>
+        <p:sp>
+          <p:nvSpPr>
+            <p:cNvPr id="19" name="TextBox 18"/>
+            <p:cNvSpPr txBox="1"/>
+            <p:nvPr/>
+          </p:nvSpPr>
+          <p:spPr>
+            <a:xfrm>
+              <a:off x="3707123" y="1161224"/>
+              <a:ext cx="382877" cy="369332"/>
+            </a:xfrm>
+            <a:prstGeom prst="rect">
+              <a:avLst/>
+            </a:prstGeom>
+            <a:noFill/>
+          </p:spPr>
+          <p:txBody>
+            <a:bodyPr wrap="square" rtlCol="0">
+              <a:spAutoFit/>
+            </a:bodyPr>
+            <a:lstStyle/>
+            <a:p>
+              <a:pPr algn="ctr"/>
+              <a:r>
+                <a:rPr lang="pt-BR" dirty="0"/>
+                <a:t>1</a:t>
+              </a:r>
+            </a:p>
+          </p:txBody>
+        </p:sp>
+        <p:sp>
+          <p:nvSpPr>
+            <p:cNvPr id="21" name="Rectangle 20"/>
+            <p:cNvSpPr/>
+            <p:nvPr/>
+          </p:nvSpPr>
+          <p:spPr>
+            <a:xfrm>
+              <a:off x="4028712" y="4988865"/>
+              <a:ext cx="144780" cy="152400"/>
+            </a:xfrm>
+            <a:prstGeom prst="rect">
+              <a:avLst/>
+            </a:prstGeom>
+            <a:solidFill>
+              <a:srgbClr val="FF0000"/>
+            </a:solidFill>
+            <a:ln>
+              <a:solidFill>
+                <a:srgbClr val="FF0000"/>
+              </a:solidFill>
+            </a:ln>
+          </p:spPr>
+          <p:style>
+            <a:lnRef idx="2">
+              <a:schemeClr val="accent1">
+                <a:shade val="50000"/>
+              </a:schemeClr>
+            </a:lnRef>
+            <a:fillRef idx="1">
+              <a:schemeClr val="accent1"/>
+            </a:fillRef>
+            <a:effectRef idx="0">
+              <a:schemeClr val="accent1"/>
+            </a:effectRef>
+            <a:fontRef idx="minor">
+              <a:schemeClr val="lt1"/>
+            </a:fontRef>
+          </p:style>
+          <p:txBody>
+            <a:bodyPr rtlCol="0" anchor="ctr"/>
+            <a:lstStyle/>
+            <a:p>
+              <a:pPr algn="ctr"/>
+              <a:endParaRPr lang="pt-BR"/>
+            </a:p>
+          </p:txBody>
+        </p:sp>
+        <p:sp>
+          <p:nvSpPr>
+            <p:cNvPr id="22" name="Oval 21"/>
+            <p:cNvSpPr/>
+            <p:nvPr/>
+          </p:nvSpPr>
+          <p:spPr>
+            <a:xfrm>
+              <a:off x="4014988" y="4550868"/>
+              <a:ext cx="180000" cy="180000"/>
+            </a:xfrm>
+            <a:prstGeom prst="ellipse">
+              <a:avLst/>
+            </a:prstGeom>
+            <a:solidFill>
+              <a:srgbClr val="0070C0"/>
+            </a:solidFill>
+            <a:ln>
+              <a:solidFill>
+                <a:srgbClr val="0070C0"/>
+              </a:solidFill>
+            </a:ln>
+          </p:spPr>
+          <p:style>
+            <a:lnRef idx="2">
+              <a:schemeClr val="accent1">
+                <a:shade val="50000"/>
+              </a:schemeClr>
+            </a:lnRef>
+            <a:fillRef idx="1">
+              <a:schemeClr val="accent1"/>
+            </a:fillRef>
+            <a:effectRef idx="0">
+              <a:schemeClr val="accent1"/>
+            </a:effectRef>
+            <a:fontRef idx="minor">
+              <a:schemeClr val="lt1"/>
+            </a:fontRef>
+          </p:style>
+          <p:txBody>
+            <a:bodyPr rtlCol="0" anchor="ctr"/>
+            <a:lstStyle/>
+            <a:p>
+              <a:pPr algn="ctr"/>
+              <a:endParaRPr lang="pt-BR"/>
+            </a:p>
+          </p:txBody>
+        </p:sp>
+        <p:sp>
+          <p:nvSpPr>
+            <p:cNvPr id="23" name="TextBox 22"/>
+            <p:cNvSpPr txBox="1"/>
+            <p:nvPr/>
+          </p:nvSpPr>
+          <p:spPr>
+            <a:xfrm>
+              <a:off x="4277293" y="4456202"/>
+              <a:ext cx="2535583" cy="369332"/>
+            </a:xfrm>
+            <a:prstGeom prst="rect">
+              <a:avLst/>
+            </a:prstGeom>
+            <a:noFill/>
+          </p:spPr>
+          <p:txBody>
+            <a:bodyPr wrap="square" rtlCol="0">
+              <a:spAutoFit/>
+            </a:bodyPr>
+            <a:lstStyle/>
+            <a:p>
+              <a:r>
+                <a:rPr lang="pt-BR" dirty="0"/>
+                <a:t>Classe </a:t>
+              </a:r>
+              <a:r>
+                <a:rPr lang="pt-BR" dirty="0" smtClean="0"/>
+                <a:t>1 </a:t>
+              </a:r>
+              <a:r>
+                <a:rPr lang="pt-BR" dirty="0"/>
+                <a:t>(nível lógico </a:t>
+              </a:r>
+              <a:r>
+                <a:rPr lang="pt-BR" dirty="0" smtClean="0"/>
+                <a:t>1)</a:t>
+              </a:r>
+              <a:endParaRPr lang="pt-BR" dirty="0"/>
+            </a:p>
+          </p:txBody>
+        </p:sp>
+        <p:sp>
+          <p:nvSpPr>
+            <p:cNvPr id="24" name="TextBox 23"/>
+            <p:cNvSpPr txBox="1"/>
+            <p:nvPr/>
+          </p:nvSpPr>
+          <p:spPr>
+            <a:xfrm>
+              <a:off x="4277292" y="4880399"/>
+              <a:ext cx="2535583" cy="369332"/>
+            </a:xfrm>
+            <a:prstGeom prst="rect">
+              <a:avLst/>
+            </a:prstGeom>
+            <a:noFill/>
+          </p:spPr>
+          <p:txBody>
+            <a:bodyPr wrap="square" rtlCol="0">
+              <a:spAutoFit/>
+            </a:bodyPr>
+            <a:lstStyle/>
+            <a:p>
+              <a:r>
+                <a:rPr lang="pt-BR" dirty="0"/>
+                <a:t>Classe </a:t>
+              </a:r>
+              <a:r>
+                <a:rPr lang="pt-BR" dirty="0" smtClean="0"/>
+                <a:t>0 </a:t>
+              </a:r>
+              <a:r>
+                <a:rPr lang="pt-BR" dirty="0"/>
+                <a:t>(nível lógico </a:t>
+              </a:r>
+              <a:r>
+                <a:rPr lang="pt-BR" dirty="0" smtClean="0"/>
+                <a:t>0)</a:t>
+              </a:r>
+              <a:endParaRPr lang="pt-BR" dirty="0"/>
+            </a:p>
+          </p:txBody>
+        </p:sp>
+      </p:grpSp>
+      <p:grpSp>
+        <p:nvGrpSpPr>
+          <p:cNvPr id="66" name="Group 65"/>
+          <p:cNvGrpSpPr/>
+          <p:nvPr/>
+        </p:nvGrpSpPr>
+        <p:grpSpPr>
+          <a:xfrm>
+            <a:off x="5346999" y="2697573"/>
+            <a:ext cx="2314895" cy="2302576"/>
+            <a:chOff x="5725052" y="620852"/>
+            <a:chExt cx="2314895" cy="2302576"/>
+          </a:xfrm>
+        </p:grpSpPr>
+        <p:grpSp>
+          <p:nvGrpSpPr>
+            <p:cNvPr id="61" name="Group 60"/>
+            <p:cNvGrpSpPr/>
+            <p:nvPr/>
+          </p:nvGrpSpPr>
+          <p:grpSpPr>
+            <a:xfrm>
+              <a:off x="5725052" y="762803"/>
+              <a:ext cx="2314895" cy="2160625"/>
+              <a:chOff x="5725052" y="762803"/>
+              <a:chExt cx="2314895" cy="2160625"/>
+            </a:xfrm>
+          </p:grpSpPr>
+          <p:cxnSp>
+            <p:nvCxnSpPr>
+              <p:cNvPr id="26" name="Straight Arrow Connector 25"/>
+              <p:cNvCxnSpPr/>
+              <p:nvPr/>
+            </p:nvCxnSpPr>
+            <p:spPr>
+              <a:xfrm>
+                <a:off x="5965255" y="2604672"/>
+                <a:ext cx="1754403" cy="0"/>
+              </a:xfrm>
+              <a:prstGeom prst="straightConnector1">
+                <a:avLst/>
+              </a:prstGeom>
+              <a:ln w="28575">
+                <a:solidFill>
+                  <a:schemeClr val="tx1"/>
+                </a:solidFill>
+                <a:tailEnd type="triangle"/>
+              </a:ln>
+            </p:spPr>
+            <p:style>
+              <a:lnRef idx="1">
+                <a:schemeClr val="accent1"/>
+              </a:lnRef>
+              <a:fillRef idx="0">
+                <a:schemeClr val="accent1"/>
+              </a:fillRef>
+              <a:effectRef idx="0">
+                <a:schemeClr val="accent1"/>
+              </a:effectRef>
+              <a:fontRef idx="minor">
+                <a:schemeClr val="tx1"/>
+              </a:fontRef>
+            </p:style>
+          </p:cxnSp>
+          <p:cxnSp>
+            <p:nvCxnSpPr>
+              <p:cNvPr id="27" name="Straight Arrow Connector 26"/>
+              <p:cNvCxnSpPr/>
+              <p:nvPr/>
+            </p:nvCxnSpPr>
+            <p:spPr>
+              <a:xfrm flipV="1">
+                <a:off x="5965255" y="854905"/>
+                <a:ext cx="0" cy="1754409"/>
+              </a:xfrm>
+              <a:prstGeom prst="straightConnector1">
+                <a:avLst/>
+              </a:prstGeom>
+              <a:ln w="28575">
+                <a:solidFill>
+                  <a:schemeClr val="tx1"/>
+                </a:solidFill>
+                <a:tailEnd type="triangle"/>
+              </a:ln>
+            </p:spPr>
+            <p:style>
+              <a:lnRef idx="1">
+                <a:schemeClr val="accent1"/>
+              </a:lnRef>
+              <a:fillRef idx="0">
+                <a:schemeClr val="accent1"/>
+              </a:fillRef>
+              <a:effectRef idx="0">
+                <a:schemeClr val="accent1"/>
+              </a:effectRef>
+              <a:fontRef idx="minor">
+                <a:schemeClr val="tx1"/>
+              </a:fontRef>
+            </p:style>
+          </p:cxnSp>
+          <p:sp>
+            <p:nvSpPr>
+              <p:cNvPr id="28" name="Rectangle 27"/>
+              <p:cNvSpPr/>
+              <p:nvPr/>
+            </p:nvSpPr>
+            <p:spPr>
+              <a:xfrm>
+                <a:off x="5965255" y="1064923"/>
+                <a:ext cx="1535103" cy="1535108"/>
+              </a:xfrm>
+              <a:prstGeom prst="rect">
+                <a:avLst/>
+              </a:prstGeom>
+              <a:noFill/>
+              <a:ln w="3175">
+                <a:solidFill>
+                  <a:schemeClr val="tx1"/>
+                </a:solidFill>
+                <a:prstDash val="dash"/>
+              </a:ln>
+            </p:spPr>
+            <p:style>
+              <a:lnRef idx="2">
+                <a:schemeClr val="accent1">
+                  <a:shade val="50000"/>
+                </a:schemeClr>
+              </a:lnRef>
+              <a:fillRef idx="1">
+                <a:schemeClr val="accent1"/>
+              </a:fillRef>
+              <a:effectRef idx="0">
+                <a:schemeClr val="accent1"/>
+              </a:effectRef>
+              <a:fontRef idx="minor">
+                <a:schemeClr val="lt1"/>
+              </a:fontRef>
+            </p:style>
+            <p:txBody>
+              <a:bodyPr rtlCol="0" anchor="ctr"/>
+              <a:lstStyle/>
+              <a:p>
+                <a:pPr algn="ctr"/>
+                <a:endParaRPr lang="pt-BR" sz="1100"/>
+              </a:p>
+            </p:txBody>
+          </p:sp>
+          <p:sp>
+            <p:nvSpPr>
+              <p:cNvPr id="29" name="TextBox 28"/>
+              <p:cNvSpPr txBox="1"/>
+              <p:nvPr/>
+            </p:nvSpPr>
+            <p:spPr>
+              <a:xfrm>
+                <a:off x="7719659" y="2487538"/>
+                <a:ext cx="320288" cy="261610"/>
+              </a:xfrm>
+              <a:prstGeom prst="rect">
+                <a:avLst/>
+              </a:prstGeom>
+              <a:noFill/>
+            </p:spPr>
+            <p:txBody>
+              <a:bodyPr wrap="square" rtlCol="0">
+                <a:spAutoFit/>
+              </a:bodyPr>
+              <a:lstStyle/>
+              <a:p>
+                <a:r>
+                  <a:rPr lang="pt-BR" sz="1100" dirty="0"/>
+                  <a:t>x1</a:t>
+                </a:r>
+              </a:p>
+            </p:txBody>
+          </p:sp>
+          <p:sp>
+            <p:nvSpPr>
+              <p:cNvPr id="30" name="TextBox 29"/>
+              <p:cNvSpPr txBox="1"/>
+              <p:nvPr/>
+            </p:nvSpPr>
+            <p:spPr>
+              <a:xfrm>
+                <a:off x="5965255" y="762803"/>
+                <a:ext cx="320288" cy="261610"/>
+              </a:xfrm>
+              <a:prstGeom prst="rect">
+                <a:avLst/>
+              </a:prstGeom>
+              <a:noFill/>
+            </p:spPr>
+            <p:txBody>
+              <a:bodyPr wrap="square" rtlCol="0">
+                <a:spAutoFit/>
+              </a:bodyPr>
+              <a:lstStyle/>
+              <a:p>
+                <a:r>
+                  <a:rPr lang="pt-BR" sz="1100" dirty="0"/>
+                  <a:t>x2</a:t>
+                </a:r>
+              </a:p>
+            </p:txBody>
+          </p:sp>
+          <p:sp>
+            <p:nvSpPr>
+              <p:cNvPr id="32" name="Rectangle 31"/>
+              <p:cNvSpPr/>
+              <p:nvPr/>
+            </p:nvSpPr>
+            <p:spPr>
+              <a:xfrm>
+                <a:off x="7463020" y="2555275"/>
+                <a:ext cx="88195" cy="92837"/>
+              </a:xfrm>
+              <a:prstGeom prst="rect">
+                <a:avLst/>
+              </a:prstGeom>
+              <a:solidFill>
+                <a:srgbClr val="FF0000"/>
+              </a:solidFill>
+              <a:ln>
+                <a:solidFill>
+                  <a:srgbClr val="FF0000"/>
+                </a:solidFill>
+              </a:ln>
+            </p:spPr>
+            <p:style>
+              <a:lnRef idx="2">
+                <a:schemeClr val="accent1">
+                  <a:shade val="50000"/>
+                </a:schemeClr>
+              </a:lnRef>
+              <a:fillRef idx="1">
+                <a:schemeClr val="accent1"/>
+              </a:fillRef>
+              <a:effectRef idx="0">
+                <a:schemeClr val="accent1"/>
+              </a:effectRef>
+              <a:fontRef idx="minor">
+                <a:schemeClr val="lt1"/>
+              </a:fontRef>
+            </p:style>
+            <p:txBody>
+              <a:bodyPr rtlCol="0" anchor="ctr"/>
+              <a:lstStyle/>
+              <a:p>
+                <a:pPr algn="ctr"/>
+                <a:endParaRPr lang="pt-BR" sz="1100"/>
+              </a:p>
+            </p:txBody>
+          </p:sp>
+          <p:sp>
+            <p:nvSpPr>
+              <p:cNvPr id="33" name="Oval 32"/>
+              <p:cNvSpPr/>
+              <p:nvPr/>
+            </p:nvSpPr>
+            <p:spPr>
+              <a:xfrm>
+                <a:off x="5910429" y="1007651"/>
+                <a:ext cx="109650" cy="109651"/>
+              </a:xfrm>
+              <a:prstGeom prst="ellipse">
+                <a:avLst/>
+              </a:prstGeom>
+              <a:solidFill>
+                <a:srgbClr val="0070C0"/>
+              </a:solidFill>
+              <a:ln>
+                <a:solidFill>
+                  <a:srgbClr val="0070C0"/>
+                </a:solidFill>
+              </a:ln>
+            </p:spPr>
+            <p:style>
+              <a:lnRef idx="2">
+                <a:schemeClr val="accent1">
+                  <a:shade val="50000"/>
+                </a:schemeClr>
+              </a:lnRef>
+              <a:fillRef idx="1">
+                <a:schemeClr val="accent1"/>
+              </a:fillRef>
+              <a:effectRef idx="0">
+                <a:schemeClr val="accent1"/>
+              </a:effectRef>
+              <a:fontRef idx="minor">
+                <a:schemeClr val="lt1"/>
+              </a:fontRef>
+            </p:style>
+            <p:txBody>
+              <a:bodyPr rtlCol="0" anchor="ctr"/>
+              <a:lstStyle/>
+              <a:p>
+                <a:pPr algn="ctr"/>
+                <a:endParaRPr lang="pt-BR" sz="1100"/>
+              </a:p>
+            </p:txBody>
+          </p:sp>
+          <p:sp>
+            <p:nvSpPr>
+              <p:cNvPr id="36" name="TextBox 35"/>
+              <p:cNvSpPr txBox="1"/>
+              <p:nvPr/>
+            </p:nvSpPr>
+            <p:spPr>
+              <a:xfrm>
+                <a:off x="7383740" y="2661818"/>
+                <a:ext cx="233236" cy="261610"/>
+              </a:xfrm>
+              <a:prstGeom prst="rect">
+                <a:avLst/>
+              </a:prstGeom>
+              <a:noFill/>
+            </p:spPr>
+            <p:txBody>
+              <a:bodyPr wrap="square" rtlCol="0">
+                <a:spAutoFit/>
+              </a:bodyPr>
+              <a:lstStyle/>
+              <a:p>
+                <a:pPr algn="ctr"/>
+                <a:r>
+                  <a:rPr lang="pt-BR" sz="1100" dirty="0"/>
+                  <a:t>1</a:t>
+                </a:r>
+              </a:p>
+            </p:txBody>
+          </p:sp>
+          <p:sp>
+            <p:nvSpPr>
+              <p:cNvPr id="37" name="TextBox 36"/>
+              <p:cNvSpPr txBox="1"/>
+              <p:nvPr/>
+            </p:nvSpPr>
+            <p:spPr>
+              <a:xfrm>
+                <a:off x="5855957" y="2646450"/>
+                <a:ext cx="233236" cy="261610"/>
+              </a:xfrm>
+              <a:prstGeom prst="rect">
+                <a:avLst/>
+              </a:prstGeom>
+              <a:noFill/>
+            </p:spPr>
+            <p:txBody>
+              <a:bodyPr wrap="square" rtlCol="0">
+                <a:spAutoFit/>
+              </a:bodyPr>
+              <a:lstStyle/>
+              <a:p>
+                <a:pPr algn="ctr"/>
+                <a:r>
+                  <a:rPr lang="pt-BR" sz="1100" dirty="0"/>
+                  <a:t>0</a:t>
+                </a:r>
+              </a:p>
+            </p:txBody>
+          </p:sp>
+          <p:sp>
+            <p:nvSpPr>
+              <p:cNvPr id="38" name="TextBox 37"/>
+              <p:cNvSpPr txBox="1"/>
+              <p:nvPr/>
+            </p:nvSpPr>
+            <p:spPr>
+              <a:xfrm>
+                <a:off x="5725052" y="957072"/>
+                <a:ext cx="233236" cy="261610"/>
+              </a:xfrm>
+              <a:prstGeom prst="rect">
+                <a:avLst/>
+              </a:prstGeom>
+              <a:noFill/>
+            </p:spPr>
+            <p:txBody>
+              <a:bodyPr wrap="square" rtlCol="0">
+                <a:spAutoFit/>
+              </a:bodyPr>
+              <a:lstStyle/>
+              <a:p>
+                <a:pPr algn="ctr"/>
+                <a:r>
+                  <a:rPr lang="pt-BR" sz="1100" dirty="0"/>
+                  <a:t>1</a:t>
+                </a:r>
+              </a:p>
+            </p:txBody>
+          </p:sp>
+          <p:cxnSp>
+            <p:nvCxnSpPr>
+              <p:cNvPr id="3" name="Straight Connector 2"/>
+              <p:cNvCxnSpPr>
+                <a:cxnSpLocks noChangeAspect="1"/>
+              </p:cNvCxnSpPr>
+              <p:nvPr/>
+            </p:nvCxnSpPr>
+            <p:spPr>
+              <a:xfrm rot="16200000">
+                <a:off x="5725054" y="818790"/>
+                <a:ext cx="1425453" cy="1425457"/>
+              </a:xfrm>
+              <a:prstGeom prst="line">
+                <a:avLst/>
+              </a:prstGeom>
+              <a:ln w="28575">
+                <a:solidFill>
+                  <a:srgbClr val="00B050"/>
+                </a:solidFill>
+              </a:ln>
+            </p:spPr>
+            <p:style>
+              <a:lnRef idx="1">
+                <a:schemeClr val="accent1"/>
+              </a:lnRef>
+              <a:fillRef idx="0">
+                <a:schemeClr val="accent1"/>
+              </a:fillRef>
+              <a:effectRef idx="0">
+                <a:schemeClr val="accent1"/>
+              </a:effectRef>
+              <a:fontRef idx="minor">
+                <a:schemeClr val="tx1"/>
+              </a:fontRef>
+            </p:style>
+          </p:cxnSp>
+        </p:grpSp>
+        <mc:AlternateContent xmlns:mc="http://schemas.openxmlformats.org/markup-compatibility/2006">
+          <mc:Choice xmlns:a14="http://schemas.microsoft.com/office/drawing/2010/main" Requires="a14">
+            <p:sp>
+              <p:nvSpPr>
+                <p:cNvPr id="62" name="TextBox 61"/>
+                <p:cNvSpPr txBox="1"/>
+                <p:nvPr/>
+              </p:nvSpPr>
+              <p:spPr>
+                <a:xfrm>
+                  <a:off x="6089193" y="620852"/>
+                  <a:ext cx="1135464" cy="276999"/>
+                </a:xfrm>
+                <a:prstGeom prst="rect">
+                  <a:avLst/>
+                </a:prstGeom>
+                <a:noFill/>
+              </p:spPr>
+              <p:txBody>
+                <a:bodyPr wrap="square" rtlCol="0">
+                  <a:spAutoFit/>
+                </a:bodyPr>
+                <a:lstStyle/>
+                <a:p>
+                  <a14:m>
+                    <m:oMathPara xmlns:m="http://schemas.openxmlformats.org/officeDocument/2006/math">
+                      <m:oMathParaPr>
+                        <m:jc m:val="centerGroup"/>
+                      </m:oMathParaPr>
+                      <m:oMath xmlns:m="http://schemas.openxmlformats.org/officeDocument/2006/math">
+                        <m:r>
+                          <a:rPr lang="pt-BR" sz="1200" b="0" i="1" smtClean="0">
+                            <a:latin typeface="Cambria Math" panose="02040503050406030204" pitchFamily="18" charset="0"/>
+                          </a:rPr>
+                          <m:t>𝑔</m:t>
+                        </m:r>
+                        <m:d>
+                          <m:dPr>
+                            <m:ctrlPr>
+                              <a:rPr lang="pt-BR" sz="1200" b="0" i="1" smtClean="0">
+                                <a:latin typeface="Cambria Math" panose="02040503050406030204" pitchFamily="18" charset="0"/>
+                              </a:rPr>
+                            </m:ctrlPr>
+                          </m:dPr>
+                          <m:e>
+                            <m:r>
+                              <a:rPr lang="pt-BR" sz="1200" b="1" i="1" smtClean="0">
+                                <a:latin typeface="Cambria Math" panose="02040503050406030204" pitchFamily="18" charset="0"/>
+                              </a:rPr>
+                              <m:t>𝒙</m:t>
+                            </m:r>
+                          </m:e>
+                        </m:d>
+                        <m:r>
+                          <a:rPr lang="pt-BR" sz="1200" b="0" i="1" smtClean="0">
+                            <a:latin typeface="Cambria Math" panose="02040503050406030204" pitchFamily="18" charset="0"/>
+                          </a:rPr>
+                          <m:t>&lt;0</m:t>
+                        </m:r>
+                      </m:oMath>
+                    </m:oMathPara>
+                  </a14:m>
+                  <a:endParaRPr lang="pt-BR" sz="1200" dirty="0"/>
+                </a:p>
+              </p:txBody>
+            </p:sp>
+          </mc:Choice>
+          <mc:Fallback>
+            <p:sp>
+              <p:nvSpPr>
+                <p:cNvPr id="62" name="TextBox 61"/>
+                <p:cNvSpPr txBox="1">
+                  <a:spLocks noRot="1" noChangeAspect="1" noMove="1" noResize="1" noEditPoints="1" noAdjustHandles="1" noChangeArrowheads="1" noChangeShapeType="1" noTextEdit="1"/>
+                </p:cNvSpPr>
+                <p:nvPr/>
+              </p:nvSpPr>
+              <p:spPr>
+                <a:xfrm>
+                  <a:off x="6089193" y="620852"/>
+                  <a:ext cx="1135464" cy="276999"/>
+                </a:xfrm>
+                <a:prstGeom prst="rect">
+                  <a:avLst/>
+                </a:prstGeom>
+                <a:blipFill rotWithShape="0">
+                  <a:blip r:embed="rId2"/>
+                  <a:stretch>
+                    <a:fillRect/>
+                  </a:stretch>
+                </a:blipFill>
+              </p:spPr>
+              <p:txBody>
+                <a:bodyPr/>
+                <a:lstStyle/>
+                <a:p>
+                  <a:r>
+                    <a:rPr lang="pt-BR">
+                      <a:noFill/>
+                    </a:rPr>
+                    <a:t> </a:t>
+                  </a:r>
+                </a:p>
+              </p:txBody>
+            </p:sp>
+          </mc:Fallback>
+        </mc:AlternateContent>
+        <mc:AlternateContent xmlns:mc="http://schemas.openxmlformats.org/markup-compatibility/2006">
+          <mc:Choice xmlns:a14="http://schemas.microsoft.com/office/drawing/2010/main" Requires="a14">
+            <p:sp>
+              <p:nvSpPr>
+                <p:cNvPr id="63" name="TextBox 62"/>
+                <p:cNvSpPr txBox="1"/>
+                <p:nvPr/>
+              </p:nvSpPr>
+              <p:spPr>
+                <a:xfrm>
+                  <a:off x="6285543" y="1725100"/>
+                  <a:ext cx="1135464" cy="276999"/>
+                </a:xfrm>
+                <a:prstGeom prst="rect">
+                  <a:avLst/>
+                </a:prstGeom>
+                <a:noFill/>
+              </p:spPr>
+              <p:txBody>
+                <a:bodyPr wrap="square" rtlCol="0">
+                  <a:spAutoFit/>
+                </a:bodyPr>
+                <a:lstStyle/>
+                <a:p>
+                  <a14:m>
+                    <m:oMathPara xmlns:m="http://schemas.openxmlformats.org/officeDocument/2006/math">
+                      <m:oMathParaPr>
+                        <m:jc m:val="centerGroup"/>
+                      </m:oMathParaPr>
+                      <m:oMath xmlns:m="http://schemas.openxmlformats.org/officeDocument/2006/math">
+                        <m:r>
+                          <a:rPr lang="pt-BR" sz="1200" b="0" i="1" smtClean="0">
+                            <a:latin typeface="Cambria Math" panose="02040503050406030204" pitchFamily="18" charset="0"/>
+                          </a:rPr>
+                          <m:t>𝑔</m:t>
+                        </m:r>
+                        <m:d>
+                          <m:dPr>
+                            <m:ctrlPr>
+                              <a:rPr lang="pt-BR" sz="1200" b="0" i="1" smtClean="0">
+                                <a:latin typeface="Cambria Math" panose="02040503050406030204" pitchFamily="18" charset="0"/>
+                              </a:rPr>
+                            </m:ctrlPr>
+                          </m:dPr>
+                          <m:e>
+                            <m:r>
+                              <a:rPr lang="pt-BR" sz="1200" b="1" i="1" smtClean="0">
+                                <a:latin typeface="Cambria Math" panose="02040503050406030204" pitchFamily="18" charset="0"/>
+                              </a:rPr>
+                              <m:t>𝒙</m:t>
+                            </m:r>
+                          </m:e>
+                        </m:d>
+                        <m:r>
+                          <a:rPr lang="pt-BR" sz="1200" b="0" i="1" smtClean="0">
+                            <a:latin typeface="Cambria Math" panose="02040503050406030204" pitchFamily="18" charset="0"/>
+                          </a:rPr>
+                          <m:t>≥0</m:t>
+                        </m:r>
+                      </m:oMath>
+                    </m:oMathPara>
+                  </a14:m>
+                  <a:endParaRPr lang="pt-BR" sz="1200" dirty="0"/>
+                </a:p>
+              </p:txBody>
+            </p:sp>
+          </mc:Choice>
+          <mc:Fallback>
+            <p:sp>
+              <p:nvSpPr>
+                <p:cNvPr id="63" name="TextBox 62"/>
+                <p:cNvSpPr txBox="1">
+                  <a:spLocks noRot="1" noChangeAspect="1" noMove="1" noResize="1" noEditPoints="1" noAdjustHandles="1" noChangeArrowheads="1" noChangeShapeType="1" noTextEdit="1"/>
+                </p:cNvSpPr>
+                <p:nvPr/>
+              </p:nvSpPr>
+              <p:spPr>
+                <a:xfrm>
+                  <a:off x="6285543" y="1725100"/>
+                  <a:ext cx="1135464" cy="276999"/>
+                </a:xfrm>
+                <a:prstGeom prst="rect">
+                  <a:avLst/>
+                </a:prstGeom>
+                <a:blipFill rotWithShape="0">
+                  <a:blip r:embed="rId3"/>
+                  <a:stretch>
+                    <a:fillRect/>
+                  </a:stretch>
+                </a:blipFill>
+              </p:spPr>
+              <p:txBody>
+                <a:bodyPr/>
+                <a:lstStyle/>
+                <a:p>
+                  <a:r>
+                    <a:rPr lang="pt-BR">
+                      <a:noFill/>
+                    </a:rPr>
+                    <a:t> </a:t>
+                  </a:r>
+                </a:p>
+              </p:txBody>
+            </p:sp>
+          </mc:Fallback>
+        </mc:AlternateContent>
+      </p:grpSp>
+      <p:grpSp>
+        <p:nvGrpSpPr>
+          <p:cNvPr id="67" name="Group 66"/>
+          <p:cNvGrpSpPr/>
+          <p:nvPr/>
+        </p:nvGrpSpPr>
+        <p:grpSpPr>
+          <a:xfrm>
+            <a:off x="5346999" y="369876"/>
+            <a:ext cx="2314895" cy="2160625"/>
+            <a:chOff x="8630975" y="522021"/>
+            <a:chExt cx="2314895" cy="2160625"/>
+          </a:xfrm>
+        </p:grpSpPr>
+        <p:grpSp>
+          <p:nvGrpSpPr>
+            <p:cNvPr id="60" name="Group 59"/>
+            <p:cNvGrpSpPr/>
+            <p:nvPr/>
+          </p:nvGrpSpPr>
+          <p:grpSpPr>
+            <a:xfrm>
+              <a:off x="8630975" y="522021"/>
+              <a:ext cx="2314895" cy="2160625"/>
+              <a:chOff x="5670226" y="3021786"/>
+              <a:chExt cx="2314895" cy="2160625"/>
+            </a:xfrm>
+          </p:grpSpPr>
+          <p:cxnSp>
+            <p:nvCxnSpPr>
+              <p:cNvPr id="44" name="Straight Arrow Connector 43"/>
+              <p:cNvCxnSpPr/>
+              <p:nvPr/>
+            </p:nvCxnSpPr>
+            <p:spPr>
+              <a:xfrm>
+                <a:off x="5910429" y="4863655"/>
+                <a:ext cx="1754403" cy="0"/>
+              </a:xfrm>
+              <a:prstGeom prst="straightConnector1">
+                <a:avLst/>
+              </a:prstGeom>
+              <a:ln w="28575">
+                <a:solidFill>
+                  <a:schemeClr val="tx1"/>
+                </a:solidFill>
+                <a:tailEnd type="triangle"/>
+              </a:ln>
+            </p:spPr>
+            <p:style>
+              <a:lnRef idx="1">
+                <a:schemeClr val="accent1"/>
+              </a:lnRef>
+              <a:fillRef idx="0">
+                <a:schemeClr val="accent1"/>
+              </a:fillRef>
+              <a:effectRef idx="0">
+                <a:schemeClr val="accent1"/>
+              </a:effectRef>
+              <a:fontRef idx="minor">
+                <a:schemeClr val="tx1"/>
+              </a:fontRef>
+            </p:style>
+          </p:cxnSp>
+          <p:cxnSp>
+            <p:nvCxnSpPr>
+              <p:cNvPr id="45" name="Straight Arrow Connector 44"/>
+              <p:cNvCxnSpPr/>
+              <p:nvPr/>
+            </p:nvCxnSpPr>
+            <p:spPr>
+              <a:xfrm flipV="1">
+                <a:off x="5910429" y="3113888"/>
+                <a:ext cx="0" cy="1754409"/>
+              </a:xfrm>
+              <a:prstGeom prst="straightConnector1">
+                <a:avLst/>
+              </a:prstGeom>
+              <a:ln w="28575">
+                <a:solidFill>
+                  <a:schemeClr val="tx1"/>
+                </a:solidFill>
+                <a:tailEnd type="triangle"/>
+              </a:ln>
+            </p:spPr>
+            <p:style>
+              <a:lnRef idx="1">
+                <a:schemeClr val="accent1"/>
+              </a:lnRef>
+              <a:fillRef idx="0">
+                <a:schemeClr val="accent1"/>
+              </a:fillRef>
+              <a:effectRef idx="0">
+                <a:schemeClr val="accent1"/>
+              </a:effectRef>
+              <a:fontRef idx="minor">
+                <a:schemeClr val="tx1"/>
+              </a:fontRef>
+            </p:style>
+          </p:cxnSp>
+          <p:sp>
+            <p:nvSpPr>
+              <p:cNvPr id="46" name="Rectangle 45"/>
+              <p:cNvSpPr/>
+              <p:nvPr/>
+            </p:nvSpPr>
+            <p:spPr>
+              <a:xfrm>
+                <a:off x="5910429" y="3323906"/>
+                <a:ext cx="1535103" cy="1535108"/>
+              </a:xfrm>
+              <a:prstGeom prst="rect">
+                <a:avLst/>
+              </a:prstGeom>
+              <a:noFill/>
+              <a:ln w="3175">
+                <a:solidFill>
+                  <a:schemeClr val="tx1"/>
+                </a:solidFill>
+                <a:prstDash val="dash"/>
+              </a:ln>
+            </p:spPr>
+            <p:style>
+              <a:lnRef idx="2">
+                <a:schemeClr val="accent1">
+                  <a:shade val="50000"/>
+                </a:schemeClr>
+              </a:lnRef>
+              <a:fillRef idx="1">
+                <a:schemeClr val="accent1"/>
+              </a:fillRef>
+              <a:effectRef idx="0">
+                <a:schemeClr val="accent1"/>
+              </a:effectRef>
+              <a:fontRef idx="minor">
+                <a:schemeClr val="lt1"/>
+              </a:fontRef>
+            </p:style>
+            <p:txBody>
+              <a:bodyPr rtlCol="0" anchor="ctr"/>
+              <a:lstStyle/>
+              <a:p>
+                <a:pPr algn="ctr"/>
+                <a:endParaRPr lang="pt-BR" sz="1100"/>
+              </a:p>
+            </p:txBody>
+          </p:sp>
+          <p:sp>
+            <p:nvSpPr>
+              <p:cNvPr id="47" name="TextBox 46"/>
+              <p:cNvSpPr txBox="1"/>
+              <p:nvPr/>
+            </p:nvSpPr>
+            <p:spPr>
+              <a:xfrm>
+                <a:off x="7664833" y="4746521"/>
+                <a:ext cx="320288" cy="261610"/>
+              </a:xfrm>
+              <a:prstGeom prst="rect">
+                <a:avLst/>
+              </a:prstGeom>
+              <a:noFill/>
+            </p:spPr>
+            <p:txBody>
+              <a:bodyPr wrap="square" rtlCol="0">
+                <a:spAutoFit/>
+              </a:bodyPr>
+              <a:lstStyle/>
+              <a:p>
+                <a:r>
+                  <a:rPr lang="pt-BR" sz="1100" dirty="0"/>
+                  <a:t>x1</a:t>
+                </a:r>
+              </a:p>
+            </p:txBody>
+          </p:sp>
+          <p:sp>
+            <p:nvSpPr>
+              <p:cNvPr id="48" name="TextBox 47"/>
+              <p:cNvSpPr txBox="1"/>
+              <p:nvPr/>
+            </p:nvSpPr>
+            <p:spPr>
+              <a:xfrm>
+                <a:off x="5910429" y="3021786"/>
+                <a:ext cx="320288" cy="261610"/>
+              </a:xfrm>
+              <a:prstGeom prst="rect">
+                <a:avLst/>
+              </a:prstGeom>
+              <a:noFill/>
+            </p:spPr>
+            <p:txBody>
+              <a:bodyPr wrap="square" rtlCol="0">
+                <a:spAutoFit/>
+              </a:bodyPr>
+              <a:lstStyle/>
+              <a:p>
+                <a:r>
+                  <a:rPr lang="pt-BR" sz="1100" dirty="0"/>
+                  <a:t>x2</a:t>
+                </a:r>
+              </a:p>
+            </p:txBody>
+          </p:sp>
+          <p:sp>
+            <p:nvSpPr>
+              <p:cNvPr id="49" name="Rectangle 48"/>
+              <p:cNvSpPr/>
+              <p:nvPr/>
+            </p:nvSpPr>
+            <p:spPr>
+              <a:xfrm>
+                <a:off x="5869198" y="3278250"/>
+                <a:ext cx="88195" cy="92837"/>
+              </a:xfrm>
+              <a:prstGeom prst="rect">
+                <a:avLst/>
+              </a:prstGeom>
+              <a:solidFill>
+                <a:srgbClr val="FF0000"/>
+              </a:solidFill>
+              <a:ln>
+                <a:solidFill>
+                  <a:srgbClr val="FF0000"/>
+                </a:solidFill>
+              </a:ln>
+            </p:spPr>
+            <p:style>
+              <a:lnRef idx="2">
+                <a:schemeClr val="accent1">
+                  <a:shade val="50000"/>
+                </a:schemeClr>
+              </a:lnRef>
+              <a:fillRef idx="1">
+                <a:schemeClr val="accent1"/>
+              </a:fillRef>
+              <a:effectRef idx="0">
+                <a:schemeClr val="accent1"/>
+              </a:effectRef>
+              <a:fontRef idx="minor">
+                <a:schemeClr val="lt1"/>
+              </a:fontRef>
+            </p:style>
+            <p:txBody>
+              <a:bodyPr rtlCol="0" anchor="ctr"/>
+              <a:lstStyle/>
+              <a:p>
+                <a:pPr algn="ctr"/>
+                <a:endParaRPr lang="pt-BR" sz="1100"/>
+              </a:p>
+            </p:txBody>
+          </p:sp>
+          <p:sp>
+            <p:nvSpPr>
+              <p:cNvPr id="52" name="TextBox 51"/>
+              <p:cNvSpPr txBox="1"/>
+              <p:nvPr/>
+            </p:nvSpPr>
+            <p:spPr>
+              <a:xfrm>
+                <a:off x="7328914" y="4920801"/>
+                <a:ext cx="233236" cy="261610"/>
+              </a:xfrm>
+              <a:prstGeom prst="rect">
+                <a:avLst/>
+              </a:prstGeom>
+              <a:noFill/>
+            </p:spPr>
+            <p:txBody>
+              <a:bodyPr wrap="square" rtlCol="0">
+                <a:spAutoFit/>
+              </a:bodyPr>
+              <a:lstStyle/>
+              <a:p>
+                <a:pPr algn="ctr"/>
+                <a:r>
+                  <a:rPr lang="pt-BR" sz="1100" dirty="0"/>
+                  <a:t>1</a:t>
+                </a:r>
+              </a:p>
+            </p:txBody>
+          </p:sp>
+          <p:sp>
+            <p:nvSpPr>
+              <p:cNvPr id="53" name="TextBox 52"/>
+              <p:cNvSpPr txBox="1"/>
+              <p:nvPr/>
+            </p:nvSpPr>
+            <p:spPr>
+              <a:xfrm>
+                <a:off x="5801131" y="4905433"/>
+                <a:ext cx="233236" cy="261610"/>
+              </a:xfrm>
+              <a:prstGeom prst="rect">
+                <a:avLst/>
+              </a:prstGeom>
+              <a:noFill/>
+            </p:spPr>
+            <p:txBody>
+              <a:bodyPr wrap="square" rtlCol="0">
+                <a:spAutoFit/>
+              </a:bodyPr>
+              <a:lstStyle/>
+              <a:p>
+                <a:pPr algn="ctr"/>
+                <a:r>
+                  <a:rPr lang="pt-BR" sz="1100" dirty="0"/>
+                  <a:t>0</a:t>
+                </a:r>
+              </a:p>
+            </p:txBody>
+          </p:sp>
+          <p:sp>
+            <p:nvSpPr>
+              <p:cNvPr id="54" name="TextBox 53"/>
+              <p:cNvSpPr txBox="1"/>
+              <p:nvPr/>
+            </p:nvSpPr>
+            <p:spPr>
+              <a:xfrm>
+                <a:off x="5670226" y="3216055"/>
+                <a:ext cx="233236" cy="261610"/>
+              </a:xfrm>
+              <a:prstGeom prst="rect">
+                <a:avLst/>
+              </a:prstGeom>
+              <a:noFill/>
+            </p:spPr>
+            <p:txBody>
+              <a:bodyPr wrap="square" rtlCol="0">
+                <a:spAutoFit/>
+              </a:bodyPr>
+              <a:lstStyle/>
+              <a:p>
+                <a:pPr algn="ctr"/>
+                <a:r>
+                  <a:rPr lang="pt-BR" sz="1100" dirty="0"/>
+                  <a:t>1</a:t>
+                </a:r>
+              </a:p>
+            </p:txBody>
+          </p:sp>
+          <p:cxnSp>
+            <p:nvCxnSpPr>
+              <p:cNvPr id="55" name="Straight Connector 54"/>
+              <p:cNvCxnSpPr>
+                <a:cxnSpLocks noChangeAspect="1"/>
+              </p:cNvCxnSpPr>
+              <p:nvPr/>
+            </p:nvCxnSpPr>
+            <p:spPr>
+              <a:xfrm rot="16200000">
+                <a:off x="6170264" y="3626151"/>
+                <a:ext cx="1425453" cy="1425457"/>
+              </a:xfrm>
+              <a:prstGeom prst="line">
+                <a:avLst/>
+              </a:prstGeom>
+              <a:ln w="28575">
+                <a:solidFill>
+                  <a:srgbClr val="00B050"/>
+                </a:solidFill>
+              </a:ln>
+            </p:spPr>
+            <p:style>
+              <a:lnRef idx="1">
+                <a:schemeClr val="accent1"/>
+              </a:lnRef>
+              <a:fillRef idx="0">
+                <a:schemeClr val="accent1"/>
+              </a:fillRef>
+              <a:effectRef idx="0">
+                <a:schemeClr val="accent1"/>
+              </a:effectRef>
+              <a:fontRef idx="minor">
+                <a:schemeClr val="tx1"/>
+              </a:fontRef>
+            </p:style>
+          </p:cxnSp>
+          <p:sp>
+            <p:nvSpPr>
+              <p:cNvPr id="57" name="Oval 56"/>
+              <p:cNvSpPr/>
+              <p:nvPr/>
+            </p:nvSpPr>
+            <p:spPr>
+              <a:xfrm>
+                <a:off x="7392954" y="4822500"/>
+                <a:ext cx="109650" cy="109651"/>
+              </a:xfrm>
+              <a:prstGeom prst="ellipse">
+                <a:avLst/>
+              </a:prstGeom>
+              <a:solidFill>
+                <a:srgbClr val="0070C0"/>
+              </a:solidFill>
+              <a:ln>
+                <a:solidFill>
+                  <a:srgbClr val="0070C0"/>
+                </a:solidFill>
+              </a:ln>
+            </p:spPr>
+            <p:style>
+              <a:lnRef idx="2">
+                <a:schemeClr val="accent1">
+                  <a:shade val="50000"/>
+                </a:schemeClr>
+              </a:lnRef>
+              <a:fillRef idx="1">
+                <a:schemeClr val="accent1"/>
+              </a:fillRef>
+              <a:effectRef idx="0">
+                <a:schemeClr val="accent1"/>
+              </a:effectRef>
+              <a:fontRef idx="minor">
+                <a:schemeClr val="lt1"/>
+              </a:fontRef>
+            </p:style>
+            <p:txBody>
+              <a:bodyPr rtlCol="0" anchor="ctr"/>
+              <a:lstStyle/>
+              <a:p>
+                <a:pPr algn="ctr"/>
+                <a:endParaRPr lang="pt-BR" sz="1100"/>
+              </a:p>
+            </p:txBody>
+          </p:sp>
+          <p:sp>
+            <p:nvSpPr>
+              <p:cNvPr id="58" name="Rectangle 57"/>
+              <p:cNvSpPr/>
+              <p:nvPr/>
+            </p:nvSpPr>
+            <p:spPr>
+              <a:xfrm>
+                <a:off x="5865330" y="4816013"/>
+                <a:ext cx="88195" cy="92837"/>
+              </a:xfrm>
+              <a:prstGeom prst="rect">
+                <a:avLst/>
+              </a:prstGeom>
+              <a:solidFill>
+                <a:srgbClr val="FF0000"/>
+              </a:solidFill>
+              <a:ln>
+                <a:solidFill>
+                  <a:srgbClr val="FF0000"/>
+                </a:solidFill>
+              </a:ln>
+            </p:spPr>
+            <p:style>
+              <a:lnRef idx="2">
+                <a:schemeClr val="accent1">
+                  <a:shade val="50000"/>
+                </a:schemeClr>
+              </a:lnRef>
+              <a:fillRef idx="1">
+                <a:schemeClr val="accent1"/>
+              </a:fillRef>
+              <a:effectRef idx="0">
+                <a:schemeClr val="accent1"/>
+              </a:effectRef>
+              <a:fontRef idx="minor">
+                <a:schemeClr val="lt1"/>
+              </a:fontRef>
+            </p:style>
+            <p:txBody>
+              <a:bodyPr rtlCol="0" anchor="ctr"/>
+              <a:lstStyle/>
+              <a:p>
+                <a:pPr algn="ctr"/>
+                <a:endParaRPr lang="pt-BR" sz="1100"/>
+              </a:p>
+            </p:txBody>
+          </p:sp>
+          <p:sp>
+            <p:nvSpPr>
+              <p:cNvPr id="59" name="Rectangle 58"/>
+              <p:cNvSpPr/>
+              <p:nvPr/>
+            </p:nvSpPr>
+            <p:spPr>
+              <a:xfrm>
+                <a:off x="7401330" y="3272845"/>
+                <a:ext cx="88195" cy="92837"/>
+              </a:xfrm>
+              <a:prstGeom prst="rect">
+                <a:avLst/>
+              </a:prstGeom>
+              <a:solidFill>
+                <a:srgbClr val="FF0000"/>
+              </a:solidFill>
+              <a:ln>
+                <a:solidFill>
+                  <a:srgbClr val="FF0000"/>
+                </a:solidFill>
+              </a:ln>
+            </p:spPr>
+            <p:style>
+              <a:lnRef idx="2">
+                <a:schemeClr val="accent1">
+                  <a:shade val="50000"/>
+                </a:schemeClr>
+              </a:lnRef>
+              <a:fillRef idx="1">
+                <a:schemeClr val="accent1"/>
+              </a:fillRef>
+              <a:effectRef idx="0">
+                <a:schemeClr val="accent1"/>
+              </a:effectRef>
+              <a:fontRef idx="minor">
+                <a:schemeClr val="lt1"/>
+              </a:fontRef>
+            </p:style>
+            <p:txBody>
+              <a:bodyPr rtlCol="0" anchor="ctr"/>
+              <a:lstStyle/>
+              <a:p>
+                <a:pPr algn="ctr"/>
+                <a:endParaRPr lang="pt-BR" sz="1100"/>
+              </a:p>
+            </p:txBody>
+          </p:sp>
+        </p:grpSp>
+        <mc:AlternateContent xmlns:mc="http://schemas.openxmlformats.org/markup-compatibility/2006">
+          <mc:Choice xmlns:a14="http://schemas.microsoft.com/office/drawing/2010/main" Requires="a14">
+            <p:sp>
+              <p:nvSpPr>
+                <p:cNvPr id="64" name="TextBox 63"/>
+                <p:cNvSpPr txBox="1"/>
+                <p:nvPr/>
+              </p:nvSpPr>
+              <p:spPr>
+                <a:xfrm>
+                  <a:off x="9490348" y="1935768"/>
+                  <a:ext cx="1135464" cy="276999"/>
+                </a:xfrm>
+                <a:prstGeom prst="rect">
+                  <a:avLst/>
+                </a:prstGeom>
+                <a:noFill/>
+              </p:spPr>
+              <p:txBody>
+                <a:bodyPr wrap="square" rtlCol="0">
+                  <a:spAutoFit/>
+                </a:bodyPr>
+                <a:lstStyle/>
+                <a:p>
+                  <a14:m>
+                    <m:oMathPara xmlns:m="http://schemas.openxmlformats.org/officeDocument/2006/math">
+                      <m:oMathParaPr>
+                        <m:jc m:val="centerGroup"/>
+                      </m:oMathParaPr>
+                      <m:oMath xmlns:m="http://schemas.openxmlformats.org/officeDocument/2006/math">
+                        <m:r>
+                          <a:rPr lang="pt-BR" sz="1200" b="0" i="1" smtClean="0">
+                            <a:latin typeface="Cambria Math" panose="02040503050406030204" pitchFamily="18" charset="0"/>
+                          </a:rPr>
+                          <m:t>𝑔</m:t>
+                        </m:r>
+                        <m:d>
+                          <m:dPr>
+                            <m:ctrlPr>
+                              <a:rPr lang="pt-BR" sz="1200" b="0" i="1" smtClean="0">
+                                <a:latin typeface="Cambria Math" panose="02040503050406030204" pitchFamily="18" charset="0"/>
+                              </a:rPr>
+                            </m:ctrlPr>
+                          </m:dPr>
+                          <m:e>
+                            <m:r>
+                              <a:rPr lang="pt-BR" sz="1200" b="1" i="1" smtClean="0">
+                                <a:latin typeface="Cambria Math" panose="02040503050406030204" pitchFamily="18" charset="0"/>
+                              </a:rPr>
+                              <m:t>𝒙</m:t>
+                            </m:r>
+                          </m:e>
+                        </m:d>
+                        <m:r>
+                          <a:rPr lang="pt-BR" sz="1200" b="0" i="1" smtClean="0">
+                            <a:latin typeface="Cambria Math" panose="02040503050406030204" pitchFamily="18" charset="0"/>
+                          </a:rPr>
+                          <m:t>≥0</m:t>
+                        </m:r>
+                      </m:oMath>
+                    </m:oMathPara>
+                  </a14:m>
+                  <a:endParaRPr lang="pt-BR" sz="1200" dirty="0"/>
+                </a:p>
+              </p:txBody>
+            </p:sp>
+          </mc:Choice>
+          <mc:Fallback>
+            <p:sp>
+              <p:nvSpPr>
+                <p:cNvPr id="64" name="TextBox 63"/>
+                <p:cNvSpPr txBox="1">
+                  <a:spLocks noRot="1" noChangeAspect="1" noMove="1" noResize="1" noEditPoints="1" noAdjustHandles="1" noChangeArrowheads="1" noChangeShapeType="1" noTextEdit="1"/>
+                </p:cNvSpPr>
+                <p:nvPr/>
+              </p:nvSpPr>
+              <p:spPr>
+                <a:xfrm>
+                  <a:off x="9490348" y="1935768"/>
+                  <a:ext cx="1135464" cy="276999"/>
+                </a:xfrm>
+                <a:prstGeom prst="rect">
+                  <a:avLst/>
+                </a:prstGeom>
+                <a:blipFill rotWithShape="0">
+                  <a:blip r:embed="rId4"/>
+                  <a:stretch>
+                    <a:fillRect/>
+                  </a:stretch>
+                </a:blipFill>
+              </p:spPr>
+              <p:txBody>
+                <a:bodyPr/>
+                <a:lstStyle/>
+                <a:p>
+                  <a:r>
+                    <a:rPr lang="pt-BR">
+                      <a:noFill/>
+                    </a:rPr>
+                    <a:t> </a:t>
+                  </a:r>
+                </a:p>
+              </p:txBody>
+            </p:sp>
+          </mc:Fallback>
+        </mc:AlternateContent>
+        <mc:AlternateContent xmlns:mc="http://schemas.openxmlformats.org/markup-compatibility/2006">
+          <mc:Choice xmlns:a14="http://schemas.microsoft.com/office/drawing/2010/main" Requires="a14">
+            <p:sp>
+              <p:nvSpPr>
+                <p:cNvPr id="65" name="TextBox 64"/>
+                <p:cNvSpPr txBox="1"/>
+                <p:nvPr/>
+              </p:nvSpPr>
+              <p:spPr>
+                <a:xfrm>
+                  <a:off x="8887829" y="1276286"/>
+                  <a:ext cx="1135464" cy="276999"/>
+                </a:xfrm>
+                <a:prstGeom prst="rect">
+                  <a:avLst/>
+                </a:prstGeom>
+                <a:noFill/>
+              </p:spPr>
+              <p:txBody>
+                <a:bodyPr wrap="square" rtlCol="0">
+                  <a:spAutoFit/>
+                </a:bodyPr>
+                <a:lstStyle/>
+                <a:p>
+                  <a14:m>
+                    <m:oMathPara xmlns:m="http://schemas.openxmlformats.org/officeDocument/2006/math">
+                      <m:oMathParaPr>
+                        <m:jc m:val="centerGroup"/>
+                      </m:oMathParaPr>
+                      <m:oMath xmlns:m="http://schemas.openxmlformats.org/officeDocument/2006/math">
+                        <m:r>
+                          <a:rPr lang="pt-BR" sz="1200" b="0" i="1" smtClean="0">
+                            <a:latin typeface="Cambria Math" panose="02040503050406030204" pitchFamily="18" charset="0"/>
+                          </a:rPr>
+                          <m:t>𝑔</m:t>
+                        </m:r>
+                        <m:d>
+                          <m:dPr>
+                            <m:ctrlPr>
+                              <a:rPr lang="pt-BR" sz="1200" b="0" i="1" smtClean="0">
+                                <a:latin typeface="Cambria Math" panose="02040503050406030204" pitchFamily="18" charset="0"/>
+                              </a:rPr>
+                            </m:ctrlPr>
+                          </m:dPr>
+                          <m:e>
+                            <m:r>
+                              <a:rPr lang="pt-BR" sz="1200" b="1" i="1" smtClean="0">
+                                <a:latin typeface="Cambria Math" panose="02040503050406030204" pitchFamily="18" charset="0"/>
+                              </a:rPr>
+                              <m:t>𝒙</m:t>
+                            </m:r>
+                          </m:e>
+                        </m:d>
+                        <m:r>
+                          <a:rPr lang="pt-BR" sz="1200" b="0" i="1" smtClean="0">
+                            <a:latin typeface="Cambria Math" panose="02040503050406030204" pitchFamily="18" charset="0"/>
+                          </a:rPr>
+                          <m:t>&lt;0</m:t>
+                        </m:r>
+                      </m:oMath>
+                    </m:oMathPara>
+                  </a14:m>
+                  <a:endParaRPr lang="pt-BR" sz="1200" dirty="0"/>
+                </a:p>
+              </p:txBody>
+            </p:sp>
+          </mc:Choice>
+          <mc:Fallback>
+            <p:sp>
+              <p:nvSpPr>
+                <p:cNvPr id="65" name="TextBox 64"/>
+                <p:cNvSpPr txBox="1">
+                  <a:spLocks noRot="1" noChangeAspect="1" noMove="1" noResize="1" noEditPoints="1" noAdjustHandles="1" noChangeArrowheads="1" noChangeShapeType="1" noTextEdit="1"/>
+                </p:cNvSpPr>
+                <p:nvPr/>
+              </p:nvSpPr>
+              <p:spPr>
+                <a:xfrm>
+                  <a:off x="8887829" y="1276286"/>
+                  <a:ext cx="1135464" cy="276999"/>
+                </a:xfrm>
+                <a:prstGeom prst="rect">
+                  <a:avLst/>
+                </a:prstGeom>
+                <a:blipFill rotWithShape="0">
+                  <a:blip r:embed="rId5"/>
+                  <a:stretch>
+                    <a:fillRect/>
+                  </a:stretch>
+                </a:blipFill>
+              </p:spPr>
+              <p:txBody>
+                <a:bodyPr/>
+                <a:lstStyle/>
+                <a:p>
+                  <a:r>
+                    <a:rPr lang="pt-BR">
+                      <a:noFill/>
+                    </a:rPr>
+                    <a:t> </a:t>
+                  </a:r>
+                </a:p>
+              </p:txBody>
+            </p:sp>
+          </mc:Fallback>
+        </mc:AlternateContent>
+      </p:grpSp>
+      <p:sp>
+        <p:nvSpPr>
+          <p:cNvPr id="68" name="Rectangle 67"/>
+          <p:cNvSpPr/>
+          <p:nvPr/>
+        </p:nvSpPr>
+        <p:spPr>
+          <a:xfrm>
+            <a:off x="7078102" y="3099867"/>
+            <a:ext cx="88195" cy="92837"/>
+          </a:xfrm>
+          <a:prstGeom prst="rect">
+            <a:avLst/>
+          </a:prstGeom>
+          <a:solidFill>
+            <a:srgbClr val="FF0000"/>
+          </a:solidFill>
+          <a:ln>
+            <a:solidFill>
+              <a:srgbClr val="FF0000"/>
+            </a:solidFill>
+          </a:ln>
+        </p:spPr>
+        <p:style>
+          <a:lnRef idx="2">
+            <a:schemeClr val="accent1">
+              <a:shade val="50000"/>
+            </a:schemeClr>
+          </a:lnRef>
+          <a:fillRef idx="1">
+            <a:schemeClr val="accent1"/>
+          </a:fillRef>
+          <a:effectRef idx="0">
+            <a:schemeClr val="accent1"/>
+          </a:effectRef>
+          <a:fontRef idx="minor">
+            <a:schemeClr val="lt1"/>
+          </a:fontRef>
+        </p:style>
+        <p:txBody>
+          <a:bodyPr rtlCol="0" anchor="ctr"/>
+          <a:lstStyle/>
+          <a:p>
+            <a:pPr algn="ctr"/>
+            <a:endParaRPr lang="pt-BR" sz="1100"/>
+          </a:p>
+        </p:txBody>
+      </p:sp>
+      <p:sp>
+        <p:nvSpPr>
+          <p:cNvPr id="69" name="Rectangle 68"/>
+          <p:cNvSpPr/>
+          <p:nvPr/>
+        </p:nvSpPr>
+        <p:spPr>
+          <a:xfrm>
+            <a:off x="5535184" y="4632654"/>
+            <a:ext cx="88195" cy="92837"/>
+          </a:xfrm>
+          <a:prstGeom prst="rect">
+            <a:avLst/>
+          </a:prstGeom>
+          <a:solidFill>
+            <a:srgbClr val="FF0000"/>
+          </a:solidFill>
+          <a:ln>
+            <a:solidFill>
+              <a:srgbClr val="FF0000"/>
+            </a:solidFill>
+          </a:ln>
+        </p:spPr>
+        <p:style>
+          <a:lnRef idx="2">
+            <a:schemeClr val="accent1">
+              <a:shade val="50000"/>
+            </a:schemeClr>
+          </a:lnRef>
+          <a:fillRef idx="1">
+            <a:schemeClr val="accent1"/>
+          </a:fillRef>
+          <a:effectRef idx="0">
+            <a:schemeClr val="accent1"/>
+          </a:effectRef>
+          <a:fontRef idx="minor">
+            <a:schemeClr val="lt1"/>
+          </a:fontRef>
+        </p:style>
+        <p:txBody>
+          <a:bodyPr rtlCol="0" anchor="ctr"/>
+          <a:lstStyle/>
+          <a:p>
+            <a:pPr algn="ctr"/>
+            <a:endParaRPr lang="pt-BR" sz="1100"/>
+          </a:p>
+        </p:txBody>
+      </p:sp>
+    </p:spTree>
+    <p:extLst>
+      <p:ext uri="{BB962C8B-B14F-4D97-AF65-F5344CB8AC3E}">
+        <p14:creationId xmlns:p14="http://schemas.microsoft.com/office/powerpoint/2010/main" val="1429812839"/>
       </p:ext>
     </p:extLst>
   </p:cSld>
